--- a/PP WORK/Instructor Version/Week 2/Week 2 lecture 2 LT.pptx
+++ b/PP WORK/Instructor Version/Week 2/Week 2 lecture 2 LT.pptx
@@ -5,7 +5,7 @@
     <p:sldMasterId id="2147483660" r:id="rId1"/>
   </p:sldMasterIdLst>
   <p:notesMasterIdLst>
-    <p:notesMasterId r:id="rId26"/>
+    <p:notesMasterId r:id="rId28"/>
   </p:notesMasterIdLst>
   <p:sldIdLst>
     <p:sldId id="286" r:id="rId2"/>
@@ -15,23 +15,25 @@
     <p:sldId id="265" r:id="rId6"/>
     <p:sldId id="266" r:id="rId7"/>
     <p:sldId id="267" r:id="rId8"/>
-    <p:sldId id="268" r:id="rId9"/>
-    <p:sldId id="269" r:id="rId10"/>
-    <p:sldId id="271" r:id="rId11"/>
-    <p:sldId id="272" r:id="rId12"/>
-    <p:sldId id="273" r:id="rId13"/>
-    <p:sldId id="274" r:id="rId14"/>
-    <p:sldId id="275" r:id="rId15"/>
-    <p:sldId id="285" r:id="rId16"/>
-    <p:sldId id="276" r:id="rId17"/>
-    <p:sldId id="277" r:id="rId18"/>
-    <p:sldId id="278" r:id="rId19"/>
-    <p:sldId id="279" r:id="rId20"/>
-    <p:sldId id="280" r:id="rId21"/>
-    <p:sldId id="282" r:id="rId22"/>
-    <p:sldId id="283" r:id="rId23"/>
-    <p:sldId id="284" r:id="rId24"/>
-    <p:sldId id="287" r:id="rId25"/>
+    <p:sldId id="289" r:id="rId9"/>
+    <p:sldId id="268" r:id="rId10"/>
+    <p:sldId id="269" r:id="rId11"/>
+    <p:sldId id="290" r:id="rId12"/>
+    <p:sldId id="271" r:id="rId13"/>
+    <p:sldId id="272" r:id="rId14"/>
+    <p:sldId id="273" r:id="rId15"/>
+    <p:sldId id="274" r:id="rId16"/>
+    <p:sldId id="275" r:id="rId17"/>
+    <p:sldId id="285" r:id="rId18"/>
+    <p:sldId id="276" r:id="rId19"/>
+    <p:sldId id="277" r:id="rId20"/>
+    <p:sldId id="278" r:id="rId21"/>
+    <p:sldId id="279" r:id="rId22"/>
+    <p:sldId id="280" r:id="rId23"/>
+    <p:sldId id="282" r:id="rId24"/>
+    <p:sldId id="283" r:id="rId25"/>
+    <p:sldId id="284" r:id="rId26"/>
+    <p:sldId id="287" r:id="rId27"/>
   </p:sldIdLst>
   <p:sldSz cx="12192000" cy="6858000"/>
   <p:notesSz cx="6858000" cy="9144000"/>
@@ -132,7 +134,7 @@
   </p:defaultTextStyle>
   <p:extLst>
     <p:ext uri="{EFAFB233-063F-42B5-8137-9DF3F51BA10A}">
-      <p15:sldGuideLst xmlns:p15="http://schemas.microsoft.com/office/powerpoint/2012/main"/>
+      <p15:sldGuideLst xmlns:p15="http://schemas.microsoft.com/office/powerpoint/2012/main" xmlns=""/>
     </p:ext>
   </p:extLst>
 </p:presentation>
@@ -220,7 +222,7 @@
           <a:p>
             <a:fld id="{18AB4343-410D-4114-8175-E2D7C9308D80}" type="datetimeFigureOut">
               <a:rPr lang="en-US" smtClean="0"/>
-              <a:t>9/30/2024</a:t>
+              <a:t>1/10/2025</a:t>
             </a:fld>
             <a:endParaRPr lang="en-US"/>
           </a:p>
@@ -677,7 +679,127 @@
           <a:bodyPr/>
           <a:lstStyle/>
           <a:p>
-            <a:endParaRPr lang="en-GB" dirty="0"/>
+            <a:endParaRPr lang="en-US" sz="1800" dirty="0"/>
+          </a:p>
+          <a:p>
+            <a:r>
+              <a:rPr lang="en-US" sz="1800" dirty="0">
+                <a:solidFill>
+                  <a:schemeClr val="tx1"/>
+                </a:solidFill>
+              </a:rPr>
+              <a:t>And </a:t>
+            </a:r>
+            <a:r>
+              <a:rPr lang="en-US" sz="1800" b="1" dirty="0">
+                <a:solidFill>
+                  <a:schemeClr val="tx1"/>
+                </a:solidFill>
+              </a:rPr>
+              <a:t>Quantitative data</a:t>
+            </a:r>
+            <a:r>
+              <a:rPr lang="en-US" sz="1800" dirty="0">
+                <a:solidFill>
+                  <a:schemeClr val="tx1"/>
+                </a:solidFill>
+              </a:rPr>
+              <a:t> can also be </a:t>
+            </a:r>
+            <a:r>
+              <a:rPr lang="en-US" sz="1800" u="none" dirty="0">
+                <a:solidFill>
+                  <a:schemeClr val="tx1"/>
+                </a:solidFill>
+              </a:rPr>
+              <a:t>Discrete or Continuous</a:t>
+            </a:r>
+            <a:r>
+              <a:rPr lang="en-US" sz="1800" dirty="0">
+                <a:solidFill>
+                  <a:schemeClr val="tx1"/>
+                </a:solidFill>
+              </a:rPr>
+              <a:t>:</a:t>
+            </a:r>
+          </a:p>
+          <a:p>
+            <a:r>
+              <a:rPr lang="en-US" sz="1800" b="1" dirty="0">
+                <a:solidFill>
+                  <a:schemeClr val="tx1"/>
+                </a:solidFill>
+              </a:rPr>
+              <a:t>Discrete data</a:t>
+            </a:r>
+            <a:r>
+              <a:rPr lang="en-US" sz="1800" dirty="0">
+                <a:solidFill>
+                  <a:schemeClr val="tx1"/>
+                </a:solidFill>
+              </a:rPr>
+              <a:t> can only take certain values (like whole numbers)</a:t>
+            </a:r>
+          </a:p>
+          <a:p>
+            <a:r>
+              <a:rPr lang="en-US" sz="1800" b="1" dirty="0">
+                <a:solidFill>
+                  <a:schemeClr val="tx1"/>
+                </a:solidFill>
+              </a:rPr>
+              <a:t>Continuous data</a:t>
+            </a:r>
+            <a:r>
+              <a:rPr lang="en-US" sz="1800" dirty="0">
+                <a:solidFill>
+                  <a:schemeClr val="tx1"/>
+                </a:solidFill>
+              </a:rPr>
+              <a:t> can take any value (within a range) </a:t>
+            </a:r>
+          </a:p>
+          <a:p>
+            <a:r>
+              <a:rPr lang="en-US" sz="1800" dirty="0">
+                <a:solidFill>
+                  <a:schemeClr val="tx1"/>
+                </a:solidFill>
+              </a:rPr>
+              <a:t>Put simply: </a:t>
+            </a:r>
+            <a:r>
+              <a:rPr lang="en-US" sz="1800" b="1" dirty="0">
+                <a:solidFill>
+                  <a:schemeClr val="tx1"/>
+                </a:solidFill>
+              </a:rPr>
+              <a:t>Discrete data</a:t>
+            </a:r>
+            <a:r>
+              <a:rPr lang="en-US" sz="1800" dirty="0">
+                <a:solidFill>
+                  <a:schemeClr val="tx1"/>
+                </a:solidFill>
+              </a:rPr>
+              <a:t> is counted, </a:t>
+            </a:r>
+            <a:r>
+              <a:rPr lang="en-US" sz="1800" b="1" dirty="0">
+                <a:solidFill>
+                  <a:schemeClr val="tx1"/>
+                </a:solidFill>
+              </a:rPr>
+              <a:t>Continuous data</a:t>
+            </a:r>
+            <a:r>
+              <a:rPr lang="en-US" sz="1800" dirty="0">
+                <a:solidFill>
+                  <a:schemeClr val="tx1"/>
+                </a:solidFill>
+              </a:rPr>
+              <a:t> is measured </a:t>
+            </a:r>
           </a:p>
         </p:txBody>
       </p:sp>
@@ -688,7 +810,7 @@
             <a:spLocks noGrp="1"/>
           </p:cNvSpPr>
           <p:nvPr>
-            <p:ph type="sldNum" sz="quarter" idx="5"/>
+            <p:ph type="sldNum" sz="quarter" idx="10"/>
           </p:nvPr>
         </p:nvSpPr>
         <p:spPr/>
@@ -696,9 +818,10 @@
           <a:bodyPr/>
           <a:lstStyle/>
           <a:p>
-            <a:fld id="{DD6D8643-BD33-49CB-B3F5-37AD37437AD5}" type="slidenum">
+            <a:fld id="{972FA3FF-23C3-4E75-88F6-673CF187F7E6}" type="slidenum">
               <a:rPr lang="en-US" smtClean="0"/>
-              <a:t>23</a:t>
+              <a:pPr/>
+              <a:t>14</a:t>
             </a:fld>
             <a:endParaRPr lang="en-US"/>
           </a:p>
@@ -707,7 +830,7 @@
     </p:spTree>
     <p:extLst>
       <p:ext uri="{BB962C8B-B14F-4D97-AF65-F5344CB8AC3E}">
-        <p14:creationId xmlns:p14="http://schemas.microsoft.com/office/powerpoint/2010/main" val="3359801820"/>
+        <p14:creationId xmlns:p14="http://schemas.microsoft.com/office/powerpoint/2010/main" val="3649262743"/>
       </p:ext>
     </p:extLst>
   </p:cSld>
@@ -782,7 +905,91 @@
           <a:p>
             <a:fld id="{DD6D8643-BD33-49CB-B3F5-37AD37437AD5}" type="slidenum">
               <a:rPr lang="en-US" smtClean="0"/>
-              <a:t>24</a:t>
+              <a:t>25</a:t>
+            </a:fld>
+            <a:endParaRPr lang="en-US"/>
+          </a:p>
+        </p:txBody>
+      </p:sp>
+    </p:spTree>
+    <p:extLst>
+      <p:ext uri="{BB962C8B-B14F-4D97-AF65-F5344CB8AC3E}">
+        <p14:creationId xmlns:p14="http://schemas.microsoft.com/office/powerpoint/2010/main" val="3359801820"/>
+      </p:ext>
+    </p:extLst>
+  </p:cSld>
+  <p:clrMapOvr>
+    <a:masterClrMapping/>
+  </p:clrMapOvr>
+</p:notes>
+</file>
+
+<file path=ppt/notesSlides/notesSlide12.xml><?xml version="1.0" encoding="utf-8"?>
+<p:notes xmlns:a="http://schemas.openxmlformats.org/drawingml/2006/main" xmlns:r="http://schemas.openxmlformats.org/officeDocument/2006/relationships" xmlns:p="http://schemas.openxmlformats.org/presentationml/2006/main">
+  <p:cSld>
+    <p:spTree>
+      <p:nvGrpSpPr>
+        <p:cNvPr id="1" name=""/>
+        <p:cNvGrpSpPr/>
+        <p:nvPr/>
+      </p:nvGrpSpPr>
+      <p:grpSpPr>
+        <a:xfrm>
+          <a:off x="0" y="0"/>
+          <a:ext cx="0" cy="0"/>
+          <a:chOff x="0" y="0"/>
+          <a:chExt cx="0" cy="0"/>
+        </a:xfrm>
+      </p:grpSpPr>
+      <p:sp>
+        <p:nvSpPr>
+          <p:cNvPr id="2" name="Slide Image Placeholder 1"/>
+          <p:cNvSpPr>
+            <a:spLocks noGrp="1" noRot="1" noChangeAspect="1"/>
+          </p:cNvSpPr>
+          <p:nvPr>
+            <p:ph type="sldImg"/>
+          </p:nvPr>
+        </p:nvSpPr>
+        <p:spPr/>
+      </p:sp>
+      <p:sp>
+        <p:nvSpPr>
+          <p:cNvPr id="3" name="Notes Placeholder 2"/>
+          <p:cNvSpPr>
+            <a:spLocks noGrp="1"/>
+          </p:cNvSpPr>
+          <p:nvPr>
+            <p:ph type="body" idx="1"/>
+          </p:nvPr>
+        </p:nvSpPr>
+        <p:spPr/>
+        <p:txBody>
+          <a:bodyPr/>
+          <a:lstStyle/>
+          <a:p>
+            <a:endParaRPr lang="en-GB" dirty="0"/>
+          </a:p>
+        </p:txBody>
+      </p:sp>
+      <p:sp>
+        <p:nvSpPr>
+          <p:cNvPr id="4" name="Slide Number Placeholder 3"/>
+          <p:cNvSpPr>
+            <a:spLocks noGrp="1"/>
+          </p:cNvSpPr>
+          <p:nvPr>
+            <p:ph type="sldNum" sz="quarter" idx="5"/>
+          </p:nvPr>
+        </p:nvSpPr>
+        <p:spPr/>
+        <p:txBody>
+          <a:bodyPr/>
+          <a:lstStyle/>
+          <a:p>
+            <a:fld id="{DD6D8643-BD33-49CB-B3F5-37AD37437AD5}" type="slidenum">
+              <a:rPr lang="en-US" smtClean="0"/>
+              <a:t>26</a:t>
             </a:fld>
             <a:endParaRPr lang="en-US"/>
           </a:p>
@@ -1427,7 +1634,7 @@
     </p:spTree>
     <p:extLst>
       <p:ext uri="{BB962C8B-B14F-4D97-AF65-F5344CB8AC3E}">
-        <p14:creationId xmlns:p14="http://schemas.microsoft.com/office/powerpoint/2010/main" val="1712146193"/>
+        <p14:creationId xmlns:p14="http://schemas.microsoft.com/office/powerpoint/2010/main" val="4062419462"/>
       </p:ext>
     </p:extLst>
   </p:cSld>
@@ -1456,7 +1663,7 @@
       </p:grpSpPr>
       <p:sp>
         <p:nvSpPr>
-          <p:cNvPr id="2" name="Slide Image Placeholder 1"/>
+          <p:cNvPr id="2" name="عنصر نائب لصورة الشريحة 1"/>
           <p:cNvSpPr>
             <a:spLocks noGrp="1" noRot="1" noChangeAspect="1"/>
           </p:cNvSpPr>
@@ -1468,7 +1675,7 @@
       </p:sp>
       <p:sp>
         <p:nvSpPr>
-          <p:cNvPr id="3" name="Notes Placeholder 2"/>
+          <p:cNvPr id="3" name="عنصر نائب للملاحظات 2"/>
           <p:cNvSpPr>
             <a:spLocks noGrp="1"/>
           </p:cNvSpPr>
@@ -1478,136 +1685,18 @@
         </p:nvSpPr>
         <p:spPr/>
         <p:txBody>
-          <a:bodyPr/>
+          <a:bodyPr>
+            <a:normAutofit/>
+          </a:bodyPr>
           <a:lstStyle/>
           <a:p>
-            <a:endParaRPr lang="en-US" sz="1800" dirty="0"/>
-          </a:p>
-          <a:p>
-            <a:r>
-              <a:rPr lang="en-US" sz="1800" dirty="0">
-                <a:solidFill>
-                  <a:schemeClr val="tx1"/>
-                </a:solidFill>
-              </a:rPr>
-              <a:t>And </a:t>
-            </a:r>
-            <a:r>
-              <a:rPr lang="en-US" sz="1800" b="1" dirty="0">
-                <a:solidFill>
-                  <a:schemeClr val="tx1"/>
-                </a:solidFill>
-              </a:rPr>
-              <a:t>Quantitative data</a:t>
-            </a:r>
-            <a:r>
-              <a:rPr lang="en-US" sz="1800" dirty="0">
-                <a:solidFill>
-                  <a:schemeClr val="tx1"/>
-                </a:solidFill>
-              </a:rPr>
-              <a:t> can also be </a:t>
-            </a:r>
-            <a:r>
-              <a:rPr lang="en-US" sz="1800" u="none" dirty="0">
-                <a:solidFill>
-                  <a:schemeClr val="tx1"/>
-                </a:solidFill>
-              </a:rPr>
-              <a:t>Discrete or Continuous</a:t>
-            </a:r>
-            <a:r>
-              <a:rPr lang="en-US" sz="1800" dirty="0">
-                <a:solidFill>
-                  <a:schemeClr val="tx1"/>
-                </a:solidFill>
-              </a:rPr>
-              <a:t>:</a:t>
-            </a:r>
-          </a:p>
-          <a:p>
-            <a:r>
-              <a:rPr lang="en-US" sz="1800" b="1" dirty="0">
-                <a:solidFill>
-                  <a:schemeClr val="tx1"/>
-                </a:solidFill>
-              </a:rPr>
-              <a:t>Discrete data</a:t>
-            </a:r>
-            <a:r>
-              <a:rPr lang="en-US" sz="1800" dirty="0">
-                <a:solidFill>
-                  <a:schemeClr val="tx1"/>
-                </a:solidFill>
-              </a:rPr>
-              <a:t> can only take certain values (like whole numbers)</a:t>
-            </a:r>
-          </a:p>
-          <a:p>
-            <a:r>
-              <a:rPr lang="en-US" sz="1800" b="1" dirty="0">
-                <a:solidFill>
-                  <a:schemeClr val="tx1"/>
-                </a:solidFill>
-              </a:rPr>
-              <a:t>Continuous data</a:t>
-            </a:r>
-            <a:r>
-              <a:rPr lang="en-US" sz="1800" dirty="0">
-                <a:solidFill>
-                  <a:schemeClr val="tx1"/>
-                </a:solidFill>
-              </a:rPr>
-              <a:t> can take any value (within a range) </a:t>
-            </a:r>
-          </a:p>
-          <a:p>
-            <a:r>
-              <a:rPr lang="en-US" sz="1800" dirty="0">
-                <a:solidFill>
-                  <a:schemeClr val="tx1"/>
-                </a:solidFill>
-              </a:rPr>
-              <a:t>Put simply: </a:t>
-            </a:r>
-            <a:r>
-              <a:rPr lang="en-US" sz="1800" b="1" dirty="0">
-                <a:solidFill>
-                  <a:schemeClr val="tx1"/>
-                </a:solidFill>
-              </a:rPr>
-              <a:t>Discrete data</a:t>
-            </a:r>
-            <a:r>
-              <a:rPr lang="en-US" sz="1800" dirty="0">
-                <a:solidFill>
-                  <a:schemeClr val="tx1"/>
-                </a:solidFill>
-              </a:rPr>
-              <a:t> is counted, </a:t>
-            </a:r>
-            <a:r>
-              <a:rPr lang="en-US" sz="1800" b="1" dirty="0">
-                <a:solidFill>
-                  <a:schemeClr val="tx1"/>
-                </a:solidFill>
-              </a:rPr>
-              <a:t>Continuous data</a:t>
-            </a:r>
-            <a:r>
-              <a:rPr lang="en-US" sz="1800" dirty="0">
-                <a:solidFill>
-                  <a:schemeClr val="tx1"/>
-                </a:solidFill>
-              </a:rPr>
-              <a:t> is measured </a:t>
-            </a:r>
+            <a:endParaRPr lang="en-US"/>
           </a:p>
         </p:txBody>
       </p:sp>
       <p:sp>
         <p:nvSpPr>
-          <p:cNvPr id="4" name="Slide Number Placeholder 3"/>
+          <p:cNvPr id="4" name="عنصر نائب لرقم الشريحة 3"/>
           <p:cNvSpPr>
             <a:spLocks noGrp="1"/>
           </p:cNvSpPr>
@@ -1620,10 +1709,10 @@
           <a:bodyPr/>
           <a:lstStyle/>
           <a:p>
-            <a:fld id="{972FA3FF-23C3-4E75-88F6-673CF187F7E6}" type="slidenum">
+            <a:fld id="{42A4A1C0-ED99-4AF8-86FF-221D02F2F688}" type="slidenum">
               <a:rPr lang="en-US" smtClean="0"/>
               <a:pPr/>
-              <a:t>10</a:t>
+              <a:t>9</a:t>
             </a:fld>
             <a:endParaRPr lang="en-US"/>
           </a:p>
@@ -1632,7 +1721,7 @@
     </p:spTree>
     <p:extLst>
       <p:ext uri="{BB962C8B-B14F-4D97-AF65-F5344CB8AC3E}">
-        <p14:creationId xmlns:p14="http://schemas.microsoft.com/office/powerpoint/2010/main" val="206198795"/>
+        <p14:creationId xmlns:p14="http://schemas.microsoft.com/office/powerpoint/2010/main" val="1712146193"/>
       </p:ext>
     </p:extLst>
   </p:cSld>
@@ -1837,7 +1926,7 @@
     </p:spTree>
     <p:extLst>
       <p:ext uri="{BB962C8B-B14F-4D97-AF65-F5344CB8AC3E}">
-        <p14:creationId xmlns:p14="http://schemas.microsoft.com/office/powerpoint/2010/main" val="3649262743"/>
+        <p14:creationId xmlns:p14="http://schemas.microsoft.com/office/powerpoint/2010/main" val="206198795"/>
       </p:ext>
     </p:extLst>
   </p:cSld>
@@ -1986,7 +2075,7 @@
           <a:p>
             <a:fld id="{1D8BD707-D9CF-40AE-B4C6-C98DA3205C09}" type="datetimeFigureOut">
               <a:rPr lang="en-US"/>
-              <a:t>9/30/2024</a:t>
+              <a:t>1/10/2025</a:t>
             </a:fld>
             <a:endParaRPr lang="en-US"/>
           </a:p>
@@ -2156,7 +2245,7 @@
           <a:p>
             <a:fld id="{1D8BD707-D9CF-40AE-B4C6-C98DA3205C09}" type="datetimeFigureOut">
               <a:rPr lang="en-US"/>
-              <a:t>9/30/2024</a:t>
+              <a:t>1/10/2025</a:t>
             </a:fld>
             <a:endParaRPr lang="en-US"/>
           </a:p>
@@ -2369,7 +2458,7 @@
           <a:p>
             <a:fld id="{1D8BD707-D9CF-40AE-B4C6-C98DA3205C09}" type="datetimeFigureOut">
               <a:rPr lang="en-US"/>
-              <a:t>9/30/2024</a:t>
+              <a:t>1/10/2025</a:t>
             </a:fld>
             <a:endParaRPr lang="en-US"/>
           </a:p>
@@ -2516,7 +2605,7 @@
           <a:p>
             <a:fld id="{1D8BD707-D9CF-40AE-B4C6-C98DA3205C09}" type="datetimeFigureOut">
               <a:rPr lang="en-US"/>
-              <a:t>9/30/2024</a:t>
+              <a:t>1/10/2025</a:t>
             </a:fld>
             <a:endParaRPr lang="en-US"/>
           </a:p>
@@ -2589,7 +2678,7 @@
           <p:cNvPr id="2" name="Title 1">
             <a:extLst>
               <a:ext uri="{FF2B5EF4-FFF2-40B4-BE49-F238E27FC236}">
-                <a16:creationId xmlns:a16="http://schemas.microsoft.com/office/drawing/2014/main" id="{8267C4E5-55F7-DB05-186B-06791E1D1784}"/>
+                <a16:creationId xmlns:a16="http://schemas.microsoft.com/office/drawing/2014/main" xmlns="" id="{8267C4E5-55F7-DB05-186B-06791E1D1784}"/>
               </a:ext>
             </a:extLst>
           </p:cNvPr>
@@ -2618,7 +2707,7 @@
           <p:cNvPr id="3" name="Footer Placeholder 2">
             <a:extLst>
               <a:ext uri="{FF2B5EF4-FFF2-40B4-BE49-F238E27FC236}">
-                <a16:creationId xmlns:a16="http://schemas.microsoft.com/office/drawing/2014/main" id="{B3AA35ED-DF99-6958-28FA-33A93BB97722}"/>
+                <a16:creationId xmlns:a16="http://schemas.microsoft.com/office/drawing/2014/main" xmlns="" id="{B3AA35ED-DF99-6958-28FA-33A93BB97722}"/>
               </a:ext>
             </a:extLst>
           </p:cNvPr>
@@ -2643,7 +2732,7 @@
           <p:cNvPr id="4" name="Date Placeholder 3">
             <a:extLst>
               <a:ext uri="{FF2B5EF4-FFF2-40B4-BE49-F238E27FC236}">
-                <a16:creationId xmlns:a16="http://schemas.microsoft.com/office/drawing/2014/main" id="{55503DB0-5264-6061-D4B6-AE3D944FC839}"/>
+                <a16:creationId xmlns:a16="http://schemas.microsoft.com/office/drawing/2014/main" xmlns="" id="{55503DB0-5264-6061-D4B6-AE3D944FC839}"/>
               </a:ext>
             </a:extLst>
           </p:cNvPr>
@@ -2661,7 +2750,7 @@
           <a:p>
             <a:fld id="{1D8BD707-D9CF-40AE-B4C6-C98DA3205C09}" type="datetimeFigureOut">
               <a:rPr lang="en-US" smtClean="0"/>
-              <a:t>9/30/2024</a:t>
+              <a:t>1/10/2025</a:t>
             </a:fld>
             <a:endParaRPr lang="en-US"/>
           </a:p>
@@ -2672,7 +2761,7 @@
           <p:cNvPr id="5" name="Slide Number Placeholder 4">
             <a:extLst>
               <a:ext uri="{FF2B5EF4-FFF2-40B4-BE49-F238E27FC236}">
-                <a16:creationId xmlns:a16="http://schemas.microsoft.com/office/drawing/2014/main" id="{306C615E-9D94-7E15-4EC3-69D6111D00EE}"/>
+                <a16:creationId xmlns:a16="http://schemas.microsoft.com/office/drawing/2014/main" xmlns="" id="{306C615E-9D94-7E15-4EC3-69D6111D00EE}"/>
               </a:ext>
             </a:extLst>
           </p:cNvPr>
@@ -2782,7 +2871,7 @@
           <a:p>
             <a:fld id="{1D8BD707-D9CF-40AE-B4C6-C98DA3205C09}" type="datetimeFigureOut">
               <a:rPr lang="en-US"/>
-              <a:t>9/30/2024</a:t>
+              <a:t>1/10/2025</a:t>
             </a:fld>
             <a:endParaRPr lang="en-US"/>
           </a:p>
@@ -3022,7 +3111,7 @@
           <a:p>
             <a:fld id="{1D8BD707-D9CF-40AE-B4C6-C98DA3205C09}" type="datetimeFigureOut">
               <a:rPr lang="en-US"/>
-              <a:t>9/30/2024</a:t>
+              <a:t>1/10/2025</a:t>
             </a:fld>
             <a:endParaRPr lang="en-US"/>
           </a:p>
@@ -3300,7 +3389,7 @@
                   <a:noFill/>
                 </a:ln>
                 <a:solidFill>
-                  <a:srgbClr val="00B050"/>
+                  <a:srgbClr val="0000CC"/>
                 </a:solidFill>
                 <a:effectLst/>
                 <a:uLnTx/>
@@ -3336,7 +3425,7 @@
                   <a:noFill/>
                 </a:ln>
                 <a:solidFill>
-                  <a:srgbClr val="00B050"/>
+                  <a:srgbClr val="0000CC"/>
                 </a:solidFill>
                 <a:effectLst/>
                 <a:uLnTx/>
@@ -3353,7 +3442,7 @@
                   <a:noFill/>
                 </a:ln>
                 <a:solidFill>
-                  <a:srgbClr val="00B050"/>
+                  <a:srgbClr val="0000CC"/>
                 </a:solidFill>
                 <a:effectLst/>
                 <a:uLnTx/>
@@ -3370,7 +3459,7 @@
                   <a:noFill/>
                 </a:ln>
                 <a:solidFill>
-                  <a:srgbClr val="00B050"/>
+                  <a:srgbClr val="0000CC"/>
                 </a:solidFill>
                 <a:effectLst/>
                 <a:uLnTx/>
@@ -3379,15 +3468,15 @@
                 <a:ea typeface="+mn-ea"/>
                 <a:cs typeface="Arial" pitchFamily="34" charset="0"/>
               </a:rPr>
-              <a:t> 20</a:t>
-            </a:r>
-            <a:r>
-              <a:rPr kumimoji="0" lang="en-US" sz="3600" b="1" i="0" u="none" strike="noStrike" kern="1200" cap="none" spc="0" normalizeH="0" baseline="0" noProof="0" dirty="0">
+              <a:t> </a:t>
+            </a:r>
+            <a:r>
+              <a:rPr kumimoji="0" lang="x-none" sz="3600" b="1" i="0" u="none" strike="noStrike" kern="1200" cap="none" spc="0" normalizeH="0" baseline="0" noProof="0">
                 <a:ln>
                   <a:noFill/>
                 </a:ln>
                 <a:solidFill>
-                  <a:srgbClr val="00B050"/>
+                  <a:srgbClr val="0000CC"/>
                 </a:solidFill>
                 <a:effectLst/>
                 <a:uLnTx/>
@@ -3396,8 +3485,56 @@
                 <a:ea typeface="+mn-ea"/>
                 <a:cs typeface="Arial" pitchFamily="34" charset="0"/>
               </a:rPr>
+              <a:t>20</a:t>
+            </a:r>
+            <a:r>
+              <a:rPr kumimoji="0" lang="en-US" sz="3600" b="1" i="0" u="none" strike="noStrike" kern="1200" cap="none" spc="0" normalizeH="0" baseline="0" noProof="0" dirty="0" smtClean="0">
+                <a:ln>
+                  <a:noFill/>
+                </a:ln>
+                <a:solidFill>
+                  <a:srgbClr val="0000CC"/>
+                </a:solidFill>
+                <a:effectLst/>
+                <a:uLnTx/>
+                <a:uFillTx/>
+                <a:latin typeface="Arial" pitchFamily="34" charset="0"/>
+                <a:ea typeface="+mn-ea"/>
+                <a:cs typeface="Arial" pitchFamily="34" charset="0"/>
+              </a:rPr>
               <a:t>2</a:t>
             </a:r>
+            <a:r>
+              <a:rPr kumimoji="0" lang="en-US" sz="3600" b="1" i="0" u="none" strike="noStrike" kern="1200" cap="none" spc="0" normalizeH="0" noProof="0" dirty="0" smtClean="0">
+                <a:ln>
+                  <a:noFill/>
+                </a:ln>
+                <a:solidFill>
+                  <a:srgbClr val="0000CC"/>
+                </a:solidFill>
+                <a:effectLst/>
+                <a:uLnTx/>
+                <a:uFillTx/>
+                <a:latin typeface="Arial" pitchFamily="34" charset="0"/>
+                <a:ea typeface="+mn-ea"/>
+                <a:cs typeface="Arial" pitchFamily="34" charset="0"/>
+              </a:rPr>
+              <a:t> – Spring 2025</a:t>
+            </a:r>
+            <a:endParaRPr kumimoji="0" lang="en-US" sz="3600" b="1" i="0" u="none" strike="noStrike" kern="1200" cap="none" spc="0" normalizeH="0" baseline="0" noProof="0" dirty="0">
+              <a:ln>
+                <a:noFill/>
+              </a:ln>
+              <a:solidFill>
+                <a:srgbClr val="0000CC"/>
+              </a:solidFill>
+              <a:effectLst/>
+              <a:uLnTx/>
+              <a:uFillTx/>
+              <a:latin typeface="Arial" pitchFamily="34" charset="0"/>
+              <a:ea typeface="+mn-ea"/>
+              <a:cs typeface="Arial" pitchFamily="34" charset="0"/>
+            </a:endParaRPr>
           </a:p>
         </p:txBody>
       </p:sp>
@@ -3406,7 +3543,7 @@
           <p:cNvPr id="2" name="Rectangle 154">
             <a:extLst>
               <a:ext uri="{FF2B5EF4-FFF2-40B4-BE49-F238E27FC236}">
-                <a16:creationId xmlns:a16="http://schemas.microsoft.com/office/drawing/2014/main" id="{2F947556-3899-C3CD-5B16-0CA9CD3E24EC}"/>
+                <a16:creationId xmlns:a16="http://schemas.microsoft.com/office/drawing/2014/main" xmlns="" id="{2F947556-3899-C3CD-5B16-0CA9CD3E24EC}"/>
               </a:ext>
             </a:extLst>
           </p:cNvPr>
@@ -3441,7 +3578,7 @@
             <a:r>
               <a:rPr lang="en-US" sz="4000" b="1" dirty="0">
                 <a:solidFill>
-                  <a:srgbClr val="0000CC"/>
+                  <a:srgbClr val="00B050"/>
                 </a:solidFill>
                 <a:latin typeface="Cambria" panose="02040503050406030204" pitchFamily="18" charset="0"/>
               </a:rPr>
@@ -3464,6 +3601,1529 @@
 </file>
 
 <file path=ppt/slides/slide10.xml><?xml version="1.0" encoding="utf-8"?>
+<p:sld xmlns:a="http://schemas.openxmlformats.org/drawingml/2006/main" xmlns:r="http://schemas.openxmlformats.org/officeDocument/2006/relationships" xmlns:p="http://schemas.openxmlformats.org/presentationml/2006/main">
+  <p:cSld>
+    <p:spTree>
+      <p:nvGrpSpPr>
+        <p:cNvPr id="1" name=""/>
+        <p:cNvGrpSpPr/>
+        <p:nvPr/>
+      </p:nvGrpSpPr>
+      <p:grpSpPr>
+        <a:xfrm>
+          <a:off x="0" y="0"/>
+          <a:ext cx="0" cy="0"/>
+          <a:chOff x="0" y="0"/>
+          <a:chExt cx="0" cy="0"/>
+        </a:xfrm>
+      </p:grpSpPr>
+      <p:sp>
+        <p:nvSpPr>
+          <p:cNvPr id="4" name="TextBox 3"/>
+          <p:cNvSpPr txBox="1"/>
+          <p:nvPr/>
+        </p:nvSpPr>
+        <p:spPr>
+          <a:xfrm>
+            <a:off x="967006" y="392132"/>
+            <a:ext cx="7805150" cy="707886"/>
+          </a:xfrm>
+          <a:prstGeom prst="rect">
+            <a:avLst/>
+          </a:prstGeom>
+          <a:noFill/>
+        </p:spPr>
+        <p:txBody>
+          <a:bodyPr wrap="none" rtlCol="0">
+            <a:spAutoFit/>
+          </a:bodyPr>
+          <a:lstStyle/>
+          <a:p>
+            <a:r>
+              <a:rPr lang="en-GB" sz="4000" b="1" dirty="0">
+                <a:solidFill>
+                  <a:srgbClr val="00B050"/>
+                </a:solidFill>
+                <a:latin typeface="Cambria" panose="02040503050406030204" pitchFamily="18" charset="0"/>
+              </a:rPr>
+              <a:t>Properties of </a:t>
+            </a:r>
+            <a:r>
+              <a:rPr lang="lv-LV" sz="4000" b="1" dirty="0">
+                <a:solidFill>
+                  <a:srgbClr val="00B050"/>
+                </a:solidFill>
+                <a:latin typeface="Cambria" panose="02040503050406030204" pitchFamily="18" charset="0"/>
+              </a:rPr>
+              <a:t>Laplace </a:t>
+            </a:r>
+            <a:r>
+              <a:rPr lang="en-GB" sz="4000" b="1" dirty="0">
+                <a:solidFill>
+                  <a:srgbClr val="00B050"/>
+                </a:solidFill>
+                <a:latin typeface="Cambria" panose="02040503050406030204" pitchFamily="18" charset="0"/>
+              </a:rPr>
+              <a:t>T</a:t>
+            </a:r>
+            <a:r>
+              <a:rPr lang="lv-LV" sz="4000" b="1" dirty="0" smtClean="0">
+                <a:solidFill>
+                  <a:srgbClr val="00B050"/>
+                </a:solidFill>
+                <a:latin typeface="Cambria" panose="02040503050406030204" pitchFamily="18" charset="0"/>
+              </a:rPr>
+              <a:t>ransform</a:t>
+            </a:r>
+            <a:endParaRPr lang="en-US" sz="4000" b="1" dirty="0">
+              <a:solidFill>
+                <a:srgbClr val="00B050"/>
+              </a:solidFill>
+              <a:latin typeface="Cambria" panose="02040503050406030204" pitchFamily="18" charset="0"/>
+            </a:endParaRPr>
+          </a:p>
+        </p:txBody>
+      </p:sp>
+      <p:sp>
+        <p:nvSpPr>
+          <p:cNvPr id="5" name="Slide Number Placeholder 4"/>
+          <p:cNvSpPr>
+            <a:spLocks noGrp="1"/>
+          </p:cNvSpPr>
+          <p:nvPr>
+            <p:ph type="sldNum" sz="quarter" idx="7"/>
+          </p:nvPr>
+        </p:nvSpPr>
+        <p:spPr>
+          <a:xfrm>
+            <a:off x="8277497" y="6163056"/>
+            <a:ext cx="2804160" cy="276999"/>
+          </a:xfrm>
+        </p:spPr>
+        <p:txBody>
+          <a:bodyPr/>
+          <a:lstStyle/>
+          <a:p>
+            <a:fld id="{539F810C-9DAB-49B2-B45C-341744954A16}" type="slidenum">
+              <a:rPr lang="en-GB" smtClean="0"/>
+              <a:pPr/>
+              <a:t>10</a:t>
+            </a:fld>
+            <a:endParaRPr lang="en-GB" dirty="0"/>
+          </a:p>
+        </p:txBody>
+      </p:sp>
+      <p:pic>
+        <p:nvPicPr>
+          <p:cNvPr id="6" name="Picture 5"/>
+          <p:cNvPicPr>
+            <a:picLocks noChangeAspect="1"/>
+          </p:cNvPicPr>
+          <p:nvPr/>
+        </p:nvPicPr>
+        <p:blipFill rotWithShape="1">
+          <a:blip r:embed="rId2"/>
+          <a:srcRect b="46391"/>
+          <a:stretch/>
+        </p:blipFill>
+        <p:spPr>
+          <a:xfrm>
+            <a:off x="1056652" y="1244094"/>
+            <a:ext cx="5252708" cy="4918962"/>
+          </a:xfrm>
+          <a:prstGeom prst="rect">
+            <a:avLst/>
+          </a:prstGeom>
+        </p:spPr>
+      </p:pic>
+      <p:grpSp>
+        <p:nvGrpSpPr>
+          <p:cNvPr id="3" name="Group 2"/>
+          <p:cNvGrpSpPr/>
+          <p:nvPr/>
+        </p:nvGrpSpPr>
+        <p:grpSpPr>
+          <a:xfrm>
+            <a:off x="6597579" y="1244094"/>
+            <a:ext cx="4568551" cy="4614237"/>
+            <a:chOff x="2667946" y="2296517"/>
+            <a:chExt cx="6495605" cy="3699839"/>
+          </a:xfrm>
+        </p:grpSpPr>
+        <p:pic>
+          <p:nvPicPr>
+            <p:cNvPr id="2" name="Picture 1"/>
+            <p:cNvPicPr>
+              <a:picLocks noChangeAspect="1"/>
+            </p:cNvPicPr>
+            <p:nvPr/>
+          </p:nvPicPr>
+          <p:blipFill rotWithShape="1">
+            <a:blip r:embed="rId2"/>
+            <a:srcRect t="53011"/>
+            <a:stretch/>
+          </p:blipFill>
+          <p:spPr>
+            <a:xfrm>
+              <a:off x="2667946" y="2576148"/>
+              <a:ext cx="6495605" cy="3420208"/>
+            </a:xfrm>
+            <a:prstGeom prst="rect">
+              <a:avLst/>
+            </a:prstGeom>
+          </p:spPr>
+        </p:pic>
+        <p:pic>
+          <p:nvPicPr>
+            <p:cNvPr id="7" name="Picture 6"/>
+            <p:cNvPicPr>
+              <a:picLocks noChangeAspect="1"/>
+            </p:cNvPicPr>
+            <p:nvPr/>
+          </p:nvPicPr>
+          <p:blipFill rotWithShape="1">
+            <a:blip r:embed="rId2"/>
+            <a:srcRect b="96393"/>
+            <a:stretch/>
+          </p:blipFill>
+          <p:spPr>
+            <a:xfrm>
+              <a:off x="2667946" y="2296517"/>
+              <a:ext cx="6495605" cy="323591"/>
+            </a:xfrm>
+            <a:prstGeom prst="rect">
+              <a:avLst/>
+            </a:prstGeom>
+          </p:spPr>
+        </p:pic>
+      </p:grpSp>
+    </p:spTree>
+    <p:extLst>
+      <p:ext uri="{BB962C8B-B14F-4D97-AF65-F5344CB8AC3E}">
+        <p14:creationId xmlns:p14="http://schemas.microsoft.com/office/powerpoint/2010/main" val="427183864"/>
+      </p:ext>
+    </p:extLst>
+  </p:cSld>
+  <p:clrMapOvr>
+    <a:masterClrMapping/>
+  </p:clrMapOvr>
+</p:sld>
+</file>
+
+<file path=ppt/slides/slide11.xml><?xml version="1.0" encoding="utf-8"?>
+<p:sld xmlns:a="http://schemas.openxmlformats.org/drawingml/2006/main" xmlns:r="http://schemas.openxmlformats.org/officeDocument/2006/relationships" xmlns:p="http://schemas.openxmlformats.org/presentationml/2006/main">
+  <p:cSld>
+    <p:spTree>
+      <p:nvGrpSpPr>
+        <p:cNvPr id="1" name=""/>
+        <p:cNvGrpSpPr/>
+        <p:nvPr/>
+      </p:nvGrpSpPr>
+      <p:grpSpPr>
+        <a:xfrm>
+          <a:off x="0" y="0"/>
+          <a:ext cx="0" cy="0"/>
+          <a:chOff x="0" y="0"/>
+          <a:chExt cx="0" cy="0"/>
+        </a:xfrm>
+      </p:grpSpPr>
+      <p:sp>
+        <p:nvSpPr>
+          <p:cNvPr id="4" name="TextBox 3"/>
+          <p:cNvSpPr txBox="1"/>
+          <p:nvPr/>
+        </p:nvSpPr>
+        <p:spPr>
+          <a:xfrm>
+            <a:off x="967006" y="392132"/>
+            <a:ext cx="7805150" cy="707886"/>
+          </a:xfrm>
+          <a:prstGeom prst="rect">
+            <a:avLst/>
+          </a:prstGeom>
+          <a:noFill/>
+        </p:spPr>
+        <p:txBody>
+          <a:bodyPr wrap="none" rtlCol="0">
+            <a:spAutoFit/>
+          </a:bodyPr>
+          <a:lstStyle/>
+          <a:p>
+            <a:r>
+              <a:rPr lang="en-GB" sz="4000" b="1" dirty="0">
+                <a:solidFill>
+                  <a:srgbClr val="00B050"/>
+                </a:solidFill>
+                <a:latin typeface="Cambria" panose="02040503050406030204" pitchFamily="18" charset="0"/>
+              </a:rPr>
+              <a:t>Properties of </a:t>
+            </a:r>
+            <a:r>
+              <a:rPr lang="lv-LV" sz="4000" b="1" dirty="0">
+                <a:solidFill>
+                  <a:srgbClr val="00B050"/>
+                </a:solidFill>
+                <a:latin typeface="Cambria" panose="02040503050406030204" pitchFamily="18" charset="0"/>
+              </a:rPr>
+              <a:t>Laplace </a:t>
+            </a:r>
+            <a:r>
+              <a:rPr lang="en-GB" sz="4000" b="1" dirty="0">
+                <a:solidFill>
+                  <a:srgbClr val="00B050"/>
+                </a:solidFill>
+                <a:latin typeface="Cambria" panose="02040503050406030204" pitchFamily="18" charset="0"/>
+              </a:rPr>
+              <a:t>T</a:t>
+            </a:r>
+            <a:r>
+              <a:rPr lang="lv-LV" sz="4000" b="1" dirty="0" smtClean="0">
+                <a:solidFill>
+                  <a:srgbClr val="00B050"/>
+                </a:solidFill>
+                <a:latin typeface="Cambria" panose="02040503050406030204" pitchFamily="18" charset="0"/>
+              </a:rPr>
+              <a:t>ransform</a:t>
+            </a:r>
+            <a:endParaRPr lang="en-US" sz="4000" b="1" dirty="0">
+              <a:solidFill>
+                <a:srgbClr val="00B050"/>
+              </a:solidFill>
+              <a:latin typeface="Cambria" panose="02040503050406030204" pitchFamily="18" charset="0"/>
+            </a:endParaRPr>
+          </a:p>
+        </p:txBody>
+      </p:sp>
+      <p:sp>
+        <p:nvSpPr>
+          <p:cNvPr id="5" name="Slide Number Placeholder 4"/>
+          <p:cNvSpPr>
+            <a:spLocks noGrp="1"/>
+          </p:cNvSpPr>
+          <p:nvPr>
+            <p:ph type="sldNum" sz="quarter" idx="7"/>
+          </p:nvPr>
+        </p:nvSpPr>
+        <p:spPr>
+          <a:xfrm>
+            <a:off x="8277497" y="6163056"/>
+            <a:ext cx="2804160" cy="276999"/>
+          </a:xfrm>
+        </p:spPr>
+        <p:txBody>
+          <a:bodyPr/>
+          <a:lstStyle/>
+          <a:p>
+            <a:fld id="{539F810C-9DAB-49B2-B45C-341744954A16}" type="slidenum">
+              <a:rPr lang="en-GB" smtClean="0"/>
+              <a:pPr/>
+              <a:t>11</a:t>
+            </a:fld>
+            <a:endParaRPr lang="en-GB" dirty="0"/>
+          </a:p>
+        </p:txBody>
+      </p:sp>
+      <p:grpSp>
+        <p:nvGrpSpPr>
+          <p:cNvPr id="3" name="Group 2"/>
+          <p:cNvGrpSpPr/>
+          <p:nvPr/>
+        </p:nvGrpSpPr>
+        <p:grpSpPr>
+          <a:xfrm>
+            <a:off x="6597579" y="1244094"/>
+            <a:ext cx="4568551" cy="4614237"/>
+            <a:chOff x="2667946" y="2296517"/>
+            <a:chExt cx="6495605" cy="3699839"/>
+          </a:xfrm>
+        </p:grpSpPr>
+        <p:pic>
+          <p:nvPicPr>
+            <p:cNvPr id="2" name="Picture 1"/>
+            <p:cNvPicPr>
+              <a:picLocks noChangeAspect="1"/>
+            </p:cNvPicPr>
+            <p:nvPr/>
+          </p:nvPicPr>
+          <p:blipFill rotWithShape="1">
+            <a:blip r:embed="rId2"/>
+            <a:srcRect t="53011"/>
+            <a:stretch/>
+          </p:blipFill>
+          <p:spPr>
+            <a:xfrm>
+              <a:off x="2667946" y="2576148"/>
+              <a:ext cx="6495605" cy="3420208"/>
+            </a:xfrm>
+            <a:prstGeom prst="rect">
+              <a:avLst/>
+            </a:prstGeom>
+          </p:spPr>
+        </p:pic>
+        <p:pic>
+          <p:nvPicPr>
+            <p:cNvPr id="7" name="Picture 6"/>
+            <p:cNvPicPr>
+              <a:picLocks noChangeAspect="1"/>
+            </p:cNvPicPr>
+            <p:nvPr/>
+          </p:nvPicPr>
+          <p:blipFill rotWithShape="1">
+            <a:blip r:embed="rId2"/>
+            <a:srcRect b="96393"/>
+            <a:stretch/>
+          </p:blipFill>
+          <p:spPr>
+            <a:xfrm>
+              <a:off x="2667946" y="2296517"/>
+              <a:ext cx="6495605" cy="323591"/>
+            </a:xfrm>
+            <a:prstGeom prst="rect">
+              <a:avLst/>
+            </a:prstGeom>
+          </p:spPr>
+        </p:pic>
+      </p:grpSp>
+      <mc:AlternateContent xmlns:mc="http://schemas.openxmlformats.org/markup-compatibility/2006">
+        <mc:Choice xmlns:a14="http://schemas.microsoft.com/office/drawing/2010/main" Requires="a14">
+          <p:graphicFrame>
+            <p:nvGraphicFramePr>
+              <p:cNvPr id="8" name="Table 7"/>
+              <p:cNvGraphicFramePr>
+                <a:graphicFrameLocks noGrp="1"/>
+              </p:cNvGraphicFramePr>
+              <p:nvPr>
+                <p:extLst>
+                  <p:ext uri="{D42A27DB-BD31-4B8C-83A1-F6EECF244321}">
+                    <p14:modId xmlns:p14="http://schemas.microsoft.com/office/powerpoint/2010/main" val="2824767289"/>
+                  </p:ext>
+                </p:extLst>
+              </p:nvPr>
+            </p:nvGraphicFramePr>
+            <p:xfrm>
+              <a:off x="1215571" y="1244094"/>
+              <a:ext cx="3770086" cy="4310381"/>
+            </p:xfrm>
+            <a:graphic>
+              <a:graphicData uri="http://schemas.openxmlformats.org/drawingml/2006/table">
+                <a:tbl>
+                  <a:tblPr firstRow="1" bandRow="1">
+                    <a:tableStyleId>{5940675A-B579-460E-94D1-54222C63F5DA}</a:tableStyleId>
+                  </a:tblPr>
+                  <a:tblGrid>
+                    <a:gridCol w="1885043"/>
+                    <a:gridCol w="1885043"/>
+                  </a:tblGrid>
+                  <a:tr h="280064">
+                    <a:tc>
+                      <a:txBody>
+                        <a:bodyPr/>
+                        <a:lstStyle/>
+                        <a:p>
+                          <a:pPr algn="ctr"/>
+                          <a:r>
+                            <a:rPr lang="en-US" dirty="0" smtClean="0"/>
+                            <a:t>f(t)</a:t>
+                          </a:r>
+                          <a:endParaRPr lang="en-US" dirty="0"/>
+                        </a:p>
+                      </a:txBody>
+                      <a:tcPr/>
+                    </a:tc>
+                    <a:tc>
+                      <a:txBody>
+                        <a:bodyPr/>
+                        <a:lstStyle/>
+                        <a:p>
+                          <a:pPr algn="ctr"/>
+                          <a:r>
+                            <a:rPr lang="en-US" dirty="0" smtClean="0"/>
+                            <a:t>F(s)</a:t>
+                          </a:r>
+                          <a:endParaRPr lang="en-US" dirty="0"/>
+                        </a:p>
+                      </a:txBody>
+                      <a:tcPr/>
+                    </a:tc>
+                  </a:tr>
+                  <a:tr h="280064">
+                    <a:tc>
+                      <a:txBody>
+                        <a:bodyPr/>
+                        <a:lstStyle/>
+                        <a:p>
+                          <a:r>
+                            <a:rPr lang="el-GR" dirty="0" smtClean="0"/>
+                            <a:t>δ</a:t>
+                          </a:r>
+                          <a:r>
+                            <a:rPr lang="en-US" dirty="0" smtClean="0"/>
+                            <a:t>(t)</a:t>
+                          </a:r>
+                          <a:endParaRPr lang="en-US" dirty="0"/>
+                        </a:p>
+                      </a:txBody>
+                      <a:tcPr/>
+                    </a:tc>
+                    <a:tc>
+                      <a:txBody>
+                        <a:bodyPr/>
+                        <a:lstStyle/>
+                        <a:p>
+                          <a:r>
+                            <a:rPr lang="en-US" dirty="0" smtClean="0"/>
+                            <a:t>1</a:t>
+                          </a:r>
+                          <a:endParaRPr lang="en-US" dirty="0"/>
+                        </a:p>
+                      </a:txBody>
+                      <a:tcPr/>
+                    </a:tc>
+                  </a:tr>
+                  <a:tr h="280064">
+                    <a:tc>
+                      <a:txBody>
+                        <a:bodyPr/>
+                        <a:lstStyle/>
+                        <a:p>
+                          <a:r>
+                            <a:rPr lang="en-US" dirty="0" smtClean="0"/>
+                            <a:t>u(t)</a:t>
+                          </a:r>
+                          <a:endParaRPr lang="en-US" dirty="0"/>
+                        </a:p>
+                      </a:txBody>
+                      <a:tcPr/>
+                    </a:tc>
+                    <a:tc>
+                      <a:txBody>
+                        <a:bodyPr/>
+                        <a:lstStyle/>
+                        <a:p>
+                          <a14:m>
+                            <m:oMathPara xmlns:m="http://schemas.openxmlformats.org/officeDocument/2006/math">
+                              <m:oMathParaPr>
+                                <m:jc m:val="centerGroup"/>
+                              </m:oMathParaPr>
+                              <m:oMath xmlns:m="http://schemas.openxmlformats.org/officeDocument/2006/math">
+                                <m:f>
+                                  <m:fPr>
+                                    <m:ctrlPr>
+                                      <a:rPr lang="en-US" i="1" smtClean="0">
+                                        <a:latin typeface="Cambria Math"/>
+                                      </a:rPr>
+                                    </m:ctrlPr>
+                                  </m:fPr>
+                                  <m:num>
+                                    <m:r>
+                                      <a:rPr lang="en-US" b="0" i="1" smtClean="0">
+                                        <a:latin typeface="Cambria Math"/>
+                                      </a:rPr>
+                                      <m:t>1</m:t>
+                                    </m:r>
+                                  </m:num>
+                                  <m:den>
+                                    <m:r>
+                                      <a:rPr lang="en-US" b="0" i="1" smtClean="0">
+                                        <a:latin typeface="Cambria Math"/>
+                                      </a:rPr>
+                                      <m:t>𝑠</m:t>
+                                    </m:r>
+                                  </m:den>
+                                </m:f>
+                              </m:oMath>
+                            </m:oMathPara>
+                          </a14:m>
+                          <a:endParaRPr lang="en-US" dirty="0" smtClean="0"/>
+                        </a:p>
+                      </a:txBody>
+                      <a:tcPr/>
+                    </a:tc>
+                  </a:tr>
+                  <a:tr h="280064">
+                    <a:tc>
+                      <a:txBody>
+                        <a:bodyPr/>
+                        <a:lstStyle/>
+                        <a:p>
+                          <a14:m>
+                            <m:oMathPara xmlns:m="http://schemas.openxmlformats.org/officeDocument/2006/math">
+                              <m:oMathParaPr>
+                                <m:jc m:val="centerGroup"/>
+                              </m:oMathParaPr>
+                              <m:oMath xmlns:m="http://schemas.openxmlformats.org/officeDocument/2006/math">
+                                <m:sSup>
+                                  <m:sSupPr>
+                                    <m:ctrlPr>
+                                      <a:rPr lang="en-US" i="1" smtClean="0">
+                                        <a:latin typeface="Cambria Math"/>
+                                      </a:rPr>
+                                    </m:ctrlPr>
+                                  </m:sSupPr>
+                                  <m:e>
+                                    <m:r>
+                                      <a:rPr lang="en-US" b="0" i="1" smtClean="0">
+                                        <a:latin typeface="Cambria Math"/>
+                                      </a:rPr>
+                                      <m:t>𝑒</m:t>
+                                    </m:r>
+                                  </m:e>
+                                  <m:sup>
+                                    <m:r>
+                                      <a:rPr lang="en-US" b="0" i="1" smtClean="0">
+                                        <a:latin typeface="Cambria Math"/>
+                                      </a:rPr>
+                                      <m:t>−</m:t>
+                                    </m:r>
+                                    <m:r>
+                                      <a:rPr lang="en-US" b="0" i="1" smtClean="0">
+                                        <a:latin typeface="Cambria Math"/>
+                                      </a:rPr>
+                                      <m:t>𝑎𝑡</m:t>
+                                    </m:r>
+                                  </m:sup>
+                                </m:sSup>
+                                <m:r>
+                                  <a:rPr lang="en-US" b="0" i="1" smtClean="0">
+                                    <a:latin typeface="Cambria Math"/>
+                                  </a:rPr>
+                                  <m:t>𝑢</m:t>
+                                </m:r>
+                                <m:r>
+                                  <a:rPr lang="en-US" b="0" i="1" smtClean="0">
+                                    <a:latin typeface="Cambria Math"/>
+                                  </a:rPr>
+                                  <m:t>(</m:t>
+                                </m:r>
+                                <m:r>
+                                  <a:rPr lang="en-US" b="0" i="1" smtClean="0">
+                                    <a:latin typeface="Cambria Math"/>
+                                  </a:rPr>
+                                  <m:t>𝑡</m:t>
+                                </m:r>
+                                <m:r>
+                                  <a:rPr lang="en-US" b="0" i="1" smtClean="0">
+                                    <a:latin typeface="Cambria Math"/>
+                                  </a:rPr>
+                                  <m:t>)</m:t>
+                                </m:r>
+                              </m:oMath>
+                            </m:oMathPara>
+                          </a14:m>
+                          <a:endParaRPr lang="en-US" dirty="0"/>
+                        </a:p>
+                      </a:txBody>
+                      <a:tcPr/>
+                    </a:tc>
+                    <a:tc>
+                      <a:txBody>
+                        <a:bodyPr/>
+                        <a:lstStyle/>
+                        <a:p>
+                          <a14:m>
+                            <m:oMathPara xmlns:m="http://schemas.openxmlformats.org/officeDocument/2006/math">
+                              <m:oMathParaPr>
+                                <m:jc m:val="centerGroup"/>
+                              </m:oMathParaPr>
+                              <m:oMath xmlns:m="http://schemas.openxmlformats.org/officeDocument/2006/math">
+                                <m:f>
+                                  <m:fPr>
+                                    <m:ctrlPr>
+                                      <a:rPr lang="en-US" i="1" smtClean="0">
+                                        <a:latin typeface="Cambria Math"/>
+                                      </a:rPr>
+                                    </m:ctrlPr>
+                                  </m:fPr>
+                                  <m:num>
+                                    <m:r>
+                                      <a:rPr lang="en-US" b="0" i="1" smtClean="0">
+                                        <a:latin typeface="Cambria Math"/>
+                                      </a:rPr>
+                                      <m:t>1</m:t>
+                                    </m:r>
+                                  </m:num>
+                                  <m:den>
+                                    <m:r>
+                                      <a:rPr lang="en-US" b="0" i="1" smtClean="0">
+                                        <a:latin typeface="Cambria Math"/>
+                                      </a:rPr>
+                                      <m:t>𝑠</m:t>
+                                    </m:r>
+                                    <m:r>
+                                      <a:rPr lang="en-US" b="0" i="1" smtClean="0">
+                                        <a:latin typeface="Cambria Math"/>
+                                      </a:rPr>
+                                      <m:t>+</m:t>
+                                    </m:r>
+                                    <m:r>
+                                      <a:rPr lang="en-US" b="0" i="1" smtClean="0">
+                                        <a:latin typeface="Cambria Math"/>
+                                      </a:rPr>
+                                      <m:t>𝑎</m:t>
+                                    </m:r>
+                                  </m:den>
+                                </m:f>
+                              </m:oMath>
+                            </m:oMathPara>
+                          </a14:m>
+                          <a:endParaRPr lang="en-US" dirty="0"/>
+                        </a:p>
+                      </a:txBody>
+                      <a:tcPr/>
+                    </a:tc>
+                  </a:tr>
+                  <a:tr h="280064">
+                    <a:tc>
+                      <a:txBody>
+                        <a:bodyPr/>
+                        <a:lstStyle/>
+                        <a:p>
+                          <a:r>
+                            <a:rPr lang="en-US" dirty="0" smtClean="0"/>
+                            <a:t>r(t)=</a:t>
+                          </a:r>
+                          <a:r>
+                            <a:rPr lang="en-US" dirty="0" err="1" smtClean="0"/>
+                            <a:t>tu</a:t>
+                          </a:r>
+                          <a:r>
+                            <a:rPr lang="en-US" dirty="0" smtClean="0"/>
+                            <a:t>(t)</a:t>
+                          </a:r>
+                          <a:endParaRPr lang="en-US" dirty="0"/>
+                        </a:p>
+                      </a:txBody>
+                      <a:tcPr/>
+                    </a:tc>
+                    <a:tc>
+                      <a:txBody>
+                        <a:bodyPr/>
+                        <a:lstStyle/>
+                        <a:p>
+                          <a14:m>
+                            <m:oMathPara xmlns:m="http://schemas.openxmlformats.org/officeDocument/2006/math">
+                              <m:oMathParaPr>
+                                <m:jc m:val="centerGroup"/>
+                              </m:oMathParaPr>
+                              <m:oMath xmlns:m="http://schemas.openxmlformats.org/officeDocument/2006/math">
+                                <m:f>
+                                  <m:fPr>
+                                    <m:ctrlPr>
+                                      <a:rPr lang="en-US" i="1" smtClean="0">
+                                        <a:latin typeface="Cambria Math"/>
+                                      </a:rPr>
+                                    </m:ctrlPr>
+                                  </m:fPr>
+                                  <m:num>
+                                    <m:r>
+                                      <a:rPr lang="en-US" b="0" i="1" smtClean="0">
+                                        <a:latin typeface="Cambria Math"/>
+                                      </a:rPr>
+                                      <m:t>1</m:t>
+                                    </m:r>
+                                  </m:num>
+                                  <m:den>
+                                    <m:sSup>
+                                      <m:sSupPr>
+                                        <m:ctrlPr>
+                                          <a:rPr lang="en-US" i="1" smtClean="0">
+                                            <a:latin typeface="Cambria Math"/>
+                                          </a:rPr>
+                                        </m:ctrlPr>
+                                      </m:sSupPr>
+                                      <m:e>
+                                        <m:r>
+                                          <a:rPr lang="en-US" b="0" i="1" smtClean="0">
+                                            <a:latin typeface="Cambria Math"/>
+                                          </a:rPr>
+                                          <m:t>𝑠</m:t>
+                                        </m:r>
+                                      </m:e>
+                                      <m:sup>
+                                        <m:r>
+                                          <a:rPr lang="en-US" b="0" i="1" smtClean="0">
+                                            <a:latin typeface="Cambria Math"/>
+                                          </a:rPr>
+                                          <m:t>2</m:t>
+                                        </m:r>
+                                      </m:sup>
+                                    </m:sSup>
+                                  </m:den>
+                                </m:f>
+                              </m:oMath>
+                            </m:oMathPara>
+                          </a14:m>
+                          <a:endParaRPr lang="en-US" dirty="0"/>
+                        </a:p>
+                      </a:txBody>
+                      <a:tcPr/>
+                    </a:tc>
+                  </a:tr>
+                  <a:tr h="280064">
+                    <a:tc>
+                      <a:txBody>
+                        <a:bodyPr/>
+                        <a:lstStyle/>
+                        <a:p>
+                          <a14:m>
+                            <m:oMath xmlns:m="http://schemas.openxmlformats.org/officeDocument/2006/math">
+                              <m:sSup>
+                                <m:sSupPr>
+                                  <m:ctrlPr>
+                                    <a:rPr lang="en-US" i="1" smtClean="0">
+                                      <a:latin typeface="Cambria Math"/>
+                                    </a:rPr>
+                                  </m:ctrlPr>
+                                </m:sSupPr>
+                                <m:e>
+                                  <m:r>
+                                    <a:rPr lang="en-US" b="0" i="1" smtClean="0">
+                                      <a:latin typeface="Cambria Math"/>
+                                    </a:rPr>
+                                    <m:t>𝑡</m:t>
+                                  </m:r>
+                                </m:e>
+                                <m:sup>
+                                  <m:r>
+                                    <a:rPr lang="en-US" b="0" i="1" smtClean="0">
+                                      <a:latin typeface="Cambria Math"/>
+                                    </a:rPr>
+                                    <m:t>2</m:t>
+                                  </m:r>
+                                </m:sup>
+                              </m:sSup>
+                            </m:oMath>
+                          </a14:m>
+                          <a:r>
+                            <a:rPr lang="en-US" dirty="0" smtClean="0"/>
+                            <a:t>u(t)</a:t>
+                          </a:r>
+                          <a:endParaRPr lang="en-US" dirty="0"/>
+                        </a:p>
+                      </a:txBody>
+                      <a:tcPr/>
+                    </a:tc>
+                    <a:tc>
+                      <a:txBody>
+                        <a:bodyPr/>
+                        <a:lstStyle/>
+                        <a:p>
+                          <a14:m>
+                            <m:oMathPara xmlns:m="http://schemas.openxmlformats.org/officeDocument/2006/math">
+                              <m:oMathParaPr>
+                                <m:jc m:val="centerGroup"/>
+                              </m:oMathParaPr>
+                              <m:oMath xmlns:m="http://schemas.openxmlformats.org/officeDocument/2006/math">
+                                <m:f>
+                                  <m:fPr>
+                                    <m:ctrlPr>
+                                      <a:rPr lang="en-US" i="1" smtClean="0">
+                                        <a:latin typeface="Cambria Math"/>
+                                      </a:rPr>
+                                    </m:ctrlPr>
+                                  </m:fPr>
+                                  <m:num>
+                                    <m:r>
+                                      <a:rPr lang="en-US" b="0" i="1" smtClean="0">
+                                        <a:latin typeface="Cambria Math"/>
+                                      </a:rPr>
+                                      <m:t>𝑛</m:t>
+                                    </m:r>
+                                    <m:r>
+                                      <a:rPr lang="en-US" b="0" i="1" smtClean="0">
+                                        <a:latin typeface="Cambria Math"/>
+                                      </a:rPr>
+                                      <m:t>!</m:t>
+                                    </m:r>
+                                  </m:num>
+                                  <m:den>
+                                    <m:sSup>
+                                      <m:sSupPr>
+                                        <m:ctrlPr>
+                                          <a:rPr lang="en-US" i="1" smtClean="0">
+                                            <a:latin typeface="Cambria Math"/>
+                                          </a:rPr>
+                                        </m:ctrlPr>
+                                      </m:sSupPr>
+                                      <m:e>
+                                        <m:r>
+                                          <a:rPr lang="en-US" b="0" i="1" smtClean="0">
+                                            <a:latin typeface="Cambria Math"/>
+                                          </a:rPr>
+                                          <m:t>𝑠</m:t>
+                                        </m:r>
+                                      </m:e>
+                                      <m:sup>
+                                        <m:r>
+                                          <a:rPr lang="en-US" b="0" i="1" smtClean="0">
+                                            <a:latin typeface="Cambria Math"/>
+                                          </a:rPr>
+                                          <m:t>𝑛</m:t>
+                                        </m:r>
+                                        <m:r>
+                                          <a:rPr lang="en-US" b="0" i="1" smtClean="0">
+                                            <a:latin typeface="Cambria Math"/>
+                                          </a:rPr>
+                                          <m:t>+1</m:t>
+                                        </m:r>
+                                      </m:sup>
+                                    </m:sSup>
+                                  </m:den>
+                                </m:f>
+                              </m:oMath>
+                            </m:oMathPara>
+                          </a14:m>
+                          <a:endParaRPr lang="en-US" dirty="0"/>
+                        </a:p>
+                      </a:txBody>
+                      <a:tcPr/>
+                    </a:tc>
+                  </a:tr>
+                  <a:tr h="280064">
+                    <a:tc>
+                      <a:txBody>
+                        <a:bodyPr/>
+                        <a:lstStyle/>
+                        <a:p>
+                          <a:r>
+                            <a:rPr lang="en-US" dirty="0" smtClean="0"/>
+                            <a:t>Sin(</a:t>
+                          </a:r>
+                          <a:r>
+                            <a:rPr lang="en-US" dirty="0" err="1" smtClean="0"/>
+                            <a:t>ɯt</a:t>
+                          </a:r>
+                          <a:r>
+                            <a:rPr lang="en-US" dirty="0" smtClean="0"/>
+                            <a:t>)u(t)</a:t>
+                          </a:r>
+                          <a:endParaRPr lang="en-US" dirty="0"/>
+                        </a:p>
+                      </a:txBody>
+                      <a:tcPr/>
+                    </a:tc>
+                    <a:tc>
+                      <a:txBody>
+                        <a:bodyPr/>
+                        <a:lstStyle/>
+                        <a:p>
+                          <a:pPr marL="0" marR="0" indent="0" defTabSz="914400" eaLnBrk="1" fontAlgn="auto" latinLnBrk="0" hangingPunct="1">
+                            <a:lnSpc>
+                              <a:spcPct val="100000"/>
+                            </a:lnSpc>
+                            <a:spcBef>
+                              <a:spcPts val="0"/>
+                            </a:spcBef>
+                            <a:spcAft>
+                              <a:spcPts val="0"/>
+                            </a:spcAft>
+                            <a:buClrTx/>
+                            <a:buSzTx/>
+                            <a:buFontTx/>
+                            <a:buNone/>
+                            <a:tabLst/>
+                            <a:defRPr/>
+                          </a:pPr>
+                          <a14:m>
+                            <m:oMathPara xmlns:m="http://schemas.openxmlformats.org/officeDocument/2006/math">
+                              <m:oMathParaPr>
+                                <m:jc m:val="centerGroup"/>
+                              </m:oMathParaPr>
+                              <m:oMath xmlns:m="http://schemas.openxmlformats.org/officeDocument/2006/math">
+                                <m:f>
+                                  <m:fPr>
+                                    <m:ctrlPr>
+                                      <a:rPr lang="en-US" i="1" smtClean="0">
+                                        <a:latin typeface="Cambria Math"/>
+                                      </a:rPr>
+                                    </m:ctrlPr>
+                                  </m:fPr>
+                                  <m:num>
+                                    <m:r>
+                                      <m:rPr>
+                                        <m:nor/>
+                                      </m:rPr>
+                                      <a:rPr lang="en-US" dirty="0" smtClean="0"/>
+                                      <m:t>ɯ</m:t>
+                                    </m:r>
+                                  </m:num>
+                                  <m:den>
+                                    <m:sSup>
+                                      <m:sSupPr>
+                                        <m:ctrlPr>
+                                          <a:rPr lang="en-US" i="1" smtClean="0">
+                                            <a:latin typeface="Cambria Math"/>
+                                          </a:rPr>
+                                        </m:ctrlPr>
+                                      </m:sSupPr>
+                                      <m:e>
+                                        <m:r>
+                                          <a:rPr lang="en-US" b="0" i="1" smtClean="0">
+                                            <a:latin typeface="Cambria Math"/>
+                                          </a:rPr>
+                                          <m:t>𝑠</m:t>
+                                        </m:r>
+                                      </m:e>
+                                      <m:sup>
+                                        <m:r>
+                                          <a:rPr lang="en-US" b="0" i="1" smtClean="0">
+                                            <a:latin typeface="Cambria Math"/>
+                                          </a:rPr>
+                                          <m:t>2</m:t>
+                                        </m:r>
+                                      </m:sup>
+                                    </m:sSup>
+                                    <m:sSup>
+                                      <m:sSupPr>
+                                        <m:ctrlPr>
+                                          <a:rPr lang="en-US" i="1" smtClean="0">
+                                            <a:latin typeface="Cambria Math"/>
+                                          </a:rPr>
+                                        </m:ctrlPr>
+                                      </m:sSupPr>
+                                      <m:e>
+                                        <m:r>
+                                          <m:rPr>
+                                            <m:nor/>
+                                          </m:rPr>
+                                          <a:rPr lang="en-US" b="0" i="0" smtClean="0">
+                                            <a:latin typeface="Cambria Math"/>
+                                          </a:rPr>
+                                          <m:t>+</m:t>
+                                        </m:r>
+                                        <m:r>
+                                          <m:rPr>
+                                            <m:nor/>
+                                          </m:rPr>
+                                          <a:rPr lang="en-US" dirty="0" smtClean="0"/>
+                                          <m:t>ɯ</m:t>
+                                        </m:r>
+                                      </m:e>
+                                      <m:sup>
+                                        <m:r>
+                                          <a:rPr lang="en-US" b="0" i="1" smtClean="0">
+                                            <a:latin typeface="Cambria Math"/>
+                                          </a:rPr>
+                                          <m:t>2</m:t>
+                                        </m:r>
+                                      </m:sup>
+                                    </m:sSup>
+                                  </m:den>
+                                </m:f>
+                              </m:oMath>
+                            </m:oMathPara>
+                          </a14:m>
+                          <a:endParaRPr lang="en-US" dirty="0"/>
+                        </a:p>
+                      </a:txBody>
+                      <a:tcPr/>
+                    </a:tc>
+                  </a:tr>
+                  <a:tr h="280064">
+                    <a:tc>
+                      <a:txBody>
+                        <a:bodyPr/>
+                        <a:lstStyle/>
+                        <a:p>
+                          <a:pPr marL="0" marR="0" indent="0" defTabSz="914400" eaLnBrk="1" fontAlgn="auto" latinLnBrk="0" hangingPunct="1">
+                            <a:lnSpc>
+                              <a:spcPct val="100000"/>
+                            </a:lnSpc>
+                            <a:spcBef>
+                              <a:spcPts val="0"/>
+                            </a:spcBef>
+                            <a:spcAft>
+                              <a:spcPts val="0"/>
+                            </a:spcAft>
+                            <a:buClrTx/>
+                            <a:buSzTx/>
+                            <a:buFontTx/>
+                            <a:buNone/>
+                            <a:tabLst/>
+                            <a:defRPr/>
+                          </a:pPr>
+                          <a:r>
+                            <a:rPr lang="en-US" smtClean="0"/>
+                            <a:t>cos(</a:t>
+                          </a:r>
+                          <a:r>
+                            <a:rPr lang="en-US" dirty="0" err="1" smtClean="0"/>
+                            <a:t>ɯt</a:t>
+                          </a:r>
+                          <a:r>
+                            <a:rPr lang="en-US" dirty="0" smtClean="0"/>
+                            <a:t>)u(t)</a:t>
+                          </a:r>
+                        </a:p>
+                      </a:txBody>
+                      <a:tcPr/>
+                    </a:tc>
+                    <a:tc>
+                      <a:txBody>
+                        <a:bodyPr/>
+                        <a:lstStyle/>
+                        <a:p>
+                          <a14:m>
+                            <m:oMathPara xmlns:m="http://schemas.openxmlformats.org/officeDocument/2006/math">
+                              <m:oMathParaPr>
+                                <m:jc m:val="centerGroup"/>
+                              </m:oMathParaPr>
+                              <m:oMath xmlns:m="http://schemas.openxmlformats.org/officeDocument/2006/math">
+                                <m:f>
+                                  <m:fPr>
+                                    <m:ctrlPr>
+                                      <a:rPr lang="en-US" i="1" smtClean="0">
+                                        <a:latin typeface="Cambria Math"/>
+                                      </a:rPr>
+                                    </m:ctrlPr>
+                                  </m:fPr>
+                                  <m:num>
+                                    <m:r>
+                                      <m:rPr>
+                                        <m:nor/>
+                                      </m:rPr>
+                                      <a:rPr lang="en-US" b="0" i="0" smtClean="0">
+                                        <a:latin typeface="Cambria Math"/>
+                                      </a:rPr>
+                                      <m:t>s</m:t>
+                                    </m:r>
+                                  </m:num>
+                                  <m:den>
+                                    <m:sSup>
+                                      <m:sSupPr>
+                                        <m:ctrlPr>
+                                          <a:rPr lang="en-US" i="1" smtClean="0">
+                                            <a:latin typeface="Cambria Math"/>
+                                          </a:rPr>
+                                        </m:ctrlPr>
+                                      </m:sSupPr>
+                                      <m:e>
+                                        <m:r>
+                                          <a:rPr lang="en-US" b="0" i="1" smtClean="0">
+                                            <a:latin typeface="Cambria Math"/>
+                                          </a:rPr>
+                                          <m:t>𝑠</m:t>
+                                        </m:r>
+                                      </m:e>
+                                      <m:sup>
+                                        <m:r>
+                                          <a:rPr lang="en-US" b="0" i="1" smtClean="0">
+                                            <a:latin typeface="Cambria Math"/>
+                                          </a:rPr>
+                                          <m:t>2</m:t>
+                                        </m:r>
+                                      </m:sup>
+                                    </m:sSup>
+                                    <m:sSup>
+                                      <m:sSupPr>
+                                        <m:ctrlPr>
+                                          <a:rPr lang="en-US" i="1" smtClean="0">
+                                            <a:latin typeface="Cambria Math"/>
+                                          </a:rPr>
+                                        </m:ctrlPr>
+                                      </m:sSupPr>
+                                      <m:e>
+                                        <m:r>
+                                          <m:rPr>
+                                            <m:nor/>
+                                          </m:rPr>
+                                          <a:rPr lang="en-US" b="0" i="0" smtClean="0">
+                                            <a:latin typeface="Cambria Math"/>
+                                          </a:rPr>
+                                          <m:t>+</m:t>
+                                        </m:r>
+                                        <m:r>
+                                          <m:rPr>
+                                            <m:nor/>
+                                          </m:rPr>
+                                          <a:rPr lang="en-US" dirty="0" smtClean="0"/>
+                                          <m:t>ɯ</m:t>
+                                        </m:r>
+                                      </m:e>
+                                      <m:sup>
+                                        <m:r>
+                                          <a:rPr lang="en-US" b="0" i="1" smtClean="0">
+                                            <a:latin typeface="Cambria Math"/>
+                                          </a:rPr>
+                                          <m:t>2</m:t>
+                                        </m:r>
+                                      </m:sup>
+                                    </m:sSup>
+                                  </m:den>
+                                </m:f>
+                              </m:oMath>
+                            </m:oMathPara>
+                          </a14:m>
+                          <a:endParaRPr lang="en-US" dirty="0"/>
+                        </a:p>
+                      </a:txBody>
+                      <a:tcPr/>
+                    </a:tc>
+                  </a:tr>
+                </a:tbl>
+              </a:graphicData>
+            </a:graphic>
+          </p:graphicFrame>
+        </mc:Choice>
+        <mc:Fallback>
+          <p:graphicFrame>
+            <p:nvGraphicFramePr>
+              <p:cNvPr id="8" name="Table 7"/>
+              <p:cNvGraphicFramePr>
+                <a:graphicFrameLocks noGrp="1"/>
+              </p:cNvGraphicFramePr>
+              <p:nvPr>
+                <p:extLst>
+                  <p:ext uri="{D42A27DB-BD31-4B8C-83A1-F6EECF244321}">
+                    <p14:modId xmlns:p14="http://schemas.microsoft.com/office/powerpoint/2010/main" val="2824767289"/>
+                  </p:ext>
+                </p:extLst>
+              </p:nvPr>
+            </p:nvGraphicFramePr>
+            <p:xfrm>
+              <a:off x="1215571" y="1244094"/>
+              <a:ext cx="3770086" cy="4310381"/>
+            </p:xfrm>
+            <a:graphic>
+              <a:graphicData uri="http://schemas.openxmlformats.org/drawingml/2006/table">
+                <a:tbl>
+                  <a:tblPr firstRow="1" bandRow="1">
+                    <a:tableStyleId>{5940675A-B579-460E-94D1-54222C63F5DA}</a:tableStyleId>
+                  </a:tblPr>
+                  <a:tblGrid>
+                    <a:gridCol w="1885043"/>
+                    <a:gridCol w="1885043"/>
+                  </a:tblGrid>
+                  <a:tr h="365760">
+                    <a:tc>
+                      <a:txBody>
+                        <a:bodyPr/>
+                        <a:lstStyle/>
+                        <a:p>
+                          <a:pPr algn="ctr"/>
+                          <a:r>
+                            <a:rPr lang="en-US" dirty="0" smtClean="0"/>
+                            <a:t>f(t)</a:t>
+                          </a:r>
+                          <a:endParaRPr lang="en-US" dirty="0"/>
+                        </a:p>
+                      </a:txBody>
+                      <a:tcPr/>
+                    </a:tc>
+                    <a:tc>
+                      <a:txBody>
+                        <a:bodyPr/>
+                        <a:lstStyle/>
+                        <a:p>
+                          <a:pPr algn="ctr"/>
+                          <a:r>
+                            <a:rPr lang="en-US" dirty="0" smtClean="0"/>
+                            <a:t>F(s)</a:t>
+                          </a:r>
+                          <a:endParaRPr lang="en-US" dirty="0"/>
+                        </a:p>
+                      </a:txBody>
+                      <a:tcPr/>
+                    </a:tc>
+                  </a:tr>
+                  <a:tr h="365760">
+                    <a:tc>
+                      <a:txBody>
+                        <a:bodyPr/>
+                        <a:lstStyle/>
+                        <a:p>
+                          <a:r>
+                            <a:rPr lang="el-GR" dirty="0" smtClean="0"/>
+                            <a:t>δ</a:t>
+                          </a:r>
+                          <a:r>
+                            <a:rPr lang="en-US" dirty="0" smtClean="0"/>
+                            <a:t>(t)</a:t>
+                          </a:r>
+                          <a:endParaRPr lang="en-US" dirty="0"/>
+                        </a:p>
+                      </a:txBody>
+                      <a:tcPr/>
+                    </a:tc>
+                    <a:tc>
+                      <a:txBody>
+                        <a:bodyPr/>
+                        <a:lstStyle/>
+                        <a:p>
+                          <a:r>
+                            <a:rPr lang="en-US" dirty="0" smtClean="0"/>
+                            <a:t>1</a:t>
+                          </a:r>
+                          <a:endParaRPr lang="en-US" dirty="0"/>
+                        </a:p>
+                      </a:txBody>
+                      <a:tcPr/>
+                    </a:tc>
+                  </a:tr>
+                  <a:tr h="606870">
+                    <a:tc>
+                      <a:txBody>
+                        <a:bodyPr/>
+                        <a:lstStyle/>
+                        <a:p>
+                          <a:r>
+                            <a:rPr lang="en-US" dirty="0" smtClean="0"/>
+                            <a:t>u(t)</a:t>
+                          </a:r>
+                          <a:endParaRPr lang="en-US" dirty="0"/>
+                        </a:p>
+                      </a:txBody>
+                      <a:tcPr/>
+                    </a:tc>
+                    <a:tc>
+                      <a:txBody>
+                        <a:bodyPr/>
+                        <a:lstStyle/>
+                        <a:p>
+                          <a:endParaRPr lang="en-US"/>
+                        </a:p>
+                      </a:txBody>
+                      <a:tcPr>
+                        <a:blipFill rotWithShape="1">
+                          <a:blip r:embed="rId3"/>
+                          <a:stretch>
+                            <a:fillRect l="-100324" t="-125000" b="-488000"/>
+                          </a:stretch>
+                        </a:blipFill>
+                      </a:tcPr>
+                    </a:tc>
+                  </a:tr>
+                  <a:tr h="611378">
+                    <a:tc>
+                      <a:txBody>
+                        <a:bodyPr/>
+                        <a:lstStyle/>
+                        <a:p>
+                          <a:endParaRPr lang="en-US"/>
+                        </a:p>
+                      </a:txBody>
+                      <a:tcPr>
+                        <a:blipFill rotWithShape="1">
+                          <a:blip r:embed="rId3"/>
+                          <a:stretch>
+                            <a:fillRect t="-225000" r="-99677" b="-388000"/>
+                          </a:stretch>
+                        </a:blipFill>
+                      </a:tcPr>
+                    </a:tc>
+                    <a:tc>
+                      <a:txBody>
+                        <a:bodyPr/>
+                        <a:lstStyle/>
+                        <a:p>
+                          <a:endParaRPr lang="en-US"/>
+                        </a:p>
+                      </a:txBody>
+                      <a:tcPr>
+                        <a:blipFill rotWithShape="1">
+                          <a:blip r:embed="rId3"/>
+                          <a:stretch>
+                            <a:fillRect l="-100324" t="-225000" b="-388000"/>
+                          </a:stretch>
+                        </a:blipFill>
+                      </a:tcPr>
+                    </a:tc>
+                  </a:tr>
+                  <a:tr h="606870">
+                    <a:tc>
+                      <a:txBody>
+                        <a:bodyPr/>
+                        <a:lstStyle/>
+                        <a:p>
+                          <a:r>
+                            <a:rPr lang="en-US" dirty="0" smtClean="0"/>
+                            <a:t>r(t)=</a:t>
+                          </a:r>
+                          <a:r>
+                            <a:rPr lang="en-US" dirty="0" err="1" smtClean="0"/>
+                            <a:t>tu</a:t>
+                          </a:r>
+                          <a:r>
+                            <a:rPr lang="en-US" dirty="0" smtClean="0"/>
+                            <a:t>(t)</a:t>
+                          </a:r>
+                          <a:endParaRPr lang="en-US" dirty="0"/>
+                        </a:p>
+                      </a:txBody>
+                      <a:tcPr/>
+                    </a:tc>
+                    <a:tc>
+                      <a:txBody>
+                        <a:bodyPr/>
+                        <a:lstStyle/>
+                        <a:p>
+                          <a:endParaRPr lang="en-US"/>
+                        </a:p>
+                      </a:txBody>
+                      <a:tcPr>
+                        <a:blipFill rotWithShape="1">
+                          <a:blip r:embed="rId3"/>
+                          <a:stretch>
+                            <a:fillRect l="-100324" t="-328283" b="-291919"/>
+                          </a:stretch>
+                        </a:blipFill>
+                      </a:tcPr>
+                    </a:tc>
+                  </a:tr>
+                  <a:tr h="605028">
+                    <a:tc>
+                      <a:txBody>
+                        <a:bodyPr/>
+                        <a:lstStyle/>
+                        <a:p>
+                          <a:endParaRPr lang="en-US"/>
+                        </a:p>
+                      </a:txBody>
+                      <a:tcPr>
+                        <a:blipFill rotWithShape="1">
+                          <a:blip r:embed="rId3"/>
+                          <a:stretch>
+                            <a:fillRect t="-424000" r="-99677" b="-189000"/>
+                          </a:stretch>
+                        </a:blipFill>
+                      </a:tcPr>
+                    </a:tc>
+                    <a:tc>
+                      <a:txBody>
+                        <a:bodyPr/>
+                        <a:lstStyle/>
+                        <a:p>
+                          <a:endParaRPr lang="en-US"/>
+                        </a:p>
+                      </a:txBody>
+                      <a:tcPr>
+                        <a:blipFill rotWithShape="1">
+                          <a:blip r:embed="rId3"/>
+                          <a:stretch>
+                            <a:fillRect l="-100324" t="-424000" b="-189000"/>
+                          </a:stretch>
+                        </a:blipFill>
+                      </a:tcPr>
+                    </a:tc>
+                  </a:tr>
+                  <a:tr h="573405">
+                    <a:tc>
+                      <a:txBody>
+                        <a:bodyPr/>
+                        <a:lstStyle/>
+                        <a:p>
+                          <a:r>
+                            <a:rPr lang="en-US" dirty="0" smtClean="0"/>
+                            <a:t>Sin(</a:t>
+                          </a:r>
+                          <a:r>
+                            <a:rPr lang="en-US" dirty="0" err="1" smtClean="0"/>
+                            <a:t>ɯt</a:t>
+                          </a:r>
+                          <a:r>
+                            <a:rPr lang="en-US" dirty="0" smtClean="0"/>
+                            <a:t>)u(t)</a:t>
+                          </a:r>
+                          <a:endParaRPr lang="en-US" dirty="0"/>
+                        </a:p>
+                      </a:txBody>
+                      <a:tcPr/>
+                    </a:tc>
+                    <a:tc>
+                      <a:txBody>
+                        <a:bodyPr/>
+                        <a:lstStyle/>
+                        <a:p>
+                          <a:endParaRPr lang="en-US"/>
+                        </a:p>
+                      </a:txBody>
+                      <a:tcPr>
+                        <a:blipFill rotWithShape="1">
+                          <a:blip r:embed="rId3"/>
+                          <a:stretch>
+                            <a:fillRect l="-100324" t="-557447" b="-101064"/>
+                          </a:stretch>
+                        </a:blipFill>
+                      </a:tcPr>
+                    </a:tc>
+                  </a:tr>
+                  <a:tr h="575310">
+                    <a:tc>
+                      <a:txBody>
+                        <a:bodyPr/>
+                        <a:lstStyle/>
+                        <a:p>
+                          <a:pPr marL="0" marR="0" indent="0" defTabSz="914400" eaLnBrk="1" fontAlgn="auto" latinLnBrk="0" hangingPunct="1">
+                            <a:lnSpc>
+                              <a:spcPct val="100000"/>
+                            </a:lnSpc>
+                            <a:spcBef>
+                              <a:spcPts val="0"/>
+                            </a:spcBef>
+                            <a:spcAft>
+                              <a:spcPts val="0"/>
+                            </a:spcAft>
+                            <a:buClrTx/>
+                            <a:buSzTx/>
+                            <a:buFontTx/>
+                            <a:buNone/>
+                            <a:tabLst/>
+                            <a:defRPr/>
+                          </a:pPr>
+                          <a:r>
+                            <a:rPr lang="en-US" smtClean="0"/>
+                            <a:t>cos(</a:t>
+                          </a:r>
+                          <a:r>
+                            <a:rPr lang="en-US" dirty="0" err="1" smtClean="0"/>
+                            <a:t>ɯt</a:t>
+                          </a:r>
+                          <a:r>
+                            <a:rPr lang="en-US" dirty="0" smtClean="0"/>
+                            <a:t>)u(t)</a:t>
+                          </a:r>
+                        </a:p>
+                      </a:txBody>
+                      <a:tcPr/>
+                    </a:tc>
+                    <a:tc>
+                      <a:txBody>
+                        <a:bodyPr/>
+                        <a:lstStyle/>
+                        <a:p>
+                          <a:endParaRPr lang="en-US"/>
+                        </a:p>
+                      </a:txBody>
+                      <a:tcPr>
+                        <a:blipFill rotWithShape="1">
+                          <a:blip r:embed="rId3"/>
+                          <a:stretch>
+                            <a:fillRect l="-100324" t="-657447" b="-1064"/>
+                          </a:stretch>
+                        </a:blipFill>
+                      </a:tcPr>
+                    </a:tc>
+                  </a:tr>
+                </a:tbl>
+              </a:graphicData>
+            </a:graphic>
+          </p:graphicFrame>
+        </mc:Fallback>
+      </mc:AlternateContent>
+    </p:spTree>
+    <p:extLst>
+      <p:ext uri="{BB962C8B-B14F-4D97-AF65-F5344CB8AC3E}">
+        <p14:creationId xmlns:p14="http://schemas.microsoft.com/office/powerpoint/2010/main" val="1514132807"/>
+      </p:ext>
+    </p:extLst>
+  </p:cSld>
+  <p:clrMapOvr>
+    <a:masterClrMapping/>
+  </p:clrMapOvr>
+</p:sld>
+</file>
+
+<file path=ppt/slides/slide12.xml><?xml version="1.0" encoding="utf-8"?>
 <p:sld xmlns:a="http://schemas.openxmlformats.org/drawingml/2006/main" xmlns:r="http://schemas.openxmlformats.org/officeDocument/2006/relationships" xmlns:p="http://schemas.openxmlformats.org/presentationml/2006/main">
   <p:cSld>
     <p:spTree>
@@ -3863,7 +5523,7 @@
             <a:r>
               <a:rPr lang="lv-LV" sz="4000" b="1" dirty="0">
                 <a:solidFill>
-                  <a:srgbClr val="0000CC"/>
+                  <a:srgbClr val="00B050"/>
                 </a:solidFill>
                 <a:latin typeface="Cambria" panose="02040503050406030204" pitchFamily="18" charset="0"/>
               </a:rPr>
@@ -4089,12 +5749,12 @@
           <a:graphicData uri="http://schemas.openxmlformats.org/presentationml/2006/ole">
             <mc:AlternateContent xmlns:mc="http://schemas.openxmlformats.org/markup-compatibility/2006">
               <mc:Choice xmlns:v="urn:schemas-microsoft-com:vml" Requires="v">
-                <p:oleObj name="Equation" r:id="rId3" imgW="1117440" imgH="393480" progId="Equation.DSMT4">
+                <p:oleObj spid="_x0000_s1077" name="Equation" r:id="rId4" imgW="1117440" imgH="393480" progId="Equation.DSMT4">
                   <p:embed/>
                 </p:oleObj>
               </mc:Choice>
               <mc:Fallback>
-                <p:oleObj name="Equation" r:id="rId3" imgW="1117440" imgH="393480" progId="Equation.DSMT4">
+                <p:oleObj name="Equation" r:id="rId4" imgW="1117440" imgH="393480" progId="Equation.DSMT4">
                   <p:embed/>
                   <p:pic>
                     <p:nvPicPr>
@@ -4105,7 +5765,7 @@
                       <p:nvPr/>
                     </p:nvPicPr>
                     <p:blipFill>
-                      <a:blip r:embed="rId4">
+                      <a:blip r:embed="rId5">
                         <a:extLst>
                           <a:ext uri="{28A0092B-C50C-407E-A947-70E740481C1C}">
                             <a14:useLocalDpi xmlns:a14="http://schemas.microsoft.com/office/drawing/2010/main" val="0"/>
@@ -4149,22 +5809,28 @@
           <p:cNvGraphicFramePr>
             <a:graphicFrameLocks noChangeAspect="1"/>
           </p:cNvGraphicFramePr>
-          <p:nvPr/>
+          <p:nvPr>
+            <p:extLst>
+              <p:ext uri="{D42A27DB-BD31-4B8C-83A1-F6EECF244321}">
+                <p14:modId xmlns:p14="http://schemas.microsoft.com/office/powerpoint/2010/main" val="1154765487"/>
+              </p:ext>
+            </p:extLst>
+          </p:nvPr>
         </p:nvGraphicFramePr>
         <p:xfrm>
-          <a:off x="1382713" y="5313363"/>
+          <a:off x="1139333" y="5402618"/>
           <a:ext cx="1541462" cy="869950"/>
         </p:xfrm>
         <a:graphic>
           <a:graphicData uri="http://schemas.openxmlformats.org/presentationml/2006/ole">
             <mc:AlternateContent xmlns:mc="http://schemas.openxmlformats.org/markup-compatibility/2006">
               <mc:Choice xmlns:v="urn:schemas-microsoft-com:vml" Requires="v">
-                <p:oleObj name="Equation" r:id="rId5" imgW="698400" imgH="393480" progId="Equation.DSMT4">
+                <p:oleObj spid="_x0000_s1078" name="Equation" r:id="rId6" imgW="698400" imgH="393480" progId="Equation.DSMT4">
                   <p:embed/>
                 </p:oleObj>
               </mc:Choice>
               <mc:Fallback>
-                <p:oleObj name="Equation" r:id="rId5" imgW="698400" imgH="393480" progId="Equation.DSMT4">
+                <p:oleObj name="Equation" r:id="rId6" imgW="698400" imgH="393480" progId="Equation.DSMT4">
                   <p:embed/>
                   <p:pic>
                     <p:nvPicPr>
@@ -4175,7 +5841,7 @@
                       <p:nvPr/>
                     </p:nvPicPr>
                     <p:blipFill>
-                      <a:blip r:embed="rId6">
+                      <a:blip r:embed="rId7">
                         <a:extLst>
                           <a:ext uri="{28A0092B-C50C-407E-A947-70E740481C1C}">
                             <a14:useLocalDpi xmlns:a14="http://schemas.microsoft.com/office/drawing/2010/main" val="0"/>
@@ -4189,7 +5855,7 @@
                     </p:blipFill>
                     <p:spPr bwMode="auto">
                       <a:xfrm>
-                        <a:off x="1382713" y="5313363"/>
+                        <a:off x="1139333" y="5402618"/>
                         <a:ext cx="1541462" cy="869950"/>
                       </a:xfrm>
                       <a:prstGeom prst="rect">
@@ -4229,12 +5895,12 @@
           <a:graphicData uri="http://schemas.openxmlformats.org/presentationml/2006/ole">
             <mc:AlternateContent xmlns:mc="http://schemas.openxmlformats.org/markup-compatibility/2006">
               <mc:Choice xmlns:v="urn:schemas-microsoft-com:vml" Requires="v">
-                <p:oleObj name="Equation" r:id="rId7" imgW="952200" imgH="393480" progId="Equation.DSMT4">
+                <p:oleObj spid="_x0000_s1079" name="Equation" r:id="rId8" imgW="952200" imgH="393480" progId="Equation.DSMT4">
                   <p:embed/>
                 </p:oleObj>
               </mc:Choice>
               <mc:Fallback>
-                <p:oleObj name="Equation" r:id="rId7" imgW="952200" imgH="393480" progId="Equation.DSMT4">
+                <p:oleObj name="Equation" r:id="rId8" imgW="952200" imgH="393480" progId="Equation.DSMT4">
                   <p:embed/>
                   <p:pic>
                     <p:nvPicPr>
@@ -4245,7 +5911,7 @@
                       <p:nvPr/>
                     </p:nvPicPr>
                     <p:blipFill>
-                      <a:blip r:embed="rId8">
+                      <a:blip r:embed="rId9">
                         <a:extLst>
                           <a:ext uri="{28A0092B-C50C-407E-A947-70E740481C1C}">
                             <a14:useLocalDpi xmlns:a14="http://schemas.microsoft.com/office/drawing/2010/main" val="0"/>
@@ -4416,7 +6082,7 @@
             <a:fld id="{539F810C-9DAB-49B2-B45C-341744954A16}" type="slidenum">
               <a:rPr lang="en-GB" smtClean="0"/>
               <a:pPr/>
-              <a:t>10</a:t>
+              <a:t>12</a:t>
             </a:fld>
             <a:endParaRPr lang="en-GB"/>
           </a:p>
@@ -4427,7 +6093,7 @@
           <p:cNvPr id="4" name="TextBox 3">
             <a:extLst>
               <a:ext uri="{FF2B5EF4-FFF2-40B4-BE49-F238E27FC236}">
-                <a16:creationId xmlns:a16="http://schemas.microsoft.com/office/drawing/2014/main" id="{6F7DFED1-7294-5334-E2F5-8F239FDB7E2E}"/>
+                <a16:creationId xmlns:a16="http://schemas.microsoft.com/office/drawing/2014/main" xmlns="" id="{6F7DFED1-7294-5334-E2F5-8F239FDB7E2E}"/>
               </a:ext>
             </a:extLst>
           </p:cNvPr>
@@ -4493,7 +6159,7 @@
 </p:sld>
 </file>
 
-<file path=ppt/slides/slide11.xml><?xml version="1.0" encoding="utf-8"?>
+<file path=ppt/slides/slide13.xml><?xml version="1.0" encoding="utf-8"?>
 <p:sld xmlns:a="http://schemas.openxmlformats.org/drawingml/2006/main" xmlns:r="http://schemas.openxmlformats.org/officeDocument/2006/relationships" xmlns:p="http://schemas.openxmlformats.org/presentationml/2006/main">
   <p:cSld>
     <p:spTree>
@@ -4909,7 +6575,7 @@
             <a:fld id="{539F810C-9DAB-49B2-B45C-341744954A16}" type="slidenum">
               <a:rPr lang="en-GB" smtClean="0"/>
               <a:pPr/>
-              <a:t>11</a:t>
+              <a:t>13</a:t>
             </a:fld>
             <a:endParaRPr lang="en-GB"/>
           </a:p>
@@ -4920,7 +6586,7 @@
           <p:cNvPr id="4" name="TextBox 3">
             <a:extLst>
               <a:ext uri="{FF2B5EF4-FFF2-40B4-BE49-F238E27FC236}">
-                <a16:creationId xmlns:a16="http://schemas.microsoft.com/office/drawing/2014/main" id="{01DC56BC-AAFA-0F10-1064-898A956EB677}"/>
+                <a16:creationId xmlns:a16="http://schemas.microsoft.com/office/drawing/2014/main" xmlns="" id="{01DC56BC-AAFA-0F10-1064-898A956EB677}"/>
               </a:ext>
             </a:extLst>
           </p:cNvPr>
@@ -4974,7 +6640,7 @@
 </p:sld>
 </file>
 
-<file path=ppt/slides/slide12.xml><?xml version="1.0" encoding="utf-8"?>
+<file path=ppt/slides/slide14.xml><?xml version="1.0" encoding="utf-8"?>
 <p:sld xmlns:a="http://schemas.openxmlformats.org/drawingml/2006/main" xmlns:r="http://schemas.openxmlformats.org/officeDocument/2006/relationships" xmlns:p="http://schemas.openxmlformats.org/presentationml/2006/main">
   <p:cSld>
     <p:spTree>
@@ -5897,7 +7563,7 @@
             <a:fld id="{539F810C-9DAB-49B2-B45C-341744954A16}" type="slidenum">
               <a:rPr lang="en-GB" smtClean="0"/>
               <a:pPr/>
-              <a:t>12</a:t>
+              <a:t>14</a:t>
             </a:fld>
             <a:endParaRPr lang="en-GB"/>
           </a:p>
@@ -6152,7 +7818,7 @@
 </p:sld>
 </file>
 
-<file path=ppt/slides/slide13.xml><?xml version="1.0" encoding="utf-8"?>
+<file path=ppt/slides/slide15.xml><?xml version="1.0" encoding="utf-8"?>
 <p:sld xmlns:a="http://schemas.openxmlformats.org/drawingml/2006/main" xmlns:r="http://schemas.openxmlformats.org/officeDocument/2006/relationships" xmlns:p="http://schemas.openxmlformats.org/presentationml/2006/main">
   <p:cSld>
     <p:spTree>
@@ -6267,7 +7933,7 @@
                             <a:solidFill>
                               <a:schemeClr val="tx1"/>
                             </a:solidFill>
-                            <a:latin typeface="Cambria Math" panose="02040503050406030204" pitchFamily="18" charset="0"/>
+                            <a:latin typeface="Cambria Math"/>
                             <a:ea typeface="Cambria Math" panose="02040503050406030204" pitchFamily="18" charset="0"/>
                           </a:rPr>
                         </m:ctrlPr>
@@ -6302,7 +7968,7 @@
                             <a:solidFill>
                               <a:schemeClr val="tx1"/>
                             </a:solidFill>
-                            <a:latin typeface="Cambria Math" panose="02040503050406030204" pitchFamily="18" charset="0"/>
+                            <a:latin typeface="Cambria Math"/>
                             <a:ea typeface="Cambria Math" panose="02040503050406030204" pitchFamily="18" charset="0"/>
                           </a:rPr>
                         </m:ctrlPr>
@@ -6349,7 +8015,7 @@
                             <a:solidFill>
                               <a:schemeClr val="tx1"/>
                             </a:solidFill>
-                            <a:latin typeface="Cambria Math" panose="02040503050406030204" pitchFamily="18" charset="0"/>
+                            <a:latin typeface="Cambria Math"/>
                             <a:ea typeface="Cambria Math" panose="02040503050406030204" pitchFamily="18" charset="0"/>
                           </a:rPr>
                         </m:ctrlPr>
@@ -6362,7 +8028,7 @@
                                 <a:solidFill>
                                   <a:schemeClr val="tx1"/>
                                 </a:solidFill>
-                                <a:latin typeface="Cambria Math" panose="02040503050406030204" pitchFamily="18" charset="0"/>
+                                <a:latin typeface="Cambria Math"/>
                                 <a:ea typeface="Cambria Math" panose="02040503050406030204" pitchFamily="18" charset="0"/>
                               </a:rPr>
                             </m:ctrlPr>
@@ -6433,7 +8099,7 @@
                             <a:solidFill>
                               <a:schemeClr val="tx1"/>
                             </a:solidFill>
-                            <a:latin typeface="Cambria Math" panose="02040503050406030204" pitchFamily="18" charset="0"/>
+                            <a:latin typeface="Cambria Math"/>
                             <a:ea typeface="Cambria Math" panose="02040503050406030204" pitchFamily="18" charset="0"/>
                           </a:rPr>
                         </m:ctrlPr>
@@ -6456,7 +8122,7 @@
                                 <a:solidFill>
                                   <a:schemeClr val="tx1"/>
                                 </a:solidFill>
-                                <a:latin typeface="Cambria Math" panose="02040503050406030204" pitchFamily="18" charset="0"/>
+                                <a:latin typeface="Cambria Math"/>
                                 <a:ea typeface="Cambria Math" panose="02040503050406030204" pitchFamily="18" charset="0"/>
                               </a:rPr>
                             </m:ctrlPr>
@@ -6527,7 +8193,7 @@
                             <a:solidFill>
                               <a:schemeClr val="tx1"/>
                             </a:solidFill>
-                            <a:latin typeface="Cambria Math" panose="02040503050406030204" pitchFamily="18" charset="0"/>
+                            <a:latin typeface="Cambria Math"/>
                             <a:ea typeface="Cambria Math" panose="02040503050406030204" pitchFamily="18" charset="0"/>
                           </a:rPr>
                         </m:ctrlPr>
@@ -6540,7 +8206,7 @@
                                 <a:solidFill>
                                   <a:schemeClr val="tx1"/>
                                 </a:solidFill>
-                                <a:latin typeface="Cambria Math" panose="02040503050406030204" pitchFamily="18" charset="0"/>
+                                <a:latin typeface="Cambria Math"/>
                                 <a:ea typeface="Cambria Math" panose="02040503050406030204" pitchFamily="18" charset="0"/>
                               </a:rPr>
                             </m:ctrlPr>
@@ -6611,7 +8277,7 @@
                             <a:solidFill>
                               <a:schemeClr val="tx1"/>
                             </a:solidFill>
-                            <a:latin typeface="Cambria Math" panose="02040503050406030204" pitchFamily="18" charset="0"/>
+                            <a:latin typeface="Cambria Math"/>
                             <a:ea typeface="Cambria Math" panose="02040503050406030204" pitchFamily="18" charset="0"/>
                           </a:rPr>
                         </m:ctrlPr>
@@ -6624,7 +8290,7 @@
                                 <a:solidFill>
                                   <a:schemeClr val="tx1"/>
                                 </a:solidFill>
-                                <a:latin typeface="Cambria Math" panose="02040503050406030204" pitchFamily="18" charset="0"/>
+                                <a:latin typeface="Cambria Math"/>
                                 <a:ea typeface="Cambria Math" panose="02040503050406030204" pitchFamily="18" charset="0"/>
                               </a:rPr>
                             </m:ctrlPr>
@@ -6905,7 +8571,7 @@
             <a:fld id="{539F810C-9DAB-49B2-B45C-341744954A16}" type="slidenum">
               <a:rPr lang="en-GB" smtClean="0"/>
               <a:pPr/>
-              <a:t>13</a:t>
+              <a:t>15</a:t>
             </a:fld>
             <a:endParaRPr lang="en-GB"/>
           </a:p>
@@ -7148,7 +8814,7 @@
 </p:sld>
 </file>
 
-<file path=ppt/slides/slide14.xml><?xml version="1.0" encoding="utf-8"?>
+<file path=ppt/slides/slide16.xml><?xml version="1.0" encoding="utf-8"?>
 <p:sld xmlns:a="http://schemas.openxmlformats.org/drawingml/2006/main" xmlns:r="http://schemas.openxmlformats.org/officeDocument/2006/relationships" xmlns:p="http://schemas.openxmlformats.org/presentationml/2006/main">
   <p:cSld>
     <p:spTree>
@@ -7254,7 +8920,7 @@
                       <m:fPr>
                         <m:ctrlPr>
                           <a:rPr lang="en-US" sz="3200" b="0" i="1" dirty="0" smtClean="0">
-                            <a:latin typeface="Cambria Math" panose="02040503050406030204" pitchFamily="18" charset="0"/>
+                            <a:latin typeface="Cambria Math"/>
                             <a:ea typeface="Cambria Math" panose="02040503050406030204" pitchFamily="18" charset="0"/>
                           </a:rPr>
                         </m:ctrlPr>
@@ -7415,7 +9081,7 @@
             <a:fld id="{539F810C-9DAB-49B2-B45C-341744954A16}" type="slidenum">
               <a:rPr lang="en-GB" smtClean="0"/>
               <a:pPr/>
-              <a:t>14</a:t>
+              <a:t>16</a:t>
             </a:fld>
             <a:endParaRPr lang="en-GB"/>
           </a:p>
@@ -7426,7 +9092,7 @@
           <p:cNvPr id="3" name="TextBox 2">
             <a:extLst>
               <a:ext uri="{FF2B5EF4-FFF2-40B4-BE49-F238E27FC236}">
-                <a16:creationId xmlns:a16="http://schemas.microsoft.com/office/drawing/2014/main" id="{2A4AD2CD-3583-42E3-FA0C-5D10E365FEA9}"/>
+                <a16:creationId xmlns:a16="http://schemas.microsoft.com/office/drawing/2014/main" xmlns="" id="{2A4AD2CD-3583-42E3-FA0C-5D10E365FEA9}"/>
               </a:ext>
             </a:extLst>
           </p:cNvPr>
@@ -7474,7 +9140,7 @@
 </p:sld>
 </file>
 
-<file path=ppt/slides/slide15.xml><?xml version="1.0" encoding="utf-8"?>
+<file path=ppt/slides/slide17.xml><?xml version="1.0" encoding="utf-8"?>
 <p:sld xmlns:a="http://schemas.openxmlformats.org/drawingml/2006/main" xmlns:r="http://schemas.openxmlformats.org/officeDocument/2006/relationships" xmlns:p="http://schemas.openxmlformats.org/presentationml/2006/main">
   <p:cSld>
     <p:spTree>
@@ -7860,7 +9526,7 @@
 </p:sld>
 </file>
 
-<file path=ppt/slides/slide16.xml><?xml version="1.0" encoding="utf-8"?>
+<file path=ppt/slides/slide18.xml><?xml version="1.0" encoding="utf-8"?>
 <p:sld xmlns:a="http://schemas.openxmlformats.org/drawingml/2006/main" xmlns:r="http://schemas.openxmlformats.org/officeDocument/2006/relationships" xmlns:p="http://schemas.openxmlformats.org/presentationml/2006/main">
   <p:cSld>
     <p:spTree>
@@ -7941,7 +9607,7 @@
                             <a:solidFill>
                               <a:schemeClr val="tx1"/>
                             </a:solidFill>
-                            <a:latin typeface="Cambria Math" panose="02040503050406030204" pitchFamily="18" charset="0"/>
+                            <a:latin typeface="Cambria Math"/>
                             <a:ea typeface="Cambria Math" panose="02040503050406030204" pitchFamily="18" charset="0"/>
                           </a:rPr>
                         </m:ctrlPr>
@@ -7976,7 +9642,7 @@
                             <a:solidFill>
                               <a:schemeClr val="tx1"/>
                             </a:solidFill>
-                            <a:latin typeface="Cambria Math" panose="02040503050406030204" pitchFamily="18" charset="0"/>
+                            <a:latin typeface="Cambria Math"/>
                             <a:ea typeface="Cambria Math" panose="02040503050406030204" pitchFamily="18" charset="0"/>
                           </a:rPr>
                         </m:ctrlPr>
@@ -8053,7 +9719,7 @@
                             <a:solidFill>
                               <a:schemeClr val="tx1"/>
                             </a:solidFill>
-                            <a:latin typeface="Cambria Math" panose="02040503050406030204" pitchFamily="18" charset="0"/>
+                            <a:latin typeface="Cambria Math"/>
                             <a:ea typeface="Cambria Math" panose="02040503050406030204" pitchFamily="18" charset="0"/>
                           </a:rPr>
                         </m:ctrlPr>
@@ -8238,7 +9904,7 @@
                             <a:solidFill>
                               <a:srgbClr val="0000FF"/>
                             </a:solidFill>
-                            <a:latin typeface="Cambria Math" panose="02040503050406030204" pitchFamily="18" charset="0"/>
+                            <a:latin typeface="Cambria Math"/>
                             <a:ea typeface="Cambria Math" panose="02040503050406030204" pitchFamily="18" charset="0"/>
                           </a:rPr>
                         </m:ctrlPr>
@@ -8273,7 +9939,7 @@
                             <a:solidFill>
                               <a:srgbClr val="0000FF"/>
                             </a:solidFill>
-                            <a:latin typeface="Cambria Math" panose="02040503050406030204" pitchFamily="18" charset="0"/>
+                            <a:latin typeface="Cambria Math"/>
                             <a:ea typeface="Cambria Math" panose="02040503050406030204" pitchFamily="18" charset="0"/>
                           </a:rPr>
                         </m:ctrlPr>
@@ -8320,7 +9986,7 @@
                             <a:solidFill>
                               <a:srgbClr val="0000FF"/>
                             </a:solidFill>
-                            <a:latin typeface="Cambria Math" panose="02040503050406030204" pitchFamily="18" charset="0"/>
+                            <a:latin typeface="Cambria Math"/>
                             <a:ea typeface="Cambria Math" panose="02040503050406030204" pitchFamily="18" charset="0"/>
                           </a:rPr>
                         </m:ctrlPr>
@@ -8345,7 +10011,7 @@
                                 <a:solidFill>
                                   <a:srgbClr val="0000FF"/>
                                 </a:solidFill>
-                                <a:latin typeface="Cambria Math" panose="02040503050406030204" pitchFamily="18" charset="0"/>
+                                <a:latin typeface="Cambria Math"/>
                                 <a:ea typeface="Cambria Math" panose="02040503050406030204" pitchFamily="18" charset="0"/>
                               </a:rPr>
                             </m:ctrlPr>
@@ -8394,7 +10060,7 @@
                             <a:solidFill>
                               <a:srgbClr val="0000FF"/>
                             </a:solidFill>
-                            <a:latin typeface="Cambria Math" panose="02040503050406030204" pitchFamily="18" charset="0"/>
+                            <a:latin typeface="Cambria Math"/>
                             <a:ea typeface="Cambria Math" panose="02040503050406030204" pitchFamily="18" charset="0"/>
                           </a:rPr>
                         </m:ctrlPr>
@@ -8441,7 +10107,7 @@
                             <a:solidFill>
                               <a:srgbClr val="0000FF"/>
                             </a:solidFill>
-                            <a:latin typeface="Cambria Math" panose="02040503050406030204" pitchFamily="18" charset="0"/>
+                            <a:latin typeface="Cambria Math"/>
                             <a:ea typeface="Cambria Math" panose="02040503050406030204" pitchFamily="18" charset="0"/>
                           </a:rPr>
                         </m:ctrlPr>
@@ -8454,7 +10120,7 @@
                                 <a:solidFill>
                                   <a:srgbClr val="0000FF"/>
                                 </a:solidFill>
-                                <a:latin typeface="Cambria Math" panose="02040503050406030204" pitchFamily="18" charset="0"/>
+                                <a:latin typeface="Cambria Math"/>
                                 <a:ea typeface="Cambria Math" panose="02040503050406030204" pitchFamily="18" charset="0"/>
                               </a:rPr>
                             </m:ctrlPr>
@@ -8503,7 +10169,7 @@
                                 <a:solidFill>
                                   <a:srgbClr val="0000FF"/>
                                 </a:solidFill>
-                                <a:latin typeface="Cambria Math" panose="02040503050406030204" pitchFamily="18" charset="0"/>
+                                <a:latin typeface="Cambria Math"/>
                                 <a:ea typeface="Cambria Math" panose="02040503050406030204" pitchFamily="18" charset="0"/>
                               </a:rPr>
                             </m:ctrlPr>
@@ -8552,7 +10218,7 @@
                             <a:solidFill>
                               <a:srgbClr val="0000FF"/>
                             </a:solidFill>
-                            <a:latin typeface="Cambria Math" panose="02040503050406030204" pitchFamily="18" charset="0"/>
+                            <a:latin typeface="Cambria Math"/>
                             <a:ea typeface="Cambria Math" panose="02040503050406030204" pitchFamily="18" charset="0"/>
                           </a:rPr>
                         </m:ctrlPr>
@@ -8597,7 +10263,7 @@
                                 <a:solidFill>
                                   <a:srgbClr val="0000FF"/>
                                 </a:solidFill>
-                                <a:latin typeface="Cambria Math" panose="02040503050406030204" pitchFamily="18" charset="0"/>
+                                <a:latin typeface="Cambria Math"/>
                                 <a:ea typeface="Cambria Math" panose="02040503050406030204" pitchFamily="18" charset="0"/>
                               </a:rPr>
                             </m:ctrlPr>
@@ -8660,7 +10326,7 @@
                             <a:solidFill>
                               <a:srgbClr val="0000FF"/>
                             </a:solidFill>
-                            <a:latin typeface="Cambria Math" panose="02040503050406030204" pitchFamily="18" charset="0"/>
+                            <a:latin typeface="Cambria Math"/>
                             <a:ea typeface="Cambria Math" panose="02040503050406030204" pitchFamily="18" charset="0"/>
                           </a:rPr>
                         </m:ctrlPr>
@@ -9093,7 +10759,7 @@
             <a:fld id="{539F810C-9DAB-49B2-B45C-341744954A16}" type="slidenum">
               <a:rPr lang="en-GB" smtClean="0"/>
               <a:pPr/>
-              <a:t>16</a:t>
+              <a:t>18</a:t>
             </a:fld>
             <a:endParaRPr lang="en-GB"/>
           </a:p>
@@ -9491,7 +11157,7 @@
 </p:sld>
 </file>
 
-<file path=ppt/slides/slide17.xml><?xml version="1.0" encoding="utf-8"?>
+<file path=ppt/slides/slide19.xml><?xml version="1.0" encoding="utf-8"?>
 <p:sld xmlns:a="http://schemas.openxmlformats.org/drawingml/2006/main" xmlns:r="http://schemas.openxmlformats.org/officeDocument/2006/relationships" xmlns:p="http://schemas.openxmlformats.org/presentationml/2006/main">
   <p:cSld>
     <p:spTree>
@@ -9561,7 +11227,7 @@
                             <a:solidFill>
                               <a:srgbClr val="D60093"/>
                             </a:solidFill>
-                            <a:latin typeface="Cambria Math" panose="02040503050406030204" pitchFamily="18" charset="0"/>
+                            <a:latin typeface="Cambria Math"/>
                             <a:ea typeface="Cambria Math" panose="02040503050406030204" pitchFamily="18" charset="0"/>
                           </a:rPr>
                         </m:ctrlPr>
@@ -9622,7 +11288,7 @@
                             <a:solidFill>
                               <a:srgbClr val="D60093"/>
                             </a:solidFill>
-                            <a:latin typeface="Cambria Math" panose="02040503050406030204" pitchFamily="18" charset="0"/>
+                            <a:latin typeface="Cambria Math"/>
                             <a:ea typeface="Cambria Math" panose="02040503050406030204" pitchFamily="18" charset="0"/>
                           </a:rPr>
                         </m:ctrlPr>
@@ -9760,7 +11426,7 @@
                             <a:solidFill>
                               <a:schemeClr val="tx1"/>
                             </a:solidFill>
-                            <a:latin typeface="Cambria Math" panose="02040503050406030204" pitchFamily="18" charset="0"/>
+                            <a:latin typeface="Cambria Math"/>
                             <a:ea typeface="Cambria Math" panose="02040503050406030204" pitchFamily="18" charset="0"/>
                           </a:rPr>
                         </m:ctrlPr>
@@ -9785,7 +11451,7 @@
                                 <a:solidFill>
                                   <a:schemeClr val="tx1"/>
                                 </a:solidFill>
-                                <a:latin typeface="Cambria Math" panose="02040503050406030204" pitchFamily="18" charset="0"/>
+                                <a:latin typeface="Cambria Math"/>
                                 <a:ea typeface="Cambria Math" panose="02040503050406030204" pitchFamily="18" charset="0"/>
                               </a:rPr>
                             </m:ctrlPr>
@@ -9848,7 +11514,7 @@
                             <a:solidFill>
                               <a:schemeClr val="tx1"/>
                             </a:solidFill>
-                            <a:latin typeface="Cambria Math" panose="02040503050406030204" pitchFamily="18" charset="0"/>
+                            <a:latin typeface="Cambria Math"/>
                             <a:ea typeface="Cambria Math" panose="02040503050406030204" pitchFamily="18" charset="0"/>
                           </a:rPr>
                         </m:ctrlPr>
@@ -9871,7 +11537,7 @@
                                 <a:solidFill>
                                   <a:schemeClr val="tx1"/>
                                 </a:solidFill>
-                                <a:latin typeface="Cambria Math" panose="02040503050406030204" pitchFamily="18" charset="0"/>
+                                <a:latin typeface="Cambria Math"/>
                                 <a:ea typeface="Cambria Math" panose="02040503050406030204" pitchFamily="18" charset="0"/>
                               </a:rPr>
                             </m:ctrlPr>
@@ -9930,7 +11596,7 @@
                                 <a:solidFill>
                                   <a:schemeClr val="tx1"/>
                                 </a:solidFill>
-                                <a:latin typeface="Cambria Math" panose="02040503050406030204" pitchFamily="18" charset="0"/>
+                                <a:latin typeface="Cambria Math"/>
                                 <a:ea typeface="Cambria Math" panose="02040503050406030204" pitchFamily="18" charset="0"/>
                               </a:rPr>
                             </m:ctrlPr>
@@ -9979,7 +11645,7 @@
                             <a:solidFill>
                               <a:schemeClr val="tx1"/>
                             </a:solidFill>
-                            <a:latin typeface="Cambria Math" panose="02040503050406030204" pitchFamily="18" charset="0"/>
+                            <a:latin typeface="Cambria Math"/>
                             <a:ea typeface="Cambria Math" panose="02040503050406030204" pitchFamily="18" charset="0"/>
                           </a:rPr>
                         </m:ctrlPr>
@@ -10012,7 +11678,7 @@
                                 <a:solidFill>
                                   <a:schemeClr val="tx1"/>
                                 </a:solidFill>
-                                <a:latin typeface="Cambria Math" panose="02040503050406030204" pitchFamily="18" charset="0"/>
+                                <a:latin typeface="Cambria Math"/>
                                 <a:ea typeface="Cambria Math" panose="02040503050406030204" pitchFamily="18" charset="0"/>
                               </a:rPr>
                             </m:ctrlPr>
@@ -10123,7 +11789,7 @@
           <p:cNvPr id="3" name="Group 2">
             <a:extLst>
               <a:ext uri="{FF2B5EF4-FFF2-40B4-BE49-F238E27FC236}">
-                <a16:creationId xmlns:a16="http://schemas.microsoft.com/office/drawing/2014/main" id="{17EF2FE0-9BAF-8D07-B5CE-9907BA57EFC7}"/>
+                <a16:creationId xmlns:a16="http://schemas.microsoft.com/office/drawing/2014/main" xmlns="" id="{17EF2FE0-9BAF-8D07-B5CE-9907BA57EFC7}"/>
               </a:ext>
             </a:extLst>
           </p:cNvPr>
@@ -10279,7 +11945,7 @@
                           <m:dPr>
                             <m:ctrlPr>
                               <a:rPr lang="en-US" sz="2400" i="1">
-                                <a:latin typeface="Cambria Math" panose="02040503050406030204" pitchFamily="18" charset="0"/>
+                                <a:latin typeface="Cambria Math"/>
                               </a:rPr>
                             </m:ctrlPr>
                           </m:dPr>
@@ -11056,7 +12722,7 @@
             <a:fld id="{539F810C-9DAB-49B2-B45C-341744954A16}" type="slidenum">
               <a:rPr lang="en-GB" smtClean="0"/>
               <a:pPr/>
-              <a:t>17</a:t>
+              <a:t>19</a:t>
             </a:fld>
             <a:endParaRPr lang="en-GB"/>
           </a:p>
@@ -11245,7 +12911,323 @@
 </p:sld>
 </file>
 
-<file path=ppt/slides/slide18.xml><?xml version="1.0" encoding="utf-8"?>
+<file path=ppt/slides/slide2.xml><?xml version="1.0" encoding="utf-8"?>
+<p:sld xmlns:a="http://schemas.openxmlformats.org/drawingml/2006/main" xmlns:r="http://schemas.openxmlformats.org/officeDocument/2006/relationships" xmlns:p="http://schemas.openxmlformats.org/presentationml/2006/main">
+  <p:cSld>
+    <p:spTree>
+      <p:nvGrpSpPr>
+        <p:cNvPr id="1" name=""/>
+        <p:cNvGrpSpPr/>
+        <p:nvPr/>
+      </p:nvGrpSpPr>
+      <p:grpSpPr>
+        <a:xfrm>
+          <a:off x="0" y="0"/>
+          <a:ext cx="0" cy="0"/>
+          <a:chOff x="0" y="0"/>
+          <a:chExt cx="0" cy="0"/>
+        </a:xfrm>
+      </p:grpSpPr>
+      <p:sp>
+        <p:nvSpPr>
+          <p:cNvPr id="2" name="مربع نص 1"/>
+          <p:cNvSpPr txBox="1"/>
+          <p:nvPr/>
+        </p:nvSpPr>
+        <p:spPr>
+          <a:xfrm>
+            <a:off x="387464" y="558856"/>
+            <a:ext cx="4834261" cy="901465"/>
+          </a:xfrm>
+          <a:prstGeom prst="rect">
+            <a:avLst/>
+          </a:prstGeom>
+          <a:noFill/>
+        </p:spPr>
+        <p:txBody>
+          <a:bodyPr wrap="square" rtlCol="0">
+            <a:spAutoFit/>
+          </a:bodyPr>
+          <a:lstStyle/>
+          <a:p>
+            <a:pPr marL="0" marR="0" lvl="0" indent="0" algn="ctr" defTabSz="914400" rtl="0" eaLnBrk="1" fontAlgn="auto" latinLnBrk="0" hangingPunct="1">
+              <a:lnSpc>
+                <a:spcPct val="150000"/>
+              </a:lnSpc>
+              <a:spcBef>
+                <a:spcPts val="0"/>
+              </a:spcBef>
+              <a:spcAft>
+                <a:spcPts val="0"/>
+              </a:spcAft>
+              <a:buClrTx/>
+              <a:buSzTx/>
+              <a:buFontTx/>
+              <a:buNone/>
+              <a:tabLst/>
+              <a:defRPr/>
+            </a:pPr>
+            <a:r>
+              <a:rPr kumimoji="0" lang="en-US" sz="4000" b="1" i="0" u="none" strike="noStrike" kern="1200" cap="none" spc="0" normalizeH="0" baseline="0" noProof="0" dirty="0">
+                <a:ln>
+                  <a:noFill/>
+                </a:ln>
+                <a:solidFill>
+                  <a:srgbClr val="00B050"/>
+                </a:solidFill>
+                <a:effectLst/>
+                <a:uLnTx/>
+                <a:uFillTx/>
+                <a:latin typeface="Cambria" pitchFamily="18" charset="0"/>
+                <a:ea typeface="+mn-ea"/>
+                <a:cs typeface="+mn-cs"/>
+              </a:rPr>
+              <a:t>Announcement</a:t>
+            </a:r>
+          </a:p>
+        </p:txBody>
+      </p:sp>
+      <p:sp>
+        <p:nvSpPr>
+          <p:cNvPr id="3" name="TextBox 2"/>
+          <p:cNvSpPr txBox="1"/>
+          <p:nvPr/>
+        </p:nvSpPr>
+        <p:spPr>
+          <a:xfrm>
+            <a:off x="950647" y="1848118"/>
+            <a:ext cx="8691373" cy="2365712"/>
+          </a:xfrm>
+          <a:prstGeom prst="rect">
+            <a:avLst/>
+          </a:prstGeom>
+          <a:noFill/>
+        </p:spPr>
+        <p:txBody>
+          <a:bodyPr wrap="square" rtlCol="0">
+            <a:spAutoFit/>
+          </a:bodyPr>
+          <a:lstStyle/>
+          <a:p>
+            <a:pPr marL="514350" marR="0" lvl="0" indent="-514350" algn="l" defTabSz="914400" rtl="0" eaLnBrk="1" fontAlgn="auto" latinLnBrk="0" hangingPunct="1">
+              <a:lnSpc>
+                <a:spcPct val="150000"/>
+              </a:lnSpc>
+              <a:spcBef>
+                <a:spcPts val="0"/>
+              </a:spcBef>
+              <a:spcAft>
+                <a:spcPts val="0"/>
+              </a:spcAft>
+              <a:buClrTx/>
+              <a:buSzTx/>
+              <a:buFont typeface="+mj-lt"/>
+              <a:buAutoNum type="arabicPeriod"/>
+              <a:tabLst/>
+              <a:defRPr/>
+            </a:pPr>
+            <a:r>
+              <a:rPr kumimoji="0" lang="en-US" sz="3400" b="0" i="0" u="none" strike="noStrike" kern="1200" cap="none" spc="0" normalizeH="0" baseline="0" noProof="0" dirty="0">
+                <a:ln>
+                  <a:noFill/>
+                </a:ln>
+                <a:solidFill>
+                  <a:prstClr val="black"/>
+                </a:solidFill>
+                <a:effectLst/>
+                <a:uLnTx/>
+                <a:uFillTx/>
+                <a:latin typeface="Calibri"/>
+                <a:ea typeface="+mn-ea"/>
+                <a:cs typeface="+mn-cs"/>
+              </a:rPr>
+              <a:t>Project Proposal will be released next week</a:t>
+            </a:r>
+          </a:p>
+          <a:p>
+            <a:pPr marL="514350" marR="0" lvl="0" indent="-514350" algn="l" defTabSz="914400" rtl="0" eaLnBrk="1" fontAlgn="auto" latinLnBrk="0" hangingPunct="1">
+              <a:lnSpc>
+                <a:spcPct val="150000"/>
+              </a:lnSpc>
+              <a:spcBef>
+                <a:spcPts val="0"/>
+              </a:spcBef>
+              <a:spcAft>
+                <a:spcPts val="0"/>
+              </a:spcAft>
+              <a:buClrTx/>
+              <a:buSzTx/>
+              <a:buFont typeface="+mj-lt"/>
+              <a:buAutoNum type="arabicPeriod"/>
+              <a:tabLst/>
+              <a:defRPr/>
+            </a:pPr>
+            <a:r>
+              <a:rPr kumimoji="0" lang="en-US" sz="3400" b="0" i="0" u="none" strike="noStrike" kern="1200" cap="none" spc="0" normalizeH="0" baseline="0" noProof="0" dirty="0">
+                <a:ln>
+                  <a:noFill/>
+                </a:ln>
+                <a:solidFill>
+                  <a:prstClr val="black"/>
+                </a:solidFill>
+                <a:effectLst/>
+                <a:uLnTx/>
+                <a:uFillTx/>
+                <a:latin typeface="Calibri"/>
+                <a:ea typeface="+mn-ea"/>
+                <a:cs typeface="+mn-cs"/>
+              </a:rPr>
+              <a:t>Form project groups.</a:t>
+            </a:r>
+          </a:p>
+          <a:p>
+            <a:pPr marL="514350" marR="0" lvl="0" indent="-514350" algn="l" defTabSz="914400" rtl="0" eaLnBrk="1" fontAlgn="auto" latinLnBrk="0" hangingPunct="1">
+              <a:lnSpc>
+                <a:spcPct val="150000"/>
+              </a:lnSpc>
+              <a:spcBef>
+                <a:spcPts val="0"/>
+              </a:spcBef>
+              <a:spcAft>
+                <a:spcPts val="0"/>
+              </a:spcAft>
+              <a:buClrTx/>
+              <a:buSzTx/>
+              <a:buFont typeface="+mj-lt"/>
+              <a:buAutoNum type="arabicPeriod"/>
+              <a:tabLst/>
+              <a:defRPr/>
+            </a:pPr>
+            <a:r>
+              <a:rPr lang="en-US" sz="3400" dirty="0">
+                <a:solidFill>
+                  <a:prstClr val="black"/>
+                </a:solidFill>
+                <a:latin typeface="Calibri"/>
+              </a:rPr>
+              <a:t>Quiz during Week 4</a:t>
+            </a:r>
+            <a:endParaRPr kumimoji="0" lang="en-US" sz="3400" b="0" i="0" u="none" strike="noStrike" kern="1200" cap="none" spc="0" normalizeH="0" baseline="0" noProof="0" dirty="0">
+              <a:ln>
+                <a:noFill/>
+              </a:ln>
+              <a:solidFill>
+                <a:prstClr val="black"/>
+              </a:solidFill>
+              <a:effectLst/>
+              <a:uLnTx/>
+              <a:uFillTx/>
+              <a:latin typeface="Calibri"/>
+              <a:ea typeface="+mn-ea"/>
+              <a:cs typeface="+mn-cs"/>
+            </a:endParaRPr>
+          </a:p>
+        </p:txBody>
+      </p:sp>
+      <p:sp>
+        <p:nvSpPr>
+          <p:cNvPr id="4" name="Slide Number Placeholder 3"/>
+          <p:cNvSpPr>
+            <a:spLocks noGrp="1"/>
+          </p:cNvSpPr>
+          <p:nvPr>
+            <p:ph type="sldNum" sz="quarter" idx="7"/>
+          </p:nvPr>
+        </p:nvSpPr>
+        <p:spPr/>
+        <p:txBody>
+          <a:bodyPr/>
+          <a:lstStyle/>
+          <a:p>
+            <a:pPr marL="0" marR="0" lvl="0" indent="0" algn="r" defTabSz="914400" rtl="0" eaLnBrk="1" fontAlgn="auto" latinLnBrk="0" hangingPunct="1">
+              <a:lnSpc>
+                <a:spcPct val="100000"/>
+              </a:lnSpc>
+              <a:spcBef>
+                <a:spcPts val="0"/>
+              </a:spcBef>
+              <a:spcAft>
+                <a:spcPts val="0"/>
+              </a:spcAft>
+              <a:buClrTx/>
+              <a:buSzTx/>
+              <a:buFontTx/>
+              <a:buNone/>
+              <a:tabLst/>
+              <a:defRPr/>
+            </a:pPr>
+            <a:fld id="{539F810C-9DAB-49B2-B45C-341744954A16}" type="slidenum">
+              <a:rPr kumimoji="0" lang="en-GB" sz="1800" b="0" i="0" u="none" strike="noStrike" kern="1200" cap="none" spc="0" normalizeH="0" baseline="0" noProof="0" smtClean="0">
+                <a:ln>
+                  <a:noFill/>
+                </a:ln>
+                <a:solidFill>
+                  <a:prstClr val="black">
+                    <a:tint val="75000"/>
+                  </a:prstClr>
+                </a:solidFill>
+                <a:effectLst/>
+                <a:uLnTx/>
+                <a:uFillTx/>
+                <a:latin typeface="Calibri"/>
+                <a:ea typeface="+mn-ea"/>
+                <a:cs typeface="+mn-cs"/>
+              </a:rPr>
+              <a:pPr marL="0" marR="0" lvl="0" indent="0" algn="r" defTabSz="914400" rtl="0" eaLnBrk="1" fontAlgn="auto" latinLnBrk="0" hangingPunct="1">
+                <a:lnSpc>
+                  <a:spcPct val="100000"/>
+                </a:lnSpc>
+                <a:spcBef>
+                  <a:spcPts val="0"/>
+                </a:spcBef>
+                <a:spcAft>
+                  <a:spcPts val="0"/>
+                </a:spcAft>
+                <a:buClrTx/>
+                <a:buSzTx/>
+                <a:buFontTx/>
+                <a:buNone/>
+                <a:tabLst/>
+                <a:defRPr/>
+              </a:pPr>
+              <a:t>2</a:t>
+            </a:fld>
+            <a:endParaRPr kumimoji="0" lang="en-GB" sz="1800" b="0" i="0" u="none" strike="noStrike" kern="1200" cap="none" spc="0" normalizeH="0" baseline="0" noProof="0">
+              <a:ln>
+                <a:noFill/>
+              </a:ln>
+              <a:solidFill>
+                <a:prstClr val="black">
+                  <a:tint val="75000"/>
+                </a:prstClr>
+              </a:solidFill>
+              <a:effectLst/>
+              <a:uLnTx/>
+              <a:uFillTx/>
+              <a:latin typeface="Calibri"/>
+              <a:ea typeface="+mn-ea"/>
+              <a:cs typeface="+mn-cs"/>
+            </a:endParaRPr>
+          </a:p>
+        </p:txBody>
+      </p:sp>
+    </p:spTree>
+    <p:extLst>
+      <p:ext uri="{BB962C8B-B14F-4D97-AF65-F5344CB8AC3E}">
+        <p14:creationId xmlns:p14="http://schemas.microsoft.com/office/powerpoint/2010/main" val="1822825689"/>
+      </p:ext>
+    </p:extLst>
+  </p:cSld>
+  <p:clrMapOvr>
+    <a:masterClrMapping/>
+  </p:clrMapOvr>
+  <p:transition>
+    <p:wipe/>
+  </p:transition>
+</p:sld>
+</file>
+
+<file path=ppt/slides/slide20.xml><?xml version="1.0" encoding="utf-8"?>
 <p:sld xmlns:a="http://schemas.openxmlformats.org/drawingml/2006/main" xmlns:r="http://schemas.openxmlformats.org/officeDocument/2006/relationships" xmlns:p="http://schemas.openxmlformats.org/presentationml/2006/main">
   <p:cSld>
     <p:spTree>
@@ -12332,7 +14314,7 @@
                         <m:dPr>
                           <m:ctrlPr>
                             <a:rPr lang="en-US" sz="2400" i="1">
-                              <a:latin typeface="Cambria Math" panose="02040503050406030204" pitchFamily="18" charset="0"/>
+                              <a:latin typeface="Cambria Math"/>
                             </a:rPr>
                           </m:ctrlPr>
                         </m:dPr>
@@ -13378,7 +15360,7 @@
                         <m:dPr>
                           <m:ctrlPr>
                             <a:rPr lang="en-US" sz="2400" i="1">
-                              <a:latin typeface="Cambria Math" panose="02040503050406030204" pitchFamily="18" charset="0"/>
+                              <a:latin typeface="Cambria Math"/>
                             </a:rPr>
                           </m:ctrlPr>
                         </m:dPr>
@@ -13526,7 +15508,7 @@
             <a:fld id="{539F810C-9DAB-49B2-B45C-341744954A16}" type="slidenum">
               <a:rPr lang="en-GB" smtClean="0"/>
               <a:pPr/>
-              <a:t>18</a:t>
+              <a:t>20</a:t>
             </a:fld>
             <a:endParaRPr lang="en-GB"/>
           </a:p>
@@ -13545,7 +15527,7 @@
 </p:sld>
 </file>
 
-<file path=ppt/slides/slide19.xml><?xml version="1.0" encoding="utf-8"?>
+<file path=ppt/slides/slide21.xml><?xml version="1.0" encoding="utf-8"?>
 <p:sld xmlns:a="http://schemas.openxmlformats.org/drawingml/2006/main" xmlns:r="http://schemas.openxmlformats.org/officeDocument/2006/relationships" xmlns:p="http://schemas.openxmlformats.org/presentationml/2006/main">
   <p:cSld>
     <p:spTree>
@@ -13869,7 +15851,7 @@
                         <m:dPr>
                           <m:ctrlPr>
                             <a:rPr lang="en-US" sz="2400" i="1">
-                              <a:latin typeface="Cambria Math" panose="02040503050406030204" pitchFamily="18" charset="0"/>
+                              <a:latin typeface="Cambria Math"/>
                             </a:rPr>
                           </m:ctrlPr>
                         </m:dPr>
@@ -14395,7 +16377,7 @@
                             <a:solidFill>
                               <a:srgbClr val="7030A0"/>
                             </a:solidFill>
-                            <a:latin typeface="Cambria Math" panose="02040503050406030204" pitchFamily="18" charset="0"/>
+                            <a:latin typeface="Cambria Math"/>
                             <a:ea typeface="Cambria Math" panose="02040503050406030204" pitchFamily="18" charset="0"/>
                           </a:rPr>
                         </m:ctrlPr>
@@ -14445,7 +16427,7 @@
                             <a:solidFill>
                               <a:srgbClr val="7030A0"/>
                             </a:solidFill>
-                            <a:latin typeface="Cambria Math" panose="02040503050406030204" pitchFamily="18" charset="0"/>
+                            <a:latin typeface="Cambria Math"/>
                             <a:ea typeface="Cambria Math" panose="02040503050406030204" pitchFamily="18" charset="0"/>
                           </a:rPr>
                         </m:ctrlPr>
@@ -14470,7 +16452,7 @@
                                 <a:solidFill>
                                   <a:srgbClr val="7030A0"/>
                                 </a:solidFill>
-                                <a:latin typeface="Cambria Math" panose="02040503050406030204" pitchFamily="18" charset="0"/>
+                                <a:latin typeface="Cambria Math"/>
                                 <a:ea typeface="Cambria Math" panose="02040503050406030204" pitchFamily="18" charset="0"/>
                               </a:rPr>
                             </m:ctrlPr>
@@ -14522,7 +16504,7 @@
                             <a:solidFill>
                               <a:srgbClr val="7030A0"/>
                             </a:solidFill>
-                            <a:latin typeface="Cambria Math" panose="02040503050406030204" pitchFamily="18" charset="0"/>
+                            <a:latin typeface="Cambria Math"/>
                             <a:ea typeface="Cambria Math" panose="02040503050406030204" pitchFamily="18" charset="0"/>
                           </a:rPr>
                         </m:ctrlPr>
@@ -14545,7 +16527,7 @@
                                 <a:solidFill>
                                   <a:srgbClr val="7030A0"/>
                                 </a:solidFill>
-                                <a:latin typeface="Cambria Math" panose="02040503050406030204" pitchFamily="18" charset="0"/>
+                                <a:latin typeface="Cambria Math"/>
                                 <a:ea typeface="Cambria Math" panose="02040503050406030204" pitchFamily="18" charset="0"/>
                               </a:rPr>
                             </m:ctrlPr>
@@ -14600,7 +16582,7 @@
                                 <a:solidFill>
                                   <a:srgbClr val="7030A0"/>
                                 </a:solidFill>
-                                <a:latin typeface="Cambria Math" panose="02040503050406030204" pitchFamily="18" charset="0"/>
+                                <a:latin typeface="Cambria Math"/>
                                 <a:ea typeface="Cambria Math" panose="02040503050406030204" pitchFamily="18" charset="0"/>
                               </a:rPr>
                             </m:ctrlPr>
@@ -14656,7 +16638,7 @@
                             <a:solidFill>
                               <a:srgbClr val="7030A0"/>
                             </a:solidFill>
-                            <a:latin typeface="Cambria Math" panose="02040503050406030204" pitchFamily="18" charset="0"/>
+                            <a:latin typeface="Cambria Math"/>
                             <a:ea typeface="Cambria Math" panose="02040503050406030204" pitchFamily="18" charset="0"/>
                           </a:rPr>
                         </m:ctrlPr>
@@ -14703,7 +16685,7 @@
                             <a:solidFill>
                               <a:srgbClr val="7030A0"/>
                             </a:solidFill>
-                            <a:latin typeface="Cambria Math" panose="02040503050406030204" pitchFamily="18" charset="0"/>
+                            <a:latin typeface="Cambria Math"/>
                             <a:ea typeface="Cambria Math" panose="02040503050406030204" pitchFamily="18" charset="0"/>
                           </a:rPr>
                         </m:ctrlPr>
@@ -14726,7 +16708,7 @@
                                 <a:solidFill>
                                   <a:srgbClr val="7030A0"/>
                                 </a:solidFill>
-                                <a:latin typeface="Cambria Math" panose="02040503050406030204" pitchFamily="18" charset="0"/>
+                                <a:latin typeface="Cambria Math"/>
                                 <a:ea typeface="Cambria Math" panose="02040503050406030204" pitchFamily="18" charset="0"/>
                               </a:rPr>
                             </m:ctrlPr>
@@ -14775,7 +16757,7 @@
                                 <a:solidFill>
                                   <a:srgbClr val="7030A0"/>
                                 </a:solidFill>
-                                <a:latin typeface="Cambria Math" panose="02040503050406030204" pitchFamily="18" charset="0"/>
+                                <a:latin typeface="Cambria Math"/>
                                 <a:ea typeface="Cambria Math" panose="02040503050406030204" pitchFamily="18" charset="0"/>
                               </a:rPr>
                             </m:ctrlPr>
@@ -14828,7 +16810,7 @@
                             <a:solidFill>
                               <a:srgbClr val="7030A0"/>
                             </a:solidFill>
-                            <a:latin typeface="Cambria Math" panose="02040503050406030204" pitchFamily="18" charset="0"/>
+                            <a:latin typeface="Cambria Math"/>
                             <a:ea typeface="Cambria Math" panose="02040503050406030204" pitchFamily="18" charset="0"/>
                           </a:rPr>
                         </m:ctrlPr>
@@ -14871,7 +16853,7 @@
                                 <a:solidFill>
                                   <a:srgbClr val="7030A0"/>
                                 </a:solidFill>
-                                <a:latin typeface="Cambria Math" panose="02040503050406030204" pitchFamily="18" charset="0"/>
+                                <a:latin typeface="Cambria Math"/>
                                 <a:ea typeface="Cambria Math" panose="02040503050406030204" pitchFamily="18" charset="0"/>
                               </a:rPr>
                             </m:ctrlPr>
@@ -14930,7 +16912,7 @@
                                 <a:solidFill>
                                   <a:srgbClr val="7030A0"/>
                                 </a:solidFill>
-                                <a:latin typeface="Cambria Math" panose="02040503050406030204" pitchFamily="18" charset="0"/>
+                                <a:latin typeface="Cambria Math"/>
                                 <a:ea typeface="Cambria Math" panose="02040503050406030204" pitchFamily="18" charset="0"/>
                               </a:rPr>
                             </m:ctrlPr>
@@ -15598,7 +17580,7 @@
                         <m:dPr>
                           <m:ctrlPr>
                             <a:rPr lang="en-US" sz="2400" i="1">
-                              <a:latin typeface="Cambria Math" panose="02040503050406030204" pitchFamily="18" charset="0"/>
+                              <a:latin typeface="Cambria Math"/>
                             </a:rPr>
                           </m:ctrlPr>
                         </m:dPr>
@@ -15754,7 +17736,7 @@
                       <m:fPr>
                         <m:ctrlPr>
                           <a:rPr lang="en-US" sz="2200" i="1">
-                            <a:latin typeface="Cambria Math" panose="02040503050406030204" pitchFamily="18" charset="0"/>
+                            <a:latin typeface="Cambria Math"/>
                             <a:ea typeface="Cambria Math" panose="02040503050406030204" pitchFamily="18" charset="0"/>
                           </a:rPr>
                         </m:ctrlPr>
@@ -15785,7 +17767,7 @@
                           <m:sSupPr>
                             <m:ctrlPr>
                               <a:rPr lang="en-US" sz="2200" i="1">
-                                <a:latin typeface="Cambria Math" panose="02040503050406030204" pitchFamily="18" charset="0"/>
+                                <a:latin typeface="Cambria Math"/>
                                 <a:ea typeface="Cambria Math" panose="02040503050406030204" pitchFamily="18" charset="0"/>
                               </a:rPr>
                             </m:ctrlPr>
@@ -15836,7 +17818,7 @@
                           <m:sSupPr>
                             <m:ctrlPr>
                               <a:rPr lang="en-US" sz="2200" i="1">
-                                <a:latin typeface="Cambria Math" panose="02040503050406030204" pitchFamily="18" charset="0"/>
+                                <a:latin typeface="Cambria Math"/>
                                 <a:ea typeface="Cambria Math" panose="02040503050406030204" pitchFamily="18" charset="0"/>
                               </a:rPr>
                             </m:ctrlPr>
@@ -15873,7 +17855,7 @@
                       <m:fPr>
                         <m:ctrlPr>
                           <a:rPr lang="en-US" sz="2200" i="1">
-                            <a:latin typeface="Cambria Math" panose="02040503050406030204" pitchFamily="18" charset="0"/>
+                            <a:latin typeface="Cambria Math"/>
                             <a:ea typeface="Cambria Math" panose="02040503050406030204" pitchFamily="18" charset="0"/>
                           </a:rPr>
                         </m:ctrlPr>
@@ -15904,7 +17886,7 @@
                           <m:sSupPr>
                             <m:ctrlPr>
                               <a:rPr lang="en-US" sz="2200" i="1">
-                                <a:latin typeface="Cambria Math" panose="02040503050406030204" pitchFamily="18" charset="0"/>
+                                <a:latin typeface="Cambria Math"/>
                                 <a:ea typeface="Cambria Math" panose="02040503050406030204" pitchFamily="18" charset="0"/>
                               </a:rPr>
                             </m:ctrlPr>
@@ -15948,7 +17930,7 @@
                           <m:sSupPr>
                             <m:ctrlPr>
                               <a:rPr lang="en-US" sz="2200" i="1">
-                                <a:latin typeface="Cambria Math" panose="02040503050406030204" pitchFamily="18" charset="0"/>
+                                <a:latin typeface="Cambria Math"/>
                                 <a:ea typeface="Cambria Math" panose="02040503050406030204" pitchFamily="18" charset="0"/>
                               </a:rPr>
                             </m:ctrlPr>
@@ -16090,7 +18072,7 @@
                             <a:solidFill>
                               <a:srgbClr val="7030A0"/>
                             </a:solidFill>
-                            <a:latin typeface="Cambria Math" panose="02040503050406030204" pitchFamily="18" charset="0"/>
+                            <a:latin typeface="Cambria Math"/>
                             <a:ea typeface="Cambria Math" panose="02040503050406030204" pitchFamily="18" charset="0"/>
                           </a:rPr>
                         </m:ctrlPr>
@@ -16147,7 +18129,7 @@
                             <a:solidFill>
                               <a:srgbClr val="7030A0"/>
                             </a:solidFill>
-                            <a:latin typeface="Cambria Math" panose="02040503050406030204" pitchFamily="18" charset="0"/>
+                            <a:latin typeface="Cambria Math"/>
                             <a:ea typeface="Cambria Math" panose="02040503050406030204" pitchFamily="18" charset="0"/>
                           </a:rPr>
                         </m:ctrlPr>
@@ -16172,7 +18154,7 @@
                                 <a:solidFill>
                                   <a:srgbClr val="7030A0"/>
                                 </a:solidFill>
-                                <a:latin typeface="Cambria Math" panose="02040503050406030204" pitchFamily="18" charset="0"/>
+                                <a:latin typeface="Cambria Math"/>
                                 <a:ea typeface="Cambria Math" panose="02040503050406030204" pitchFamily="18" charset="0"/>
                               </a:rPr>
                             </m:ctrlPr>
@@ -16221,7 +18203,7 @@
                             <a:solidFill>
                               <a:srgbClr val="7030A0"/>
                             </a:solidFill>
-                            <a:latin typeface="Cambria Math" panose="02040503050406030204" pitchFamily="18" charset="0"/>
+                            <a:latin typeface="Cambria Math"/>
                             <a:ea typeface="Cambria Math" panose="02040503050406030204" pitchFamily="18" charset="0"/>
                           </a:rPr>
                         </m:ctrlPr>
@@ -16268,7 +18250,7 @@
                             <a:solidFill>
                               <a:srgbClr val="7030A0"/>
                             </a:solidFill>
-                            <a:latin typeface="Cambria Math" panose="02040503050406030204" pitchFamily="18" charset="0"/>
+                            <a:latin typeface="Cambria Math"/>
                             <a:ea typeface="Cambria Math" panose="02040503050406030204" pitchFamily="18" charset="0"/>
                           </a:rPr>
                         </m:ctrlPr>
@@ -16281,7 +18263,7 @@
                                 <a:solidFill>
                                   <a:srgbClr val="7030A0"/>
                                 </a:solidFill>
-                                <a:latin typeface="Cambria Math" panose="02040503050406030204" pitchFamily="18" charset="0"/>
+                                <a:latin typeface="Cambria Math"/>
                                 <a:ea typeface="Cambria Math" panose="02040503050406030204" pitchFamily="18" charset="0"/>
                               </a:rPr>
                             </m:ctrlPr>
@@ -16306,7 +18288,7 @@
                                     <a:solidFill>
                                       <a:srgbClr val="7030A0"/>
                                     </a:solidFill>
-                                    <a:latin typeface="Cambria Math" panose="02040503050406030204" pitchFamily="18" charset="0"/>
+                                    <a:latin typeface="Cambria Math"/>
                                     <a:ea typeface="Cambria Math" panose="02040503050406030204" pitchFamily="18" charset="0"/>
                                   </a:rPr>
                                 </m:ctrlPr>
@@ -16355,7 +18337,7 @@
                                 <a:solidFill>
                                   <a:srgbClr val="7030A0"/>
                                 </a:solidFill>
-                                <a:latin typeface="Cambria Math" panose="02040503050406030204" pitchFamily="18" charset="0"/>
+                                <a:latin typeface="Cambria Math"/>
                                 <a:ea typeface="Cambria Math" panose="02040503050406030204" pitchFamily="18" charset="0"/>
                               </a:rPr>
                             </m:ctrlPr>
@@ -16647,7 +18629,7 @@
                             <a:solidFill>
                               <a:srgbClr val="7030A0"/>
                             </a:solidFill>
-                            <a:latin typeface="Cambria Math" panose="02040503050406030204" pitchFamily="18" charset="0"/>
+                            <a:latin typeface="Cambria Math"/>
                             <a:ea typeface="Cambria Math" panose="02040503050406030204" pitchFamily="18" charset="0"/>
                           </a:rPr>
                         </m:ctrlPr>
@@ -16724,7 +18706,7 @@
                             <a:solidFill>
                               <a:srgbClr val="7030A0"/>
                             </a:solidFill>
-                            <a:latin typeface="Cambria Math" panose="02040503050406030204" pitchFamily="18" charset="0"/>
+                            <a:latin typeface="Cambria Math"/>
                             <a:ea typeface="Cambria Math" panose="02040503050406030204" pitchFamily="18" charset="0"/>
                           </a:rPr>
                         </m:ctrlPr>
@@ -16767,7 +18749,7 @@
                                 <a:solidFill>
                                   <a:srgbClr val="7030A0"/>
                                 </a:solidFill>
-                                <a:latin typeface="Cambria Math" panose="02040503050406030204" pitchFamily="18" charset="0"/>
+                                <a:latin typeface="Cambria Math"/>
                                 <a:ea typeface="Cambria Math" panose="02040503050406030204" pitchFamily="18" charset="0"/>
                               </a:rPr>
                             </m:ctrlPr>
@@ -16842,7 +18824,7 @@
                             <a:solidFill>
                               <a:srgbClr val="7030A0"/>
                             </a:solidFill>
-                            <a:latin typeface="Cambria Math" panose="02040503050406030204" pitchFamily="18" charset="0"/>
+                            <a:latin typeface="Cambria Math"/>
                             <a:ea typeface="Cambria Math" panose="02040503050406030204" pitchFamily="18" charset="0"/>
                           </a:rPr>
                         </m:ctrlPr>
@@ -16865,7 +18847,7 @@
                                 <a:solidFill>
                                   <a:srgbClr val="7030A0"/>
                                 </a:solidFill>
-                                <a:latin typeface="Cambria Math" panose="02040503050406030204" pitchFamily="18" charset="0"/>
+                                <a:latin typeface="Cambria Math"/>
                                 <a:ea typeface="Cambria Math" panose="02040503050406030204" pitchFamily="18" charset="0"/>
                               </a:rPr>
                             </m:ctrlPr>
@@ -16936,7 +18918,7 @@
                             <a:solidFill>
                               <a:srgbClr val="7030A0"/>
                             </a:solidFill>
-                            <a:latin typeface="Cambria Math" panose="02040503050406030204" pitchFamily="18" charset="0"/>
+                            <a:latin typeface="Cambria Math"/>
                             <a:ea typeface="Cambria Math" panose="02040503050406030204" pitchFamily="18" charset="0"/>
                           </a:rPr>
                         </m:ctrlPr>
@@ -16979,7 +18961,7 @@
                                 <a:solidFill>
                                   <a:srgbClr val="7030A0"/>
                                 </a:solidFill>
-                                <a:latin typeface="Cambria Math" panose="02040503050406030204" pitchFamily="18" charset="0"/>
+                                <a:latin typeface="Cambria Math"/>
                                 <a:ea typeface="Cambria Math" panose="02040503050406030204" pitchFamily="18" charset="0"/>
                               </a:rPr>
                             </m:ctrlPr>
@@ -17038,7 +19020,7 @@
                                 <a:solidFill>
                                   <a:srgbClr val="7030A0"/>
                                 </a:solidFill>
-                                <a:latin typeface="Cambria Math" panose="02040503050406030204" pitchFamily="18" charset="0"/>
+                                <a:latin typeface="Cambria Math"/>
                                 <a:ea typeface="Cambria Math" panose="02040503050406030204" pitchFamily="18" charset="0"/>
                               </a:rPr>
                             </m:ctrlPr>
@@ -17138,7 +19120,7 @@
             <a:fld id="{539F810C-9DAB-49B2-B45C-341744954A16}" type="slidenum">
               <a:rPr lang="en-GB" smtClean="0"/>
               <a:pPr/>
-              <a:t>19</a:t>
+              <a:t>21</a:t>
             </a:fld>
             <a:endParaRPr lang="en-GB"/>
           </a:p>
@@ -17511,323 +19493,7 @@
 </p:sld>
 </file>
 
-<file path=ppt/slides/slide2.xml><?xml version="1.0" encoding="utf-8"?>
-<p:sld xmlns:a="http://schemas.openxmlformats.org/drawingml/2006/main" xmlns:r="http://schemas.openxmlformats.org/officeDocument/2006/relationships" xmlns:p="http://schemas.openxmlformats.org/presentationml/2006/main">
-  <p:cSld>
-    <p:spTree>
-      <p:nvGrpSpPr>
-        <p:cNvPr id="1" name=""/>
-        <p:cNvGrpSpPr/>
-        <p:nvPr/>
-      </p:nvGrpSpPr>
-      <p:grpSpPr>
-        <a:xfrm>
-          <a:off x="0" y="0"/>
-          <a:ext cx="0" cy="0"/>
-          <a:chOff x="0" y="0"/>
-          <a:chExt cx="0" cy="0"/>
-        </a:xfrm>
-      </p:grpSpPr>
-      <p:sp>
-        <p:nvSpPr>
-          <p:cNvPr id="2" name="مربع نص 1"/>
-          <p:cNvSpPr txBox="1"/>
-          <p:nvPr/>
-        </p:nvSpPr>
-        <p:spPr>
-          <a:xfrm>
-            <a:off x="387464" y="558856"/>
-            <a:ext cx="4834261" cy="901465"/>
-          </a:xfrm>
-          <a:prstGeom prst="rect">
-            <a:avLst/>
-          </a:prstGeom>
-          <a:noFill/>
-        </p:spPr>
-        <p:txBody>
-          <a:bodyPr wrap="square" rtlCol="0">
-            <a:spAutoFit/>
-          </a:bodyPr>
-          <a:lstStyle/>
-          <a:p>
-            <a:pPr marL="0" marR="0" lvl="0" indent="0" algn="ctr" defTabSz="914400" rtl="0" eaLnBrk="1" fontAlgn="auto" latinLnBrk="0" hangingPunct="1">
-              <a:lnSpc>
-                <a:spcPct val="150000"/>
-              </a:lnSpc>
-              <a:spcBef>
-                <a:spcPts val="0"/>
-              </a:spcBef>
-              <a:spcAft>
-                <a:spcPts val="0"/>
-              </a:spcAft>
-              <a:buClrTx/>
-              <a:buSzTx/>
-              <a:buFontTx/>
-              <a:buNone/>
-              <a:tabLst/>
-              <a:defRPr/>
-            </a:pPr>
-            <a:r>
-              <a:rPr kumimoji="0" lang="en-US" sz="4000" b="1" i="0" u="none" strike="noStrike" kern="1200" cap="none" spc="0" normalizeH="0" baseline="0" noProof="0" dirty="0">
-                <a:ln>
-                  <a:noFill/>
-                </a:ln>
-                <a:solidFill>
-                  <a:srgbClr val="0000FF"/>
-                </a:solidFill>
-                <a:effectLst/>
-                <a:uLnTx/>
-                <a:uFillTx/>
-                <a:latin typeface="Cambria" pitchFamily="18" charset="0"/>
-                <a:ea typeface="+mn-ea"/>
-                <a:cs typeface="+mn-cs"/>
-              </a:rPr>
-              <a:t>Announcement</a:t>
-            </a:r>
-          </a:p>
-        </p:txBody>
-      </p:sp>
-      <p:sp>
-        <p:nvSpPr>
-          <p:cNvPr id="3" name="TextBox 2"/>
-          <p:cNvSpPr txBox="1"/>
-          <p:nvPr/>
-        </p:nvSpPr>
-        <p:spPr>
-          <a:xfrm>
-            <a:off x="950647" y="1848118"/>
-            <a:ext cx="8691373" cy="2365712"/>
-          </a:xfrm>
-          <a:prstGeom prst="rect">
-            <a:avLst/>
-          </a:prstGeom>
-          <a:noFill/>
-        </p:spPr>
-        <p:txBody>
-          <a:bodyPr wrap="square" rtlCol="0">
-            <a:spAutoFit/>
-          </a:bodyPr>
-          <a:lstStyle/>
-          <a:p>
-            <a:pPr marL="514350" marR="0" lvl="0" indent="-514350" algn="l" defTabSz="914400" rtl="0" eaLnBrk="1" fontAlgn="auto" latinLnBrk="0" hangingPunct="1">
-              <a:lnSpc>
-                <a:spcPct val="150000"/>
-              </a:lnSpc>
-              <a:spcBef>
-                <a:spcPts val="0"/>
-              </a:spcBef>
-              <a:spcAft>
-                <a:spcPts val="0"/>
-              </a:spcAft>
-              <a:buClrTx/>
-              <a:buSzTx/>
-              <a:buFont typeface="+mj-lt"/>
-              <a:buAutoNum type="arabicPeriod"/>
-              <a:tabLst/>
-              <a:defRPr/>
-            </a:pPr>
-            <a:r>
-              <a:rPr kumimoji="0" lang="en-US" sz="3400" b="0" i="0" u="none" strike="noStrike" kern="1200" cap="none" spc="0" normalizeH="0" baseline="0" noProof="0" dirty="0">
-                <a:ln>
-                  <a:noFill/>
-                </a:ln>
-                <a:solidFill>
-                  <a:prstClr val="black"/>
-                </a:solidFill>
-                <a:effectLst/>
-                <a:uLnTx/>
-                <a:uFillTx/>
-                <a:latin typeface="Calibri"/>
-                <a:ea typeface="+mn-ea"/>
-                <a:cs typeface="+mn-cs"/>
-              </a:rPr>
-              <a:t>Project Proposal will be released next week</a:t>
-            </a:r>
-          </a:p>
-          <a:p>
-            <a:pPr marL="514350" marR="0" lvl="0" indent="-514350" algn="l" defTabSz="914400" rtl="0" eaLnBrk="1" fontAlgn="auto" latinLnBrk="0" hangingPunct="1">
-              <a:lnSpc>
-                <a:spcPct val="150000"/>
-              </a:lnSpc>
-              <a:spcBef>
-                <a:spcPts val="0"/>
-              </a:spcBef>
-              <a:spcAft>
-                <a:spcPts val="0"/>
-              </a:spcAft>
-              <a:buClrTx/>
-              <a:buSzTx/>
-              <a:buFont typeface="+mj-lt"/>
-              <a:buAutoNum type="arabicPeriod"/>
-              <a:tabLst/>
-              <a:defRPr/>
-            </a:pPr>
-            <a:r>
-              <a:rPr kumimoji="0" lang="en-US" sz="3400" b="0" i="0" u="none" strike="noStrike" kern="1200" cap="none" spc="0" normalizeH="0" baseline="0" noProof="0" dirty="0">
-                <a:ln>
-                  <a:noFill/>
-                </a:ln>
-                <a:solidFill>
-                  <a:prstClr val="black"/>
-                </a:solidFill>
-                <a:effectLst/>
-                <a:uLnTx/>
-                <a:uFillTx/>
-                <a:latin typeface="Calibri"/>
-                <a:ea typeface="+mn-ea"/>
-                <a:cs typeface="+mn-cs"/>
-              </a:rPr>
-              <a:t>Form project groups.</a:t>
-            </a:r>
-          </a:p>
-          <a:p>
-            <a:pPr marL="514350" marR="0" lvl="0" indent="-514350" algn="l" defTabSz="914400" rtl="0" eaLnBrk="1" fontAlgn="auto" latinLnBrk="0" hangingPunct="1">
-              <a:lnSpc>
-                <a:spcPct val="150000"/>
-              </a:lnSpc>
-              <a:spcBef>
-                <a:spcPts val="0"/>
-              </a:spcBef>
-              <a:spcAft>
-                <a:spcPts val="0"/>
-              </a:spcAft>
-              <a:buClrTx/>
-              <a:buSzTx/>
-              <a:buFont typeface="+mj-lt"/>
-              <a:buAutoNum type="arabicPeriod"/>
-              <a:tabLst/>
-              <a:defRPr/>
-            </a:pPr>
-            <a:r>
-              <a:rPr lang="en-US" sz="3400" dirty="0">
-                <a:solidFill>
-                  <a:prstClr val="black"/>
-                </a:solidFill>
-                <a:latin typeface="Calibri"/>
-              </a:rPr>
-              <a:t>Quiz during Week 4</a:t>
-            </a:r>
-            <a:endParaRPr kumimoji="0" lang="en-US" sz="3400" b="0" i="0" u="none" strike="noStrike" kern="1200" cap="none" spc="0" normalizeH="0" baseline="0" noProof="0" dirty="0">
-              <a:ln>
-                <a:noFill/>
-              </a:ln>
-              <a:solidFill>
-                <a:prstClr val="black"/>
-              </a:solidFill>
-              <a:effectLst/>
-              <a:uLnTx/>
-              <a:uFillTx/>
-              <a:latin typeface="Calibri"/>
-              <a:ea typeface="+mn-ea"/>
-              <a:cs typeface="+mn-cs"/>
-            </a:endParaRPr>
-          </a:p>
-        </p:txBody>
-      </p:sp>
-      <p:sp>
-        <p:nvSpPr>
-          <p:cNvPr id="4" name="Slide Number Placeholder 3"/>
-          <p:cNvSpPr>
-            <a:spLocks noGrp="1"/>
-          </p:cNvSpPr>
-          <p:nvPr>
-            <p:ph type="sldNum" sz="quarter" idx="7"/>
-          </p:nvPr>
-        </p:nvSpPr>
-        <p:spPr/>
-        <p:txBody>
-          <a:bodyPr/>
-          <a:lstStyle/>
-          <a:p>
-            <a:pPr marL="0" marR="0" lvl="0" indent="0" algn="r" defTabSz="914400" rtl="0" eaLnBrk="1" fontAlgn="auto" latinLnBrk="0" hangingPunct="1">
-              <a:lnSpc>
-                <a:spcPct val="100000"/>
-              </a:lnSpc>
-              <a:spcBef>
-                <a:spcPts val="0"/>
-              </a:spcBef>
-              <a:spcAft>
-                <a:spcPts val="0"/>
-              </a:spcAft>
-              <a:buClrTx/>
-              <a:buSzTx/>
-              <a:buFontTx/>
-              <a:buNone/>
-              <a:tabLst/>
-              <a:defRPr/>
-            </a:pPr>
-            <a:fld id="{539F810C-9DAB-49B2-B45C-341744954A16}" type="slidenum">
-              <a:rPr kumimoji="0" lang="en-GB" sz="1800" b="0" i="0" u="none" strike="noStrike" kern="1200" cap="none" spc="0" normalizeH="0" baseline="0" noProof="0" smtClean="0">
-                <a:ln>
-                  <a:noFill/>
-                </a:ln>
-                <a:solidFill>
-                  <a:prstClr val="black">
-                    <a:tint val="75000"/>
-                  </a:prstClr>
-                </a:solidFill>
-                <a:effectLst/>
-                <a:uLnTx/>
-                <a:uFillTx/>
-                <a:latin typeface="Calibri"/>
-                <a:ea typeface="+mn-ea"/>
-                <a:cs typeface="+mn-cs"/>
-              </a:rPr>
-              <a:pPr marL="0" marR="0" lvl="0" indent="0" algn="r" defTabSz="914400" rtl="0" eaLnBrk="1" fontAlgn="auto" latinLnBrk="0" hangingPunct="1">
-                <a:lnSpc>
-                  <a:spcPct val="100000"/>
-                </a:lnSpc>
-                <a:spcBef>
-                  <a:spcPts val="0"/>
-                </a:spcBef>
-                <a:spcAft>
-                  <a:spcPts val="0"/>
-                </a:spcAft>
-                <a:buClrTx/>
-                <a:buSzTx/>
-                <a:buFontTx/>
-                <a:buNone/>
-                <a:tabLst/>
-                <a:defRPr/>
-              </a:pPr>
-              <a:t>2</a:t>
-            </a:fld>
-            <a:endParaRPr kumimoji="0" lang="en-GB" sz="1800" b="0" i="0" u="none" strike="noStrike" kern="1200" cap="none" spc="0" normalizeH="0" baseline="0" noProof="0">
-              <a:ln>
-                <a:noFill/>
-              </a:ln>
-              <a:solidFill>
-                <a:prstClr val="black">
-                  <a:tint val="75000"/>
-                </a:prstClr>
-              </a:solidFill>
-              <a:effectLst/>
-              <a:uLnTx/>
-              <a:uFillTx/>
-              <a:latin typeface="Calibri"/>
-              <a:ea typeface="+mn-ea"/>
-              <a:cs typeface="+mn-cs"/>
-            </a:endParaRPr>
-          </a:p>
-        </p:txBody>
-      </p:sp>
-    </p:spTree>
-    <p:extLst>
-      <p:ext uri="{BB962C8B-B14F-4D97-AF65-F5344CB8AC3E}">
-        <p14:creationId xmlns:p14="http://schemas.microsoft.com/office/powerpoint/2010/main" val="1822825689"/>
-      </p:ext>
-    </p:extLst>
-  </p:cSld>
-  <p:clrMapOvr>
-    <a:masterClrMapping/>
-  </p:clrMapOvr>
-  <p:transition>
-    <p:wipe/>
-  </p:transition>
-</p:sld>
-</file>
-
-<file path=ppt/slides/slide20.xml><?xml version="1.0" encoding="utf-8"?>
+<file path=ppt/slides/slide22.xml><?xml version="1.0" encoding="utf-8"?>
 <p:sld xmlns:a="http://schemas.openxmlformats.org/drawingml/2006/main" xmlns:r="http://schemas.openxmlformats.org/officeDocument/2006/relationships" xmlns:p="http://schemas.openxmlformats.org/presentationml/2006/main">
   <p:cSld>
     <p:spTree>
@@ -17902,7 +19568,7 @@
             <a:fld id="{539F810C-9DAB-49B2-B45C-341744954A16}" type="slidenum">
               <a:rPr lang="en-GB" smtClean="0"/>
               <a:pPr/>
-              <a:t>20</a:t>
+              <a:t>22</a:t>
             </a:fld>
             <a:endParaRPr lang="en-GB"/>
           </a:p>
@@ -17913,7 +19579,7 @@
           <p:cNvPr id="16" name="Group 15">
             <a:extLst>
               <a:ext uri="{FF2B5EF4-FFF2-40B4-BE49-F238E27FC236}">
-                <a16:creationId xmlns:a16="http://schemas.microsoft.com/office/drawing/2014/main" id="{B75A6914-561D-A63B-43B3-6982E2A8D197}"/>
+                <a16:creationId xmlns:a16="http://schemas.microsoft.com/office/drawing/2014/main" xmlns="" id="{B75A6914-561D-A63B-43B3-6982E2A8D197}"/>
               </a:ext>
             </a:extLst>
           </p:cNvPr>
@@ -17933,7 +19599,7 @@
             <p:cNvPr id="10" name="Picture 9">
               <a:extLst>
                 <a:ext uri="{FF2B5EF4-FFF2-40B4-BE49-F238E27FC236}">
-                  <a16:creationId xmlns:a16="http://schemas.microsoft.com/office/drawing/2014/main" id="{DFCD5DD4-0DEA-C404-D376-8F56B395A670}"/>
+                  <a16:creationId xmlns:a16="http://schemas.microsoft.com/office/drawing/2014/main" xmlns="" id="{DFCD5DD4-0DEA-C404-D376-8F56B395A670}"/>
                 </a:ext>
               </a:extLst>
             </p:cNvPr>
@@ -17963,7 +19629,7 @@
             <p:cNvPr id="12" name="Picture 11">
               <a:extLst>
                 <a:ext uri="{FF2B5EF4-FFF2-40B4-BE49-F238E27FC236}">
-                  <a16:creationId xmlns:a16="http://schemas.microsoft.com/office/drawing/2014/main" id="{BDE070CE-E161-D836-4B5A-5CB0F0975BD6}"/>
+                  <a16:creationId xmlns:a16="http://schemas.microsoft.com/office/drawing/2014/main" xmlns="" id="{BDE070CE-E161-D836-4B5A-5CB0F0975BD6}"/>
                 </a:ext>
               </a:extLst>
             </p:cNvPr>
@@ -17993,7 +19659,7 @@
             <p:cNvPr id="14" name="Picture 13">
               <a:extLst>
                 <a:ext uri="{FF2B5EF4-FFF2-40B4-BE49-F238E27FC236}">
-                  <a16:creationId xmlns:a16="http://schemas.microsoft.com/office/drawing/2014/main" id="{DB88B6E6-40B7-7463-61D9-EA9D4B30287F}"/>
+                  <a16:creationId xmlns:a16="http://schemas.microsoft.com/office/drawing/2014/main" xmlns="" id="{DB88B6E6-40B7-7463-61D9-EA9D4B30287F}"/>
                 </a:ext>
               </a:extLst>
             </p:cNvPr>
@@ -18024,7 +19690,7 @@
           <p:cNvPr id="17" name="Group 16">
             <a:extLst>
               <a:ext uri="{FF2B5EF4-FFF2-40B4-BE49-F238E27FC236}">
-                <a16:creationId xmlns:a16="http://schemas.microsoft.com/office/drawing/2014/main" id="{0EA7800D-DE40-4A80-B96A-D3DD80B4E933}"/>
+                <a16:creationId xmlns:a16="http://schemas.microsoft.com/office/drawing/2014/main" xmlns="" id="{0EA7800D-DE40-4A80-B96A-D3DD80B4E933}"/>
               </a:ext>
             </a:extLst>
           </p:cNvPr>
@@ -18044,7 +19710,7 @@
             <p:cNvPr id="8" name="Picture 7">
               <a:extLst>
                 <a:ext uri="{FF2B5EF4-FFF2-40B4-BE49-F238E27FC236}">
-                  <a16:creationId xmlns:a16="http://schemas.microsoft.com/office/drawing/2014/main" id="{3FA59D9A-EF62-2124-3CEB-A9C358F8A5AF}"/>
+                  <a16:creationId xmlns:a16="http://schemas.microsoft.com/office/drawing/2014/main" xmlns="" id="{3FA59D9A-EF62-2124-3CEB-A9C358F8A5AF}"/>
                 </a:ext>
               </a:extLst>
             </p:cNvPr>
@@ -18074,7 +19740,7 @@
             <p:cNvPr id="15" name="Picture 14">
               <a:extLst>
                 <a:ext uri="{FF2B5EF4-FFF2-40B4-BE49-F238E27FC236}">
-                  <a16:creationId xmlns:a16="http://schemas.microsoft.com/office/drawing/2014/main" id="{4B49F486-2328-3D64-758A-954DD5C352C6}"/>
+                  <a16:creationId xmlns:a16="http://schemas.microsoft.com/office/drawing/2014/main" xmlns="" id="{4B49F486-2328-3D64-758A-954DD5C352C6}"/>
                 </a:ext>
               </a:extLst>
             </p:cNvPr>
@@ -18113,7 +19779,7 @@
 </p:sld>
 </file>
 
-<file path=ppt/slides/slide21.xml><?xml version="1.0" encoding="utf-8"?>
+<file path=ppt/slides/slide23.xml><?xml version="1.0" encoding="utf-8"?>
 <p:sld xmlns:a="http://schemas.openxmlformats.org/drawingml/2006/main" xmlns:r="http://schemas.openxmlformats.org/officeDocument/2006/relationships" xmlns:p="http://schemas.openxmlformats.org/presentationml/2006/main">
   <p:cSld>
     <p:spTree>
@@ -18360,7 +20026,7 @@
                       <m:fPr>
                         <m:ctrlPr>
                           <a:rPr lang="en-US" sz="2800" i="1" smtClean="0">
-                            <a:latin typeface="Cambria Math" panose="02040503050406030204" pitchFamily="18" charset="0"/>
+                            <a:latin typeface="Cambria Math"/>
                             <a:ea typeface="Cambria Math" panose="02040503050406030204" pitchFamily="18" charset="0"/>
                           </a:rPr>
                         </m:ctrlPr>
@@ -18377,7 +20043,7 @@
                           <m:sSupPr>
                             <m:ctrlPr>
                               <a:rPr lang="en-US" sz="2800" b="0" i="1" smtClean="0">
-                                <a:latin typeface="Cambria Math" panose="02040503050406030204" pitchFamily="18" charset="0"/>
+                                <a:latin typeface="Cambria Math"/>
                                 <a:ea typeface="Cambria Math" panose="02040503050406030204" pitchFamily="18" charset="0"/>
                               </a:rPr>
                             </m:ctrlPr>
@@ -18607,7 +20273,7 @@
                             <a:solidFill>
                               <a:srgbClr val="7030A0"/>
                             </a:solidFill>
-                            <a:latin typeface="Cambria Math" panose="02040503050406030204" pitchFamily="18" charset="0"/>
+                            <a:latin typeface="Cambria Math"/>
                             <a:ea typeface="Cambria Math" panose="02040503050406030204" pitchFamily="18" charset="0"/>
                           </a:rPr>
                         </m:ctrlPr>
@@ -18640,7 +20306,7 @@
                                 <a:solidFill>
                                   <a:srgbClr val="7030A0"/>
                                 </a:solidFill>
-                                <a:latin typeface="Cambria Math" panose="02040503050406030204" pitchFamily="18" charset="0"/>
+                                <a:latin typeface="Cambria Math"/>
                                 <a:ea typeface="Cambria Math" panose="02040503050406030204" pitchFamily="18" charset="0"/>
                               </a:rPr>
                             </m:ctrlPr>
@@ -18677,7 +20343,7 @@
                                 <a:solidFill>
                                   <a:srgbClr val="7030A0"/>
                                 </a:solidFill>
-                                <a:latin typeface="Cambria Math" panose="02040503050406030204" pitchFamily="18" charset="0"/>
+                                <a:latin typeface="Cambria Math"/>
                                 <a:ea typeface="Cambria Math" panose="02040503050406030204" pitchFamily="18" charset="0"/>
                               </a:rPr>
                             </m:ctrlPr>
@@ -18750,7 +20416,7 @@
                             <a:solidFill>
                               <a:srgbClr val="7030A0"/>
                             </a:solidFill>
-                            <a:latin typeface="Cambria Math" panose="02040503050406030204" pitchFamily="18" charset="0"/>
+                            <a:latin typeface="Cambria Math"/>
                             <a:ea typeface="Cambria Math" panose="02040503050406030204" pitchFamily="18" charset="0"/>
                           </a:rPr>
                         </m:ctrlPr>
@@ -18773,7 +20439,7 @@
                                 <a:solidFill>
                                   <a:srgbClr val="7030A0"/>
                                 </a:solidFill>
-                                <a:latin typeface="Cambria Math" panose="02040503050406030204" pitchFamily="18" charset="0"/>
+                                <a:latin typeface="Cambria Math"/>
                                 <a:ea typeface="Cambria Math" panose="02040503050406030204" pitchFamily="18" charset="0"/>
                               </a:rPr>
                             </m:ctrlPr>
@@ -18786,7 +20452,7 @@
                                     <a:solidFill>
                                       <a:srgbClr val="7030A0"/>
                                     </a:solidFill>
-                                    <a:latin typeface="Cambria Math" panose="02040503050406030204" pitchFamily="18" charset="0"/>
+                                    <a:latin typeface="Cambria Math"/>
                                     <a:ea typeface="Cambria Math" panose="02040503050406030204" pitchFamily="18" charset="0"/>
                                   </a:rPr>
                                 </m:ctrlPr>
@@ -18809,7 +20475,7 @@
                                         <a:solidFill>
                                           <a:srgbClr val="7030A0"/>
                                         </a:solidFill>
-                                        <a:latin typeface="Cambria Math" panose="02040503050406030204" pitchFamily="18" charset="0"/>
+                                        <a:latin typeface="Cambria Math"/>
                                         <a:ea typeface="Cambria Math" panose="02040503050406030204" pitchFamily="18" charset="0"/>
                                       </a:rPr>
                                     </m:ctrlPr>
@@ -18906,7 +20572,7 @@
                             <a:solidFill>
                               <a:srgbClr val="7030A0"/>
                             </a:solidFill>
-                            <a:latin typeface="Cambria Math" panose="02040503050406030204" pitchFamily="18" charset="0"/>
+                            <a:latin typeface="Cambria Math"/>
                             <a:ea typeface="Cambria Math" panose="02040503050406030204" pitchFamily="18" charset="0"/>
                           </a:rPr>
                         </m:ctrlPr>
@@ -18929,7 +20595,7 @@
                                 <a:solidFill>
                                   <a:srgbClr val="7030A0"/>
                                 </a:solidFill>
-                                <a:latin typeface="Cambria Math" panose="02040503050406030204" pitchFamily="18" charset="0"/>
+                                <a:latin typeface="Cambria Math"/>
                                 <a:ea typeface="Cambria Math" panose="02040503050406030204" pitchFamily="18" charset="0"/>
                               </a:rPr>
                             </m:ctrlPr>
@@ -19024,7 +20690,7 @@
                             <a:solidFill>
                               <a:srgbClr val="7030A0"/>
                             </a:solidFill>
-                            <a:latin typeface="Cambria Math" panose="02040503050406030204" pitchFamily="18" charset="0"/>
+                            <a:latin typeface="Cambria Math"/>
                             <a:ea typeface="Cambria Math" panose="02040503050406030204" pitchFamily="18" charset="0"/>
                           </a:rPr>
                         </m:ctrlPr>
@@ -19047,7 +20713,7 @@
                                 <a:solidFill>
                                   <a:srgbClr val="7030A0"/>
                                 </a:solidFill>
-                                <a:latin typeface="Cambria Math" panose="02040503050406030204" pitchFamily="18" charset="0"/>
+                                <a:latin typeface="Cambria Math"/>
                                 <a:ea typeface="Cambria Math" panose="02040503050406030204" pitchFamily="18" charset="0"/>
                               </a:rPr>
                             </m:ctrlPr>
@@ -19126,7 +20792,7 @@
                                 <a:solidFill>
                                   <a:srgbClr val="7030A0"/>
                                 </a:solidFill>
-                                <a:latin typeface="Cambria Math" panose="02040503050406030204" pitchFamily="18" charset="0"/>
+                                <a:latin typeface="Cambria Math"/>
                                 <a:ea typeface="Cambria Math" panose="02040503050406030204" pitchFamily="18" charset="0"/>
                               </a:rPr>
                             </m:ctrlPr>
@@ -19358,7 +21024,7 @@
             <a:fld id="{539F810C-9DAB-49B2-B45C-341744954A16}" type="slidenum">
               <a:rPr lang="en-GB" smtClean="0"/>
               <a:pPr/>
-              <a:t>21</a:t>
+              <a:t>23</a:t>
             </a:fld>
             <a:endParaRPr lang="en-GB"/>
           </a:p>
@@ -19873,7 +21539,7 @@
 </p:sld>
 </file>
 
-<file path=ppt/slides/slide22.xml><?xml version="1.0" encoding="utf-8"?>
+<file path=ppt/slides/slide24.xml><?xml version="1.0" encoding="utf-8"?>
 <p:sld xmlns:a="http://schemas.openxmlformats.org/drawingml/2006/main" xmlns:r="http://schemas.openxmlformats.org/officeDocument/2006/relationships" xmlns:p="http://schemas.openxmlformats.org/presentationml/2006/main">
   <p:cSld>
     <p:spTree>
@@ -20150,7 +21816,7 @@
                             <a:solidFill>
                               <a:schemeClr val="tx1"/>
                             </a:solidFill>
-                            <a:latin typeface="Cambria Math" panose="02040503050406030204" pitchFamily="18" charset="0"/>
+                            <a:latin typeface="Cambria Math"/>
                             <a:ea typeface="Cambria Math" panose="02040503050406030204" pitchFamily="18" charset="0"/>
                           </a:rPr>
                         </m:ctrlPr>
@@ -20308,7 +21974,7 @@
                             <a:solidFill>
                               <a:srgbClr val="0000FF"/>
                             </a:solidFill>
-                            <a:latin typeface="Cambria Math" panose="02040503050406030204" pitchFamily="18" charset="0"/>
+                            <a:latin typeface="Cambria Math"/>
                             <a:ea typeface="Cambria Math" panose="02040503050406030204" pitchFamily="18" charset="0"/>
                           </a:rPr>
                         </m:ctrlPr>
@@ -20321,7 +21987,7 @@
                                 <a:solidFill>
                                   <a:srgbClr val="0000FF"/>
                                 </a:solidFill>
-                                <a:latin typeface="Cambria Math" panose="02040503050406030204" pitchFamily="18" charset="0"/>
+                                <a:latin typeface="Cambria Math"/>
                                 <a:ea typeface="Cambria Math" panose="02040503050406030204" pitchFamily="18" charset="0"/>
                               </a:rPr>
                             </m:ctrlPr>
@@ -20368,7 +22034,7 @@
                                 <a:solidFill>
                                   <a:srgbClr val="0000FF"/>
                                 </a:solidFill>
-                                <a:latin typeface="Cambria Math" panose="02040503050406030204" pitchFamily="18" charset="0"/>
+                                <a:latin typeface="Cambria Math"/>
                                 <a:ea typeface="Cambria Math" panose="02040503050406030204" pitchFamily="18" charset="0"/>
                               </a:rPr>
                             </m:ctrlPr>
@@ -20427,7 +22093,7 @@
                                 <a:solidFill>
                                   <a:srgbClr val="0000FF"/>
                                 </a:solidFill>
-                                <a:latin typeface="Cambria Math" panose="02040503050406030204" pitchFamily="18" charset="0"/>
+                                <a:latin typeface="Cambria Math"/>
                                 <a:ea typeface="Cambria Math" panose="02040503050406030204" pitchFamily="18" charset="0"/>
                               </a:rPr>
                             </m:ctrlPr>
@@ -20476,7 +22142,7 @@
                             <a:solidFill>
                               <a:srgbClr val="0000FF"/>
                             </a:solidFill>
-                            <a:latin typeface="Cambria Math" panose="02040503050406030204" pitchFamily="18" charset="0"/>
+                            <a:latin typeface="Cambria Math"/>
                             <a:ea typeface="Cambria Math" panose="02040503050406030204" pitchFamily="18" charset="0"/>
                           </a:rPr>
                         </m:ctrlPr>
@@ -20531,7 +22197,7 @@
                                 <a:solidFill>
                                   <a:srgbClr val="0000FF"/>
                                 </a:solidFill>
-                                <a:latin typeface="Cambria Math" panose="02040503050406030204" pitchFamily="18" charset="0"/>
+                                <a:latin typeface="Cambria Math"/>
                                 <a:ea typeface="Cambria Math" panose="02040503050406030204" pitchFamily="18" charset="0"/>
                               </a:rPr>
                             </m:ctrlPr>
@@ -20685,7 +22351,7 @@
             <a:fld id="{539F810C-9DAB-49B2-B45C-341744954A16}" type="slidenum">
               <a:rPr lang="en-GB" smtClean="0"/>
               <a:pPr/>
-              <a:t>22</a:t>
+              <a:t>24</a:t>
             </a:fld>
             <a:endParaRPr lang="en-GB"/>
           </a:p>
@@ -21036,7 +22702,7 @@
 </p:sld>
 </file>
 
-<file path=ppt/slides/slide23.xml><?xml version="1.0" encoding="utf-8"?>
+<file path=ppt/slides/slide25.xml><?xml version="1.0" encoding="utf-8"?>
 <p:sld xmlns:a="http://schemas.openxmlformats.org/drawingml/2006/main" xmlns:r="http://schemas.openxmlformats.org/officeDocument/2006/relationships" xmlns:p="http://schemas.openxmlformats.org/presentationml/2006/main">
   <p:cSld>
     <p:spTree>
@@ -21071,7 +22737,7 @@
             <a:fld id="{539F810C-9DAB-49B2-B45C-341744954A16}" type="slidenum">
               <a:rPr lang="en-GB" smtClean="0"/>
               <a:pPr/>
-              <a:t>23</a:t>
+              <a:t>25</a:t>
             </a:fld>
             <a:endParaRPr lang="en-GB"/>
           </a:p>
@@ -21082,7 +22748,7 @@
           <p:cNvPr id="4" name="TextBox 3">
             <a:extLst>
               <a:ext uri="{FF2B5EF4-FFF2-40B4-BE49-F238E27FC236}">
-                <a16:creationId xmlns:a16="http://schemas.microsoft.com/office/drawing/2014/main" id="{2AD08732-DA46-CBF2-8C19-852153DE9EAB}"/>
+                <a16:creationId xmlns:a16="http://schemas.microsoft.com/office/drawing/2014/main" xmlns="" id="{2AD08732-DA46-CBF2-8C19-852153DE9EAB}"/>
               </a:ext>
             </a:extLst>
           </p:cNvPr>
@@ -21635,7 +23301,7 @@
           <p:cNvPr id="5" name="TextBox 4">
             <a:extLst>
               <a:ext uri="{FF2B5EF4-FFF2-40B4-BE49-F238E27FC236}">
-                <a16:creationId xmlns:a16="http://schemas.microsoft.com/office/drawing/2014/main" id="{57834CAD-9EBE-5BC1-BA52-6E49D41FD9CF}"/>
+                <a16:creationId xmlns:a16="http://schemas.microsoft.com/office/drawing/2014/main" xmlns="" id="{57834CAD-9EBE-5BC1-BA52-6E49D41FD9CF}"/>
               </a:ext>
             </a:extLst>
           </p:cNvPr>
@@ -21692,7 +23358,7 @@
 </p:sld>
 </file>
 
-<file path=ppt/slides/slide24.xml><?xml version="1.0" encoding="utf-8"?>
+<file path=ppt/slides/slide26.xml><?xml version="1.0" encoding="utf-8"?>
 <p:sld xmlns:a="http://schemas.openxmlformats.org/drawingml/2006/main" xmlns:r="http://schemas.openxmlformats.org/officeDocument/2006/relationships" xmlns:p="http://schemas.openxmlformats.org/presentationml/2006/main">
   <p:cSld>
     <p:spTree>
@@ -21795,7 +23461,7 @@
             <a:fld id="{539F810C-9DAB-49B2-B45C-341744954A16}" type="slidenum">
               <a:rPr lang="en-GB" smtClean="0"/>
               <a:pPr/>
-              <a:t>24</a:t>
+              <a:t>26</a:t>
             </a:fld>
             <a:endParaRPr lang="en-GB"/>
           </a:p>
@@ -21806,7 +23472,7 @@
           <p:cNvPr id="4" name="TextBox 3">
             <a:extLst>
               <a:ext uri="{FF2B5EF4-FFF2-40B4-BE49-F238E27FC236}">
-                <a16:creationId xmlns:a16="http://schemas.microsoft.com/office/drawing/2014/main" id="{2AD08732-DA46-CBF2-8C19-852153DE9EAB}"/>
+                <a16:creationId xmlns:a16="http://schemas.microsoft.com/office/drawing/2014/main" xmlns="" id="{2AD08732-DA46-CBF2-8C19-852153DE9EAB}"/>
               </a:ext>
             </a:extLst>
           </p:cNvPr>
@@ -22037,7 +23703,7 @@
           <p:cNvPr id="5" name="TextBox 4">
             <a:extLst>
               <a:ext uri="{FF2B5EF4-FFF2-40B4-BE49-F238E27FC236}">
-                <a16:creationId xmlns:a16="http://schemas.microsoft.com/office/drawing/2014/main" id="{57834CAD-9EBE-5BC1-BA52-6E49D41FD9CF}"/>
+                <a16:creationId xmlns:a16="http://schemas.microsoft.com/office/drawing/2014/main" xmlns="" id="{57834CAD-9EBE-5BC1-BA52-6E49D41FD9CF}"/>
               </a:ext>
             </a:extLst>
           </p:cNvPr>
@@ -22156,7 +23822,7 @@
                   <a:noFill/>
                 </a:ln>
                 <a:solidFill>
-                  <a:srgbClr val="0000FF"/>
+                  <a:srgbClr val="00B050"/>
                 </a:solidFill>
                 <a:effectLst/>
                 <a:uLnTx/>
@@ -22321,7 +23987,7 @@
           <p:cNvPr id="5" name="مربع نص 1">
             <a:extLst>
               <a:ext uri="{FF2B5EF4-FFF2-40B4-BE49-F238E27FC236}">
-                <a16:creationId xmlns:a16="http://schemas.microsoft.com/office/drawing/2014/main" id="{7711DB52-DA0E-C95D-DFAF-CCC7BD2BE49D}"/>
+                <a16:creationId xmlns:a16="http://schemas.microsoft.com/office/drawing/2014/main" xmlns="" id="{7711DB52-DA0E-C95D-DFAF-CCC7BD2BE49D}"/>
               </a:ext>
             </a:extLst>
           </p:cNvPr>
@@ -22331,7 +23997,7 @@
         <p:spPr>
           <a:xfrm>
             <a:off x="950647" y="2711422"/>
-            <a:ext cx="4834261" cy="901465"/>
+            <a:ext cx="4834261" cy="1015663"/>
           </a:xfrm>
           <a:prstGeom prst="rect">
             <a:avLst/>
@@ -22367,7 +24033,7 @@
                   <a:noFill/>
                 </a:ln>
                 <a:solidFill>
-                  <a:srgbClr val="0000FF"/>
+                  <a:srgbClr val="00B050"/>
                 </a:solidFill>
                 <a:effectLst/>
                 <a:uLnTx/>
@@ -22386,7 +24052,7 @@
           <p:cNvPr id="6" name="TextBox 5">
             <a:extLst>
               <a:ext uri="{FF2B5EF4-FFF2-40B4-BE49-F238E27FC236}">
-                <a16:creationId xmlns:a16="http://schemas.microsoft.com/office/drawing/2014/main" id="{34183D16-35EC-852C-6B9E-C6ED3DBFD9D3}"/>
+                <a16:creationId xmlns:a16="http://schemas.microsoft.com/office/drawing/2014/main" xmlns="" id="{34183D16-35EC-852C-6B9E-C6ED3DBFD9D3}"/>
               </a:ext>
             </a:extLst>
           </p:cNvPr>
@@ -22635,7 +24301,7 @@
           <p:cNvPr id="7" name="TextBox 6">
             <a:extLst>
               <a:ext uri="{FF2B5EF4-FFF2-40B4-BE49-F238E27FC236}">
-                <a16:creationId xmlns:a16="http://schemas.microsoft.com/office/drawing/2014/main" id="{B66F6C66-435D-19C9-753E-FB43FE2E13B8}"/>
+                <a16:creationId xmlns:a16="http://schemas.microsoft.com/office/drawing/2014/main" xmlns="" id="{B66F6C66-435D-19C9-753E-FB43FE2E13B8}"/>
               </a:ext>
             </a:extLst>
           </p:cNvPr>
@@ -22717,7 +24383,7 @@
           <p:cNvPr id="9" name="مربع نص 1">
             <a:extLst>
               <a:ext uri="{FF2B5EF4-FFF2-40B4-BE49-F238E27FC236}">
-                <a16:creationId xmlns:a16="http://schemas.microsoft.com/office/drawing/2014/main" id="{C21C7ED3-9CF9-F6A0-18E3-82DF544CCBB4}"/>
+                <a16:creationId xmlns:a16="http://schemas.microsoft.com/office/drawing/2014/main" xmlns="" id="{C21C7ED3-9CF9-F6A0-18E3-82DF544CCBB4}"/>
               </a:ext>
             </a:extLst>
           </p:cNvPr>
@@ -22763,7 +24429,7 @@
                   <a:noFill/>
                 </a:ln>
                 <a:solidFill>
-                  <a:srgbClr val="0000FF"/>
+                  <a:srgbClr val="00B050"/>
                 </a:solidFill>
                 <a:effectLst/>
                 <a:uLnTx/>
@@ -22838,7 +24504,7 @@
             <a:r>
               <a:rPr lang="en-US" sz="3600" b="1" dirty="0">
                 <a:solidFill>
-                  <a:srgbClr val="0000CC"/>
+                  <a:srgbClr val="00B050"/>
                 </a:solidFill>
                 <a:latin typeface="Cambria" panose="02040503050406030204" pitchFamily="18" charset="0"/>
               </a:rPr>
@@ -22852,7 +24518,7 @@
           <p:cNvPr id="3" name="Group 2">
             <a:extLst>
               <a:ext uri="{FF2B5EF4-FFF2-40B4-BE49-F238E27FC236}">
-                <a16:creationId xmlns:a16="http://schemas.microsoft.com/office/drawing/2014/main" id="{73AAE5E4-01BA-8066-ED73-AE85B58C76E6}"/>
+                <a16:creationId xmlns:a16="http://schemas.microsoft.com/office/drawing/2014/main" xmlns="" id="{73AAE5E4-01BA-8066-ED73-AE85B58C76E6}"/>
               </a:ext>
             </a:extLst>
           </p:cNvPr>
@@ -23461,7 +25127,7 @@
           <p:cNvPr id="11" name="Rectangle: Rounded Corners 10">
             <a:extLst>
               <a:ext uri="{FF2B5EF4-FFF2-40B4-BE49-F238E27FC236}">
-                <a16:creationId xmlns:a16="http://schemas.microsoft.com/office/drawing/2014/main" id="{E34B2100-1899-6F2A-3907-8638A3D972BE}"/>
+                <a16:creationId xmlns:a16="http://schemas.microsoft.com/office/drawing/2014/main" xmlns="" id="{E34B2100-1899-6F2A-3907-8638A3D972BE}"/>
               </a:ext>
             </a:extLst>
           </p:cNvPr>
@@ -23570,7 +25236,7 @@
             <a:r>
               <a:rPr lang="en-US" sz="3600" b="1" dirty="0">
                 <a:solidFill>
-                  <a:srgbClr val="0000CC"/>
+                  <a:srgbClr val="00B050"/>
                 </a:solidFill>
                 <a:latin typeface="Cambria" panose="02040503050406030204" pitchFamily="18" charset="0"/>
               </a:rPr>
@@ -23690,7 +25356,7 @@
                               <a:solidFill>
                                 <a:srgbClr val="7030A0"/>
                               </a:solidFill>
-                              <a:latin typeface="Cambria Math" panose="02040503050406030204" pitchFamily="18" charset="0"/>
+                              <a:latin typeface="Cambria Math"/>
                             </a:rPr>
                           </m:ctrlPr>
                         </m:dPr>
@@ -23733,7 +25399,7 @@
                               <a:solidFill>
                                 <a:srgbClr val="7030A0"/>
                               </a:solidFill>
-                              <a:latin typeface="Cambria Math" panose="02040503050406030204" pitchFamily="18" charset="0"/>
+                              <a:latin typeface="Cambria Math"/>
                             </a:rPr>
                           </m:ctrlPr>
                         </m:dPr>
@@ -23754,7 +25420,7 @@
                                   <a:solidFill>
                                     <a:srgbClr val="7030A0"/>
                                   </a:solidFill>
-                                  <a:latin typeface="Cambria Math" panose="02040503050406030204" pitchFamily="18" charset="0"/>
+                                  <a:latin typeface="Cambria Math"/>
                                 </a:rPr>
                               </m:ctrlPr>
                             </m:dPr>
@@ -23788,7 +25454,7 @@
                               <a:solidFill>
                                 <a:srgbClr val="7030A0"/>
                               </a:solidFill>
-                              <a:latin typeface="Cambria Math" panose="02040503050406030204" pitchFamily="18" charset="0"/>
+                              <a:latin typeface="Cambria Math"/>
                             </a:rPr>
                           </m:ctrlPr>
                         </m:naryPr>
@@ -23800,7 +25466,7 @@
                                   <a:solidFill>
                                     <a:srgbClr val="7030A0"/>
                                   </a:solidFill>
-                                  <a:latin typeface="Cambria Math" panose="02040503050406030204" pitchFamily="18" charset="0"/>
+                                  <a:latin typeface="Cambria Math"/>
                                 </a:rPr>
                               </m:ctrlPr>
                             </m:sSupPr>
@@ -23884,7 +25550,7 @@
                                   <a:solidFill>
                                     <a:srgbClr val="7030A0"/>
                                   </a:solidFill>
-                                  <a:latin typeface="Cambria Math" panose="02040503050406030204" pitchFamily="18" charset="0"/>
+                                  <a:latin typeface="Cambria Math"/>
                                 </a:rPr>
                               </m:ctrlPr>
                             </m:sSupPr>
@@ -24076,7 +25742,7 @@
                             <a:solidFill>
                               <a:srgbClr val="FF0000"/>
                             </a:solidFill>
-                            <a:latin typeface="Cambria Math" panose="02040503050406030204" pitchFamily="18" charset="0"/>
+                            <a:latin typeface="Cambria Math"/>
                           </a:rPr>
                         </m:ctrlPr>
                       </m:radPr>
@@ -24361,7 +26027,7 @@
                       <m:naryPr>
                         <m:ctrlPr>
                           <a:rPr lang="en-US" sz="3200" i="1">
-                            <a:latin typeface="Cambria Math" panose="02040503050406030204" pitchFamily="18" charset="0"/>
+                            <a:latin typeface="Cambria Math"/>
                             <a:ea typeface="Cambria Math" panose="02040503050406030204" pitchFamily="18" charset="0"/>
                           </a:rPr>
                         </m:ctrlPr>
@@ -24371,7 +26037,7 @@
                           <m:sSupPr>
                             <m:ctrlPr>
                               <a:rPr lang="en-US" sz="3200" i="1">
-                                <a:latin typeface="Cambria Math" panose="02040503050406030204" pitchFamily="18" charset="0"/>
+                                <a:latin typeface="Cambria Math"/>
                                 <a:ea typeface="Cambria Math" panose="02040503050406030204" pitchFamily="18" charset="0"/>
                               </a:rPr>
                             </m:ctrlPr>
@@ -24441,7 +26107,7 @@
                           <m:sSupPr>
                             <m:ctrlPr>
                               <a:rPr lang="en-US" sz="3200" i="1">
-                                <a:latin typeface="Cambria Math" panose="02040503050406030204" pitchFamily="18" charset="0"/>
+                                <a:latin typeface="Cambria Math"/>
                                 <a:ea typeface="Cambria Math" panose="02040503050406030204" pitchFamily="18" charset="0"/>
                               </a:rPr>
                             </m:ctrlPr>
@@ -24492,7 +26158,7 @@
                       <m:naryPr>
                         <m:ctrlPr>
                           <a:rPr lang="en-US" sz="3200" i="1" smtClean="0">
-                            <a:latin typeface="Cambria Math" panose="02040503050406030204" pitchFamily="18" charset="0"/>
+                            <a:latin typeface="Cambria Math"/>
                             <a:ea typeface="Cambria Math" panose="02040503050406030204" pitchFamily="18" charset="0"/>
                           </a:rPr>
                         </m:ctrlPr>
@@ -24502,7 +26168,7 @@
                           <m:sSupPr>
                             <m:ctrlPr>
                               <a:rPr lang="en-US" sz="3200" i="1">
-                                <a:latin typeface="Cambria Math" panose="02040503050406030204" pitchFamily="18" charset="0"/>
+                                <a:latin typeface="Cambria Math"/>
                                 <a:ea typeface="Cambria Math" panose="02040503050406030204" pitchFamily="18" charset="0"/>
                               </a:rPr>
                             </m:ctrlPr>
@@ -24541,7 +26207,7 @@
                           <m:eqArrPr>
                             <m:ctrlPr>
                               <a:rPr lang="en-US" sz="3200" i="1" smtClean="0">
-                                <a:latin typeface="Cambria Math" panose="02040503050406030204" pitchFamily="18" charset="0"/>
+                                <a:latin typeface="Cambria Math"/>
                                 <a:ea typeface="Cambria Math" panose="02040503050406030204" pitchFamily="18" charset="0"/>
                               </a:rPr>
                             </m:ctrlPr>
@@ -24551,7 +26217,7 @@
                               <m:sSupPr>
                                 <m:ctrlPr>
                                   <a:rPr lang="en-US" sz="3200" i="1" smtClean="0">
-                                    <a:latin typeface="Cambria Math" panose="02040503050406030204" pitchFamily="18" charset="0"/>
+                                    <a:latin typeface="Cambria Math"/>
                                     <a:ea typeface="Cambria Math" panose="02040503050406030204" pitchFamily="18" charset="0"/>
                                   </a:rPr>
                                 </m:ctrlPr>
@@ -24600,7 +26266,7 @@
                               <m:fPr>
                                 <m:ctrlPr>
                                   <a:rPr lang="en-US" sz="3200" i="1" smtClean="0">
-                                    <a:latin typeface="Cambria Math" panose="02040503050406030204" pitchFamily="18" charset="0"/>
+                                    <a:latin typeface="Cambria Math"/>
                                     <a:ea typeface="Cambria Math" panose="02040503050406030204" pitchFamily="18" charset="0"/>
                                   </a:rPr>
                                 </m:ctrlPr>
@@ -24610,7 +26276,7 @@
                                   <m:sSupPr>
                                     <m:ctrlPr>
                                       <a:rPr lang="en-US" sz="3200" i="1" smtClean="0">
-                                        <a:latin typeface="Cambria Math" panose="02040503050406030204" pitchFamily="18" charset="0"/>
+                                        <a:latin typeface="Cambria Math"/>
                                         <a:ea typeface="Cambria Math" panose="02040503050406030204" pitchFamily="18" charset="0"/>
                                       </a:rPr>
                                     </m:ctrlPr>
@@ -24670,7 +26336,7 @@
                               <m:sSubSupPr>
                                 <m:ctrlPr>
                                   <a:rPr lang="en-US" sz="3200" i="1" smtClean="0">
-                                    <a:latin typeface="Cambria Math" panose="02040503050406030204" pitchFamily="18" charset="0"/>
+                                    <a:latin typeface="Cambria Math"/>
                                     <a:ea typeface="Cambria Math" panose="02040503050406030204" pitchFamily="18" charset="0"/>
                                   </a:rPr>
                                 </m:ctrlPr>
@@ -24689,7 +26355,7 @@
                                   <m:sSupPr>
                                     <m:ctrlPr>
                                       <a:rPr lang="en-US" sz="3200" i="1" smtClean="0">
-                                        <a:latin typeface="Cambria Math" panose="02040503050406030204" pitchFamily="18" charset="0"/>
+                                        <a:latin typeface="Cambria Math"/>
                                         <a:ea typeface="Cambria Math" panose="02040503050406030204" pitchFamily="18" charset="0"/>
                                       </a:rPr>
                                     </m:ctrlPr>
@@ -24708,7 +26374,7 @@
                                       <m:eqArrPr>
                                         <m:ctrlPr>
                                           <a:rPr lang="en-US" sz="3200" b="0" i="1" smtClean="0">
-                                            <a:latin typeface="Cambria Math" panose="02040503050406030204" pitchFamily="18" charset="0"/>
+                                            <a:latin typeface="Cambria Math"/>
                                             <a:ea typeface="Cambria Math" panose="02040503050406030204" pitchFamily="18" charset="0"/>
                                           </a:rPr>
                                         </m:ctrlPr>
@@ -24838,7 +26504,7 @@
         </p:blipFill>
         <p:spPr>
           <a:xfrm>
-            <a:off x="870429" y="2416166"/>
+            <a:off x="870429" y="2656296"/>
             <a:ext cx="5536427" cy="1002352"/>
           </a:xfrm>
           <a:prstGeom prst="roundRect">
@@ -24906,7 +26572,7 @@
                       <m:fPr>
                         <m:ctrlPr>
                           <a:rPr lang="en-US" sz="3200" i="1">
-                            <a:latin typeface="Cambria Math" panose="02040503050406030204" pitchFamily="18" charset="0"/>
+                            <a:latin typeface="Cambria Math"/>
                             <a:ea typeface="Cambria Math" panose="02040503050406030204" pitchFamily="18" charset="0"/>
                           </a:rPr>
                         </m:ctrlPr>
@@ -24916,7 +26582,7 @@
                           <m:sSupPr>
                             <m:ctrlPr>
                               <a:rPr lang="en-US" sz="3200" i="1">
-                                <a:latin typeface="Cambria Math" panose="02040503050406030204" pitchFamily="18" charset="0"/>
+                                <a:latin typeface="Cambria Math"/>
                                 <a:ea typeface="Cambria Math" panose="02040503050406030204" pitchFamily="18" charset="0"/>
                               </a:rPr>
                             </m:ctrlPr>
@@ -24976,7 +26642,7 @@
                       <m:sSubSupPr>
                         <m:ctrlPr>
                           <a:rPr lang="en-US" sz="3200" i="1">
-                            <a:latin typeface="Cambria Math" panose="02040503050406030204" pitchFamily="18" charset="0"/>
+                            <a:latin typeface="Cambria Math"/>
                             <a:ea typeface="Cambria Math" panose="02040503050406030204" pitchFamily="18" charset="0"/>
                           </a:rPr>
                         </m:ctrlPr>
@@ -24995,7 +26661,7 @@
                           <m:sSupPr>
                             <m:ctrlPr>
                               <a:rPr lang="en-US" sz="3200" i="1">
-                                <a:latin typeface="Cambria Math" panose="02040503050406030204" pitchFamily="18" charset="0"/>
+                                <a:latin typeface="Cambria Math"/>
                                 <a:ea typeface="Cambria Math" panose="02040503050406030204" pitchFamily="18" charset="0"/>
                               </a:rPr>
                             </m:ctrlPr>
@@ -25014,7 +26680,7 @@
                               <m:eqArrPr>
                                 <m:ctrlPr>
                                   <a:rPr lang="en-US" sz="3200" i="1">
-                                    <a:latin typeface="Cambria Math" panose="02040503050406030204" pitchFamily="18" charset="0"/>
+                                    <a:latin typeface="Cambria Math"/>
                                     <a:ea typeface="Cambria Math" panose="02040503050406030204" pitchFamily="18" charset="0"/>
                                   </a:rPr>
                                 </m:ctrlPr>
@@ -25062,7 +26728,7 @@
                       <m:fPr>
                         <m:ctrlPr>
                           <a:rPr lang="en-US" sz="3200" i="1">
-                            <a:latin typeface="Cambria Math" panose="02040503050406030204" pitchFamily="18" charset="0"/>
+                            <a:latin typeface="Cambria Math"/>
                             <a:ea typeface="Cambria Math" panose="02040503050406030204" pitchFamily="18" charset="0"/>
                           </a:rPr>
                         </m:ctrlPr>
@@ -25072,7 +26738,7 @@
                           <m:sSupPr>
                             <m:ctrlPr>
                               <a:rPr lang="en-US" sz="3200" i="1">
-                                <a:latin typeface="Cambria Math" panose="02040503050406030204" pitchFamily="18" charset="0"/>
+                                <a:latin typeface="Cambria Math"/>
                                 <a:ea typeface="Cambria Math" panose="02040503050406030204" pitchFamily="18" charset="0"/>
                               </a:rPr>
                             </m:ctrlPr>
@@ -25125,7 +26791,7 @@
                       <m:sSubPr>
                         <m:ctrlPr>
                           <a:rPr lang="en-US" sz="3200" i="1" smtClean="0">
-                            <a:latin typeface="Cambria Math" panose="02040503050406030204" pitchFamily="18" charset="0"/>
+                            <a:latin typeface="Cambria Math"/>
                             <a:ea typeface="Cambria Math" panose="02040503050406030204" pitchFamily="18" charset="0"/>
                           </a:rPr>
                         </m:ctrlPr>
@@ -25171,7 +26837,7 @@
                       <m:fPr>
                         <m:ctrlPr>
                           <a:rPr lang="en-US" sz="3200" i="1">
-                            <a:latin typeface="Cambria Math" panose="02040503050406030204" pitchFamily="18" charset="0"/>
+                            <a:latin typeface="Cambria Math"/>
                             <a:ea typeface="Cambria Math" panose="02040503050406030204" pitchFamily="18" charset="0"/>
                           </a:rPr>
                         </m:ctrlPr>
@@ -25181,7 +26847,7 @@
                           <m:sSupPr>
                             <m:ctrlPr>
                               <a:rPr lang="en-US" sz="3200" i="1">
-                                <a:latin typeface="Cambria Math" panose="02040503050406030204" pitchFamily="18" charset="0"/>
+                                <a:latin typeface="Cambria Math"/>
                                 <a:ea typeface="Cambria Math" panose="02040503050406030204" pitchFamily="18" charset="0"/>
                               </a:rPr>
                             </m:ctrlPr>
@@ -25234,7 +26900,7 @@
                       <m:sSubPr>
                         <m:ctrlPr>
                           <a:rPr lang="en-US" sz="3200" i="1" smtClean="0">
-                            <a:latin typeface="Cambria Math" panose="02040503050406030204" pitchFamily="18" charset="0"/>
+                            <a:latin typeface="Cambria Math"/>
                             <a:ea typeface="Cambria Math" panose="02040503050406030204" pitchFamily="18" charset="0"/>
                           </a:rPr>
                         </m:ctrlPr>
@@ -25253,7 +26919,7 @@
                           <m:sSupPr>
                             <m:ctrlPr>
                               <a:rPr lang="en-US" sz="3200" i="1" smtClean="0">
-                                <a:latin typeface="Cambria Math" panose="02040503050406030204" pitchFamily="18" charset="0"/>
+                                <a:latin typeface="Cambria Math"/>
                                 <a:ea typeface="Cambria Math" panose="02040503050406030204" pitchFamily="18" charset="0"/>
                               </a:rPr>
                             </m:ctrlPr>
@@ -25296,7 +26962,7 @@
                             <a:solidFill>
                               <a:srgbClr val="0000FF"/>
                             </a:solidFill>
-                            <a:latin typeface="Cambria Math" panose="02040503050406030204" pitchFamily="18" charset="0"/>
+                            <a:latin typeface="Cambria Math"/>
                             <a:ea typeface="Cambria Math" panose="02040503050406030204" pitchFamily="18" charset="0"/>
                           </a:rPr>
                         </m:ctrlPr>
@@ -25406,7 +27072,7 @@
             <a:r>
               <a:rPr lang="en-US" sz="4000" b="1" dirty="0">
                 <a:solidFill>
-                  <a:srgbClr val="0000CC"/>
+                  <a:srgbClr val="00B050"/>
                 </a:solidFill>
                 <a:latin typeface="Cambria" panose="02040503050406030204" pitchFamily="18" charset="0"/>
               </a:rPr>
@@ -25415,7 +27081,7 @@
             <a:r>
               <a:rPr lang="lv-LV" sz="4000" b="1" dirty="0">
                 <a:solidFill>
-                  <a:srgbClr val="0000CC"/>
+                  <a:srgbClr val="00B050"/>
                 </a:solidFill>
                 <a:latin typeface="Cambria" panose="02040503050406030204" pitchFamily="18" charset="0"/>
               </a:rPr>
@@ -25424,7 +27090,7 @@
             <a:r>
               <a:rPr lang="en-US" sz="4000" b="1" dirty="0">
                 <a:solidFill>
-                  <a:srgbClr val="0000CC"/>
+                  <a:srgbClr val="00B050"/>
                 </a:solidFill>
                 <a:latin typeface="Cambria" panose="02040503050406030204" pitchFamily="18" charset="0"/>
               </a:rPr>
@@ -25433,7 +27099,7 @@
             <a:r>
               <a:rPr lang="lv-LV" sz="4000" b="1" dirty="0">
                 <a:solidFill>
-                  <a:srgbClr val="0000CC"/>
+                  <a:srgbClr val="00B050"/>
                 </a:solidFill>
                 <a:latin typeface="Cambria" panose="02040503050406030204" pitchFamily="18" charset="0"/>
               </a:rPr>
@@ -25442,7 +27108,7 @@
             <a:r>
               <a:rPr lang="en-US" sz="4000" b="1" dirty="0">
                 <a:solidFill>
-                  <a:srgbClr val="0000CC"/>
+                  <a:srgbClr val="00B050"/>
                 </a:solidFill>
                 <a:latin typeface="Cambria" panose="02040503050406030204" pitchFamily="18" charset="0"/>
               </a:rPr>
@@ -25531,6 +27197,1376 @@
 </file>
 
 <file path=ppt/slides/slide8.xml><?xml version="1.0" encoding="utf-8"?>
+<p:sld xmlns:a="http://schemas.openxmlformats.org/drawingml/2006/main" xmlns:r="http://schemas.openxmlformats.org/officeDocument/2006/relationships" xmlns:p="http://schemas.openxmlformats.org/presentationml/2006/main">
+  <p:cSld>
+    <p:spTree>
+      <p:nvGrpSpPr>
+        <p:cNvPr id="1" name=""/>
+        <p:cNvGrpSpPr/>
+        <p:nvPr/>
+      </p:nvGrpSpPr>
+      <p:grpSpPr>
+        <a:xfrm>
+          <a:off x="0" y="0"/>
+          <a:ext cx="0" cy="0"/>
+          <a:chOff x="0" y="0"/>
+          <a:chExt cx="0" cy="0"/>
+        </a:xfrm>
+      </p:grpSpPr>
+      <p:sp>
+        <p:nvSpPr>
+          <p:cNvPr id="7" name="Rectangle 6"/>
+          <p:cNvSpPr/>
+          <p:nvPr/>
+        </p:nvSpPr>
+        <p:spPr>
+          <a:xfrm>
+            <a:off x="631371" y="2184247"/>
+            <a:ext cx="4920343" cy="1474401"/>
+          </a:xfrm>
+          <a:prstGeom prst="rect">
+            <a:avLst/>
+          </a:prstGeom>
+        </p:spPr>
+        <p:style>
+          <a:lnRef idx="0">
+            <a:schemeClr val="accent4"/>
+          </a:lnRef>
+          <a:fillRef idx="3">
+            <a:schemeClr val="accent4"/>
+          </a:fillRef>
+          <a:effectRef idx="3">
+            <a:schemeClr val="accent4"/>
+          </a:effectRef>
+          <a:fontRef idx="minor">
+            <a:schemeClr val="lt1"/>
+          </a:fontRef>
+        </p:style>
+        <p:txBody>
+          <a:bodyPr rtlCol="0" anchor="ctr"/>
+          <a:lstStyle/>
+          <a:p>
+            <a:pPr algn="ctr"/>
+            <a:endParaRPr lang="en-US"/>
+          </a:p>
+        </p:txBody>
+      </p:sp>
+      <p:pic>
+        <p:nvPicPr>
+          <p:cNvPr id="13" name="Picture 12"/>
+          <p:cNvPicPr>
+            <a:picLocks noChangeAspect="1"/>
+          </p:cNvPicPr>
+          <p:nvPr/>
+        </p:nvPicPr>
+        <p:blipFill>
+          <a:blip r:embed="rId3" cstate="print">
+            <a:extLst>
+              <a:ext uri="{28A0092B-C50C-407E-A947-70E740481C1C}">
+                <a14:useLocalDpi xmlns:a14="http://schemas.microsoft.com/office/drawing/2010/main" val="0"/>
+              </a:ext>
+            </a:extLst>
+          </a:blip>
+          <a:stretch>
+            <a:fillRect/>
+          </a:stretch>
+        </p:blipFill>
+        <p:spPr>
+          <a:xfrm>
+            <a:off x="7395158" y="1348170"/>
+            <a:ext cx="4632519" cy="2310478"/>
+          </a:xfrm>
+          <a:prstGeom prst="rect">
+            <a:avLst/>
+          </a:prstGeom>
+        </p:spPr>
+      </p:pic>
+      <mc:AlternateContent xmlns:mc="http://schemas.openxmlformats.org/markup-compatibility/2006" xmlns:a14="http://schemas.microsoft.com/office/drawing/2010/main">
+        <mc:Choice Requires="a14">
+          <p:sp>
+            <p:nvSpPr>
+              <p:cNvPr id="3" name="Rectangle 2"/>
+              <p:cNvSpPr/>
+              <p:nvPr/>
+            </p:nvSpPr>
+            <p:spPr>
+              <a:xfrm>
+                <a:off x="965755" y="4159634"/>
+                <a:ext cx="9854108" cy="1139094"/>
+              </a:xfrm>
+              <a:prstGeom prst="rect">
+                <a:avLst/>
+              </a:prstGeom>
+            </p:spPr>
+            <p:txBody>
+              <a:bodyPr wrap="none">
+                <a:spAutoFit/>
+              </a:bodyPr>
+              <a:lstStyle/>
+              <a:p>
+                <a:r>
+                  <a:rPr lang="en-US" sz="3200" dirty="0">
+                    <a:solidFill>
+                      <a:srgbClr val="0000FF"/>
+                    </a:solidFill>
+                    <a:latin typeface="Cambria Math" panose="02040503050406030204" pitchFamily="18" charset="0"/>
+                    <a:ea typeface="Cambria Math" panose="02040503050406030204" pitchFamily="18" charset="0"/>
+                  </a:rPr>
+                  <a:t>U(s)</a:t>
+                </a:r>
+                <a:r>
+                  <a:rPr lang="en-US" sz="3200" dirty="0">
+                    <a:latin typeface="Cambria Math" panose="02040503050406030204" pitchFamily="18" charset="0"/>
+                    <a:ea typeface="Cambria Math" panose="02040503050406030204" pitchFamily="18" charset="0"/>
+                  </a:rPr>
+                  <a:t> = L[u(t )]= </a:t>
+                </a:r>
+                <a14:m>
+                  <m:oMath xmlns:m="http://schemas.openxmlformats.org/officeDocument/2006/math">
+                    <m:nary>
+                      <m:naryPr>
+                        <m:ctrlPr>
+                          <a:rPr lang="en-US" sz="3200" i="1">
+                            <a:latin typeface="Cambria Math"/>
+                            <a:ea typeface="Cambria Math" panose="02040503050406030204" pitchFamily="18" charset="0"/>
+                          </a:rPr>
+                        </m:ctrlPr>
+                      </m:naryPr>
+                      <m:sub>
+                        <m:sSup>
+                          <m:sSupPr>
+                            <m:ctrlPr>
+                              <a:rPr lang="en-US" sz="3200" i="1">
+                                <a:latin typeface="Cambria Math"/>
+                                <a:ea typeface="Cambria Math" panose="02040503050406030204" pitchFamily="18" charset="0"/>
+                              </a:rPr>
+                            </m:ctrlPr>
+                          </m:sSupPr>
+                          <m:e>
+                            <m:r>
+                              <a:rPr lang="en-US" sz="3200" b="0" i="1">
+                                <a:latin typeface="Cambria Math" panose="02040503050406030204" pitchFamily="18" charset="0"/>
+                                <a:ea typeface="Cambria Math" panose="02040503050406030204" pitchFamily="18" charset="0"/>
+                              </a:rPr>
+                              <m:t>0</m:t>
+                            </m:r>
+                          </m:e>
+                          <m:sup>
+                            <m:r>
+                              <a:rPr lang="en-US" sz="3200" b="0" i="1">
+                                <a:latin typeface="Cambria Math" panose="02040503050406030204" pitchFamily="18" charset="0"/>
+                                <a:ea typeface="Cambria Math" panose="02040503050406030204" pitchFamily="18" charset="0"/>
+                              </a:rPr>
+                              <m:t>−</m:t>
+                            </m:r>
+                          </m:sup>
+                        </m:sSup>
+                      </m:sub>
+                      <m:sup>
+                        <m:r>
+                          <a:rPr lang="en-US" sz="3200" b="0" i="1">
+                            <a:latin typeface="Cambria Math" panose="02040503050406030204" pitchFamily="18" charset="0"/>
+                            <a:ea typeface="Cambria Math" panose="02040503050406030204" pitchFamily="18" charset="0"/>
+                          </a:rPr>
+                          <m:t>∞</m:t>
+                        </m:r>
+                      </m:sup>
+                      <m:e>
+                        <m:r>
+                          <m:rPr>
+                            <m:nor/>
+                          </m:rPr>
+                          <a:rPr lang="en-US" sz="3200" i="0" smtClean="0">
+                            <a:latin typeface="Cambria Math" panose="02040503050406030204" pitchFamily="18" charset="0"/>
+                            <a:ea typeface="Cambria Math" panose="02040503050406030204" pitchFamily="18" charset="0"/>
+                          </a:rPr>
+                          <m:t>U</m:t>
+                        </m:r>
+                        <m:r>
+                          <a:rPr lang="en-US" sz="3200" b="0" i="1">
+                            <a:latin typeface="Cambria Math" panose="02040503050406030204" pitchFamily="18" charset="0"/>
+                            <a:ea typeface="Cambria Math" panose="02040503050406030204" pitchFamily="18" charset="0"/>
+                          </a:rPr>
+                          <m:t>(</m:t>
+                        </m:r>
+                        <m:r>
+                          <a:rPr lang="en-US" sz="3200" b="0" i="1">
+                            <a:latin typeface="Cambria Math" panose="02040503050406030204" pitchFamily="18" charset="0"/>
+                            <a:ea typeface="Cambria Math" panose="02040503050406030204" pitchFamily="18" charset="0"/>
+                          </a:rPr>
+                          <m:t>𝑡</m:t>
+                        </m:r>
+                        <m:r>
+                          <a:rPr lang="en-US" sz="3200" b="0" i="1">
+                            <a:latin typeface="Cambria Math" panose="02040503050406030204" pitchFamily="18" charset="0"/>
+                            <a:ea typeface="Cambria Math" panose="02040503050406030204" pitchFamily="18" charset="0"/>
+                          </a:rPr>
+                          <m:t>)</m:t>
+                        </m:r>
+                        <m:sSup>
+                          <m:sSupPr>
+                            <m:ctrlPr>
+                              <a:rPr lang="en-US" sz="3200" i="1">
+                                <a:latin typeface="Cambria Math"/>
+                                <a:ea typeface="Cambria Math" panose="02040503050406030204" pitchFamily="18" charset="0"/>
+                              </a:rPr>
+                            </m:ctrlPr>
+                          </m:sSupPr>
+                          <m:e>
+                            <m:r>
+                              <a:rPr lang="en-US" sz="3200" b="0" i="1">
+                                <a:latin typeface="Cambria Math" panose="02040503050406030204" pitchFamily="18" charset="0"/>
+                                <a:ea typeface="Cambria Math" panose="02040503050406030204" pitchFamily="18" charset="0"/>
+                              </a:rPr>
+                              <m:t>𝑒</m:t>
+                            </m:r>
+                          </m:e>
+                          <m:sup>
+                            <m:r>
+                              <a:rPr lang="en-US" sz="3200" b="0" i="1">
+                                <a:latin typeface="Cambria Math" panose="02040503050406030204" pitchFamily="18" charset="0"/>
+                                <a:ea typeface="Cambria Math" panose="02040503050406030204" pitchFamily="18" charset="0"/>
+                              </a:rPr>
+                              <m:t>−</m:t>
+                            </m:r>
+                            <m:r>
+                              <a:rPr lang="en-US" sz="3200" b="0" i="1">
+                                <a:latin typeface="Cambria Math" panose="02040503050406030204" pitchFamily="18" charset="0"/>
+                                <a:ea typeface="Cambria Math" panose="02040503050406030204" pitchFamily="18" charset="0"/>
+                              </a:rPr>
+                              <m:t>𝑠𝑡</m:t>
+                            </m:r>
+                          </m:sup>
+                        </m:sSup>
+                        <m:r>
+                          <a:rPr lang="en-US" sz="3200" b="0" i="1">
+                            <a:latin typeface="Cambria Math" panose="02040503050406030204" pitchFamily="18" charset="0"/>
+                            <a:ea typeface="Cambria Math" panose="02040503050406030204" pitchFamily="18" charset="0"/>
+                          </a:rPr>
+                          <m:t>𝑑𝑡</m:t>
+                        </m:r>
+                      </m:e>
+                    </m:nary>
+                    <m:r>
+                      <a:rPr lang="en-US" sz="3200" b="0" i="1" smtClean="0">
+                        <a:latin typeface="Cambria Math" panose="02040503050406030204" pitchFamily="18" charset="0"/>
+                        <a:ea typeface="Cambria Math" panose="02040503050406030204" pitchFamily="18" charset="0"/>
+                      </a:rPr>
+                      <m:t>=</m:t>
+                    </m:r>
+                    <m:nary>
+                      <m:naryPr>
+                        <m:ctrlPr>
+                          <a:rPr lang="en-US" sz="3200" i="1" smtClean="0">
+                            <a:latin typeface="Cambria Math"/>
+                            <a:ea typeface="Cambria Math" panose="02040503050406030204" pitchFamily="18" charset="0"/>
+                          </a:rPr>
+                        </m:ctrlPr>
+                      </m:naryPr>
+                      <m:sub>
+                        <m:sSup>
+                          <m:sSupPr>
+                            <m:ctrlPr>
+                              <a:rPr lang="en-US" sz="3200" i="1">
+                                <a:latin typeface="Cambria Math"/>
+                                <a:ea typeface="Cambria Math" panose="02040503050406030204" pitchFamily="18" charset="0"/>
+                              </a:rPr>
+                            </m:ctrlPr>
+                          </m:sSupPr>
+                          <m:e>
+                            <m:r>
+                              <a:rPr lang="en-US" sz="3200" b="0" i="1">
+                                <a:latin typeface="Cambria Math" panose="02040503050406030204" pitchFamily="18" charset="0"/>
+                                <a:ea typeface="Cambria Math" panose="02040503050406030204" pitchFamily="18" charset="0"/>
+                              </a:rPr>
+                              <m:t>0</m:t>
+                            </m:r>
+                          </m:e>
+                          <m:sup>
+                            <m:r>
+                              <a:rPr lang="en-US" sz="3200" b="0" i="1">
+                                <a:latin typeface="Cambria Math" panose="02040503050406030204" pitchFamily="18" charset="0"/>
+                                <a:ea typeface="Cambria Math" panose="02040503050406030204" pitchFamily="18" charset="0"/>
+                              </a:rPr>
+                              <m:t>−</m:t>
+                            </m:r>
+                          </m:sup>
+                        </m:sSup>
+                      </m:sub>
+                      <m:sup>
+                        <m:r>
+                          <a:rPr lang="en-US" sz="3200" b="0" i="1">
+                            <a:latin typeface="Cambria Math" panose="02040503050406030204" pitchFamily="18" charset="0"/>
+                            <a:ea typeface="Cambria Math" panose="02040503050406030204" pitchFamily="18" charset="0"/>
+                          </a:rPr>
+                          <m:t>∞</m:t>
+                        </m:r>
+                      </m:sup>
+                      <m:e>
+                        <m:eqArr>
+                          <m:eqArrPr>
+                            <m:ctrlPr>
+                              <a:rPr lang="en-US" sz="3200" i="1" smtClean="0">
+                                <a:latin typeface="Cambria Math"/>
+                                <a:ea typeface="Cambria Math" panose="02040503050406030204" pitchFamily="18" charset="0"/>
+                              </a:rPr>
+                            </m:ctrlPr>
+                          </m:eqArrPr>
+                          <m:e>
+                            <m:sSup>
+                              <m:sSupPr>
+                                <m:ctrlPr>
+                                  <a:rPr lang="en-US" sz="3200" i="1" smtClean="0">
+                                    <a:latin typeface="Cambria Math"/>
+                                    <a:ea typeface="Cambria Math" panose="02040503050406030204" pitchFamily="18" charset="0"/>
+                                  </a:rPr>
+                                </m:ctrlPr>
+                              </m:sSupPr>
+                              <m:e>
+                                <m:r>
+                                  <a:rPr lang="en-US" sz="3200" b="0" i="1">
+                                    <a:latin typeface="Cambria Math" panose="02040503050406030204" pitchFamily="18" charset="0"/>
+                                    <a:ea typeface="Cambria Math" panose="02040503050406030204" pitchFamily="18" charset="0"/>
+                                  </a:rPr>
+                                  <m:t>𝑒</m:t>
+                                </m:r>
+                              </m:e>
+                              <m:sup>
+                                <m:r>
+                                  <a:rPr lang="en-US" sz="3200" b="0" i="1">
+                                    <a:latin typeface="Cambria Math" panose="02040503050406030204" pitchFamily="18" charset="0"/>
+                                    <a:ea typeface="Cambria Math" panose="02040503050406030204" pitchFamily="18" charset="0"/>
+                                  </a:rPr>
+                                  <m:t>−</m:t>
+                                </m:r>
+                                <m:r>
+                                  <a:rPr lang="en-US" sz="3200" b="0" i="1">
+                                    <a:latin typeface="Cambria Math" panose="02040503050406030204" pitchFamily="18" charset="0"/>
+                                    <a:ea typeface="Cambria Math" panose="02040503050406030204" pitchFamily="18" charset="0"/>
+                                  </a:rPr>
+                                  <m:t>𝑠𝑡</m:t>
+                                </m:r>
+                              </m:sup>
+                            </m:sSup>
+                            <m:r>
+                              <a:rPr lang="en-US" sz="3200" b="0" i="1">
+                                <a:latin typeface="Cambria Math" panose="02040503050406030204" pitchFamily="18" charset="0"/>
+                                <a:ea typeface="Cambria Math" panose="02040503050406030204" pitchFamily="18" charset="0"/>
+                              </a:rPr>
+                              <m:t>𝑑𝑡</m:t>
+                            </m:r>
+                            <m:r>
+                              <a:rPr lang="en-US" sz="3200" b="0" i="1" smtClean="0">
+                                <a:latin typeface="Cambria Math" panose="02040503050406030204" pitchFamily="18" charset="0"/>
+                                <a:ea typeface="Cambria Math" panose="02040503050406030204" pitchFamily="18" charset="0"/>
+                              </a:rPr>
+                              <m:t>=</m:t>
+                            </m:r>
+                            <m:f>
+                              <m:fPr>
+                                <m:ctrlPr>
+                                  <a:rPr lang="en-US" sz="3200" i="1" smtClean="0">
+                                    <a:latin typeface="Cambria Math"/>
+                                    <a:ea typeface="Cambria Math" panose="02040503050406030204" pitchFamily="18" charset="0"/>
+                                  </a:rPr>
+                                </m:ctrlPr>
+                              </m:fPr>
+                              <m:num>
+                                <m:sSup>
+                                  <m:sSupPr>
+                                    <m:ctrlPr>
+                                      <a:rPr lang="en-US" sz="3200" i="1" smtClean="0">
+                                        <a:latin typeface="Cambria Math"/>
+                                        <a:ea typeface="Cambria Math" panose="02040503050406030204" pitchFamily="18" charset="0"/>
+                                      </a:rPr>
+                                    </m:ctrlPr>
+                                  </m:sSupPr>
+                                  <m:e>
+                                    <m:r>
+                                      <a:rPr lang="en-US" sz="3200" b="0" i="1" smtClean="0">
+                                        <a:latin typeface="Cambria Math" panose="02040503050406030204" pitchFamily="18" charset="0"/>
+                                        <a:ea typeface="Cambria Math" panose="02040503050406030204" pitchFamily="18" charset="0"/>
+                                      </a:rPr>
+                                      <m:t>𝑒</m:t>
+                                    </m:r>
+                                  </m:e>
+                                  <m:sup>
+                                    <m:r>
+                                      <a:rPr lang="en-US" sz="3200" b="0" i="1" smtClean="0">
+                                        <a:latin typeface="Cambria Math" panose="02040503050406030204" pitchFamily="18" charset="0"/>
+                                        <a:ea typeface="Cambria Math" panose="02040503050406030204" pitchFamily="18" charset="0"/>
+                                      </a:rPr>
+                                      <m:t>−</m:t>
+                                    </m:r>
+                                    <m:r>
+                                      <a:rPr lang="en-US" sz="3200" b="0" i="1" smtClean="0">
+                                        <a:latin typeface="Cambria Math" panose="02040503050406030204" pitchFamily="18" charset="0"/>
+                                        <a:ea typeface="Cambria Math" panose="02040503050406030204" pitchFamily="18" charset="0"/>
+                                      </a:rPr>
+                                      <m:t>𝑠𝑡</m:t>
+                                    </m:r>
+                                  </m:sup>
+                                </m:sSup>
+                              </m:num>
+                              <m:den>
+                                <m:r>
+                                  <a:rPr lang="en-US" sz="3200" b="0" i="1" smtClean="0">
+                                    <a:latin typeface="Cambria Math" panose="02040503050406030204" pitchFamily="18" charset="0"/>
+                                    <a:ea typeface="Cambria Math" panose="02040503050406030204" pitchFamily="18" charset="0"/>
+                                  </a:rPr>
+                                  <m:t>−</m:t>
+                                </m:r>
+                                <m:r>
+                                  <a:rPr lang="en-US" sz="3200" b="0" i="1" smtClean="0">
+                                    <a:latin typeface="Cambria Math" panose="02040503050406030204" pitchFamily="18" charset="0"/>
+                                    <a:ea typeface="Cambria Math" panose="02040503050406030204" pitchFamily="18" charset="0"/>
+                                  </a:rPr>
+                                  <m:t>𝑠</m:t>
+                                </m:r>
+                              </m:den>
+                            </m:f>
+                            <m:r>
+                              <a:rPr lang="en-US" sz="3200" b="0" i="1" smtClean="0">
+                                <a:latin typeface="Cambria Math" panose="02040503050406030204" pitchFamily="18" charset="0"/>
+                                <a:ea typeface="Cambria Math" panose="02040503050406030204" pitchFamily="18" charset="0"/>
+                              </a:rPr>
+                              <m:t> </m:t>
+                            </m:r>
+                            <m:sSubSup>
+                              <m:sSubSupPr>
+                                <m:ctrlPr>
+                                  <a:rPr lang="en-US" sz="3200" i="1" smtClean="0">
+                                    <a:latin typeface="Cambria Math"/>
+                                    <a:ea typeface="Cambria Math" panose="02040503050406030204" pitchFamily="18" charset="0"/>
+                                  </a:rPr>
+                                </m:ctrlPr>
+                              </m:sSubSupPr>
+                              <m:e>
+                                <m:r>
+                                  <a:rPr lang="en-US" sz="3200" b="0" i="1" smtClean="0">
+                                    <a:latin typeface="Cambria Math" panose="02040503050406030204" pitchFamily="18" charset="0"/>
+                                    <a:ea typeface="Cambria Math" panose="02040503050406030204" pitchFamily="18" charset="0"/>
+                                  </a:rPr>
+                                  <m:t>]</m:t>
+                                </m:r>
+                              </m:e>
+                              <m:sub>
+                                <m:sSup>
+                                  <m:sSupPr>
+                                    <m:ctrlPr>
+                                      <a:rPr lang="en-US" sz="3200" i="1" smtClean="0">
+                                        <a:latin typeface="Cambria Math"/>
+                                        <a:ea typeface="Cambria Math" panose="02040503050406030204" pitchFamily="18" charset="0"/>
+                                      </a:rPr>
+                                    </m:ctrlPr>
+                                  </m:sSupPr>
+                                  <m:e>
+                                    <m:r>
+                                      <a:rPr lang="en-US" sz="3200" b="0" i="1" smtClean="0">
+                                        <a:latin typeface="Cambria Math" panose="02040503050406030204" pitchFamily="18" charset="0"/>
+                                        <a:ea typeface="Cambria Math" panose="02040503050406030204" pitchFamily="18" charset="0"/>
+                                      </a:rPr>
+                                      <m:t>0</m:t>
+                                    </m:r>
+                                  </m:e>
+                                  <m:sup>
+                                    <m:eqArr>
+                                      <m:eqArrPr>
+                                        <m:ctrlPr>
+                                          <a:rPr lang="en-US" sz="3200" b="0" i="1" smtClean="0">
+                                            <a:latin typeface="Cambria Math"/>
+                                            <a:ea typeface="Cambria Math" panose="02040503050406030204" pitchFamily="18" charset="0"/>
+                                          </a:rPr>
+                                        </m:ctrlPr>
+                                      </m:eqArrPr>
+                                      <m:e>
+                                        <m:r>
+                                          <a:rPr lang="en-US" sz="3200" b="0" i="1" smtClean="0">
+                                            <a:latin typeface="Cambria Math" panose="02040503050406030204" pitchFamily="18" charset="0"/>
+                                            <a:ea typeface="Cambria Math" panose="02040503050406030204" pitchFamily="18" charset="0"/>
+                                          </a:rPr>
+                                          <m:t> </m:t>
+                                        </m:r>
+                                      </m:e>
+                                      <m:e>
+                                        <m:r>
+                                          <a:rPr lang="en-US" sz="3200" b="0" i="1" smtClean="0">
+                                            <a:latin typeface="Cambria Math" panose="02040503050406030204" pitchFamily="18" charset="0"/>
+                                            <a:ea typeface="Cambria Math" panose="02040503050406030204" pitchFamily="18" charset="0"/>
+                                          </a:rPr>
+                                          <m:t>−</m:t>
+                                        </m:r>
+                                      </m:e>
+                                    </m:eqArr>
+                                  </m:sup>
+                                </m:sSup>
+                              </m:sub>
+                              <m:sup>
+                                <m:r>
+                                  <a:rPr lang="en-US" sz="3200" b="0" i="1" smtClean="0">
+                                    <a:latin typeface="Cambria Math" panose="02040503050406030204" pitchFamily="18" charset="0"/>
+                                    <a:ea typeface="Cambria Math" panose="02040503050406030204" pitchFamily="18" charset="0"/>
+                                  </a:rPr>
+                                  <m:t>∞</m:t>
+                                </m:r>
+                              </m:sup>
+                            </m:sSubSup>
+                            <m:r>
+                              <a:rPr lang="en-US" sz="3200" b="0" i="1" smtClean="0">
+                                <a:latin typeface="Cambria Math" panose="02040503050406030204" pitchFamily="18" charset="0"/>
+                                <a:ea typeface="Cambria Math" panose="02040503050406030204" pitchFamily="18" charset="0"/>
+                              </a:rPr>
+                              <m:t> </m:t>
+                            </m:r>
+                          </m:e>
+                          <m:e>
+                            <m:r>
+                              <a:rPr lang="en-US" sz="3200" b="0" i="1" smtClean="0">
+                                <a:latin typeface="Cambria Math" panose="02040503050406030204" pitchFamily="18" charset="0"/>
+                                <a:ea typeface="Cambria Math" panose="02040503050406030204" pitchFamily="18" charset="0"/>
+                              </a:rPr>
+                              <m:t> </m:t>
+                            </m:r>
+                          </m:e>
+                        </m:eqArr>
+                      </m:e>
+                    </m:nary>
+                  </m:oMath>
+                </a14:m>
+                <a:endParaRPr lang="en-US" sz="3200" dirty="0">
+                  <a:latin typeface="Cambria Math" panose="02040503050406030204" pitchFamily="18" charset="0"/>
+                  <a:ea typeface="Cambria Math" panose="02040503050406030204" pitchFamily="18" charset="0"/>
+                </a:endParaRPr>
+              </a:p>
+            </p:txBody>
+          </p:sp>
+        </mc:Choice>
+        <mc:Fallback xmlns="">
+          <p:sp>
+            <p:nvSpPr>
+              <p:cNvPr id="3" name="Rectangle 2"/>
+              <p:cNvSpPr>
+                <a:spLocks noRot="1" noChangeAspect="1" noMove="1" noResize="1" noEditPoints="1" noAdjustHandles="1" noChangeArrowheads="1" noChangeShapeType="1" noTextEdit="1"/>
+              </p:cNvSpPr>
+              <p:nvPr/>
+            </p:nvSpPr>
+            <p:spPr>
+              <a:xfrm>
+                <a:off x="965755" y="4159634"/>
+                <a:ext cx="9854108" cy="1139094"/>
+              </a:xfrm>
+              <a:prstGeom prst="rect">
+                <a:avLst/>
+              </a:prstGeom>
+              <a:blipFill>
+                <a:blip r:embed="rId4"/>
+                <a:stretch>
+                  <a:fillRect l="-1546"/>
+                </a:stretch>
+              </a:blipFill>
+            </p:spPr>
+            <p:txBody>
+              <a:bodyPr/>
+              <a:lstStyle/>
+              <a:p>
+                <a:r>
+                  <a:rPr lang="en-GB">
+                    <a:noFill/>
+                  </a:rPr>
+                  <a:t> </a:t>
+                </a:r>
+              </a:p>
+            </p:txBody>
+          </p:sp>
+        </mc:Fallback>
+      </mc:AlternateContent>
+      <mc:AlternateContent xmlns:mc="http://schemas.openxmlformats.org/markup-compatibility/2006" xmlns:a14="http://schemas.microsoft.com/office/drawing/2010/main">
+        <mc:Choice Requires="a14">
+          <p:sp>
+            <p:nvSpPr>
+              <p:cNvPr id="4" name="Rectangle 3"/>
+              <p:cNvSpPr/>
+              <p:nvPr/>
+            </p:nvSpPr>
+            <p:spPr>
+              <a:xfrm>
+                <a:off x="4446234" y="5275276"/>
+                <a:ext cx="5756512" cy="866840"/>
+              </a:xfrm>
+              <a:prstGeom prst="rect">
+                <a:avLst/>
+              </a:prstGeom>
+            </p:spPr>
+            <p:txBody>
+              <a:bodyPr wrap="none">
+                <a:spAutoFit/>
+              </a:bodyPr>
+              <a:lstStyle/>
+              <a:p>
+                <a:r>
+                  <a:rPr lang="en-US" sz="3200" dirty="0">
+                    <a:latin typeface="Cambria Math" panose="02040503050406030204" pitchFamily="18" charset="0"/>
+                    <a:ea typeface="Cambria Math" panose="02040503050406030204" pitchFamily="18" charset="0"/>
+                  </a:rPr>
+                  <a:t>= </a:t>
+                </a:r>
+                <a14:m>
+                  <m:oMath xmlns:m="http://schemas.openxmlformats.org/officeDocument/2006/math">
+                    <m:f>
+                      <m:fPr>
+                        <m:ctrlPr>
+                          <a:rPr lang="en-US" sz="3200" i="1">
+                            <a:latin typeface="Cambria Math"/>
+                            <a:ea typeface="Cambria Math" panose="02040503050406030204" pitchFamily="18" charset="0"/>
+                          </a:rPr>
+                        </m:ctrlPr>
+                      </m:fPr>
+                      <m:num>
+                        <m:sSup>
+                          <m:sSupPr>
+                            <m:ctrlPr>
+                              <a:rPr lang="en-US" sz="3200" i="1">
+                                <a:latin typeface="Cambria Math"/>
+                                <a:ea typeface="Cambria Math" panose="02040503050406030204" pitchFamily="18" charset="0"/>
+                              </a:rPr>
+                            </m:ctrlPr>
+                          </m:sSupPr>
+                          <m:e>
+                            <m:r>
+                              <a:rPr lang="en-US" sz="3200" i="1">
+                                <a:latin typeface="Cambria Math" panose="02040503050406030204" pitchFamily="18" charset="0"/>
+                                <a:ea typeface="Cambria Math" panose="02040503050406030204" pitchFamily="18" charset="0"/>
+                              </a:rPr>
+                              <m:t>𝑒</m:t>
+                            </m:r>
+                          </m:e>
+                          <m:sup>
+                            <m:r>
+                              <a:rPr lang="en-US" sz="3200" i="1">
+                                <a:latin typeface="Cambria Math" panose="02040503050406030204" pitchFamily="18" charset="0"/>
+                                <a:ea typeface="Cambria Math" panose="02040503050406030204" pitchFamily="18" charset="0"/>
+                              </a:rPr>
+                              <m:t>−</m:t>
+                            </m:r>
+                            <m:r>
+                              <a:rPr lang="en-US" sz="3200" i="1">
+                                <a:latin typeface="Cambria Math" panose="02040503050406030204" pitchFamily="18" charset="0"/>
+                                <a:ea typeface="Cambria Math" panose="02040503050406030204" pitchFamily="18" charset="0"/>
+                              </a:rPr>
+                              <m:t>𝑠𝑡</m:t>
+                            </m:r>
+                          </m:sup>
+                        </m:sSup>
+                      </m:num>
+                      <m:den>
+                        <m:r>
+                          <a:rPr lang="en-US" sz="3200" i="1">
+                            <a:latin typeface="Cambria Math" panose="02040503050406030204" pitchFamily="18" charset="0"/>
+                            <a:ea typeface="Cambria Math" panose="02040503050406030204" pitchFamily="18" charset="0"/>
+                          </a:rPr>
+                          <m:t>−</m:t>
+                        </m:r>
+                        <m:r>
+                          <a:rPr lang="en-US" sz="3200" i="1">
+                            <a:latin typeface="Cambria Math" panose="02040503050406030204" pitchFamily="18" charset="0"/>
+                            <a:ea typeface="Cambria Math" panose="02040503050406030204" pitchFamily="18" charset="0"/>
+                          </a:rPr>
+                          <m:t>𝑠</m:t>
+                        </m:r>
+                      </m:den>
+                    </m:f>
+                    <m:r>
+                      <a:rPr lang="en-US" sz="3200" i="1">
+                        <a:latin typeface="Cambria Math" panose="02040503050406030204" pitchFamily="18" charset="0"/>
+                        <a:ea typeface="Cambria Math" panose="02040503050406030204" pitchFamily="18" charset="0"/>
+                      </a:rPr>
+                      <m:t> </m:t>
+                    </m:r>
+                    <m:sSubSup>
+                      <m:sSubSupPr>
+                        <m:ctrlPr>
+                          <a:rPr lang="en-US" sz="3200" i="1">
+                            <a:latin typeface="Cambria Math"/>
+                            <a:ea typeface="Cambria Math" panose="02040503050406030204" pitchFamily="18" charset="0"/>
+                          </a:rPr>
+                        </m:ctrlPr>
+                      </m:sSubSupPr>
+                      <m:e>
+                        <m:r>
+                          <a:rPr lang="en-US" sz="3200" i="1">
+                            <a:latin typeface="Cambria Math" panose="02040503050406030204" pitchFamily="18" charset="0"/>
+                            <a:ea typeface="Cambria Math" panose="02040503050406030204" pitchFamily="18" charset="0"/>
+                          </a:rPr>
+                          <m:t>]</m:t>
+                        </m:r>
+                      </m:e>
+                      <m:sub>
+                        <m:sSup>
+                          <m:sSupPr>
+                            <m:ctrlPr>
+                              <a:rPr lang="en-US" sz="3200" i="1">
+                                <a:latin typeface="Cambria Math"/>
+                                <a:ea typeface="Cambria Math" panose="02040503050406030204" pitchFamily="18" charset="0"/>
+                              </a:rPr>
+                            </m:ctrlPr>
+                          </m:sSupPr>
+                          <m:e>
+                            <m:r>
+                              <a:rPr lang="en-US" sz="3200" i="1">
+                                <a:latin typeface="Cambria Math" panose="02040503050406030204" pitchFamily="18" charset="0"/>
+                                <a:ea typeface="Cambria Math" panose="02040503050406030204" pitchFamily="18" charset="0"/>
+                              </a:rPr>
+                              <m:t>0</m:t>
+                            </m:r>
+                          </m:e>
+                          <m:sup>
+                            <m:eqArr>
+                              <m:eqArrPr>
+                                <m:ctrlPr>
+                                  <a:rPr lang="en-US" sz="3200" i="1">
+                                    <a:latin typeface="Cambria Math"/>
+                                    <a:ea typeface="Cambria Math" panose="02040503050406030204" pitchFamily="18" charset="0"/>
+                                  </a:rPr>
+                                </m:ctrlPr>
+                              </m:eqArrPr>
+                              <m:e>
+                                <m:r>
+                                  <a:rPr lang="en-US" sz="3200" i="1">
+                                    <a:latin typeface="Cambria Math" panose="02040503050406030204" pitchFamily="18" charset="0"/>
+                                    <a:ea typeface="Cambria Math" panose="02040503050406030204" pitchFamily="18" charset="0"/>
+                                  </a:rPr>
+                                  <m:t> </m:t>
+                                </m:r>
+                              </m:e>
+                              <m:e>
+                                <m:r>
+                                  <a:rPr lang="en-US" sz="3200" i="1">
+                                    <a:latin typeface="Cambria Math" panose="02040503050406030204" pitchFamily="18" charset="0"/>
+                                    <a:ea typeface="Cambria Math" panose="02040503050406030204" pitchFamily="18" charset="0"/>
+                                  </a:rPr>
+                                  <m:t>−</m:t>
+                                </m:r>
+                              </m:e>
+                            </m:eqArr>
+                          </m:sup>
+                        </m:sSup>
+                      </m:sub>
+                      <m:sup>
+                        <m:r>
+                          <a:rPr lang="en-US" sz="3200" i="1">
+                            <a:latin typeface="Cambria Math" panose="02040503050406030204" pitchFamily="18" charset="0"/>
+                            <a:ea typeface="Cambria Math" panose="02040503050406030204" pitchFamily="18" charset="0"/>
+                          </a:rPr>
+                          <m:t>∞</m:t>
+                        </m:r>
+                      </m:sup>
+                    </m:sSubSup>
+                    <m:r>
+                      <a:rPr lang="en-US" sz="3200" b="0" i="1" smtClean="0">
+                        <a:latin typeface="Cambria Math" panose="02040503050406030204" pitchFamily="18" charset="0"/>
+                        <a:ea typeface="Cambria Math" panose="02040503050406030204" pitchFamily="18" charset="0"/>
+                      </a:rPr>
+                      <m:t>=</m:t>
+                    </m:r>
+                    <m:f>
+                      <m:fPr>
+                        <m:ctrlPr>
+                          <a:rPr lang="en-US" sz="3200" i="1">
+                            <a:latin typeface="Cambria Math"/>
+                            <a:ea typeface="Cambria Math" panose="02040503050406030204" pitchFamily="18" charset="0"/>
+                          </a:rPr>
+                        </m:ctrlPr>
+                      </m:fPr>
+                      <m:num>
+                        <m:sSup>
+                          <m:sSupPr>
+                            <m:ctrlPr>
+                              <a:rPr lang="en-US" sz="3200" i="1">
+                                <a:latin typeface="Cambria Math"/>
+                                <a:ea typeface="Cambria Math" panose="02040503050406030204" pitchFamily="18" charset="0"/>
+                              </a:rPr>
+                            </m:ctrlPr>
+                          </m:sSupPr>
+                          <m:e>
+                            <m:r>
+                              <a:rPr lang="en-US" sz="3200" i="1">
+                                <a:latin typeface="Cambria Math" panose="02040503050406030204" pitchFamily="18" charset="0"/>
+                                <a:ea typeface="Cambria Math" panose="02040503050406030204" pitchFamily="18" charset="0"/>
+                              </a:rPr>
+                              <m:t>𝑒</m:t>
+                            </m:r>
+                          </m:e>
+                          <m:sup>
+                            <m:r>
+                              <a:rPr lang="en-US" sz="3200" i="1">
+                                <a:latin typeface="Cambria Math" panose="02040503050406030204" pitchFamily="18" charset="0"/>
+                                <a:ea typeface="Cambria Math" panose="02040503050406030204" pitchFamily="18" charset="0"/>
+                              </a:rPr>
+                              <m:t>−</m:t>
+                            </m:r>
+                            <m:r>
+                              <a:rPr lang="en-US" sz="3200" i="1">
+                                <a:latin typeface="Cambria Math" panose="02040503050406030204" pitchFamily="18" charset="0"/>
+                                <a:ea typeface="Cambria Math" panose="02040503050406030204" pitchFamily="18" charset="0"/>
+                              </a:rPr>
+                              <m:t>𝑠𝑡</m:t>
+                            </m:r>
+                          </m:sup>
+                        </m:sSup>
+                      </m:num>
+                      <m:den>
+                        <m:r>
+                          <a:rPr lang="en-US" sz="3200" i="1">
+                            <a:latin typeface="Cambria Math" panose="02040503050406030204" pitchFamily="18" charset="0"/>
+                            <a:ea typeface="Cambria Math" panose="02040503050406030204" pitchFamily="18" charset="0"/>
+                          </a:rPr>
+                          <m:t>−</m:t>
+                        </m:r>
+                        <m:r>
+                          <a:rPr lang="en-US" sz="3200" i="1">
+                            <a:latin typeface="Cambria Math" panose="02040503050406030204" pitchFamily="18" charset="0"/>
+                            <a:ea typeface="Cambria Math" panose="02040503050406030204" pitchFamily="18" charset="0"/>
+                          </a:rPr>
+                          <m:t>𝑠</m:t>
+                        </m:r>
+                      </m:den>
+                    </m:f>
+                    <m:sSub>
+                      <m:sSubPr>
+                        <m:ctrlPr>
+                          <a:rPr lang="en-US" sz="3200" i="1" smtClean="0">
+                            <a:latin typeface="Cambria Math"/>
+                            <a:ea typeface="Cambria Math" panose="02040503050406030204" pitchFamily="18" charset="0"/>
+                          </a:rPr>
+                        </m:ctrlPr>
+                      </m:sSubPr>
+                      <m:e>
+                        <m:r>
+                          <a:rPr lang="en-US" sz="3200" b="0" i="1" smtClean="0">
+                            <a:latin typeface="Cambria Math" panose="02040503050406030204" pitchFamily="18" charset="0"/>
+                            <a:ea typeface="Cambria Math" panose="02040503050406030204" pitchFamily="18" charset="0"/>
+                          </a:rPr>
+                          <m:t>]</m:t>
+                        </m:r>
+                      </m:e>
+                      <m:sub>
+                        <m:r>
+                          <a:rPr lang="en-US" sz="3200" b="0" i="1" smtClean="0">
+                            <a:latin typeface="Cambria Math" panose="02040503050406030204" pitchFamily="18" charset="0"/>
+                            <a:ea typeface="Cambria Math" panose="02040503050406030204" pitchFamily="18" charset="0"/>
+                          </a:rPr>
+                          <m:t>𝑡</m:t>
+                        </m:r>
+                        <m:r>
+                          <a:rPr lang="en-US" sz="3200" b="0" i="1" smtClean="0">
+                            <a:latin typeface="Cambria Math" panose="02040503050406030204" pitchFamily="18" charset="0"/>
+                            <a:ea typeface="Cambria Math" panose="02040503050406030204" pitchFamily="18" charset="0"/>
+                          </a:rPr>
+                          <m:t>…∞</m:t>
+                        </m:r>
+                      </m:sub>
+                    </m:sSub>
+                  </m:oMath>
+                </a14:m>
+                <a:r>
+                  <a:rPr lang="en-US" sz="3200" dirty="0">
+                    <a:latin typeface="Cambria Math" panose="02040503050406030204" pitchFamily="18" charset="0"/>
+                    <a:ea typeface="Cambria Math" panose="02040503050406030204" pitchFamily="18" charset="0"/>
+                  </a:rPr>
+                  <a:t>-</a:t>
+                </a:r>
+                <a14:m>
+                  <m:oMath xmlns:m="http://schemas.openxmlformats.org/officeDocument/2006/math">
+                    <m:f>
+                      <m:fPr>
+                        <m:ctrlPr>
+                          <a:rPr lang="en-US" sz="3200" i="1">
+                            <a:latin typeface="Cambria Math"/>
+                            <a:ea typeface="Cambria Math" panose="02040503050406030204" pitchFamily="18" charset="0"/>
+                          </a:rPr>
+                        </m:ctrlPr>
+                      </m:fPr>
+                      <m:num>
+                        <m:sSup>
+                          <m:sSupPr>
+                            <m:ctrlPr>
+                              <a:rPr lang="en-US" sz="3200" i="1">
+                                <a:latin typeface="Cambria Math"/>
+                                <a:ea typeface="Cambria Math" panose="02040503050406030204" pitchFamily="18" charset="0"/>
+                              </a:rPr>
+                            </m:ctrlPr>
+                          </m:sSupPr>
+                          <m:e>
+                            <m:r>
+                              <a:rPr lang="en-US" sz="3200" i="1">
+                                <a:latin typeface="Cambria Math" panose="02040503050406030204" pitchFamily="18" charset="0"/>
+                                <a:ea typeface="Cambria Math" panose="02040503050406030204" pitchFamily="18" charset="0"/>
+                              </a:rPr>
+                              <m:t>𝑒</m:t>
+                            </m:r>
+                          </m:e>
+                          <m:sup>
+                            <m:r>
+                              <a:rPr lang="en-US" sz="3200" i="1">
+                                <a:latin typeface="Cambria Math" panose="02040503050406030204" pitchFamily="18" charset="0"/>
+                                <a:ea typeface="Cambria Math" panose="02040503050406030204" pitchFamily="18" charset="0"/>
+                              </a:rPr>
+                              <m:t>−</m:t>
+                            </m:r>
+                            <m:r>
+                              <a:rPr lang="en-US" sz="3200" i="1">
+                                <a:latin typeface="Cambria Math" panose="02040503050406030204" pitchFamily="18" charset="0"/>
+                                <a:ea typeface="Cambria Math" panose="02040503050406030204" pitchFamily="18" charset="0"/>
+                              </a:rPr>
+                              <m:t>𝑠𝑡</m:t>
+                            </m:r>
+                          </m:sup>
+                        </m:sSup>
+                      </m:num>
+                      <m:den>
+                        <m:r>
+                          <a:rPr lang="en-US" sz="3200" i="1">
+                            <a:latin typeface="Cambria Math" panose="02040503050406030204" pitchFamily="18" charset="0"/>
+                            <a:ea typeface="Cambria Math" panose="02040503050406030204" pitchFamily="18" charset="0"/>
+                          </a:rPr>
+                          <m:t>−</m:t>
+                        </m:r>
+                        <m:r>
+                          <a:rPr lang="en-US" sz="3200" i="1">
+                            <a:latin typeface="Cambria Math" panose="02040503050406030204" pitchFamily="18" charset="0"/>
+                            <a:ea typeface="Cambria Math" panose="02040503050406030204" pitchFamily="18" charset="0"/>
+                          </a:rPr>
+                          <m:t>𝑠</m:t>
+                        </m:r>
+                      </m:den>
+                    </m:f>
+                    <m:sSub>
+                      <m:sSubPr>
+                        <m:ctrlPr>
+                          <a:rPr lang="en-US" sz="3200" i="1" smtClean="0">
+                            <a:latin typeface="Cambria Math"/>
+                            <a:ea typeface="Cambria Math" panose="02040503050406030204" pitchFamily="18" charset="0"/>
+                          </a:rPr>
+                        </m:ctrlPr>
+                      </m:sSubPr>
+                      <m:e>
+                        <m:r>
+                          <a:rPr lang="en-US" sz="3200" i="1">
+                            <a:latin typeface="Cambria Math" panose="02040503050406030204" pitchFamily="18" charset="0"/>
+                            <a:ea typeface="Cambria Math" panose="02040503050406030204" pitchFamily="18" charset="0"/>
+                          </a:rPr>
+                          <m:t>]</m:t>
+                        </m:r>
+                      </m:e>
+                      <m:sub>
+                        <m:sSup>
+                          <m:sSupPr>
+                            <m:ctrlPr>
+                              <a:rPr lang="en-US" sz="3200" i="1" smtClean="0">
+                                <a:latin typeface="Cambria Math"/>
+                                <a:ea typeface="Cambria Math" panose="02040503050406030204" pitchFamily="18" charset="0"/>
+                              </a:rPr>
+                            </m:ctrlPr>
+                          </m:sSupPr>
+                          <m:e>
+                            <m:r>
+                              <a:rPr lang="en-US" sz="3200" b="0" i="1" smtClean="0">
+                                <a:latin typeface="Cambria Math" panose="02040503050406030204" pitchFamily="18" charset="0"/>
+                                <a:ea typeface="Cambria Math" panose="02040503050406030204" pitchFamily="18" charset="0"/>
+                              </a:rPr>
+                              <m:t>0</m:t>
+                            </m:r>
+                          </m:e>
+                          <m:sup>
+                            <m:r>
+                              <a:rPr lang="en-US" sz="3200" b="0" i="1" smtClean="0">
+                                <a:latin typeface="Cambria Math" panose="02040503050406030204" pitchFamily="18" charset="0"/>
+                                <a:ea typeface="Cambria Math" panose="02040503050406030204" pitchFamily="18" charset="0"/>
+                              </a:rPr>
+                              <m:t>−</m:t>
+                            </m:r>
+                          </m:sup>
+                        </m:sSup>
+                      </m:sub>
+                    </m:sSub>
+                    <m:r>
+                      <a:rPr lang="en-US" sz="3200" b="0" i="1" smtClean="0">
+                        <a:solidFill>
+                          <a:srgbClr val="0000FF"/>
+                        </a:solidFill>
+                        <a:latin typeface="Cambria Math" panose="02040503050406030204" pitchFamily="18" charset="0"/>
+                        <a:ea typeface="Cambria Math" panose="02040503050406030204" pitchFamily="18" charset="0"/>
+                      </a:rPr>
+                      <m:t>=</m:t>
+                    </m:r>
+                    <m:f>
+                      <m:fPr>
+                        <m:ctrlPr>
+                          <a:rPr lang="en-US" sz="3200" b="0" i="1" smtClean="0">
+                            <a:solidFill>
+                              <a:srgbClr val="0000FF"/>
+                            </a:solidFill>
+                            <a:latin typeface="Cambria Math"/>
+                            <a:ea typeface="Cambria Math" panose="02040503050406030204" pitchFamily="18" charset="0"/>
+                          </a:rPr>
+                        </m:ctrlPr>
+                      </m:fPr>
+                      <m:num>
+                        <m:r>
+                          <a:rPr lang="en-US" sz="3200" b="0" i="1" smtClean="0">
+                            <a:solidFill>
+                              <a:srgbClr val="0000FF"/>
+                            </a:solidFill>
+                            <a:latin typeface="Cambria Math" panose="02040503050406030204" pitchFamily="18" charset="0"/>
+                            <a:ea typeface="Cambria Math" panose="02040503050406030204" pitchFamily="18" charset="0"/>
+                          </a:rPr>
+                          <m:t>1</m:t>
+                        </m:r>
+                      </m:num>
+                      <m:den>
+                        <m:r>
+                          <a:rPr lang="en-US" sz="3200" b="0" i="1" smtClean="0">
+                            <a:solidFill>
+                              <a:srgbClr val="0000FF"/>
+                            </a:solidFill>
+                            <a:latin typeface="Cambria Math" panose="02040503050406030204" pitchFamily="18" charset="0"/>
+                            <a:ea typeface="Cambria Math" panose="02040503050406030204" pitchFamily="18" charset="0"/>
+                          </a:rPr>
+                          <m:t>𝑠</m:t>
+                        </m:r>
+                      </m:den>
+                    </m:f>
+                  </m:oMath>
+                </a14:m>
+                <a:endParaRPr lang="en-US" sz="3200" dirty="0">
+                  <a:solidFill>
+                    <a:srgbClr val="0000FF"/>
+                  </a:solidFill>
+                  <a:latin typeface="Cambria Math" panose="02040503050406030204" pitchFamily="18" charset="0"/>
+                  <a:ea typeface="Cambria Math" panose="02040503050406030204" pitchFamily="18" charset="0"/>
+                </a:endParaRPr>
+              </a:p>
+            </p:txBody>
+          </p:sp>
+        </mc:Choice>
+        <mc:Fallback xmlns="">
+          <p:sp>
+            <p:nvSpPr>
+              <p:cNvPr id="4" name="Rectangle 3"/>
+              <p:cNvSpPr>
+                <a:spLocks noRot="1" noChangeAspect="1" noMove="1" noResize="1" noEditPoints="1" noAdjustHandles="1" noChangeArrowheads="1" noChangeShapeType="1" noTextEdit="1"/>
+              </p:cNvSpPr>
+              <p:nvPr/>
+            </p:nvSpPr>
+            <p:spPr>
+              <a:xfrm>
+                <a:off x="4446234" y="5275276"/>
+                <a:ext cx="5756512" cy="866840"/>
+              </a:xfrm>
+              <a:prstGeom prst="rect">
+                <a:avLst/>
+              </a:prstGeom>
+              <a:blipFill rotWithShape="0">
+                <a:blip r:embed="rId6" cstate="print"/>
+                <a:stretch>
+                  <a:fillRect l="-2646" b="-8392"/>
+                </a:stretch>
+              </a:blipFill>
+            </p:spPr>
+            <p:txBody>
+              <a:bodyPr/>
+              <a:lstStyle/>
+              <a:p>
+                <a:r>
+                  <a:rPr lang="en-US">
+                    <a:noFill/>
+                  </a:rPr>
+                  <a:t> </a:t>
+                </a:r>
+              </a:p>
+            </p:txBody>
+          </p:sp>
+        </mc:Fallback>
+      </mc:AlternateContent>
+      <p:sp>
+        <p:nvSpPr>
+          <p:cNvPr id="14" name="TextBox 13"/>
+          <p:cNvSpPr txBox="1"/>
+          <p:nvPr/>
+        </p:nvSpPr>
+        <p:spPr>
+          <a:xfrm>
+            <a:off x="788817" y="574015"/>
+            <a:ext cx="5334345" cy="707886"/>
+          </a:xfrm>
+          <a:prstGeom prst="rect">
+            <a:avLst/>
+          </a:prstGeom>
+          <a:noFill/>
+          <a:ln>
+            <a:noFill/>
+          </a:ln>
+        </p:spPr>
+        <p:txBody>
+          <a:bodyPr wrap="none" rtlCol="0">
+            <a:spAutoFit/>
+          </a:bodyPr>
+          <a:lstStyle/>
+          <a:p>
+            <a:r>
+              <a:rPr lang="en-US" sz="4000" b="1" dirty="0">
+                <a:solidFill>
+                  <a:srgbClr val="00B050"/>
+                </a:solidFill>
+                <a:latin typeface="Cambria" panose="02040503050406030204" pitchFamily="18" charset="0"/>
+              </a:rPr>
+              <a:t>Example 12.</a:t>
+            </a:r>
+            <a:r>
+              <a:rPr lang="lv-LV" sz="4000" b="1" dirty="0">
+                <a:solidFill>
+                  <a:srgbClr val="00B050"/>
+                </a:solidFill>
+                <a:latin typeface="Cambria" panose="02040503050406030204" pitchFamily="18" charset="0"/>
+              </a:rPr>
+              <a:t>4</a:t>
+            </a:r>
+            <a:r>
+              <a:rPr lang="en-US" sz="4000" b="1" dirty="0">
+                <a:solidFill>
+                  <a:srgbClr val="00B050"/>
+                </a:solidFill>
+                <a:latin typeface="Cambria" panose="02040503050406030204" pitchFamily="18" charset="0"/>
+              </a:rPr>
+              <a:t> (p. 5</a:t>
+            </a:r>
+            <a:r>
+              <a:rPr lang="lv-LV" sz="4000" b="1" dirty="0">
+                <a:solidFill>
+                  <a:srgbClr val="00B050"/>
+                </a:solidFill>
+                <a:latin typeface="Cambria" panose="02040503050406030204" pitchFamily="18" charset="0"/>
+              </a:rPr>
+              <a:t>56</a:t>
+            </a:r>
+            <a:r>
+              <a:rPr lang="en-US" sz="4000" b="1" dirty="0">
+                <a:solidFill>
+                  <a:srgbClr val="00B050"/>
+                </a:solidFill>
+                <a:latin typeface="Cambria" panose="02040503050406030204" pitchFamily="18" charset="0"/>
+              </a:rPr>
+              <a:t>)</a:t>
+            </a:r>
+          </a:p>
+        </p:txBody>
+      </p:sp>
+      <p:sp>
+        <p:nvSpPr>
+          <p:cNvPr id="15" name="Rectangle 14"/>
+          <p:cNvSpPr/>
+          <p:nvPr/>
+        </p:nvSpPr>
+        <p:spPr>
+          <a:xfrm>
+            <a:off x="788817" y="1300628"/>
+            <a:ext cx="6732920" cy="461665"/>
+          </a:xfrm>
+          <a:prstGeom prst="rect">
+            <a:avLst/>
+          </a:prstGeom>
+        </p:spPr>
+        <p:txBody>
+          <a:bodyPr wrap="square">
+            <a:spAutoFit/>
+          </a:bodyPr>
+          <a:lstStyle/>
+          <a:p>
+            <a:r>
+              <a:rPr lang="lv-LV" sz="2400" dirty="0">
+                <a:solidFill>
+                  <a:srgbClr val="C00000"/>
+                </a:solidFill>
+                <a:latin typeface="Cambria" panose="02040503050406030204" pitchFamily="18" charset="0"/>
+              </a:rPr>
+              <a:t>Find the Laplace tranform of the unit step U(s)</a:t>
+            </a:r>
+            <a:endParaRPr lang="en-US" sz="2400" dirty="0">
+              <a:solidFill>
+                <a:srgbClr val="C00000"/>
+              </a:solidFill>
+              <a:latin typeface="Cambria" panose="02040503050406030204" pitchFamily="18" charset="0"/>
+            </a:endParaRPr>
+          </a:p>
+        </p:txBody>
+      </p:sp>
+      <p:sp>
+        <p:nvSpPr>
+          <p:cNvPr id="2" name="Slide Number Placeholder 1"/>
+          <p:cNvSpPr>
+            <a:spLocks noGrp="1"/>
+          </p:cNvSpPr>
+          <p:nvPr>
+            <p:ph type="sldNum" sz="quarter" idx="7"/>
+          </p:nvPr>
+        </p:nvSpPr>
+        <p:spPr/>
+        <p:txBody>
+          <a:bodyPr/>
+          <a:lstStyle/>
+          <a:p>
+            <a:fld id="{539F810C-9DAB-49B2-B45C-341744954A16}" type="slidenum">
+              <a:rPr lang="en-GB" smtClean="0"/>
+              <a:pPr/>
+              <a:t>8</a:t>
+            </a:fld>
+            <a:endParaRPr lang="en-GB"/>
+          </a:p>
+        </p:txBody>
+      </p:sp>
+      <p:sp>
+        <p:nvSpPr>
+          <p:cNvPr id="5" name="TextBox 4"/>
+          <p:cNvSpPr txBox="1"/>
+          <p:nvPr/>
+        </p:nvSpPr>
+        <p:spPr>
+          <a:xfrm>
+            <a:off x="870429" y="2184247"/>
+            <a:ext cx="5690514" cy="1323439"/>
+          </a:xfrm>
+          <a:prstGeom prst="rect">
+            <a:avLst/>
+          </a:prstGeom>
+          <a:noFill/>
+        </p:spPr>
+        <p:txBody>
+          <a:bodyPr wrap="square" rtlCol="0">
+            <a:spAutoFit/>
+          </a:bodyPr>
+          <a:lstStyle/>
+          <a:p>
+            <a:r>
+              <a:rPr lang="en-US" dirty="0" smtClean="0"/>
+              <a:t>Unit Step function u(t) =</a:t>
+            </a:r>
+            <a:r>
+              <a:rPr lang="en-US" sz="8000" dirty="0" smtClean="0"/>
+              <a:t>{</a:t>
+            </a:r>
+            <a:endParaRPr lang="en-US" sz="8000" dirty="0"/>
+          </a:p>
+        </p:txBody>
+      </p:sp>
+      <p:sp>
+        <p:nvSpPr>
+          <p:cNvPr id="6" name="TextBox 5"/>
+          <p:cNvSpPr txBox="1"/>
+          <p:nvPr/>
+        </p:nvSpPr>
+        <p:spPr>
+          <a:xfrm>
+            <a:off x="3537857" y="2515734"/>
+            <a:ext cx="1621972" cy="369332"/>
+          </a:xfrm>
+          <a:prstGeom prst="rect">
+            <a:avLst/>
+          </a:prstGeom>
+          <a:noFill/>
+        </p:spPr>
+        <p:txBody>
+          <a:bodyPr wrap="square" rtlCol="0">
+            <a:spAutoFit/>
+          </a:bodyPr>
+          <a:lstStyle/>
+          <a:p>
+            <a:pPr marL="342900" indent="-342900">
+              <a:buFontTx/>
+              <a:buAutoNum type="arabicPlain"/>
+            </a:pPr>
+            <a:r>
+              <a:rPr lang="en-US" dirty="0" smtClean="0"/>
+              <a:t>t≥0</a:t>
+            </a:r>
+          </a:p>
+        </p:txBody>
+      </p:sp>
+      <p:sp>
+        <p:nvSpPr>
+          <p:cNvPr id="11" name="TextBox 10"/>
+          <p:cNvSpPr txBox="1"/>
+          <p:nvPr/>
+        </p:nvSpPr>
+        <p:spPr>
+          <a:xfrm>
+            <a:off x="3518237" y="2846623"/>
+            <a:ext cx="1621972" cy="369332"/>
+          </a:xfrm>
+          <a:prstGeom prst="rect">
+            <a:avLst/>
+          </a:prstGeom>
+          <a:noFill/>
+        </p:spPr>
+        <p:txBody>
+          <a:bodyPr wrap="square" rtlCol="0">
+            <a:spAutoFit/>
+          </a:bodyPr>
+          <a:lstStyle/>
+          <a:p>
+            <a:r>
+              <a:rPr lang="en-US" dirty="0" smtClean="0"/>
+              <a:t>0    t&lt;0</a:t>
+            </a:r>
+          </a:p>
+        </p:txBody>
+      </p:sp>
+      <p:sp>
+        <p:nvSpPr>
+          <p:cNvPr id="8" name="TextBox 7"/>
+          <p:cNvSpPr txBox="1"/>
+          <p:nvPr/>
+        </p:nvSpPr>
+        <p:spPr>
+          <a:xfrm>
+            <a:off x="424543" y="304800"/>
+            <a:ext cx="2764971" cy="369332"/>
+          </a:xfrm>
+          <a:prstGeom prst="rect">
+            <a:avLst/>
+          </a:prstGeom>
+          <a:noFill/>
+        </p:spPr>
+        <p:txBody>
+          <a:bodyPr wrap="square" rtlCol="0">
+            <a:spAutoFit/>
+          </a:bodyPr>
+          <a:lstStyle/>
+          <a:p>
+            <a:r>
+              <a:rPr lang="en-US" dirty="0" err="1" smtClean="0"/>
+              <a:t>salman</a:t>
+            </a:r>
+            <a:endParaRPr lang="en-US" dirty="0"/>
+          </a:p>
+        </p:txBody>
+      </p:sp>
+    </p:spTree>
+    <p:extLst>
+      <p:ext uri="{BB962C8B-B14F-4D97-AF65-F5344CB8AC3E}">
+        <p14:creationId xmlns:p14="http://schemas.microsoft.com/office/powerpoint/2010/main" val="2923573030"/>
+      </p:ext>
+    </p:extLst>
+  </p:cSld>
+  <p:clrMapOvr>
+    <a:masterClrMapping/>
+  </p:clrMapOvr>
+  <p:transition>
+    <p:wipe/>
+  </p:transition>
+</p:sld>
+</file>
+
+<file path=ppt/slides/slide9.xml><?xml version="1.0" encoding="utf-8"?>
 <p:sld xmlns:a="http://schemas.openxmlformats.org/drawingml/2006/main" xmlns:r="http://schemas.openxmlformats.org/officeDocument/2006/relationships" xmlns:p="http://schemas.openxmlformats.org/presentationml/2006/main">
   <p:cSld>
     <p:spTree>
@@ -25618,7 +28654,7 @@
                       <m:naryPr>
                         <m:ctrlPr>
                           <a:rPr lang="en-US" sz="3200" i="1">
-                            <a:latin typeface="Cambria Math" panose="02040503050406030204" pitchFamily="18" charset="0"/>
+                            <a:latin typeface="Cambria Math"/>
                             <a:ea typeface="Cambria Math" panose="02040503050406030204" pitchFamily="18" charset="0"/>
                           </a:rPr>
                         </m:ctrlPr>
@@ -25628,7 +28664,7 @@
                           <m:sSupPr>
                             <m:ctrlPr>
                               <a:rPr lang="en-US" sz="3200" i="1">
-                                <a:latin typeface="Cambria Math" panose="02040503050406030204" pitchFamily="18" charset="0"/>
+                                <a:latin typeface="Cambria Math"/>
                                 <a:ea typeface="Cambria Math" panose="02040503050406030204" pitchFamily="18" charset="0"/>
                               </a:rPr>
                             </m:ctrlPr>
@@ -25740,7 +28776,7 @@
                           <m:sSupPr>
                             <m:ctrlPr>
                               <a:rPr lang="en-US" sz="3200" i="1">
-                                <a:latin typeface="Cambria Math" panose="02040503050406030204" pitchFamily="18" charset="0"/>
+                                <a:latin typeface="Cambria Math"/>
                                 <a:ea typeface="Cambria Math" panose="02040503050406030204" pitchFamily="18" charset="0"/>
                               </a:rPr>
                             </m:ctrlPr>
@@ -25791,7 +28827,7 @@
                       <m:naryPr>
                         <m:ctrlPr>
                           <a:rPr lang="en-US" sz="3200" i="1" smtClean="0">
-                            <a:latin typeface="Cambria Math" panose="02040503050406030204" pitchFamily="18" charset="0"/>
+                            <a:latin typeface="Cambria Math"/>
                             <a:ea typeface="Cambria Math" panose="02040503050406030204" pitchFamily="18" charset="0"/>
                           </a:rPr>
                         </m:ctrlPr>
@@ -25801,7 +28837,7 @@
                           <m:sSupPr>
                             <m:ctrlPr>
                               <a:rPr lang="en-US" sz="3200" i="1">
-                                <a:latin typeface="Cambria Math" panose="02040503050406030204" pitchFamily="18" charset="0"/>
+                                <a:latin typeface="Cambria Math"/>
                                 <a:ea typeface="Cambria Math" panose="02040503050406030204" pitchFamily="18" charset="0"/>
                               </a:rPr>
                             </m:ctrlPr>
@@ -25885,7 +28921,7 @@
                           <m:sSupPr>
                             <m:ctrlPr>
                               <a:rPr lang="en-US" sz="3200" i="1">
-                                <a:latin typeface="Cambria Math" panose="02040503050406030204" pitchFamily="18" charset="0"/>
+                                <a:latin typeface="Cambria Math"/>
                                 <a:ea typeface="Cambria Math" panose="02040503050406030204" pitchFamily="18" charset="0"/>
                               </a:rPr>
                             </m:ctrlPr>
@@ -26024,7 +29060,7 @@
                       <m:naryPr>
                         <m:ctrlPr>
                           <a:rPr lang="en-US" sz="3600" i="1">
-                            <a:latin typeface="Cambria Math" panose="02040503050406030204" pitchFamily="18" charset="0"/>
+                            <a:latin typeface="Cambria Math"/>
                             <a:ea typeface="Cambria Math" panose="02040503050406030204" pitchFamily="18" charset="0"/>
                           </a:rPr>
                         </m:ctrlPr>
@@ -26034,7 +29070,7 @@
                           <m:sSupPr>
                             <m:ctrlPr>
                               <a:rPr lang="en-US" sz="3600" i="1">
-                                <a:latin typeface="Cambria Math" panose="02040503050406030204" pitchFamily="18" charset="0"/>
+                                <a:latin typeface="Cambria Math"/>
                                 <a:ea typeface="Cambria Math" panose="02040503050406030204" pitchFamily="18" charset="0"/>
                               </a:rPr>
                             </m:ctrlPr>
@@ -26073,7 +29109,7 @@
                           <m:sSupPr>
                             <m:ctrlPr>
                               <a:rPr lang="en-US" sz="3600" i="1">
-                                <a:latin typeface="Cambria Math" panose="02040503050406030204" pitchFamily="18" charset="0"/>
+                                <a:latin typeface="Cambria Math"/>
                                 <a:ea typeface="Cambria Math" panose="02040503050406030204" pitchFamily="18" charset="0"/>
                               </a:rPr>
                             </m:ctrlPr>
@@ -26162,7 +29198,7 @@
                             <a:solidFill>
                               <a:srgbClr val="C00000"/>
                             </a:solidFill>
-                            <a:latin typeface="Cambria Math" panose="02040503050406030204" pitchFamily="18" charset="0"/>
+                            <a:latin typeface="Cambria Math"/>
                             <a:ea typeface="Cambria Math" panose="02040503050406030204" pitchFamily="18" charset="0"/>
                           </a:rPr>
                         </m:ctrlPr>
@@ -26292,7 +29328,7 @@
             <a:r>
               <a:rPr lang="en-US" sz="4000" b="1" dirty="0">
                 <a:solidFill>
-                  <a:srgbClr val="0000CC"/>
+                  <a:srgbClr val="00B050"/>
                 </a:solidFill>
                 <a:latin typeface="Cambria" panose="02040503050406030204" pitchFamily="18" charset="0"/>
               </a:rPr>
@@ -26301,7 +29337,7 @@
             <a:r>
               <a:rPr lang="lv-LV" sz="4000" b="1" dirty="0">
                 <a:solidFill>
-                  <a:srgbClr val="0000CC"/>
+                  <a:srgbClr val="00B050"/>
                 </a:solidFill>
                 <a:latin typeface="Cambria" panose="02040503050406030204" pitchFamily="18" charset="0"/>
               </a:rPr>
@@ -26310,7 +29346,7 @@
             <a:r>
               <a:rPr lang="en-US" sz="4000" b="1" dirty="0">
                 <a:solidFill>
-                  <a:srgbClr val="0000CC"/>
+                  <a:srgbClr val="00B050"/>
                 </a:solidFill>
                 <a:latin typeface="Cambria" panose="02040503050406030204" pitchFamily="18" charset="0"/>
               </a:rPr>
@@ -26319,7 +29355,7 @@
             <a:r>
               <a:rPr lang="lv-LV" sz="4000" b="1" dirty="0">
                 <a:solidFill>
-                  <a:srgbClr val="0000CC"/>
+                  <a:srgbClr val="00B050"/>
                 </a:solidFill>
                 <a:latin typeface="Cambria" panose="02040503050406030204" pitchFamily="18" charset="0"/>
               </a:rPr>
@@ -26328,7 +29364,7 @@
             <a:r>
               <a:rPr lang="en-US" sz="4000" b="1" dirty="0">
                 <a:solidFill>
-                  <a:srgbClr val="0000CC"/>
+                  <a:srgbClr val="00B050"/>
                 </a:solidFill>
                 <a:latin typeface="Cambria" panose="02040503050406030204" pitchFamily="18" charset="0"/>
               </a:rPr>
@@ -26474,7 +29510,7 @@
                             <a:solidFill>
                               <a:srgbClr val="7030A0"/>
                             </a:solidFill>
-                            <a:latin typeface="Cambria Math" panose="02040503050406030204" pitchFamily="18" charset="0"/>
+                            <a:latin typeface="Cambria Math"/>
                           </a:rPr>
                         </m:ctrlPr>
                       </m:dPr>
@@ -26508,7 +29544,7 @@
                             <a:solidFill>
                               <a:srgbClr val="7030A0"/>
                             </a:solidFill>
-                            <a:latin typeface="Cambria Math" panose="02040503050406030204" pitchFamily="18" charset="0"/>
+                            <a:latin typeface="Cambria Math"/>
                           </a:rPr>
                         </m:ctrlPr>
                       </m:dPr>
@@ -26520,7 +29556,7 @@
                                 <a:solidFill>
                                   <a:srgbClr val="7030A0"/>
                                 </a:solidFill>
-                                <a:latin typeface="Cambria Math" panose="02040503050406030204" pitchFamily="18" charset="0"/>
+                                <a:latin typeface="Cambria Math"/>
                               </a:rPr>
                             </m:ctrlPr>
                           </m:eqArrPr>
@@ -26736,7 +29772,7 @@
                       <m:naryPr>
                         <m:ctrlPr>
                           <a:rPr lang="en-US" sz="2800" b="1" i="1">
-                            <a:latin typeface="Cambria Math" panose="02040503050406030204" pitchFamily="18" charset="0"/>
+                            <a:latin typeface="Cambria Math"/>
                           </a:rPr>
                         </m:ctrlPr>
                       </m:naryPr>
@@ -26745,7 +29781,7 @@
                           <m:sSupPr>
                             <m:ctrlPr>
                               <a:rPr lang="en-US" sz="2800" b="1" i="1">
-                                <a:latin typeface="Cambria Math" panose="02040503050406030204" pitchFamily="18" charset="0"/>
+                                <a:latin typeface="Cambria Math"/>
                               </a:rPr>
                             </m:ctrlPr>
                           </m:sSupPr>
@@ -26808,7 +29844,7 @@
                           <m:sSupPr>
                             <m:ctrlPr>
                               <a:rPr lang="en-US" sz="2800" b="1" i="1">
-                                <a:latin typeface="Cambria Math" panose="02040503050406030204" pitchFamily="18" charset="0"/>
+                                <a:latin typeface="Cambria Math"/>
                               </a:rPr>
                             </m:ctrlPr>
                           </m:sSupPr>
@@ -26865,7 +29901,7 @@
                       <m:sSupPr>
                         <m:ctrlPr>
                           <a:rPr lang="en-US" sz="2800" b="1" i="1">
-                            <a:latin typeface="Cambria Math" panose="02040503050406030204" pitchFamily="18" charset="0"/>
+                            <a:latin typeface="Cambria Math"/>
                           </a:rPr>
                         </m:ctrlPr>
                       </m:sSupPr>
@@ -26902,7 +29938,7 @@
                       <m:sSubPr>
                         <m:ctrlPr>
                           <a:rPr lang="en-US" sz="2800" b="1" i="1" smtClean="0">
-                            <a:latin typeface="Cambria Math" panose="02040503050406030204" pitchFamily="18" charset="0"/>
+                            <a:latin typeface="Cambria Math"/>
                           </a:rPr>
                         </m:ctrlPr>
                       </m:sSubPr>
@@ -27106,7 +30142,7 @@
             <a:fld id="{539F810C-9DAB-49B2-B45C-341744954A16}" type="slidenum">
               <a:rPr lang="en-GB" smtClean="0"/>
               <a:pPr/>
-              <a:t>8</a:t>
+              <a:t>9</a:t>
             </a:fld>
             <a:endParaRPr lang="en-GB"/>
           </a:p>
@@ -27125,211 +30161,6 @@
   <p:transition>
     <p:wipe/>
   </p:transition>
-</p:sld>
-</file>
-
-<file path=ppt/slides/slide9.xml><?xml version="1.0" encoding="utf-8"?>
-<p:sld xmlns:a="http://schemas.openxmlformats.org/drawingml/2006/main" xmlns:r="http://schemas.openxmlformats.org/officeDocument/2006/relationships" xmlns:p="http://schemas.openxmlformats.org/presentationml/2006/main">
-  <p:cSld>
-    <p:spTree>
-      <p:nvGrpSpPr>
-        <p:cNvPr id="1" name=""/>
-        <p:cNvGrpSpPr/>
-        <p:nvPr/>
-      </p:nvGrpSpPr>
-      <p:grpSpPr>
-        <a:xfrm>
-          <a:off x="0" y="0"/>
-          <a:ext cx="0" cy="0"/>
-          <a:chOff x="0" y="0"/>
-          <a:chExt cx="0" cy="0"/>
-        </a:xfrm>
-      </p:grpSpPr>
-      <p:sp>
-        <p:nvSpPr>
-          <p:cNvPr id="4" name="TextBox 3"/>
-          <p:cNvSpPr txBox="1"/>
-          <p:nvPr/>
-        </p:nvSpPr>
-        <p:spPr>
-          <a:xfrm>
-            <a:off x="967006" y="392132"/>
-            <a:ext cx="7805150" cy="707886"/>
-          </a:xfrm>
-          <a:prstGeom prst="rect">
-            <a:avLst/>
-          </a:prstGeom>
-          <a:noFill/>
-        </p:spPr>
-        <p:txBody>
-          <a:bodyPr wrap="none" rtlCol="0">
-            <a:spAutoFit/>
-          </a:bodyPr>
-          <a:lstStyle/>
-          <a:p>
-            <a:r>
-              <a:rPr lang="en-GB" sz="4000" b="1" dirty="0">
-                <a:solidFill>
-                  <a:srgbClr val="0000CC"/>
-                </a:solidFill>
-                <a:latin typeface="Cambria" panose="02040503050406030204" pitchFamily="18" charset="0"/>
-              </a:rPr>
-              <a:t>Properties of </a:t>
-            </a:r>
-            <a:r>
-              <a:rPr lang="lv-LV" sz="4000" b="1" dirty="0">
-                <a:solidFill>
-                  <a:srgbClr val="0000CC"/>
-                </a:solidFill>
-                <a:latin typeface="Cambria" panose="02040503050406030204" pitchFamily="18" charset="0"/>
-              </a:rPr>
-              <a:t>Laplace </a:t>
-            </a:r>
-            <a:r>
-              <a:rPr lang="en-GB" sz="4000" b="1" dirty="0">
-                <a:solidFill>
-                  <a:srgbClr val="0000CC"/>
-                </a:solidFill>
-                <a:latin typeface="Cambria" panose="02040503050406030204" pitchFamily="18" charset="0"/>
-              </a:rPr>
-              <a:t>T</a:t>
-            </a:r>
-            <a:r>
-              <a:rPr lang="lv-LV" sz="4000" b="1" dirty="0">
-                <a:solidFill>
-                  <a:srgbClr val="0000CC"/>
-                </a:solidFill>
-                <a:latin typeface="Cambria" panose="02040503050406030204" pitchFamily="18" charset="0"/>
-              </a:rPr>
-              <a:t>ransform</a:t>
-            </a:r>
-            <a:endParaRPr lang="en-US" sz="4000" b="1" dirty="0">
-              <a:solidFill>
-                <a:srgbClr val="0000CC"/>
-              </a:solidFill>
-              <a:latin typeface="Cambria" panose="02040503050406030204" pitchFamily="18" charset="0"/>
-            </a:endParaRPr>
-          </a:p>
-        </p:txBody>
-      </p:sp>
-      <p:sp>
-        <p:nvSpPr>
-          <p:cNvPr id="5" name="Slide Number Placeholder 4"/>
-          <p:cNvSpPr>
-            <a:spLocks noGrp="1"/>
-          </p:cNvSpPr>
-          <p:nvPr>
-            <p:ph type="sldNum" sz="quarter" idx="7"/>
-          </p:nvPr>
-        </p:nvSpPr>
-        <p:spPr/>
-        <p:txBody>
-          <a:bodyPr/>
-          <a:lstStyle/>
-          <a:p>
-            <a:fld id="{539F810C-9DAB-49B2-B45C-341744954A16}" type="slidenum">
-              <a:rPr lang="en-GB" smtClean="0"/>
-              <a:pPr/>
-              <a:t>9</a:t>
-            </a:fld>
-            <a:endParaRPr lang="en-GB"/>
-          </a:p>
-        </p:txBody>
-      </p:sp>
-      <p:pic>
-        <p:nvPicPr>
-          <p:cNvPr id="6" name="Picture 5"/>
-          <p:cNvPicPr>
-            <a:picLocks noChangeAspect="1"/>
-          </p:cNvPicPr>
-          <p:nvPr/>
-        </p:nvPicPr>
-        <p:blipFill rotWithShape="1">
-          <a:blip r:embed="rId2"/>
-          <a:srcRect b="46391"/>
-          <a:stretch/>
-        </p:blipFill>
-        <p:spPr>
-          <a:xfrm>
-            <a:off x="1056652" y="1244094"/>
-            <a:ext cx="5252708" cy="4918962"/>
-          </a:xfrm>
-          <a:prstGeom prst="rect">
-            <a:avLst/>
-          </a:prstGeom>
-        </p:spPr>
-      </p:pic>
-      <p:grpSp>
-        <p:nvGrpSpPr>
-          <p:cNvPr id="3" name="Group 2"/>
-          <p:cNvGrpSpPr/>
-          <p:nvPr/>
-        </p:nvGrpSpPr>
-        <p:grpSpPr>
-          <a:xfrm>
-            <a:off x="6303665" y="1244094"/>
-            <a:ext cx="4568551" cy="4614237"/>
-            <a:chOff x="2667946" y="2296517"/>
-            <a:chExt cx="6495605" cy="3699839"/>
-          </a:xfrm>
-        </p:grpSpPr>
-        <p:pic>
-          <p:nvPicPr>
-            <p:cNvPr id="2" name="Picture 1"/>
-            <p:cNvPicPr>
-              <a:picLocks noChangeAspect="1"/>
-            </p:cNvPicPr>
-            <p:nvPr/>
-          </p:nvPicPr>
-          <p:blipFill rotWithShape="1">
-            <a:blip r:embed="rId2"/>
-            <a:srcRect t="53011"/>
-            <a:stretch/>
-          </p:blipFill>
-          <p:spPr>
-            <a:xfrm>
-              <a:off x="2667946" y="2576148"/>
-              <a:ext cx="6495605" cy="3420208"/>
-            </a:xfrm>
-            <a:prstGeom prst="rect">
-              <a:avLst/>
-            </a:prstGeom>
-          </p:spPr>
-        </p:pic>
-        <p:pic>
-          <p:nvPicPr>
-            <p:cNvPr id="7" name="Picture 6"/>
-            <p:cNvPicPr>
-              <a:picLocks noChangeAspect="1"/>
-            </p:cNvPicPr>
-            <p:nvPr/>
-          </p:nvPicPr>
-          <p:blipFill rotWithShape="1">
-            <a:blip r:embed="rId2"/>
-            <a:srcRect b="96393"/>
-            <a:stretch/>
-          </p:blipFill>
-          <p:spPr>
-            <a:xfrm>
-              <a:off x="2667946" y="2296517"/>
-              <a:ext cx="6495605" cy="323591"/>
-            </a:xfrm>
-            <a:prstGeom prst="rect">
-              <a:avLst/>
-            </a:prstGeom>
-          </p:spPr>
-        </p:pic>
-      </p:grpSp>
-    </p:spTree>
-    <p:extLst>
-      <p:ext uri="{BB962C8B-B14F-4D97-AF65-F5344CB8AC3E}">
-        <p14:creationId xmlns:p14="http://schemas.microsoft.com/office/powerpoint/2010/main" val="427183864"/>
-      </p:ext>
-    </p:extLst>
-  </p:cSld>
-  <p:clrMapOvr>
-    <a:masterClrMapping/>
-  </p:clrMapOvr>
 </p:sld>
 </file>
 
@@ -27871,7 +30702,7 @@
   <a:extraClrSchemeLst/>
   <a:extLst>
     <a:ext uri="{05A4C25C-085E-4340-85A3-A5531E510DB2}">
-      <thm15:themeFamily xmlns:thm15="http://schemas.microsoft.com/office/thememl/2012/main" name="Office Theme" id="{62F939B6-93AF-4DB8-9C6B-D6C7DFDC589F}" vid="{4A3C46E8-61CC-4603-A589-7422A47A8E4A}"/>
+      <thm15:themeFamily xmlns:thm15="http://schemas.microsoft.com/office/thememl/2012/main" xmlns="" name="Office Theme" id="{62F939B6-93AF-4DB8-9C6B-D6C7DFDC589F}" vid="{4A3C46E8-61CC-4603-A589-7422A47A8E4A}"/>
     </a:ext>
   </a:extLst>
 </a:theme>

--- a/PP WORK/Instructor Version/Week 2/Week 2 lecture 2 LT.pptx
+++ b/PP WORK/Instructor Version/Week 2/Week 2 lecture 2 LT.pptx
@@ -3835,7 +3835,7 @@
         </p:nvSpPr>
         <p:spPr>
           <a:xfrm>
-            <a:off x="967006" y="392132"/>
+            <a:off x="1215571" y="272389"/>
             <a:ext cx="7805150" cy="707886"/>
           </a:xfrm>
           <a:prstGeom prst="rect">
@@ -3995,20 +3995,20 @@
               <p:nvPr>
                 <p:extLst>
                   <p:ext uri="{D42A27DB-BD31-4B8C-83A1-F6EECF244321}">
-                    <p14:modId xmlns:p14="http://schemas.microsoft.com/office/powerpoint/2010/main" val="2824767289"/>
+                    <p14:modId xmlns:p14="http://schemas.microsoft.com/office/powerpoint/2010/main" val="4119085229"/>
                   </p:ext>
                 </p:extLst>
               </p:nvPr>
             </p:nvGraphicFramePr>
             <p:xfrm>
               <a:off x="1215571" y="1244094"/>
-              <a:ext cx="3770086" cy="4310381"/>
+              <a:ext cx="3770086" cy="4648646"/>
             </p:xfrm>
             <a:graphic>
               <a:graphicData uri="http://schemas.openxmlformats.org/drawingml/2006/table">
                 <a:tbl>
                   <a:tblPr firstRow="1" bandRow="1">
-                    <a:tableStyleId>{5940675A-B579-460E-94D1-54222C63F5DA}</a:tableStyleId>
+                    <a:tableStyleId>{7E9639D4-E3E2-4D34-9284-5A2195B3D0D7}</a:tableStyleId>
                   </a:tblPr>
                   <a:tblGrid>
                     <a:gridCol w="1885043"/>
@@ -4052,6 +4052,7 @@
                         <a:bodyPr/>
                         <a:lstStyle/>
                         <a:p>
+                          <a:pPr algn="ctr"/>
                           <a:r>
                             <a:rPr lang="el-GR" dirty="0" smtClean="0"/>
                             <a:t>δ</a:t>
@@ -4070,6 +4071,7 @@
                         <a:bodyPr/>
                         <a:lstStyle/>
                         <a:p>
+                          <a:pPr algn="ctr"/>
                           <a:r>
                             <a:rPr lang="en-US" dirty="0" smtClean="0"/>
                             <a:t>1</a:t>
@@ -4086,6 +4088,7 @@
                         <a:bodyPr/>
                         <a:lstStyle/>
                         <a:p>
+                          <a:pPr algn="ctr"/>
                           <a:r>
                             <a:rPr lang="en-US" dirty="0" smtClean="0"/>
                             <a:t>u(t)</a:t>
@@ -4100,6 +4103,7 @@
                         <a:bodyPr/>
                         <a:lstStyle/>
                         <a:p>
+                          <a:pPr algn="ctr"/>
                           <a14:m>
                             <m:oMathPara xmlns:m="http://schemas.openxmlformats.org/officeDocument/2006/math">
                               <m:oMathParaPr>
@@ -4109,24 +4113,18 @@
                                 <m:f>
                                   <m:fPr>
                                     <m:ctrlPr>
-                                      <a:rPr lang="en-US" i="1" smtClean="0">
-                                        <a:latin typeface="Cambria Math"/>
-                                      </a:rPr>
+                                      <a:rPr lang="en-US" smtClean="0"/>
                                     </m:ctrlPr>
                                   </m:fPr>
                                   <m:num>
                                     <m:r>
-                                      <a:rPr lang="en-US" b="0" i="1" smtClean="0">
-                                        <a:latin typeface="Cambria Math"/>
-                                      </a:rPr>
+                                      <a:rPr lang="en-US" smtClean="0"/>
                                       <m:t>1</m:t>
                                     </m:r>
                                   </m:num>
                                   <m:den>
                                     <m:r>
-                                      <a:rPr lang="en-US" b="0" i="1" smtClean="0">
-                                        <a:latin typeface="Cambria Math"/>
-                                      </a:rPr>
+                                      <a:rPr lang="en-US" smtClean="0"/>
                                       <m:t>𝑠</m:t>
                                     </m:r>
                                   </m:den>
@@ -4146,6 +4144,7 @@
                         <a:bodyPr/>
                         <a:lstStyle/>
                         <a:p>
+                          <a:pPr algn="ctr"/>
                           <a14:m>
                             <m:oMathPara xmlns:m="http://schemas.openxmlformats.org/officeDocument/2006/math">
                               <m:oMathParaPr>
@@ -4155,56 +4154,40 @@
                                 <m:sSup>
                                   <m:sSupPr>
                                     <m:ctrlPr>
-                                      <a:rPr lang="en-US" i="1" smtClean="0">
-                                        <a:latin typeface="Cambria Math"/>
-                                      </a:rPr>
+                                      <a:rPr lang="en-US" smtClean="0"/>
                                     </m:ctrlPr>
                                   </m:sSupPr>
                                   <m:e>
                                     <m:r>
-                                      <a:rPr lang="en-US" b="0" i="1" smtClean="0">
-                                        <a:latin typeface="Cambria Math"/>
-                                      </a:rPr>
+                                      <a:rPr lang="en-US" smtClean="0"/>
                                       <m:t>𝑒</m:t>
                                     </m:r>
                                   </m:e>
                                   <m:sup>
                                     <m:r>
-                                      <a:rPr lang="en-US" b="0" i="1" smtClean="0">
-                                        <a:latin typeface="Cambria Math"/>
-                                      </a:rPr>
+                                      <a:rPr lang="en-US" smtClean="0"/>
                                       <m:t>−</m:t>
                                     </m:r>
                                     <m:r>
-                                      <a:rPr lang="en-US" b="0" i="1" smtClean="0">
-                                        <a:latin typeface="Cambria Math"/>
-                                      </a:rPr>
+                                      <a:rPr lang="en-US" smtClean="0"/>
                                       <m:t>𝑎𝑡</m:t>
                                     </m:r>
                                   </m:sup>
                                 </m:sSup>
                                 <m:r>
-                                  <a:rPr lang="en-US" b="0" i="1" smtClean="0">
-                                    <a:latin typeface="Cambria Math"/>
-                                  </a:rPr>
+                                  <a:rPr lang="en-US" smtClean="0"/>
                                   <m:t>𝑢</m:t>
                                 </m:r>
                                 <m:r>
-                                  <a:rPr lang="en-US" b="0" i="1" smtClean="0">
-                                    <a:latin typeface="Cambria Math"/>
-                                  </a:rPr>
+                                  <a:rPr lang="en-US" smtClean="0"/>
                                   <m:t>(</m:t>
                                 </m:r>
                                 <m:r>
-                                  <a:rPr lang="en-US" b="0" i="1" smtClean="0">
-                                    <a:latin typeface="Cambria Math"/>
-                                  </a:rPr>
+                                  <a:rPr lang="en-US" smtClean="0"/>
                                   <m:t>𝑡</m:t>
                                 </m:r>
                                 <m:r>
-                                  <a:rPr lang="en-US" b="0" i="1" smtClean="0">
-                                    <a:latin typeface="Cambria Math"/>
-                                  </a:rPr>
+                                  <a:rPr lang="en-US" smtClean="0"/>
                                   <m:t>)</m:t>
                                 </m:r>
                               </m:oMath>
@@ -4220,6 +4203,7 @@
                         <a:bodyPr/>
                         <a:lstStyle/>
                         <a:p>
+                          <a:pPr algn="ctr"/>
                           <a14:m>
                             <m:oMathPara xmlns:m="http://schemas.openxmlformats.org/officeDocument/2006/math">
                               <m:oMathParaPr>
@@ -4229,36 +4213,26 @@
                                 <m:f>
                                   <m:fPr>
                                     <m:ctrlPr>
-                                      <a:rPr lang="en-US" i="1" smtClean="0">
-                                        <a:latin typeface="Cambria Math"/>
-                                      </a:rPr>
+                                      <a:rPr lang="en-US" smtClean="0"/>
                                     </m:ctrlPr>
                                   </m:fPr>
                                   <m:num>
                                     <m:r>
-                                      <a:rPr lang="en-US" b="0" i="1" smtClean="0">
-                                        <a:latin typeface="Cambria Math"/>
-                                      </a:rPr>
+                                      <a:rPr lang="en-US" smtClean="0"/>
                                       <m:t>1</m:t>
                                     </m:r>
                                   </m:num>
                                   <m:den>
                                     <m:r>
-                                      <a:rPr lang="en-US" b="0" i="1" smtClean="0">
-                                        <a:latin typeface="Cambria Math"/>
-                                      </a:rPr>
+                                      <a:rPr lang="en-US" smtClean="0"/>
                                       <m:t>𝑠</m:t>
                                     </m:r>
                                     <m:r>
-                                      <a:rPr lang="en-US" b="0" i="1" smtClean="0">
-                                        <a:latin typeface="Cambria Math"/>
-                                      </a:rPr>
+                                      <a:rPr lang="en-US" smtClean="0"/>
                                       <m:t>+</m:t>
                                     </m:r>
                                     <m:r>
-                                      <a:rPr lang="en-US" b="0" i="1" smtClean="0">
-                                        <a:latin typeface="Cambria Math"/>
-                                      </a:rPr>
+                                      <a:rPr lang="en-US" smtClean="0"/>
                                       <m:t>𝑎</m:t>
                                     </m:r>
                                   </m:den>
@@ -4278,6 +4252,7 @@
                         <a:bodyPr/>
                         <a:lstStyle/>
                         <a:p>
+                          <a:pPr algn="ctr"/>
                           <a:r>
                             <a:rPr lang="en-US" dirty="0" smtClean="0"/>
                             <a:t>r(t)=</a:t>
@@ -4300,6 +4275,7 @@
                         <a:bodyPr/>
                         <a:lstStyle/>
                         <a:p>
+                          <a:pPr algn="ctr"/>
                           <a14:m>
                             <m:oMathPara xmlns:m="http://schemas.openxmlformats.org/officeDocument/2006/math">
                               <m:oMathParaPr>
@@ -4309,16 +4285,12 @@
                                 <m:f>
                                   <m:fPr>
                                     <m:ctrlPr>
-                                      <a:rPr lang="en-US" i="1" smtClean="0">
-                                        <a:latin typeface="Cambria Math"/>
-                                      </a:rPr>
+                                      <a:rPr lang="en-US" smtClean="0"/>
                                     </m:ctrlPr>
                                   </m:fPr>
                                   <m:num>
                                     <m:r>
-                                      <a:rPr lang="en-US" b="0" i="1" smtClean="0">
-                                        <a:latin typeface="Cambria Math"/>
-                                      </a:rPr>
+                                      <a:rPr lang="en-US" smtClean="0"/>
                                       <m:t>1</m:t>
                                     </m:r>
                                   </m:num>
@@ -4326,24 +4298,18 @@
                                     <m:sSup>
                                       <m:sSupPr>
                                         <m:ctrlPr>
-                                          <a:rPr lang="en-US" i="1" smtClean="0">
-                                            <a:latin typeface="Cambria Math"/>
-                                          </a:rPr>
+                                          <a:rPr lang="en-US" smtClean="0"/>
                                         </m:ctrlPr>
                                       </m:sSupPr>
                                       <m:e>
                                         <m:r>
-                                          <a:rPr lang="en-US" b="0" i="1" smtClean="0">
-                                            <a:latin typeface="Cambria Math"/>
-                                          </a:rPr>
+                                          <a:rPr lang="en-US" smtClean="0"/>
                                           <m:t>𝑠</m:t>
                                         </m:r>
                                       </m:e>
                                       <m:sup>
                                         <m:r>
-                                          <a:rPr lang="en-US" b="0" i="1" smtClean="0">
-                                            <a:latin typeface="Cambria Math"/>
-                                          </a:rPr>
+                                          <a:rPr lang="en-US" smtClean="0"/>
                                           <m:t>2</m:t>
                                         </m:r>
                                       </m:sup>
@@ -4365,29 +4331,24 @@
                         <a:bodyPr/>
                         <a:lstStyle/>
                         <a:p>
+                          <a:pPr algn="ctr"/>
                           <a14:m>
                             <m:oMath xmlns:m="http://schemas.openxmlformats.org/officeDocument/2006/math">
                               <m:sSup>
                                 <m:sSupPr>
                                   <m:ctrlPr>
-                                    <a:rPr lang="en-US" i="1" smtClean="0">
-                                      <a:latin typeface="Cambria Math"/>
-                                    </a:rPr>
+                                    <a:rPr lang="en-US" smtClean="0"/>
                                   </m:ctrlPr>
                                 </m:sSupPr>
                                 <m:e>
                                   <m:r>
-                                    <a:rPr lang="en-US" b="0" i="1" smtClean="0">
-                                      <a:latin typeface="Cambria Math"/>
-                                    </a:rPr>
+                                    <a:rPr lang="en-US" smtClean="0"/>
                                     <m:t>𝑡</m:t>
                                   </m:r>
                                 </m:e>
                                 <m:sup>
                                   <m:r>
-                                    <a:rPr lang="en-US" b="0" i="1" smtClean="0">
-                                      <a:latin typeface="Cambria Math"/>
-                                    </a:rPr>
+                                    <a:rPr lang="en-US" smtClean="0"/>
                                     <m:t>2</m:t>
                                   </m:r>
                                 </m:sup>
@@ -4408,6 +4369,7 @@
                         <a:bodyPr/>
                         <a:lstStyle/>
                         <a:p>
+                          <a:pPr algn="ctr"/>
                           <a14:m>
                             <m:oMathPara xmlns:m="http://schemas.openxmlformats.org/officeDocument/2006/math">
                               <m:oMathParaPr>
@@ -4417,22 +4379,16 @@
                                 <m:f>
                                   <m:fPr>
                                     <m:ctrlPr>
-                                      <a:rPr lang="en-US" i="1" smtClean="0">
-                                        <a:latin typeface="Cambria Math"/>
-                                      </a:rPr>
+                                      <a:rPr lang="en-US" smtClean="0"/>
                                     </m:ctrlPr>
                                   </m:fPr>
                                   <m:num>
                                     <m:r>
-                                      <a:rPr lang="en-US" b="0" i="1" smtClean="0">
-                                        <a:latin typeface="Cambria Math"/>
-                                      </a:rPr>
+                                      <a:rPr lang="en-US" smtClean="0"/>
                                       <m:t>𝑛</m:t>
                                     </m:r>
                                     <m:r>
-                                      <a:rPr lang="en-US" b="0" i="1" smtClean="0">
-                                        <a:latin typeface="Cambria Math"/>
-                                      </a:rPr>
+                                      <a:rPr lang="en-US" smtClean="0"/>
                                       <m:t>!</m:t>
                                     </m:r>
                                   </m:num>
@@ -4440,30 +4396,22 @@
                                     <m:sSup>
                                       <m:sSupPr>
                                         <m:ctrlPr>
-                                          <a:rPr lang="en-US" i="1" smtClean="0">
-                                            <a:latin typeface="Cambria Math"/>
-                                          </a:rPr>
+                                          <a:rPr lang="en-US" smtClean="0"/>
                                         </m:ctrlPr>
                                       </m:sSupPr>
                                       <m:e>
                                         <m:r>
-                                          <a:rPr lang="en-US" b="0" i="1" smtClean="0">
-                                            <a:latin typeface="Cambria Math"/>
-                                          </a:rPr>
+                                          <a:rPr lang="en-US" smtClean="0"/>
                                           <m:t>𝑠</m:t>
                                         </m:r>
                                       </m:e>
                                       <m:sup>
                                         <m:r>
-                                          <a:rPr lang="en-US" b="0" i="1" smtClean="0">
-                                            <a:latin typeface="Cambria Math"/>
-                                          </a:rPr>
+                                          <a:rPr lang="en-US" smtClean="0"/>
                                           <m:t>𝑛</m:t>
                                         </m:r>
                                         <m:r>
-                                          <a:rPr lang="en-US" b="0" i="1" smtClean="0">
-                                            <a:latin typeface="Cambria Math"/>
-                                          </a:rPr>
+                                          <a:rPr lang="en-US" smtClean="0"/>
                                           <m:t>+1</m:t>
                                         </m:r>
                                       </m:sup>
@@ -4485,6 +4433,7 @@
                         <a:bodyPr/>
                         <a:lstStyle/>
                         <a:p>
+                          <a:pPr algn="ctr"/>
                           <a:r>
                             <a:rPr lang="en-US" dirty="0" smtClean="0"/>
                             <a:t>Sin(</a:t>
@@ -4507,7 +4456,7 @@
                         <a:bodyPr/>
                         <a:lstStyle/>
                         <a:p>
-                          <a:pPr marL="0" marR="0" indent="0" defTabSz="914400" eaLnBrk="1" fontAlgn="auto" latinLnBrk="0" hangingPunct="1">
+                          <a:pPr marL="0" marR="0" indent="0" algn="ctr" defTabSz="914400" eaLnBrk="1" fontAlgn="auto" latinLnBrk="0" hangingPunct="1">
                             <a:lnSpc>
                               <a:spcPct val="100000"/>
                             </a:lnSpc>
@@ -4533,9 +4482,7 @@
                                 <m:f>
                                   <m:fPr>
                                     <m:ctrlPr>
-                                      <a:rPr lang="en-US" i="1" smtClean="0">
-                                        <a:latin typeface="Cambria Math"/>
-                                      </a:rPr>
+                                      <a:rPr lang="en-US" smtClean="0"/>
                                     </m:ctrlPr>
                                   </m:fPr>
                                   <m:num>
@@ -4551,24 +4498,18 @@
                                     <m:sSup>
                                       <m:sSupPr>
                                         <m:ctrlPr>
-                                          <a:rPr lang="en-US" i="1" smtClean="0">
-                                            <a:latin typeface="Cambria Math"/>
-                                          </a:rPr>
+                                          <a:rPr lang="en-US" smtClean="0"/>
                                         </m:ctrlPr>
                                       </m:sSupPr>
                                       <m:e>
                                         <m:r>
-                                          <a:rPr lang="en-US" b="0" i="1" smtClean="0">
-                                            <a:latin typeface="Cambria Math"/>
-                                          </a:rPr>
+                                          <a:rPr lang="en-US" smtClean="0"/>
                                           <m:t>𝑠</m:t>
                                         </m:r>
                                       </m:e>
                                       <m:sup>
                                         <m:r>
-                                          <a:rPr lang="en-US" b="0" i="1" smtClean="0">
-                                            <a:latin typeface="Cambria Math"/>
-                                          </a:rPr>
+                                          <a:rPr lang="en-US" smtClean="0"/>
                                           <m:t>2</m:t>
                                         </m:r>
                                       </m:sup>
@@ -4576,9 +4517,7 @@
                                     <m:sSup>
                                       <m:sSupPr>
                                         <m:ctrlPr>
-                                          <a:rPr lang="en-US" i="1" smtClean="0">
-                                            <a:latin typeface="Cambria Math"/>
-                                          </a:rPr>
+                                          <a:rPr lang="en-US" smtClean="0"/>
                                         </m:ctrlPr>
                                       </m:sSupPr>
                                       <m:e>
@@ -4586,9 +4525,7 @@
                                           <m:rPr>
                                             <m:nor/>
                                           </m:rPr>
-                                          <a:rPr lang="en-US" b="0" i="0" smtClean="0">
-                                            <a:latin typeface="Cambria Math"/>
-                                          </a:rPr>
+                                          <a:rPr lang="en-US" smtClean="0"/>
                                           <m:t>+</m:t>
                                         </m:r>
                                         <m:r>
@@ -4601,9 +4538,7 @@
                                       </m:e>
                                       <m:sup>
                                         <m:r>
-                                          <a:rPr lang="en-US" b="0" i="1" smtClean="0">
-                                            <a:latin typeface="Cambria Math"/>
-                                          </a:rPr>
+                                          <a:rPr lang="en-US" smtClean="0"/>
                                           <m:t>2</m:t>
                                         </m:r>
                                       </m:sup>
@@ -4625,7 +4560,7 @@
                         <a:bodyPr/>
                         <a:lstStyle/>
                         <a:p>
-                          <a:pPr marL="0" marR="0" indent="0" defTabSz="914400" eaLnBrk="1" fontAlgn="auto" latinLnBrk="0" hangingPunct="1">
+                          <a:pPr marL="0" marR="0" indent="0" algn="ctr" defTabSz="914400" eaLnBrk="1" fontAlgn="auto" latinLnBrk="0" hangingPunct="1">
                             <a:lnSpc>
                               <a:spcPct val="100000"/>
                             </a:lnSpc>
@@ -4643,7 +4578,7 @@
                             <a:defRPr/>
                           </a:pPr>
                           <a:r>
-                            <a:rPr lang="en-US" smtClean="0"/>
+                            <a:rPr lang="en-US" dirty="0" smtClean="0"/>
                             <a:t>cos(</a:t>
                           </a:r>
                           <a:r>
@@ -4663,6 +4598,7 @@
                         <a:bodyPr/>
                         <a:lstStyle/>
                         <a:p>
+                          <a:pPr algn="ctr"/>
                           <a14:m>
                             <m:oMathPara xmlns:m="http://schemas.openxmlformats.org/officeDocument/2006/math">
                               <m:oMathParaPr>
@@ -4672,9 +4608,7 @@
                                 <m:f>
                                   <m:fPr>
                                     <m:ctrlPr>
-                                      <a:rPr lang="en-US" i="1" smtClean="0">
-                                        <a:latin typeface="Cambria Math"/>
-                                      </a:rPr>
+                                      <a:rPr lang="en-US" smtClean="0"/>
                                     </m:ctrlPr>
                                   </m:fPr>
                                   <m:num>
@@ -4682,9 +4616,7 @@
                                       <m:rPr>
                                         <m:nor/>
                                       </m:rPr>
-                                      <a:rPr lang="en-US" b="0" i="0" smtClean="0">
-                                        <a:latin typeface="Cambria Math"/>
-                                      </a:rPr>
+                                      <a:rPr lang="en-US" smtClean="0"/>
                                       <m:t>s</m:t>
                                     </m:r>
                                   </m:num>
@@ -4692,24 +4624,18 @@
                                     <m:sSup>
                                       <m:sSupPr>
                                         <m:ctrlPr>
-                                          <a:rPr lang="en-US" i="1" smtClean="0">
-                                            <a:latin typeface="Cambria Math"/>
-                                          </a:rPr>
+                                          <a:rPr lang="en-US" smtClean="0"/>
                                         </m:ctrlPr>
                                       </m:sSupPr>
                                       <m:e>
                                         <m:r>
-                                          <a:rPr lang="en-US" b="0" i="1" smtClean="0">
-                                            <a:latin typeface="Cambria Math"/>
-                                          </a:rPr>
+                                          <a:rPr lang="en-US" smtClean="0"/>
                                           <m:t>𝑠</m:t>
                                         </m:r>
                                       </m:e>
                                       <m:sup>
                                         <m:r>
-                                          <a:rPr lang="en-US" b="0" i="1" smtClean="0">
-                                            <a:latin typeface="Cambria Math"/>
-                                          </a:rPr>
+                                          <a:rPr lang="en-US" smtClean="0"/>
                                           <m:t>2</m:t>
                                         </m:r>
                                       </m:sup>
@@ -4717,9 +4643,7 @@
                                     <m:sSup>
                                       <m:sSupPr>
                                         <m:ctrlPr>
-                                          <a:rPr lang="en-US" i="1" smtClean="0">
-                                            <a:latin typeface="Cambria Math"/>
-                                          </a:rPr>
+                                          <a:rPr lang="en-US" smtClean="0"/>
                                         </m:ctrlPr>
                                       </m:sSupPr>
                                       <m:e>
@@ -4727,9 +4651,7 @@
                                           <m:rPr>
                                             <m:nor/>
                                           </m:rPr>
-                                          <a:rPr lang="en-US" b="0" i="0" smtClean="0">
-                                            <a:latin typeface="Cambria Math"/>
-                                          </a:rPr>
+                                          <a:rPr lang="en-US" smtClean="0"/>
                                           <m:t>+</m:t>
                                         </m:r>
                                         <m:r>
@@ -4742,9 +4664,7 @@
                                       </m:e>
                                       <m:sup>
                                         <m:r>
-                                          <a:rPr lang="en-US" b="0" i="1" smtClean="0">
-                                            <a:latin typeface="Cambria Math"/>
-                                          </a:rPr>
+                                          <a:rPr lang="en-US" smtClean="0"/>
                                           <m:t>2</m:t>
                                         </m:r>
                                       </m:sup>
@@ -4755,6 +4675,226 @@
                             </m:oMathPara>
                           </a14:m>
                           <a:endParaRPr lang="en-US" dirty="0"/>
+                        </a:p>
+                      </a:txBody>
+                      <a:tcPr/>
+                    </a:tc>
+                  </a:tr>
+                  <a:tr h="280064">
+                    <a:tc>
+                      <a:txBody>
+                        <a:bodyPr/>
+                        <a:lstStyle/>
+                        <a:p>
+                          <a:pPr marL="0" marR="0" indent="0" algn="ctr" defTabSz="914400" eaLnBrk="1" fontAlgn="auto" latinLnBrk="0" hangingPunct="1">
+                            <a:lnSpc>
+                              <a:spcPct val="100000"/>
+                            </a:lnSpc>
+                            <a:spcBef>
+                              <a:spcPts val="0"/>
+                            </a:spcBef>
+                            <a:spcAft>
+                              <a:spcPts val="0"/>
+                            </a:spcAft>
+                            <a:buClrTx/>
+                            <a:buSzTx/>
+                            <a:buFontTx/>
+                            <a:buNone/>
+                            <a:tabLst/>
+                            <a:defRPr/>
+                          </a:pPr>
+                          <a:r>
+                            <a:rPr lang="pt-BR" dirty="0" smtClean="0"/>
+                            <a:t>a</a:t>
+                          </a:r>
+                          <a14:m>
+                            <m:oMath xmlns:m="http://schemas.openxmlformats.org/officeDocument/2006/math">
+                              <m:sSub>
+                                <m:sSubPr>
+                                  <m:ctrlPr>
+                                    <a:rPr lang="pt-BR" i="1" smtClean="0">
+                                      <a:latin typeface="Cambria Math"/>
+                                    </a:rPr>
+                                  </m:ctrlPr>
+                                </m:sSubPr>
+                                <m:e>
+                                  <m:r>
+                                    <a:rPr lang="en-US" b="0" i="1" smtClean="0">
+                                      <a:latin typeface="Cambria Math"/>
+                                    </a:rPr>
+                                    <m:t>𝑓</m:t>
+                                  </m:r>
+                                </m:e>
+                                <m:sub>
+                                  <m:r>
+                                    <a:rPr lang="en-US" b="0" i="1" smtClean="0">
+                                      <a:latin typeface="Cambria Math"/>
+                                    </a:rPr>
+                                    <m:t>1</m:t>
+                                  </m:r>
+                                </m:sub>
+                              </m:sSub>
+                            </m:oMath>
+                          </a14:m>
+                          <a:r>
+                            <a:rPr lang="en-US" dirty="0" smtClean="0"/>
+                            <a:t>(t)+</a:t>
+                          </a:r>
+                          <a:r>
+                            <a:rPr lang="pt-BR" dirty="0" smtClean="0"/>
+                            <a:t>b</a:t>
+                          </a:r>
+                          <a14:m>
+                            <m:oMath xmlns:m="http://schemas.openxmlformats.org/officeDocument/2006/math">
+                              <m:sSub>
+                                <m:sSubPr>
+                                  <m:ctrlPr>
+                                    <a:rPr lang="pt-BR" i="1" smtClean="0">
+                                      <a:latin typeface="Cambria Math"/>
+                                    </a:rPr>
+                                  </m:ctrlPr>
+                                </m:sSubPr>
+                                <m:e>
+                                  <m:r>
+                                    <a:rPr lang="en-US" b="0" i="1" smtClean="0">
+                                      <a:latin typeface="Cambria Math"/>
+                                    </a:rPr>
+                                    <m:t>𝑓</m:t>
+                                  </m:r>
+                                </m:e>
+                                <m:sub>
+                                  <m:r>
+                                    <a:rPr lang="en-US" b="0" i="1" smtClean="0">
+                                      <a:latin typeface="Cambria Math"/>
+                                    </a:rPr>
+                                    <m:t>2</m:t>
+                                  </m:r>
+                                </m:sub>
+                              </m:sSub>
+                            </m:oMath>
+                          </a14:m>
+                          <a:r>
+                            <a:rPr lang="en-US" dirty="0" smtClean="0"/>
+                            <a:t>(t</a:t>
+                          </a:r>
+                          <a:r>
+                            <a:rPr lang="en-US" dirty="0" smtClean="0"/>
+                            <a:t>)</a:t>
+                          </a:r>
+                          <a:endParaRPr lang="en-US" dirty="0" smtClean="0"/>
+                        </a:p>
+                      </a:txBody>
+                      <a:tcPr/>
+                    </a:tc>
+                    <a:tc>
+                      <a:txBody>
+                        <a:bodyPr/>
+                        <a:lstStyle/>
+                        <a:p>
+                          <a:pPr marL="0" marR="0" indent="0" algn="ctr" defTabSz="914400" eaLnBrk="1" fontAlgn="auto" latinLnBrk="0" hangingPunct="1">
+                            <a:lnSpc>
+                              <a:spcPct val="100000"/>
+                            </a:lnSpc>
+                            <a:spcBef>
+                              <a:spcPts val="0"/>
+                            </a:spcBef>
+                            <a:spcAft>
+                              <a:spcPts val="0"/>
+                            </a:spcAft>
+                            <a:buClrTx/>
+                            <a:buSzTx/>
+                            <a:buFontTx/>
+                            <a:buNone/>
+                            <a:tabLst/>
+                            <a:defRPr/>
+                          </a:pPr>
+                          <a:r>
+                            <a:rPr lang="pt-BR" dirty="0" smtClean="0"/>
+                            <a:t>a</a:t>
+                          </a:r>
+                          <a14:m>
+                            <m:oMath xmlns:m="http://schemas.openxmlformats.org/officeDocument/2006/math">
+                              <m:sSub>
+                                <m:sSubPr>
+                                  <m:ctrlPr>
+                                    <a:rPr lang="pt-BR" i="1" smtClean="0">
+                                      <a:latin typeface="Cambria Math"/>
+                                    </a:rPr>
+                                  </m:ctrlPr>
+                                </m:sSubPr>
+                                <m:e>
+                                  <m:r>
+                                    <a:rPr lang="en-US" b="0" i="1" smtClean="0">
+                                      <a:latin typeface="Cambria Math"/>
+                                    </a:rPr>
+                                    <m:t>𝑓</m:t>
+                                  </m:r>
+                                </m:e>
+                                <m:sub>
+                                  <m:r>
+                                    <a:rPr lang="en-US" b="0" i="1" smtClean="0">
+                                      <a:latin typeface="Cambria Math"/>
+                                    </a:rPr>
+                                    <m:t>1</m:t>
+                                  </m:r>
+                                </m:sub>
+                              </m:sSub>
+                            </m:oMath>
+                          </a14:m>
+                          <a:r>
+                            <a:rPr lang="en-US" dirty="0" smtClean="0"/>
+                            <a:t>(</a:t>
+                          </a:r>
+                          <a:r>
+                            <a:rPr lang="en-US" dirty="0" smtClean="0"/>
+                            <a:t>s</a:t>
+                          </a:r>
+                          <a:r>
+                            <a:rPr lang="en-US" dirty="0" smtClean="0"/>
+                            <a:t>)+</a:t>
+                          </a:r>
+                          <a:r>
+                            <a:rPr lang="pt-BR" dirty="0" smtClean="0"/>
+                            <a:t>b</a:t>
+                          </a:r>
+                          <a14:m>
+                            <m:oMath xmlns:m="http://schemas.openxmlformats.org/officeDocument/2006/math">
+                              <m:sSub>
+                                <m:sSubPr>
+                                  <m:ctrlPr>
+                                    <a:rPr lang="pt-BR" i="1" smtClean="0">
+                                      <a:latin typeface="Cambria Math"/>
+                                    </a:rPr>
+                                  </m:ctrlPr>
+                                </m:sSubPr>
+                                <m:e>
+                                  <m:r>
+                                    <a:rPr lang="en-US" b="0" i="1" smtClean="0">
+                                      <a:latin typeface="Cambria Math"/>
+                                    </a:rPr>
+                                    <m:t>𝑓</m:t>
+                                  </m:r>
+                                </m:e>
+                                <m:sub>
+                                  <m:r>
+                                    <a:rPr lang="en-US" b="0" i="1" smtClean="0">
+                                      <a:latin typeface="Cambria Math"/>
+                                    </a:rPr>
+                                    <m:t>2</m:t>
+                                  </m:r>
+                                </m:sub>
+                              </m:sSub>
+                            </m:oMath>
+                          </a14:m>
+                          <a:r>
+                            <a:rPr lang="en-US" dirty="0" smtClean="0"/>
+                            <a:t>(</a:t>
+                          </a:r>
+                          <a:r>
+                            <a:rPr lang="en-US" dirty="0" smtClean="0"/>
+                            <a:t>s)</a:t>
+                          </a:r>
+                          <a:endParaRPr lang="en-US" dirty="0" smtClean="0"/>
                         </a:p>
                       </a:txBody>
                       <a:tcPr/>
@@ -4775,20 +4915,20 @@
               <p:nvPr>
                 <p:extLst>
                   <p:ext uri="{D42A27DB-BD31-4B8C-83A1-F6EECF244321}">
-                    <p14:modId xmlns:p14="http://schemas.microsoft.com/office/powerpoint/2010/main" val="2824767289"/>
+                    <p14:modId xmlns:p14="http://schemas.microsoft.com/office/powerpoint/2010/main" val="4119085229"/>
                   </p:ext>
                 </p:extLst>
               </p:nvPr>
             </p:nvGraphicFramePr>
             <p:xfrm>
               <a:off x="1215571" y="1244094"/>
-              <a:ext cx="3770086" cy="4310381"/>
+              <a:ext cx="3770086" cy="4648646"/>
             </p:xfrm>
             <a:graphic>
               <a:graphicData uri="http://schemas.openxmlformats.org/drawingml/2006/table">
                 <a:tbl>
                   <a:tblPr firstRow="1" bandRow="1">
-                    <a:tableStyleId>{5940675A-B579-460E-94D1-54222C63F5DA}</a:tableStyleId>
+                    <a:tableStyleId>{7E9639D4-E3E2-4D34-9284-5A2195B3D0D7}</a:tableStyleId>
                   </a:tblPr>
                   <a:tblGrid>
                     <a:gridCol w="1885043"/>
@@ -4832,6 +4972,7 @@
                         <a:bodyPr/>
                         <a:lstStyle/>
                         <a:p>
+                          <a:pPr algn="ctr"/>
                           <a:r>
                             <a:rPr lang="el-GR" dirty="0" smtClean="0"/>
                             <a:t>δ</a:t>
@@ -4850,6 +4991,7 @@
                         <a:bodyPr/>
                         <a:lstStyle/>
                         <a:p>
+                          <a:pPr algn="ctr"/>
                           <a:r>
                             <a:rPr lang="en-US" dirty="0" smtClean="0"/>
                             <a:t>1</a:t>
@@ -4866,6 +5008,7 @@
                         <a:bodyPr/>
                         <a:lstStyle/>
                         <a:p>
+                          <a:pPr algn="ctr"/>
                           <a:r>
                             <a:rPr lang="en-US" dirty="0" smtClean="0"/>
                             <a:t>u(t)</a:t>
@@ -4887,7 +5030,7 @@
                         <a:blipFill rotWithShape="1">
                           <a:blip r:embed="rId3"/>
                           <a:stretch>
-                            <a:fillRect l="-100324" t="-125000" b="-488000"/>
+                            <a:fillRect l="-100324" t="-125000" b="-559000"/>
                           </a:stretch>
                         </a:blipFill>
                       </a:tcPr>
@@ -4906,7 +5049,7 @@
                         <a:blipFill rotWithShape="1">
                           <a:blip r:embed="rId3"/>
                           <a:stretch>
-                            <a:fillRect t="-225000" r="-99677" b="-388000"/>
+                            <a:fillRect t="-225000" r="-99677" b="-459000"/>
                           </a:stretch>
                         </a:blipFill>
                       </a:tcPr>
@@ -4923,7 +5066,7 @@
                         <a:blipFill rotWithShape="1">
                           <a:blip r:embed="rId3"/>
                           <a:stretch>
-                            <a:fillRect l="-100324" t="-225000" b="-388000"/>
+                            <a:fillRect l="-100324" t="-225000" b="-459000"/>
                           </a:stretch>
                         </a:blipFill>
                       </a:tcPr>
@@ -4935,6 +5078,7 @@
                         <a:bodyPr/>
                         <a:lstStyle/>
                         <a:p>
+                          <a:pPr algn="ctr"/>
                           <a:r>
                             <a:rPr lang="en-US" dirty="0" smtClean="0"/>
                             <a:t>r(t)=</a:t>
@@ -4964,7 +5108,7 @@
                         <a:blipFill rotWithShape="1">
                           <a:blip r:embed="rId3"/>
                           <a:stretch>
-                            <a:fillRect l="-100324" t="-328283" b="-291919"/>
+                            <a:fillRect l="-100324" t="-325000" b="-359000"/>
                           </a:stretch>
                         </a:blipFill>
                       </a:tcPr>
@@ -4983,7 +5127,7 @@
                         <a:blipFill rotWithShape="1">
                           <a:blip r:embed="rId3"/>
                           <a:stretch>
-                            <a:fillRect t="-424000" r="-99677" b="-189000"/>
+                            <a:fillRect t="-429293" r="-99677" b="-262626"/>
                           </a:stretch>
                         </a:blipFill>
                       </a:tcPr>
@@ -5000,18 +5144,19 @@
                         <a:blipFill rotWithShape="1">
                           <a:blip r:embed="rId3"/>
                           <a:stretch>
-                            <a:fillRect l="-100324" t="-424000" b="-189000"/>
+                            <a:fillRect l="-100324" t="-429293" b="-262626"/>
                           </a:stretch>
                         </a:blipFill>
                       </a:tcPr>
                     </a:tc>
                   </a:tr>
-                  <a:tr h="573405">
+                  <a:tr h="559816">
                     <a:tc>
                       <a:txBody>
                         <a:bodyPr/>
                         <a:lstStyle/>
                         <a:p>
+                          <a:pPr algn="ctr"/>
                           <a:r>
                             <a:rPr lang="en-US" dirty="0" smtClean="0"/>
                             <a:t>Sin(</a:t>
@@ -5041,19 +5186,19 @@
                         <a:blipFill rotWithShape="1">
                           <a:blip r:embed="rId3"/>
                           <a:stretch>
-                            <a:fillRect l="-100324" t="-557447" b="-101064"/>
+                            <a:fillRect l="-100324" t="-569565" b="-182609"/>
                           </a:stretch>
                         </a:blipFill>
                       </a:tcPr>
                     </a:tc>
                   </a:tr>
-                  <a:tr h="575310">
+                  <a:tr h="561404">
                     <a:tc>
                       <a:txBody>
                         <a:bodyPr/>
                         <a:lstStyle/>
                         <a:p>
-                          <a:pPr marL="0" marR="0" indent="0" defTabSz="914400" eaLnBrk="1" fontAlgn="auto" latinLnBrk="0" hangingPunct="1">
+                          <a:pPr marL="0" marR="0" indent="0" algn="ctr" defTabSz="914400" eaLnBrk="1" fontAlgn="auto" latinLnBrk="0" hangingPunct="1">
                             <a:lnSpc>
                               <a:spcPct val="100000"/>
                             </a:lnSpc>
@@ -5071,7 +5216,7 @@
                             <a:defRPr/>
                           </a:pPr>
                           <a:r>
-                            <a:rPr lang="en-US" smtClean="0"/>
+                            <a:rPr lang="en-US" dirty="0" smtClean="0"/>
                             <a:t>cos(</a:t>
                           </a:r>
                           <a:r>
@@ -5098,7 +5243,43 @@
                         <a:blipFill rotWithShape="1">
                           <a:blip r:embed="rId3"/>
                           <a:stretch>
-                            <a:fillRect l="-100324" t="-657447" b="-1064"/>
+                            <a:fillRect l="-100324" t="-669565" b="-82609"/>
+                          </a:stretch>
+                        </a:blipFill>
+                      </a:tcPr>
+                    </a:tc>
+                  </a:tr>
+                  <a:tr h="365760">
+                    <a:tc>
+                      <a:txBody>
+                        <a:bodyPr/>
+                        <a:lstStyle/>
+                        <a:p>
+                          <a:endParaRPr lang="en-US"/>
+                        </a:p>
+                      </a:txBody>
+                      <a:tcPr>
+                        <a:blipFill rotWithShape="1">
+                          <a:blip r:embed="rId3"/>
+                          <a:stretch>
+                            <a:fillRect t="-1180000" r="-99677" b="-26667"/>
+                          </a:stretch>
+                        </a:blipFill>
+                      </a:tcPr>
+                    </a:tc>
+                    <a:tc>
+                      <a:txBody>
+                        <a:bodyPr/>
+                        <a:lstStyle/>
+                        <a:p>
+                          <a:endParaRPr lang="en-US"/>
+                        </a:p>
+                      </a:txBody>
+                      <a:tcPr>
+                        <a:blipFill rotWithShape="1">
+                          <a:blip r:embed="rId3"/>
+                          <a:stretch>
+                            <a:fillRect l="-100324" t="-1180000" b="-26667"/>
                           </a:stretch>
                         </a:blipFill>
                       </a:tcPr>
@@ -5749,7 +5930,7 @@
           <a:graphicData uri="http://schemas.openxmlformats.org/presentationml/2006/ole">
             <mc:AlternateContent xmlns:mc="http://schemas.openxmlformats.org/markup-compatibility/2006">
               <mc:Choice xmlns:v="urn:schemas-microsoft-com:vml" Requires="v">
-                <p:oleObj spid="_x0000_s1077" name="Equation" r:id="rId4" imgW="1117440" imgH="393480" progId="Equation.DSMT4">
+                <p:oleObj spid="_x0000_s1080" name="Equation" r:id="rId4" imgW="1117440" imgH="393480" progId="Equation.DSMT4">
                   <p:embed/>
                 </p:oleObj>
               </mc:Choice>
@@ -5825,7 +6006,7 @@
           <a:graphicData uri="http://schemas.openxmlformats.org/presentationml/2006/ole">
             <mc:AlternateContent xmlns:mc="http://schemas.openxmlformats.org/markup-compatibility/2006">
               <mc:Choice xmlns:v="urn:schemas-microsoft-com:vml" Requires="v">
-                <p:oleObj spid="_x0000_s1078" name="Equation" r:id="rId6" imgW="698400" imgH="393480" progId="Equation.DSMT4">
+                <p:oleObj spid="_x0000_s1081" name="Equation" r:id="rId6" imgW="698400" imgH="393480" progId="Equation.DSMT4">
                   <p:embed/>
                 </p:oleObj>
               </mc:Choice>
@@ -5895,7 +6076,7 @@
           <a:graphicData uri="http://schemas.openxmlformats.org/presentationml/2006/ole">
             <mc:AlternateContent xmlns:mc="http://schemas.openxmlformats.org/markup-compatibility/2006">
               <mc:Choice xmlns:v="urn:schemas-microsoft-com:vml" Requires="v">
-                <p:oleObj spid="_x0000_s1079" name="Equation" r:id="rId8" imgW="952200" imgH="393480" progId="Equation.DSMT4">
+                <p:oleObj spid="_x0000_s1082" name="Equation" r:id="rId8" imgW="952200" imgH="393480" progId="Equation.DSMT4">
                   <p:embed/>
                 </p:oleObj>
               </mc:Choice>

--- a/PP WORK/Instructor Version/Week 2/Week 2 lecture 2 LT.pptx
+++ b/PP WORK/Instructor Version/Week 2/Week 2 lecture 2 LT.pptx
@@ -3923,67 +3923,6 @@
           </a:p>
         </p:txBody>
       </p:sp>
-      <p:grpSp>
-        <p:nvGrpSpPr>
-          <p:cNvPr id="3" name="Group 2"/>
-          <p:cNvGrpSpPr/>
-          <p:nvPr/>
-        </p:nvGrpSpPr>
-        <p:grpSpPr>
-          <a:xfrm>
-            <a:off x="6597579" y="1244094"/>
-            <a:ext cx="4568551" cy="4614237"/>
-            <a:chOff x="2667946" y="2296517"/>
-            <a:chExt cx="6495605" cy="3699839"/>
-          </a:xfrm>
-        </p:grpSpPr>
-        <p:pic>
-          <p:nvPicPr>
-            <p:cNvPr id="2" name="Picture 1"/>
-            <p:cNvPicPr>
-              <a:picLocks noChangeAspect="1"/>
-            </p:cNvPicPr>
-            <p:nvPr/>
-          </p:nvPicPr>
-          <p:blipFill rotWithShape="1">
-            <a:blip r:embed="rId2"/>
-            <a:srcRect t="53011"/>
-            <a:stretch/>
-          </p:blipFill>
-          <p:spPr>
-            <a:xfrm>
-              <a:off x="2667946" y="2576148"/>
-              <a:ext cx="6495605" cy="3420208"/>
-            </a:xfrm>
-            <a:prstGeom prst="rect">
-              <a:avLst/>
-            </a:prstGeom>
-          </p:spPr>
-        </p:pic>
-        <p:pic>
-          <p:nvPicPr>
-            <p:cNvPr id="7" name="Picture 6"/>
-            <p:cNvPicPr>
-              <a:picLocks noChangeAspect="1"/>
-            </p:cNvPicPr>
-            <p:nvPr/>
-          </p:nvPicPr>
-          <p:blipFill rotWithShape="1">
-            <a:blip r:embed="rId2"/>
-            <a:srcRect b="96393"/>
-            <a:stretch/>
-          </p:blipFill>
-          <p:spPr>
-            <a:xfrm>
-              <a:off x="2667946" y="2296517"/>
-              <a:ext cx="6495605" cy="323591"/>
-            </a:xfrm>
-            <a:prstGeom prst="rect">
-              <a:avLst/>
-            </a:prstGeom>
-          </p:spPr>
-        </p:pic>
-      </p:grpSp>
       <mc:AlternateContent xmlns:mc="http://schemas.openxmlformats.org/markup-compatibility/2006">
         <mc:Choice xmlns:a14="http://schemas.microsoft.com/office/drawing/2010/main" Requires="a14">
           <p:graphicFrame>
@@ -3995,13 +3934,13 @@
               <p:nvPr>
                 <p:extLst>
                   <p:ext uri="{D42A27DB-BD31-4B8C-83A1-F6EECF244321}">
-                    <p14:modId xmlns:p14="http://schemas.microsoft.com/office/powerpoint/2010/main" val="4119085229"/>
+                    <p14:modId xmlns:p14="http://schemas.microsoft.com/office/powerpoint/2010/main" val="1718564487"/>
                   </p:ext>
                 </p:extLst>
               </p:nvPr>
             </p:nvGraphicFramePr>
             <p:xfrm>
-              <a:off x="1215571" y="1244094"/>
+              <a:off x="1215571" y="1514410"/>
               <a:ext cx="3770086" cy="4648646"/>
             </p:xfrm>
             <a:graphic>
@@ -4011,8 +3950,8 @@
                     <a:tableStyleId>{7E9639D4-E3E2-4D34-9284-5A2195B3D0D7}</a:tableStyleId>
                   </a:tblPr>
                   <a:tblGrid>
-                    <a:gridCol w="1885043"/>
-                    <a:gridCol w="1885043"/>
+                    <a:gridCol w="1821543"/>
+                    <a:gridCol w="1948543"/>
                   </a:tblGrid>
                   <a:tr h="280064">
                     <a:tc>
@@ -4915,13 +4854,13 @@
               <p:nvPr>
                 <p:extLst>
                   <p:ext uri="{D42A27DB-BD31-4B8C-83A1-F6EECF244321}">
-                    <p14:modId xmlns:p14="http://schemas.microsoft.com/office/powerpoint/2010/main" val="4119085229"/>
+                    <p14:modId xmlns:p14="http://schemas.microsoft.com/office/powerpoint/2010/main" val="1718564487"/>
                   </p:ext>
                 </p:extLst>
               </p:nvPr>
             </p:nvGraphicFramePr>
             <p:xfrm>
-              <a:off x="1215571" y="1244094"/>
+              <a:off x="1215571" y="1514410"/>
               <a:ext cx="3770086" cy="4648646"/>
             </p:xfrm>
             <a:graphic>
@@ -4931,8 +4870,8 @@
                     <a:tableStyleId>{7E9639D4-E3E2-4D34-9284-5A2195B3D0D7}</a:tableStyleId>
                   </a:tblPr>
                   <a:tblGrid>
-                    <a:gridCol w="1885043"/>
-                    <a:gridCol w="1885043"/>
+                    <a:gridCol w="1821543"/>
+                    <a:gridCol w="1948543"/>
                   </a:tblGrid>
                   <a:tr h="365760">
                     <a:tc>
@@ -5028,9 +4967,9 @@
                       </a:txBody>
                       <a:tcPr>
                         <a:blipFill rotWithShape="1">
-                          <a:blip r:embed="rId3"/>
+                          <a:blip r:embed="rId2"/>
                           <a:stretch>
-                            <a:fillRect l="-100324" t="-125000" b="-559000"/>
+                            <a:fillRect l="-93438" t="-125000" b="-559000"/>
                           </a:stretch>
                         </a:blipFill>
                       </a:tcPr>
@@ -5047,9 +4986,9 @@
                       </a:txBody>
                       <a:tcPr>
                         <a:blipFill rotWithShape="1">
-                          <a:blip r:embed="rId3"/>
+                          <a:blip r:embed="rId2"/>
                           <a:stretch>
-                            <a:fillRect t="-225000" r="-99677" b="-459000"/>
+                            <a:fillRect t="-225000" r="-107023" b="-459000"/>
                           </a:stretch>
                         </a:blipFill>
                       </a:tcPr>
@@ -5064,9 +5003,9 @@
                       </a:txBody>
                       <a:tcPr>
                         <a:blipFill rotWithShape="1">
-                          <a:blip r:embed="rId3"/>
+                          <a:blip r:embed="rId2"/>
                           <a:stretch>
-                            <a:fillRect l="-100324" t="-225000" b="-459000"/>
+                            <a:fillRect l="-93438" t="-225000" b="-459000"/>
                           </a:stretch>
                         </a:blipFill>
                       </a:tcPr>
@@ -5106,9 +5045,9 @@
                       </a:txBody>
                       <a:tcPr>
                         <a:blipFill rotWithShape="1">
-                          <a:blip r:embed="rId3"/>
+                          <a:blip r:embed="rId2"/>
                           <a:stretch>
-                            <a:fillRect l="-100324" t="-325000" b="-359000"/>
+                            <a:fillRect l="-93438" t="-325000" b="-359000"/>
                           </a:stretch>
                         </a:blipFill>
                       </a:tcPr>
@@ -5125,9 +5064,9 @@
                       </a:txBody>
                       <a:tcPr>
                         <a:blipFill rotWithShape="1">
-                          <a:blip r:embed="rId3"/>
+                          <a:blip r:embed="rId2"/>
                           <a:stretch>
-                            <a:fillRect t="-429293" r="-99677" b="-262626"/>
+                            <a:fillRect t="-429293" r="-107023" b="-262626"/>
                           </a:stretch>
                         </a:blipFill>
                       </a:tcPr>
@@ -5142,9 +5081,9 @@
                       </a:txBody>
                       <a:tcPr>
                         <a:blipFill rotWithShape="1">
-                          <a:blip r:embed="rId3"/>
+                          <a:blip r:embed="rId2"/>
                           <a:stretch>
-                            <a:fillRect l="-100324" t="-429293" b="-262626"/>
+                            <a:fillRect l="-93438" t="-429293" b="-262626"/>
                           </a:stretch>
                         </a:blipFill>
                       </a:tcPr>
@@ -5184,9 +5123,9 @@
                       </a:txBody>
                       <a:tcPr>
                         <a:blipFill rotWithShape="1">
-                          <a:blip r:embed="rId3"/>
+                          <a:blip r:embed="rId2"/>
                           <a:stretch>
-                            <a:fillRect l="-100324" t="-569565" b="-182609"/>
+                            <a:fillRect l="-93438" t="-569565" b="-182609"/>
                           </a:stretch>
                         </a:blipFill>
                       </a:tcPr>
@@ -5241,9 +5180,9 @@
                       </a:txBody>
                       <a:tcPr>
                         <a:blipFill rotWithShape="1">
-                          <a:blip r:embed="rId3"/>
+                          <a:blip r:embed="rId2"/>
                           <a:stretch>
-                            <a:fillRect l="-100324" t="-669565" b="-82609"/>
+                            <a:fillRect l="-93438" t="-669565" b="-82609"/>
                           </a:stretch>
                         </a:blipFill>
                       </a:tcPr>
@@ -5260,9 +5199,1163 @@
                       </a:txBody>
                       <a:tcPr>
                         <a:blipFill rotWithShape="1">
+                          <a:blip r:embed="rId2"/>
+                          <a:stretch>
+                            <a:fillRect t="-1180000" r="-107023" b="-26667"/>
+                          </a:stretch>
+                        </a:blipFill>
+                      </a:tcPr>
+                    </a:tc>
+                    <a:tc>
+                      <a:txBody>
+                        <a:bodyPr/>
+                        <a:lstStyle/>
+                        <a:p>
+                          <a:endParaRPr lang="en-US"/>
+                        </a:p>
+                      </a:txBody>
+                      <a:tcPr>
+                        <a:blipFill rotWithShape="1">
+                          <a:blip r:embed="rId2"/>
+                          <a:stretch>
+                            <a:fillRect l="-93438" t="-1180000" b="-26667"/>
+                          </a:stretch>
+                        </a:blipFill>
+                      </a:tcPr>
+                    </a:tc>
+                  </a:tr>
+                </a:tbl>
+              </a:graphicData>
+            </a:graphic>
+          </p:graphicFrame>
+        </mc:Fallback>
+      </mc:AlternateContent>
+      <mc:AlternateContent xmlns:mc="http://schemas.openxmlformats.org/markup-compatibility/2006">
+        <mc:Choice xmlns:a14="http://schemas.microsoft.com/office/drawing/2010/main" Requires="a14">
+          <p:graphicFrame>
+            <p:nvGraphicFramePr>
+              <p:cNvPr id="9" name="Table 8"/>
+              <p:cNvGraphicFramePr>
+                <a:graphicFrameLocks noGrp="1"/>
+              </p:cNvGraphicFramePr>
+              <p:nvPr>
+                <p:extLst>
+                  <p:ext uri="{D42A27DB-BD31-4B8C-83A1-F6EECF244321}">
+                    <p14:modId xmlns:p14="http://schemas.microsoft.com/office/powerpoint/2010/main" val="946292740"/>
+                  </p:ext>
+                </p:extLst>
+              </p:nvPr>
+            </p:nvGraphicFramePr>
+            <p:xfrm>
+              <a:off x="6392454" y="1750300"/>
+              <a:ext cx="3770086" cy="4032085"/>
+            </p:xfrm>
+            <a:graphic>
+              <a:graphicData uri="http://schemas.openxmlformats.org/drawingml/2006/table">
+                <a:tbl>
+                  <a:tblPr firstRow="1" bandRow="1">
+                    <a:tableStyleId>{7E9639D4-E3E2-4D34-9284-5A2195B3D0D7}</a:tableStyleId>
+                  </a:tblPr>
+                  <a:tblGrid>
+                    <a:gridCol w="1885043"/>
+                    <a:gridCol w="1885043"/>
+                  </a:tblGrid>
+                  <a:tr h="415957">
+                    <a:tc>
+                      <a:txBody>
+                        <a:bodyPr/>
+                        <a:lstStyle/>
+                        <a:p>
+                          <a:pPr algn="ctr"/>
+                          <a:r>
+                            <a:rPr lang="en-US" dirty="0" smtClean="0"/>
+                            <a:t>f(t)</a:t>
+                          </a:r>
+                          <a:endParaRPr lang="en-US" dirty="0"/>
+                        </a:p>
+                      </a:txBody>
+                      <a:tcPr/>
+                    </a:tc>
+                    <a:tc>
+                      <a:txBody>
+                        <a:bodyPr/>
+                        <a:lstStyle/>
+                        <a:p>
+                          <a:pPr algn="ctr"/>
+                          <a:r>
+                            <a:rPr lang="en-US" dirty="0" smtClean="0"/>
+                            <a:t>F(s)</a:t>
+                          </a:r>
+                          <a:endParaRPr lang="en-US" dirty="0"/>
+                        </a:p>
+                      </a:txBody>
+                      <a:tcPr/>
+                    </a:tc>
+                  </a:tr>
+                  <a:tr h="569496">
+                    <a:tc>
+                      <a:txBody>
+                        <a:bodyPr/>
+                        <a:lstStyle/>
+                        <a:p>
+                          <a:pPr algn="ctr"/>
+                          <a14:m>
+                            <m:oMathPara xmlns:m="http://schemas.openxmlformats.org/officeDocument/2006/math">
+                              <m:oMathParaPr>
+                                <m:jc m:val="centerGroup"/>
+                              </m:oMathParaPr>
+                              <m:oMath xmlns:m="http://schemas.openxmlformats.org/officeDocument/2006/math">
+                                <m:sSup>
+                                  <m:sSupPr>
+                                    <m:ctrlPr>
+                                      <a:rPr lang="en-US" smtClean="0"/>
+                                    </m:ctrlPr>
+                                  </m:sSupPr>
+                                  <m:e>
+                                    <m:r>
+                                      <a:rPr lang="en-US" smtClean="0"/>
+                                      <m:t>𝑒</m:t>
+                                    </m:r>
+                                  </m:e>
+                                  <m:sup>
+                                    <m:r>
+                                      <a:rPr lang="en-US" smtClean="0"/>
+                                      <m:t>−</m:t>
+                                    </m:r>
+                                    <m:r>
+                                      <a:rPr lang="en-US" smtClean="0"/>
+                                      <m:t>𝑎𝑡</m:t>
+                                    </m:r>
+                                  </m:sup>
+                                </m:sSup>
+                                <m:r>
+                                  <a:rPr lang="en-US" smtClean="0"/>
+                                  <m:t>𝑓</m:t>
+                                </m:r>
+                                <m:r>
+                                  <a:rPr lang="en-US" smtClean="0"/>
+                                  <m:t>(</m:t>
+                                </m:r>
+                                <m:r>
+                                  <a:rPr lang="en-US" smtClean="0"/>
+                                  <m:t>𝑡</m:t>
+                                </m:r>
+                                <m:r>
+                                  <a:rPr lang="en-US" smtClean="0"/>
+                                  <m:t>)</m:t>
+                                </m:r>
+                              </m:oMath>
+                            </m:oMathPara>
+                          </a14:m>
+                          <a:endParaRPr lang="en-US" dirty="0"/>
+                        </a:p>
+                      </a:txBody>
+                      <a:tcPr/>
+                    </a:tc>
+                    <a:tc>
+                      <a:txBody>
+                        <a:bodyPr/>
+                        <a:lstStyle/>
+                        <a:p>
+                          <a:pPr algn="ctr"/>
+                          <a:r>
+                            <a:rPr lang="en-US" dirty="0" smtClean="0"/>
+                            <a:t>f(</a:t>
+                          </a:r>
+                          <a:r>
+                            <a:rPr lang="en-US" dirty="0" err="1" smtClean="0"/>
+                            <a:t>s+a</a:t>
+                          </a:r>
+                          <a:r>
+                            <a:rPr lang="en-US" dirty="0" smtClean="0"/>
+                            <a:t>)</a:t>
+                          </a:r>
+                          <a:endParaRPr lang="en-US" dirty="0"/>
+                        </a:p>
+                      </a:txBody>
+                      <a:tcPr/>
+                    </a:tc>
+                  </a:tr>
+                  <a:tr h="569496">
+                    <a:tc>
+                      <a:txBody>
+                        <a:bodyPr/>
+                        <a:lstStyle/>
+                        <a:p>
+                          <a:pPr algn="ctr"/>
+                          <a:r>
+                            <a:rPr lang="en-US" dirty="0" smtClean="0"/>
+                            <a:t>f(t-T)u(t-T)</a:t>
+                          </a:r>
+                          <a:endParaRPr lang="en-US" dirty="0"/>
+                        </a:p>
+                      </a:txBody>
+                      <a:tcPr/>
+                    </a:tc>
+                    <a:tc>
+                      <a:txBody>
+                        <a:bodyPr/>
+                        <a:lstStyle/>
+                        <a:p>
+                          <a:pPr algn="ctr"/>
+                          <a14:m>
+                            <m:oMath xmlns:m="http://schemas.openxmlformats.org/officeDocument/2006/math">
+                              <m:sSup>
+                                <m:sSupPr>
+                                  <m:ctrlPr>
+                                    <a:rPr lang="en-US" smtClean="0"/>
+                                  </m:ctrlPr>
+                                </m:sSupPr>
+                                <m:e>
+                                  <m:r>
+                                    <a:rPr lang="en-US" smtClean="0"/>
+                                    <m:t>𝑒</m:t>
+                                  </m:r>
+                                </m:e>
+                                <m:sup>
+                                  <m:r>
+                                    <a:rPr lang="en-US" smtClean="0"/>
+                                    <m:t>−</m:t>
+                                  </m:r>
+                                  <m:r>
+                                    <m:rPr>
+                                      <m:sty m:val="p"/>
+                                    </m:rPr>
+                                    <a:rPr lang="en-US" smtClean="0"/>
+                                    <m:t>s</m:t>
+                                  </m:r>
+                                  <m:r>
+                                    <a:rPr lang="en-US" smtClean="0"/>
+                                    <m:t>𝑡</m:t>
+                                  </m:r>
+                                </m:sup>
+                              </m:sSup>
+                            </m:oMath>
+                          </a14:m>
+                          <a:r>
+                            <a:rPr lang="en-US" dirty="0" smtClean="0"/>
+                            <a:t>f(s)</a:t>
+                          </a:r>
+                          <a:endParaRPr lang="en-US" dirty="0"/>
+                        </a:p>
+                      </a:txBody>
+                      <a:tcPr/>
+                    </a:tc>
+                  </a:tr>
+                  <a:tr h="569496">
+                    <a:tc>
+                      <a:txBody>
+                        <a:bodyPr/>
+                        <a:lstStyle/>
+                        <a:p>
+                          <a:pPr algn="ctr"/>
+                          <a14:m>
+                            <m:oMath xmlns:m="http://schemas.openxmlformats.org/officeDocument/2006/math">
+                              <m:sSup>
+                                <m:sSupPr>
+                                  <m:ctrlPr>
+                                    <a:rPr lang="en-US" smtClean="0"/>
+                                  </m:ctrlPr>
+                                </m:sSupPr>
+                                <m:e>
+                                  <m:r>
+                                    <a:rPr lang="en-US" smtClean="0"/>
+                                    <m:t>𝑡</m:t>
+                                  </m:r>
+                                </m:e>
+                                <m:sup>
+                                  <m:r>
+                                    <m:rPr>
+                                      <m:sty m:val="p"/>
+                                    </m:rPr>
+                                    <a:rPr lang="en-US" smtClean="0"/>
+                                    <m:t>n</m:t>
+                                  </m:r>
+                                </m:sup>
+                              </m:sSup>
+                            </m:oMath>
+                          </a14:m>
+                          <a:r>
+                            <a:rPr lang="en-US" dirty="0" smtClean="0"/>
+                            <a:t>f(t)</a:t>
+                          </a:r>
+                          <a:endParaRPr lang="en-US" dirty="0"/>
+                        </a:p>
+                      </a:txBody>
+                      <a:tcPr/>
+                    </a:tc>
+                    <a:tc>
+                      <a:txBody>
+                        <a:bodyPr/>
+                        <a:lstStyle/>
+                        <a:p>
+                          <a:pPr algn="ctr"/>
+                          <a14:m>
+                            <m:oMathPara xmlns:m="http://schemas.openxmlformats.org/officeDocument/2006/math">
+                              <m:oMathParaPr>
+                                <m:jc m:val="centerGroup"/>
+                              </m:oMathParaPr>
+                              <m:oMath xmlns:m="http://schemas.openxmlformats.org/officeDocument/2006/math">
+                                <m:sSup>
+                                  <m:sSupPr>
+                                    <m:ctrlPr>
+                                      <a:rPr lang="en-US" smtClean="0"/>
+                                    </m:ctrlPr>
+                                  </m:sSupPr>
+                                  <m:e>
+                                    <m:r>
+                                      <a:rPr lang="en-US" smtClean="0"/>
+                                      <m:t>(−1)</m:t>
+                                    </m:r>
+                                  </m:e>
+                                  <m:sup>
+                                    <m:r>
+                                      <m:rPr>
+                                        <m:sty m:val="p"/>
+                                      </m:rPr>
+                                      <a:rPr lang="en-US" smtClean="0"/>
+                                      <m:t>n</m:t>
+                                    </m:r>
+                                  </m:sup>
+                                </m:sSup>
+                                <m:f>
+                                  <m:fPr>
+                                    <m:ctrlPr>
+                                      <a:rPr lang="en-US" smtClean="0"/>
+                                    </m:ctrlPr>
+                                  </m:fPr>
+                                  <m:num>
+                                    <m:sSup>
+                                      <m:sSupPr>
+                                        <m:ctrlPr>
+                                          <a:rPr lang="en-US" smtClean="0"/>
+                                        </m:ctrlPr>
+                                      </m:sSupPr>
+                                      <m:e>
+                                        <m:r>
+                                          <a:rPr lang="en-US" smtClean="0"/>
+                                          <m:t>𝑑</m:t>
+                                        </m:r>
+                                      </m:e>
+                                      <m:sup>
+                                        <m:r>
+                                          <m:rPr>
+                                            <m:sty m:val="p"/>
+                                          </m:rPr>
+                                          <a:rPr lang="en-US" smtClean="0"/>
+                                          <m:t>n</m:t>
+                                        </m:r>
+                                      </m:sup>
+                                    </m:sSup>
+                                    <m:r>
+                                      <a:rPr lang="en-US" smtClean="0"/>
+                                      <m:t>𝐹</m:t>
+                                    </m:r>
+                                    <m:r>
+                                      <a:rPr lang="en-US" smtClean="0"/>
+                                      <m:t>(</m:t>
+                                    </m:r>
+                                    <m:r>
+                                      <a:rPr lang="en-US" smtClean="0"/>
+                                      <m:t>𝑠</m:t>
+                                    </m:r>
+                                    <m:r>
+                                      <a:rPr lang="en-US" smtClean="0"/>
+                                      <m:t>)</m:t>
+                                    </m:r>
+                                  </m:num>
+                                  <m:den>
+                                    <m:r>
+                                      <m:rPr>
+                                        <m:sty m:val="p"/>
+                                      </m:rPr>
+                                      <a:rPr lang="en-US" smtClean="0"/>
+                                      <m:t>d</m:t>
+                                    </m:r>
+                                    <m:sSup>
+                                      <m:sSupPr>
+                                        <m:ctrlPr>
+                                          <a:rPr lang="en-US" smtClean="0"/>
+                                        </m:ctrlPr>
+                                      </m:sSupPr>
+                                      <m:e>
+                                        <m:r>
+                                          <a:rPr lang="en-US" smtClean="0"/>
+                                          <m:t>𝑠</m:t>
+                                        </m:r>
+                                      </m:e>
+                                      <m:sup>
+                                        <m:r>
+                                          <m:rPr>
+                                            <m:sty m:val="p"/>
+                                          </m:rPr>
+                                          <a:rPr lang="en-US" smtClean="0"/>
+                                          <m:t>n</m:t>
+                                        </m:r>
+                                      </m:sup>
+                                    </m:sSup>
+                                  </m:den>
+                                </m:f>
+                              </m:oMath>
+                            </m:oMathPara>
+                          </a14:m>
+                          <a:endParaRPr lang="en-US" dirty="0"/>
+                        </a:p>
+                      </a:txBody>
+                      <a:tcPr/>
+                    </a:tc>
+                  </a:tr>
+                  <a:tr h="569496">
+                    <a:tc>
+                      <a:txBody>
+                        <a:bodyPr/>
+                        <a:lstStyle/>
+                        <a:p>
+                          <a:pPr algn="ctr"/>
+                          <a14:m>
+                            <m:oMathPara xmlns:m="http://schemas.openxmlformats.org/officeDocument/2006/math">
+                              <m:oMathParaPr>
+                                <m:jc m:val="centerGroup"/>
+                              </m:oMathParaPr>
+                              <m:oMath xmlns:m="http://schemas.openxmlformats.org/officeDocument/2006/math">
+                                <m:f>
+                                  <m:fPr>
+                                    <m:ctrlPr>
+                                      <a:rPr lang="en-US" i="1" smtClean="0">
+                                        <a:latin typeface="Cambria Math"/>
+                                      </a:rPr>
+                                    </m:ctrlPr>
+                                  </m:fPr>
+                                  <m:num>
+                                    <m:r>
+                                      <m:rPr>
+                                        <m:sty m:val="p"/>
+                                      </m:rPr>
+                                      <a:rPr lang="en-US" b="0" i="0" smtClean="0">
+                                        <a:latin typeface="Cambria Math"/>
+                                      </a:rPr>
+                                      <m:t>df</m:t>
+                                    </m:r>
+                                    <m:r>
+                                      <a:rPr lang="en-US" b="0" i="0" smtClean="0">
+                                        <a:latin typeface="Cambria Math"/>
+                                      </a:rPr>
+                                      <m:t>(</m:t>
+                                    </m:r>
+                                    <m:r>
+                                      <m:rPr>
+                                        <m:sty m:val="p"/>
+                                      </m:rPr>
+                                      <a:rPr lang="en-US" b="0" i="0" smtClean="0">
+                                        <a:latin typeface="Cambria Math"/>
+                                      </a:rPr>
+                                      <m:t>t</m:t>
+                                    </m:r>
+                                    <m:r>
+                                      <a:rPr lang="en-US" b="0" i="0" smtClean="0">
+                                        <a:latin typeface="Cambria Math"/>
+                                      </a:rPr>
+                                      <m:t>)</m:t>
+                                    </m:r>
+                                  </m:num>
+                                  <m:den>
+                                    <m:r>
+                                      <a:rPr lang="en-US" b="0" i="1" smtClean="0">
+                                        <a:latin typeface="Cambria Math"/>
+                                      </a:rPr>
+                                      <m:t>𝑑𝑡</m:t>
+                                    </m:r>
+                                  </m:den>
+                                </m:f>
+                              </m:oMath>
+                            </m:oMathPara>
+                          </a14:m>
+                          <a:endParaRPr lang="en-US" dirty="0"/>
+                        </a:p>
+                      </a:txBody>
+                      <a:tcPr/>
+                    </a:tc>
+                    <a:tc>
+                      <a:txBody>
+                        <a:bodyPr/>
+                        <a:lstStyle/>
+                        <a:p>
+                          <a:pPr algn="ctr"/>
+                          <a:r>
+                            <a:rPr lang="en-US" dirty="0" smtClean="0"/>
+                            <a:t>Sf(s) – f(</a:t>
+                          </a:r>
+                          <a14:m>
+                            <m:oMath xmlns:m="http://schemas.openxmlformats.org/officeDocument/2006/math">
+                              <m:sSup>
+                                <m:sSupPr>
+                                  <m:ctrlPr>
+                                    <a:rPr lang="en-US" i="1" smtClean="0">
+                                      <a:latin typeface="Cambria Math"/>
+                                    </a:rPr>
+                                  </m:ctrlPr>
+                                </m:sSupPr>
+                                <m:e>
+                                  <m:r>
+                                    <a:rPr lang="en-US" b="0" i="1" smtClean="0">
+                                      <a:latin typeface="Cambria Math"/>
+                                    </a:rPr>
+                                    <m:t>0</m:t>
+                                  </m:r>
+                                </m:e>
+                                <m:sup>
+                                  <m:r>
+                                    <a:rPr lang="en-US" b="0" i="0" smtClean="0">
+                                      <a:latin typeface="Cambria Math"/>
+                                    </a:rPr>
+                                    <m:t>−</m:t>
+                                  </m:r>
+                                </m:sup>
+                              </m:sSup>
+                            </m:oMath>
+                          </a14:m>
+                          <a:r>
+                            <a:rPr lang="en-US" dirty="0" smtClean="0"/>
+                            <a:t>)</a:t>
+                          </a:r>
+                          <a:endParaRPr lang="en-US" dirty="0"/>
+                        </a:p>
+                      </a:txBody>
+                      <a:tcPr/>
+                    </a:tc>
+                  </a:tr>
+                  <a:tr h="569496">
+                    <a:tc>
+                      <a:txBody>
+                        <a:bodyPr/>
+                        <a:lstStyle/>
+                        <a:p>
+                          <a:pPr algn="ctr"/>
+                          <a14:m>
+                            <m:oMathPara xmlns:m="http://schemas.openxmlformats.org/officeDocument/2006/math">
+                              <m:oMathParaPr>
+                                <m:jc m:val="centerGroup"/>
+                              </m:oMathParaPr>
+                              <m:oMath xmlns:m="http://schemas.openxmlformats.org/officeDocument/2006/math">
+                                <m:f>
+                                  <m:fPr>
+                                    <m:ctrlPr>
+                                      <a:rPr lang="en-US" i="1" smtClean="0">
+                                        <a:latin typeface="Cambria Math"/>
+                                      </a:rPr>
+                                    </m:ctrlPr>
+                                  </m:fPr>
+                                  <m:num>
+                                    <m:sSup>
+                                      <m:sSupPr>
+                                        <m:ctrlPr>
+                                          <a:rPr lang="en-US" i="1" smtClean="0">
+                                            <a:latin typeface="Cambria Math"/>
+                                          </a:rPr>
+                                        </m:ctrlPr>
+                                      </m:sSupPr>
+                                      <m:e>
+                                        <m:r>
+                                          <a:rPr lang="en-US" smtClean="0">
+                                            <a:latin typeface="Cambria Math"/>
+                                          </a:rPr>
+                                          <m:t>𝑑</m:t>
+                                        </m:r>
+                                      </m:e>
+                                      <m:sup>
+                                        <m:r>
+                                          <a:rPr lang="en-US" b="0" i="0" smtClean="0">
+                                            <a:latin typeface="Cambria Math"/>
+                                          </a:rPr>
+                                          <m:t>2</m:t>
+                                        </m:r>
+                                      </m:sup>
+                                    </m:sSup>
+                                    <m:r>
+                                      <m:rPr>
+                                        <m:sty m:val="p"/>
+                                      </m:rPr>
+                                      <a:rPr lang="en-US" b="0" i="0" smtClean="0">
+                                        <a:latin typeface="Cambria Math"/>
+                                      </a:rPr>
+                                      <m:t>f</m:t>
+                                    </m:r>
+                                    <m:r>
+                                      <a:rPr lang="en-US" smtClean="0">
+                                        <a:latin typeface="Cambria Math"/>
+                                      </a:rPr>
+                                      <m:t>(</m:t>
+                                    </m:r>
+                                    <m:r>
+                                      <m:rPr>
+                                        <m:sty m:val="p"/>
+                                      </m:rPr>
+                                      <a:rPr lang="en-US" b="0" i="0" smtClean="0">
+                                        <a:latin typeface="Cambria Math"/>
+                                      </a:rPr>
+                                      <m:t>t</m:t>
+                                    </m:r>
+                                    <m:r>
+                                      <a:rPr lang="en-US" smtClean="0">
+                                        <a:latin typeface="Cambria Math"/>
+                                      </a:rPr>
+                                      <m:t>)</m:t>
+                                    </m:r>
+                                  </m:num>
+                                  <m:den>
+                                    <m:r>
+                                      <m:rPr>
+                                        <m:sty m:val="p"/>
+                                      </m:rPr>
+                                      <a:rPr lang="en-US" smtClean="0">
+                                        <a:latin typeface="Cambria Math"/>
+                                      </a:rPr>
+                                      <m:t>d</m:t>
+                                    </m:r>
+                                    <m:sSup>
+                                      <m:sSupPr>
+                                        <m:ctrlPr>
+                                          <a:rPr lang="en-US" i="1" smtClean="0">
+                                            <a:latin typeface="Cambria Math"/>
+                                          </a:rPr>
+                                        </m:ctrlPr>
+                                      </m:sSupPr>
+                                      <m:e>
+                                        <m:r>
+                                          <a:rPr lang="en-US" b="0" i="1" smtClean="0">
+                                            <a:latin typeface="Cambria Math"/>
+                                          </a:rPr>
+                                          <m:t>𝑡</m:t>
+                                        </m:r>
+                                      </m:e>
+                                      <m:sup>
+                                        <m:r>
+                                          <a:rPr lang="en-US" b="0" i="0" smtClean="0">
+                                            <a:latin typeface="Cambria Math"/>
+                                          </a:rPr>
+                                          <m:t>2</m:t>
+                                        </m:r>
+                                      </m:sup>
+                                    </m:sSup>
+                                  </m:den>
+                                </m:f>
+                              </m:oMath>
+                            </m:oMathPara>
+                          </a14:m>
+                          <a:endParaRPr lang="en-US" dirty="0"/>
+                        </a:p>
+                      </a:txBody>
+                      <a:tcPr/>
+                    </a:tc>
+                    <a:tc>
+                      <a:txBody>
+                        <a:bodyPr/>
+                        <a:lstStyle/>
+                        <a:p>
+                          <a:pPr algn="ctr"/>
+                          <a14:m>
+                            <m:oMath xmlns:m="http://schemas.openxmlformats.org/officeDocument/2006/math">
+                              <m:sSup>
+                                <m:sSupPr>
+                                  <m:ctrlPr>
+                                    <a:rPr lang="en-US" i="1" smtClean="0">
+                                      <a:latin typeface="Cambria Math"/>
+                                    </a:rPr>
+                                  </m:ctrlPr>
+                                </m:sSupPr>
+                                <m:e>
+                                  <m:r>
+                                    <a:rPr lang="en-US" b="0" i="1" smtClean="0">
+                                      <a:latin typeface="Cambria Math"/>
+                                    </a:rPr>
+                                    <m:t>𝑠</m:t>
+                                  </m:r>
+                                </m:e>
+                                <m:sup>
+                                  <m:r>
+                                    <a:rPr lang="en-US" b="0" i="0" smtClean="0">
+                                      <a:latin typeface="Cambria Math"/>
+                                    </a:rPr>
+                                    <m:t>2</m:t>
+                                  </m:r>
+                                </m:sup>
+                              </m:sSup>
+                            </m:oMath>
+                          </a14:m>
+                          <a:r>
+                            <a:rPr lang="en-US" dirty="0" smtClean="0"/>
+                            <a:t>f(s)-sf(</a:t>
+                          </a:r>
+                          <a14:m>
+                            <m:oMath xmlns:m="http://schemas.openxmlformats.org/officeDocument/2006/math">
+                              <m:sSup>
+                                <m:sSupPr>
+                                  <m:ctrlPr>
+                                    <a:rPr lang="en-US" i="1" smtClean="0">
+                                      <a:latin typeface="Cambria Math"/>
+                                    </a:rPr>
+                                  </m:ctrlPr>
+                                </m:sSupPr>
+                                <m:e>
+                                  <m:r>
+                                    <a:rPr lang="en-US" b="0" i="1" smtClean="0">
+                                      <a:latin typeface="Cambria Math"/>
+                                    </a:rPr>
+                                    <m:t>0</m:t>
+                                  </m:r>
+                                </m:e>
+                                <m:sup>
+                                  <m:r>
+                                    <a:rPr lang="en-US" b="0" i="0" smtClean="0">
+                                      <a:latin typeface="Cambria Math"/>
+                                    </a:rPr>
+                                    <m:t>−</m:t>
+                                  </m:r>
+                                </m:sup>
+                              </m:sSup>
+                            </m:oMath>
+                          </a14:m>
+                          <a:r>
+                            <a:rPr lang="en-US" dirty="0" smtClean="0"/>
+                            <a:t>)-f(</a:t>
+                          </a:r>
+                          <a14:m>
+                            <m:oMath xmlns:m="http://schemas.openxmlformats.org/officeDocument/2006/math">
+                              <m:sSup>
+                                <m:sSupPr>
+                                  <m:ctrlPr>
+                                    <a:rPr lang="en-US" i="1" smtClean="0">
+                                      <a:latin typeface="Cambria Math"/>
+                                    </a:rPr>
+                                  </m:ctrlPr>
+                                </m:sSupPr>
+                                <m:e>
+                                  <m:r>
+                                    <a:rPr lang="en-US" b="0" i="1" smtClean="0">
+                                      <a:latin typeface="Cambria Math"/>
+                                    </a:rPr>
+                                    <m:t>0</m:t>
+                                  </m:r>
+                                </m:e>
+                                <m:sup>
+                                  <m:r>
+                                    <a:rPr lang="en-US" b="0" i="0" smtClean="0">
+                                      <a:latin typeface="Cambria Math"/>
+                                    </a:rPr>
+                                    <m:t>−</m:t>
+                                  </m:r>
+                                </m:sup>
+                              </m:sSup>
+                            </m:oMath>
+                          </a14:m>
+                          <a:r>
+                            <a:rPr lang="en-US" dirty="0" smtClean="0"/>
+                            <a:t>)</a:t>
+                          </a:r>
+                          <a:endParaRPr lang="en-US" dirty="0"/>
+                        </a:p>
+                      </a:txBody>
+                      <a:tcPr/>
+                    </a:tc>
+                  </a:tr>
+                  <a:tr h="569496">
+                    <a:tc>
+                      <a:txBody>
+                        <a:bodyPr/>
+                        <a:lstStyle/>
+                        <a:p>
+                          <a:pPr algn="ctr" rtl="0" fontAlgn="auto"/>
+                          <a14:m>
+                            <m:oMath xmlns:m="http://schemas.openxmlformats.org/officeDocument/2006/math">
+                              <m:nary>
+                                <m:naryPr>
+                                  <m:ctrlPr>
+                                    <a:rPr lang="en-US" sz="1800" i="1" smtClean="0">
+                                      <a:latin typeface="Cambria Math"/>
+                                      <a:ea typeface="Cambria Math" panose="02040503050406030204" pitchFamily="18" charset="0"/>
+                                    </a:rPr>
+                                  </m:ctrlPr>
+                                </m:naryPr>
+                                <m:sub>
+                                  <m:r>
+                                    <a:rPr lang="en-US" sz="1800" b="0" i="1" smtClean="0">
+                                      <a:latin typeface="Cambria Math"/>
+                                      <a:ea typeface="Cambria Math" panose="02040503050406030204" pitchFamily="18" charset="0"/>
+                                    </a:rPr>
+                                    <m:t>−</m:t>
+                                  </m:r>
+                                  <m:r>
+                                    <a:rPr lang="en-US" sz="1800" b="0" i="1" smtClean="0">
+                                      <a:latin typeface="Cambria Math" panose="02040503050406030204" pitchFamily="18" charset="0"/>
+                                      <a:ea typeface="Cambria Math" panose="02040503050406030204" pitchFamily="18" charset="0"/>
+                                    </a:rPr>
+                                    <m:t>∞</m:t>
+                                  </m:r>
+                                </m:sub>
+                                <m:sup>
+                                  <m:r>
+                                    <a:rPr lang="en-US" sz="1800" b="0" i="1" smtClean="0">
+                                      <a:latin typeface="Cambria Math"/>
+                                      <a:ea typeface="Cambria Math" panose="02040503050406030204" pitchFamily="18" charset="0"/>
+                                    </a:rPr>
+                                    <m:t>𝑡</m:t>
+                                  </m:r>
+                                </m:sup>
+                                <m:e>
+                                  <m:r>
+                                    <a:rPr lang="en-US" sz="1800" i="1" smtClean="0">
+                                      <a:latin typeface="Cambria Math"/>
+                                      <a:ea typeface="Cambria Math" panose="02040503050406030204" pitchFamily="18" charset="0"/>
+                                    </a:rPr>
+                                    <m:t> </m:t>
+                                  </m:r>
+                                </m:e>
+                              </m:nary>
+                            </m:oMath>
+                          </a14:m>
+                          <a:r>
+                            <a:rPr lang="en-US" dirty="0" smtClean="0"/>
+                            <a:t>f(t)dt</a:t>
+                          </a:r>
+                          <a:endParaRPr lang="en-US" dirty="0"/>
+                        </a:p>
+                      </a:txBody>
+                      <a:tcPr/>
+                    </a:tc>
+                    <a:tc>
+                      <a:txBody>
+                        <a:bodyPr/>
+                        <a:lstStyle/>
+                        <a:p>
+                          <a:pPr algn="ctr"/>
+                          <a14:m>
+                            <m:oMath xmlns:m="http://schemas.openxmlformats.org/officeDocument/2006/math">
+                              <m:f>
+                                <m:fPr>
+                                  <m:ctrlPr>
+                                    <a:rPr lang="en-US" i="1" smtClean="0">
+                                      <a:latin typeface="Cambria Math"/>
+                                    </a:rPr>
+                                  </m:ctrlPr>
+                                </m:fPr>
+                                <m:num>
+                                  <m:r>
+                                    <m:rPr>
+                                      <m:sty m:val="p"/>
+                                    </m:rPr>
+                                    <a:rPr lang="en-US" b="0" i="0" smtClean="0">
+                                      <a:latin typeface="Cambria Math"/>
+                                    </a:rPr>
+                                    <m:t>f</m:t>
+                                  </m:r>
+                                  <m:r>
+                                    <a:rPr lang="en-US" b="0" i="0" smtClean="0">
+                                      <a:latin typeface="Cambria Math"/>
+                                    </a:rPr>
+                                    <m:t>(</m:t>
+                                  </m:r>
+                                  <m:r>
+                                    <m:rPr>
+                                      <m:sty m:val="p"/>
+                                    </m:rPr>
+                                    <a:rPr lang="en-US" b="0" i="0" smtClean="0">
+                                      <a:latin typeface="Cambria Math"/>
+                                    </a:rPr>
+                                    <m:t>s</m:t>
+                                  </m:r>
+                                  <m:r>
+                                    <a:rPr lang="en-US" b="0" i="0" smtClean="0">
+                                      <a:latin typeface="Cambria Math"/>
+                                    </a:rPr>
+                                    <m:t>)</m:t>
+                                  </m:r>
+                                </m:num>
+                                <m:den>
+                                  <m:r>
+                                    <a:rPr lang="en-US" smtClean="0">
+                                      <a:latin typeface="Cambria Math"/>
+                                    </a:rPr>
+                                    <m:t>𝑠</m:t>
+                                  </m:r>
+                                </m:den>
+                              </m:f>
+                            </m:oMath>
+                          </a14:m>
+                          <a:r>
+                            <a:rPr lang="en-US" dirty="0" smtClean="0"/>
+                            <a:t> + </a:t>
+                          </a:r>
+                          <a14:m>
+                            <m:oMath xmlns:m="http://schemas.openxmlformats.org/officeDocument/2006/math">
+                              <m:f>
+                                <m:fPr>
+                                  <m:ctrlPr>
+                                    <a:rPr lang="en-US" i="1" smtClean="0">
+                                      <a:latin typeface="Cambria Math"/>
+                                    </a:rPr>
+                                  </m:ctrlPr>
+                                </m:fPr>
+                                <m:num>
+                                  <m:nary>
+                                    <m:naryPr>
+                                      <m:ctrlPr>
+                                        <a:rPr lang="en-US" sz="1800" i="1" smtClean="0">
+                                          <a:latin typeface="Cambria Math"/>
+                                          <a:ea typeface="Cambria Math" panose="02040503050406030204" pitchFamily="18" charset="0"/>
+                                        </a:rPr>
+                                      </m:ctrlPr>
+                                    </m:naryPr>
+                                    <m:sub>
+                                      <m:r>
+                                        <a:rPr lang="en-US" sz="1800" b="0" i="1" smtClean="0">
+                                          <a:latin typeface="Cambria Math"/>
+                                          <a:ea typeface="Cambria Math" panose="02040503050406030204" pitchFamily="18" charset="0"/>
+                                        </a:rPr>
+                                        <m:t>−</m:t>
+                                      </m:r>
+                                      <m:r>
+                                        <a:rPr lang="en-US" sz="1800" b="0" i="1" smtClean="0">
+                                          <a:latin typeface="Cambria Math" panose="02040503050406030204" pitchFamily="18" charset="0"/>
+                                          <a:ea typeface="Cambria Math" panose="02040503050406030204" pitchFamily="18" charset="0"/>
+                                        </a:rPr>
+                                        <m:t>∞</m:t>
+                                      </m:r>
+                                    </m:sub>
+                                    <m:sup>
+                                      <m:r>
+                                        <a:rPr lang="en-US" sz="1800" b="0" i="1" smtClean="0">
+                                          <a:latin typeface="Cambria Math"/>
+                                          <a:ea typeface="Cambria Math" panose="02040503050406030204" pitchFamily="18" charset="0"/>
+                                        </a:rPr>
+                                        <m:t>0−</m:t>
+                                      </m:r>
+                                    </m:sup>
+                                    <m:e>
+                                      <m:r>
+                                        <a:rPr lang="en-US" sz="1800" i="1" smtClean="0">
+                                          <a:latin typeface="Cambria Math"/>
+                                          <a:ea typeface="Cambria Math" panose="02040503050406030204" pitchFamily="18" charset="0"/>
+                                        </a:rPr>
+                                        <m:t> </m:t>
+                                      </m:r>
+                                    </m:e>
+                                  </m:nary>
+                                  <m:r>
+                                    <m:rPr>
+                                      <m:sty m:val="p"/>
+                                    </m:rPr>
+                                    <a:rPr lang="en-US" sz="1800" b="0" i="0" smtClean="0">
+                                      <a:latin typeface="Cambria Math"/>
+                                      <a:ea typeface="Cambria Math" panose="02040503050406030204" pitchFamily="18" charset="0"/>
+                                    </a:rPr>
+                                    <m:t>f</m:t>
+                                  </m:r>
+                                  <m:d>
+                                    <m:dPr>
+                                      <m:ctrlPr>
+                                        <a:rPr lang="en-US" sz="1800" b="0" i="0" smtClean="0">
+                                          <a:latin typeface="Cambria Math"/>
+                                          <a:ea typeface="Cambria Math" panose="02040503050406030204" pitchFamily="18" charset="0"/>
+                                        </a:rPr>
+                                      </m:ctrlPr>
+                                    </m:dPr>
+                                    <m:e>
+                                      <m:r>
+                                        <m:rPr>
+                                          <m:sty m:val="p"/>
+                                        </m:rPr>
+                                        <a:rPr lang="en-US" sz="1800" b="0" i="0" smtClean="0">
+                                          <a:latin typeface="Cambria Math"/>
+                                          <a:ea typeface="Cambria Math" panose="02040503050406030204" pitchFamily="18" charset="0"/>
+                                        </a:rPr>
+                                        <m:t>t</m:t>
+                                      </m:r>
+                                    </m:e>
+                                  </m:d>
+                                  <m:r>
+                                    <m:rPr>
+                                      <m:sty m:val="p"/>
+                                    </m:rPr>
+                                    <a:rPr lang="en-US" sz="1800" b="0" i="0" smtClean="0">
+                                      <a:latin typeface="Cambria Math"/>
+                                      <a:ea typeface="Cambria Math" panose="02040503050406030204" pitchFamily="18" charset="0"/>
+                                    </a:rPr>
+                                    <m:t>dt</m:t>
+                                  </m:r>
+                                </m:num>
+                                <m:den>
+                                  <m:r>
+                                    <a:rPr lang="en-US" smtClean="0">
+                                      <a:latin typeface="Cambria Math"/>
+                                    </a:rPr>
+                                    <m:t>𝑠</m:t>
+                                  </m:r>
+                                </m:den>
+                              </m:f>
+                            </m:oMath>
+                          </a14:m>
+                          <a:endParaRPr lang="en-US" dirty="0"/>
+                        </a:p>
+                      </a:txBody>
+                      <a:tcPr/>
+                    </a:tc>
+                  </a:tr>
+                </a:tbl>
+              </a:graphicData>
+            </a:graphic>
+          </p:graphicFrame>
+        </mc:Choice>
+        <mc:Fallback>
+          <p:graphicFrame>
+            <p:nvGraphicFramePr>
+              <p:cNvPr id="9" name="Table 8"/>
+              <p:cNvGraphicFramePr>
+                <a:graphicFrameLocks noGrp="1"/>
+              </p:cNvGraphicFramePr>
+              <p:nvPr>
+                <p:extLst>
+                  <p:ext uri="{D42A27DB-BD31-4B8C-83A1-F6EECF244321}">
+                    <p14:modId xmlns:p14="http://schemas.microsoft.com/office/powerpoint/2010/main" val="946292740"/>
+                  </p:ext>
+                </p:extLst>
+              </p:nvPr>
+            </p:nvGraphicFramePr>
+            <p:xfrm>
+              <a:off x="6392454" y="1750300"/>
+              <a:ext cx="3770086" cy="4032085"/>
+            </p:xfrm>
+            <a:graphic>
+              <a:graphicData uri="http://schemas.openxmlformats.org/drawingml/2006/table">
+                <a:tbl>
+                  <a:tblPr firstRow="1" bandRow="1">
+                    <a:tableStyleId>{7E9639D4-E3E2-4D34-9284-5A2195B3D0D7}</a:tableStyleId>
+                  </a:tblPr>
+                  <a:tblGrid>
+                    <a:gridCol w="1885043"/>
+                    <a:gridCol w="1885043"/>
+                  </a:tblGrid>
+                  <a:tr h="415957">
+                    <a:tc>
+                      <a:txBody>
+                        <a:bodyPr/>
+                        <a:lstStyle/>
+                        <a:p>
+                          <a:pPr algn="ctr"/>
+                          <a:r>
+                            <a:rPr lang="en-US" dirty="0" smtClean="0"/>
+                            <a:t>f(t)</a:t>
+                          </a:r>
+                          <a:endParaRPr lang="en-US" dirty="0"/>
+                        </a:p>
+                      </a:txBody>
+                      <a:tcPr/>
+                    </a:tc>
+                    <a:tc>
+                      <a:txBody>
+                        <a:bodyPr/>
+                        <a:lstStyle/>
+                        <a:p>
+                          <a:pPr algn="ctr"/>
+                          <a:r>
+                            <a:rPr lang="en-US" dirty="0" smtClean="0"/>
+                            <a:t>F(s)</a:t>
+                          </a:r>
+                          <a:endParaRPr lang="en-US" dirty="0"/>
+                        </a:p>
+                      </a:txBody>
+                      <a:tcPr/>
+                    </a:tc>
+                  </a:tr>
+                  <a:tr h="569496">
+                    <a:tc>
+                      <a:txBody>
+                        <a:bodyPr/>
+                        <a:lstStyle/>
+                        <a:p>
+                          <a:endParaRPr lang="en-US"/>
+                        </a:p>
+                      </a:txBody>
+                      <a:tcPr>
+                        <a:blipFill rotWithShape="1">
                           <a:blip r:embed="rId3"/>
                           <a:stretch>
-                            <a:fillRect t="-1180000" r="-99677" b="-26667"/>
+                            <a:fillRect l="-324" t="-77660" r="-100324" b="-650000"/>
+                          </a:stretch>
+                        </a:blipFill>
+                      </a:tcPr>
+                    </a:tc>
+                    <a:tc>
+                      <a:txBody>
+                        <a:bodyPr/>
+                        <a:lstStyle/>
+                        <a:p>
+                          <a:pPr algn="ctr"/>
+                          <a:r>
+                            <a:rPr lang="en-US" dirty="0" smtClean="0"/>
+                            <a:t>f(</a:t>
+                          </a:r>
+                          <a:r>
+                            <a:rPr lang="en-US" dirty="0" err="1" smtClean="0"/>
+                            <a:t>s+a</a:t>
+                          </a:r>
+                          <a:r>
+                            <a:rPr lang="en-US" dirty="0" smtClean="0"/>
+                            <a:t>)</a:t>
+                          </a:r>
+                          <a:endParaRPr lang="en-US" dirty="0"/>
+                        </a:p>
+                      </a:txBody>
+                      <a:tcPr/>
+                    </a:tc>
+                  </a:tr>
+                  <a:tr h="569496">
+                    <a:tc>
+                      <a:txBody>
+                        <a:bodyPr/>
+                        <a:lstStyle/>
+                        <a:p>
+                          <a:pPr algn="ctr"/>
+                          <a:r>
+                            <a:rPr lang="en-US" dirty="0" smtClean="0"/>
+                            <a:t>f(t-T)u(t-T)</a:t>
+                          </a:r>
+                          <a:endParaRPr lang="en-US" dirty="0"/>
+                        </a:p>
+                      </a:txBody>
+                      <a:tcPr/>
+                    </a:tc>
+                    <a:tc>
+                      <a:txBody>
+                        <a:bodyPr/>
+                        <a:lstStyle/>
+                        <a:p>
+                          <a:endParaRPr lang="en-US"/>
+                        </a:p>
+                      </a:txBody>
+                      <a:tcPr>
+                        <a:blipFill rotWithShape="1">
+                          <a:blip r:embed="rId3"/>
+                          <a:stretch>
+                            <a:fillRect l="-100324" t="-179570" r="-324" b="-556989"/>
+                          </a:stretch>
+                        </a:blipFill>
+                      </a:tcPr>
+                    </a:tc>
+                  </a:tr>
+                  <a:tr h="640144">
+                    <a:tc>
+                      <a:txBody>
+                        <a:bodyPr/>
+                        <a:lstStyle/>
+                        <a:p>
+                          <a:endParaRPr lang="en-US"/>
+                        </a:p>
+                      </a:txBody>
+                      <a:tcPr>
+                        <a:blipFill rotWithShape="1">
+                          <a:blip r:embed="rId3"/>
+                          <a:stretch>
+                            <a:fillRect l="-324" t="-247619" r="-100324" b="-393333"/>
                           </a:stretch>
                         </a:blipFill>
                       </a:tcPr>
@@ -5279,7 +6372,115 @@
                         <a:blipFill rotWithShape="1">
                           <a:blip r:embed="rId3"/>
                           <a:stretch>
-                            <a:fillRect l="-100324" t="-1180000" b="-26667"/>
+                            <a:fillRect l="-100324" t="-247619" r="-324" b="-393333"/>
+                          </a:stretch>
+                        </a:blipFill>
+                      </a:tcPr>
+                    </a:tc>
+                  </a:tr>
+                  <a:tr h="613918">
+                    <a:tc>
+                      <a:txBody>
+                        <a:bodyPr/>
+                        <a:lstStyle/>
+                        <a:p>
+                          <a:endParaRPr lang="en-US"/>
+                        </a:p>
+                      </a:txBody>
+                      <a:tcPr>
+                        <a:blipFill rotWithShape="1">
+                          <a:blip r:embed="rId3"/>
+                          <a:stretch>
+                            <a:fillRect l="-324" t="-361386" r="-100324" b="-308911"/>
+                          </a:stretch>
+                        </a:blipFill>
+                      </a:tcPr>
+                    </a:tc>
+                    <a:tc>
+                      <a:txBody>
+                        <a:bodyPr/>
+                        <a:lstStyle/>
+                        <a:p>
+                          <a:endParaRPr lang="en-US"/>
+                        </a:p>
+                      </a:txBody>
+                      <a:tcPr>
+                        <a:blipFill rotWithShape="1">
+                          <a:blip r:embed="rId3"/>
+                          <a:stretch>
+                            <a:fillRect l="-100324" t="-361386" r="-324" b="-308911"/>
+                          </a:stretch>
+                        </a:blipFill>
+                      </a:tcPr>
+                    </a:tc>
+                  </a:tr>
+                  <a:tr h="641922">
+                    <a:tc>
+                      <a:txBody>
+                        <a:bodyPr/>
+                        <a:lstStyle/>
+                        <a:p>
+                          <a:endParaRPr lang="en-US"/>
+                        </a:p>
+                      </a:txBody>
+                      <a:tcPr>
+                        <a:blipFill rotWithShape="1">
+                          <a:blip r:embed="rId3"/>
+                          <a:stretch>
+                            <a:fillRect l="-324" t="-439623" r="-100324" b="-194340"/>
+                          </a:stretch>
+                        </a:blipFill>
+                      </a:tcPr>
+                    </a:tc>
+                    <a:tc>
+                      <a:txBody>
+                        <a:bodyPr/>
+                        <a:lstStyle/>
+                        <a:p>
+                          <a:endParaRPr lang="en-US"/>
+                        </a:p>
+                      </a:txBody>
+                      <a:tcPr>
+                        <a:blipFill rotWithShape="1">
+                          <a:blip r:embed="rId3"/>
+                          <a:stretch>
+                            <a:fillRect l="-100324" t="-439623" r="-324" b="-194340"/>
+                          </a:stretch>
+                        </a:blipFill>
+                      </a:tcPr>
+                    </a:tc>
+                  </a:tr>
+                  <a:tr h="581152">
+                    <a:tc>
+                      <a:txBody>
+                        <a:bodyPr/>
+                        <a:lstStyle/>
+                        <a:p>
+                          <a:endParaRPr lang="en-US"/>
+                        </a:p>
+                      </a:txBody>
+                      <a:tcPr>
+                        <a:blipFill rotWithShape="1">
+                          <a:blip r:embed="rId3"/>
+                          <a:stretch>
+                            <a:fillRect l="-324" t="-602105" r="-100324" b="-116842"/>
+                          </a:stretch>
+                        </a:blipFill>
+                      </a:tcPr>
+                    </a:tc>
+                    <a:tc>
+                      <a:txBody>
+                        <a:bodyPr/>
+                        <a:lstStyle/>
+                        <a:p>
+                          <a:endParaRPr lang="en-US"/>
+                        </a:p>
+                      </a:txBody>
+                      <a:tcPr>
+                        <a:blipFill rotWithShape="1">
+                          <a:blip r:embed="rId3"/>
+                          <a:stretch>
+                            <a:fillRect l="-100324" t="-602105" r="-324" b="-116842"/>
                           </a:stretch>
                         </a:blipFill>
                       </a:tcPr>
@@ -5291,6 +6492,36 @@
           </p:graphicFrame>
         </mc:Fallback>
       </mc:AlternateContent>
+      <p:sp>
+        <p:nvSpPr>
+          <p:cNvPr id="10" name="TextBox 9"/>
+          <p:cNvSpPr txBox="1"/>
+          <p:nvPr/>
+        </p:nvSpPr>
+        <p:spPr>
+          <a:xfrm>
+            <a:off x="141514" y="980275"/>
+            <a:ext cx="1219200" cy="369332"/>
+          </a:xfrm>
+          <a:prstGeom prst="rect">
+            <a:avLst/>
+          </a:prstGeom>
+          <a:noFill/>
+        </p:spPr>
+        <p:txBody>
+          <a:bodyPr wrap="square" rtlCol="0">
+            <a:spAutoFit/>
+          </a:bodyPr>
+          <a:lstStyle/>
+          <a:p>
+            <a:r>
+              <a:rPr lang="en-US" dirty="0" err="1" smtClean="0"/>
+              <a:t>salman</a:t>
+            </a:r>
+            <a:endParaRPr lang="en-US" dirty="0"/>
+          </a:p>
+        </p:txBody>
+      </p:sp>
     </p:spTree>
     <p:extLst>
       <p:ext uri="{BB962C8B-B14F-4D97-AF65-F5344CB8AC3E}">
@@ -5923,14 +7154,14 @@
           <p:nvPr/>
         </p:nvGraphicFramePr>
         <p:xfrm>
-          <a:off x="4752770" y="5402618"/>
+          <a:off x="4752975" y="5402263"/>
           <a:ext cx="2466975" cy="869950"/>
         </p:xfrm>
         <a:graphic>
           <a:graphicData uri="http://schemas.openxmlformats.org/presentationml/2006/ole">
             <mc:AlternateContent xmlns:mc="http://schemas.openxmlformats.org/markup-compatibility/2006">
               <mc:Choice xmlns:v="urn:schemas-microsoft-com:vml" Requires="v">
-                <p:oleObj spid="_x0000_s1080" name="Equation" r:id="rId4" imgW="1117440" imgH="393480" progId="Equation.DSMT4">
+                <p:oleObj spid="_x0000_s1128" name="Equation" r:id="rId4" imgW="1117440" imgH="393480" progId="Equation.DSMT4">
                   <p:embed/>
                 </p:oleObj>
               </mc:Choice>
@@ -5960,7 +7191,7 @@
                     </p:blipFill>
                     <p:spPr bwMode="auto">
                       <a:xfrm>
-                        <a:off x="4752770" y="5402618"/>
+                        <a:off x="4752975" y="5402263"/>
                         <a:ext cx="2466975" cy="869950"/>
                       </a:xfrm>
                       <a:prstGeom prst="rect">
@@ -6006,7 +7237,7 @@
           <a:graphicData uri="http://schemas.openxmlformats.org/presentationml/2006/ole">
             <mc:AlternateContent xmlns:mc="http://schemas.openxmlformats.org/markup-compatibility/2006">
               <mc:Choice xmlns:v="urn:schemas-microsoft-com:vml" Requires="v">
-                <p:oleObj spid="_x0000_s1081" name="Equation" r:id="rId6" imgW="698400" imgH="393480" progId="Equation.DSMT4">
+                <p:oleObj spid="_x0000_s1129" name="Equation" r:id="rId6" imgW="698400" imgH="393480" progId="Equation.DSMT4">
                   <p:embed/>
                 </p:oleObj>
               </mc:Choice>
@@ -6076,7 +7307,7 @@
           <a:graphicData uri="http://schemas.openxmlformats.org/presentationml/2006/ole">
             <mc:AlternateContent xmlns:mc="http://schemas.openxmlformats.org/markup-compatibility/2006">
               <mc:Choice xmlns:v="urn:schemas-microsoft-com:vml" Requires="v">
-                <p:oleObj spid="_x0000_s1082" name="Equation" r:id="rId8" imgW="952200" imgH="393480" progId="Equation.DSMT4">
+                <p:oleObj spid="_x0000_s1130" name="Equation" r:id="rId8" imgW="952200" imgH="393480" progId="Equation.DSMT4">
                   <p:embed/>
                 </p:oleObj>
               </mc:Choice>
@@ -6385,7 +7616,7 @@
             <a:r>
               <a:rPr lang="lv-LV" sz="4000" b="1" dirty="0">
                 <a:solidFill>
-                  <a:srgbClr val="0000CC"/>
+                  <a:srgbClr val="00B050"/>
                 </a:solidFill>
                 <a:latin typeface="Cambria" panose="02040503050406030204" pitchFamily="18" charset="0"/>
               </a:rPr>

--- a/PP WORK/Instructor Version/Week 2/Week 2 lecture 2 LT.pptx
+++ b/PP WORK/Instructor Version/Week 2/Week 2 lecture 2 LT.pptx
@@ -5,7 +5,7 @@
     <p:sldMasterId id="2147483660" r:id="rId1"/>
   </p:sldMasterIdLst>
   <p:notesMasterIdLst>
-    <p:notesMasterId r:id="rId28"/>
+    <p:notesMasterId r:id="rId29"/>
   </p:notesMasterIdLst>
   <p:sldIdLst>
     <p:sldId id="286" r:id="rId2"/>
@@ -21,19 +21,20 @@
     <p:sldId id="290" r:id="rId12"/>
     <p:sldId id="271" r:id="rId13"/>
     <p:sldId id="272" r:id="rId14"/>
-    <p:sldId id="273" r:id="rId15"/>
-    <p:sldId id="274" r:id="rId16"/>
-    <p:sldId id="275" r:id="rId17"/>
-    <p:sldId id="285" r:id="rId18"/>
-    <p:sldId id="276" r:id="rId19"/>
-    <p:sldId id="277" r:id="rId20"/>
-    <p:sldId id="278" r:id="rId21"/>
-    <p:sldId id="279" r:id="rId22"/>
-    <p:sldId id="280" r:id="rId23"/>
-    <p:sldId id="282" r:id="rId24"/>
-    <p:sldId id="283" r:id="rId25"/>
-    <p:sldId id="284" r:id="rId26"/>
-    <p:sldId id="287" r:id="rId27"/>
+    <p:sldId id="291" r:id="rId15"/>
+    <p:sldId id="273" r:id="rId16"/>
+    <p:sldId id="274" r:id="rId17"/>
+    <p:sldId id="275" r:id="rId18"/>
+    <p:sldId id="285" r:id="rId19"/>
+    <p:sldId id="276" r:id="rId20"/>
+    <p:sldId id="277" r:id="rId21"/>
+    <p:sldId id="278" r:id="rId22"/>
+    <p:sldId id="279" r:id="rId23"/>
+    <p:sldId id="280" r:id="rId24"/>
+    <p:sldId id="282" r:id="rId25"/>
+    <p:sldId id="283" r:id="rId26"/>
+    <p:sldId id="284" r:id="rId27"/>
+    <p:sldId id="287" r:id="rId28"/>
   </p:sldIdLst>
   <p:sldSz cx="12192000" cy="6858000"/>
   <p:notesSz cx="6858000" cy="9144000"/>
@@ -821,7 +822,7 @@
             <a:fld id="{972FA3FF-23C3-4E75-88F6-673CF187F7E6}" type="slidenum">
               <a:rPr lang="en-US" smtClean="0"/>
               <a:pPr/>
-              <a:t>14</a:t>
+              <a:t>15</a:t>
             </a:fld>
             <a:endParaRPr lang="en-US"/>
           </a:p>
@@ -905,7 +906,7 @@
           <a:p>
             <a:fld id="{DD6D8643-BD33-49CB-B3F5-37AD37437AD5}" type="slidenum">
               <a:rPr lang="en-US" smtClean="0"/>
-              <a:t>25</a:t>
+              <a:t>26</a:t>
             </a:fld>
             <a:endParaRPr lang="en-US"/>
           </a:p>
@@ -989,7 +990,7 @@
           <a:p>
             <a:fld id="{DD6D8643-BD33-49CB-B3F5-37AD37437AD5}" type="slidenum">
               <a:rPr lang="en-US" smtClean="0"/>
-              <a:t>26</a:t>
+              <a:t>27</a:t>
             </a:fld>
             <a:endParaRPr lang="en-US"/>
           </a:p>
@@ -7161,7 +7162,7 @@
           <a:graphicData uri="http://schemas.openxmlformats.org/presentationml/2006/ole">
             <mc:AlternateContent xmlns:mc="http://schemas.openxmlformats.org/markup-compatibility/2006">
               <mc:Choice xmlns:v="urn:schemas-microsoft-com:vml" Requires="v">
-                <p:oleObj spid="_x0000_s1128" name="Equation" r:id="rId4" imgW="1117440" imgH="393480" progId="Equation.DSMT4">
+                <p:oleObj spid="_x0000_s1137" name="Equation" r:id="rId4" imgW="1117440" imgH="393480" progId="Equation.DSMT4">
                   <p:embed/>
                 </p:oleObj>
               </mc:Choice>
@@ -7237,7 +7238,7 @@
           <a:graphicData uri="http://schemas.openxmlformats.org/presentationml/2006/ole">
             <mc:AlternateContent xmlns:mc="http://schemas.openxmlformats.org/markup-compatibility/2006">
               <mc:Choice xmlns:v="urn:schemas-microsoft-com:vml" Requires="v">
-                <p:oleObj spid="_x0000_s1129" name="Equation" r:id="rId6" imgW="698400" imgH="393480" progId="Equation.DSMT4">
+                <p:oleObj spid="_x0000_s1138" name="Equation" r:id="rId6" imgW="698400" imgH="393480" progId="Equation.DSMT4">
                   <p:embed/>
                 </p:oleObj>
               </mc:Choice>
@@ -7307,7 +7308,7 @@
           <a:graphicData uri="http://schemas.openxmlformats.org/presentationml/2006/ole">
             <mc:AlternateContent xmlns:mc="http://schemas.openxmlformats.org/markup-compatibility/2006">
               <mc:Choice xmlns:v="urn:schemas-microsoft-com:vml" Requires="v">
-                <p:oleObj spid="_x0000_s1130" name="Equation" r:id="rId8" imgW="952200" imgH="393480" progId="Equation.DSMT4">
+                <p:oleObj spid="_x0000_s1139" name="Equation" r:id="rId8" imgW="952200" imgH="393480" progId="Equation.DSMT4">
                   <p:embed/>
                 </p:oleObj>
               </mc:Choice>
@@ -8053,6 +8054,1407 @@
 </file>
 
 <file path=ppt/slides/slide14.xml><?xml version="1.0" encoding="utf-8"?>
+<p:sld xmlns:a="http://schemas.openxmlformats.org/drawingml/2006/main" xmlns:r="http://schemas.openxmlformats.org/officeDocument/2006/relationships" xmlns:p="http://schemas.openxmlformats.org/presentationml/2006/main">
+  <p:cSld>
+    <p:spTree>
+      <p:nvGrpSpPr>
+        <p:cNvPr id="1" name=""/>
+        <p:cNvGrpSpPr/>
+        <p:nvPr/>
+      </p:nvGrpSpPr>
+      <p:grpSpPr>
+        <a:xfrm>
+          <a:off x="0" y="0"/>
+          <a:ext cx="0" cy="0"/>
+          <a:chOff x="0" y="0"/>
+          <a:chExt cx="0" cy="0"/>
+        </a:xfrm>
+      </p:grpSpPr>
+      <p:sp>
+        <p:nvSpPr>
+          <p:cNvPr id="5" name="TextBox 4"/>
+          <p:cNvSpPr txBox="1"/>
+          <p:nvPr/>
+        </p:nvSpPr>
+        <p:spPr>
+          <a:xfrm>
+            <a:off x="764804" y="342627"/>
+            <a:ext cx="10445808" cy="707886"/>
+          </a:xfrm>
+          <a:prstGeom prst="rect">
+            <a:avLst/>
+          </a:prstGeom>
+          <a:noFill/>
+          <a:ln>
+            <a:noFill/>
+          </a:ln>
+        </p:spPr>
+        <p:txBody>
+          <a:bodyPr wrap="none" rtlCol="0">
+            <a:spAutoFit/>
+          </a:bodyPr>
+          <a:lstStyle/>
+          <a:p>
+            <a:r>
+              <a:rPr lang="lv-LV" sz="4000" b="1" dirty="0">
+                <a:solidFill>
+                  <a:srgbClr val="00B050"/>
+                </a:solidFill>
+                <a:latin typeface="Cambria" panose="02040503050406030204" pitchFamily="18" charset="0"/>
+              </a:rPr>
+              <a:t>Laplace transform properties and examples</a:t>
+            </a:r>
+          </a:p>
+        </p:txBody>
+      </p:sp>
+      <p:sp>
+        <p:nvSpPr>
+          <p:cNvPr id="6" name="Rectangle 5"/>
+          <p:cNvSpPr/>
+          <p:nvPr/>
+        </p:nvSpPr>
+        <p:spPr>
+          <a:xfrm>
+            <a:off x="3174098" y="2082302"/>
+            <a:ext cx="5086649" cy="523220"/>
+          </a:xfrm>
+          <a:prstGeom prst="rect">
+            <a:avLst/>
+          </a:prstGeom>
+          <a:noFill/>
+          <a:ln>
+            <a:noFill/>
+          </a:ln>
+        </p:spPr>
+        <p:txBody>
+          <a:bodyPr wrap="none">
+            <a:spAutoFit/>
+          </a:bodyPr>
+          <a:lstStyle/>
+          <a:p>
+            <a:r>
+              <a:rPr lang="en-US" sz="2800" dirty="0">
+                <a:solidFill>
+                  <a:srgbClr val="7030A0"/>
+                </a:solidFill>
+                <a:latin typeface="Cambria Math" panose="02040503050406030204" pitchFamily="18" charset="0"/>
+                <a:ea typeface="Cambria Math" panose="02040503050406030204" pitchFamily="18" charset="0"/>
+              </a:rPr>
+              <a:t>L[ f (t − T )u(t − T )] = e</a:t>
+            </a:r>
+            <a:r>
+              <a:rPr lang="en-US" sz="2800" baseline="30000" dirty="0">
+                <a:solidFill>
+                  <a:srgbClr val="7030A0"/>
+                </a:solidFill>
+                <a:latin typeface="Cambria Math" panose="02040503050406030204" pitchFamily="18" charset="0"/>
+                <a:ea typeface="Cambria Math" panose="02040503050406030204" pitchFamily="18" charset="0"/>
+              </a:rPr>
+              <a:t>−sT </a:t>
+            </a:r>
+            <a:r>
+              <a:rPr lang="en-US" sz="2800" dirty="0">
+                <a:solidFill>
+                  <a:srgbClr val="7030A0"/>
+                </a:solidFill>
+                <a:latin typeface="Cambria Math" panose="02040503050406030204" pitchFamily="18" charset="0"/>
+                <a:ea typeface="Cambria Math" panose="02040503050406030204" pitchFamily="18" charset="0"/>
+              </a:rPr>
+              <a:t>F(s)</a:t>
+            </a:r>
+          </a:p>
+        </p:txBody>
+      </p:sp>
+      <p:sp>
+        <p:nvSpPr>
+          <p:cNvPr id="7" name="Rectangle 6"/>
+          <p:cNvSpPr/>
+          <p:nvPr/>
+        </p:nvSpPr>
+        <p:spPr>
+          <a:xfrm>
+            <a:off x="505279" y="2518214"/>
+            <a:ext cx="962443" cy="461665"/>
+          </a:xfrm>
+          <a:prstGeom prst="rect">
+            <a:avLst/>
+          </a:prstGeom>
+        </p:spPr>
+        <p:txBody>
+          <a:bodyPr wrap="none">
+            <a:spAutoFit/>
+          </a:bodyPr>
+          <a:lstStyle/>
+          <a:p>
+            <a:r>
+              <a:rPr lang="en-US" sz="2400" b="1" dirty="0">
+                <a:solidFill>
+                  <a:srgbClr val="006600"/>
+                </a:solidFill>
+                <a:effectLst>
+                  <a:outerShdw blurRad="38100" dist="38100" dir="2700000" algn="tl">
+                    <a:srgbClr val="000000">
+                      <a:alpha val="43137"/>
+                    </a:srgbClr>
+                  </a:outerShdw>
+                </a:effectLst>
+                <a:latin typeface="Cambria" panose="02040503050406030204" pitchFamily="18" charset="0"/>
+              </a:rPr>
+              <a:t>Proof</a:t>
+            </a:r>
+          </a:p>
+        </p:txBody>
+      </p:sp>
+      <p:sp>
+        <p:nvSpPr>
+          <p:cNvPr id="9" name="Rectangle 8"/>
+          <p:cNvSpPr/>
+          <p:nvPr/>
+        </p:nvSpPr>
+        <p:spPr>
+          <a:xfrm>
+            <a:off x="2974990" y="1456212"/>
+            <a:ext cx="5603089" cy="523220"/>
+          </a:xfrm>
+          <a:prstGeom prst="rect">
+            <a:avLst/>
+          </a:prstGeom>
+          <a:ln>
+            <a:noFill/>
+          </a:ln>
+        </p:spPr>
+        <p:txBody>
+          <a:bodyPr wrap="square">
+            <a:spAutoFit/>
+          </a:bodyPr>
+          <a:lstStyle/>
+          <a:p>
+            <a:r>
+              <a:rPr lang="lv-LV" sz="2800" dirty="0">
+                <a:latin typeface="Cambria Math" panose="02040503050406030204" pitchFamily="18" charset="0"/>
+                <a:ea typeface="Cambria Math" panose="02040503050406030204" pitchFamily="18" charset="0"/>
+              </a:rPr>
+              <a:t>If </a:t>
+            </a:r>
+            <a:r>
+              <a:rPr lang="en-US" sz="2800" dirty="0">
+                <a:latin typeface="Cambria Math" panose="02040503050406030204" pitchFamily="18" charset="0"/>
+                <a:ea typeface="Cambria Math" panose="02040503050406030204" pitchFamily="18" charset="0"/>
+              </a:rPr>
+              <a:t>L[f(t </a:t>
+            </a:r>
+            <a:r>
+              <a:rPr lang="lv-LV" sz="2800" dirty="0">
+                <a:latin typeface="Cambria Math" panose="02040503050406030204" pitchFamily="18" charset="0"/>
+                <a:ea typeface="Cambria Math" panose="02040503050406030204" pitchFamily="18" charset="0"/>
+              </a:rPr>
+              <a:t>)u</a:t>
+            </a:r>
+            <a:r>
+              <a:rPr lang="en-US" sz="2800" dirty="0">
+                <a:latin typeface="Cambria Math" panose="02040503050406030204" pitchFamily="18" charset="0"/>
+                <a:ea typeface="Cambria Math" panose="02040503050406030204" pitchFamily="18" charset="0"/>
+              </a:rPr>
+              <a:t>(t )] = F(s</a:t>
+            </a:r>
+            <a:r>
+              <a:rPr lang="lv-LV" sz="2800" dirty="0">
+                <a:latin typeface="Cambria Math" panose="02040503050406030204" pitchFamily="18" charset="0"/>
+                <a:ea typeface="Cambria Math" panose="02040503050406030204" pitchFamily="18" charset="0"/>
+              </a:rPr>
+              <a:t>), then, for T&gt;0</a:t>
+            </a:r>
+            <a:endParaRPr lang="en-US" sz="2800" dirty="0">
+              <a:latin typeface="Cambria Math" panose="02040503050406030204" pitchFamily="18" charset="0"/>
+              <a:ea typeface="Cambria Math" panose="02040503050406030204" pitchFamily="18" charset="0"/>
+            </a:endParaRPr>
+          </a:p>
+        </p:txBody>
+      </p:sp>
+      <p:sp>
+        <p:nvSpPr>
+          <p:cNvPr id="12" name="TextBox 11"/>
+          <p:cNvSpPr txBox="1"/>
+          <p:nvPr/>
+        </p:nvSpPr>
+        <p:spPr>
+          <a:xfrm>
+            <a:off x="603669" y="4233330"/>
+            <a:ext cx="4164602" cy="523220"/>
+          </a:xfrm>
+          <a:prstGeom prst="rect">
+            <a:avLst/>
+          </a:prstGeom>
+          <a:noFill/>
+        </p:spPr>
+        <p:txBody>
+          <a:bodyPr wrap="none" rtlCol="0">
+            <a:spAutoFit/>
+          </a:bodyPr>
+          <a:lstStyle/>
+          <a:p>
+            <a:r>
+              <a:rPr lang="en-US" sz="2400" dirty="0">
+                <a:latin typeface="Cambria" panose="02040503050406030204" pitchFamily="18" charset="0"/>
+              </a:rPr>
+              <a:t>As T is constant, then </a:t>
+            </a:r>
+            <a:r>
+              <a:rPr lang="en-US" sz="2800" b="1" dirty="0" err="1">
+                <a:latin typeface="Cambria Math" panose="02040503050406030204" pitchFamily="18" charset="0"/>
+                <a:ea typeface="Cambria Math" panose="02040503050406030204" pitchFamily="18" charset="0"/>
+              </a:rPr>
+              <a:t>dq</a:t>
+            </a:r>
+            <a:r>
+              <a:rPr lang="en-US" sz="2800" b="1" dirty="0">
+                <a:latin typeface="Cambria Math" panose="02040503050406030204" pitchFamily="18" charset="0"/>
+                <a:ea typeface="Cambria Math" panose="02040503050406030204" pitchFamily="18" charset="0"/>
+              </a:rPr>
+              <a:t> = </a:t>
+            </a:r>
+            <a:r>
+              <a:rPr lang="en-US" sz="2800" b="1" dirty="0" err="1">
+                <a:latin typeface="Cambria Math" panose="02040503050406030204" pitchFamily="18" charset="0"/>
+                <a:ea typeface="Cambria Math" panose="02040503050406030204" pitchFamily="18" charset="0"/>
+              </a:rPr>
+              <a:t>dt</a:t>
+            </a:r>
+            <a:endParaRPr lang="en-US" sz="2800" b="1" dirty="0">
+              <a:latin typeface="Cambria Math" panose="02040503050406030204" pitchFamily="18" charset="0"/>
+              <a:ea typeface="Cambria Math" panose="02040503050406030204" pitchFamily="18" charset="0"/>
+            </a:endParaRPr>
+          </a:p>
+        </p:txBody>
+      </p:sp>
+      <p:pic>
+        <p:nvPicPr>
+          <p:cNvPr id="19" name="Picture 18"/>
+          <p:cNvPicPr>
+            <a:picLocks noChangeAspect="1"/>
+          </p:cNvPicPr>
+          <p:nvPr/>
+        </p:nvPicPr>
+        <p:blipFill>
+          <a:blip r:embed="rId2"/>
+          <a:stretch>
+            <a:fillRect/>
+          </a:stretch>
+        </p:blipFill>
+        <p:spPr>
+          <a:xfrm>
+            <a:off x="603669" y="3785577"/>
+            <a:ext cx="10321423" cy="463336"/>
+          </a:xfrm>
+          <a:prstGeom prst="rect">
+            <a:avLst/>
+          </a:prstGeom>
+        </p:spPr>
+      </p:pic>
+      <p:pic>
+        <p:nvPicPr>
+          <p:cNvPr id="20" name="Picture 19"/>
+          <p:cNvPicPr>
+            <a:picLocks noChangeAspect="1"/>
+          </p:cNvPicPr>
+          <p:nvPr/>
+        </p:nvPicPr>
+        <p:blipFill>
+          <a:blip r:embed="rId3"/>
+          <a:stretch>
+            <a:fillRect/>
+          </a:stretch>
+        </p:blipFill>
+        <p:spPr>
+          <a:xfrm>
+            <a:off x="5374628" y="4373858"/>
+            <a:ext cx="371888" cy="438950"/>
+          </a:xfrm>
+          <a:prstGeom prst="rect">
+            <a:avLst/>
+          </a:prstGeom>
+          <a:noFill/>
+          <a:ln>
+            <a:noFill/>
+          </a:ln>
+        </p:spPr>
+      </p:pic>
+      <p:sp>
+        <p:nvSpPr>
+          <p:cNvPr id="2" name="Slide Number Placeholder 1"/>
+          <p:cNvSpPr>
+            <a:spLocks noGrp="1"/>
+          </p:cNvSpPr>
+          <p:nvPr>
+            <p:ph type="sldNum" sz="quarter" idx="7"/>
+          </p:nvPr>
+        </p:nvSpPr>
+        <p:spPr/>
+        <p:txBody>
+          <a:bodyPr/>
+          <a:lstStyle/>
+          <a:p>
+            <a:fld id="{539F810C-9DAB-49B2-B45C-341744954A16}" type="slidenum">
+              <a:rPr lang="en-GB" smtClean="0"/>
+              <a:pPr/>
+              <a:t>14</a:t>
+            </a:fld>
+            <a:endParaRPr lang="en-GB"/>
+          </a:p>
+        </p:txBody>
+      </p:sp>
+      <p:sp>
+        <p:nvSpPr>
+          <p:cNvPr id="4" name="TextBox 3">
+            <a:extLst>
+              <a:ext uri="{FF2B5EF4-FFF2-40B4-BE49-F238E27FC236}">
+                <a16:creationId xmlns:a16="http://schemas.microsoft.com/office/drawing/2014/main" xmlns="" id="{01DC56BC-AAFA-0F10-1064-898A956EB677}"/>
+              </a:ext>
+            </a:extLst>
+          </p:cNvPr>
+          <p:cNvSpPr txBox="1"/>
+          <p:nvPr/>
+        </p:nvSpPr>
+        <p:spPr>
+          <a:xfrm>
+            <a:off x="843534" y="1107924"/>
+            <a:ext cx="6094476" cy="400110"/>
+          </a:xfrm>
+          <a:prstGeom prst="rect">
+            <a:avLst/>
+          </a:prstGeom>
+          <a:noFill/>
+        </p:spPr>
+        <p:txBody>
+          <a:bodyPr wrap="square">
+            <a:spAutoFit/>
+          </a:bodyPr>
+          <a:lstStyle/>
+          <a:p>
+            <a:r>
+              <a:rPr lang="lv-LV" sz="2000" b="1" i="1" dirty="0">
+                <a:solidFill>
+                  <a:srgbClr val="D60093"/>
+                </a:solidFill>
+                <a:latin typeface="Cambria" panose="02040503050406030204" pitchFamily="18" charset="0"/>
+              </a:rPr>
+              <a:t>2. Time shift property</a:t>
+            </a:r>
+            <a:endParaRPr lang="en-US" sz="2000" b="1" i="1" dirty="0">
+              <a:solidFill>
+                <a:srgbClr val="D60093"/>
+              </a:solidFill>
+              <a:latin typeface="Cambria" panose="02040503050406030204" pitchFamily="18" charset="0"/>
+            </a:endParaRPr>
+          </a:p>
+        </p:txBody>
+      </p:sp>
+      <mc:AlternateContent xmlns:mc="http://schemas.openxmlformats.org/markup-compatibility/2006">
+        <mc:Choice xmlns:a14="http://schemas.microsoft.com/office/drawing/2010/main" Requires="a14">
+          <p:sp>
+            <p:nvSpPr>
+              <p:cNvPr id="3" name="TextBox 2"/>
+              <p:cNvSpPr txBox="1"/>
+              <p:nvPr/>
+            </p:nvSpPr>
+            <p:spPr>
+              <a:xfrm>
+                <a:off x="843534" y="3043373"/>
+                <a:ext cx="11348466" cy="640625"/>
+              </a:xfrm>
+              <a:prstGeom prst="rect">
+                <a:avLst/>
+              </a:prstGeom>
+              <a:noFill/>
+            </p:spPr>
+            <p:txBody>
+              <a:bodyPr wrap="square" rtlCol="0">
+                <a:spAutoFit/>
+              </a:bodyPr>
+              <a:lstStyle/>
+              <a:p>
+                <a:pPr algn="just"/>
+                <a:r>
+                  <a:rPr lang="en-US" sz="2800" dirty="0" smtClean="0"/>
+                  <a:t>F(s)=L[f(t-T) u(t-T)} = </a:t>
+                </a:r>
+                <a14:m>
+                  <m:oMath xmlns:m="http://schemas.openxmlformats.org/officeDocument/2006/math">
+                    <m:nary>
+                      <m:naryPr>
+                        <m:ctrlPr>
+                          <a:rPr lang="en-US" sz="2800" i="1">
+                            <a:latin typeface="Cambria Math"/>
+                            <a:ea typeface="Cambria Math" panose="02040503050406030204" pitchFamily="18" charset="0"/>
+                          </a:rPr>
+                        </m:ctrlPr>
+                      </m:naryPr>
+                      <m:sub>
+                        <m:r>
+                          <a:rPr lang="en-US" sz="2800" b="0" i="1" smtClean="0">
+                            <a:latin typeface="Cambria Math"/>
+                            <a:ea typeface="Cambria Math" panose="02040503050406030204" pitchFamily="18" charset="0"/>
+                          </a:rPr>
+                          <m:t>𝑜</m:t>
+                        </m:r>
+                        <m:r>
+                          <a:rPr lang="en-US" sz="2800" b="0" i="1" smtClean="0">
+                            <a:latin typeface="Cambria Math"/>
+                            <a:ea typeface="Cambria Math" panose="02040503050406030204" pitchFamily="18" charset="0"/>
+                          </a:rPr>
+                          <m:t>−</m:t>
+                        </m:r>
+                      </m:sub>
+                      <m:sup>
+                        <m:r>
+                          <a:rPr lang="en-US" sz="2800" i="1">
+                            <a:latin typeface="Cambria Math" panose="02040503050406030204" pitchFamily="18" charset="0"/>
+                            <a:ea typeface="Cambria Math" panose="02040503050406030204" pitchFamily="18" charset="0"/>
+                          </a:rPr>
+                          <m:t>∞</m:t>
+                        </m:r>
+                      </m:sup>
+                      <m:e>
+                        <m:r>
+                          <a:rPr lang="en-US" sz="2800" b="0" i="1" smtClean="0">
+                            <a:latin typeface="Cambria Math"/>
+                            <a:ea typeface="Cambria Math" panose="02040503050406030204" pitchFamily="18" charset="0"/>
+                          </a:rPr>
+                          <m:t>𝑓</m:t>
+                        </m:r>
+                        <m:d>
+                          <m:dPr>
+                            <m:ctrlPr>
+                              <a:rPr lang="en-US" sz="2800" b="0" i="1" smtClean="0">
+                                <a:latin typeface="Cambria Math"/>
+                                <a:ea typeface="Cambria Math" panose="02040503050406030204" pitchFamily="18" charset="0"/>
+                              </a:rPr>
+                            </m:ctrlPr>
+                          </m:dPr>
+                          <m:e>
+                            <m:r>
+                              <a:rPr lang="en-US" sz="2800" b="0" i="1" smtClean="0">
+                                <a:latin typeface="Cambria Math"/>
+                                <a:ea typeface="Cambria Math" panose="02040503050406030204" pitchFamily="18" charset="0"/>
+                              </a:rPr>
+                              <m:t>𝑡</m:t>
+                            </m:r>
+                            <m:r>
+                              <a:rPr lang="en-US" sz="2800" b="0" i="1" smtClean="0">
+                                <a:latin typeface="Cambria Math"/>
+                                <a:ea typeface="Cambria Math" panose="02040503050406030204" pitchFamily="18" charset="0"/>
+                              </a:rPr>
+                              <m:t>−</m:t>
+                            </m:r>
+                            <m:r>
+                              <a:rPr lang="en-US" sz="2800" b="0" i="1" smtClean="0">
+                                <a:latin typeface="Cambria Math"/>
+                                <a:ea typeface="Cambria Math" panose="02040503050406030204" pitchFamily="18" charset="0"/>
+                              </a:rPr>
+                              <m:t>𝑇</m:t>
+                            </m:r>
+                          </m:e>
+                        </m:d>
+                        <m:r>
+                          <a:rPr lang="en-US" sz="2800" b="0" i="1" smtClean="0">
+                            <a:latin typeface="Cambria Math"/>
+                            <a:ea typeface="Cambria Math" panose="02040503050406030204" pitchFamily="18" charset="0"/>
+                          </a:rPr>
+                          <m:t> </m:t>
+                        </m:r>
+                        <m:r>
+                          <a:rPr lang="en-US" sz="2800" b="0" i="1" smtClean="0">
+                            <a:latin typeface="Cambria Math"/>
+                            <a:ea typeface="Cambria Math" panose="02040503050406030204" pitchFamily="18" charset="0"/>
+                          </a:rPr>
+                          <m:t>𝑒</m:t>
+                        </m:r>
+                        <m:r>
+                          <a:rPr lang="en-US" sz="2800" b="0" i="1" baseline="30000" smtClean="0">
+                            <a:latin typeface="Cambria Math"/>
+                            <a:ea typeface="Cambria Math" panose="02040503050406030204" pitchFamily="18" charset="0"/>
+                          </a:rPr>
+                          <m:t>−</m:t>
+                        </m:r>
+                        <m:r>
+                          <a:rPr lang="en-US" sz="2800" b="0" i="1" baseline="30000" smtClean="0">
+                            <a:latin typeface="Cambria Math"/>
+                            <a:ea typeface="Cambria Math" panose="02040503050406030204" pitchFamily="18" charset="0"/>
+                          </a:rPr>
+                          <m:t>𝑠𝑡</m:t>
+                        </m:r>
+                        <m:r>
+                          <a:rPr lang="en-US" sz="2800" i="1">
+                            <a:latin typeface="Cambria Math"/>
+                            <a:ea typeface="Cambria Math" panose="02040503050406030204" pitchFamily="18" charset="0"/>
+                          </a:rPr>
+                          <m:t> </m:t>
+                        </m:r>
+                        <m:r>
+                          <a:rPr lang="en-US" sz="2800" b="0" i="1" smtClean="0">
+                            <a:latin typeface="Cambria Math"/>
+                            <a:ea typeface="Cambria Math" panose="02040503050406030204" pitchFamily="18" charset="0"/>
+                          </a:rPr>
+                          <m:t>𝑑𝑡</m:t>
+                        </m:r>
+                        <m:r>
+                          <a:rPr lang="en-US" sz="2800" b="0" i="1" smtClean="0">
+                            <a:latin typeface="Cambria Math"/>
+                            <a:ea typeface="Cambria Math" panose="02040503050406030204" pitchFamily="18" charset="0"/>
+                          </a:rPr>
+                          <m:t>=</m:t>
+                        </m:r>
+                        <m:nary>
+                          <m:naryPr>
+                            <m:ctrlPr>
+                              <a:rPr lang="en-US" sz="2800" i="1">
+                                <a:latin typeface="Cambria Math"/>
+                                <a:ea typeface="Cambria Math" panose="02040503050406030204" pitchFamily="18" charset="0"/>
+                              </a:rPr>
+                            </m:ctrlPr>
+                          </m:naryPr>
+                          <m:sub>
+                            <m:r>
+                              <a:rPr lang="en-US" sz="2800" b="0" i="1" smtClean="0">
+                                <a:latin typeface="Cambria Math"/>
+                                <a:ea typeface="Cambria Math" panose="02040503050406030204" pitchFamily="18" charset="0"/>
+                              </a:rPr>
+                              <m:t>𝑇</m:t>
+                            </m:r>
+                            <m:r>
+                              <a:rPr lang="en-US" sz="2800" b="0" i="1" smtClean="0">
+                                <a:latin typeface="Cambria Math"/>
+                                <a:ea typeface="Cambria Math" panose="02040503050406030204" pitchFamily="18" charset="0"/>
+                              </a:rPr>
+                              <m:t>−</m:t>
+                            </m:r>
+                          </m:sub>
+                          <m:sup>
+                            <m:r>
+                              <a:rPr lang="en-US" sz="2800" i="1">
+                                <a:latin typeface="Cambria Math" panose="02040503050406030204" pitchFamily="18" charset="0"/>
+                                <a:ea typeface="Cambria Math" panose="02040503050406030204" pitchFamily="18" charset="0"/>
+                              </a:rPr>
+                              <m:t>∞</m:t>
+                            </m:r>
+                          </m:sup>
+                          <m:e>
+                            <m:r>
+                              <a:rPr lang="en-US" sz="2800" i="1">
+                                <a:latin typeface="Cambria Math"/>
+                                <a:ea typeface="Cambria Math" panose="02040503050406030204" pitchFamily="18" charset="0"/>
+                              </a:rPr>
+                              <m:t> </m:t>
+                            </m:r>
+                          </m:e>
+                        </m:nary>
+                        <m:r>
+                          <a:rPr lang="en-US" sz="2800" b="0" i="1" smtClean="0">
+                            <a:latin typeface="Cambria Math"/>
+                            <a:ea typeface="Cambria Math" panose="02040503050406030204" pitchFamily="18" charset="0"/>
+                          </a:rPr>
+                          <m:t>𝑓</m:t>
+                        </m:r>
+                        <m:d>
+                          <m:dPr>
+                            <m:ctrlPr>
+                              <a:rPr lang="en-US" sz="2800" b="0" i="1" smtClean="0">
+                                <a:latin typeface="Cambria Math"/>
+                                <a:ea typeface="Cambria Math" panose="02040503050406030204" pitchFamily="18" charset="0"/>
+                              </a:rPr>
+                            </m:ctrlPr>
+                          </m:dPr>
+                          <m:e>
+                            <m:r>
+                              <a:rPr lang="en-US" sz="2800" b="0" i="1" smtClean="0">
+                                <a:latin typeface="Cambria Math"/>
+                                <a:ea typeface="Cambria Math" panose="02040503050406030204" pitchFamily="18" charset="0"/>
+                              </a:rPr>
+                              <m:t>𝑡</m:t>
+                            </m:r>
+                            <m:r>
+                              <a:rPr lang="en-US" sz="2800" b="0" i="1" smtClean="0">
+                                <a:latin typeface="Cambria Math"/>
+                                <a:ea typeface="Cambria Math" panose="02040503050406030204" pitchFamily="18" charset="0"/>
+                              </a:rPr>
+                              <m:t>−</m:t>
+                            </m:r>
+                            <m:r>
+                              <a:rPr lang="en-US" sz="2800" b="0" i="1" smtClean="0">
+                                <a:latin typeface="Cambria Math"/>
+                                <a:ea typeface="Cambria Math" panose="02040503050406030204" pitchFamily="18" charset="0"/>
+                              </a:rPr>
+                              <m:t>𝑇</m:t>
+                            </m:r>
+                          </m:e>
+                        </m:d>
+                        <m:r>
+                          <a:rPr lang="en-US" sz="2800" b="0" i="1" smtClean="0">
+                            <a:latin typeface="Cambria Math"/>
+                            <a:ea typeface="Cambria Math" panose="02040503050406030204" pitchFamily="18" charset="0"/>
+                          </a:rPr>
+                          <m:t>𝑒</m:t>
+                        </m:r>
+                        <m:r>
+                          <a:rPr lang="en-US" sz="2800" b="0" i="1" baseline="30000" smtClean="0">
+                            <a:latin typeface="Cambria Math"/>
+                            <a:ea typeface="Cambria Math" panose="02040503050406030204" pitchFamily="18" charset="0"/>
+                          </a:rPr>
+                          <m:t>−</m:t>
+                        </m:r>
+                        <m:r>
+                          <a:rPr lang="en-US" sz="2800" b="0" i="1" baseline="30000" smtClean="0">
+                            <a:latin typeface="Cambria Math"/>
+                            <a:ea typeface="Cambria Math" panose="02040503050406030204" pitchFamily="18" charset="0"/>
+                          </a:rPr>
+                          <m:t>𝑠𝑡𝑑</m:t>
+                        </m:r>
+                        <m:r>
+                          <a:rPr lang="en-US" sz="2800" b="0" i="1" smtClean="0">
+                            <a:latin typeface="Cambria Math"/>
+                            <a:ea typeface="Cambria Math" panose="02040503050406030204" pitchFamily="18" charset="0"/>
+                          </a:rPr>
+                          <m:t>𝑡</m:t>
+                        </m:r>
+                      </m:e>
+                    </m:nary>
+                  </m:oMath>
+                </a14:m>
+                <a:endParaRPr lang="en-US" sz="2800" dirty="0"/>
+              </a:p>
+            </p:txBody>
+          </p:sp>
+        </mc:Choice>
+        <mc:Fallback>
+          <p:sp>
+            <p:nvSpPr>
+              <p:cNvPr id="3" name="TextBox 2"/>
+              <p:cNvSpPr txBox="1">
+                <a:spLocks noRot="1" noChangeAspect="1" noMove="1" noResize="1" noEditPoints="1" noAdjustHandles="1" noChangeArrowheads="1" noChangeShapeType="1" noTextEdit="1"/>
+              </p:cNvSpPr>
+              <p:nvPr/>
+            </p:nvSpPr>
+            <p:spPr>
+              <a:xfrm>
+                <a:off x="843534" y="3043373"/>
+                <a:ext cx="11348466" cy="640625"/>
+              </a:xfrm>
+              <a:prstGeom prst="rect">
+                <a:avLst/>
+              </a:prstGeom>
+              <a:blipFill rotWithShape="1">
+                <a:blip r:embed="rId4"/>
+                <a:stretch>
+                  <a:fillRect l="-1074" b="-18095"/>
+                </a:stretch>
+              </a:blipFill>
+            </p:spPr>
+            <p:txBody>
+              <a:bodyPr/>
+              <a:lstStyle/>
+              <a:p>
+                <a:r>
+                  <a:rPr lang="en-US">
+                    <a:noFill/>
+                  </a:rPr>
+                  <a:t> </a:t>
+                </a:r>
+              </a:p>
+            </p:txBody>
+          </p:sp>
+        </mc:Fallback>
+      </mc:AlternateContent>
+      <mc:AlternateContent xmlns:mc="http://schemas.openxmlformats.org/markup-compatibility/2006">
+        <mc:Choice xmlns:a14="http://schemas.microsoft.com/office/drawing/2010/main" Requires="a14">
+          <p:sp>
+            <p:nvSpPr>
+              <p:cNvPr id="17" name="TextBox 16"/>
+              <p:cNvSpPr txBox="1"/>
+              <p:nvPr/>
+            </p:nvSpPr>
+            <p:spPr>
+              <a:xfrm>
+                <a:off x="701930" y="4828243"/>
+                <a:ext cx="11303704" cy="562333"/>
+              </a:xfrm>
+              <a:prstGeom prst="rect">
+                <a:avLst/>
+              </a:prstGeom>
+              <a:noFill/>
+            </p:spPr>
+            <p:txBody>
+              <a:bodyPr wrap="square" rtlCol="0">
+                <a:spAutoFit/>
+              </a:bodyPr>
+              <a:lstStyle/>
+              <a:p>
+                <a:pPr algn="just"/>
+                <a:r>
+                  <a:rPr lang="en-US" sz="2400" dirty="0" smtClean="0"/>
+                  <a:t>F(s)=</a:t>
+                </a:r>
+                <a14:m>
+                  <m:oMath xmlns:m="http://schemas.openxmlformats.org/officeDocument/2006/math">
+                    <m:nary>
+                      <m:naryPr>
+                        <m:ctrlPr>
+                          <a:rPr lang="en-US" sz="2400" i="1">
+                            <a:latin typeface="Cambria Math"/>
+                            <a:ea typeface="Cambria Math" panose="02040503050406030204" pitchFamily="18" charset="0"/>
+                          </a:rPr>
+                        </m:ctrlPr>
+                      </m:naryPr>
+                      <m:sub>
+                        <m:r>
+                          <a:rPr lang="en-US" sz="2400" b="0" i="1" smtClean="0">
+                            <a:latin typeface="Cambria Math"/>
+                            <a:ea typeface="Cambria Math" panose="02040503050406030204" pitchFamily="18" charset="0"/>
+                          </a:rPr>
+                          <m:t>𝑜</m:t>
+                        </m:r>
+                        <m:r>
+                          <a:rPr lang="en-US" sz="2400" b="0" i="1" smtClean="0">
+                            <a:latin typeface="Cambria Math"/>
+                            <a:ea typeface="Cambria Math" panose="02040503050406030204" pitchFamily="18" charset="0"/>
+                          </a:rPr>
+                          <m:t>−</m:t>
+                        </m:r>
+                      </m:sub>
+                      <m:sup>
+                        <m:r>
+                          <a:rPr lang="en-US" sz="2400" i="1">
+                            <a:latin typeface="Cambria Math" panose="02040503050406030204" pitchFamily="18" charset="0"/>
+                            <a:ea typeface="Cambria Math" panose="02040503050406030204" pitchFamily="18" charset="0"/>
+                          </a:rPr>
+                          <m:t>∞</m:t>
+                        </m:r>
+                      </m:sup>
+                      <m:e>
+                        <m:r>
+                          <a:rPr lang="en-US" sz="2400" b="0" i="1" smtClean="0">
+                            <a:latin typeface="Cambria Math"/>
+                            <a:ea typeface="Cambria Math" panose="02040503050406030204" pitchFamily="18" charset="0"/>
+                          </a:rPr>
+                          <m:t>𝑓</m:t>
+                        </m:r>
+                        <m:d>
+                          <m:dPr>
+                            <m:ctrlPr>
+                              <a:rPr lang="en-US" sz="2400" b="0" i="1" smtClean="0">
+                                <a:latin typeface="Cambria Math"/>
+                                <a:ea typeface="Cambria Math" panose="02040503050406030204" pitchFamily="18" charset="0"/>
+                              </a:rPr>
+                            </m:ctrlPr>
+                          </m:dPr>
+                          <m:e>
+                            <m:r>
+                              <a:rPr lang="en-US" sz="2400" b="0" i="1" smtClean="0">
+                                <a:latin typeface="Cambria Math"/>
+                                <a:ea typeface="Cambria Math" panose="02040503050406030204" pitchFamily="18" charset="0"/>
+                              </a:rPr>
+                              <m:t>𝑡</m:t>
+                            </m:r>
+                            <m:r>
+                              <a:rPr lang="en-US" sz="2400" b="0" i="1" smtClean="0">
+                                <a:latin typeface="Cambria Math"/>
+                                <a:ea typeface="Cambria Math" panose="02040503050406030204" pitchFamily="18" charset="0"/>
+                              </a:rPr>
+                              <m:t>−</m:t>
+                            </m:r>
+                            <m:r>
+                              <a:rPr lang="en-US" sz="2400" b="0" i="1" smtClean="0">
+                                <a:latin typeface="Cambria Math"/>
+                                <a:ea typeface="Cambria Math" panose="02040503050406030204" pitchFamily="18" charset="0"/>
+                              </a:rPr>
+                              <m:t>𝑇</m:t>
+                            </m:r>
+                          </m:e>
+                        </m:d>
+                        <m:r>
+                          <a:rPr lang="en-US" sz="2400" b="0" i="1" smtClean="0">
+                            <a:latin typeface="Cambria Math"/>
+                            <a:ea typeface="Cambria Math" panose="02040503050406030204" pitchFamily="18" charset="0"/>
+                          </a:rPr>
+                          <m:t> </m:t>
+                        </m:r>
+                        <m:r>
+                          <a:rPr lang="en-US" sz="2400" b="0" i="1" smtClean="0">
+                            <a:latin typeface="Cambria Math"/>
+                            <a:ea typeface="Cambria Math" panose="02040503050406030204" pitchFamily="18" charset="0"/>
+                          </a:rPr>
+                          <m:t>𝑢</m:t>
+                        </m:r>
+                        <m:r>
+                          <a:rPr lang="en-US" sz="2400" b="0" i="1" smtClean="0">
+                            <a:latin typeface="Cambria Math"/>
+                            <a:ea typeface="Cambria Math" panose="02040503050406030204" pitchFamily="18" charset="0"/>
+                          </a:rPr>
+                          <m:t>(</m:t>
+                        </m:r>
+                        <m:r>
+                          <a:rPr lang="en-US" sz="2400" b="0" i="1" smtClean="0">
+                            <a:latin typeface="Cambria Math"/>
+                            <a:ea typeface="Cambria Math" panose="02040503050406030204" pitchFamily="18" charset="0"/>
+                          </a:rPr>
+                          <m:t>𝑡</m:t>
+                        </m:r>
+                        <m:r>
+                          <a:rPr lang="en-US" sz="2400" b="0" i="1" smtClean="0">
+                            <a:latin typeface="Cambria Math"/>
+                            <a:ea typeface="Cambria Math" panose="02040503050406030204" pitchFamily="18" charset="0"/>
+                          </a:rPr>
+                          <m:t>−</m:t>
+                        </m:r>
+                        <m:r>
+                          <a:rPr lang="en-US" sz="2400" b="0" i="1" smtClean="0">
+                            <a:latin typeface="Cambria Math"/>
+                            <a:ea typeface="Cambria Math" panose="02040503050406030204" pitchFamily="18" charset="0"/>
+                          </a:rPr>
+                          <m:t>𝑇</m:t>
+                        </m:r>
+                        <m:r>
+                          <a:rPr lang="en-US" sz="2400" b="0" i="1" smtClean="0">
+                            <a:latin typeface="Cambria Math"/>
+                            <a:ea typeface="Cambria Math" panose="02040503050406030204" pitchFamily="18" charset="0"/>
+                          </a:rPr>
+                          <m:t>)</m:t>
+                        </m:r>
+                        <m:r>
+                          <a:rPr lang="en-US" sz="2400" b="0" i="1" smtClean="0">
+                            <a:latin typeface="Cambria Math"/>
+                            <a:ea typeface="Cambria Math" panose="02040503050406030204" pitchFamily="18" charset="0"/>
+                          </a:rPr>
+                          <m:t>𝑒</m:t>
+                        </m:r>
+                        <m:r>
+                          <a:rPr lang="en-US" sz="2400" b="0" i="1" baseline="30000" smtClean="0">
+                            <a:latin typeface="Cambria Math"/>
+                            <a:ea typeface="Cambria Math" panose="02040503050406030204" pitchFamily="18" charset="0"/>
+                          </a:rPr>
+                          <m:t>−</m:t>
+                        </m:r>
+                        <m:r>
+                          <a:rPr lang="en-US" sz="2400" b="0" i="1" baseline="30000" smtClean="0">
+                            <a:latin typeface="Cambria Math"/>
+                            <a:ea typeface="Cambria Math" panose="02040503050406030204" pitchFamily="18" charset="0"/>
+                          </a:rPr>
+                          <m:t>𝑠𝑡</m:t>
+                        </m:r>
+                        <m:r>
+                          <a:rPr lang="en-US" sz="2400" i="1">
+                            <a:latin typeface="Cambria Math"/>
+                            <a:ea typeface="Cambria Math" panose="02040503050406030204" pitchFamily="18" charset="0"/>
+                          </a:rPr>
+                          <m:t> </m:t>
+                        </m:r>
+                        <m:r>
+                          <a:rPr lang="en-US" sz="2400" b="0" i="1" smtClean="0">
+                            <a:latin typeface="Cambria Math"/>
+                            <a:ea typeface="Cambria Math" panose="02040503050406030204" pitchFamily="18" charset="0"/>
+                          </a:rPr>
+                          <m:t>𝑑𝑡</m:t>
+                        </m:r>
+                        <m:r>
+                          <a:rPr lang="en-US" sz="2400" b="0" i="1" smtClean="0">
+                            <a:latin typeface="Cambria Math"/>
+                            <a:ea typeface="Cambria Math" panose="02040503050406030204" pitchFamily="18" charset="0"/>
+                          </a:rPr>
+                          <m:t>=</m:t>
+                        </m:r>
+                        <m:nary>
+                          <m:naryPr>
+                            <m:ctrlPr>
+                              <a:rPr lang="en-US" sz="2400" i="1">
+                                <a:latin typeface="Cambria Math"/>
+                                <a:ea typeface="Cambria Math" panose="02040503050406030204" pitchFamily="18" charset="0"/>
+                              </a:rPr>
+                            </m:ctrlPr>
+                          </m:naryPr>
+                          <m:sub>
+                            <m:r>
+                              <a:rPr lang="en-US" sz="2400" b="0" i="1" smtClean="0">
+                                <a:latin typeface="Cambria Math"/>
+                                <a:ea typeface="Cambria Math" panose="02040503050406030204" pitchFamily="18" charset="0"/>
+                              </a:rPr>
+                              <m:t>𝑇</m:t>
+                            </m:r>
+                            <m:r>
+                              <a:rPr lang="en-US" sz="2400" b="0" i="1" smtClean="0">
+                                <a:latin typeface="Cambria Math"/>
+                                <a:ea typeface="Cambria Math" panose="02040503050406030204" pitchFamily="18" charset="0"/>
+                              </a:rPr>
+                              <m:t>−</m:t>
+                            </m:r>
+                          </m:sub>
+                          <m:sup>
+                            <m:r>
+                              <a:rPr lang="en-US" sz="2400" i="1">
+                                <a:latin typeface="Cambria Math" panose="02040503050406030204" pitchFamily="18" charset="0"/>
+                                <a:ea typeface="Cambria Math" panose="02040503050406030204" pitchFamily="18" charset="0"/>
+                              </a:rPr>
+                              <m:t>∞</m:t>
+                            </m:r>
+                          </m:sup>
+                          <m:e>
+                            <m:r>
+                              <a:rPr lang="en-US" sz="2400" i="1">
+                                <a:latin typeface="Cambria Math"/>
+                                <a:ea typeface="Cambria Math" panose="02040503050406030204" pitchFamily="18" charset="0"/>
+                              </a:rPr>
+                              <m:t> </m:t>
+                            </m:r>
+                          </m:e>
+                        </m:nary>
+                        <m:r>
+                          <a:rPr lang="en-US" sz="2400" b="0" i="1" smtClean="0">
+                            <a:latin typeface="Cambria Math"/>
+                            <a:ea typeface="Cambria Math" panose="02040503050406030204" pitchFamily="18" charset="0"/>
+                          </a:rPr>
+                          <m:t>𝑓</m:t>
+                        </m:r>
+                        <m:d>
+                          <m:dPr>
+                            <m:ctrlPr>
+                              <a:rPr lang="en-US" sz="2400" b="0" i="1" smtClean="0">
+                                <a:latin typeface="Cambria Math"/>
+                                <a:ea typeface="Cambria Math" panose="02040503050406030204" pitchFamily="18" charset="0"/>
+                              </a:rPr>
+                            </m:ctrlPr>
+                          </m:dPr>
+                          <m:e>
+                            <m:r>
+                              <a:rPr lang="en-US" sz="2400" b="0" i="1" smtClean="0">
+                                <a:latin typeface="Cambria Math"/>
+                                <a:ea typeface="Cambria Math" panose="02040503050406030204" pitchFamily="18" charset="0"/>
+                              </a:rPr>
+                              <m:t>𝑡</m:t>
+                            </m:r>
+                            <m:r>
+                              <a:rPr lang="en-US" sz="2400" b="0" i="1" smtClean="0">
+                                <a:latin typeface="Cambria Math"/>
+                                <a:ea typeface="Cambria Math" panose="02040503050406030204" pitchFamily="18" charset="0"/>
+                              </a:rPr>
+                              <m:t>−</m:t>
+                            </m:r>
+                            <m:r>
+                              <a:rPr lang="en-US" sz="2400" b="0" i="1" smtClean="0">
+                                <a:latin typeface="Cambria Math"/>
+                                <a:ea typeface="Cambria Math" panose="02040503050406030204" pitchFamily="18" charset="0"/>
+                              </a:rPr>
+                              <m:t>𝑇</m:t>
+                            </m:r>
+                          </m:e>
+                        </m:d>
+                        <m:r>
+                          <a:rPr lang="en-US" sz="2400" b="0" i="1" smtClean="0">
+                            <a:latin typeface="Cambria Math"/>
+                            <a:ea typeface="Cambria Math" panose="02040503050406030204" pitchFamily="18" charset="0"/>
+                          </a:rPr>
+                          <m:t>𝑒</m:t>
+                        </m:r>
+                        <m:r>
+                          <a:rPr lang="en-US" sz="2400" b="0" i="1" baseline="30000" smtClean="0">
+                            <a:latin typeface="Cambria Math"/>
+                            <a:ea typeface="Cambria Math" panose="02040503050406030204" pitchFamily="18" charset="0"/>
+                          </a:rPr>
+                          <m:t>−</m:t>
+                        </m:r>
+                        <m:r>
+                          <a:rPr lang="en-US" sz="2400" b="0" i="1" baseline="30000" smtClean="0">
+                            <a:latin typeface="Cambria Math"/>
+                            <a:ea typeface="Cambria Math" panose="02040503050406030204" pitchFamily="18" charset="0"/>
+                          </a:rPr>
+                          <m:t>𝑠𝑡𝑑</m:t>
+                        </m:r>
+                        <m:r>
+                          <a:rPr lang="en-US" sz="2400" b="0" i="1" smtClean="0">
+                            <a:latin typeface="Cambria Math"/>
+                            <a:ea typeface="Cambria Math" panose="02040503050406030204" pitchFamily="18" charset="0"/>
+                          </a:rPr>
+                          <m:t>𝑡</m:t>
+                        </m:r>
+                        <m:r>
+                          <a:rPr lang="en-US" sz="2400" b="0" i="1" smtClean="0">
+                            <a:latin typeface="Cambria Math"/>
+                            <a:ea typeface="Cambria Math" panose="02040503050406030204" pitchFamily="18" charset="0"/>
+                          </a:rPr>
+                          <m:t>=</m:t>
+                        </m:r>
+                        <m:nary>
+                          <m:naryPr>
+                            <m:ctrlPr>
+                              <a:rPr lang="en-US" sz="2400" i="1">
+                                <a:latin typeface="Cambria Math"/>
+                                <a:ea typeface="Cambria Math" panose="02040503050406030204" pitchFamily="18" charset="0"/>
+                              </a:rPr>
+                            </m:ctrlPr>
+                          </m:naryPr>
+                          <m:sub>
+                            <m:r>
+                              <a:rPr lang="en-US" sz="2400" b="0" i="1" smtClean="0">
+                                <a:latin typeface="Cambria Math"/>
+                                <a:ea typeface="Cambria Math" panose="02040503050406030204" pitchFamily="18" charset="0"/>
+                              </a:rPr>
+                              <m:t>𝑜</m:t>
+                            </m:r>
+                            <m:r>
+                              <a:rPr lang="en-US" sz="2400" i="1">
+                                <a:latin typeface="Cambria Math"/>
+                                <a:ea typeface="Cambria Math" panose="02040503050406030204" pitchFamily="18" charset="0"/>
+                              </a:rPr>
+                              <m:t>−</m:t>
+                            </m:r>
+                          </m:sub>
+                          <m:sup>
+                            <m:r>
+                              <a:rPr lang="en-US" sz="2400" i="1">
+                                <a:latin typeface="Cambria Math" panose="02040503050406030204" pitchFamily="18" charset="0"/>
+                                <a:ea typeface="Cambria Math" panose="02040503050406030204" pitchFamily="18" charset="0"/>
+                              </a:rPr>
+                              <m:t>∞</m:t>
+                            </m:r>
+                          </m:sup>
+                          <m:e>
+                            <m:r>
+                              <a:rPr lang="en-US" sz="2400" i="1">
+                                <a:latin typeface="Cambria Math"/>
+                                <a:ea typeface="Cambria Math" panose="02040503050406030204" pitchFamily="18" charset="0"/>
+                              </a:rPr>
+                              <m:t> </m:t>
+                            </m:r>
+                          </m:e>
+                        </m:nary>
+                        <m:r>
+                          <a:rPr lang="en-US" sz="2400" b="0" i="1" smtClean="0">
+                            <a:latin typeface="Cambria Math"/>
+                            <a:ea typeface="Cambria Math" panose="02040503050406030204" pitchFamily="18" charset="0"/>
+                          </a:rPr>
+                          <m:t>𝑓</m:t>
+                        </m:r>
+                        <m:d>
+                          <m:dPr>
+                            <m:ctrlPr>
+                              <a:rPr lang="en-US" sz="2400" b="0" i="1" smtClean="0">
+                                <a:latin typeface="Cambria Math"/>
+                                <a:ea typeface="Cambria Math" panose="02040503050406030204" pitchFamily="18" charset="0"/>
+                              </a:rPr>
+                            </m:ctrlPr>
+                          </m:dPr>
+                          <m:e>
+                            <m:r>
+                              <a:rPr lang="en-US" sz="2400" b="0" i="1" smtClean="0">
+                                <a:latin typeface="Cambria Math"/>
+                                <a:ea typeface="Cambria Math" panose="02040503050406030204" pitchFamily="18" charset="0"/>
+                              </a:rPr>
+                              <m:t>𝑞</m:t>
+                            </m:r>
+                          </m:e>
+                        </m:d>
+                        <m:r>
+                          <a:rPr lang="en-US" sz="2400" b="0" i="1" smtClean="0">
+                            <a:latin typeface="Cambria Math"/>
+                            <a:ea typeface="Cambria Math" panose="02040503050406030204" pitchFamily="18" charset="0"/>
+                          </a:rPr>
+                          <m:t>𝑒</m:t>
+                        </m:r>
+                        <m:r>
+                          <a:rPr lang="en-US" sz="2400" b="0" i="1" baseline="30000" smtClean="0">
+                            <a:latin typeface="Cambria Math"/>
+                            <a:ea typeface="Cambria Math" panose="02040503050406030204" pitchFamily="18" charset="0"/>
+                          </a:rPr>
+                          <m:t>−</m:t>
+                        </m:r>
+                        <m:r>
+                          <a:rPr lang="en-US" sz="2400" b="0" i="1" baseline="30000" smtClean="0">
+                            <a:latin typeface="Cambria Math"/>
+                            <a:ea typeface="Cambria Math" panose="02040503050406030204" pitchFamily="18" charset="0"/>
+                          </a:rPr>
+                          <m:t>𝑠</m:t>
+                        </m:r>
+                        <m:d>
+                          <m:dPr>
+                            <m:ctrlPr>
+                              <a:rPr lang="en-US" sz="2400" b="0" i="1" baseline="30000" smtClean="0">
+                                <a:latin typeface="Cambria Math"/>
+                                <a:ea typeface="Cambria Math" panose="02040503050406030204" pitchFamily="18" charset="0"/>
+                              </a:rPr>
+                            </m:ctrlPr>
+                          </m:dPr>
+                          <m:e>
+                            <m:r>
+                              <a:rPr lang="en-US" sz="2400" b="0" i="1" baseline="30000" smtClean="0">
+                                <a:latin typeface="Cambria Math"/>
+                                <a:ea typeface="Cambria Math" panose="02040503050406030204" pitchFamily="18" charset="0"/>
+                              </a:rPr>
+                              <m:t>𝑞</m:t>
+                            </m:r>
+                            <m:r>
+                              <a:rPr lang="en-US" sz="2400" b="0" i="1" baseline="30000" smtClean="0">
+                                <a:latin typeface="Cambria Math"/>
+                                <a:ea typeface="Cambria Math" panose="02040503050406030204" pitchFamily="18" charset="0"/>
+                              </a:rPr>
+                              <m:t>+</m:t>
+                            </m:r>
+                            <m:r>
+                              <a:rPr lang="en-US" sz="2400" b="0" i="1" baseline="30000" smtClean="0">
+                                <a:latin typeface="Cambria Math"/>
+                                <a:ea typeface="Cambria Math" panose="02040503050406030204" pitchFamily="18" charset="0"/>
+                              </a:rPr>
+                              <m:t>𝑡</m:t>
+                            </m:r>
+                          </m:e>
+                        </m:d>
+                        <m:r>
+                          <a:rPr lang="en-US" sz="2400" b="0" i="1" smtClean="0">
+                            <a:latin typeface="Cambria Math"/>
+                            <a:ea typeface="Cambria Math" panose="02040503050406030204" pitchFamily="18" charset="0"/>
+                          </a:rPr>
+                          <m:t>𝑑𝑞</m:t>
+                        </m:r>
+                      </m:e>
+                    </m:nary>
+                  </m:oMath>
+                </a14:m>
+                <a:endParaRPr lang="en-US" sz="2400" dirty="0"/>
+              </a:p>
+            </p:txBody>
+          </p:sp>
+        </mc:Choice>
+        <mc:Fallback>
+          <p:sp>
+            <p:nvSpPr>
+              <p:cNvPr id="17" name="TextBox 16"/>
+              <p:cNvSpPr txBox="1">
+                <a:spLocks noRot="1" noChangeAspect="1" noMove="1" noResize="1" noEditPoints="1" noAdjustHandles="1" noChangeArrowheads="1" noChangeShapeType="1" noTextEdit="1"/>
+              </p:cNvSpPr>
+              <p:nvPr/>
+            </p:nvSpPr>
+            <p:spPr>
+              <a:xfrm>
+                <a:off x="701930" y="4828243"/>
+                <a:ext cx="11303704" cy="562333"/>
+              </a:xfrm>
+              <a:prstGeom prst="rect">
+                <a:avLst/>
+              </a:prstGeom>
+              <a:blipFill rotWithShape="1">
+                <a:blip r:embed="rId5"/>
+                <a:stretch>
+                  <a:fillRect l="-809" t="-3261" b="-15217"/>
+                </a:stretch>
+              </a:blipFill>
+            </p:spPr>
+            <p:txBody>
+              <a:bodyPr/>
+              <a:lstStyle/>
+              <a:p>
+                <a:r>
+                  <a:rPr lang="en-US">
+                    <a:noFill/>
+                  </a:rPr>
+                  <a:t> </a:t>
+                </a:r>
+              </a:p>
+            </p:txBody>
+          </p:sp>
+        </mc:Fallback>
+      </mc:AlternateContent>
+      <p:sp>
+        <p:nvSpPr>
+          <p:cNvPr id="13" name="TextBox 12"/>
+          <p:cNvSpPr txBox="1"/>
+          <p:nvPr/>
+        </p:nvSpPr>
+        <p:spPr>
+          <a:xfrm>
+            <a:off x="234176" y="1817649"/>
+            <a:ext cx="1984917" cy="369332"/>
+          </a:xfrm>
+          <a:prstGeom prst="rect">
+            <a:avLst/>
+          </a:prstGeom>
+          <a:noFill/>
+        </p:spPr>
+        <p:txBody>
+          <a:bodyPr wrap="square" rtlCol="0">
+            <a:spAutoFit/>
+          </a:bodyPr>
+          <a:lstStyle/>
+          <a:p>
+            <a:r>
+              <a:rPr lang="en-US" dirty="0" err="1" smtClean="0"/>
+              <a:t>salman</a:t>
+            </a:r>
+            <a:endParaRPr lang="en-US" dirty="0"/>
+          </a:p>
+        </p:txBody>
+      </p:sp>
+      <mc:AlternateContent xmlns:mc="http://schemas.openxmlformats.org/markup-compatibility/2006">
+        <mc:Choice xmlns:a14="http://schemas.microsoft.com/office/drawing/2010/main" Requires="a14">
+          <p:sp>
+            <p:nvSpPr>
+              <p:cNvPr id="14" name="TextBox 13"/>
+              <p:cNvSpPr txBox="1"/>
+              <p:nvPr/>
+            </p:nvSpPr>
+            <p:spPr>
+              <a:xfrm>
+                <a:off x="2520176" y="5658512"/>
+                <a:ext cx="7337502" cy="719428"/>
+              </a:xfrm>
+              <a:prstGeom prst="rect">
+                <a:avLst/>
+              </a:prstGeom>
+              <a:noFill/>
+            </p:spPr>
+            <p:txBody>
+              <a:bodyPr wrap="square" rtlCol="0">
+                <a:spAutoFit/>
+              </a:bodyPr>
+              <a:lstStyle/>
+              <a:p>
+                <a:r>
+                  <a:rPr lang="en-US" sz="3200" dirty="0" smtClean="0"/>
+                  <a:t>=e</a:t>
+                </a:r>
+                <a:r>
+                  <a:rPr lang="en-US" sz="3200" baseline="30000" dirty="0" smtClean="0"/>
+                  <a:t>-</a:t>
+                </a:r>
+                <a:r>
+                  <a:rPr lang="en-US" sz="3200" baseline="30000" dirty="0" err="1" smtClean="0"/>
+                  <a:t>st</a:t>
+                </a:r>
+                <a:r>
+                  <a:rPr lang="en-US" sz="3200" dirty="0" smtClean="0"/>
+                  <a:t> </a:t>
+                </a:r>
+                <a14:m>
+                  <m:oMath xmlns:m="http://schemas.openxmlformats.org/officeDocument/2006/math">
+                    <m:nary>
+                      <m:naryPr>
+                        <m:ctrlPr>
+                          <a:rPr lang="en-US" sz="3200" i="1">
+                            <a:latin typeface="Cambria Math"/>
+                            <a:ea typeface="Cambria Math" panose="02040503050406030204" pitchFamily="18" charset="0"/>
+                          </a:rPr>
+                        </m:ctrlPr>
+                      </m:naryPr>
+                      <m:sub>
+                        <m:r>
+                          <a:rPr lang="en-US" sz="3200" b="0" i="1" smtClean="0">
+                            <a:latin typeface="Cambria Math"/>
+                            <a:ea typeface="Cambria Math" panose="02040503050406030204" pitchFamily="18" charset="0"/>
+                          </a:rPr>
+                          <m:t>0</m:t>
+                        </m:r>
+                        <m:r>
+                          <a:rPr lang="en-US" sz="3200" i="1">
+                            <a:latin typeface="Cambria Math"/>
+                            <a:ea typeface="Cambria Math" panose="02040503050406030204" pitchFamily="18" charset="0"/>
+                          </a:rPr>
+                          <m:t>−</m:t>
+                        </m:r>
+                      </m:sub>
+                      <m:sup>
+                        <m:r>
+                          <a:rPr lang="en-US" sz="3200" i="1">
+                            <a:latin typeface="Cambria Math" panose="02040503050406030204" pitchFamily="18" charset="0"/>
+                            <a:ea typeface="Cambria Math" panose="02040503050406030204" pitchFamily="18" charset="0"/>
+                          </a:rPr>
+                          <m:t>∞</m:t>
+                        </m:r>
+                      </m:sup>
+                      <m:e>
+                        <m:r>
+                          <a:rPr lang="en-US" sz="3200" i="1">
+                            <a:latin typeface="Cambria Math"/>
+                            <a:ea typeface="Cambria Math" panose="02040503050406030204" pitchFamily="18" charset="0"/>
+                          </a:rPr>
+                          <m:t> </m:t>
+                        </m:r>
+                      </m:e>
+                    </m:nary>
+                  </m:oMath>
+                </a14:m>
+                <a:r>
+                  <a:rPr lang="en-US" sz="3200" dirty="0" smtClean="0"/>
+                  <a:t>f(q)e</a:t>
+                </a:r>
+                <a:r>
+                  <a:rPr lang="en-US" sz="3200" baseline="30000" dirty="0" smtClean="0"/>
+                  <a:t>-sq </a:t>
+                </a:r>
+                <a:r>
+                  <a:rPr lang="en-US" sz="3200" dirty="0" smtClean="0"/>
+                  <a:t>dq=e</a:t>
+                </a:r>
+                <a:r>
+                  <a:rPr lang="en-US" sz="3200" baseline="30000" dirty="0" smtClean="0"/>
+                  <a:t>-st</a:t>
+                </a:r>
+                <a:r>
+                  <a:rPr lang="en-US" sz="3200" dirty="0" smtClean="0"/>
+                  <a:t>F(s)</a:t>
+                </a:r>
+                <a:endParaRPr lang="en-US" sz="3200" dirty="0"/>
+              </a:p>
+            </p:txBody>
+          </p:sp>
+        </mc:Choice>
+        <mc:Fallback>
+          <p:sp>
+            <p:nvSpPr>
+              <p:cNvPr id="14" name="TextBox 13"/>
+              <p:cNvSpPr txBox="1">
+                <a:spLocks noRot="1" noChangeAspect="1" noMove="1" noResize="1" noEditPoints="1" noAdjustHandles="1" noChangeArrowheads="1" noChangeShapeType="1" noTextEdit="1"/>
+              </p:cNvSpPr>
+              <p:nvPr/>
+            </p:nvSpPr>
+            <p:spPr>
+              <a:xfrm>
+                <a:off x="2520176" y="5658512"/>
+                <a:ext cx="7337502" cy="719428"/>
+              </a:xfrm>
+              <a:prstGeom prst="rect">
+                <a:avLst/>
+              </a:prstGeom>
+              <a:blipFill rotWithShape="1">
+                <a:blip r:embed="rId6"/>
+                <a:stretch>
+                  <a:fillRect l="-2076" t="-847" b="-18644"/>
+                </a:stretch>
+              </a:blipFill>
+            </p:spPr>
+            <p:txBody>
+              <a:bodyPr/>
+              <a:lstStyle/>
+              <a:p>
+                <a:r>
+                  <a:rPr lang="en-US">
+                    <a:noFill/>
+                  </a:rPr>
+                  <a:t> </a:t>
+                </a:r>
+              </a:p>
+            </p:txBody>
+          </p:sp>
+        </mc:Fallback>
+      </mc:AlternateContent>
+    </p:spTree>
+    <p:extLst>
+      <p:ext uri="{BB962C8B-B14F-4D97-AF65-F5344CB8AC3E}">
+        <p14:creationId xmlns:p14="http://schemas.microsoft.com/office/powerpoint/2010/main" val="1056772096"/>
+      </p:ext>
+    </p:extLst>
+  </p:cSld>
+  <p:clrMapOvr>
+    <a:masterClrMapping/>
+  </p:clrMapOvr>
+</p:sld>
+</file>
+
+<file path=ppt/slides/slide15.xml><?xml version="1.0" encoding="utf-8"?>
 <p:sld xmlns:a="http://schemas.openxmlformats.org/drawingml/2006/main" xmlns:r="http://schemas.openxmlformats.org/officeDocument/2006/relationships" xmlns:p="http://schemas.openxmlformats.org/presentationml/2006/main">
   <p:cSld>
     <p:spTree>
@@ -8975,7 +10377,7 @@
             <a:fld id="{539F810C-9DAB-49B2-B45C-341744954A16}" type="slidenum">
               <a:rPr lang="en-GB" smtClean="0"/>
               <a:pPr/>
-              <a:t>14</a:t>
+              <a:t>15</a:t>
             </a:fld>
             <a:endParaRPr lang="en-GB"/>
           </a:p>
@@ -9230,7 +10632,7 @@
 </p:sld>
 </file>
 
-<file path=ppt/slides/slide15.xml><?xml version="1.0" encoding="utf-8"?>
+<file path=ppt/slides/slide16.xml><?xml version="1.0" encoding="utf-8"?>
 <p:sld xmlns:a="http://schemas.openxmlformats.org/drawingml/2006/main" xmlns:r="http://schemas.openxmlformats.org/officeDocument/2006/relationships" xmlns:p="http://schemas.openxmlformats.org/presentationml/2006/main">
   <p:cSld>
     <p:spTree>
@@ -9983,7 +11385,7 @@
             <a:fld id="{539F810C-9DAB-49B2-B45C-341744954A16}" type="slidenum">
               <a:rPr lang="en-GB" smtClean="0"/>
               <a:pPr/>
-              <a:t>15</a:t>
+              <a:t>16</a:t>
             </a:fld>
             <a:endParaRPr lang="en-GB"/>
           </a:p>
@@ -10226,7 +11628,7 @@
 </p:sld>
 </file>
 
-<file path=ppt/slides/slide16.xml><?xml version="1.0" encoding="utf-8"?>
+<file path=ppt/slides/slide17.xml><?xml version="1.0" encoding="utf-8"?>
 <p:sld xmlns:a="http://schemas.openxmlformats.org/drawingml/2006/main" xmlns:r="http://schemas.openxmlformats.org/officeDocument/2006/relationships" xmlns:p="http://schemas.openxmlformats.org/presentationml/2006/main">
   <p:cSld>
     <p:spTree>
@@ -10493,7 +11895,7 @@
             <a:fld id="{539F810C-9DAB-49B2-B45C-341744954A16}" type="slidenum">
               <a:rPr lang="en-GB" smtClean="0"/>
               <a:pPr/>
-              <a:t>16</a:t>
+              <a:t>17</a:t>
             </a:fld>
             <a:endParaRPr lang="en-GB"/>
           </a:p>
@@ -10552,7 +11954,7 @@
 </p:sld>
 </file>
 
-<file path=ppt/slides/slide17.xml><?xml version="1.0" encoding="utf-8"?>
+<file path=ppt/slides/slide18.xml><?xml version="1.0" encoding="utf-8"?>
 <p:sld xmlns:a="http://schemas.openxmlformats.org/drawingml/2006/main" xmlns:r="http://schemas.openxmlformats.org/officeDocument/2006/relationships" xmlns:p="http://schemas.openxmlformats.org/presentationml/2006/main">
   <p:cSld>
     <p:spTree>
@@ -10938,7 +12340,7 @@
 </p:sld>
 </file>
 
-<file path=ppt/slides/slide18.xml><?xml version="1.0" encoding="utf-8"?>
+<file path=ppt/slides/slide19.xml><?xml version="1.0" encoding="utf-8"?>
 <p:sld xmlns:a="http://schemas.openxmlformats.org/drawingml/2006/main" xmlns:r="http://schemas.openxmlformats.org/officeDocument/2006/relationships" xmlns:p="http://schemas.openxmlformats.org/presentationml/2006/main">
   <p:cSld>
     <p:spTree>
@@ -12171,7 +13573,7 @@
             <a:fld id="{539F810C-9DAB-49B2-B45C-341744954A16}" type="slidenum">
               <a:rPr lang="en-GB" smtClean="0"/>
               <a:pPr/>
-              <a:t>18</a:t>
+              <a:t>19</a:t>
             </a:fld>
             <a:endParaRPr lang="en-GB"/>
           </a:p>
@@ -12569,7 +13971,323 @@
 </p:sld>
 </file>
 
-<file path=ppt/slides/slide19.xml><?xml version="1.0" encoding="utf-8"?>
+<file path=ppt/slides/slide2.xml><?xml version="1.0" encoding="utf-8"?>
+<p:sld xmlns:a="http://schemas.openxmlformats.org/drawingml/2006/main" xmlns:r="http://schemas.openxmlformats.org/officeDocument/2006/relationships" xmlns:p="http://schemas.openxmlformats.org/presentationml/2006/main">
+  <p:cSld>
+    <p:spTree>
+      <p:nvGrpSpPr>
+        <p:cNvPr id="1" name=""/>
+        <p:cNvGrpSpPr/>
+        <p:nvPr/>
+      </p:nvGrpSpPr>
+      <p:grpSpPr>
+        <a:xfrm>
+          <a:off x="0" y="0"/>
+          <a:ext cx="0" cy="0"/>
+          <a:chOff x="0" y="0"/>
+          <a:chExt cx="0" cy="0"/>
+        </a:xfrm>
+      </p:grpSpPr>
+      <p:sp>
+        <p:nvSpPr>
+          <p:cNvPr id="2" name="مربع نص 1"/>
+          <p:cNvSpPr txBox="1"/>
+          <p:nvPr/>
+        </p:nvSpPr>
+        <p:spPr>
+          <a:xfrm>
+            <a:off x="387464" y="558856"/>
+            <a:ext cx="4834261" cy="901465"/>
+          </a:xfrm>
+          <a:prstGeom prst="rect">
+            <a:avLst/>
+          </a:prstGeom>
+          <a:noFill/>
+        </p:spPr>
+        <p:txBody>
+          <a:bodyPr wrap="square" rtlCol="0">
+            <a:spAutoFit/>
+          </a:bodyPr>
+          <a:lstStyle/>
+          <a:p>
+            <a:pPr marL="0" marR="0" lvl="0" indent="0" algn="ctr" defTabSz="914400" rtl="0" eaLnBrk="1" fontAlgn="auto" latinLnBrk="0" hangingPunct="1">
+              <a:lnSpc>
+                <a:spcPct val="150000"/>
+              </a:lnSpc>
+              <a:spcBef>
+                <a:spcPts val="0"/>
+              </a:spcBef>
+              <a:spcAft>
+                <a:spcPts val="0"/>
+              </a:spcAft>
+              <a:buClrTx/>
+              <a:buSzTx/>
+              <a:buFontTx/>
+              <a:buNone/>
+              <a:tabLst/>
+              <a:defRPr/>
+            </a:pPr>
+            <a:r>
+              <a:rPr kumimoji="0" lang="en-US" sz="4000" b="1" i="0" u="none" strike="noStrike" kern="1200" cap="none" spc="0" normalizeH="0" baseline="0" noProof="0" dirty="0">
+                <a:ln>
+                  <a:noFill/>
+                </a:ln>
+                <a:solidFill>
+                  <a:srgbClr val="00B050"/>
+                </a:solidFill>
+                <a:effectLst/>
+                <a:uLnTx/>
+                <a:uFillTx/>
+                <a:latin typeface="Cambria" pitchFamily="18" charset="0"/>
+                <a:ea typeface="+mn-ea"/>
+                <a:cs typeface="+mn-cs"/>
+              </a:rPr>
+              <a:t>Announcement</a:t>
+            </a:r>
+          </a:p>
+        </p:txBody>
+      </p:sp>
+      <p:sp>
+        <p:nvSpPr>
+          <p:cNvPr id="3" name="TextBox 2"/>
+          <p:cNvSpPr txBox="1"/>
+          <p:nvPr/>
+        </p:nvSpPr>
+        <p:spPr>
+          <a:xfrm>
+            <a:off x="950647" y="1848118"/>
+            <a:ext cx="8691373" cy="2365712"/>
+          </a:xfrm>
+          <a:prstGeom prst="rect">
+            <a:avLst/>
+          </a:prstGeom>
+          <a:noFill/>
+        </p:spPr>
+        <p:txBody>
+          <a:bodyPr wrap="square" rtlCol="0">
+            <a:spAutoFit/>
+          </a:bodyPr>
+          <a:lstStyle/>
+          <a:p>
+            <a:pPr marL="514350" marR="0" lvl="0" indent="-514350" algn="l" defTabSz="914400" rtl="0" eaLnBrk="1" fontAlgn="auto" latinLnBrk="0" hangingPunct="1">
+              <a:lnSpc>
+                <a:spcPct val="150000"/>
+              </a:lnSpc>
+              <a:spcBef>
+                <a:spcPts val="0"/>
+              </a:spcBef>
+              <a:spcAft>
+                <a:spcPts val="0"/>
+              </a:spcAft>
+              <a:buClrTx/>
+              <a:buSzTx/>
+              <a:buFont typeface="+mj-lt"/>
+              <a:buAutoNum type="arabicPeriod"/>
+              <a:tabLst/>
+              <a:defRPr/>
+            </a:pPr>
+            <a:r>
+              <a:rPr kumimoji="0" lang="en-US" sz="3400" b="0" i="0" u="none" strike="noStrike" kern="1200" cap="none" spc="0" normalizeH="0" baseline="0" noProof="0" dirty="0">
+                <a:ln>
+                  <a:noFill/>
+                </a:ln>
+                <a:solidFill>
+                  <a:prstClr val="black"/>
+                </a:solidFill>
+                <a:effectLst/>
+                <a:uLnTx/>
+                <a:uFillTx/>
+                <a:latin typeface="Calibri"/>
+                <a:ea typeface="+mn-ea"/>
+                <a:cs typeface="+mn-cs"/>
+              </a:rPr>
+              <a:t>Project Proposal will be released next week</a:t>
+            </a:r>
+          </a:p>
+          <a:p>
+            <a:pPr marL="514350" marR="0" lvl="0" indent="-514350" algn="l" defTabSz="914400" rtl="0" eaLnBrk="1" fontAlgn="auto" latinLnBrk="0" hangingPunct="1">
+              <a:lnSpc>
+                <a:spcPct val="150000"/>
+              </a:lnSpc>
+              <a:spcBef>
+                <a:spcPts val="0"/>
+              </a:spcBef>
+              <a:spcAft>
+                <a:spcPts val="0"/>
+              </a:spcAft>
+              <a:buClrTx/>
+              <a:buSzTx/>
+              <a:buFont typeface="+mj-lt"/>
+              <a:buAutoNum type="arabicPeriod"/>
+              <a:tabLst/>
+              <a:defRPr/>
+            </a:pPr>
+            <a:r>
+              <a:rPr kumimoji="0" lang="en-US" sz="3400" b="0" i="0" u="none" strike="noStrike" kern="1200" cap="none" spc="0" normalizeH="0" baseline="0" noProof="0" dirty="0">
+                <a:ln>
+                  <a:noFill/>
+                </a:ln>
+                <a:solidFill>
+                  <a:prstClr val="black"/>
+                </a:solidFill>
+                <a:effectLst/>
+                <a:uLnTx/>
+                <a:uFillTx/>
+                <a:latin typeface="Calibri"/>
+                <a:ea typeface="+mn-ea"/>
+                <a:cs typeface="+mn-cs"/>
+              </a:rPr>
+              <a:t>Form project groups.</a:t>
+            </a:r>
+          </a:p>
+          <a:p>
+            <a:pPr marL="514350" marR="0" lvl="0" indent="-514350" algn="l" defTabSz="914400" rtl="0" eaLnBrk="1" fontAlgn="auto" latinLnBrk="0" hangingPunct="1">
+              <a:lnSpc>
+                <a:spcPct val="150000"/>
+              </a:lnSpc>
+              <a:spcBef>
+                <a:spcPts val="0"/>
+              </a:spcBef>
+              <a:spcAft>
+                <a:spcPts val="0"/>
+              </a:spcAft>
+              <a:buClrTx/>
+              <a:buSzTx/>
+              <a:buFont typeface="+mj-lt"/>
+              <a:buAutoNum type="arabicPeriod"/>
+              <a:tabLst/>
+              <a:defRPr/>
+            </a:pPr>
+            <a:r>
+              <a:rPr lang="en-US" sz="3400" dirty="0">
+                <a:solidFill>
+                  <a:prstClr val="black"/>
+                </a:solidFill>
+                <a:latin typeface="Calibri"/>
+              </a:rPr>
+              <a:t>Quiz during Week 4</a:t>
+            </a:r>
+            <a:endParaRPr kumimoji="0" lang="en-US" sz="3400" b="0" i="0" u="none" strike="noStrike" kern="1200" cap="none" spc="0" normalizeH="0" baseline="0" noProof="0" dirty="0">
+              <a:ln>
+                <a:noFill/>
+              </a:ln>
+              <a:solidFill>
+                <a:prstClr val="black"/>
+              </a:solidFill>
+              <a:effectLst/>
+              <a:uLnTx/>
+              <a:uFillTx/>
+              <a:latin typeface="Calibri"/>
+              <a:ea typeface="+mn-ea"/>
+              <a:cs typeface="+mn-cs"/>
+            </a:endParaRPr>
+          </a:p>
+        </p:txBody>
+      </p:sp>
+      <p:sp>
+        <p:nvSpPr>
+          <p:cNvPr id="4" name="Slide Number Placeholder 3"/>
+          <p:cNvSpPr>
+            <a:spLocks noGrp="1"/>
+          </p:cNvSpPr>
+          <p:nvPr>
+            <p:ph type="sldNum" sz="quarter" idx="7"/>
+          </p:nvPr>
+        </p:nvSpPr>
+        <p:spPr/>
+        <p:txBody>
+          <a:bodyPr/>
+          <a:lstStyle/>
+          <a:p>
+            <a:pPr marL="0" marR="0" lvl="0" indent="0" algn="r" defTabSz="914400" rtl="0" eaLnBrk="1" fontAlgn="auto" latinLnBrk="0" hangingPunct="1">
+              <a:lnSpc>
+                <a:spcPct val="100000"/>
+              </a:lnSpc>
+              <a:spcBef>
+                <a:spcPts val="0"/>
+              </a:spcBef>
+              <a:spcAft>
+                <a:spcPts val="0"/>
+              </a:spcAft>
+              <a:buClrTx/>
+              <a:buSzTx/>
+              <a:buFontTx/>
+              <a:buNone/>
+              <a:tabLst/>
+              <a:defRPr/>
+            </a:pPr>
+            <a:fld id="{539F810C-9DAB-49B2-B45C-341744954A16}" type="slidenum">
+              <a:rPr kumimoji="0" lang="en-GB" sz="1800" b="0" i="0" u="none" strike="noStrike" kern="1200" cap="none" spc="0" normalizeH="0" baseline="0" noProof="0" smtClean="0">
+                <a:ln>
+                  <a:noFill/>
+                </a:ln>
+                <a:solidFill>
+                  <a:prstClr val="black">
+                    <a:tint val="75000"/>
+                  </a:prstClr>
+                </a:solidFill>
+                <a:effectLst/>
+                <a:uLnTx/>
+                <a:uFillTx/>
+                <a:latin typeface="Calibri"/>
+                <a:ea typeface="+mn-ea"/>
+                <a:cs typeface="+mn-cs"/>
+              </a:rPr>
+              <a:pPr marL="0" marR="0" lvl="0" indent="0" algn="r" defTabSz="914400" rtl="0" eaLnBrk="1" fontAlgn="auto" latinLnBrk="0" hangingPunct="1">
+                <a:lnSpc>
+                  <a:spcPct val="100000"/>
+                </a:lnSpc>
+                <a:spcBef>
+                  <a:spcPts val="0"/>
+                </a:spcBef>
+                <a:spcAft>
+                  <a:spcPts val="0"/>
+                </a:spcAft>
+                <a:buClrTx/>
+                <a:buSzTx/>
+                <a:buFontTx/>
+                <a:buNone/>
+                <a:tabLst/>
+                <a:defRPr/>
+              </a:pPr>
+              <a:t>2</a:t>
+            </a:fld>
+            <a:endParaRPr kumimoji="0" lang="en-GB" sz="1800" b="0" i="0" u="none" strike="noStrike" kern="1200" cap="none" spc="0" normalizeH="0" baseline="0" noProof="0">
+              <a:ln>
+                <a:noFill/>
+              </a:ln>
+              <a:solidFill>
+                <a:prstClr val="black">
+                  <a:tint val="75000"/>
+                </a:prstClr>
+              </a:solidFill>
+              <a:effectLst/>
+              <a:uLnTx/>
+              <a:uFillTx/>
+              <a:latin typeface="Calibri"/>
+              <a:ea typeface="+mn-ea"/>
+              <a:cs typeface="+mn-cs"/>
+            </a:endParaRPr>
+          </a:p>
+        </p:txBody>
+      </p:sp>
+    </p:spTree>
+    <p:extLst>
+      <p:ext uri="{BB962C8B-B14F-4D97-AF65-F5344CB8AC3E}">
+        <p14:creationId xmlns:p14="http://schemas.microsoft.com/office/powerpoint/2010/main" val="1822825689"/>
+      </p:ext>
+    </p:extLst>
+  </p:cSld>
+  <p:clrMapOvr>
+    <a:masterClrMapping/>
+  </p:clrMapOvr>
+  <p:transition>
+    <p:wipe/>
+  </p:transition>
+</p:sld>
+</file>
+
+<file path=ppt/slides/slide20.xml><?xml version="1.0" encoding="utf-8"?>
 <p:sld xmlns:a="http://schemas.openxmlformats.org/drawingml/2006/main" xmlns:r="http://schemas.openxmlformats.org/officeDocument/2006/relationships" xmlns:p="http://schemas.openxmlformats.org/presentationml/2006/main">
   <p:cSld>
     <p:spTree>
@@ -14134,7 +15852,7 @@
             <a:fld id="{539F810C-9DAB-49B2-B45C-341744954A16}" type="slidenum">
               <a:rPr lang="en-GB" smtClean="0"/>
               <a:pPr/>
-              <a:t>19</a:t>
+              <a:t>20</a:t>
             </a:fld>
             <a:endParaRPr lang="en-GB"/>
           </a:p>
@@ -14323,323 +16041,7 @@
 </p:sld>
 </file>
 
-<file path=ppt/slides/slide2.xml><?xml version="1.0" encoding="utf-8"?>
-<p:sld xmlns:a="http://schemas.openxmlformats.org/drawingml/2006/main" xmlns:r="http://schemas.openxmlformats.org/officeDocument/2006/relationships" xmlns:p="http://schemas.openxmlformats.org/presentationml/2006/main">
-  <p:cSld>
-    <p:spTree>
-      <p:nvGrpSpPr>
-        <p:cNvPr id="1" name=""/>
-        <p:cNvGrpSpPr/>
-        <p:nvPr/>
-      </p:nvGrpSpPr>
-      <p:grpSpPr>
-        <a:xfrm>
-          <a:off x="0" y="0"/>
-          <a:ext cx="0" cy="0"/>
-          <a:chOff x="0" y="0"/>
-          <a:chExt cx="0" cy="0"/>
-        </a:xfrm>
-      </p:grpSpPr>
-      <p:sp>
-        <p:nvSpPr>
-          <p:cNvPr id="2" name="مربع نص 1"/>
-          <p:cNvSpPr txBox="1"/>
-          <p:nvPr/>
-        </p:nvSpPr>
-        <p:spPr>
-          <a:xfrm>
-            <a:off x="387464" y="558856"/>
-            <a:ext cx="4834261" cy="901465"/>
-          </a:xfrm>
-          <a:prstGeom prst="rect">
-            <a:avLst/>
-          </a:prstGeom>
-          <a:noFill/>
-        </p:spPr>
-        <p:txBody>
-          <a:bodyPr wrap="square" rtlCol="0">
-            <a:spAutoFit/>
-          </a:bodyPr>
-          <a:lstStyle/>
-          <a:p>
-            <a:pPr marL="0" marR="0" lvl="0" indent="0" algn="ctr" defTabSz="914400" rtl="0" eaLnBrk="1" fontAlgn="auto" latinLnBrk="0" hangingPunct="1">
-              <a:lnSpc>
-                <a:spcPct val="150000"/>
-              </a:lnSpc>
-              <a:spcBef>
-                <a:spcPts val="0"/>
-              </a:spcBef>
-              <a:spcAft>
-                <a:spcPts val="0"/>
-              </a:spcAft>
-              <a:buClrTx/>
-              <a:buSzTx/>
-              <a:buFontTx/>
-              <a:buNone/>
-              <a:tabLst/>
-              <a:defRPr/>
-            </a:pPr>
-            <a:r>
-              <a:rPr kumimoji="0" lang="en-US" sz="4000" b="1" i="0" u="none" strike="noStrike" kern="1200" cap="none" spc="0" normalizeH="0" baseline="0" noProof="0" dirty="0">
-                <a:ln>
-                  <a:noFill/>
-                </a:ln>
-                <a:solidFill>
-                  <a:srgbClr val="00B050"/>
-                </a:solidFill>
-                <a:effectLst/>
-                <a:uLnTx/>
-                <a:uFillTx/>
-                <a:latin typeface="Cambria" pitchFamily="18" charset="0"/>
-                <a:ea typeface="+mn-ea"/>
-                <a:cs typeface="+mn-cs"/>
-              </a:rPr>
-              <a:t>Announcement</a:t>
-            </a:r>
-          </a:p>
-        </p:txBody>
-      </p:sp>
-      <p:sp>
-        <p:nvSpPr>
-          <p:cNvPr id="3" name="TextBox 2"/>
-          <p:cNvSpPr txBox="1"/>
-          <p:nvPr/>
-        </p:nvSpPr>
-        <p:spPr>
-          <a:xfrm>
-            <a:off x="950647" y="1848118"/>
-            <a:ext cx="8691373" cy="2365712"/>
-          </a:xfrm>
-          <a:prstGeom prst="rect">
-            <a:avLst/>
-          </a:prstGeom>
-          <a:noFill/>
-        </p:spPr>
-        <p:txBody>
-          <a:bodyPr wrap="square" rtlCol="0">
-            <a:spAutoFit/>
-          </a:bodyPr>
-          <a:lstStyle/>
-          <a:p>
-            <a:pPr marL="514350" marR="0" lvl="0" indent="-514350" algn="l" defTabSz="914400" rtl="0" eaLnBrk="1" fontAlgn="auto" latinLnBrk="0" hangingPunct="1">
-              <a:lnSpc>
-                <a:spcPct val="150000"/>
-              </a:lnSpc>
-              <a:spcBef>
-                <a:spcPts val="0"/>
-              </a:spcBef>
-              <a:spcAft>
-                <a:spcPts val="0"/>
-              </a:spcAft>
-              <a:buClrTx/>
-              <a:buSzTx/>
-              <a:buFont typeface="+mj-lt"/>
-              <a:buAutoNum type="arabicPeriod"/>
-              <a:tabLst/>
-              <a:defRPr/>
-            </a:pPr>
-            <a:r>
-              <a:rPr kumimoji="0" lang="en-US" sz="3400" b="0" i="0" u="none" strike="noStrike" kern="1200" cap="none" spc="0" normalizeH="0" baseline="0" noProof="0" dirty="0">
-                <a:ln>
-                  <a:noFill/>
-                </a:ln>
-                <a:solidFill>
-                  <a:prstClr val="black"/>
-                </a:solidFill>
-                <a:effectLst/>
-                <a:uLnTx/>
-                <a:uFillTx/>
-                <a:latin typeface="Calibri"/>
-                <a:ea typeface="+mn-ea"/>
-                <a:cs typeface="+mn-cs"/>
-              </a:rPr>
-              <a:t>Project Proposal will be released next week</a:t>
-            </a:r>
-          </a:p>
-          <a:p>
-            <a:pPr marL="514350" marR="0" lvl="0" indent="-514350" algn="l" defTabSz="914400" rtl="0" eaLnBrk="1" fontAlgn="auto" latinLnBrk="0" hangingPunct="1">
-              <a:lnSpc>
-                <a:spcPct val="150000"/>
-              </a:lnSpc>
-              <a:spcBef>
-                <a:spcPts val="0"/>
-              </a:spcBef>
-              <a:spcAft>
-                <a:spcPts val="0"/>
-              </a:spcAft>
-              <a:buClrTx/>
-              <a:buSzTx/>
-              <a:buFont typeface="+mj-lt"/>
-              <a:buAutoNum type="arabicPeriod"/>
-              <a:tabLst/>
-              <a:defRPr/>
-            </a:pPr>
-            <a:r>
-              <a:rPr kumimoji="0" lang="en-US" sz="3400" b="0" i="0" u="none" strike="noStrike" kern="1200" cap="none" spc="0" normalizeH="0" baseline="0" noProof="0" dirty="0">
-                <a:ln>
-                  <a:noFill/>
-                </a:ln>
-                <a:solidFill>
-                  <a:prstClr val="black"/>
-                </a:solidFill>
-                <a:effectLst/>
-                <a:uLnTx/>
-                <a:uFillTx/>
-                <a:latin typeface="Calibri"/>
-                <a:ea typeface="+mn-ea"/>
-                <a:cs typeface="+mn-cs"/>
-              </a:rPr>
-              <a:t>Form project groups.</a:t>
-            </a:r>
-          </a:p>
-          <a:p>
-            <a:pPr marL="514350" marR="0" lvl="0" indent="-514350" algn="l" defTabSz="914400" rtl="0" eaLnBrk="1" fontAlgn="auto" latinLnBrk="0" hangingPunct="1">
-              <a:lnSpc>
-                <a:spcPct val="150000"/>
-              </a:lnSpc>
-              <a:spcBef>
-                <a:spcPts val="0"/>
-              </a:spcBef>
-              <a:spcAft>
-                <a:spcPts val="0"/>
-              </a:spcAft>
-              <a:buClrTx/>
-              <a:buSzTx/>
-              <a:buFont typeface="+mj-lt"/>
-              <a:buAutoNum type="arabicPeriod"/>
-              <a:tabLst/>
-              <a:defRPr/>
-            </a:pPr>
-            <a:r>
-              <a:rPr lang="en-US" sz="3400" dirty="0">
-                <a:solidFill>
-                  <a:prstClr val="black"/>
-                </a:solidFill>
-                <a:latin typeface="Calibri"/>
-              </a:rPr>
-              <a:t>Quiz during Week 4</a:t>
-            </a:r>
-            <a:endParaRPr kumimoji="0" lang="en-US" sz="3400" b="0" i="0" u="none" strike="noStrike" kern="1200" cap="none" spc="0" normalizeH="0" baseline="0" noProof="0" dirty="0">
-              <a:ln>
-                <a:noFill/>
-              </a:ln>
-              <a:solidFill>
-                <a:prstClr val="black"/>
-              </a:solidFill>
-              <a:effectLst/>
-              <a:uLnTx/>
-              <a:uFillTx/>
-              <a:latin typeface="Calibri"/>
-              <a:ea typeface="+mn-ea"/>
-              <a:cs typeface="+mn-cs"/>
-            </a:endParaRPr>
-          </a:p>
-        </p:txBody>
-      </p:sp>
-      <p:sp>
-        <p:nvSpPr>
-          <p:cNvPr id="4" name="Slide Number Placeholder 3"/>
-          <p:cNvSpPr>
-            <a:spLocks noGrp="1"/>
-          </p:cNvSpPr>
-          <p:nvPr>
-            <p:ph type="sldNum" sz="quarter" idx="7"/>
-          </p:nvPr>
-        </p:nvSpPr>
-        <p:spPr/>
-        <p:txBody>
-          <a:bodyPr/>
-          <a:lstStyle/>
-          <a:p>
-            <a:pPr marL="0" marR="0" lvl="0" indent="0" algn="r" defTabSz="914400" rtl="0" eaLnBrk="1" fontAlgn="auto" latinLnBrk="0" hangingPunct="1">
-              <a:lnSpc>
-                <a:spcPct val="100000"/>
-              </a:lnSpc>
-              <a:spcBef>
-                <a:spcPts val="0"/>
-              </a:spcBef>
-              <a:spcAft>
-                <a:spcPts val="0"/>
-              </a:spcAft>
-              <a:buClrTx/>
-              <a:buSzTx/>
-              <a:buFontTx/>
-              <a:buNone/>
-              <a:tabLst/>
-              <a:defRPr/>
-            </a:pPr>
-            <a:fld id="{539F810C-9DAB-49B2-B45C-341744954A16}" type="slidenum">
-              <a:rPr kumimoji="0" lang="en-GB" sz="1800" b="0" i="0" u="none" strike="noStrike" kern="1200" cap="none" spc="0" normalizeH="0" baseline="0" noProof="0" smtClean="0">
-                <a:ln>
-                  <a:noFill/>
-                </a:ln>
-                <a:solidFill>
-                  <a:prstClr val="black">
-                    <a:tint val="75000"/>
-                  </a:prstClr>
-                </a:solidFill>
-                <a:effectLst/>
-                <a:uLnTx/>
-                <a:uFillTx/>
-                <a:latin typeface="Calibri"/>
-                <a:ea typeface="+mn-ea"/>
-                <a:cs typeface="+mn-cs"/>
-              </a:rPr>
-              <a:pPr marL="0" marR="0" lvl="0" indent="0" algn="r" defTabSz="914400" rtl="0" eaLnBrk="1" fontAlgn="auto" latinLnBrk="0" hangingPunct="1">
-                <a:lnSpc>
-                  <a:spcPct val="100000"/>
-                </a:lnSpc>
-                <a:spcBef>
-                  <a:spcPts val="0"/>
-                </a:spcBef>
-                <a:spcAft>
-                  <a:spcPts val="0"/>
-                </a:spcAft>
-                <a:buClrTx/>
-                <a:buSzTx/>
-                <a:buFontTx/>
-                <a:buNone/>
-                <a:tabLst/>
-                <a:defRPr/>
-              </a:pPr>
-              <a:t>2</a:t>
-            </a:fld>
-            <a:endParaRPr kumimoji="0" lang="en-GB" sz="1800" b="0" i="0" u="none" strike="noStrike" kern="1200" cap="none" spc="0" normalizeH="0" baseline="0" noProof="0">
-              <a:ln>
-                <a:noFill/>
-              </a:ln>
-              <a:solidFill>
-                <a:prstClr val="black">
-                  <a:tint val="75000"/>
-                </a:prstClr>
-              </a:solidFill>
-              <a:effectLst/>
-              <a:uLnTx/>
-              <a:uFillTx/>
-              <a:latin typeface="Calibri"/>
-              <a:ea typeface="+mn-ea"/>
-              <a:cs typeface="+mn-cs"/>
-            </a:endParaRPr>
-          </a:p>
-        </p:txBody>
-      </p:sp>
-    </p:spTree>
-    <p:extLst>
-      <p:ext uri="{BB962C8B-B14F-4D97-AF65-F5344CB8AC3E}">
-        <p14:creationId xmlns:p14="http://schemas.microsoft.com/office/powerpoint/2010/main" val="1822825689"/>
-      </p:ext>
-    </p:extLst>
-  </p:cSld>
-  <p:clrMapOvr>
-    <a:masterClrMapping/>
-  </p:clrMapOvr>
-  <p:transition>
-    <p:wipe/>
-  </p:transition>
-</p:sld>
-</file>
-
-<file path=ppt/slides/slide20.xml><?xml version="1.0" encoding="utf-8"?>
+<file path=ppt/slides/slide21.xml><?xml version="1.0" encoding="utf-8"?>
 <p:sld xmlns:a="http://schemas.openxmlformats.org/drawingml/2006/main" xmlns:r="http://schemas.openxmlformats.org/officeDocument/2006/relationships" xmlns:p="http://schemas.openxmlformats.org/presentationml/2006/main">
   <p:cSld>
     <p:spTree>
@@ -16920,7 +18322,7 @@
             <a:fld id="{539F810C-9DAB-49B2-B45C-341744954A16}" type="slidenum">
               <a:rPr lang="en-GB" smtClean="0"/>
               <a:pPr/>
-              <a:t>20</a:t>
+              <a:t>21</a:t>
             </a:fld>
             <a:endParaRPr lang="en-GB"/>
           </a:p>
@@ -16939,7 +18341,7 @@
 </p:sld>
 </file>
 
-<file path=ppt/slides/slide21.xml><?xml version="1.0" encoding="utf-8"?>
+<file path=ppt/slides/slide22.xml><?xml version="1.0" encoding="utf-8"?>
 <p:sld xmlns:a="http://schemas.openxmlformats.org/drawingml/2006/main" xmlns:r="http://schemas.openxmlformats.org/officeDocument/2006/relationships" xmlns:p="http://schemas.openxmlformats.org/presentationml/2006/main">
   <p:cSld>
     <p:spTree>
@@ -20532,7 +21934,7 @@
             <a:fld id="{539F810C-9DAB-49B2-B45C-341744954A16}" type="slidenum">
               <a:rPr lang="en-GB" smtClean="0"/>
               <a:pPr/>
-              <a:t>21</a:t>
+              <a:t>22</a:t>
             </a:fld>
             <a:endParaRPr lang="en-GB"/>
           </a:p>
@@ -20905,7 +22307,7 @@
 </p:sld>
 </file>
 
-<file path=ppt/slides/slide22.xml><?xml version="1.0" encoding="utf-8"?>
+<file path=ppt/slides/slide23.xml><?xml version="1.0" encoding="utf-8"?>
 <p:sld xmlns:a="http://schemas.openxmlformats.org/drawingml/2006/main" xmlns:r="http://schemas.openxmlformats.org/officeDocument/2006/relationships" xmlns:p="http://schemas.openxmlformats.org/presentationml/2006/main">
   <p:cSld>
     <p:spTree>
@@ -20980,7 +22382,7 @@
             <a:fld id="{539F810C-9DAB-49B2-B45C-341744954A16}" type="slidenum">
               <a:rPr lang="en-GB" smtClean="0"/>
               <a:pPr/>
-              <a:t>22</a:t>
+              <a:t>23</a:t>
             </a:fld>
             <a:endParaRPr lang="en-GB"/>
           </a:p>
@@ -21191,7 +22593,7 @@
 </p:sld>
 </file>
 
-<file path=ppt/slides/slide23.xml><?xml version="1.0" encoding="utf-8"?>
+<file path=ppt/slides/slide24.xml><?xml version="1.0" encoding="utf-8"?>
 <p:sld xmlns:a="http://schemas.openxmlformats.org/drawingml/2006/main" xmlns:r="http://schemas.openxmlformats.org/officeDocument/2006/relationships" xmlns:p="http://schemas.openxmlformats.org/presentationml/2006/main">
   <p:cSld>
     <p:spTree>
@@ -22436,7 +23838,7 @@
             <a:fld id="{539F810C-9DAB-49B2-B45C-341744954A16}" type="slidenum">
               <a:rPr lang="en-GB" smtClean="0"/>
               <a:pPr/>
-              <a:t>23</a:t>
+              <a:t>24</a:t>
             </a:fld>
             <a:endParaRPr lang="en-GB"/>
           </a:p>
@@ -22951,7 +24353,7 @@
 </p:sld>
 </file>
 
-<file path=ppt/slides/slide24.xml><?xml version="1.0" encoding="utf-8"?>
+<file path=ppt/slides/slide25.xml><?xml version="1.0" encoding="utf-8"?>
 <p:sld xmlns:a="http://schemas.openxmlformats.org/drawingml/2006/main" xmlns:r="http://schemas.openxmlformats.org/officeDocument/2006/relationships" xmlns:p="http://schemas.openxmlformats.org/presentationml/2006/main">
   <p:cSld>
     <p:spTree>
@@ -23763,7 +25165,7 @@
             <a:fld id="{539F810C-9DAB-49B2-B45C-341744954A16}" type="slidenum">
               <a:rPr lang="en-GB" smtClean="0"/>
               <a:pPr/>
-              <a:t>24</a:t>
+              <a:t>25</a:t>
             </a:fld>
             <a:endParaRPr lang="en-GB"/>
           </a:p>
@@ -24114,7 +25516,7 @@
 </p:sld>
 </file>
 
-<file path=ppt/slides/slide25.xml><?xml version="1.0" encoding="utf-8"?>
+<file path=ppt/slides/slide26.xml><?xml version="1.0" encoding="utf-8"?>
 <p:sld xmlns:a="http://schemas.openxmlformats.org/drawingml/2006/main" xmlns:r="http://schemas.openxmlformats.org/officeDocument/2006/relationships" xmlns:p="http://schemas.openxmlformats.org/presentationml/2006/main">
   <p:cSld>
     <p:spTree>
@@ -24149,7 +25551,7 @@
             <a:fld id="{539F810C-9DAB-49B2-B45C-341744954A16}" type="slidenum">
               <a:rPr lang="en-GB" smtClean="0"/>
               <a:pPr/>
-              <a:t>25</a:t>
+              <a:t>26</a:t>
             </a:fld>
             <a:endParaRPr lang="en-GB"/>
           </a:p>
@@ -24770,7 +26172,7 @@
 </p:sld>
 </file>
 
-<file path=ppt/slides/slide26.xml><?xml version="1.0" encoding="utf-8"?>
+<file path=ppt/slides/slide27.xml><?xml version="1.0" encoding="utf-8"?>
 <p:sld xmlns:a="http://schemas.openxmlformats.org/drawingml/2006/main" xmlns:r="http://schemas.openxmlformats.org/officeDocument/2006/relationships" xmlns:p="http://schemas.openxmlformats.org/presentationml/2006/main">
   <p:cSld>
     <p:spTree>
@@ -24873,7 +26275,7 @@
             <a:fld id="{539F810C-9DAB-49B2-B45C-341744954A16}" type="slidenum">
               <a:rPr lang="en-GB" smtClean="0"/>
               <a:pPr/>
-              <a:t>26</a:t>
+              <a:t>27</a:t>
             </a:fld>
             <a:endParaRPr lang="en-GB"/>
           </a:p>

--- a/PP WORK/Instructor Version/Week 2/Week 2 lecture 2 LT.pptx
+++ b/PP WORK/Instructor Version/Week 2/Week 2 lecture 2 LT.pptx
@@ -7162,7 +7162,7 @@
           <a:graphicData uri="http://schemas.openxmlformats.org/presentationml/2006/ole">
             <mc:AlternateContent xmlns:mc="http://schemas.openxmlformats.org/markup-compatibility/2006">
               <mc:Choice xmlns:v="urn:schemas-microsoft-com:vml" Requires="v">
-                <p:oleObj spid="_x0000_s1137" name="Equation" r:id="rId4" imgW="1117440" imgH="393480" progId="Equation.DSMT4">
+                <p:oleObj spid="_x0000_s1140" name="Equation" r:id="rId4" imgW="1117440" imgH="393480" progId="Equation.DSMT4">
                   <p:embed/>
                 </p:oleObj>
               </mc:Choice>
@@ -7238,7 +7238,7 @@
           <a:graphicData uri="http://schemas.openxmlformats.org/presentationml/2006/ole">
             <mc:AlternateContent xmlns:mc="http://schemas.openxmlformats.org/markup-compatibility/2006">
               <mc:Choice xmlns:v="urn:schemas-microsoft-com:vml" Requires="v">
-                <p:oleObj spid="_x0000_s1138" name="Equation" r:id="rId6" imgW="698400" imgH="393480" progId="Equation.DSMT4">
+                <p:oleObj spid="_x0000_s1141" name="Equation" r:id="rId6" imgW="698400" imgH="393480" progId="Equation.DSMT4">
                   <p:embed/>
                 </p:oleObj>
               </mc:Choice>
@@ -7308,7 +7308,7 @@
           <a:graphicData uri="http://schemas.openxmlformats.org/presentationml/2006/ole">
             <mc:AlternateContent xmlns:mc="http://schemas.openxmlformats.org/markup-compatibility/2006">
               <mc:Choice xmlns:v="urn:schemas-microsoft-com:vml" Requires="v">
-                <p:oleObj spid="_x0000_s1139" name="Equation" r:id="rId8" imgW="952200" imgH="393480" progId="Equation.DSMT4">
+                <p:oleObj spid="_x0000_s1142" name="Equation" r:id="rId8" imgW="952200" imgH="393480" progId="Equation.DSMT4">
                   <p:embed/>
                 </p:oleObj>
               </mc:Choice>

--- a/PP WORK/Instructor Version/Week 2/Week 2 lecture 2 LT.pptx
+++ b/PP WORK/Instructor Version/Week 2/Week 2 lecture 2 LT.pptx
@@ -5,7 +5,7 @@
     <p:sldMasterId id="2147483660" r:id="rId1"/>
   </p:sldMasterIdLst>
   <p:notesMasterIdLst>
-    <p:notesMasterId r:id="rId29"/>
+    <p:notesMasterId r:id="rId30"/>
   </p:notesMasterIdLst>
   <p:sldIdLst>
     <p:sldId id="286" r:id="rId2"/>
@@ -23,18 +23,19 @@
     <p:sldId id="272" r:id="rId14"/>
     <p:sldId id="291" r:id="rId15"/>
     <p:sldId id="273" r:id="rId16"/>
-    <p:sldId id="274" r:id="rId17"/>
-    <p:sldId id="275" r:id="rId18"/>
-    <p:sldId id="285" r:id="rId19"/>
-    <p:sldId id="276" r:id="rId20"/>
-    <p:sldId id="277" r:id="rId21"/>
-    <p:sldId id="278" r:id="rId22"/>
-    <p:sldId id="279" r:id="rId23"/>
-    <p:sldId id="280" r:id="rId24"/>
-    <p:sldId id="282" r:id="rId25"/>
-    <p:sldId id="283" r:id="rId26"/>
-    <p:sldId id="284" r:id="rId27"/>
-    <p:sldId id="287" r:id="rId28"/>
+    <p:sldId id="292" r:id="rId17"/>
+    <p:sldId id="274" r:id="rId18"/>
+    <p:sldId id="275" r:id="rId19"/>
+    <p:sldId id="285" r:id="rId20"/>
+    <p:sldId id="276" r:id="rId21"/>
+    <p:sldId id="277" r:id="rId22"/>
+    <p:sldId id="278" r:id="rId23"/>
+    <p:sldId id="279" r:id="rId24"/>
+    <p:sldId id="280" r:id="rId25"/>
+    <p:sldId id="282" r:id="rId26"/>
+    <p:sldId id="283" r:id="rId27"/>
+    <p:sldId id="284" r:id="rId28"/>
+    <p:sldId id="287" r:id="rId29"/>
   </p:sldIdLst>
   <p:sldSz cx="12192000" cy="6858000"/>
   <p:notesSz cx="6858000" cy="9144000"/>
@@ -135,7 +136,7 @@
   </p:defaultTextStyle>
   <p:extLst>
     <p:ext uri="{EFAFB233-063F-42B5-8137-9DF3F51BA10A}">
-      <p15:sldGuideLst xmlns:p15="http://schemas.microsoft.com/office/powerpoint/2012/main" xmlns=""/>
+      <p15:sldGuideLst xmlns="" xmlns:p15="http://schemas.microsoft.com/office/powerpoint/2012/main"/>
     </p:ext>
   </p:extLst>
 </p:presentation>
@@ -223,7 +224,7 @@
           <a:p>
             <a:fld id="{18AB4343-410D-4114-8175-E2D7C9308D80}" type="datetimeFigureOut">
               <a:rPr lang="en-US" smtClean="0"/>
-              <a:t>1/10/2025</a:t>
+              <a:t>1/11/2025</a:t>
             </a:fld>
             <a:endParaRPr lang="en-US"/>
           </a:p>
@@ -885,7 +886,127 @@
           <a:bodyPr/>
           <a:lstStyle/>
           <a:p>
-            <a:endParaRPr lang="en-GB" dirty="0"/>
+            <a:endParaRPr lang="en-US" sz="1800" dirty="0"/>
+          </a:p>
+          <a:p>
+            <a:r>
+              <a:rPr lang="en-US" sz="1800" dirty="0">
+                <a:solidFill>
+                  <a:schemeClr val="tx1"/>
+                </a:solidFill>
+              </a:rPr>
+              <a:t>And </a:t>
+            </a:r>
+            <a:r>
+              <a:rPr lang="en-US" sz="1800" b="1" dirty="0">
+                <a:solidFill>
+                  <a:schemeClr val="tx1"/>
+                </a:solidFill>
+              </a:rPr>
+              <a:t>Quantitative data</a:t>
+            </a:r>
+            <a:r>
+              <a:rPr lang="en-US" sz="1800" dirty="0">
+                <a:solidFill>
+                  <a:schemeClr val="tx1"/>
+                </a:solidFill>
+              </a:rPr>
+              <a:t> can also be </a:t>
+            </a:r>
+            <a:r>
+              <a:rPr lang="en-US" sz="1800" u="none" dirty="0">
+                <a:solidFill>
+                  <a:schemeClr val="tx1"/>
+                </a:solidFill>
+              </a:rPr>
+              <a:t>Discrete or Continuous</a:t>
+            </a:r>
+            <a:r>
+              <a:rPr lang="en-US" sz="1800" dirty="0">
+                <a:solidFill>
+                  <a:schemeClr val="tx1"/>
+                </a:solidFill>
+              </a:rPr>
+              <a:t>:</a:t>
+            </a:r>
+          </a:p>
+          <a:p>
+            <a:r>
+              <a:rPr lang="en-US" sz="1800" b="1" dirty="0">
+                <a:solidFill>
+                  <a:schemeClr val="tx1"/>
+                </a:solidFill>
+              </a:rPr>
+              <a:t>Discrete data</a:t>
+            </a:r>
+            <a:r>
+              <a:rPr lang="en-US" sz="1800" dirty="0">
+                <a:solidFill>
+                  <a:schemeClr val="tx1"/>
+                </a:solidFill>
+              </a:rPr>
+              <a:t> can only take certain values (like whole numbers)</a:t>
+            </a:r>
+          </a:p>
+          <a:p>
+            <a:r>
+              <a:rPr lang="en-US" sz="1800" b="1" dirty="0">
+                <a:solidFill>
+                  <a:schemeClr val="tx1"/>
+                </a:solidFill>
+              </a:rPr>
+              <a:t>Continuous data</a:t>
+            </a:r>
+            <a:r>
+              <a:rPr lang="en-US" sz="1800" dirty="0">
+                <a:solidFill>
+                  <a:schemeClr val="tx1"/>
+                </a:solidFill>
+              </a:rPr>
+              <a:t> can take any value (within a range) </a:t>
+            </a:r>
+          </a:p>
+          <a:p>
+            <a:r>
+              <a:rPr lang="en-US" sz="1800" dirty="0">
+                <a:solidFill>
+                  <a:schemeClr val="tx1"/>
+                </a:solidFill>
+              </a:rPr>
+              <a:t>Put simply: </a:t>
+            </a:r>
+            <a:r>
+              <a:rPr lang="en-US" sz="1800" b="1" dirty="0">
+                <a:solidFill>
+                  <a:schemeClr val="tx1"/>
+                </a:solidFill>
+              </a:rPr>
+              <a:t>Discrete data</a:t>
+            </a:r>
+            <a:r>
+              <a:rPr lang="en-US" sz="1800" dirty="0">
+                <a:solidFill>
+                  <a:schemeClr val="tx1"/>
+                </a:solidFill>
+              </a:rPr>
+              <a:t> is counted, </a:t>
+            </a:r>
+            <a:r>
+              <a:rPr lang="en-US" sz="1800" b="1" dirty="0">
+                <a:solidFill>
+                  <a:schemeClr val="tx1"/>
+                </a:solidFill>
+              </a:rPr>
+              <a:t>Continuous data</a:t>
+            </a:r>
+            <a:r>
+              <a:rPr lang="en-US" sz="1800" dirty="0">
+                <a:solidFill>
+                  <a:schemeClr val="tx1"/>
+                </a:solidFill>
+              </a:rPr>
+              <a:t> is measured </a:t>
+            </a:r>
           </a:p>
         </p:txBody>
       </p:sp>
@@ -896,7 +1017,7 @@
             <a:spLocks noGrp="1"/>
           </p:cNvSpPr>
           <p:nvPr>
-            <p:ph type="sldNum" sz="quarter" idx="5"/>
+            <p:ph type="sldNum" sz="quarter" idx="10"/>
           </p:nvPr>
         </p:nvSpPr>
         <p:spPr/>
@@ -904,9 +1025,10 @@
           <a:bodyPr/>
           <a:lstStyle/>
           <a:p>
-            <a:fld id="{DD6D8643-BD33-49CB-B3F5-37AD37437AD5}" type="slidenum">
+            <a:fld id="{972FA3FF-23C3-4E75-88F6-673CF187F7E6}" type="slidenum">
               <a:rPr lang="en-US" smtClean="0"/>
-              <a:t>26</a:t>
+              <a:pPr/>
+              <a:t>16</a:t>
             </a:fld>
             <a:endParaRPr lang="en-US"/>
           </a:p>
@@ -915,7 +1037,7 @@
     </p:spTree>
     <p:extLst>
       <p:ext uri="{BB962C8B-B14F-4D97-AF65-F5344CB8AC3E}">
-        <p14:creationId xmlns:p14="http://schemas.microsoft.com/office/powerpoint/2010/main" val="3359801820"/>
+        <p14:creationId xmlns:p14="http://schemas.microsoft.com/office/powerpoint/2010/main" val="3649262743"/>
       </p:ext>
     </p:extLst>
   </p:cSld>
@@ -991,6 +1113,90 @@
             <a:fld id="{DD6D8643-BD33-49CB-B3F5-37AD37437AD5}" type="slidenum">
               <a:rPr lang="en-US" smtClean="0"/>
               <a:t>27</a:t>
+            </a:fld>
+            <a:endParaRPr lang="en-US"/>
+          </a:p>
+        </p:txBody>
+      </p:sp>
+    </p:spTree>
+    <p:extLst>
+      <p:ext uri="{BB962C8B-B14F-4D97-AF65-F5344CB8AC3E}">
+        <p14:creationId xmlns:p14="http://schemas.microsoft.com/office/powerpoint/2010/main" val="3359801820"/>
+      </p:ext>
+    </p:extLst>
+  </p:cSld>
+  <p:clrMapOvr>
+    <a:masterClrMapping/>
+  </p:clrMapOvr>
+</p:notes>
+</file>
+
+<file path=ppt/notesSlides/notesSlide13.xml><?xml version="1.0" encoding="utf-8"?>
+<p:notes xmlns:a="http://schemas.openxmlformats.org/drawingml/2006/main" xmlns:r="http://schemas.openxmlformats.org/officeDocument/2006/relationships" xmlns:p="http://schemas.openxmlformats.org/presentationml/2006/main">
+  <p:cSld>
+    <p:spTree>
+      <p:nvGrpSpPr>
+        <p:cNvPr id="1" name=""/>
+        <p:cNvGrpSpPr/>
+        <p:nvPr/>
+      </p:nvGrpSpPr>
+      <p:grpSpPr>
+        <a:xfrm>
+          <a:off x="0" y="0"/>
+          <a:ext cx="0" cy="0"/>
+          <a:chOff x="0" y="0"/>
+          <a:chExt cx="0" cy="0"/>
+        </a:xfrm>
+      </p:grpSpPr>
+      <p:sp>
+        <p:nvSpPr>
+          <p:cNvPr id="2" name="Slide Image Placeholder 1"/>
+          <p:cNvSpPr>
+            <a:spLocks noGrp="1" noRot="1" noChangeAspect="1"/>
+          </p:cNvSpPr>
+          <p:nvPr>
+            <p:ph type="sldImg"/>
+          </p:nvPr>
+        </p:nvSpPr>
+        <p:spPr/>
+      </p:sp>
+      <p:sp>
+        <p:nvSpPr>
+          <p:cNvPr id="3" name="Notes Placeholder 2"/>
+          <p:cNvSpPr>
+            <a:spLocks noGrp="1"/>
+          </p:cNvSpPr>
+          <p:nvPr>
+            <p:ph type="body" idx="1"/>
+          </p:nvPr>
+        </p:nvSpPr>
+        <p:spPr/>
+        <p:txBody>
+          <a:bodyPr/>
+          <a:lstStyle/>
+          <a:p>
+            <a:endParaRPr lang="en-GB" dirty="0"/>
+          </a:p>
+        </p:txBody>
+      </p:sp>
+      <p:sp>
+        <p:nvSpPr>
+          <p:cNvPr id="4" name="Slide Number Placeholder 3"/>
+          <p:cNvSpPr>
+            <a:spLocks noGrp="1"/>
+          </p:cNvSpPr>
+          <p:nvPr>
+            <p:ph type="sldNum" sz="quarter" idx="5"/>
+          </p:nvPr>
+        </p:nvSpPr>
+        <p:spPr/>
+        <p:txBody>
+          <a:bodyPr/>
+          <a:lstStyle/>
+          <a:p>
+            <a:fld id="{DD6D8643-BD33-49CB-B3F5-37AD37437AD5}" type="slidenum">
+              <a:rPr lang="en-US" smtClean="0"/>
+              <a:t>28</a:t>
             </a:fld>
             <a:endParaRPr lang="en-US"/>
           </a:p>
@@ -2076,7 +2282,7 @@
           <a:p>
             <a:fld id="{1D8BD707-D9CF-40AE-B4C6-C98DA3205C09}" type="datetimeFigureOut">
               <a:rPr lang="en-US"/>
-              <a:t>1/10/2025</a:t>
+              <a:t>1/11/2025</a:t>
             </a:fld>
             <a:endParaRPr lang="en-US"/>
           </a:p>
@@ -2246,7 +2452,7 @@
           <a:p>
             <a:fld id="{1D8BD707-D9CF-40AE-B4C6-C98DA3205C09}" type="datetimeFigureOut">
               <a:rPr lang="en-US"/>
-              <a:t>1/10/2025</a:t>
+              <a:t>1/11/2025</a:t>
             </a:fld>
             <a:endParaRPr lang="en-US"/>
           </a:p>
@@ -2459,7 +2665,7 @@
           <a:p>
             <a:fld id="{1D8BD707-D9CF-40AE-B4C6-C98DA3205C09}" type="datetimeFigureOut">
               <a:rPr lang="en-US"/>
-              <a:t>1/10/2025</a:t>
+              <a:t>1/11/2025</a:t>
             </a:fld>
             <a:endParaRPr lang="en-US"/>
           </a:p>
@@ -2606,7 +2812,7 @@
           <a:p>
             <a:fld id="{1D8BD707-D9CF-40AE-B4C6-C98DA3205C09}" type="datetimeFigureOut">
               <a:rPr lang="en-US"/>
-              <a:t>1/10/2025</a:t>
+              <a:t>1/11/2025</a:t>
             </a:fld>
             <a:endParaRPr lang="en-US"/>
           </a:p>
@@ -2679,7 +2885,7 @@
           <p:cNvPr id="2" name="Title 1">
             <a:extLst>
               <a:ext uri="{FF2B5EF4-FFF2-40B4-BE49-F238E27FC236}">
-                <a16:creationId xmlns:a16="http://schemas.microsoft.com/office/drawing/2014/main" xmlns="" id="{8267C4E5-55F7-DB05-186B-06791E1D1784}"/>
+                <a16:creationId xmlns="" xmlns:a16="http://schemas.microsoft.com/office/drawing/2014/main" id="{8267C4E5-55F7-DB05-186B-06791E1D1784}"/>
               </a:ext>
             </a:extLst>
           </p:cNvPr>
@@ -2708,7 +2914,7 @@
           <p:cNvPr id="3" name="Footer Placeholder 2">
             <a:extLst>
               <a:ext uri="{FF2B5EF4-FFF2-40B4-BE49-F238E27FC236}">
-                <a16:creationId xmlns:a16="http://schemas.microsoft.com/office/drawing/2014/main" xmlns="" id="{B3AA35ED-DF99-6958-28FA-33A93BB97722}"/>
+                <a16:creationId xmlns="" xmlns:a16="http://schemas.microsoft.com/office/drawing/2014/main" id="{B3AA35ED-DF99-6958-28FA-33A93BB97722}"/>
               </a:ext>
             </a:extLst>
           </p:cNvPr>
@@ -2733,7 +2939,7 @@
           <p:cNvPr id="4" name="Date Placeholder 3">
             <a:extLst>
               <a:ext uri="{FF2B5EF4-FFF2-40B4-BE49-F238E27FC236}">
-                <a16:creationId xmlns:a16="http://schemas.microsoft.com/office/drawing/2014/main" xmlns="" id="{55503DB0-5264-6061-D4B6-AE3D944FC839}"/>
+                <a16:creationId xmlns="" xmlns:a16="http://schemas.microsoft.com/office/drawing/2014/main" id="{55503DB0-5264-6061-D4B6-AE3D944FC839}"/>
               </a:ext>
             </a:extLst>
           </p:cNvPr>
@@ -2751,7 +2957,7 @@
           <a:p>
             <a:fld id="{1D8BD707-D9CF-40AE-B4C6-C98DA3205C09}" type="datetimeFigureOut">
               <a:rPr lang="en-US" smtClean="0"/>
-              <a:t>1/10/2025</a:t>
+              <a:t>1/11/2025</a:t>
             </a:fld>
             <a:endParaRPr lang="en-US"/>
           </a:p>
@@ -2762,7 +2968,7 @@
           <p:cNvPr id="5" name="Slide Number Placeholder 4">
             <a:extLst>
               <a:ext uri="{FF2B5EF4-FFF2-40B4-BE49-F238E27FC236}">
-                <a16:creationId xmlns:a16="http://schemas.microsoft.com/office/drawing/2014/main" xmlns="" id="{306C615E-9D94-7E15-4EC3-69D6111D00EE}"/>
+                <a16:creationId xmlns="" xmlns:a16="http://schemas.microsoft.com/office/drawing/2014/main" id="{306C615E-9D94-7E15-4EC3-69D6111D00EE}"/>
               </a:ext>
             </a:extLst>
           </p:cNvPr>
@@ -2872,7 +3078,7 @@
           <a:p>
             <a:fld id="{1D8BD707-D9CF-40AE-B4C6-C98DA3205C09}" type="datetimeFigureOut">
               <a:rPr lang="en-US"/>
-              <a:t>1/10/2025</a:t>
+              <a:t>1/11/2025</a:t>
             </a:fld>
             <a:endParaRPr lang="en-US"/>
           </a:p>
@@ -3112,7 +3318,7 @@
           <a:p>
             <a:fld id="{1D8BD707-D9CF-40AE-B4C6-C98DA3205C09}" type="datetimeFigureOut">
               <a:rPr lang="en-US"/>
-              <a:t>1/10/2025</a:t>
+              <a:t>1/11/2025</a:t>
             </a:fld>
             <a:endParaRPr lang="en-US"/>
           </a:p>
@@ -3544,7 +3750,7 @@
           <p:cNvPr id="2" name="Rectangle 154">
             <a:extLst>
               <a:ext uri="{FF2B5EF4-FFF2-40B4-BE49-F238E27FC236}">
-                <a16:creationId xmlns:a16="http://schemas.microsoft.com/office/drawing/2014/main" xmlns="" id="{2F947556-3899-C3CD-5B16-0CA9CD3E24EC}"/>
+                <a16:creationId xmlns="" xmlns:a16="http://schemas.microsoft.com/office/drawing/2014/main" id="{2F947556-3899-C3CD-5B16-0CA9CD3E24EC}"/>
               </a:ext>
             </a:extLst>
           </p:cNvPr>
@@ -3924,8 +4130,8 @@
           </a:p>
         </p:txBody>
       </p:sp>
-      <mc:AlternateContent xmlns:mc="http://schemas.openxmlformats.org/markup-compatibility/2006">
-        <mc:Choice xmlns:a14="http://schemas.microsoft.com/office/drawing/2010/main" Requires="a14">
+      <mc:AlternateContent xmlns:mc="http://schemas.openxmlformats.org/markup-compatibility/2006" xmlns:a14="http://schemas.microsoft.com/office/drawing/2010/main">
+        <mc:Choice Requires="a14">
           <p:graphicFrame>
             <p:nvGraphicFramePr>
               <p:cNvPr id="8" name="Table 7"/>
@@ -4053,18 +4259,24 @@
                                 <m:f>
                                   <m:fPr>
                                     <m:ctrlPr>
-                                      <a:rPr lang="en-US" smtClean="0"/>
+                                      <a:rPr lang="en-US" i="1" smtClean="0">
+                                        <a:latin typeface="Cambria Math"/>
+                                      </a:rPr>
                                     </m:ctrlPr>
                                   </m:fPr>
                                   <m:num>
                                     <m:r>
-                                      <a:rPr lang="en-US" smtClean="0"/>
+                                      <a:rPr lang="en-US" smtClean="0">
+                                        <a:latin typeface="Cambria Math"/>
+                                      </a:rPr>
                                       <m:t>1</m:t>
                                     </m:r>
                                   </m:num>
                                   <m:den>
                                     <m:r>
-                                      <a:rPr lang="en-US" smtClean="0"/>
+                                      <a:rPr lang="en-US" smtClean="0">
+                                        <a:latin typeface="Cambria Math"/>
+                                      </a:rPr>
                                       <m:t>𝑠</m:t>
                                     </m:r>
                                   </m:den>
@@ -4094,40 +4306,56 @@
                                 <m:sSup>
                                   <m:sSupPr>
                                     <m:ctrlPr>
-                                      <a:rPr lang="en-US" smtClean="0"/>
+                                      <a:rPr lang="en-US" i="1" smtClean="0">
+                                        <a:latin typeface="Cambria Math"/>
+                                      </a:rPr>
                                     </m:ctrlPr>
                                   </m:sSupPr>
                                   <m:e>
                                     <m:r>
-                                      <a:rPr lang="en-US" smtClean="0"/>
+                                      <a:rPr lang="en-US" smtClean="0">
+                                        <a:latin typeface="Cambria Math"/>
+                                      </a:rPr>
                                       <m:t>𝑒</m:t>
                                     </m:r>
                                   </m:e>
                                   <m:sup>
                                     <m:r>
-                                      <a:rPr lang="en-US" smtClean="0"/>
+                                      <a:rPr lang="en-US" smtClean="0">
+                                        <a:latin typeface="Cambria Math"/>
+                                      </a:rPr>
                                       <m:t>−</m:t>
                                     </m:r>
                                     <m:r>
-                                      <a:rPr lang="en-US" smtClean="0"/>
+                                      <a:rPr lang="en-US" smtClean="0">
+                                        <a:latin typeface="Cambria Math"/>
+                                      </a:rPr>
                                       <m:t>𝑎𝑡</m:t>
                                     </m:r>
                                   </m:sup>
                                 </m:sSup>
                                 <m:r>
-                                  <a:rPr lang="en-US" smtClean="0"/>
+                                  <a:rPr lang="en-US" smtClean="0">
+                                    <a:latin typeface="Cambria Math"/>
+                                  </a:rPr>
                                   <m:t>𝑢</m:t>
                                 </m:r>
                                 <m:r>
-                                  <a:rPr lang="en-US" smtClean="0"/>
+                                  <a:rPr lang="en-US" smtClean="0">
+                                    <a:latin typeface="Cambria Math"/>
+                                  </a:rPr>
                                   <m:t>(</m:t>
                                 </m:r>
                                 <m:r>
-                                  <a:rPr lang="en-US" smtClean="0"/>
+                                  <a:rPr lang="en-US" smtClean="0">
+                                    <a:latin typeface="Cambria Math"/>
+                                  </a:rPr>
                                   <m:t>𝑡</m:t>
                                 </m:r>
                                 <m:r>
-                                  <a:rPr lang="en-US" smtClean="0"/>
+                                  <a:rPr lang="en-US" smtClean="0">
+                                    <a:latin typeface="Cambria Math"/>
+                                  </a:rPr>
                                   <m:t>)</m:t>
                                 </m:r>
                               </m:oMath>
@@ -4153,26 +4381,36 @@
                                 <m:f>
                                   <m:fPr>
                                     <m:ctrlPr>
-                                      <a:rPr lang="en-US" smtClean="0"/>
+                                      <a:rPr lang="en-US" i="1" smtClean="0">
+                                        <a:latin typeface="Cambria Math"/>
+                                      </a:rPr>
                                     </m:ctrlPr>
                                   </m:fPr>
                                   <m:num>
                                     <m:r>
-                                      <a:rPr lang="en-US" smtClean="0"/>
+                                      <a:rPr lang="en-US" smtClean="0">
+                                        <a:latin typeface="Cambria Math"/>
+                                      </a:rPr>
                                       <m:t>1</m:t>
                                     </m:r>
                                   </m:num>
                                   <m:den>
                                     <m:r>
-                                      <a:rPr lang="en-US" smtClean="0"/>
+                                      <a:rPr lang="en-US" smtClean="0">
+                                        <a:latin typeface="Cambria Math"/>
+                                      </a:rPr>
                                       <m:t>𝑠</m:t>
                                     </m:r>
                                     <m:r>
-                                      <a:rPr lang="en-US" smtClean="0"/>
+                                      <a:rPr lang="en-US" smtClean="0">
+                                        <a:latin typeface="Cambria Math"/>
+                                      </a:rPr>
                                       <m:t>+</m:t>
                                     </m:r>
                                     <m:r>
-                                      <a:rPr lang="en-US" smtClean="0"/>
+                                      <a:rPr lang="en-US" smtClean="0">
+                                        <a:latin typeface="Cambria Math"/>
+                                      </a:rPr>
                                       <m:t>𝑎</m:t>
                                     </m:r>
                                   </m:den>
@@ -4225,12 +4463,16 @@
                                 <m:f>
                                   <m:fPr>
                                     <m:ctrlPr>
-                                      <a:rPr lang="en-US" smtClean="0"/>
+                                      <a:rPr lang="en-US" i="1" smtClean="0">
+                                        <a:latin typeface="Cambria Math"/>
+                                      </a:rPr>
                                     </m:ctrlPr>
                                   </m:fPr>
                                   <m:num>
                                     <m:r>
-                                      <a:rPr lang="en-US" smtClean="0"/>
+                                      <a:rPr lang="en-US" smtClean="0">
+                                        <a:latin typeface="Cambria Math"/>
+                                      </a:rPr>
                                       <m:t>1</m:t>
                                     </m:r>
                                   </m:num>
@@ -4238,18 +4480,24 @@
                                     <m:sSup>
                                       <m:sSupPr>
                                         <m:ctrlPr>
-                                          <a:rPr lang="en-US" smtClean="0"/>
+                                          <a:rPr lang="en-US" i="1" smtClean="0">
+                                            <a:latin typeface="Cambria Math"/>
+                                          </a:rPr>
                                         </m:ctrlPr>
                                       </m:sSupPr>
                                       <m:e>
                                         <m:r>
-                                          <a:rPr lang="en-US" smtClean="0"/>
+                                          <a:rPr lang="en-US" smtClean="0">
+                                            <a:latin typeface="Cambria Math"/>
+                                          </a:rPr>
                                           <m:t>𝑠</m:t>
                                         </m:r>
                                       </m:e>
                                       <m:sup>
                                         <m:r>
-                                          <a:rPr lang="en-US" smtClean="0"/>
+                                          <a:rPr lang="en-US" smtClean="0">
+                                            <a:latin typeface="Cambria Math"/>
+                                          </a:rPr>
                                           <m:t>2</m:t>
                                         </m:r>
                                       </m:sup>
@@ -4277,18 +4525,24 @@
                               <m:sSup>
                                 <m:sSupPr>
                                   <m:ctrlPr>
-                                    <a:rPr lang="en-US" smtClean="0"/>
+                                    <a:rPr lang="en-US" i="1" smtClean="0">
+                                      <a:latin typeface="Cambria Math"/>
+                                    </a:rPr>
                                   </m:ctrlPr>
                                 </m:sSupPr>
                                 <m:e>
                                   <m:r>
-                                    <a:rPr lang="en-US" smtClean="0"/>
+                                    <a:rPr lang="en-US" smtClean="0">
+                                      <a:latin typeface="Cambria Math"/>
+                                    </a:rPr>
                                     <m:t>𝑡</m:t>
                                   </m:r>
                                 </m:e>
                                 <m:sup>
                                   <m:r>
-                                    <a:rPr lang="en-US" smtClean="0"/>
+                                    <a:rPr lang="en-US" smtClean="0">
+                                      <a:latin typeface="Cambria Math"/>
+                                    </a:rPr>
                                     <m:t>2</m:t>
                                   </m:r>
                                 </m:sup>
@@ -4319,16 +4573,22 @@
                                 <m:f>
                                   <m:fPr>
                                     <m:ctrlPr>
-                                      <a:rPr lang="en-US" smtClean="0"/>
+                                      <a:rPr lang="en-US" i="1" smtClean="0">
+                                        <a:latin typeface="Cambria Math"/>
+                                      </a:rPr>
                                     </m:ctrlPr>
                                   </m:fPr>
                                   <m:num>
                                     <m:r>
-                                      <a:rPr lang="en-US" smtClean="0"/>
+                                      <a:rPr lang="en-US" smtClean="0">
+                                        <a:latin typeface="Cambria Math"/>
+                                      </a:rPr>
                                       <m:t>𝑛</m:t>
                                     </m:r>
                                     <m:r>
-                                      <a:rPr lang="en-US" smtClean="0"/>
+                                      <a:rPr lang="en-US" smtClean="0">
+                                        <a:latin typeface="Cambria Math"/>
+                                      </a:rPr>
                                       <m:t>!</m:t>
                                     </m:r>
                                   </m:num>
@@ -4336,22 +4596,30 @@
                                     <m:sSup>
                                       <m:sSupPr>
                                         <m:ctrlPr>
-                                          <a:rPr lang="en-US" smtClean="0"/>
+                                          <a:rPr lang="en-US" i="1" smtClean="0">
+                                            <a:latin typeface="Cambria Math"/>
+                                          </a:rPr>
                                         </m:ctrlPr>
                                       </m:sSupPr>
                                       <m:e>
                                         <m:r>
-                                          <a:rPr lang="en-US" smtClean="0"/>
+                                          <a:rPr lang="en-US" smtClean="0">
+                                            <a:latin typeface="Cambria Math"/>
+                                          </a:rPr>
                                           <m:t>𝑠</m:t>
                                         </m:r>
                                       </m:e>
                                       <m:sup>
                                         <m:r>
-                                          <a:rPr lang="en-US" smtClean="0"/>
+                                          <a:rPr lang="en-US" smtClean="0">
+                                            <a:latin typeface="Cambria Math"/>
+                                          </a:rPr>
                                           <m:t>𝑛</m:t>
                                         </m:r>
                                         <m:r>
-                                          <a:rPr lang="en-US" smtClean="0"/>
+                                          <a:rPr lang="en-US" smtClean="0">
+                                            <a:latin typeface="Cambria Math"/>
+                                          </a:rPr>
                                           <m:t>+1</m:t>
                                         </m:r>
                                       </m:sup>
@@ -4422,7 +4690,9 @@
                                 <m:f>
                                   <m:fPr>
                                     <m:ctrlPr>
-                                      <a:rPr lang="en-US" smtClean="0"/>
+                                      <a:rPr lang="en-US" i="1" smtClean="0">
+                                        <a:latin typeface="Cambria Math"/>
+                                      </a:rPr>
                                     </m:ctrlPr>
                                   </m:fPr>
                                   <m:num>
@@ -4438,18 +4708,24 @@
                                     <m:sSup>
                                       <m:sSupPr>
                                         <m:ctrlPr>
-                                          <a:rPr lang="en-US" smtClean="0"/>
+                                          <a:rPr lang="en-US" i="1" smtClean="0">
+                                            <a:latin typeface="Cambria Math"/>
+                                          </a:rPr>
                                         </m:ctrlPr>
                                       </m:sSupPr>
                                       <m:e>
                                         <m:r>
-                                          <a:rPr lang="en-US" smtClean="0"/>
+                                          <a:rPr lang="en-US" smtClean="0">
+                                            <a:latin typeface="Cambria Math"/>
+                                          </a:rPr>
                                           <m:t>𝑠</m:t>
                                         </m:r>
                                       </m:e>
                                       <m:sup>
                                         <m:r>
-                                          <a:rPr lang="en-US" smtClean="0"/>
+                                          <a:rPr lang="en-US" smtClean="0">
+                                            <a:latin typeface="Cambria Math"/>
+                                          </a:rPr>
                                           <m:t>2</m:t>
                                         </m:r>
                                       </m:sup>
@@ -4457,7 +4733,9 @@
                                     <m:sSup>
                                       <m:sSupPr>
                                         <m:ctrlPr>
-                                          <a:rPr lang="en-US" smtClean="0"/>
+                                          <a:rPr lang="en-US" i="1" smtClean="0">
+                                            <a:latin typeface="Cambria Math"/>
+                                          </a:rPr>
                                         </m:ctrlPr>
                                       </m:sSupPr>
                                       <m:e>
@@ -4478,7 +4756,9 @@
                                       </m:e>
                                       <m:sup>
                                         <m:r>
-                                          <a:rPr lang="en-US" smtClean="0"/>
+                                          <a:rPr lang="en-US" smtClean="0">
+                                            <a:latin typeface="Cambria Math"/>
+                                          </a:rPr>
                                           <m:t>2</m:t>
                                         </m:r>
                                       </m:sup>
@@ -4548,7 +4828,9 @@
                                 <m:f>
                                   <m:fPr>
                                     <m:ctrlPr>
-                                      <a:rPr lang="en-US" smtClean="0"/>
+                                      <a:rPr lang="en-US" i="1" smtClean="0">
+                                        <a:latin typeface="Cambria Math"/>
+                                      </a:rPr>
                                     </m:ctrlPr>
                                   </m:fPr>
                                   <m:num>
@@ -4564,18 +4846,24 @@
                                     <m:sSup>
                                       <m:sSupPr>
                                         <m:ctrlPr>
-                                          <a:rPr lang="en-US" smtClean="0"/>
+                                          <a:rPr lang="en-US" i="1" smtClean="0">
+                                            <a:latin typeface="Cambria Math"/>
+                                          </a:rPr>
                                         </m:ctrlPr>
                                       </m:sSupPr>
                                       <m:e>
                                         <m:r>
-                                          <a:rPr lang="en-US" smtClean="0"/>
+                                          <a:rPr lang="en-US" smtClean="0">
+                                            <a:latin typeface="Cambria Math"/>
+                                          </a:rPr>
                                           <m:t>𝑠</m:t>
                                         </m:r>
                                       </m:e>
                                       <m:sup>
                                         <m:r>
-                                          <a:rPr lang="en-US" smtClean="0"/>
+                                          <a:rPr lang="en-US" smtClean="0">
+                                            <a:latin typeface="Cambria Math"/>
+                                          </a:rPr>
                                           <m:t>2</m:t>
                                         </m:r>
                                       </m:sup>
@@ -4583,7 +4871,9 @@
                                     <m:sSup>
                                       <m:sSupPr>
                                         <m:ctrlPr>
-                                          <a:rPr lang="en-US" smtClean="0"/>
+                                          <a:rPr lang="en-US" i="1" smtClean="0">
+                                            <a:latin typeface="Cambria Math"/>
+                                          </a:rPr>
                                         </m:ctrlPr>
                                       </m:sSupPr>
                                       <m:e>
@@ -4604,7 +4894,9 @@
                                       </m:e>
                                       <m:sup>
                                         <m:r>
-                                          <a:rPr lang="en-US" smtClean="0"/>
+                                          <a:rPr lang="en-US" smtClean="0">
+                                            <a:latin typeface="Cambria Math"/>
+                                          </a:rPr>
                                           <m:t>2</m:t>
                                         </m:r>
                                       </m:sup>
@@ -4715,13 +5007,8 @@
                           </a14:m>
                           <a:r>
                             <a:rPr lang="en-US" dirty="0" smtClean="0"/>
-                            <a:t>(t</a:t>
+                            <a:t>(t)</a:t>
                           </a:r>
-                          <a:r>
-                            <a:rPr lang="en-US" dirty="0" smtClean="0"/>
-                            <a:t>)</a:t>
-                          </a:r>
-                          <a:endParaRPr lang="en-US" dirty="0" smtClean="0"/>
                         </a:p>
                       </a:txBody>
                       <a:tcPr/>
@@ -4783,15 +5070,7 @@
                           </a14:m>
                           <a:r>
                             <a:rPr lang="en-US" dirty="0" smtClean="0"/>
-                            <a:t>(</a:t>
-                          </a:r>
-                          <a:r>
-                            <a:rPr lang="en-US" dirty="0" smtClean="0"/>
-                            <a:t>s</a:t>
-                          </a:r>
-                          <a:r>
-                            <a:rPr lang="en-US" dirty="0" smtClean="0"/>
-                            <a:t>)+</a:t>
+                            <a:t>(s)+</a:t>
                           </a:r>
                           <a:r>
                             <a:rPr lang="pt-BR" dirty="0" smtClean="0"/>
@@ -4828,13 +5107,8 @@
                           </a14:m>
                           <a:r>
                             <a:rPr lang="en-US" dirty="0" smtClean="0"/>
-                            <a:t>(</a:t>
+                            <a:t>(s)</a:t>
                           </a:r>
-                          <a:r>
-                            <a:rPr lang="en-US" dirty="0" smtClean="0"/>
-                            <a:t>s)</a:t>
-                          </a:r>
-                          <a:endParaRPr lang="en-US" dirty="0" smtClean="0"/>
                         </a:p>
                       </a:txBody>
                       <a:tcPr/>
@@ -4845,7 +5119,7 @@
             </a:graphic>
           </p:graphicFrame>
         </mc:Choice>
-        <mc:Fallback>
+        <mc:Fallback xmlns="">
           <p:graphicFrame>
             <p:nvGraphicFramePr>
               <p:cNvPr id="8" name="Table 7"/>
@@ -5231,8 +5505,8 @@
           </p:graphicFrame>
         </mc:Fallback>
       </mc:AlternateContent>
-      <mc:AlternateContent xmlns:mc="http://schemas.openxmlformats.org/markup-compatibility/2006">
-        <mc:Choice xmlns:a14="http://schemas.microsoft.com/office/drawing/2010/main" Requires="a14">
+      <mc:AlternateContent xmlns:mc="http://schemas.openxmlformats.org/markup-compatibility/2006" xmlns:a14="http://schemas.microsoft.com/office/drawing/2010/main">
+        <mc:Choice Requires="a14">
           <p:graphicFrame>
             <p:nvGraphicFramePr>
               <p:cNvPr id="9" name="Table 8"/>
@@ -5249,7 +5523,7 @@
             </p:nvGraphicFramePr>
             <p:xfrm>
               <a:off x="6392454" y="1750300"/>
-              <a:ext cx="3770086" cy="4032085"/>
+              <a:ext cx="3770086" cy="4011511"/>
             </p:xfrm>
             <a:graphic>
               <a:graphicData uri="http://schemas.openxmlformats.org/drawingml/2006/table">
@@ -5309,40 +5583,56 @@
                                 <m:sSup>
                                   <m:sSupPr>
                                     <m:ctrlPr>
-                                      <a:rPr lang="en-US" smtClean="0"/>
+                                      <a:rPr lang="en-US" i="1" smtClean="0">
+                                        <a:latin typeface="Cambria Math"/>
+                                      </a:rPr>
                                     </m:ctrlPr>
                                   </m:sSupPr>
                                   <m:e>
                                     <m:r>
-                                      <a:rPr lang="en-US" smtClean="0"/>
+                                      <a:rPr lang="en-US" smtClean="0">
+                                        <a:latin typeface="Cambria Math"/>
+                                      </a:rPr>
                                       <m:t>𝑒</m:t>
                                     </m:r>
                                   </m:e>
                                   <m:sup>
                                     <m:r>
-                                      <a:rPr lang="en-US" smtClean="0"/>
+                                      <a:rPr lang="en-US" smtClean="0">
+                                        <a:latin typeface="Cambria Math"/>
+                                      </a:rPr>
                                       <m:t>−</m:t>
                                     </m:r>
                                     <m:r>
-                                      <a:rPr lang="en-US" smtClean="0"/>
+                                      <a:rPr lang="en-US" smtClean="0">
+                                        <a:latin typeface="Cambria Math"/>
+                                      </a:rPr>
                                       <m:t>𝑎𝑡</m:t>
                                     </m:r>
                                   </m:sup>
                                 </m:sSup>
                                 <m:r>
-                                  <a:rPr lang="en-US" smtClean="0"/>
+                                  <a:rPr lang="en-US" smtClean="0">
+                                    <a:latin typeface="Cambria Math"/>
+                                  </a:rPr>
                                   <m:t>𝑓</m:t>
                                 </m:r>
                                 <m:r>
-                                  <a:rPr lang="en-US" smtClean="0"/>
+                                  <a:rPr lang="en-US" smtClean="0">
+                                    <a:latin typeface="Cambria Math"/>
+                                  </a:rPr>
                                   <m:t>(</m:t>
                                 </m:r>
                                 <m:r>
-                                  <a:rPr lang="en-US" smtClean="0"/>
+                                  <a:rPr lang="en-US" smtClean="0">
+                                    <a:latin typeface="Cambria Math"/>
+                                  </a:rPr>
                                   <m:t>𝑡</m:t>
                                 </m:r>
                                 <m:r>
-                                  <a:rPr lang="en-US" smtClean="0"/>
+                                  <a:rPr lang="en-US" smtClean="0">
+                                    <a:latin typeface="Cambria Math"/>
+                                  </a:rPr>
                                   <m:t>)</m:t>
                                 </m:r>
                               </m:oMath>
@@ -5404,29 +5694,39 @@
                               <m:sSup>
                                 <m:sSupPr>
                                   <m:ctrlPr>
-                                    <a:rPr lang="en-US" smtClean="0"/>
+                                    <a:rPr lang="en-US" i="1" smtClean="0">
+                                      <a:latin typeface="Cambria Math"/>
+                                    </a:rPr>
                                   </m:ctrlPr>
                                 </m:sSupPr>
                                 <m:e>
                                   <m:r>
-                                    <a:rPr lang="en-US" smtClean="0"/>
+                                    <a:rPr lang="en-US" smtClean="0">
+                                      <a:latin typeface="Cambria Math"/>
+                                    </a:rPr>
                                     <m:t>𝑒</m:t>
                                   </m:r>
                                 </m:e>
                                 <m:sup>
                                   <m:r>
-                                    <a:rPr lang="en-US" smtClean="0"/>
+                                    <a:rPr lang="en-US" smtClean="0">
+                                      <a:latin typeface="Cambria Math"/>
+                                    </a:rPr>
                                     <m:t>−</m:t>
                                   </m:r>
                                   <m:r>
                                     <m:rPr>
                                       <m:sty m:val="p"/>
                                     </m:rPr>
-                                    <a:rPr lang="en-US" smtClean="0"/>
+                                    <a:rPr lang="en-US" smtClean="0">
+                                      <a:latin typeface="Cambria Math"/>
+                                    </a:rPr>
                                     <m:t>s</m:t>
                                   </m:r>
                                   <m:r>
-                                    <a:rPr lang="en-US" smtClean="0"/>
+                                    <a:rPr lang="en-US" smtClean="0">
+                                      <a:latin typeface="Cambria Math"/>
+                                    </a:rPr>
                                     <m:t>𝑡</m:t>
                                   </m:r>
                                 </m:sup>
@@ -5455,12 +5755,16 @@
                               <m:sSup>
                                 <m:sSupPr>
                                   <m:ctrlPr>
-                                    <a:rPr lang="en-US" smtClean="0"/>
+                                    <a:rPr lang="en-US" i="1" smtClean="0">
+                                      <a:latin typeface="Cambria Math"/>
+                                    </a:rPr>
                                   </m:ctrlPr>
                                 </m:sSupPr>
                                 <m:e>
                                   <m:r>
-                                    <a:rPr lang="en-US" smtClean="0"/>
+                                    <a:rPr lang="en-US" smtClean="0">
+                                      <a:latin typeface="Cambria Math"/>
+                                    </a:rPr>
                                     <m:t>𝑡</m:t>
                                   </m:r>
                                 </m:e>
@@ -5469,7 +5773,9 @@
                                     <m:rPr>
                                       <m:sty m:val="p"/>
                                     </m:rPr>
-                                    <a:rPr lang="en-US" smtClean="0"/>
+                                    <a:rPr lang="en-US" smtClean="0">
+                                      <a:latin typeface="Cambria Math"/>
+                                    </a:rPr>
                                     <m:t>n</m:t>
                                   </m:r>
                                 </m:sup>
@@ -5500,12 +5806,16 @@
                                 <m:sSup>
                                   <m:sSupPr>
                                     <m:ctrlPr>
-                                      <a:rPr lang="en-US" smtClean="0"/>
+                                      <a:rPr lang="en-US" i="1" smtClean="0">
+                                        <a:latin typeface="Cambria Math"/>
+                                      </a:rPr>
                                     </m:ctrlPr>
                                   </m:sSupPr>
                                   <m:e>
                                     <m:r>
-                                      <a:rPr lang="en-US" smtClean="0"/>
+                                      <a:rPr lang="en-US" smtClean="0">
+                                        <a:latin typeface="Cambria Math"/>
+                                      </a:rPr>
                                       <m:t>(−1)</m:t>
                                     </m:r>
                                   </m:e>
@@ -5514,7 +5824,9 @@
                                       <m:rPr>
                                         <m:sty m:val="p"/>
                                       </m:rPr>
-                                      <a:rPr lang="en-US" smtClean="0"/>
+                                      <a:rPr lang="en-US" smtClean="0">
+                                        <a:latin typeface="Cambria Math"/>
+                                      </a:rPr>
                                       <m:t>n</m:t>
                                     </m:r>
                                   </m:sup>
@@ -5522,19 +5834,25 @@
                                 <m:f>
                                   <m:fPr>
                                     <m:ctrlPr>
-                                      <a:rPr lang="en-US" smtClean="0"/>
+                                      <a:rPr lang="en-US" i="1" smtClean="0">
+                                        <a:latin typeface="Cambria Math"/>
+                                      </a:rPr>
                                     </m:ctrlPr>
                                   </m:fPr>
                                   <m:num>
                                     <m:sSup>
                                       <m:sSupPr>
                                         <m:ctrlPr>
-                                          <a:rPr lang="en-US" smtClean="0"/>
+                                          <a:rPr lang="en-US" i="1" smtClean="0">
+                                            <a:latin typeface="Cambria Math"/>
+                                          </a:rPr>
                                         </m:ctrlPr>
                                       </m:sSupPr>
                                       <m:e>
                                         <m:r>
-                                          <a:rPr lang="en-US" smtClean="0"/>
+                                          <a:rPr lang="en-US" smtClean="0">
+                                            <a:latin typeface="Cambria Math"/>
+                                          </a:rPr>
                                           <m:t>𝑑</m:t>
                                         </m:r>
                                       </m:e>
@@ -5543,25 +5861,35 @@
                                           <m:rPr>
                                             <m:sty m:val="p"/>
                                           </m:rPr>
-                                          <a:rPr lang="en-US" smtClean="0"/>
+                                          <a:rPr lang="en-US" smtClean="0">
+                                            <a:latin typeface="Cambria Math"/>
+                                          </a:rPr>
                                           <m:t>n</m:t>
                                         </m:r>
                                       </m:sup>
                                     </m:sSup>
                                     <m:r>
-                                      <a:rPr lang="en-US" smtClean="0"/>
+                                      <a:rPr lang="en-US" smtClean="0">
+                                        <a:latin typeface="Cambria Math"/>
+                                      </a:rPr>
                                       <m:t>𝐹</m:t>
                                     </m:r>
                                     <m:r>
-                                      <a:rPr lang="en-US" smtClean="0"/>
+                                      <a:rPr lang="en-US" smtClean="0">
+                                        <a:latin typeface="Cambria Math"/>
+                                      </a:rPr>
                                       <m:t>(</m:t>
                                     </m:r>
                                     <m:r>
-                                      <a:rPr lang="en-US" smtClean="0"/>
+                                      <a:rPr lang="en-US" smtClean="0">
+                                        <a:latin typeface="Cambria Math"/>
+                                      </a:rPr>
                                       <m:t>𝑠</m:t>
                                     </m:r>
                                     <m:r>
-                                      <a:rPr lang="en-US" smtClean="0"/>
+                                      <a:rPr lang="en-US" smtClean="0">
+                                        <a:latin typeface="Cambria Math"/>
+                                      </a:rPr>
                                       <m:t>)</m:t>
                                     </m:r>
                                   </m:num>
@@ -5570,18 +5898,24 @@
                                       <m:rPr>
                                         <m:sty m:val="p"/>
                                       </m:rPr>
-                                      <a:rPr lang="en-US" smtClean="0"/>
+                                      <a:rPr lang="en-US" smtClean="0">
+                                        <a:latin typeface="Cambria Math"/>
+                                      </a:rPr>
                                       <m:t>d</m:t>
                                     </m:r>
                                     <m:sSup>
                                       <m:sSupPr>
                                         <m:ctrlPr>
-                                          <a:rPr lang="en-US" smtClean="0"/>
+                                          <a:rPr lang="en-US" i="1" smtClean="0">
+                                            <a:latin typeface="Cambria Math"/>
+                                          </a:rPr>
                                         </m:ctrlPr>
                                       </m:sSupPr>
                                       <m:e>
                                         <m:r>
-                                          <a:rPr lang="en-US" smtClean="0"/>
+                                          <a:rPr lang="en-US" smtClean="0">
+                                            <a:latin typeface="Cambria Math"/>
+                                          </a:rPr>
                                           <m:t>𝑠</m:t>
                                         </m:r>
                                       </m:e>
@@ -5590,7 +5924,9 @@
                                           <m:rPr>
                                             <m:sty m:val="p"/>
                                           </m:rPr>
-                                          <a:rPr lang="en-US" smtClean="0"/>
+                                          <a:rPr lang="en-US" smtClean="0">
+                                            <a:latin typeface="Cambria Math"/>
+                                          </a:rPr>
                                           <m:t>n</m:t>
                                         </m:r>
                                       </m:sup>
@@ -6154,7 +6490,7 @@
                                   <m:d>
                                     <m:dPr>
                                       <m:ctrlPr>
-                                        <a:rPr lang="en-US" sz="1800" b="0" i="0" smtClean="0">
+                                        <a:rPr lang="en-US" sz="1800" b="0" i="1" smtClean="0">
                                           <a:latin typeface="Cambria Math"/>
                                           <a:ea typeface="Cambria Math" panose="02040503050406030204" pitchFamily="18" charset="0"/>
                                         </a:rPr>
@@ -6206,7 +6542,7 @@
             </a:graphic>
           </p:graphicFrame>
         </mc:Choice>
-        <mc:Fallback>
+        <mc:Fallback xmlns="">
           <p:graphicFrame>
             <p:nvGraphicFramePr>
               <p:cNvPr id="9" name="Table 8"/>
@@ -7162,7 +7498,7 @@
           <a:graphicData uri="http://schemas.openxmlformats.org/presentationml/2006/ole">
             <mc:AlternateContent xmlns:mc="http://schemas.openxmlformats.org/markup-compatibility/2006">
               <mc:Choice xmlns:v="urn:schemas-microsoft-com:vml" Requires="v">
-                <p:oleObj spid="_x0000_s1140" name="Equation" r:id="rId4" imgW="1117440" imgH="393480" progId="Equation.DSMT4">
+                <p:oleObj spid="_x0000_s1155" name="Equation" r:id="rId4" imgW="1117440" imgH="393480" progId="Equation.DSMT4">
                   <p:embed/>
                 </p:oleObj>
               </mc:Choice>
@@ -7238,7 +7574,7 @@
           <a:graphicData uri="http://schemas.openxmlformats.org/presentationml/2006/ole">
             <mc:AlternateContent xmlns:mc="http://schemas.openxmlformats.org/markup-compatibility/2006">
               <mc:Choice xmlns:v="urn:schemas-microsoft-com:vml" Requires="v">
-                <p:oleObj spid="_x0000_s1141" name="Equation" r:id="rId6" imgW="698400" imgH="393480" progId="Equation.DSMT4">
+                <p:oleObj spid="_x0000_s1156" name="Equation" r:id="rId6" imgW="698400" imgH="393480" progId="Equation.DSMT4">
                   <p:embed/>
                 </p:oleObj>
               </mc:Choice>
@@ -7308,7 +7644,7 @@
           <a:graphicData uri="http://schemas.openxmlformats.org/presentationml/2006/ole">
             <mc:AlternateContent xmlns:mc="http://schemas.openxmlformats.org/markup-compatibility/2006">
               <mc:Choice xmlns:v="urn:schemas-microsoft-com:vml" Requires="v">
-                <p:oleObj spid="_x0000_s1142" name="Equation" r:id="rId8" imgW="952200" imgH="393480" progId="Equation.DSMT4">
+                <p:oleObj spid="_x0000_s1157" name="Equation" r:id="rId8" imgW="952200" imgH="393480" progId="Equation.DSMT4">
                   <p:embed/>
                 </p:oleObj>
               </mc:Choice>
@@ -7506,7 +7842,7 @@
           <p:cNvPr id="4" name="TextBox 3">
             <a:extLst>
               <a:ext uri="{FF2B5EF4-FFF2-40B4-BE49-F238E27FC236}">
-                <a16:creationId xmlns:a16="http://schemas.microsoft.com/office/drawing/2014/main" xmlns="" id="{6F7DFED1-7294-5334-E2F5-8F239FDB7E2E}"/>
+                <a16:creationId xmlns="" xmlns:a16="http://schemas.microsoft.com/office/drawing/2014/main" id="{6F7DFED1-7294-5334-E2F5-8F239FDB7E2E}"/>
               </a:ext>
             </a:extLst>
           </p:cNvPr>
@@ -7999,7 +8335,7 @@
           <p:cNvPr id="4" name="TextBox 3">
             <a:extLst>
               <a:ext uri="{FF2B5EF4-FFF2-40B4-BE49-F238E27FC236}">
-                <a16:creationId xmlns:a16="http://schemas.microsoft.com/office/drawing/2014/main" xmlns="" id="{01DC56BC-AAFA-0F10-1064-898A956EB677}"/>
+                <a16:creationId xmlns="" xmlns:a16="http://schemas.microsoft.com/office/drawing/2014/main" id="{01DC56BC-AAFA-0F10-1064-898A956EB677}"/>
               </a:ext>
             </a:extLst>
           </p:cNvPr>
@@ -8408,7 +8744,7 @@
           <p:cNvPr id="4" name="TextBox 3">
             <a:extLst>
               <a:ext uri="{FF2B5EF4-FFF2-40B4-BE49-F238E27FC236}">
-                <a16:creationId xmlns:a16="http://schemas.microsoft.com/office/drawing/2014/main" xmlns="" id="{01DC56BC-AAFA-0F10-1064-898A956EB677}"/>
+                <a16:creationId xmlns="" xmlns:a16="http://schemas.microsoft.com/office/drawing/2014/main" id="{01DC56BC-AAFA-0F10-1064-898A956EB677}"/>
               </a:ext>
             </a:extLst>
           </p:cNvPr>
@@ -8449,8 +8785,8 @@
           </a:p>
         </p:txBody>
       </p:sp>
-      <mc:AlternateContent xmlns:mc="http://schemas.openxmlformats.org/markup-compatibility/2006">
-        <mc:Choice xmlns:a14="http://schemas.microsoft.com/office/drawing/2010/main" Requires="a14">
+      <mc:AlternateContent xmlns:mc="http://schemas.openxmlformats.org/markup-compatibility/2006" xmlns:a14="http://schemas.microsoft.com/office/drawing/2010/main">
+        <mc:Choice Requires="a14">
           <p:sp>
             <p:nvSpPr>
               <p:cNvPr id="3" name="TextBox 2"/>
@@ -8707,14 +9043,7 @@
                             <a:latin typeface="Cambria Math"/>
                             <a:ea typeface="Cambria Math" panose="02040503050406030204" pitchFamily="18" charset="0"/>
                           </a:rPr>
-                          <m:t>𝑠𝑡𝑑</m:t>
-                        </m:r>
-                        <m:r>
-                          <a:rPr lang="en-US" sz="2800" b="0" i="1" smtClean="0">
-                            <a:latin typeface="Cambria Math"/>
-                            <a:ea typeface="Cambria Math" panose="02040503050406030204" pitchFamily="18" charset="0"/>
-                          </a:rPr>
-                          <m:t>𝑡</m:t>
+                          <m:t>𝑠𝑡𝑑𝑡</m:t>
                         </m:r>
                       </m:e>
                     </m:nary>
@@ -8725,7 +9054,7 @@
             </p:txBody>
           </p:sp>
         </mc:Choice>
-        <mc:Fallback>
+        <mc:Fallback xmlns="">
           <p:sp>
             <p:nvSpPr>
               <p:cNvPr id="3" name="TextBox 2"/>
@@ -8764,8 +9093,8 @@
           </p:sp>
         </mc:Fallback>
       </mc:AlternateContent>
-      <mc:AlternateContent xmlns:mc="http://schemas.openxmlformats.org/markup-compatibility/2006">
-        <mc:Choice xmlns:a14="http://schemas.microsoft.com/office/drawing/2010/main" Requires="a14">
+      <mc:AlternateContent xmlns:mc="http://schemas.openxmlformats.org/markup-compatibility/2006" xmlns:a14="http://schemas.microsoft.com/office/drawing/2010/main">
+        <mc:Choice Requires="a14">
           <p:sp>
             <p:nvSpPr>
               <p:cNvPr id="17" name="TextBox 16"/>
@@ -9064,14 +9393,7 @@
                             <a:latin typeface="Cambria Math"/>
                             <a:ea typeface="Cambria Math" panose="02040503050406030204" pitchFamily="18" charset="0"/>
                           </a:rPr>
-                          <m:t>𝑠𝑡𝑑</m:t>
-                        </m:r>
-                        <m:r>
-                          <a:rPr lang="en-US" sz="2400" b="0" i="1" smtClean="0">
-                            <a:latin typeface="Cambria Math"/>
-                            <a:ea typeface="Cambria Math" panose="02040503050406030204" pitchFamily="18" charset="0"/>
-                          </a:rPr>
-                          <m:t>𝑡</m:t>
+                          <m:t>𝑠𝑡𝑑𝑡</m:t>
                         </m:r>
                         <m:r>
                           <a:rPr lang="en-US" sz="2400" b="0" i="1" smtClean="0">
@@ -9220,7 +9542,7 @@
             </p:txBody>
           </p:sp>
         </mc:Choice>
-        <mc:Fallback>
+        <mc:Fallback xmlns="">
           <p:sp>
             <p:nvSpPr>
               <p:cNvPr id="17" name="TextBox 16"/>
@@ -9289,8 +9611,8 @@
           </a:p>
         </p:txBody>
       </p:sp>
-      <mc:AlternateContent xmlns:mc="http://schemas.openxmlformats.org/markup-compatibility/2006">
-        <mc:Choice xmlns:a14="http://schemas.microsoft.com/office/drawing/2010/main" Requires="a14">
+      <mc:AlternateContent xmlns:mc="http://schemas.openxmlformats.org/markup-compatibility/2006" xmlns:a14="http://schemas.microsoft.com/office/drawing/2010/main">
+        <mc:Choice Requires="a14">
           <p:sp>
             <p:nvSpPr>
               <p:cNvPr id="14" name="TextBox 13"/>
@@ -9402,7 +9724,7 @@
             </p:txBody>
           </p:sp>
         </mc:Choice>
-        <mc:Fallback>
+        <mc:Fallback xmlns="">
           <p:sp>
             <p:nvSpPr>
               <p:cNvPr id="14" name="TextBox 13"/>
@@ -9499,7 +9821,7 @@
             <a:r>
               <a:rPr lang="en-US" sz="4000" b="1" dirty="0">
                 <a:solidFill>
-                  <a:srgbClr val="0000CC"/>
+                  <a:srgbClr val="00B050"/>
                 </a:solidFill>
                 <a:latin typeface="Cambria" panose="02040503050406030204" pitchFamily="18" charset="0"/>
               </a:rPr>
@@ -9508,7 +9830,7 @@
             <a:r>
               <a:rPr lang="lv-LV" sz="4000" b="1" dirty="0">
                 <a:solidFill>
-                  <a:srgbClr val="0000CC"/>
+                  <a:srgbClr val="00B050"/>
                 </a:solidFill>
                 <a:latin typeface="Cambria" panose="02040503050406030204" pitchFamily="18" charset="0"/>
               </a:rPr>
@@ -9517,7 +9839,7 @@
             <a:r>
               <a:rPr lang="en-US" sz="4000" b="1" dirty="0">
                 <a:solidFill>
-                  <a:srgbClr val="0000CC"/>
+                  <a:srgbClr val="00B050"/>
                 </a:solidFill>
                 <a:latin typeface="Cambria" panose="02040503050406030204" pitchFamily="18" charset="0"/>
               </a:rPr>
@@ -9526,7 +9848,7 @@
             <a:r>
               <a:rPr lang="lv-LV" sz="4000" b="1" dirty="0">
                 <a:solidFill>
-                  <a:srgbClr val="0000CC"/>
+                  <a:srgbClr val="00B050"/>
                 </a:solidFill>
                 <a:latin typeface="Cambria" panose="02040503050406030204" pitchFamily="18" charset="0"/>
               </a:rPr>
@@ -9535,7 +9857,7 @@
             <a:r>
               <a:rPr lang="en-US" sz="4000" b="1" dirty="0">
                 <a:solidFill>
-                  <a:srgbClr val="0000CC"/>
+                  <a:srgbClr val="00B050"/>
                 </a:solidFill>
                 <a:latin typeface="Cambria" panose="02040503050406030204" pitchFamily="18" charset="0"/>
               </a:rPr>
@@ -10633,6 +10955,1116 @@
 </file>
 
 <file path=ppt/slides/slide16.xml><?xml version="1.0" encoding="utf-8"?>
+<p:sld xmlns:a="http://schemas.openxmlformats.org/drawingml/2006/main" xmlns:r="http://schemas.openxmlformats.org/officeDocument/2006/relationships" xmlns:p="http://schemas.openxmlformats.org/presentationml/2006/main">
+  <p:cSld>
+    <p:spTree>
+      <p:nvGrpSpPr>
+        <p:cNvPr id="1" name=""/>
+        <p:cNvGrpSpPr/>
+        <p:nvPr/>
+      </p:nvGrpSpPr>
+      <p:grpSpPr>
+        <a:xfrm>
+          <a:off x="0" y="0"/>
+          <a:ext cx="0" cy="0"/>
+          <a:chOff x="0" y="0"/>
+          <a:chExt cx="0" cy="0"/>
+        </a:xfrm>
+      </p:grpSpPr>
+      <p:sp>
+        <p:nvSpPr>
+          <p:cNvPr id="9" name="TextBox 8"/>
+          <p:cNvSpPr txBox="1"/>
+          <p:nvPr/>
+        </p:nvSpPr>
+        <p:spPr>
+          <a:xfrm>
+            <a:off x="903449" y="635709"/>
+            <a:ext cx="5334345" cy="707886"/>
+          </a:xfrm>
+          <a:prstGeom prst="rect">
+            <a:avLst/>
+          </a:prstGeom>
+          <a:noFill/>
+          <a:ln>
+            <a:noFill/>
+          </a:ln>
+        </p:spPr>
+        <p:txBody>
+          <a:bodyPr wrap="none" rtlCol="0">
+            <a:spAutoFit/>
+          </a:bodyPr>
+          <a:lstStyle/>
+          <a:p>
+            <a:r>
+              <a:rPr lang="en-US" sz="4000" b="1" dirty="0">
+                <a:solidFill>
+                  <a:srgbClr val="00B050"/>
+                </a:solidFill>
+                <a:latin typeface="Cambria" panose="02040503050406030204" pitchFamily="18" charset="0"/>
+              </a:rPr>
+              <a:t>Example 12.</a:t>
+            </a:r>
+            <a:r>
+              <a:rPr lang="lv-LV" sz="4000" b="1" dirty="0">
+                <a:solidFill>
+                  <a:srgbClr val="00B050"/>
+                </a:solidFill>
+                <a:latin typeface="Cambria" panose="02040503050406030204" pitchFamily="18" charset="0"/>
+              </a:rPr>
+              <a:t>7</a:t>
+            </a:r>
+            <a:r>
+              <a:rPr lang="en-US" sz="4000" b="1" dirty="0">
+                <a:solidFill>
+                  <a:srgbClr val="00B050"/>
+                </a:solidFill>
+                <a:latin typeface="Cambria" panose="02040503050406030204" pitchFamily="18" charset="0"/>
+              </a:rPr>
+              <a:t> (p. 5</a:t>
+            </a:r>
+            <a:r>
+              <a:rPr lang="lv-LV" sz="4000" b="1" dirty="0">
+                <a:solidFill>
+                  <a:srgbClr val="00B050"/>
+                </a:solidFill>
+                <a:latin typeface="Cambria" panose="02040503050406030204" pitchFamily="18" charset="0"/>
+              </a:rPr>
+              <a:t>59</a:t>
+            </a:r>
+            <a:r>
+              <a:rPr lang="en-US" sz="4000" b="1" dirty="0">
+                <a:solidFill>
+                  <a:srgbClr val="00B050"/>
+                </a:solidFill>
+                <a:latin typeface="Cambria" panose="02040503050406030204" pitchFamily="18" charset="0"/>
+              </a:rPr>
+              <a:t>)</a:t>
+            </a:r>
+          </a:p>
+        </p:txBody>
+      </p:sp>
+      <p:sp>
+        <p:nvSpPr>
+          <p:cNvPr id="10" name="Rectangle 9"/>
+          <p:cNvSpPr/>
+          <p:nvPr/>
+        </p:nvSpPr>
+        <p:spPr>
+          <a:xfrm>
+            <a:off x="825230" y="1585760"/>
+            <a:ext cx="8699500" cy="461665"/>
+          </a:xfrm>
+          <a:prstGeom prst="rect">
+            <a:avLst/>
+          </a:prstGeom>
+        </p:spPr>
+        <p:txBody>
+          <a:bodyPr wrap="square">
+            <a:spAutoFit/>
+          </a:bodyPr>
+          <a:lstStyle/>
+          <a:p>
+            <a:r>
+              <a:rPr lang="en-US" sz="2400" dirty="0">
+                <a:solidFill>
+                  <a:srgbClr val="C00000"/>
+                </a:solidFill>
+                <a:latin typeface="Cambria" panose="02040503050406030204" pitchFamily="18" charset="0"/>
+              </a:rPr>
+              <a:t>Find F(s)</a:t>
+            </a:r>
+            <a:r>
+              <a:rPr lang="lv-LV" sz="2400" dirty="0">
+                <a:solidFill>
+                  <a:srgbClr val="C00000"/>
+                </a:solidFill>
+                <a:latin typeface="Cambria" panose="02040503050406030204" pitchFamily="18" charset="0"/>
+              </a:rPr>
+              <a:t> </a:t>
+            </a:r>
+            <a:r>
+              <a:rPr lang="en-US" sz="2400" dirty="0">
+                <a:solidFill>
+                  <a:srgbClr val="C00000"/>
+                </a:solidFill>
+                <a:latin typeface="Cambria" panose="02040503050406030204" pitchFamily="18" charset="0"/>
+              </a:rPr>
+              <a:t>for</a:t>
+            </a:r>
+            <a:r>
+              <a:rPr lang="lv-LV" sz="2400" dirty="0">
+                <a:solidFill>
+                  <a:srgbClr val="C00000"/>
+                </a:solidFill>
+                <a:latin typeface="Cambria" panose="02040503050406030204" pitchFamily="18" charset="0"/>
+              </a:rPr>
+              <a:t> </a:t>
+            </a:r>
+            <a:r>
+              <a:rPr lang="en-US" sz="2400" dirty="0">
+                <a:solidFill>
+                  <a:srgbClr val="C00000"/>
+                </a:solidFill>
+                <a:latin typeface="Cambria" panose="02040503050406030204" pitchFamily="18" charset="0"/>
+              </a:rPr>
+              <a:t>the signal f(t) given in the following figure</a:t>
+            </a:r>
+          </a:p>
+        </p:txBody>
+      </p:sp>
+      <p:sp>
+        <p:nvSpPr>
+          <p:cNvPr id="39" name="Rectangle 38"/>
+          <p:cNvSpPr/>
+          <p:nvPr/>
+        </p:nvSpPr>
+        <p:spPr>
+          <a:xfrm>
+            <a:off x="903449" y="3484995"/>
+            <a:ext cx="1767506" cy="369332"/>
+          </a:xfrm>
+          <a:prstGeom prst="rect">
+            <a:avLst/>
+          </a:prstGeom>
+        </p:spPr>
+        <p:txBody>
+          <a:bodyPr wrap="square">
+            <a:spAutoFit/>
+          </a:bodyPr>
+          <a:lstStyle/>
+          <a:p>
+            <a:r>
+              <a:rPr lang="lv-LV" b="1" dirty="0">
+                <a:solidFill>
+                  <a:srgbClr val="006600"/>
+                </a:solidFill>
+                <a:latin typeface="Cambria" panose="02040503050406030204" pitchFamily="18" charset="0"/>
+              </a:rPr>
+              <a:t>Recall LT pairs</a:t>
+            </a:r>
+            <a:endParaRPr lang="en-US" b="1" dirty="0">
+              <a:solidFill>
+                <a:srgbClr val="006600"/>
+              </a:solidFill>
+              <a:latin typeface="Cambria" panose="02040503050406030204" pitchFamily="18" charset="0"/>
+            </a:endParaRPr>
+          </a:p>
+        </p:txBody>
+      </p:sp>
+      <p:cxnSp>
+        <p:nvCxnSpPr>
+          <p:cNvPr id="15" name="Straight Arrow Connector 14"/>
+          <p:cNvCxnSpPr/>
+          <p:nvPr/>
+        </p:nvCxnSpPr>
+        <p:spPr>
+          <a:xfrm>
+            <a:off x="8061772" y="5175568"/>
+            <a:ext cx="2911031" cy="0"/>
+          </a:xfrm>
+          <a:prstGeom prst="straightConnector1">
+            <a:avLst/>
+          </a:prstGeom>
+          <a:ln w="28575">
+            <a:solidFill>
+              <a:schemeClr val="tx1"/>
+            </a:solidFill>
+            <a:headEnd type="none" w="med" len="med"/>
+            <a:tailEnd type="triangle" w="lg" len="lg"/>
+          </a:ln>
+        </p:spPr>
+        <p:style>
+          <a:lnRef idx="1">
+            <a:schemeClr val="accent1"/>
+          </a:lnRef>
+          <a:fillRef idx="0">
+            <a:schemeClr val="accent1"/>
+          </a:fillRef>
+          <a:effectRef idx="0">
+            <a:schemeClr val="accent1"/>
+          </a:effectRef>
+          <a:fontRef idx="minor">
+            <a:schemeClr val="tx1"/>
+          </a:fontRef>
+        </p:style>
+      </p:cxnSp>
+      <p:cxnSp>
+        <p:nvCxnSpPr>
+          <p:cNvPr id="17" name="Straight Arrow Connector 16"/>
+          <p:cNvCxnSpPr/>
+          <p:nvPr/>
+        </p:nvCxnSpPr>
+        <p:spPr>
+          <a:xfrm flipH="1" flipV="1">
+            <a:off x="8063420" y="2427472"/>
+            <a:ext cx="13780" cy="4214628"/>
+          </a:xfrm>
+          <a:prstGeom prst="straightConnector1">
+            <a:avLst/>
+          </a:prstGeom>
+          <a:ln w="28575">
+            <a:solidFill>
+              <a:schemeClr val="tx1"/>
+            </a:solidFill>
+            <a:headEnd type="none" w="med" len="med"/>
+            <a:tailEnd type="triangle" w="lg" len="lg"/>
+          </a:ln>
+        </p:spPr>
+        <p:style>
+          <a:lnRef idx="1">
+            <a:schemeClr val="accent1"/>
+          </a:lnRef>
+          <a:fillRef idx="0">
+            <a:schemeClr val="accent1"/>
+          </a:fillRef>
+          <a:effectRef idx="0">
+            <a:schemeClr val="accent1"/>
+          </a:effectRef>
+          <a:fontRef idx="minor">
+            <a:schemeClr val="tx1"/>
+          </a:fontRef>
+        </p:style>
+      </p:cxnSp>
+      <p:cxnSp>
+        <p:nvCxnSpPr>
+          <p:cNvPr id="18" name="Straight Arrow Connector 17"/>
+          <p:cNvCxnSpPr/>
+          <p:nvPr/>
+        </p:nvCxnSpPr>
+        <p:spPr>
+          <a:xfrm>
+            <a:off x="8869320" y="6486208"/>
+            <a:ext cx="776877" cy="0"/>
+          </a:xfrm>
+          <a:prstGeom prst="straightConnector1">
+            <a:avLst/>
+          </a:prstGeom>
+          <a:ln w="28575">
+            <a:solidFill>
+              <a:srgbClr val="0000FF"/>
+            </a:solidFill>
+            <a:headEnd type="none" w="med" len="med"/>
+            <a:tailEnd type="none" w="lg" len="lg"/>
+          </a:ln>
+        </p:spPr>
+        <p:style>
+          <a:lnRef idx="1">
+            <a:schemeClr val="accent1"/>
+          </a:lnRef>
+          <a:fillRef idx="0">
+            <a:schemeClr val="accent1"/>
+          </a:fillRef>
+          <a:effectRef idx="0">
+            <a:schemeClr val="accent1"/>
+          </a:effectRef>
+          <a:fontRef idx="minor">
+            <a:schemeClr val="tx1"/>
+          </a:fontRef>
+        </p:style>
+      </p:cxnSp>
+      <p:cxnSp>
+        <p:nvCxnSpPr>
+          <p:cNvPr id="20" name="Straight Arrow Connector 19"/>
+          <p:cNvCxnSpPr/>
+          <p:nvPr/>
+        </p:nvCxnSpPr>
+        <p:spPr>
+          <a:xfrm flipV="1">
+            <a:off x="8077560" y="3065783"/>
+            <a:ext cx="807364" cy="7618"/>
+          </a:xfrm>
+          <a:prstGeom prst="straightConnector1">
+            <a:avLst/>
+          </a:prstGeom>
+          <a:ln w="28575">
+            <a:solidFill>
+              <a:srgbClr val="CC0000"/>
+            </a:solidFill>
+            <a:headEnd type="none" w="med" len="med"/>
+            <a:tailEnd type="none" w="lg" len="lg"/>
+          </a:ln>
+        </p:spPr>
+        <p:style>
+          <a:lnRef idx="1">
+            <a:schemeClr val="accent1"/>
+          </a:lnRef>
+          <a:fillRef idx="0">
+            <a:schemeClr val="accent1"/>
+          </a:fillRef>
+          <a:effectRef idx="0">
+            <a:schemeClr val="accent1"/>
+          </a:effectRef>
+          <a:fontRef idx="minor">
+            <a:schemeClr val="tx1"/>
+          </a:fontRef>
+        </p:style>
+      </p:cxnSp>
+      <p:cxnSp>
+        <p:nvCxnSpPr>
+          <p:cNvPr id="21" name="Straight Arrow Connector 20"/>
+          <p:cNvCxnSpPr/>
+          <p:nvPr/>
+        </p:nvCxnSpPr>
+        <p:spPr>
+          <a:xfrm flipH="1" flipV="1">
+            <a:off x="8869320" y="3073402"/>
+            <a:ext cx="180" cy="3412806"/>
+          </a:xfrm>
+          <a:prstGeom prst="straightConnector1">
+            <a:avLst/>
+          </a:prstGeom>
+          <a:ln w="28575">
+            <a:solidFill>
+              <a:srgbClr val="006600"/>
+            </a:solidFill>
+            <a:headEnd type="none" w="med" len="med"/>
+            <a:tailEnd type="none" w="lg" len="lg"/>
+          </a:ln>
+        </p:spPr>
+        <p:style>
+          <a:lnRef idx="1">
+            <a:schemeClr val="accent1"/>
+          </a:lnRef>
+          <a:fillRef idx="0">
+            <a:schemeClr val="accent1"/>
+          </a:fillRef>
+          <a:effectRef idx="0">
+            <a:schemeClr val="accent1"/>
+          </a:effectRef>
+          <a:fontRef idx="minor">
+            <a:schemeClr val="tx1"/>
+          </a:fontRef>
+        </p:style>
+      </p:cxnSp>
+      <p:cxnSp>
+        <p:nvCxnSpPr>
+          <p:cNvPr id="22" name="Straight Arrow Connector 21"/>
+          <p:cNvCxnSpPr/>
+          <p:nvPr/>
+        </p:nvCxnSpPr>
+        <p:spPr>
+          <a:xfrm flipH="1" flipV="1">
+            <a:off x="9646197" y="5175568"/>
+            <a:ext cx="364" cy="1292066"/>
+          </a:xfrm>
+          <a:prstGeom prst="straightConnector1">
+            <a:avLst/>
+          </a:prstGeom>
+          <a:ln w="28575">
+            <a:solidFill>
+              <a:srgbClr val="0000FF"/>
+            </a:solidFill>
+            <a:headEnd type="none" w="med" len="med"/>
+            <a:tailEnd type="none" w="lg" len="lg"/>
+          </a:ln>
+        </p:spPr>
+        <p:style>
+          <a:lnRef idx="1">
+            <a:schemeClr val="accent1"/>
+          </a:lnRef>
+          <a:fillRef idx="0">
+            <a:schemeClr val="accent1"/>
+          </a:fillRef>
+          <a:effectRef idx="0">
+            <a:schemeClr val="accent1"/>
+          </a:effectRef>
+          <a:fontRef idx="minor">
+            <a:schemeClr val="tx1"/>
+          </a:fontRef>
+        </p:style>
+      </p:cxnSp>
+      <p:cxnSp>
+        <p:nvCxnSpPr>
+          <p:cNvPr id="23" name="Straight Arrow Connector 22"/>
+          <p:cNvCxnSpPr/>
+          <p:nvPr/>
+        </p:nvCxnSpPr>
+        <p:spPr>
+          <a:xfrm flipH="1" flipV="1">
+            <a:off x="8061772" y="4479426"/>
+            <a:ext cx="152402" cy="2"/>
+          </a:xfrm>
+          <a:prstGeom prst="straightConnector1">
+            <a:avLst/>
+          </a:prstGeom>
+          <a:ln w="28575">
+            <a:solidFill>
+              <a:schemeClr val="tx1"/>
+            </a:solidFill>
+            <a:headEnd type="none" w="med" len="med"/>
+            <a:tailEnd type="none" w="lg" len="lg"/>
+          </a:ln>
+        </p:spPr>
+        <p:style>
+          <a:lnRef idx="1">
+            <a:schemeClr val="accent1"/>
+          </a:lnRef>
+          <a:fillRef idx="0">
+            <a:schemeClr val="accent1"/>
+          </a:fillRef>
+          <a:effectRef idx="0">
+            <a:schemeClr val="accent1"/>
+          </a:effectRef>
+          <a:fontRef idx="minor">
+            <a:schemeClr val="tx1"/>
+          </a:fontRef>
+        </p:style>
+      </p:cxnSp>
+      <p:cxnSp>
+        <p:nvCxnSpPr>
+          <p:cNvPr id="24" name="Straight Arrow Connector 23"/>
+          <p:cNvCxnSpPr/>
+          <p:nvPr/>
+        </p:nvCxnSpPr>
+        <p:spPr>
+          <a:xfrm flipH="1" flipV="1">
+            <a:off x="8077560" y="5871709"/>
+            <a:ext cx="152402" cy="2"/>
+          </a:xfrm>
+          <a:prstGeom prst="straightConnector1">
+            <a:avLst/>
+          </a:prstGeom>
+          <a:ln w="28575">
+            <a:solidFill>
+              <a:schemeClr val="tx1"/>
+            </a:solidFill>
+            <a:headEnd type="none" w="med" len="med"/>
+            <a:tailEnd type="none" w="lg" len="lg"/>
+          </a:ln>
+        </p:spPr>
+        <p:style>
+          <a:lnRef idx="1">
+            <a:schemeClr val="accent1"/>
+          </a:lnRef>
+          <a:fillRef idx="0">
+            <a:schemeClr val="accent1"/>
+          </a:fillRef>
+          <a:effectRef idx="0">
+            <a:schemeClr val="accent1"/>
+          </a:effectRef>
+          <a:fontRef idx="minor">
+            <a:schemeClr val="tx1"/>
+          </a:fontRef>
+        </p:style>
+      </p:cxnSp>
+      <p:cxnSp>
+        <p:nvCxnSpPr>
+          <p:cNvPr id="25" name="Straight Arrow Connector 24"/>
+          <p:cNvCxnSpPr/>
+          <p:nvPr/>
+        </p:nvCxnSpPr>
+        <p:spPr>
+          <a:xfrm flipH="1" flipV="1">
+            <a:off x="8077560" y="6467632"/>
+            <a:ext cx="152402" cy="2"/>
+          </a:xfrm>
+          <a:prstGeom prst="straightConnector1">
+            <a:avLst/>
+          </a:prstGeom>
+          <a:ln w="28575">
+            <a:solidFill>
+              <a:schemeClr val="tx1"/>
+            </a:solidFill>
+            <a:headEnd type="none" w="med" len="med"/>
+            <a:tailEnd type="none" w="lg" len="lg"/>
+          </a:ln>
+        </p:spPr>
+        <p:style>
+          <a:lnRef idx="1">
+            <a:schemeClr val="accent1"/>
+          </a:lnRef>
+          <a:fillRef idx="0">
+            <a:schemeClr val="accent1"/>
+          </a:fillRef>
+          <a:effectRef idx="0">
+            <a:schemeClr val="accent1"/>
+          </a:effectRef>
+          <a:fontRef idx="minor">
+            <a:schemeClr val="tx1"/>
+          </a:fontRef>
+        </p:style>
+      </p:cxnSp>
+      <p:cxnSp>
+        <p:nvCxnSpPr>
+          <p:cNvPr id="26" name="Straight Arrow Connector 25"/>
+          <p:cNvCxnSpPr/>
+          <p:nvPr/>
+        </p:nvCxnSpPr>
+        <p:spPr>
+          <a:xfrm flipH="1" flipV="1">
+            <a:off x="8063420" y="3765492"/>
+            <a:ext cx="152402" cy="2"/>
+          </a:xfrm>
+          <a:prstGeom prst="straightConnector1">
+            <a:avLst/>
+          </a:prstGeom>
+          <a:ln w="28575">
+            <a:solidFill>
+              <a:schemeClr val="tx1"/>
+            </a:solidFill>
+            <a:headEnd type="none" w="med" len="med"/>
+            <a:tailEnd type="none" w="lg" len="lg"/>
+          </a:ln>
+        </p:spPr>
+        <p:style>
+          <a:lnRef idx="1">
+            <a:schemeClr val="accent1"/>
+          </a:lnRef>
+          <a:fillRef idx="0">
+            <a:schemeClr val="accent1"/>
+          </a:fillRef>
+          <a:effectRef idx="0">
+            <a:schemeClr val="accent1"/>
+          </a:effectRef>
+          <a:fontRef idx="minor">
+            <a:schemeClr val="tx1"/>
+          </a:fontRef>
+        </p:style>
+      </p:cxnSp>
+      <p:sp>
+        <p:nvSpPr>
+          <p:cNvPr id="27" name="TextBox 26"/>
+          <p:cNvSpPr txBox="1"/>
+          <p:nvPr/>
+        </p:nvSpPr>
+        <p:spPr>
+          <a:xfrm>
+            <a:off x="8869320" y="4725154"/>
+            <a:ext cx="301686" cy="369332"/>
+          </a:xfrm>
+          <a:prstGeom prst="rect">
+            <a:avLst/>
+          </a:prstGeom>
+          <a:noFill/>
+        </p:spPr>
+        <p:txBody>
+          <a:bodyPr wrap="square" rtlCol="0">
+            <a:spAutoFit/>
+          </a:bodyPr>
+          <a:lstStyle/>
+          <a:p>
+            <a:r>
+              <a:rPr lang="en-US" dirty="0"/>
+              <a:t>1</a:t>
+            </a:r>
+          </a:p>
+        </p:txBody>
+      </p:sp>
+      <p:sp>
+        <p:nvSpPr>
+          <p:cNvPr id="28" name="TextBox 27"/>
+          <p:cNvSpPr txBox="1"/>
+          <p:nvPr/>
+        </p:nvSpPr>
+        <p:spPr>
+          <a:xfrm>
+            <a:off x="9495354" y="4740156"/>
+            <a:ext cx="301686" cy="369332"/>
+          </a:xfrm>
+          <a:prstGeom prst="rect">
+            <a:avLst/>
+          </a:prstGeom>
+          <a:noFill/>
+        </p:spPr>
+        <p:txBody>
+          <a:bodyPr wrap="square" rtlCol="0">
+            <a:spAutoFit/>
+          </a:bodyPr>
+          <a:lstStyle/>
+          <a:p>
+            <a:r>
+              <a:rPr lang="en-US" dirty="0"/>
+              <a:t>2</a:t>
+            </a:r>
+          </a:p>
+        </p:txBody>
+      </p:sp>
+      <p:sp>
+        <p:nvSpPr>
+          <p:cNvPr id="30" name="TextBox 29"/>
+          <p:cNvSpPr txBox="1"/>
+          <p:nvPr/>
+        </p:nvSpPr>
+        <p:spPr>
+          <a:xfrm>
+            <a:off x="7608142" y="3573372"/>
+            <a:ext cx="301686" cy="369332"/>
+          </a:xfrm>
+          <a:prstGeom prst="rect">
+            <a:avLst/>
+          </a:prstGeom>
+          <a:noFill/>
+        </p:spPr>
+        <p:txBody>
+          <a:bodyPr wrap="square" rtlCol="0">
+            <a:spAutoFit/>
+          </a:bodyPr>
+          <a:lstStyle/>
+          <a:p>
+            <a:r>
+              <a:rPr lang="en-US" dirty="0"/>
+              <a:t>2</a:t>
+            </a:r>
+          </a:p>
+        </p:txBody>
+      </p:sp>
+      <p:sp>
+        <p:nvSpPr>
+          <p:cNvPr id="31" name="TextBox 30"/>
+          <p:cNvSpPr txBox="1"/>
+          <p:nvPr/>
+        </p:nvSpPr>
+        <p:spPr>
+          <a:xfrm>
+            <a:off x="7592797" y="4294760"/>
+            <a:ext cx="301686" cy="369332"/>
+          </a:xfrm>
+          <a:prstGeom prst="rect">
+            <a:avLst/>
+          </a:prstGeom>
+          <a:noFill/>
+        </p:spPr>
+        <p:txBody>
+          <a:bodyPr wrap="square" rtlCol="0">
+            <a:spAutoFit/>
+          </a:bodyPr>
+          <a:lstStyle/>
+          <a:p>
+            <a:r>
+              <a:rPr lang="en-US" dirty="0"/>
+              <a:t>1</a:t>
+            </a:r>
+          </a:p>
+        </p:txBody>
+      </p:sp>
+      <p:sp>
+        <p:nvSpPr>
+          <p:cNvPr id="32" name="TextBox 31"/>
+          <p:cNvSpPr txBox="1"/>
+          <p:nvPr/>
+        </p:nvSpPr>
+        <p:spPr>
+          <a:xfrm>
+            <a:off x="7606105" y="2855960"/>
+            <a:ext cx="301686" cy="369332"/>
+          </a:xfrm>
+          <a:prstGeom prst="rect">
+            <a:avLst/>
+          </a:prstGeom>
+          <a:noFill/>
+        </p:spPr>
+        <p:txBody>
+          <a:bodyPr wrap="square" rtlCol="0">
+            <a:spAutoFit/>
+          </a:bodyPr>
+          <a:lstStyle/>
+          <a:p>
+            <a:r>
+              <a:rPr lang="en-US" dirty="0"/>
+              <a:t>3</a:t>
+            </a:r>
+          </a:p>
+        </p:txBody>
+      </p:sp>
+      <p:sp>
+        <p:nvSpPr>
+          <p:cNvPr id="33" name="TextBox 32"/>
+          <p:cNvSpPr txBox="1"/>
+          <p:nvPr/>
+        </p:nvSpPr>
+        <p:spPr>
+          <a:xfrm>
+            <a:off x="7599599" y="5687043"/>
+            <a:ext cx="372218" cy="369332"/>
+          </a:xfrm>
+          <a:prstGeom prst="rect">
+            <a:avLst/>
+          </a:prstGeom>
+          <a:noFill/>
+        </p:spPr>
+        <p:txBody>
+          <a:bodyPr wrap="square" rtlCol="0">
+            <a:spAutoFit/>
+          </a:bodyPr>
+          <a:lstStyle/>
+          <a:p>
+            <a:r>
+              <a:rPr lang="en-US" dirty="0"/>
+              <a:t>-1</a:t>
+            </a:r>
+          </a:p>
+        </p:txBody>
+      </p:sp>
+      <p:sp>
+        <p:nvSpPr>
+          <p:cNvPr id="34" name="TextBox 33"/>
+          <p:cNvSpPr txBox="1"/>
+          <p:nvPr/>
+        </p:nvSpPr>
+        <p:spPr>
+          <a:xfrm>
+            <a:off x="7599599" y="6223765"/>
+            <a:ext cx="372218" cy="369332"/>
+          </a:xfrm>
+          <a:prstGeom prst="rect">
+            <a:avLst/>
+          </a:prstGeom>
+          <a:noFill/>
+        </p:spPr>
+        <p:txBody>
+          <a:bodyPr wrap="square" rtlCol="0">
+            <a:spAutoFit/>
+          </a:bodyPr>
+          <a:lstStyle/>
+          <a:p>
+            <a:r>
+              <a:rPr lang="en-US" dirty="0"/>
+              <a:t>-2</a:t>
+            </a:r>
+          </a:p>
+        </p:txBody>
+      </p:sp>
+      <p:sp>
+        <p:nvSpPr>
+          <p:cNvPr id="35" name="TextBox 34"/>
+          <p:cNvSpPr txBox="1"/>
+          <p:nvPr/>
+        </p:nvSpPr>
+        <p:spPr>
+          <a:xfrm>
+            <a:off x="8122187" y="2427471"/>
+            <a:ext cx="615874" cy="461665"/>
+          </a:xfrm>
+          <a:prstGeom prst="rect">
+            <a:avLst/>
+          </a:prstGeom>
+          <a:noFill/>
+        </p:spPr>
+        <p:txBody>
+          <a:bodyPr wrap="square" rtlCol="0">
+            <a:spAutoFit/>
+          </a:bodyPr>
+          <a:lstStyle/>
+          <a:p>
+            <a:r>
+              <a:rPr lang="en-US" sz="2400" dirty="0">
+                <a:latin typeface="Cambria" panose="02040503050406030204" pitchFamily="18" charset="0"/>
+              </a:rPr>
+              <a:t>f(t)</a:t>
+            </a:r>
+          </a:p>
+        </p:txBody>
+      </p:sp>
+      <p:sp>
+        <p:nvSpPr>
+          <p:cNvPr id="36" name="TextBox 35"/>
+          <p:cNvSpPr txBox="1"/>
+          <p:nvPr/>
+        </p:nvSpPr>
+        <p:spPr>
+          <a:xfrm>
+            <a:off x="10911846" y="5094486"/>
+            <a:ext cx="288862" cy="461665"/>
+          </a:xfrm>
+          <a:prstGeom prst="rect">
+            <a:avLst/>
+          </a:prstGeom>
+          <a:noFill/>
+        </p:spPr>
+        <p:txBody>
+          <a:bodyPr wrap="square" rtlCol="0">
+            <a:spAutoFit/>
+          </a:bodyPr>
+          <a:lstStyle/>
+          <a:p>
+            <a:r>
+              <a:rPr lang="en-US" sz="2400" dirty="0">
+                <a:latin typeface="Cambria" panose="02040503050406030204" pitchFamily="18" charset="0"/>
+              </a:rPr>
+              <a:t>t</a:t>
+            </a:r>
+          </a:p>
+        </p:txBody>
+      </p:sp>
+      <p:sp>
+        <p:nvSpPr>
+          <p:cNvPr id="38" name="TextBox 37"/>
+          <p:cNvSpPr txBox="1">
+            <a:spLocks noRot="1" noChangeAspect="1" noMove="1" noResize="1" noEditPoints="1" noAdjustHandles="1" noChangeArrowheads="1" noChangeShapeType="1" noTextEdit="1"/>
+          </p:cNvSpPr>
+          <p:nvPr/>
+        </p:nvSpPr>
+        <p:spPr>
+          <a:xfrm>
+            <a:off x="1461339" y="4326719"/>
+            <a:ext cx="5424293" cy="960263"/>
+          </a:xfrm>
+          <a:prstGeom prst="rect">
+            <a:avLst/>
+          </a:prstGeom>
+          <a:blipFill rotWithShape="0">
+            <a:blip r:embed="rId3" cstate="print"/>
+            <a:stretch>
+              <a:fillRect l="-5730" b="-16561"/>
+            </a:stretch>
+          </a:blipFill>
+        </p:spPr>
+        <p:txBody>
+          <a:bodyPr/>
+          <a:lstStyle/>
+          <a:p>
+            <a:r>
+              <a:rPr lang="en-US">
+                <a:noFill/>
+              </a:rPr>
+              <a:t> </a:t>
+            </a:r>
+          </a:p>
+        </p:txBody>
+      </p:sp>
+      <p:sp>
+        <p:nvSpPr>
+          <p:cNvPr id="2" name="Slide Number Placeholder 1"/>
+          <p:cNvSpPr>
+            <a:spLocks noGrp="1"/>
+          </p:cNvSpPr>
+          <p:nvPr>
+            <p:ph type="sldNum" sz="quarter" idx="7"/>
+          </p:nvPr>
+        </p:nvSpPr>
+        <p:spPr/>
+        <p:txBody>
+          <a:bodyPr/>
+          <a:lstStyle/>
+          <a:p>
+            <a:fld id="{539F810C-9DAB-49B2-B45C-341744954A16}" type="slidenum">
+              <a:rPr lang="en-GB" smtClean="0"/>
+              <a:pPr/>
+              <a:t>16</a:t>
+            </a:fld>
+            <a:endParaRPr lang="en-GB"/>
+          </a:p>
+        </p:txBody>
+      </p:sp>
+      <p:sp>
+        <p:nvSpPr>
+          <p:cNvPr id="3" name="TextBox 2"/>
+          <p:cNvSpPr txBox="1"/>
+          <p:nvPr/>
+        </p:nvSpPr>
+        <p:spPr>
+          <a:xfrm>
+            <a:off x="940363" y="2335137"/>
+            <a:ext cx="6106951" cy="646331"/>
+          </a:xfrm>
+          <a:prstGeom prst="rect">
+            <a:avLst/>
+          </a:prstGeom>
+          <a:noFill/>
+        </p:spPr>
+        <p:txBody>
+          <a:bodyPr wrap="square" rtlCol="0">
+            <a:spAutoFit/>
+          </a:bodyPr>
+          <a:lstStyle/>
+          <a:p>
+            <a:r>
+              <a:rPr lang="en-US" sz="3600" dirty="0"/>
+              <a:t>f</a:t>
+            </a:r>
+            <a:r>
+              <a:rPr lang="en-US" sz="3600" dirty="0" smtClean="0"/>
+              <a:t>(t) = 3u(t) – 5u(t-1) + 2u(t-2)</a:t>
+            </a:r>
+            <a:endParaRPr lang="en-US" sz="3600" dirty="0"/>
+          </a:p>
+        </p:txBody>
+      </p:sp>
+      <p:sp>
+        <p:nvSpPr>
+          <p:cNvPr id="4" name="TextBox 3"/>
+          <p:cNvSpPr txBox="1"/>
+          <p:nvPr/>
+        </p:nvSpPr>
+        <p:spPr>
+          <a:xfrm>
+            <a:off x="391886" y="5556151"/>
+            <a:ext cx="6493746" cy="369332"/>
+          </a:xfrm>
+          <a:prstGeom prst="rect">
+            <a:avLst/>
+          </a:prstGeom>
+          <a:noFill/>
+        </p:spPr>
+        <p:txBody>
+          <a:bodyPr wrap="square" rtlCol="0">
+            <a:spAutoFit/>
+          </a:bodyPr>
+          <a:lstStyle/>
+          <a:p>
+            <a:r>
+              <a:rPr lang="en-US" dirty="0" smtClean="0"/>
+              <a:t>F(s) </a:t>
+            </a:r>
+            <a:r>
+              <a:rPr lang="en-US" smtClean="0"/>
+              <a:t>= </a:t>
+            </a:r>
+            <a:endParaRPr lang="en-US" dirty="0" smtClean="0"/>
+          </a:p>
+        </p:txBody>
+      </p:sp>
+    </p:spTree>
+    <p:extLst>
+      <p:ext uri="{BB962C8B-B14F-4D97-AF65-F5344CB8AC3E}">
+        <p14:creationId xmlns:p14="http://schemas.microsoft.com/office/powerpoint/2010/main" val="472157851"/>
+      </p:ext>
+    </p:extLst>
+  </p:cSld>
+  <p:clrMapOvr>
+    <a:masterClrMapping/>
+  </p:clrMapOvr>
+  <mc:AlternateContent xmlns:mc="http://schemas.openxmlformats.org/markup-compatibility/2006" xmlns:p14="http://schemas.microsoft.com/office/powerpoint/2010/main">
+    <mc:Choice Requires="p14">
+      <p:transition spd="slow" p14:dur="1400">
+        <p14:ripple/>
+      </p:transition>
+    </mc:Choice>
+    <mc:Fallback xmlns="">
+      <p:transition spd="slow">
+        <p:fade/>
+      </p:transition>
+    </mc:Fallback>
+  </mc:AlternateContent>
+  <p:timing>
+    <p:tnLst>
+      <p:par>
+        <p:cTn id="1" dur="indefinite" restart="never" nodeType="tmRoot">
+          <p:childTnLst>
+            <p:seq concurrent="1" nextAc="seek">
+              <p:cTn id="2" dur="indefinite" nodeType="mainSeq">
+                <p:childTnLst>
+                  <p:par>
+                    <p:cTn id="3" fill="hold">
+                      <p:stCondLst>
+                        <p:cond delay="indefinite"/>
+                      </p:stCondLst>
+                      <p:childTnLst>
+                        <p:par>
+                          <p:cTn id="4" fill="hold">
+                            <p:stCondLst>
+                              <p:cond delay="0"/>
+                            </p:stCondLst>
+                            <p:childTnLst>
+                              <p:par>
+                                <p:cTn id="5" presetID="2" presetClass="entr" presetSubtype="4" fill="hold" grpId="0" nodeType="clickEffect">
+                                  <p:stCondLst>
+                                    <p:cond delay="0"/>
+                                  </p:stCondLst>
+                                  <p:childTnLst>
+                                    <p:set>
+                                      <p:cBhvr>
+                                        <p:cTn id="6" dur="1" fill="hold">
+                                          <p:stCondLst>
+                                            <p:cond delay="0"/>
+                                          </p:stCondLst>
+                                        </p:cTn>
+                                        <p:tgtEl>
+                                          <p:spTgt spid="38"/>
+                                        </p:tgtEl>
+                                        <p:attrNameLst>
+                                          <p:attrName>style.visibility</p:attrName>
+                                        </p:attrNameLst>
+                                      </p:cBhvr>
+                                      <p:to>
+                                        <p:strVal val="visible"/>
+                                      </p:to>
+                                    </p:set>
+                                    <p:anim calcmode="lin" valueType="num">
+                                      <p:cBhvr additive="base">
+                                        <p:cTn id="7" dur="500" fill="hold"/>
+                                        <p:tgtEl>
+                                          <p:spTgt spid="38"/>
+                                        </p:tgtEl>
+                                        <p:attrNameLst>
+                                          <p:attrName>ppt_x</p:attrName>
+                                        </p:attrNameLst>
+                                      </p:cBhvr>
+                                      <p:tavLst>
+                                        <p:tav tm="0">
+                                          <p:val>
+                                            <p:strVal val="#ppt_x"/>
+                                          </p:val>
+                                        </p:tav>
+                                        <p:tav tm="100000">
+                                          <p:val>
+                                            <p:strVal val="#ppt_x"/>
+                                          </p:val>
+                                        </p:tav>
+                                      </p:tavLst>
+                                    </p:anim>
+                                    <p:anim calcmode="lin" valueType="num">
+                                      <p:cBhvr additive="base">
+                                        <p:cTn id="8" dur="500" fill="hold"/>
+                                        <p:tgtEl>
+                                          <p:spTgt spid="38"/>
+                                        </p:tgtEl>
+                                        <p:attrNameLst>
+                                          <p:attrName>ppt_y</p:attrName>
+                                        </p:attrNameLst>
+                                      </p:cBhvr>
+                                      <p:tavLst>
+                                        <p:tav tm="0">
+                                          <p:val>
+                                            <p:strVal val="1+#ppt_h/2"/>
+                                          </p:val>
+                                        </p:tav>
+                                        <p:tav tm="100000">
+                                          <p:val>
+                                            <p:strVal val="#ppt_y"/>
+                                          </p:val>
+                                        </p:tav>
+                                      </p:tavLst>
+                                    </p:anim>
+                                  </p:childTnLst>
+                                </p:cTn>
+                              </p:par>
+                            </p:childTnLst>
+                          </p:cTn>
+                        </p:par>
+                      </p:childTnLst>
+                    </p:cTn>
+                  </p:par>
+                </p:childTnLst>
+              </p:cTn>
+              <p:prevCondLst>
+                <p:cond evt="onPrev" delay="0">
+                  <p:tgtEl>
+                    <p:sldTgt/>
+                  </p:tgtEl>
+                </p:cond>
+              </p:prevCondLst>
+              <p:nextCondLst>
+                <p:cond evt="onNext" delay="0">
+                  <p:tgtEl>
+                    <p:sldTgt/>
+                  </p:tgtEl>
+                </p:cond>
+              </p:nextCondLst>
+            </p:seq>
+          </p:childTnLst>
+        </p:cTn>
+      </p:par>
+    </p:tnLst>
+    <p:bldLst>
+      <p:bldP spid="38" grpId="0" animBg="1"/>
+    </p:bldLst>
+  </p:timing>
+</p:sld>
+</file>
+
+<file path=ppt/slides/slide17.xml><?xml version="1.0" encoding="utf-8"?>
 <p:sld xmlns:a="http://schemas.openxmlformats.org/drawingml/2006/main" xmlns:r="http://schemas.openxmlformats.org/officeDocument/2006/relationships" xmlns:p="http://schemas.openxmlformats.org/presentationml/2006/main">
   <p:cSld>
     <p:spTree>
@@ -11385,7 +12817,7 @@
             <a:fld id="{539F810C-9DAB-49B2-B45C-341744954A16}" type="slidenum">
               <a:rPr lang="en-GB" smtClean="0"/>
               <a:pPr/>
-              <a:t>16</a:t>
+              <a:t>17</a:t>
             </a:fld>
             <a:endParaRPr lang="en-GB"/>
           </a:p>
@@ -11628,7 +13060,7 @@
 </p:sld>
 </file>
 
-<file path=ppt/slides/slide17.xml><?xml version="1.0" encoding="utf-8"?>
+<file path=ppt/slides/slide18.xml><?xml version="1.0" encoding="utf-8"?>
 <p:sld xmlns:a="http://schemas.openxmlformats.org/drawingml/2006/main" xmlns:r="http://schemas.openxmlformats.org/officeDocument/2006/relationships" xmlns:p="http://schemas.openxmlformats.org/presentationml/2006/main">
   <p:cSld>
     <p:spTree>
@@ -11895,7 +13327,7 @@
             <a:fld id="{539F810C-9DAB-49B2-B45C-341744954A16}" type="slidenum">
               <a:rPr lang="en-GB" smtClean="0"/>
               <a:pPr/>
-              <a:t>17</a:t>
+              <a:t>18</a:t>
             </a:fld>
             <a:endParaRPr lang="en-GB"/>
           </a:p>
@@ -11906,7 +13338,7 @@
           <p:cNvPr id="3" name="TextBox 2">
             <a:extLst>
               <a:ext uri="{FF2B5EF4-FFF2-40B4-BE49-F238E27FC236}">
-                <a16:creationId xmlns:a16="http://schemas.microsoft.com/office/drawing/2014/main" xmlns="" id="{2A4AD2CD-3583-42E3-FA0C-5D10E365FEA9}"/>
+                <a16:creationId xmlns="" xmlns:a16="http://schemas.microsoft.com/office/drawing/2014/main" id="{2A4AD2CD-3583-42E3-FA0C-5D10E365FEA9}"/>
               </a:ext>
             </a:extLst>
           </p:cNvPr>
@@ -11954,7 +13386,7 @@
 </p:sld>
 </file>
 
-<file path=ppt/slides/slide18.xml><?xml version="1.0" encoding="utf-8"?>
+<file path=ppt/slides/slide19.xml><?xml version="1.0" encoding="utf-8"?>
 <p:sld xmlns:a="http://schemas.openxmlformats.org/drawingml/2006/main" xmlns:r="http://schemas.openxmlformats.org/officeDocument/2006/relationships" xmlns:p="http://schemas.openxmlformats.org/presentationml/2006/main">
   <p:cSld>
     <p:spTree>
@@ -12340,7 +13772,323 @@
 </p:sld>
 </file>
 
-<file path=ppt/slides/slide19.xml><?xml version="1.0" encoding="utf-8"?>
+<file path=ppt/slides/slide2.xml><?xml version="1.0" encoding="utf-8"?>
+<p:sld xmlns:a="http://schemas.openxmlformats.org/drawingml/2006/main" xmlns:r="http://schemas.openxmlformats.org/officeDocument/2006/relationships" xmlns:p="http://schemas.openxmlformats.org/presentationml/2006/main">
+  <p:cSld>
+    <p:spTree>
+      <p:nvGrpSpPr>
+        <p:cNvPr id="1" name=""/>
+        <p:cNvGrpSpPr/>
+        <p:nvPr/>
+      </p:nvGrpSpPr>
+      <p:grpSpPr>
+        <a:xfrm>
+          <a:off x="0" y="0"/>
+          <a:ext cx="0" cy="0"/>
+          <a:chOff x="0" y="0"/>
+          <a:chExt cx="0" cy="0"/>
+        </a:xfrm>
+      </p:grpSpPr>
+      <p:sp>
+        <p:nvSpPr>
+          <p:cNvPr id="2" name="مربع نص 1"/>
+          <p:cNvSpPr txBox="1"/>
+          <p:nvPr/>
+        </p:nvSpPr>
+        <p:spPr>
+          <a:xfrm>
+            <a:off x="387464" y="558856"/>
+            <a:ext cx="4834261" cy="901465"/>
+          </a:xfrm>
+          <a:prstGeom prst="rect">
+            <a:avLst/>
+          </a:prstGeom>
+          <a:noFill/>
+        </p:spPr>
+        <p:txBody>
+          <a:bodyPr wrap="square" rtlCol="0">
+            <a:spAutoFit/>
+          </a:bodyPr>
+          <a:lstStyle/>
+          <a:p>
+            <a:pPr marL="0" marR="0" lvl="0" indent="0" algn="ctr" defTabSz="914400" rtl="0" eaLnBrk="1" fontAlgn="auto" latinLnBrk="0" hangingPunct="1">
+              <a:lnSpc>
+                <a:spcPct val="150000"/>
+              </a:lnSpc>
+              <a:spcBef>
+                <a:spcPts val="0"/>
+              </a:spcBef>
+              <a:spcAft>
+                <a:spcPts val="0"/>
+              </a:spcAft>
+              <a:buClrTx/>
+              <a:buSzTx/>
+              <a:buFontTx/>
+              <a:buNone/>
+              <a:tabLst/>
+              <a:defRPr/>
+            </a:pPr>
+            <a:r>
+              <a:rPr kumimoji="0" lang="en-US" sz="4000" b="1" i="0" u="none" strike="noStrike" kern="1200" cap="none" spc="0" normalizeH="0" baseline="0" noProof="0" dirty="0">
+                <a:ln>
+                  <a:noFill/>
+                </a:ln>
+                <a:solidFill>
+                  <a:srgbClr val="00B050"/>
+                </a:solidFill>
+                <a:effectLst/>
+                <a:uLnTx/>
+                <a:uFillTx/>
+                <a:latin typeface="Cambria" pitchFamily="18" charset="0"/>
+                <a:ea typeface="+mn-ea"/>
+                <a:cs typeface="+mn-cs"/>
+              </a:rPr>
+              <a:t>Announcement</a:t>
+            </a:r>
+          </a:p>
+        </p:txBody>
+      </p:sp>
+      <p:sp>
+        <p:nvSpPr>
+          <p:cNvPr id="3" name="TextBox 2"/>
+          <p:cNvSpPr txBox="1"/>
+          <p:nvPr/>
+        </p:nvSpPr>
+        <p:spPr>
+          <a:xfrm>
+            <a:off x="950647" y="1848118"/>
+            <a:ext cx="8691373" cy="2365712"/>
+          </a:xfrm>
+          <a:prstGeom prst="rect">
+            <a:avLst/>
+          </a:prstGeom>
+          <a:noFill/>
+        </p:spPr>
+        <p:txBody>
+          <a:bodyPr wrap="square" rtlCol="0">
+            <a:spAutoFit/>
+          </a:bodyPr>
+          <a:lstStyle/>
+          <a:p>
+            <a:pPr marL="514350" marR="0" lvl="0" indent="-514350" algn="l" defTabSz="914400" rtl="0" eaLnBrk="1" fontAlgn="auto" latinLnBrk="0" hangingPunct="1">
+              <a:lnSpc>
+                <a:spcPct val="150000"/>
+              </a:lnSpc>
+              <a:spcBef>
+                <a:spcPts val="0"/>
+              </a:spcBef>
+              <a:spcAft>
+                <a:spcPts val="0"/>
+              </a:spcAft>
+              <a:buClrTx/>
+              <a:buSzTx/>
+              <a:buFont typeface="+mj-lt"/>
+              <a:buAutoNum type="arabicPeriod"/>
+              <a:tabLst/>
+              <a:defRPr/>
+            </a:pPr>
+            <a:r>
+              <a:rPr kumimoji="0" lang="en-US" sz="3400" b="0" i="0" u="none" strike="noStrike" kern="1200" cap="none" spc="0" normalizeH="0" baseline="0" noProof="0" dirty="0">
+                <a:ln>
+                  <a:noFill/>
+                </a:ln>
+                <a:solidFill>
+                  <a:prstClr val="black"/>
+                </a:solidFill>
+                <a:effectLst/>
+                <a:uLnTx/>
+                <a:uFillTx/>
+                <a:latin typeface="Calibri"/>
+                <a:ea typeface="+mn-ea"/>
+                <a:cs typeface="+mn-cs"/>
+              </a:rPr>
+              <a:t>Project Proposal will be released next week</a:t>
+            </a:r>
+          </a:p>
+          <a:p>
+            <a:pPr marL="514350" marR="0" lvl="0" indent="-514350" algn="l" defTabSz="914400" rtl="0" eaLnBrk="1" fontAlgn="auto" latinLnBrk="0" hangingPunct="1">
+              <a:lnSpc>
+                <a:spcPct val="150000"/>
+              </a:lnSpc>
+              <a:spcBef>
+                <a:spcPts val="0"/>
+              </a:spcBef>
+              <a:spcAft>
+                <a:spcPts val="0"/>
+              </a:spcAft>
+              <a:buClrTx/>
+              <a:buSzTx/>
+              <a:buFont typeface="+mj-lt"/>
+              <a:buAutoNum type="arabicPeriod"/>
+              <a:tabLst/>
+              <a:defRPr/>
+            </a:pPr>
+            <a:r>
+              <a:rPr kumimoji="0" lang="en-US" sz="3400" b="0" i="0" u="none" strike="noStrike" kern="1200" cap="none" spc="0" normalizeH="0" baseline="0" noProof="0" dirty="0">
+                <a:ln>
+                  <a:noFill/>
+                </a:ln>
+                <a:solidFill>
+                  <a:prstClr val="black"/>
+                </a:solidFill>
+                <a:effectLst/>
+                <a:uLnTx/>
+                <a:uFillTx/>
+                <a:latin typeface="Calibri"/>
+                <a:ea typeface="+mn-ea"/>
+                <a:cs typeface="+mn-cs"/>
+              </a:rPr>
+              <a:t>Form project groups.</a:t>
+            </a:r>
+          </a:p>
+          <a:p>
+            <a:pPr marL="514350" marR="0" lvl="0" indent="-514350" algn="l" defTabSz="914400" rtl="0" eaLnBrk="1" fontAlgn="auto" latinLnBrk="0" hangingPunct="1">
+              <a:lnSpc>
+                <a:spcPct val="150000"/>
+              </a:lnSpc>
+              <a:spcBef>
+                <a:spcPts val="0"/>
+              </a:spcBef>
+              <a:spcAft>
+                <a:spcPts val="0"/>
+              </a:spcAft>
+              <a:buClrTx/>
+              <a:buSzTx/>
+              <a:buFont typeface="+mj-lt"/>
+              <a:buAutoNum type="arabicPeriod"/>
+              <a:tabLst/>
+              <a:defRPr/>
+            </a:pPr>
+            <a:r>
+              <a:rPr lang="en-US" sz="3400" dirty="0">
+                <a:solidFill>
+                  <a:prstClr val="black"/>
+                </a:solidFill>
+                <a:latin typeface="Calibri"/>
+              </a:rPr>
+              <a:t>Quiz during Week 4</a:t>
+            </a:r>
+            <a:endParaRPr kumimoji="0" lang="en-US" sz="3400" b="0" i="0" u="none" strike="noStrike" kern="1200" cap="none" spc="0" normalizeH="0" baseline="0" noProof="0" dirty="0">
+              <a:ln>
+                <a:noFill/>
+              </a:ln>
+              <a:solidFill>
+                <a:prstClr val="black"/>
+              </a:solidFill>
+              <a:effectLst/>
+              <a:uLnTx/>
+              <a:uFillTx/>
+              <a:latin typeface="Calibri"/>
+              <a:ea typeface="+mn-ea"/>
+              <a:cs typeface="+mn-cs"/>
+            </a:endParaRPr>
+          </a:p>
+        </p:txBody>
+      </p:sp>
+      <p:sp>
+        <p:nvSpPr>
+          <p:cNvPr id="4" name="Slide Number Placeholder 3"/>
+          <p:cNvSpPr>
+            <a:spLocks noGrp="1"/>
+          </p:cNvSpPr>
+          <p:nvPr>
+            <p:ph type="sldNum" sz="quarter" idx="7"/>
+          </p:nvPr>
+        </p:nvSpPr>
+        <p:spPr/>
+        <p:txBody>
+          <a:bodyPr/>
+          <a:lstStyle/>
+          <a:p>
+            <a:pPr marL="0" marR="0" lvl="0" indent="0" algn="r" defTabSz="914400" rtl="0" eaLnBrk="1" fontAlgn="auto" latinLnBrk="0" hangingPunct="1">
+              <a:lnSpc>
+                <a:spcPct val="100000"/>
+              </a:lnSpc>
+              <a:spcBef>
+                <a:spcPts val="0"/>
+              </a:spcBef>
+              <a:spcAft>
+                <a:spcPts val="0"/>
+              </a:spcAft>
+              <a:buClrTx/>
+              <a:buSzTx/>
+              <a:buFontTx/>
+              <a:buNone/>
+              <a:tabLst/>
+              <a:defRPr/>
+            </a:pPr>
+            <a:fld id="{539F810C-9DAB-49B2-B45C-341744954A16}" type="slidenum">
+              <a:rPr kumimoji="0" lang="en-GB" sz="1800" b="0" i="0" u="none" strike="noStrike" kern="1200" cap="none" spc="0" normalizeH="0" baseline="0" noProof="0" smtClean="0">
+                <a:ln>
+                  <a:noFill/>
+                </a:ln>
+                <a:solidFill>
+                  <a:prstClr val="black">
+                    <a:tint val="75000"/>
+                  </a:prstClr>
+                </a:solidFill>
+                <a:effectLst/>
+                <a:uLnTx/>
+                <a:uFillTx/>
+                <a:latin typeface="Calibri"/>
+                <a:ea typeface="+mn-ea"/>
+                <a:cs typeface="+mn-cs"/>
+              </a:rPr>
+              <a:pPr marL="0" marR="0" lvl="0" indent="0" algn="r" defTabSz="914400" rtl="0" eaLnBrk="1" fontAlgn="auto" latinLnBrk="0" hangingPunct="1">
+                <a:lnSpc>
+                  <a:spcPct val="100000"/>
+                </a:lnSpc>
+                <a:spcBef>
+                  <a:spcPts val="0"/>
+                </a:spcBef>
+                <a:spcAft>
+                  <a:spcPts val="0"/>
+                </a:spcAft>
+                <a:buClrTx/>
+                <a:buSzTx/>
+                <a:buFontTx/>
+                <a:buNone/>
+                <a:tabLst/>
+                <a:defRPr/>
+              </a:pPr>
+              <a:t>2</a:t>
+            </a:fld>
+            <a:endParaRPr kumimoji="0" lang="en-GB" sz="1800" b="0" i="0" u="none" strike="noStrike" kern="1200" cap="none" spc="0" normalizeH="0" baseline="0" noProof="0">
+              <a:ln>
+                <a:noFill/>
+              </a:ln>
+              <a:solidFill>
+                <a:prstClr val="black">
+                  <a:tint val="75000"/>
+                </a:prstClr>
+              </a:solidFill>
+              <a:effectLst/>
+              <a:uLnTx/>
+              <a:uFillTx/>
+              <a:latin typeface="Calibri"/>
+              <a:ea typeface="+mn-ea"/>
+              <a:cs typeface="+mn-cs"/>
+            </a:endParaRPr>
+          </a:p>
+        </p:txBody>
+      </p:sp>
+    </p:spTree>
+    <p:extLst>
+      <p:ext uri="{BB962C8B-B14F-4D97-AF65-F5344CB8AC3E}">
+        <p14:creationId xmlns:p14="http://schemas.microsoft.com/office/powerpoint/2010/main" val="1822825689"/>
+      </p:ext>
+    </p:extLst>
+  </p:cSld>
+  <p:clrMapOvr>
+    <a:masterClrMapping/>
+  </p:clrMapOvr>
+  <p:transition>
+    <p:wipe/>
+  </p:transition>
+</p:sld>
+</file>
+
+<file path=ppt/slides/slide20.xml><?xml version="1.0" encoding="utf-8"?>
 <p:sld xmlns:a="http://schemas.openxmlformats.org/drawingml/2006/main" xmlns:r="http://schemas.openxmlformats.org/officeDocument/2006/relationships" xmlns:p="http://schemas.openxmlformats.org/presentationml/2006/main">
   <p:cSld>
     <p:spTree>
@@ -13573,7 +15321,7 @@
             <a:fld id="{539F810C-9DAB-49B2-B45C-341744954A16}" type="slidenum">
               <a:rPr lang="en-GB" smtClean="0"/>
               <a:pPr/>
-              <a:t>19</a:t>
+              <a:t>20</a:t>
             </a:fld>
             <a:endParaRPr lang="en-GB"/>
           </a:p>
@@ -13971,323 +15719,7 @@
 </p:sld>
 </file>
 
-<file path=ppt/slides/slide2.xml><?xml version="1.0" encoding="utf-8"?>
-<p:sld xmlns:a="http://schemas.openxmlformats.org/drawingml/2006/main" xmlns:r="http://schemas.openxmlformats.org/officeDocument/2006/relationships" xmlns:p="http://schemas.openxmlformats.org/presentationml/2006/main">
-  <p:cSld>
-    <p:spTree>
-      <p:nvGrpSpPr>
-        <p:cNvPr id="1" name=""/>
-        <p:cNvGrpSpPr/>
-        <p:nvPr/>
-      </p:nvGrpSpPr>
-      <p:grpSpPr>
-        <a:xfrm>
-          <a:off x="0" y="0"/>
-          <a:ext cx="0" cy="0"/>
-          <a:chOff x="0" y="0"/>
-          <a:chExt cx="0" cy="0"/>
-        </a:xfrm>
-      </p:grpSpPr>
-      <p:sp>
-        <p:nvSpPr>
-          <p:cNvPr id="2" name="مربع نص 1"/>
-          <p:cNvSpPr txBox="1"/>
-          <p:nvPr/>
-        </p:nvSpPr>
-        <p:spPr>
-          <a:xfrm>
-            <a:off x="387464" y="558856"/>
-            <a:ext cx="4834261" cy="901465"/>
-          </a:xfrm>
-          <a:prstGeom prst="rect">
-            <a:avLst/>
-          </a:prstGeom>
-          <a:noFill/>
-        </p:spPr>
-        <p:txBody>
-          <a:bodyPr wrap="square" rtlCol="0">
-            <a:spAutoFit/>
-          </a:bodyPr>
-          <a:lstStyle/>
-          <a:p>
-            <a:pPr marL="0" marR="0" lvl="0" indent="0" algn="ctr" defTabSz="914400" rtl="0" eaLnBrk="1" fontAlgn="auto" latinLnBrk="0" hangingPunct="1">
-              <a:lnSpc>
-                <a:spcPct val="150000"/>
-              </a:lnSpc>
-              <a:spcBef>
-                <a:spcPts val="0"/>
-              </a:spcBef>
-              <a:spcAft>
-                <a:spcPts val="0"/>
-              </a:spcAft>
-              <a:buClrTx/>
-              <a:buSzTx/>
-              <a:buFontTx/>
-              <a:buNone/>
-              <a:tabLst/>
-              <a:defRPr/>
-            </a:pPr>
-            <a:r>
-              <a:rPr kumimoji="0" lang="en-US" sz="4000" b="1" i="0" u="none" strike="noStrike" kern="1200" cap="none" spc="0" normalizeH="0" baseline="0" noProof="0" dirty="0">
-                <a:ln>
-                  <a:noFill/>
-                </a:ln>
-                <a:solidFill>
-                  <a:srgbClr val="00B050"/>
-                </a:solidFill>
-                <a:effectLst/>
-                <a:uLnTx/>
-                <a:uFillTx/>
-                <a:latin typeface="Cambria" pitchFamily="18" charset="0"/>
-                <a:ea typeface="+mn-ea"/>
-                <a:cs typeface="+mn-cs"/>
-              </a:rPr>
-              <a:t>Announcement</a:t>
-            </a:r>
-          </a:p>
-        </p:txBody>
-      </p:sp>
-      <p:sp>
-        <p:nvSpPr>
-          <p:cNvPr id="3" name="TextBox 2"/>
-          <p:cNvSpPr txBox="1"/>
-          <p:nvPr/>
-        </p:nvSpPr>
-        <p:spPr>
-          <a:xfrm>
-            <a:off x="950647" y="1848118"/>
-            <a:ext cx="8691373" cy="2365712"/>
-          </a:xfrm>
-          <a:prstGeom prst="rect">
-            <a:avLst/>
-          </a:prstGeom>
-          <a:noFill/>
-        </p:spPr>
-        <p:txBody>
-          <a:bodyPr wrap="square" rtlCol="0">
-            <a:spAutoFit/>
-          </a:bodyPr>
-          <a:lstStyle/>
-          <a:p>
-            <a:pPr marL="514350" marR="0" lvl="0" indent="-514350" algn="l" defTabSz="914400" rtl="0" eaLnBrk="1" fontAlgn="auto" latinLnBrk="0" hangingPunct="1">
-              <a:lnSpc>
-                <a:spcPct val="150000"/>
-              </a:lnSpc>
-              <a:spcBef>
-                <a:spcPts val="0"/>
-              </a:spcBef>
-              <a:spcAft>
-                <a:spcPts val="0"/>
-              </a:spcAft>
-              <a:buClrTx/>
-              <a:buSzTx/>
-              <a:buFont typeface="+mj-lt"/>
-              <a:buAutoNum type="arabicPeriod"/>
-              <a:tabLst/>
-              <a:defRPr/>
-            </a:pPr>
-            <a:r>
-              <a:rPr kumimoji="0" lang="en-US" sz="3400" b="0" i="0" u="none" strike="noStrike" kern="1200" cap="none" spc="0" normalizeH="0" baseline="0" noProof="0" dirty="0">
-                <a:ln>
-                  <a:noFill/>
-                </a:ln>
-                <a:solidFill>
-                  <a:prstClr val="black"/>
-                </a:solidFill>
-                <a:effectLst/>
-                <a:uLnTx/>
-                <a:uFillTx/>
-                <a:latin typeface="Calibri"/>
-                <a:ea typeface="+mn-ea"/>
-                <a:cs typeface="+mn-cs"/>
-              </a:rPr>
-              <a:t>Project Proposal will be released next week</a:t>
-            </a:r>
-          </a:p>
-          <a:p>
-            <a:pPr marL="514350" marR="0" lvl="0" indent="-514350" algn="l" defTabSz="914400" rtl="0" eaLnBrk="1" fontAlgn="auto" latinLnBrk="0" hangingPunct="1">
-              <a:lnSpc>
-                <a:spcPct val="150000"/>
-              </a:lnSpc>
-              <a:spcBef>
-                <a:spcPts val="0"/>
-              </a:spcBef>
-              <a:spcAft>
-                <a:spcPts val="0"/>
-              </a:spcAft>
-              <a:buClrTx/>
-              <a:buSzTx/>
-              <a:buFont typeface="+mj-lt"/>
-              <a:buAutoNum type="arabicPeriod"/>
-              <a:tabLst/>
-              <a:defRPr/>
-            </a:pPr>
-            <a:r>
-              <a:rPr kumimoji="0" lang="en-US" sz="3400" b="0" i="0" u="none" strike="noStrike" kern="1200" cap="none" spc="0" normalizeH="0" baseline="0" noProof="0" dirty="0">
-                <a:ln>
-                  <a:noFill/>
-                </a:ln>
-                <a:solidFill>
-                  <a:prstClr val="black"/>
-                </a:solidFill>
-                <a:effectLst/>
-                <a:uLnTx/>
-                <a:uFillTx/>
-                <a:latin typeface="Calibri"/>
-                <a:ea typeface="+mn-ea"/>
-                <a:cs typeface="+mn-cs"/>
-              </a:rPr>
-              <a:t>Form project groups.</a:t>
-            </a:r>
-          </a:p>
-          <a:p>
-            <a:pPr marL="514350" marR="0" lvl="0" indent="-514350" algn="l" defTabSz="914400" rtl="0" eaLnBrk="1" fontAlgn="auto" latinLnBrk="0" hangingPunct="1">
-              <a:lnSpc>
-                <a:spcPct val="150000"/>
-              </a:lnSpc>
-              <a:spcBef>
-                <a:spcPts val="0"/>
-              </a:spcBef>
-              <a:spcAft>
-                <a:spcPts val="0"/>
-              </a:spcAft>
-              <a:buClrTx/>
-              <a:buSzTx/>
-              <a:buFont typeface="+mj-lt"/>
-              <a:buAutoNum type="arabicPeriod"/>
-              <a:tabLst/>
-              <a:defRPr/>
-            </a:pPr>
-            <a:r>
-              <a:rPr lang="en-US" sz="3400" dirty="0">
-                <a:solidFill>
-                  <a:prstClr val="black"/>
-                </a:solidFill>
-                <a:latin typeface="Calibri"/>
-              </a:rPr>
-              <a:t>Quiz during Week 4</a:t>
-            </a:r>
-            <a:endParaRPr kumimoji="0" lang="en-US" sz="3400" b="0" i="0" u="none" strike="noStrike" kern="1200" cap="none" spc="0" normalizeH="0" baseline="0" noProof="0" dirty="0">
-              <a:ln>
-                <a:noFill/>
-              </a:ln>
-              <a:solidFill>
-                <a:prstClr val="black"/>
-              </a:solidFill>
-              <a:effectLst/>
-              <a:uLnTx/>
-              <a:uFillTx/>
-              <a:latin typeface="Calibri"/>
-              <a:ea typeface="+mn-ea"/>
-              <a:cs typeface="+mn-cs"/>
-            </a:endParaRPr>
-          </a:p>
-        </p:txBody>
-      </p:sp>
-      <p:sp>
-        <p:nvSpPr>
-          <p:cNvPr id="4" name="Slide Number Placeholder 3"/>
-          <p:cNvSpPr>
-            <a:spLocks noGrp="1"/>
-          </p:cNvSpPr>
-          <p:nvPr>
-            <p:ph type="sldNum" sz="quarter" idx="7"/>
-          </p:nvPr>
-        </p:nvSpPr>
-        <p:spPr/>
-        <p:txBody>
-          <a:bodyPr/>
-          <a:lstStyle/>
-          <a:p>
-            <a:pPr marL="0" marR="0" lvl="0" indent="0" algn="r" defTabSz="914400" rtl="0" eaLnBrk="1" fontAlgn="auto" latinLnBrk="0" hangingPunct="1">
-              <a:lnSpc>
-                <a:spcPct val="100000"/>
-              </a:lnSpc>
-              <a:spcBef>
-                <a:spcPts val="0"/>
-              </a:spcBef>
-              <a:spcAft>
-                <a:spcPts val="0"/>
-              </a:spcAft>
-              <a:buClrTx/>
-              <a:buSzTx/>
-              <a:buFontTx/>
-              <a:buNone/>
-              <a:tabLst/>
-              <a:defRPr/>
-            </a:pPr>
-            <a:fld id="{539F810C-9DAB-49B2-B45C-341744954A16}" type="slidenum">
-              <a:rPr kumimoji="0" lang="en-GB" sz="1800" b="0" i="0" u="none" strike="noStrike" kern="1200" cap="none" spc="0" normalizeH="0" baseline="0" noProof="0" smtClean="0">
-                <a:ln>
-                  <a:noFill/>
-                </a:ln>
-                <a:solidFill>
-                  <a:prstClr val="black">
-                    <a:tint val="75000"/>
-                  </a:prstClr>
-                </a:solidFill>
-                <a:effectLst/>
-                <a:uLnTx/>
-                <a:uFillTx/>
-                <a:latin typeface="Calibri"/>
-                <a:ea typeface="+mn-ea"/>
-                <a:cs typeface="+mn-cs"/>
-              </a:rPr>
-              <a:pPr marL="0" marR="0" lvl="0" indent="0" algn="r" defTabSz="914400" rtl="0" eaLnBrk="1" fontAlgn="auto" latinLnBrk="0" hangingPunct="1">
-                <a:lnSpc>
-                  <a:spcPct val="100000"/>
-                </a:lnSpc>
-                <a:spcBef>
-                  <a:spcPts val="0"/>
-                </a:spcBef>
-                <a:spcAft>
-                  <a:spcPts val="0"/>
-                </a:spcAft>
-                <a:buClrTx/>
-                <a:buSzTx/>
-                <a:buFontTx/>
-                <a:buNone/>
-                <a:tabLst/>
-                <a:defRPr/>
-              </a:pPr>
-              <a:t>2</a:t>
-            </a:fld>
-            <a:endParaRPr kumimoji="0" lang="en-GB" sz="1800" b="0" i="0" u="none" strike="noStrike" kern="1200" cap="none" spc="0" normalizeH="0" baseline="0" noProof="0">
-              <a:ln>
-                <a:noFill/>
-              </a:ln>
-              <a:solidFill>
-                <a:prstClr val="black">
-                  <a:tint val="75000"/>
-                </a:prstClr>
-              </a:solidFill>
-              <a:effectLst/>
-              <a:uLnTx/>
-              <a:uFillTx/>
-              <a:latin typeface="Calibri"/>
-              <a:ea typeface="+mn-ea"/>
-              <a:cs typeface="+mn-cs"/>
-            </a:endParaRPr>
-          </a:p>
-        </p:txBody>
-      </p:sp>
-    </p:spTree>
-    <p:extLst>
-      <p:ext uri="{BB962C8B-B14F-4D97-AF65-F5344CB8AC3E}">
-        <p14:creationId xmlns:p14="http://schemas.microsoft.com/office/powerpoint/2010/main" val="1822825689"/>
-      </p:ext>
-    </p:extLst>
-  </p:cSld>
-  <p:clrMapOvr>
-    <a:masterClrMapping/>
-  </p:clrMapOvr>
-  <p:transition>
-    <p:wipe/>
-  </p:transition>
-</p:sld>
-</file>
-
-<file path=ppt/slides/slide20.xml><?xml version="1.0" encoding="utf-8"?>
+<file path=ppt/slides/slide21.xml><?xml version="1.0" encoding="utf-8"?>
 <p:sld xmlns:a="http://schemas.openxmlformats.org/drawingml/2006/main" xmlns:r="http://schemas.openxmlformats.org/officeDocument/2006/relationships" xmlns:p="http://schemas.openxmlformats.org/presentationml/2006/main">
   <p:cSld>
     <p:spTree>
@@ -14919,7 +16351,7 @@
           <p:cNvPr id="3" name="Group 2">
             <a:extLst>
               <a:ext uri="{FF2B5EF4-FFF2-40B4-BE49-F238E27FC236}">
-                <a16:creationId xmlns:a16="http://schemas.microsoft.com/office/drawing/2014/main" xmlns="" id="{17EF2FE0-9BAF-8D07-B5CE-9907BA57EFC7}"/>
+                <a16:creationId xmlns="" xmlns:a16="http://schemas.microsoft.com/office/drawing/2014/main" id="{17EF2FE0-9BAF-8D07-B5CE-9907BA57EFC7}"/>
               </a:ext>
             </a:extLst>
           </p:cNvPr>
@@ -15852,7 +17284,7 @@
             <a:fld id="{539F810C-9DAB-49B2-B45C-341744954A16}" type="slidenum">
               <a:rPr lang="en-GB" smtClean="0"/>
               <a:pPr/>
-              <a:t>20</a:t>
+              <a:t>21</a:t>
             </a:fld>
             <a:endParaRPr lang="en-GB"/>
           </a:p>
@@ -16041,7 +17473,7 @@
 </p:sld>
 </file>
 
-<file path=ppt/slides/slide21.xml><?xml version="1.0" encoding="utf-8"?>
+<file path=ppt/slides/slide22.xml><?xml version="1.0" encoding="utf-8"?>
 <p:sld xmlns:a="http://schemas.openxmlformats.org/drawingml/2006/main" xmlns:r="http://schemas.openxmlformats.org/officeDocument/2006/relationships" xmlns:p="http://schemas.openxmlformats.org/presentationml/2006/main">
   <p:cSld>
     <p:spTree>
@@ -18322,7 +19754,7 @@
             <a:fld id="{539F810C-9DAB-49B2-B45C-341744954A16}" type="slidenum">
               <a:rPr lang="en-GB" smtClean="0"/>
               <a:pPr/>
-              <a:t>21</a:t>
+              <a:t>22</a:t>
             </a:fld>
             <a:endParaRPr lang="en-GB"/>
           </a:p>
@@ -18341,7 +19773,7 @@
 </p:sld>
 </file>
 
-<file path=ppt/slides/slide22.xml><?xml version="1.0" encoding="utf-8"?>
+<file path=ppt/slides/slide23.xml><?xml version="1.0" encoding="utf-8"?>
 <p:sld xmlns:a="http://schemas.openxmlformats.org/drawingml/2006/main" xmlns:r="http://schemas.openxmlformats.org/officeDocument/2006/relationships" xmlns:p="http://schemas.openxmlformats.org/presentationml/2006/main">
   <p:cSld>
     <p:spTree>
@@ -21934,7 +23366,7 @@
             <a:fld id="{539F810C-9DAB-49B2-B45C-341744954A16}" type="slidenum">
               <a:rPr lang="en-GB" smtClean="0"/>
               <a:pPr/>
-              <a:t>22</a:t>
+              <a:t>23</a:t>
             </a:fld>
             <a:endParaRPr lang="en-GB"/>
           </a:p>
@@ -22307,7 +23739,7 @@
 </p:sld>
 </file>
 
-<file path=ppt/slides/slide23.xml><?xml version="1.0" encoding="utf-8"?>
+<file path=ppt/slides/slide24.xml><?xml version="1.0" encoding="utf-8"?>
 <p:sld xmlns:a="http://schemas.openxmlformats.org/drawingml/2006/main" xmlns:r="http://schemas.openxmlformats.org/officeDocument/2006/relationships" xmlns:p="http://schemas.openxmlformats.org/presentationml/2006/main">
   <p:cSld>
     <p:spTree>
@@ -22382,7 +23814,7 @@
             <a:fld id="{539F810C-9DAB-49B2-B45C-341744954A16}" type="slidenum">
               <a:rPr lang="en-GB" smtClean="0"/>
               <a:pPr/>
-              <a:t>23</a:t>
+              <a:t>24</a:t>
             </a:fld>
             <a:endParaRPr lang="en-GB"/>
           </a:p>
@@ -22393,7 +23825,7 @@
           <p:cNvPr id="16" name="Group 15">
             <a:extLst>
               <a:ext uri="{FF2B5EF4-FFF2-40B4-BE49-F238E27FC236}">
-                <a16:creationId xmlns:a16="http://schemas.microsoft.com/office/drawing/2014/main" xmlns="" id="{B75A6914-561D-A63B-43B3-6982E2A8D197}"/>
+                <a16:creationId xmlns="" xmlns:a16="http://schemas.microsoft.com/office/drawing/2014/main" id="{B75A6914-561D-A63B-43B3-6982E2A8D197}"/>
               </a:ext>
             </a:extLst>
           </p:cNvPr>
@@ -22413,7 +23845,7 @@
             <p:cNvPr id="10" name="Picture 9">
               <a:extLst>
                 <a:ext uri="{FF2B5EF4-FFF2-40B4-BE49-F238E27FC236}">
-                  <a16:creationId xmlns:a16="http://schemas.microsoft.com/office/drawing/2014/main" xmlns="" id="{DFCD5DD4-0DEA-C404-D376-8F56B395A670}"/>
+                  <a16:creationId xmlns="" xmlns:a16="http://schemas.microsoft.com/office/drawing/2014/main" id="{DFCD5DD4-0DEA-C404-D376-8F56B395A670}"/>
                 </a:ext>
               </a:extLst>
             </p:cNvPr>
@@ -22443,7 +23875,7 @@
             <p:cNvPr id="12" name="Picture 11">
               <a:extLst>
                 <a:ext uri="{FF2B5EF4-FFF2-40B4-BE49-F238E27FC236}">
-                  <a16:creationId xmlns:a16="http://schemas.microsoft.com/office/drawing/2014/main" xmlns="" id="{BDE070CE-E161-D836-4B5A-5CB0F0975BD6}"/>
+                  <a16:creationId xmlns="" xmlns:a16="http://schemas.microsoft.com/office/drawing/2014/main" id="{BDE070CE-E161-D836-4B5A-5CB0F0975BD6}"/>
                 </a:ext>
               </a:extLst>
             </p:cNvPr>
@@ -22473,7 +23905,7 @@
             <p:cNvPr id="14" name="Picture 13">
               <a:extLst>
                 <a:ext uri="{FF2B5EF4-FFF2-40B4-BE49-F238E27FC236}">
-                  <a16:creationId xmlns:a16="http://schemas.microsoft.com/office/drawing/2014/main" xmlns="" id="{DB88B6E6-40B7-7463-61D9-EA9D4B30287F}"/>
+                  <a16:creationId xmlns="" xmlns:a16="http://schemas.microsoft.com/office/drawing/2014/main" id="{DB88B6E6-40B7-7463-61D9-EA9D4B30287F}"/>
                 </a:ext>
               </a:extLst>
             </p:cNvPr>
@@ -22504,7 +23936,7 @@
           <p:cNvPr id="17" name="Group 16">
             <a:extLst>
               <a:ext uri="{FF2B5EF4-FFF2-40B4-BE49-F238E27FC236}">
-                <a16:creationId xmlns:a16="http://schemas.microsoft.com/office/drawing/2014/main" xmlns="" id="{0EA7800D-DE40-4A80-B96A-D3DD80B4E933}"/>
+                <a16:creationId xmlns="" xmlns:a16="http://schemas.microsoft.com/office/drawing/2014/main" id="{0EA7800D-DE40-4A80-B96A-D3DD80B4E933}"/>
               </a:ext>
             </a:extLst>
           </p:cNvPr>
@@ -22524,7 +23956,7 @@
             <p:cNvPr id="8" name="Picture 7">
               <a:extLst>
                 <a:ext uri="{FF2B5EF4-FFF2-40B4-BE49-F238E27FC236}">
-                  <a16:creationId xmlns:a16="http://schemas.microsoft.com/office/drawing/2014/main" xmlns="" id="{3FA59D9A-EF62-2124-3CEB-A9C358F8A5AF}"/>
+                  <a16:creationId xmlns="" xmlns:a16="http://schemas.microsoft.com/office/drawing/2014/main" id="{3FA59D9A-EF62-2124-3CEB-A9C358F8A5AF}"/>
                 </a:ext>
               </a:extLst>
             </p:cNvPr>
@@ -22554,7 +23986,7 @@
             <p:cNvPr id="15" name="Picture 14">
               <a:extLst>
                 <a:ext uri="{FF2B5EF4-FFF2-40B4-BE49-F238E27FC236}">
-                  <a16:creationId xmlns:a16="http://schemas.microsoft.com/office/drawing/2014/main" xmlns="" id="{4B49F486-2328-3D64-758A-954DD5C352C6}"/>
+                  <a16:creationId xmlns="" xmlns:a16="http://schemas.microsoft.com/office/drawing/2014/main" id="{4B49F486-2328-3D64-758A-954DD5C352C6}"/>
                 </a:ext>
               </a:extLst>
             </p:cNvPr>
@@ -22593,7 +24025,7 @@
 </p:sld>
 </file>
 
-<file path=ppt/slides/slide24.xml><?xml version="1.0" encoding="utf-8"?>
+<file path=ppt/slides/slide25.xml><?xml version="1.0" encoding="utf-8"?>
 <p:sld xmlns:a="http://schemas.openxmlformats.org/drawingml/2006/main" xmlns:r="http://schemas.openxmlformats.org/officeDocument/2006/relationships" xmlns:p="http://schemas.openxmlformats.org/presentationml/2006/main">
   <p:cSld>
     <p:spTree>
@@ -23838,7 +25270,7 @@
             <a:fld id="{539F810C-9DAB-49B2-B45C-341744954A16}" type="slidenum">
               <a:rPr lang="en-GB" smtClean="0"/>
               <a:pPr/>
-              <a:t>24</a:t>
+              <a:t>25</a:t>
             </a:fld>
             <a:endParaRPr lang="en-GB"/>
           </a:p>
@@ -24353,7 +25785,7 @@
 </p:sld>
 </file>
 
-<file path=ppt/slides/slide25.xml><?xml version="1.0" encoding="utf-8"?>
+<file path=ppt/slides/slide26.xml><?xml version="1.0" encoding="utf-8"?>
 <p:sld xmlns:a="http://schemas.openxmlformats.org/drawingml/2006/main" xmlns:r="http://schemas.openxmlformats.org/officeDocument/2006/relationships" xmlns:p="http://schemas.openxmlformats.org/presentationml/2006/main">
   <p:cSld>
     <p:spTree>
@@ -25165,7 +26597,7 @@
             <a:fld id="{539F810C-9DAB-49B2-B45C-341744954A16}" type="slidenum">
               <a:rPr lang="en-GB" smtClean="0"/>
               <a:pPr/>
-              <a:t>25</a:t>
+              <a:t>26</a:t>
             </a:fld>
             <a:endParaRPr lang="en-GB"/>
           </a:p>
@@ -25516,7 +26948,7 @@
 </p:sld>
 </file>
 
-<file path=ppt/slides/slide26.xml><?xml version="1.0" encoding="utf-8"?>
+<file path=ppt/slides/slide27.xml><?xml version="1.0" encoding="utf-8"?>
 <p:sld xmlns:a="http://schemas.openxmlformats.org/drawingml/2006/main" xmlns:r="http://schemas.openxmlformats.org/officeDocument/2006/relationships" xmlns:p="http://schemas.openxmlformats.org/presentationml/2006/main">
   <p:cSld>
     <p:spTree>
@@ -25551,7 +26983,7 @@
             <a:fld id="{539F810C-9DAB-49B2-B45C-341744954A16}" type="slidenum">
               <a:rPr lang="en-GB" smtClean="0"/>
               <a:pPr/>
-              <a:t>26</a:t>
+              <a:t>27</a:t>
             </a:fld>
             <a:endParaRPr lang="en-GB"/>
           </a:p>
@@ -25562,7 +26994,7 @@
           <p:cNvPr id="4" name="TextBox 3">
             <a:extLst>
               <a:ext uri="{FF2B5EF4-FFF2-40B4-BE49-F238E27FC236}">
-                <a16:creationId xmlns:a16="http://schemas.microsoft.com/office/drawing/2014/main" xmlns="" id="{2AD08732-DA46-CBF2-8C19-852153DE9EAB}"/>
+                <a16:creationId xmlns="" xmlns:a16="http://schemas.microsoft.com/office/drawing/2014/main" id="{2AD08732-DA46-CBF2-8C19-852153DE9EAB}"/>
               </a:ext>
             </a:extLst>
           </p:cNvPr>
@@ -26115,7 +27547,7 @@
           <p:cNvPr id="5" name="TextBox 4">
             <a:extLst>
               <a:ext uri="{FF2B5EF4-FFF2-40B4-BE49-F238E27FC236}">
-                <a16:creationId xmlns:a16="http://schemas.microsoft.com/office/drawing/2014/main" xmlns="" id="{57834CAD-9EBE-5BC1-BA52-6E49D41FD9CF}"/>
+                <a16:creationId xmlns="" xmlns:a16="http://schemas.microsoft.com/office/drawing/2014/main" id="{57834CAD-9EBE-5BC1-BA52-6E49D41FD9CF}"/>
               </a:ext>
             </a:extLst>
           </p:cNvPr>
@@ -26172,7 +27604,7 @@
 </p:sld>
 </file>
 
-<file path=ppt/slides/slide27.xml><?xml version="1.0" encoding="utf-8"?>
+<file path=ppt/slides/slide28.xml><?xml version="1.0" encoding="utf-8"?>
 <p:sld xmlns:a="http://schemas.openxmlformats.org/drawingml/2006/main" xmlns:r="http://schemas.openxmlformats.org/officeDocument/2006/relationships" xmlns:p="http://schemas.openxmlformats.org/presentationml/2006/main">
   <p:cSld>
     <p:spTree>
@@ -26275,7 +27707,7 @@
             <a:fld id="{539F810C-9DAB-49B2-B45C-341744954A16}" type="slidenum">
               <a:rPr lang="en-GB" smtClean="0"/>
               <a:pPr/>
-              <a:t>27</a:t>
+              <a:t>28</a:t>
             </a:fld>
             <a:endParaRPr lang="en-GB"/>
           </a:p>
@@ -26286,7 +27718,7 @@
           <p:cNvPr id="4" name="TextBox 3">
             <a:extLst>
               <a:ext uri="{FF2B5EF4-FFF2-40B4-BE49-F238E27FC236}">
-                <a16:creationId xmlns:a16="http://schemas.microsoft.com/office/drawing/2014/main" xmlns="" id="{2AD08732-DA46-CBF2-8C19-852153DE9EAB}"/>
+                <a16:creationId xmlns="" xmlns:a16="http://schemas.microsoft.com/office/drawing/2014/main" id="{2AD08732-DA46-CBF2-8C19-852153DE9EAB}"/>
               </a:ext>
             </a:extLst>
           </p:cNvPr>
@@ -26517,7 +27949,7 @@
           <p:cNvPr id="5" name="TextBox 4">
             <a:extLst>
               <a:ext uri="{FF2B5EF4-FFF2-40B4-BE49-F238E27FC236}">
-                <a16:creationId xmlns:a16="http://schemas.microsoft.com/office/drawing/2014/main" xmlns="" id="{57834CAD-9EBE-5BC1-BA52-6E49D41FD9CF}"/>
+                <a16:creationId xmlns="" xmlns:a16="http://schemas.microsoft.com/office/drawing/2014/main" id="{57834CAD-9EBE-5BC1-BA52-6E49D41FD9CF}"/>
               </a:ext>
             </a:extLst>
           </p:cNvPr>
@@ -26801,7 +28233,7 @@
           <p:cNvPr id="5" name="مربع نص 1">
             <a:extLst>
               <a:ext uri="{FF2B5EF4-FFF2-40B4-BE49-F238E27FC236}">
-                <a16:creationId xmlns:a16="http://schemas.microsoft.com/office/drawing/2014/main" xmlns="" id="{7711DB52-DA0E-C95D-DFAF-CCC7BD2BE49D}"/>
+                <a16:creationId xmlns="" xmlns:a16="http://schemas.microsoft.com/office/drawing/2014/main" id="{7711DB52-DA0E-C95D-DFAF-CCC7BD2BE49D}"/>
               </a:ext>
             </a:extLst>
           </p:cNvPr>
@@ -26866,7 +28298,7 @@
           <p:cNvPr id="6" name="TextBox 5">
             <a:extLst>
               <a:ext uri="{FF2B5EF4-FFF2-40B4-BE49-F238E27FC236}">
-                <a16:creationId xmlns:a16="http://schemas.microsoft.com/office/drawing/2014/main" xmlns="" id="{34183D16-35EC-852C-6B9E-C6ED3DBFD9D3}"/>
+                <a16:creationId xmlns="" xmlns:a16="http://schemas.microsoft.com/office/drawing/2014/main" id="{34183D16-35EC-852C-6B9E-C6ED3DBFD9D3}"/>
               </a:ext>
             </a:extLst>
           </p:cNvPr>
@@ -27115,7 +28547,7 @@
           <p:cNvPr id="7" name="TextBox 6">
             <a:extLst>
               <a:ext uri="{FF2B5EF4-FFF2-40B4-BE49-F238E27FC236}">
-                <a16:creationId xmlns:a16="http://schemas.microsoft.com/office/drawing/2014/main" xmlns="" id="{B66F6C66-435D-19C9-753E-FB43FE2E13B8}"/>
+                <a16:creationId xmlns="" xmlns:a16="http://schemas.microsoft.com/office/drawing/2014/main" id="{B66F6C66-435D-19C9-753E-FB43FE2E13B8}"/>
               </a:ext>
             </a:extLst>
           </p:cNvPr>
@@ -27197,7 +28629,7 @@
           <p:cNvPr id="9" name="مربع نص 1">
             <a:extLst>
               <a:ext uri="{FF2B5EF4-FFF2-40B4-BE49-F238E27FC236}">
-                <a16:creationId xmlns:a16="http://schemas.microsoft.com/office/drawing/2014/main" xmlns="" id="{C21C7ED3-9CF9-F6A0-18E3-82DF544CCBB4}"/>
+                <a16:creationId xmlns="" xmlns:a16="http://schemas.microsoft.com/office/drawing/2014/main" id="{C21C7ED3-9CF9-F6A0-18E3-82DF544CCBB4}"/>
               </a:ext>
             </a:extLst>
           </p:cNvPr>
@@ -27332,7 +28764,7 @@
           <p:cNvPr id="3" name="Group 2">
             <a:extLst>
               <a:ext uri="{FF2B5EF4-FFF2-40B4-BE49-F238E27FC236}">
-                <a16:creationId xmlns:a16="http://schemas.microsoft.com/office/drawing/2014/main" xmlns="" id="{73AAE5E4-01BA-8066-ED73-AE85B58C76E6}"/>
+                <a16:creationId xmlns="" xmlns:a16="http://schemas.microsoft.com/office/drawing/2014/main" id="{73AAE5E4-01BA-8066-ED73-AE85B58C76E6}"/>
               </a:ext>
             </a:extLst>
           </p:cNvPr>
@@ -27941,7 +29373,7 @@
           <p:cNvPr id="11" name="Rectangle: Rounded Corners 10">
             <a:extLst>
               <a:ext uri="{FF2B5EF4-FFF2-40B4-BE49-F238E27FC236}">
-                <a16:creationId xmlns:a16="http://schemas.microsoft.com/office/drawing/2014/main" xmlns="" id="{E34B2100-1899-6F2A-3907-8638A3D972BE}"/>
+                <a16:creationId xmlns="" xmlns:a16="http://schemas.microsoft.com/office/drawing/2014/main" id="{E34B2100-1899-6F2A-3907-8638A3D972BE}"/>
               </a:ext>
             </a:extLst>
           </p:cNvPr>
@@ -33516,7 +34948,7 @@
   <a:extraClrSchemeLst/>
   <a:extLst>
     <a:ext uri="{05A4C25C-085E-4340-85A3-A5531E510DB2}">
-      <thm15:themeFamily xmlns:thm15="http://schemas.microsoft.com/office/thememl/2012/main" xmlns="" name="Office Theme" id="{62F939B6-93AF-4DB8-9C6B-D6C7DFDC589F}" vid="{4A3C46E8-61CC-4603-A589-7422A47A8E4A}"/>
+      <thm15:themeFamily xmlns="" xmlns:thm15="http://schemas.microsoft.com/office/thememl/2012/main" name="Office Theme" id="{62F939B6-93AF-4DB8-9C6B-D6C7DFDC589F}" vid="{4A3C46E8-61CC-4603-A589-7422A47A8E4A}"/>
     </a:ext>
   </a:extLst>
 </a:theme>

--- a/PP WORK/Instructor Version/Week 2/Week 2 lecture 2 LT.pptx
+++ b/PP WORK/Instructor Version/Week 2/Week 2 lecture 2 LT.pptx
@@ -5,7 +5,7 @@
     <p:sldMasterId id="2147483660" r:id="rId1"/>
   </p:sldMasterIdLst>
   <p:notesMasterIdLst>
-    <p:notesMasterId r:id="rId30"/>
+    <p:notesMasterId r:id="rId31"/>
   </p:notesMasterIdLst>
   <p:sldIdLst>
     <p:sldId id="286" r:id="rId2"/>
@@ -27,15 +27,16 @@
     <p:sldId id="274" r:id="rId18"/>
     <p:sldId id="275" r:id="rId19"/>
     <p:sldId id="285" r:id="rId20"/>
-    <p:sldId id="276" r:id="rId21"/>
-    <p:sldId id="277" r:id="rId22"/>
-    <p:sldId id="278" r:id="rId23"/>
-    <p:sldId id="279" r:id="rId24"/>
-    <p:sldId id="280" r:id="rId25"/>
-    <p:sldId id="282" r:id="rId26"/>
-    <p:sldId id="283" r:id="rId27"/>
-    <p:sldId id="284" r:id="rId28"/>
-    <p:sldId id="287" r:id="rId29"/>
+    <p:sldId id="293" r:id="rId21"/>
+    <p:sldId id="276" r:id="rId22"/>
+    <p:sldId id="277" r:id="rId23"/>
+    <p:sldId id="278" r:id="rId24"/>
+    <p:sldId id="279" r:id="rId25"/>
+    <p:sldId id="280" r:id="rId26"/>
+    <p:sldId id="282" r:id="rId27"/>
+    <p:sldId id="283" r:id="rId28"/>
+    <p:sldId id="284" r:id="rId29"/>
+    <p:sldId id="287" r:id="rId30"/>
   </p:sldIdLst>
   <p:sldSz cx="12192000" cy="6858000"/>
   <p:notesSz cx="6858000" cy="9144000"/>
@@ -1112,7 +1113,7 @@
           <a:p>
             <a:fld id="{DD6D8643-BD33-49CB-B3F5-37AD37437AD5}" type="slidenum">
               <a:rPr lang="en-US" smtClean="0"/>
-              <a:t>27</a:t>
+              <a:t>28</a:t>
             </a:fld>
             <a:endParaRPr lang="en-US"/>
           </a:p>
@@ -1196,7 +1197,7 @@
           <a:p>
             <a:fld id="{DD6D8643-BD33-49CB-B3F5-37AD37437AD5}" type="slidenum">
               <a:rPr lang="en-US" smtClean="0"/>
-              <a:t>28</a:t>
+              <a:t>29</a:t>
             </a:fld>
             <a:endParaRPr lang="en-US"/>
           </a:p>
@@ -7498,7 +7499,7 @@
           <a:graphicData uri="http://schemas.openxmlformats.org/presentationml/2006/ole">
             <mc:AlternateContent xmlns:mc="http://schemas.openxmlformats.org/markup-compatibility/2006">
               <mc:Choice xmlns:v="urn:schemas-microsoft-com:vml" Requires="v">
-                <p:oleObj spid="_x0000_s1155" name="Equation" r:id="rId4" imgW="1117440" imgH="393480" progId="Equation.DSMT4">
+                <p:oleObj spid="_x0000_s1164" name="Equation" r:id="rId4" imgW="1117440" imgH="393480" progId="Equation.DSMT4">
                   <p:embed/>
                 </p:oleObj>
               </mc:Choice>
@@ -7574,7 +7575,7 @@
           <a:graphicData uri="http://schemas.openxmlformats.org/presentationml/2006/ole">
             <mc:AlternateContent xmlns:mc="http://schemas.openxmlformats.org/markup-compatibility/2006">
               <mc:Choice xmlns:v="urn:schemas-microsoft-com:vml" Requires="v">
-                <p:oleObj spid="_x0000_s1156" name="Equation" r:id="rId6" imgW="698400" imgH="393480" progId="Equation.DSMT4">
+                <p:oleObj spid="_x0000_s1165" name="Equation" r:id="rId6" imgW="698400" imgH="393480" progId="Equation.DSMT4">
                   <p:embed/>
                 </p:oleObj>
               </mc:Choice>
@@ -7644,7 +7645,7 @@
           <a:graphicData uri="http://schemas.openxmlformats.org/presentationml/2006/ole">
             <mc:AlternateContent xmlns:mc="http://schemas.openxmlformats.org/markup-compatibility/2006">
               <mc:Choice xmlns:v="urn:schemas-microsoft-com:vml" Requires="v">
-                <p:oleObj spid="_x0000_s1157" name="Equation" r:id="rId8" imgW="952200" imgH="393480" progId="Equation.DSMT4">
+                <p:oleObj spid="_x0000_s1166" name="Equation" r:id="rId8" imgW="952200" imgH="393480" progId="Equation.DSMT4">
                   <p:embed/>
                 </p:oleObj>
               </mc:Choice>
@@ -11789,42 +11790,6 @@
       </p:sp>
       <p:sp>
         <p:nvSpPr>
-          <p:cNvPr id="38" name="TextBox 37"/>
-          <p:cNvSpPr txBox="1">
-            <a:spLocks noRot="1" noChangeAspect="1" noMove="1" noResize="1" noEditPoints="1" noAdjustHandles="1" noChangeArrowheads="1" noChangeShapeType="1" noTextEdit="1"/>
-          </p:cNvSpPr>
-          <p:nvPr/>
-        </p:nvSpPr>
-        <p:spPr>
-          <a:xfrm>
-            <a:off x="1461339" y="4326719"/>
-            <a:ext cx="5424293" cy="960263"/>
-          </a:xfrm>
-          <a:prstGeom prst="rect">
-            <a:avLst/>
-          </a:prstGeom>
-          <a:blipFill rotWithShape="0">
-            <a:blip r:embed="rId3" cstate="print"/>
-            <a:stretch>
-              <a:fillRect l="-5730" b="-16561"/>
-            </a:stretch>
-          </a:blipFill>
-        </p:spPr>
-        <p:txBody>
-          <a:bodyPr/>
-          <a:lstStyle/>
-          <a:p>
-            <a:r>
-              <a:rPr lang="en-US">
-                <a:noFill/>
-              </a:rPr>
-              <a:t> </a:t>
-            </a:r>
-          </a:p>
-        </p:txBody>
-      </p:sp>
-      <p:sp>
-        <p:nvSpPr>
           <p:cNvPr id="2" name="Slide Number Placeholder 1"/>
           <p:cNvSpPr>
             <a:spLocks noGrp="1"/>
@@ -11881,16 +11846,230 @@
           </a:p>
         </p:txBody>
       </p:sp>
+      <mc:AlternateContent xmlns:mc="http://schemas.openxmlformats.org/markup-compatibility/2006">
+        <mc:Choice xmlns:a14="http://schemas.microsoft.com/office/drawing/2010/main" Requires="a14">
+          <p:sp>
+            <p:nvSpPr>
+              <p:cNvPr id="4" name="TextBox 3"/>
+              <p:cNvSpPr txBox="1"/>
+              <p:nvPr/>
+            </p:nvSpPr>
+            <p:spPr>
+              <a:xfrm>
+                <a:off x="1114396" y="4305484"/>
+                <a:ext cx="6493746" cy="974947"/>
+              </a:xfrm>
+              <a:prstGeom prst="rect">
+                <a:avLst/>
+              </a:prstGeom>
+              <a:noFill/>
+            </p:spPr>
+            <p:txBody>
+              <a:bodyPr wrap="square" rtlCol="0">
+                <a:spAutoFit/>
+              </a:bodyPr>
+              <a:lstStyle/>
+              <a:p>
+                <a:r>
+                  <a:rPr lang="en-US" sz="4000" dirty="0" smtClean="0"/>
+                  <a:t>F(s) = </a:t>
+                </a:r>
+                <a14:m>
+                  <m:oMath xmlns:m="http://schemas.openxmlformats.org/officeDocument/2006/math">
+                    <m:f>
+                      <m:fPr>
+                        <m:ctrlPr>
+                          <a:rPr lang="en-US" sz="4000" i="1">
+                            <a:latin typeface="Cambria Math"/>
+                          </a:rPr>
+                        </m:ctrlPr>
+                      </m:fPr>
+                      <m:num>
+                        <m:r>
+                          <a:rPr lang="en-US" sz="4000" b="0" i="0" smtClean="0">
+                            <a:latin typeface="Cambria Math"/>
+                          </a:rPr>
+                          <m:t>3</m:t>
+                        </m:r>
+                      </m:num>
+                      <m:den>
+                        <m:r>
+                          <a:rPr lang="en-US" sz="4000">
+                            <a:latin typeface="Cambria Math"/>
+                          </a:rPr>
+                          <m:t>𝑠</m:t>
+                        </m:r>
+                      </m:den>
+                    </m:f>
+                    <m:r>
+                      <a:rPr lang="en-US" sz="4000" b="0" i="1" smtClean="0">
+                        <a:latin typeface="Cambria Math"/>
+                      </a:rPr>
+                      <m:t> −</m:t>
+                    </m:r>
+                    <m:f>
+                      <m:fPr>
+                        <m:ctrlPr>
+                          <a:rPr lang="en-US" sz="4000" i="1">
+                            <a:latin typeface="Cambria Math"/>
+                          </a:rPr>
+                        </m:ctrlPr>
+                      </m:fPr>
+                      <m:num>
+                        <m:r>
+                          <a:rPr lang="en-US" sz="4000" b="0" i="0" smtClean="0">
+                            <a:latin typeface="Cambria Math"/>
+                          </a:rPr>
+                          <m:t>5</m:t>
+                        </m:r>
+                        <m:r>
+                          <m:rPr>
+                            <m:sty m:val="p"/>
+                          </m:rPr>
+                          <a:rPr lang="en-US" sz="4000" b="0" i="0" smtClean="0">
+                            <a:latin typeface="Cambria Math"/>
+                          </a:rPr>
+                          <m:t>e</m:t>
+                        </m:r>
+                        <m:r>
+                          <a:rPr lang="en-US" sz="4000" b="0" i="0" baseline="18000" smtClean="0">
+                            <a:latin typeface="Cambria Math"/>
+                          </a:rPr>
+                          <m:t>−</m:t>
+                        </m:r>
+                        <m:r>
+                          <m:rPr>
+                            <m:sty m:val="p"/>
+                          </m:rPr>
+                          <a:rPr lang="en-US" sz="4000" b="0" i="0" baseline="18000" smtClean="0">
+                            <a:latin typeface="Cambria Math"/>
+                          </a:rPr>
+                          <m:t>s</m:t>
+                        </m:r>
+                      </m:num>
+                      <m:den>
+                        <m:r>
+                          <a:rPr lang="en-US" sz="4000">
+                            <a:latin typeface="Cambria Math"/>
+                          </a:rPr>
+                          <m:t>𝑠</m:t>
+                        </m:r>
+                      </m:den>
+                    </m:f>
+                    <m:r>
+                      <a:rPr lang="en-US" sz="4000" b="0" i="1" smtClean="0">
+                        <a:latin typeface="Cambria Math"/>
+                      </a:rPr>
+                      <m:t>+</m:t>
+                    </m:r>
+                    <m:f>
+                      <m:fPr>
+                        <m:ctrlPr>
+                          <a:rPr lang="en-US" sz="4000" i="1">
+                            <a:latin typeface="Cambria Math"/>
+                          </a:rPr>
+                        </m:ctrlPr>
+                      </m:fPr>
+                      <m:num>
+                        <m:r>
+                          <a:rPr lang="en-US" sz="4000" b="0" i="0" smtClean="0">
+                            <a:latin typeface="Cambria Math"/>
+                          </a:rPr>
+                          <m:t>2</m:t>
+                        </m:r>
+                        <m:r>
+                          <m:rPr>
+                            <m:sty m:val="p"/>
+                          </m:rPr>
+                          <a:rPr lang="en-US" sz="4000" b="0" i="0" smtClean="0">
+                            <a:latin typeface="Cambria Math"/>
+                          </a:rPr>
+                          <m:t>e</m:t>
+                        </m:r>
+                        <m:r>
+                          <a:rPr lang="en-US" sz="4000" b="0" i="0" baseline="16000" smtClean="0">
+                            <a:latin typeface="Cambria Math"/>
+                          </a:rPr>
+                          <m:t>−</m:t>
+                        </m:r>
+                        <m:r>
+                          <a:rPr lang="en-US" sz="4000" b="0" i="1" baseline="16000" smtClean="0">
+                            <a:latin typeface="Cambria Math"/>
+                          </a:rPr>
+                          <m:t>2</m:t>
+                        </m:r>
+                        <m:r>
+                          <a:rPr lang="en-US" sz="4000" b="0" i="1" baseline="16000" smtClean="0">
+                            <a:latin typeface="Cambria Math"/>
+                          </a:rPr>
+                          <m:t>𝑠</m:t>
+                        </m:r>
+                      </m:num>
+                      <m:den>
+                        <m:r>
+                          <a:rPr lang="en-US" sz="4000">
+                            <a:latin typeface="Cambria Math"/>
+                          </a:rPr>
+                          <m:t>𝑠</m:t>
+                        </m:r>
+                      </m:den>
+                    </m:f>
+                  </m:oMath>
+                </a14:m>
+                <a:endParaRPr lang="en-US" sz="4000" dirty="0" smtClean="0"/>
+              </a:p>
+            </p:txBody>
+          </p:sp>
+        </mc:Choice>
+        <mc:Fallback>
+          <p:sp>
+            <p:nvSpPr>
+              <p:cNvPr id="4" name="TextBox 3"/>
+              <p:cNvSpPr txBox="1">
+                <a:spLocks noRot="1" noChangeAspect="1" noMove="1" noResize="1" noEditPoints="1" noAdjustHandles="1" noChangeArrowheads="1" noChangeShapeType="1" noTextEdit="1"/>
+              </p:cNvSpPr>
+              <p:nvPr/>
+            </p:nvSpPr>
+            <p:spPr>
+              <a:xfrm>
+                <a:off x="1114396" y="4305484"/>
+                <a:ext cx="6493746" cy="974947"/>
+              </a:xfrm>
+              <a:prstGeom prst="rect">
+                <a:avLst/>
+              </a:prstGeom>
+              <a:blipFill rotWithShape="1">
+                <a:blip r:embed="rId3"/>
+                <a:stretch>
+                  <a:fillRect l="-3380" b="-13125"/>
+                </a:stretch>
+              </a:blipFill>
+            </p:spPr>
+            <p:txBody>
+              <a:bodyPr/>
+              <a:lstStyle/>
+              <a:p>
+                <a:r>
+                  <a:rPr lang="en-US">
+                    <a:noFill/>
+                  </a:rPr>
+                  <a:t> </a:t>
+                </a:r>
+              </a:p>
+            </p:txBody>
+          </p:sp>
+        </mc:Fallback>
+      </mc:AlternateContent>
       <p:sp>
         <p:nvSpPr>
-          <p:cNvPr id="4" name="TextBox 3"/>
+          <p:cNvPr id="5" name="TextBox 4"/>
           <p:cNvSpPr txBox="1"/>
           <p:nvPr/>
         </p:nvSpPr>
         <p:spPr>
           <a:xfrm>
-            <a:off x="391886" y="5556151"/>
-            <a:ext cx="6493746" cy="369332"/>
+            <a:off x="500743" y="174171"/>
+            <a:ext cx="1665514" cy="369332"/>
           </a:xfrm>
           <a:prstGeom prst="rect">
             <a:avLst/>
@@ -11904,14 +12083,10 @@
           <a:lstStyle/>
           <a:p>
             <a:r>
-              <a:rPr lang="en-US" dirty="0" smtClean="0"/>
-              <a:t>F(s) </a:t>
-            </a:r>
-            <a:r>
-              <a:rPr lang="en-US" smtClean="0"/>
-              <a:t>= </a:t>
-            </a:r>
-            <a:endParaRPr lang="en-US" dirty="0" smtClean="0"/>
+              <a:rPr lang="en-US" dirty="0" err="1" smtClean="0"/>
+              <a:t>salman</a:t>
+            </a:r>
+            <a:endParaRPr lang="en-US" dirty="0"/>
           </a:p>
         </p:txBody>
       </p:sp>
@@ -11940,126 +12115,9 @@
   <p:timing>
     <p:tnLst>
       <p:par>
-        <p:cTn id="1" dur="indefinite" restart="never" nodeType="tmRoot">
-          <p:childTnLst>
-            <p:seq concurrent="1" nextAc="seek">
-              <p:cTn id="2" dur="indefinite" nodeType="mainSeq">
-                <p:childTnLst>
-                  <p:par>
-                    <p:cTn id="3" fill="hold">
-                      <p:stCondLst>
-                        <p:cond delay="indefinite"/>
-                      </p:stCondLst>
-                      <p:childTnLst>
-                        <p:par>
-                          <p:cTn id="4" fill="hold">
-                            <p:stCondLst>
-                              <p:cond delay="0"/>
-                            </p:stCondLst>
-                            <p:childTnLst>
-                              <p:par>
-                                <p:cTn id="5" presetID="2" presetClass="entr" presetSubtype="4" fill="hold" grpId="0" nodeType="clickEffect">
-                                  <p:stCondLst>
-                                    <p:cond delay="0"/>
-                                  </p:stCondLst>
-                                  <p:childTnLst>
-                                    <p:set>
-                                      <p:cBhvr>
-                                        <p:cTn id="6" dur="1" fill="hold">
-                                          <p:stCondLst>
-                                            <p:cond delay="0"/>
-                                          </p:stCondLst>
-                                        </p:cTn>
-                                        <p:tgtEl>
-                                          <p:spTgt spid="38"/>
-                                        </p:tgtEl>
-                                        <p:attrNameLst>
-                                          <p:attrName>style.visibility</p:attrName>
-                                        </p:attrNameLst>
-                                      </p:cBhvr>
-                                      <p:to>
-                                        <p:strVal val="visible"/>
-                                      </p:to>
-                                    </p:set>
-                                    <p:anim calcmode="lin" valueType="num">
-                                      <p:cBhvr additive="base">
-                                        <p:cTn id="7" dur="500" fill="hold"/>
-                                        <p:tgtEl>
-                                          <p:spTgt spid="38"/>
-                                        </p:tgtEl>
-                                        <p:attrNameLst>
-                                          <p:attrName>ppt_x</p:attrName>
-                                        </p:attrNameLst>
-                                      </p:cBhvr>
-                                      <p:tavLst>
-                                        <p:tav tm="0">
-                                          <p:val>
-                                            <p:strVal val="#ppt_x"/>
-                                          </p:val>
-                                        </p:tav>
-                                        <p:tav tm="100000">
-                                          <p:val>
-                                            <p:strVal val="#ppt_x"/>
-                                          </p:val>
-                                        </p:tav>
-                                      </p:tavLst>
-                                    </p:anim>
-                                    <p:anim calcmode="lin" valueType="num">
-                                      <p:cBhvr additive="base">
-                                        <p:cTn id="8" dur="500" fill="hold"/>
-                                        <p:tgtEl>
-                                          <p:spTgt spid="38"/>
-                                        </p:tgtEl>
-                                        <p:attrNameLst>
-                                          <p:attrName>ppt_y</p:attrName>
-                                        </p:attrNameLst>
-                                      </p:cBhvr>
-                                      <p:tavLst>
-                                        <p:tav tm="0">
-                                          <p:val>
-                                            <p:strVal val="1+#ppt_h/2"/>
-                                          </p:val>
-                                        </p:tav>
-                                        <p:tav tm="100000">
-                                          <p:val>
-                                            <p:strVal val="#ppt_y"/>
-                                          </p:val>
-                                        </p:tav>
-                                      </p:tavLst>
-                                    </p:anim>
-                                  </p:childTnLst>
-                                </p:cTn>
-                              </p:par>
-                            </p:childTnLst>
-                          </p:cTn>
-                        </p:par>
-                      </p:childTnLst>
-                    </p:cTn>
-                  </p:par>
-                </p:childTnLst>
-              </p:cTn>
-              <p:prevCondLst>
-                <p:cond evt="onPrev" delay="0">
-                  <p:tgtEl>
-                    <p:sldTgt/>
-                  </p:tgtEl>
-                </p:cond>
-              </p:prevCondLst>
-              <p:nextCondLst>
-                <p:cond evt="onNext" delay="0">
-                  <p:tgtEl>
-                    <p:sldTgt/>
-                  </p:tgtEl>
-                </p:cond>
-              </p:nextCondLst>
-            </p:seq>
-          </p:childTnLst>
-        </p:cTn>
+        <p:cTn id="1" dur="indefinite" restart="never" nodeType="tmRoot"/>
       </p:par>
     </p:tnLst>
-    <p:bldLst>
-      <p:bldP spid="38" grpId="0" animBg="1"/>
-    </p:bldLst>
   </p:timing>
 </p:sld>
 </file>
@@ -12667,7 +12725,7 @@
             <a:r>
               <a:rPr lang="en-US" sz="4000" b="1" dirty="0">
                 <a:solidFill>
-                  <a:srgbClr val="0000CC"/>
+                  <a:srgbClr val="00B050"/>
                 </a:solidFill>
                 <a:latin typeface="Cambria" panose="02040503050406030204" pitchFamily="18" charset="0"/>
               </a:rPr>
@@ -12676,7 +12734,7 @@
             <a:r>
               <a:rPr lang="lv-LV" sz="4000" b="1" dirty="0">
                 <a:solidFill>
-                  <a:srgbClr val="0000CC"/>
+                  <a:srgbClr val="00B050"/>
                 </a:solidFill>
                 <a:latin typeface="Cambria" panose="02040503050406030204" pitchFamily="18" charset="0"/>
               </a:rPr>
@@ -12684,7 +12742,7 @@
             </a:r>
             <a:endParaRPr lang="en-US" sz="4000" b="1" dirty="0">
               <a:solidFill>
-                <a:srgbClr val="0000CC"/>
+                <a:srgbClr val="00B050"/>
               </a:solidFill>
               <a:latin typeface="Cambria" panose="02040503050406030204" pitchFamily="18" charset="0"/>
             </a:endParaRPr>
@@ -13280,7 +13338,7 @@
         </p:nvSpPr>
         <p:spPr>
           <a:xfrm>
-            <a:off x="921128" y="692128"/>
+            <a:off x="224442" y="583270"/>
             <a:ext cx="10445808" cy="707886"/>
           </a:xfrm>
           <a:prstGeom prst="rect">
@@ -13300,7 +13358,7 @@
             <a:r>
               <a:rPr lang="lv-LV" sz="4000" b="1" dirty="0">
                 <a:solidFill>
-                  <a:srgbClr val="0000CC"/>
+                  <a:srgbClr val="00B050"/>
                 </a:solidFill>
                 <a:latin typeface="Cambria" panose="02040503050406030204" pitchFamily="18" charset="0"/>
               </a:rPr>
@@ -13428,7 +13486,7 @@
             <a:r>
               <a:rPr lang="en-US" sz="4000" b="1" dirty="0">
                 <a:solidFill>
-                  <a:srgbClr val="0000CC"/>
+                  <a:srgbClr val="00B050"/>
                 </a:solidFill>
                 <a:latin typeface="Cambria" panose="02040503050406030204" pitchFamily="18" charset="0"/>
               </a:rPr>
@@ -13437,7 +13495,7 @@
             <a:r>
               <a:rPr lang="lv-LV" sz="4000" b="1" dirty="0">
                 <a:solidFill>
-                  <a:srgbClr val="0000CC"/>
+                  <a:srgbClr val="00B050"/>
                 </a:solidFill>
                 <a:latin typeface="Cambria" panose="02040503050406030204" pitchFamily="18" charset="0"/>
               </a:rPr>
@@ -13446,7 +13504,7 @@
             <a:r>
               <a:rPr lang="en-US" sz="4000" b="1" dirty="0">
                 <a:solidFill>
-                  <a:srgbClr val="0000CC"/>
+                  <a:srgbClr val="00B050"/>
                 </a:solidFill>
                 <a:latin typeface="Cambria" panose="02040503050406030204" pitchFamily="18" charset="0"/>
               </a:rPr>
@@ -13455,7 +13513,7 @@
             <a:r>
               <a:rPr lang="lv-LV" sz="4000" b="1" dirty="0">
                 <a:solidFill>
-                  <a:srgbClr val="0000CC"/>
+                  <a:srgbClr val="00B050"/>
                 </a:solidFill>
                 <a:latin typeface="Cambria" panose="02040503050406030204" pitchFamily="18" charset="0"/>
               </a:rPr>
@@ -13464,7 +13522,7 @@
             <a:r>
               <a:rPr lang="en-US" sz="4000" b="1" dirty="0">
                 <a:solidFill>
-                  <a:srgbClr val="0000CC"/>
+                  <a:srgbClr val="00B050"/>
                 </a:solidFill>
                 <a:latin typeface="Cambria" panose="02040503050406030204" pitchFamily="18" charset="0"/>
               </a:rPr>
@@ -14089,6 +14147,392 @@
 </file>
 
 <file path=ppt/slides/slide20.xml><?xml version="1.0" encoding="utf-8"?>
+<p:sld xmlns:a="http://schemas.openxmlformats.org/drawingml/2006/main" xmlns:r="http://schemas.openxmlformats.org/officeDocument/2006/relationships" xmlns:p="http://schemas.openxmlformats.org/presentationml/2006/main">
+  <p:cSld>
+    <p:spTree>
+      <p:nvGrpSpPr>
+        <p:cNvPr id="1" name=""/>
+        <p:cNvGrpSpPr/>
+        <p:nvPr/>
+      </p:nvGrpSpPr>
+      <p:grpSpPr>
+        <a:xfrm>
+          <a:off x="0" y="0"/>
+          <a:ext cx="0" cy="0"/>
+          <a:chOff x="0" y="0"/>
+          <a:chExt cx="0" cy="0"/>
+        </a:xfrm>
+      </p:grpSpPr>
+      <p:sp>
+        <p:nvSpPr>
+          <p:cNvPr id="2" name="TextBox 1"/>
+          <p:cNvSpPr txBox="1"/>
+          <p:nvPr/>
+        </p:nvSpPr>
+        <p:spPr>
+          <a:xfrm>
+            <a:off x="768318" y="434757"/>
+            <a:ext cx="5334345" cy="707886"/>
+          </a:xfrm>
+          <a:prstGeom prst="rect">
+            <a:avLst/>
+          </a:prstGeom>
+          <a:noFill/>
+        </p:spPr>
+        <p:txBody>
+          <a:bodyPr wrap="none" rtlCol="0">
+            <a:spAutoFit/>
+          </a:bodyPr>
+          <a:lstStyle/>
+          <a:p>
+            <a:r>
+              <a:rPr lang="en-US" sz="4000" b="1" dirty="0">
+                <a:solidFill>
+                  <a:srgbClr val="00B050"/>
+                </a:solidFill>
+                <a:latin typeface="Cambria" panose="02040503050406030204" pitchFamily="18" charset="0"/>
+              </a:rPr>
+              <a:t>Example 12.</a:t>
+            </a:r>
+            <a:r>
+              <a:rPr lang="lv-LV" sz="4000" b="1" dirty="0">
+                <a:solidFill>
+                  <a:srgbClr val="00B050"/>
+                </a:solidFill>
+                <a:latin typeface="Cambria" panose="02040503050406030204" pitchFamily="18" charset="0"/>
+              </a:rPr>
+              <a:t>8</a:t>
+            </a:r>
+            <a:r>
+              <a:rPr lang="en-US" sz="4000" b="1" dirty="0">
+                <a:solidFill>
+                  <a:srgbClr val="00B050"/>
+                </a:solidFill>
+                <a:latin typeface="Cambria" panose="02040503050406030204" pitchFamily="18" charset="0"/>
+              </a:rPr>
+              <a:t> (p. 5</a:t>
+            </a:r>
+            <a:r>
+              <a:rPr lang="lv-LV" sz="4000" b="1" dirty="0">
+                <a:solidFill>
+                  <a:srgbClr val="00B050"/>
+                </a:solidFill>
+                <a:latin typeface="Cambria" panose="02040503050406030204" pitchFamily="18" charset="0"/>
+              </a:rPr>
+              <a:t>60</a:t>
+            </a:r>
+            <a:r>
+              <a:rPr lang="en-US" sz="4000" b="1" dirty="0">
+                <a:solidFill>
+                  <a:srgbClr val="00B050"/>
+                </a:solidFill>
+                <a:latin typeface="Cambria" panose="02040503050406030204" pitchFamily="18" charset="0"/>
+              </a:rPr>
+              <a:t>)</a:t>
+            </a:r>
+          </a:p>
+        </p:txBody>
+      </p:sp>
+      <p:sp>
+        <p:nvSpPr>
+          <p:cNvPr id="3" name="Rectangle 2"/>
+          <p:cNvSpPr/>
+          <p:nvPr/>
+        </p:nvSpPr>
+        <p:spPr>
+          <a:xfrm>
+            <a:off x="821406" y="1167543"/>
+            <a:ext cx="8813800" cy="461665"/>
+          </a:xfrm>
+          <a:prstGeom prst="rect">
+            <a:avLst/>
+          </a:prstGeom>
+        </p:spPr>
+        <p:txBody>
+          <a:bodyPr wrap="square">
+            <a:spAutoFit/>
+          </a:bodyPr>
+          <a:lstStyle/>
+          <a:p>
+            <a:r>
+              <a:rPr lang="lv-LV" sz="2400" dirty="0">
+                <a:solidFill>
+                  <a:srgbClr val="C00000"/>
+                </a:solidFill>
+                <a:latin typeface="Cambria" panose="02040503050406030204" pitchFamily="18" charset="0"/>
+              </a:rPr>
+              <a:t>Find the Laplace transform of the ramp function R(s)=L[</a:t>
+            </a:r>
+            <a:r>
+              <a:rPr lang="lv-LV" sz="2400" dirty="0">
+                <a:solidFill>
+                  <a:srgbClr val="CC0000"/>
+                </a:solidFill>
+                <a:latin typeface="Cambria" panose="02040503050406030204" pitchFamily="18" charset="0"/>
+              </a:rPr>
+              <a:t>r</a:t>
+            </a:r>
+            <a:r>
+              <a:rPr lang="en-US" sz="2400" dirty="0">
+                <a:solidFill>
+                  <a:srgbClr val="CC0000"/>
+                </a:solidFill>
+                <a:latin typeface="Cambria" panose="02040503050406030204" pitchFamily="18" charset="0"/>
+              </a:rPr>
+              <a:t>(t)</a:t>
+            </a:r>
+            <a:r>
+              <a:rPr lang="lv-LV" sz="2400" dirty="0">
+                <a:solidFill>
+                  <a:srgbClr val="CC0000"/>
+                </a:solidFill>
+                <a:latin typeface="Cambria" panose="02040503050406030204" pitchFamily="18" charset="0"/>
+              </a:rPr>
+              <a:t>]</a:t>
+            </a:r>
+            <a:endParaRPr lang="en-US" sz="2400" dirty="0">
+              <a:solidFill>
+                <a:srgbClr val="CC0000"/>
+              </a:solidFill>
+              <a:latin typeface="Cambria" panose="02040503050406030204" pitchFamily="18" charset="0"/>
+            </a:endParaRPr>
+          </a:p>
+        </p:txBody>
+      </p:sp>
+      <p:pic>
+        <p:nvPicPr>
+          <p:cNvPr id="4" name="Picture 3"/>
+          <p:cNvPicPr>
+            <a:picLocks noChangeAspect="1"/>
+          </p:cNvPicPr>
+          <p:nvPr/>
+        </p:nvPicPr>
+        <p:blipFill>
+          <a:blip r:embed="rId2" cstate="print">
+            <a:extLst>
+              <a:ext uri="{28A0092B-C50C-407E-A947-70E740481C1C}">
+                <a14:useLocalDpi xmlns:a14="http://schemas.microsoft.com/office/drawing/2010/main" val="0"/>
+              </a:ext>
+            </a:extLst>
+          </a:blip>
+          <a:stretch>
+            <a:fillRect/>
+          </a:stretch>
+        </p:blipFill>
+        <p:spPr>
+          <a:xfrm>
+            <a:off x="8307064" y="2628238"/>
+            <a:ext cx="3328706" cy="1948258"/>
+          </a:xfrm>
+          <a:prstGeom prst="rect">
+            <a:avLst/>
+          </a:prstGeom>
+        </p:spPr>
+      </p:pic>
+      <p:pic>
+        <p:nvPicPr>
+          <p:cNvPr id="5" name="Picture 4"/>
+          <p:cNvPicPr>
+            <a:picLocks noChangeAspect="1"/>
+          </p:cNvPicPr>
+          <p:nvPr/>
+        </p:nvPicPr>
+        <p:blipFill>
+          <a:blip r:embed="rId3" cstate="print">
+            <a:duotone>
+              <a:prstClr val="black"/>
+              <a:schemeClr val="accent6">
+                <a:tint val="45000"/>
+                <a:satMod val="400000"/>
+              </a:schemeClr>
+            </a:duotone>
+          </a:blip>
+          <a:stretch>
+            <a:fillRect/>
+          </a:stretch>
+        </p:blipFill>
+        <p:spPr>
+          <a:xfrm>
+            <a:off x="8916993" y="4850475"/>
+            <a:ext cx="2575870" cy="924059"/>
+          </a:xfrm>
+          <a:prstGeom prst="roundRect">
+            <a:avLst>
+              <a:gd name="adj" fmla="val 16667"/>
+            </a:avLst>
+          </a:prstGeom>
+          <a:ln>
+            <a:noFill/>
+          </a:ln>
+          <a:effectLst>
+            <a:outerShdw blurRad="76200" dist="38100" dir="7800000" algn="tl" rotWithShape="0">
+              <a:srgbClr val="000000">
+                <a:alpha val="40000"/>
+              </a:srgbClr>
+            </a:outerShdw>
+          </a:effectLst>
+          <a:scene3d>
+            <a:camera prst="orthographicFront"/>
+            <a:lightRig rig="contrasting" dir="t">
+              <a:rot lat="0" lon="0" rev="4200000"/>
+            </a:lightRig>
+          </a:scene3d>
+          <a:sp3d prstMaterial="plastic">
+            <a:bevelT w="381000" h="114300" prst="relaxedInset"/>
+            <a:contourClr>
+              <a:srgbClr val="969696"/>
+            </a:contourClr>
+          </a:sp3d>
+        </p:spPr>
+      </p:pic>
+      <p:pic>
+        <p:nvPicPr>
+          <p:cNvPr id="6" name="Picture 5"/>
+          <p:cNvPicPr>
+            <a:picLocks noChangeAspect="1"/>
+          </p:cNvPicPr>
+          <p:nvPr/>
+        </p:nvPicPr>
+        <p:blipFill rotWithShape="1">
+          <a:blip r:embed="rId4"/>
+          <a:srcRect r="51229"/>
+          <a:stretch/>
+        </p:blipFill>
+        <p:spPr>
+          <a:xfrm>
+            <a:off x="844331" y="2408790"/>
+            <a:ext cx="5536840" cy="783982"/>
+          </a:xfrm>
+          <a:prstGeom prst="rect">
+            <a:avLst/>
+          </a:prstGeom>
+        </p:spPr>
+      </p:pic>
+      <p:sp>
+        <p:nvSpPr>
+          <p:cNvPr id="7" name="Rectangle 6"/>
+          <p:cNvSpPr/>
+          <p:nvPr/>
+        </p:nvSpPr>
+        <p:spPr>
+          <a:xfrm>
+            <a:off x="844331" y="1976198"/>
+            <a:ext cx="2591159" cy="369332"/>
+          </a:xfrm>
+          <a:prstGeom prst="rect">
+            <a:avLst/>
+          </a:prstGeom>
+        </p:spPr>
+        <p:txBody>
+          <a:bodyPr wrap="square">
+            <a:spAutoFit/>
+          </a:bodyPr>
+          <a:lstStyle/>
+          <a:p>
+            <a:r>
+              <a:rPr lang="lv-LV" b="1" dirty="0">
+                <a:solidFill>
+                  <a:srgbClr val="006600"/>
+                </a:solidFill>
+                <a:latin typeface="Cambria" panose="02040503050406030204" pitchFamily="18" charset="0"/>
+              </a:rPr>
+              <a:t>Recall</a:t>
+            </a:r>
+            <a:r>
+              <a:rPr lang="en-US" b="1" dirty="0">
+                <a:solidFill>
+                  <a:srgbClr val="006600"/>
+                </a:solidFill>
+                <a:latin typeface="Cambria" panose="02040503050406030204" pitchFamily="18" charset="0"/>
+              </a:rPr>
+              <a:t> Ramp function</a:t>
+            </a:r>
+          </a:p>
+        </p:txBody>
+      </p:sp>
+      <p:pic>
+        <p:nvPicPr>
+          <p:cNvPr id="8" name="Picture 7"/>
+          <p:cNvPicPr>
+            <a:picLocks noChangeAspect="1"/>
+          </p:cNvPicPr>
+          <p:nvPr/>
+        </p:nvPicPr>
+        <p:blipFill rotWithShape="1">
+          <a:blip r:embed="rId5"/>
+          <a:srcRect r="29758"/>
+          <a:stretch/>
+        </p:blipFill>
+        <p:spPr>
+          <a:xfrm>
+            <a:off x="1773304" y="4274466"/>
+            <a:ext cx="5827475" cy="1114425"/>
+          </a:xfrm>
+          <a:prstGeom prst="rect">
+            <a:avLst/>
+          </a:prstGeom>
+        </p:spPr>
+      </p:pic>
+      <p:pic>
+        <p:nvPicPr>
+          <p:cNvPr id="9" name="Picture 8"/>
+          <p:cNvPicPr>
+            <a:picLocks noChangeAspect="1"/>
+          </p:cNvPicPr>
+          <p:nvPr/>
+        </p:nvPicPr>
+        <p:blipFill rotWithShape="1">
+          <a:blip r:embed="rId4"/>
+          <a:srcRect l="49080"/>
+          <a:stretch/>
+        </p:blipFill>
+        <p:spPr>
+          <a:xfrm>
+            <a:off x="1820008" y="3341628"/>
+            <a:ext cx="5780771" cy="783982"/>
+          </a:xfrm>
+          <a:prstGeom prst="rect">
+            <a:avLst/>
+          </a:prstGeom>
+        </p:spPr>
+      </p:pic>
+      <p:pic>
+        <p:nvPicPr>
+          <p:cNvPr id="10" name="Picture 9"/>
+          <p:cNvPicPr>
+            <a:picLocks noChangeAspect="1"/>
+          </p:cNvPicPr>
+          <p:nvPr/>
+        </p:nvPicPr>
+        <p:blipFill rotWithShape="1">
+          <a:blip r:embed="rId5"/>
+          <a:srcRect l="71106"/>
+          <a:stretch/>
+        </p:blipFill>
+        <p:spPr>
+          <a:xfrm>
+            <a:off x="1773304" y="5537747"/>
+            <a:ext cx="2397152" cy="1114425"/>
+          </a:xfrm>
+          <a:prstGeom prst="rect">
+            <a:avLst/>
+          </a:prstGeom>
+        </p:spPr>
+      </p:pic>
+    </p:spTree>
+    <p:extLst>
+      <p:ext uri="{BB962C8B-B14F-4D97-AF65-F5344CB8AC3E}">
+        <p14:creationId xmlns:p14="http://schemas.microsoft.com/office/powerpoint/2010/main" val="23805845"/>
+      </p:ext>
+    </p:extLst>
+  </p:cSld>
+  <p:clrMapOvr>
+    <a:masterClrMapping/>
+  </p:clrMapOvr>
+</p:sld>
+</file>
+
+<file path=ppt/slides/slide21.xml><?xml version="1.0" encoding="utf-8"?>
 <p:sld xmlns:a="http://schemas.openxmlformats.org/drawingml/2006/main" xmlns:r="http://schemas.openxmlformats.org/officeDocument/2006/relationships" xmlns:p="http://schemas.openxmlformats.org/presentationml/2006/main">
   <p:cSld>
     <p:spTree>
@@ -15321,7 +15765,7 @@
             <a:fld id="{539F810C-9DAB-49B2-B45C-341744954A16}" type="slidenum">
               <a:rPr lang="en-GB" smtClean="0"/>
               <a:pPr/>
-              <a:t>20</a:t>
+              <a:t>21</a:t>
             </a:fld>
             <a:endParaRPr lang="en-GB"/>
           </a:p>
@@ -15719,7 +16163,7 @@
 </p:sld>
 </file>
 
-<file path=ppt/slides/slide21.xml><?xml version="1.0" encoding="utf-8"?>
+<file path=ppt/slides/slide22.xml><?xml version="1.0" encoding="utf-8"?>
 <p:sld xmlns:a="http://schemas.openxmlformats.org/drawingml/2006/main" xmlns:r="http://schemas.openxmlformats.org/officeDocument/2006/relationships" xmlns:p="http://schemas.openxmlformats.org/presentationml/2006/main">
   <p:cSld>
     <p:spTree>
@@ -17284,7 +17728,7 @@
             <a:fld id="{539F810C-9DAB-49B2-B45C-341744954A16}" type="slidenum">
               <a:rPr lang="en-GB" smtClean="0"/>
               <a:pPr/>
-              <a:t>21</a:t>
+              <a:t>22</a:t>
             </a:fld>
             <a:endParaRPr lang="en-GB"/>
           </a:p>
@@ -17473,7 +17917,7 @@
 </p:sld>
 </file>
 
-<file path=ppt/slides/slide22.xml><?xml version="1.0" encoding="utf-8"?>
+<file path=ppt/slides/slide23.xml><?xml version="1.0" encoding="utf-8"?>
 <p:sld xmlns:a="http://schemas.openxmlformats.org/drawingml/2006/main" xmlns:r="http://schemas.openxmlformats.org/officeDocument/2006/relationships" xmlns:p="http://schemas.openxmlformats.org/presentationml/2006/main">
   <p:cSld>
     <p:spTree>
@@ -19754,7 +20198,7 @@
             <a:fld id="{539F810C-9DAB-49B2-B45C-341744954A16}" type="slidenum">
               <a:rPr lang="en-GB" smtClean="0"/>
               <a:pPr/>
-              <a:t>22</a:t>
+              <a:t>23</a:t>
             </a:fld>
             <a:endParaRPr lang="en-GB"/>
           </a:p>
@@ -19773,7 +20217,7 @@
 </p:sld>
 </file>
 
-<file path=ppt/slides/slide23.xml><?xml version="1.0" encoding="utf-8"?>
+<file path=ppt/slides/slide24.xml><?xml version="1.0" encoding="utf-8"?>
 <p:sld xmlns:a="http://schemas.openxmlformats.org/drawingml/2006/main" xmlns:r="http://schemas.openxmlformats.org/officeDocument/2006/relationships" xmlns:p="http://schemas.openxmlformats.org/presentationml/2006/main">
   <p:cSld>
     <p:spTree>
@@ -23366,7 +23810,7 @@
             <a:fld id="{539F810C-9DAB-49B2-B45C-341744954A16}" type="slidenum">
               <a:rPr lang="en-GB" smtClean="0"/>
               <a:pPr/>
-              <a:t>23</a:t>
+              <a:t>24</a:t>
             </a:fld>
             <a:endParaRPr lang="en-GB"/>
           </a:p>
@@ -23739,7 +24183,7 @@
 </p:sld>
 </file>
 
-<file path=ppt/slides/slide24.xml><?xml version="1.0" encoding="utf-8"?>
+<file path=ppt/slides/slide25.xml><?xml version="1.0" encoding="utf-8"?>
 <p:sld xmlns:a="http://schemas.openxmlformats.org/drawingml/2006/main" xmlns:r="http://schemas.openxmlformats.org/officeDocument/2006/relationships" xmlns:p="http://schemas.openxmlformats.org/presentationml/2006/main">
   <p:cSld>
     <p:spTree>
@@ -23814,7 +24258,7 @@
             <a:fld id="{539F810C-9DAB-49B2-B45C-341744954A16}" type="slidenum">
               <a:rPr lang="en-GB" smtClean="0"/>
               <a:pPr/>
-              <a:t>24</a:t>
+              <a:t>25</a:t>
             </a:fld>
             <a:endParaRPr lang="en-GB"/>
           </a:p>
@@ -24025,7 +24469,7 @@
 </p:sld>
 </file>
 
-<file path=ppt/slides/slide25.xml><?xml version="1.0" encoding="utf-8"?>
+<file path=ppt/slides/slide26.xml><?xml version="1.0" encoding="utf-8"?>
 <p:sld xmlns:a="http://schemas.openxmlformats.org/drawingml/2006/main" xmlns:r="http://schemas.openxmlformats.org/officeDocument/2006/relationships" xmlns:p="http://schemas.openxmlformats.org/presentationml/2006/main">
   <p:cSld>
     <p:spTree>
@@ -25270,7 +25714,7 @@
             <a:fld id="{539F810C-9DAB-49B2-B45C-341744954A16}" type="slidenum">
               <a:rPr lang="en-GB" smtClean="0"/>
               <a:pPr/>
-              <a:t>25</a:t>
+              <a:t>26</a:t>
             </a:fld>
             <a:endParaRPr lang="en-GB"/>
           </a:p>
@@ -25785,7 +26229,7 @@
 </p:sld>
 </file>
 
-<file path=ppt/slides/slide26.xml><?xml version="1.0" encoding="utf-8"?>
+<file path=ppt/slides/slide27.xml><?xml version="1.0" encoding="utf-8"?>
 <p:sld xmlns:a="http://schemas.openxmlformats.org/drawingml/2006/main" xmlns:r="http://schemas.openxmlformats.org/officeDocument/2006/relationships" xmlns:p="http://schemas.openxmlformats.org/presentationml/2006/main">
   <p:cSld>
     <p:spTree>
@@ -26597,7 +27041,7 @@
             <a:fld id="{539F810C-9DAB-49B2-B45C-341744954A16}" type="slidenum">
               <a:rPr lang="en-GB" smtClean="0"/>
               <a:pPr/>
-              <a:t>26</a:t>
+              <a:t>27</a:t>
             </a:fld>
             <a:endParaRPr lang="en-GB"/>
           </a:p>
@@ -26948,7 +27392,7 @@
 </p:sld>
 </file>
 
-<file path=ppt/slides/slide27.xml><?xml version="1.0" encoding="utf-8"?>
+<file path=ppt/slides/slide28.xml><?xml version="1.0" encoding="utf-8"?>
 <p:sld xmlns:a="http://schemas.openxmlformats.org/drawingml/2006/main" xmlns:r="http://schemas.openxmlformats.org/officeDocument/2006/relationships" xmlns:p="http://schemas.openxmlformats.org/presentationml/2006/main">
   <p:cSld>
     <p:spTree>
@@ -26983,7 +27427,7 @@
             <a:fld id="{539F810C-9DAB-49B2-B45C-341744954A16}" type="slidenum">
               <a:rPr lang="en-GB" smtClean="0"/>
               <a:pPr/>
-              <a:t>27</a:t>
+              <a:t>28</a:t>
             </a:fld>
             <a:endParaRPr lang="en-GB"/>
           </a:p>
@@ -27604,7 +28048,7 @@
 </p:sld>
 </file>
 
-<file path=ppt/slides/slide28.xml><?xml version="1.0" encoding="utf-8"?>
+<file path=ppt/slides/slide29.xml><?xml version="1.0" encoding="utf-8"?>
 <p:sld xmlns:a="http://schemas.openxmlformats.org/drawingml/2006/main" xmlns:r="http://schemas.openxmlformats.org/officeDocument/2006/relationships" xmlns:p="http://schemas.openxmlformats.org/presentationml/2006/main">
   <p:cSld>
     <p:spTree>
@@ -27707,7 +28151,7 @@
             <a:fld id="{539F810C-9DAB-49B2-B45C-341744954A16}" type="slidenum">
               <a:rPr lang="en-GB" smtClean="0"/>
               <a:pPr/>
-              <a:t>28</a:t>
+              <a:t>29</a:t>
             </a:fld>
             <a:endParaRPr lang="en-GB"/>
           </a:p>

--- a/PP WORK/Instructor Version/Week 2/Week 2 lecture 2 LT.pptx
+++ b/PP WORK/Instructor Version/Week 2/Week 2 lecture 2 LT.pptx
@@ -5,7 +5,7 @@
     <p:sldMasterId id="2147483660" r:id="rId1"/>
   </p:sldMasterIdLst>
   <p:notesMasterIdLst>
-    <p:notesMasterId r:id="rId31"/>
+    <p:notesMasterId r:id="rId32"/>
   </p:notesMasterIdLst>
   <p:sldIdLst>
     <p:sldId id="286" r:id="rId2"/>
@@ -29,14 +29,15 @@
     <p:sldId id="285" r:id="rId20"/>
     <p:sldId id="293" r:id="rId21"/>
     <p:sldId id="276" r:id="rId22"/>
-    <p:sldId id="277" r:id="rId23"/>
-    <p:sldId id="278" r:id="rId24"/>
-    <p:sldId id="279" r:id="rId25"/>
-    <p:sldId id="280" r:id="rId26"/>
-    <p:sldId id="282" r:id="rId27"/>
-    <p:sldId id="283" r:id="rId28"/>
-    <p:sldId id="284" r:id="rId29"/>
-    <p:sldId id="287" r:id="rId30"/>
+    <p:sldId id="294" r:id="rId23"/>
+    <p:sldId id="277" r:id="rId24"/>
+    <p:sldId id="278" r:id="rId25"/>
+    <p:sldId id="279" r:id="rId26"/>
+    <p:sldId id="280" r:id="rId27"/>
+    <p:sldId id="282" r:id="rId28"/>
+    <p:sldId id="283" r:id="rId29"/>
+    <p:sldId id="284" r:id="rId30"/>
+    <p:sldId id="287" r:id="rId31"/>
   </p:sldIdLst>
   <p:sldSz cx="12192000" cy="6858000"/>
   <p:notesSz cx="6858000" cy="9144000"/>
@@ -1113,7 +1114,7 @@
           <a:p>
             <a:fld id="{DD6D8643-BD33-49CB-B3F5-37AD37437AD5}" type="slidenum">
               <a:rPr lang="en-US" smtClean="0"/>
-              <a:t>28</a:t>
+              <a:t>29</a:t>
             </a:fld>
             <a:endParaRPr lang="en-US"/>
           </a:p>
@@ -1197,7 +1198,7 @@
           <a:p>
             <a:fld id="{DD6D8643-BD33-49CB-B3F5-37AD37437AD5}" type="slidenum">
               <a:rPr lang="en-US" smtClean="0"/>
-              <a:t>29</a:t>
+              <a:t>30</a:t>
             </a:fld>
             <a:endParaRPr lang="en-US"/>
           </a:p>
@@ -7499,7 +7500,7 @@
           <a:graphicData uri="http://schemas.openxmlformats.org/presentationml/2006/ole">
             <mc:AlternateContent xmlns:mc="http://schemas.openxmlformats.org/markup-compatibility/2006">
               <mc:Choice xmlns:v="urn:schemas-microsoft-com:vml" Requires="v">
-                <p:oleObj spid="_x0000_s1164" name="Equation" r:id="rId4" imgW="1117440" imgH="393480" progId="Equation.DSMT4">
+                <p:oleObj spid="_x0000_s1188" name="Equation" r:id="rId4" imgW="1117440" imgH="393480" progId="Equation.DSMT4">
                   <p:embed/>
                 </p:oleObj>
               </mc:Choice>
@@ -7575,7 +7576,7 @@
           <a:graphicData uri="http://schemas.openxmlformats.org/presentationml/2006/ole">
             <mc:AlternateContent xmlns:mc="http://schemas.openxmlformats.org/markup-compatibility/2006">
               <mc:Choice xmlns:v="urn:schemas-microsoft-com:vml" Requires="v">
-                <p:oleObj spid="_x0000_s1165" name="Equation" r:id="rId6" imgW="698400" imgH="393480" progId="Equation.DSMT4">
+                <p:oleObj spid="_x0000_s1189" name="Equation" r:id="rId6" imgW="698400" imgH="393480" progId="Equation.DSMT4">
                   <p:embed/>
                 </p:oleObj>
               </mc:Choice>
@@ -7645,7 +7646,7 @@
           <a:graphicData uri="http://schemas.openxmlformats.org/presentationml/2006/ole">
             <mc:AlternateContent xmlns:mc="http://schemas.openxmlformats.org/markup-compatibility/2006">
               <mc:Choice xmlns:v="urn:schemas-microsoft-com:vml" Requires="v">
-                <p:oleObj spid="_x0000_s1166" name="Equation" r:id="rId8" imgW="952200" imgH="393480" progId="Equation.DSMT4">
+                <p:oleObj spid="_x0000_s1190" name="Equation" r:id="rId8" imgW="952200" imgH="393480" progId="Equation.DSMT4">
                   <p:embed/>
                 </p:oleObj>
               </mc:Choice>
@@ -14385,29 +14386,6 @@
           </a:sp3d>
         </p:spPr>
       </p:pic>
-      <p:pic>
-        <p:nvPicPr>
-          <p:cNvPr id="6" name="Picture 5"/>
-          <p:cNvPicPr>
-            <a:picLocks noChangeAspect="1"/>
-          </p:cNvPicPr>
-          <p:nvPr/>
-        </p:nvPicPr>
-        <p:blipFill rotWithShape="1">
-          <a:blip r:embed="rId4"/>
-          <a:srcRect r="51229"/>
-          <a:stretch/>
-        </p:blipFill>
-        <p:spPr>
-          <a:xfrm>
-            <a:off x="844331" y="2408790"/>
-            <a:ext cx="5536840" cy="783982"/>
-          </a:xfrm>
-          <a:prstGeom prst="rect">
-            <a:avLst/>
-          </a:prstGeom>
-        </p:spPr>
-      </p:pic>
       <p:sp>
         <p:nvSpPr>
           <p:cNvPr id="7" name="Rectangle 6"/>
@@ -14450,75 +14428,995 @@
           </a:p>
         </p:txBody>
       </p:sp>
-      <p:pic>
-        <p:nvPicPr>
-          <p:cNvPr id="8" name="Picture 7"/>
-          <p:cNvPicPr>
-            <a:picLocks noChangeAspect="1"/>
-          </p:cNvPicPr>
+      <mc:AlternateContent xmlns:mc="http://schemas.openxmlformats.org/markup-compatibility/2006">
+        <mc:Choice xmlns:a14="http://schemas.microsoft.com/office/drawing/2010/main" Requires="a14">
+          <p:sp>
+            <p:nvSpPr>
+              <p:cNvPr id="11" name="TextBox 10"/>
+              <p:cNvSpPr txBox="1"/>
+              <p:nvPr/>
+            </p:nvSpPr>
+            <p:spPr>
+              <a:xfrm>
+                <a:off x="1360180" y="2464953"/>
+                <a:ext cx="6653722" cy="641009"/>
+              </a:xfrm>
+              <a:prstGeom prst="rect">
+                <a:avLst/>
+              </a:prstGeom>
+              <a:noFill/>
+            </p:spPr>
+            <p:txBody>
+              <a:bodyPr wrap="square" rtlCol="0">
+                <a:spAutoFit/>
+              </a:bodyPr>
+              <a:lstStyle/>
+              <a:p>
+                <a:r>
+                  <a:rPr lang="en-US" sz="2800" dirty="0" smtClean="0">
+                    <a:solidFill>
+                      <a:srgbClr val="0000CC"/>
+                    </a:solidFill>
+                  </a:rPr>
+                  <a:t>R(s) </a:t>
+                </a:r>
+                <a:r>
+                  <a:rPr lang="en-US" sz="2800" dirty="0" smtClean="0"/>
+                  <a:t>= L[r(t)] = </a:t>
+                </a:r>
+                <a14:m>
+                  <m:oMath xmlns:m="http://schemas.openxmlformats.org/officeDocument/2006/math">
+                    <m:nary>
+                      <m:naryPr>
+                        <m:ctrlPr>
+                          <a:rPr lang="en-US" sz="2800" i="1">
+                            <a:latin typeface="Cambria Math"/>
+                            <a:ea typeface="Cambria Math" panose="02040503050406030204" pitchFamily="18" charset="0"/>
+                          </a:rPr>
+                        </m:ctrlPr>
+                      </m:naryPr>
+                      <m:sub>
+                        <m:r>
+                          <a:rPr lang="en-US" sz="2800" b="0" i="1" smtClean="0">
+                            <a:latin typeface="Cambria Math"/>
+                            <a:ea typeface="Cambria Math" panose="02040503050406030204" pitchFamily="18" charset="0"/>
+                          </a:rPr>
+                          <m:t>0</m:t>
+                        </m:r>
+                        <m:r>
+                          <a:rPr lang="en-US" sz="2800" i="1">
+                            <a:latin typeface="Cambria Math"/>
+                            <a:ea typeface="Cambria Math" panose="02040503050406030204" pitchFamily="18" charset="0"/>
+                          </a:rPr>
+                          <m:t>−</m:t>
+                        </m:r>
+                      </m:sub>
+                      <m:sup>
+                        <m:r>
+                          <a:rPr lang="en-US" sz="2800" i="1">
+                            <a:latin typeface="Cambria Math" panose="02040503050406030204" pitchFamily="18" charset="0"/>
+                            <a:ea typeface="Cambria Math" panose="02040503050406030204" pitchFamily="18" charset="0"/>
+                          </a:rPr>
+                          <m:t>∞</m:t>
+                        </m:r>
+                      </m:sup>
+                      <m:e>
+                        <m:r>
+                          <a:rPr lang="en-US" sz="2800" i="1">
+                            <a:latin typeface="Cambria Math"/>
+                            <a:ea typeface="Cambria Math" panose="02040503050406030204" pitchFamily="18" charset="0"/>
+                          </a:rPr>
+                          <m:t> </m:t>
+                        </m:r>
+                      </m:e>
+                    </m:nary>
+                  </m:oMath>
+                </a14:m>
+                <a:r>
+                  <a:rPr lang="en-US" sz="2800" dirty="0" smtClean="0"/>
+                  <a:t> </a:t>
+                </a:r>
+                <a:r>
+                  <a:rPr lang="en-US" sz="2800" dirty="0" err="1" smtClean="0"/>
+                  <a:t>tu</a:t>
+                </a:r>
+                <a:r>
+                  <a:rPr lang="en-US" sz="2800" dirty="0" smtClean="0"/>
+                  <a:t>(t)e</a:t>
+                </a:r>
+                <a:r>
+                  <a:rPr lang="en-US" sz="2800" baseline="30000" dirty="0" smtClean="0"/>
+                  <a:t>-</a:t>
+                </a:r>
+                <a:r>
+                  <a:rPr lang="en-US" sz="2800" baseline="30000" dirty="0" err="1" smtClean="0"/>
+                  <a:t>st</a:t>
+                </a:r>
+                <a:r>
+                  <a:rPr lang="en-US" sz="2800" dirty="0" err="1" smtClean="0"/>
+                  <a:t>dt</a:t>
+                </a:r>
+                <a:endParaRPr lang="en-US" sz="2800" dirty="0"/>
+              </a:p>
+            </p:txBody>
+          </p:sp>
+        </mc:Choice>
+        <mc:Fallback>
+          <p:sp>
+            <p:nvSpPr>
+              <p:cNvPr id="11" name="TextBox 10"/>
+              <p:cNvSpPr txBox="1">
+                <a:spLocks noRot="1" noChangeAspect="1" noMove="1" noResize="1" noEditPoints="1" noAdjustHandles="1" noChangeArrowheads="1" noChangeShapeType="1" noTextEdit="1"/>
+              </p:cNvSpPr>
+              <p:nvPr/>
+            </p:nvSpPr>
+            <p:spPr>
+              <a:xfrm>
+                <a:off x="1360180" y="2464953"/>
+                <a:ext cx="6653722" cy="641009"/>
+              </a:xfrm>
+              <a:prstGeom prst="rect">
+                <a:avLst/>
+              </a:prstGeom>
+              <a:blipFill rotWithShape="1">
+                <a:blip r:embed="rId4"/>
+                <a:stretch>
+                  <a:fillRect l="-1832" b="-16981"/>
+                </a:stretch>
+              </a:blipFill>
+            </p:spPr>
+            <p:txBody>
+              <a:bodyPr/>
+              <a:lstStyle/>
+              <a:p>
+                <a:r>
+                  <a:rPr lang="en-US">
+                    <a:noFill/>
+                  </a:rPr>
+                  <a:t> </a:t>
+                </a:r>
+              </a:p>
+            </p:txBody>
+          </p:sp>
+        </mc:Fallback>
+      </mc:AlternateContent>
+      <mc:AlternateContent xmlns:mc="http://schemas.openxmlformats.org/markup-compatibility/2006">
+        <mc:Choice xmlns:a14="http://schemas.microsoft.com/office/drawing/2010/main" Requires="a14">
+          <p:sp>
+            <p:nvSpPr>
+              <p:cNvPr id="12" name="TextBox 11"/>
+              <p:cNvSpPr txBox="1"/>
+              <p:nvPr/>
+            </p:nvSpPr>
+            <p:spPr>
+              <a:xfrm>
+                <a:off x="1143000" y="3320357"/>
+                <a:ext cx="6281057" cy="724365"/>
+              </a:xfrm>
+              <a:prstGeom prst="rect">
+                <a:avLst/>
+              </a:prstGeom>
+              <a:noFill/>
+            </p:spPr>
+            <p:txBody>
+              <a:bodyPr wrap="square" rtlCol="0">
+                <a:spAutoFit/>
+              </a:bodyPr>
+              <a:lstStyle/>
+              <a:p>
+                <a:r>
+                  <a:rPr lang="en-US" sz="2800" dirty="0" smtClean="0">
+                    <a:ea typeface="Cambria Math" panose="02040503050406030204" pitchFamily="18" charset="0"/>
+                  </a:rPr>
+                  <a:t>= </a:t>
+                </a:r>
+                <a14:m>
+                  <m:oMath xmlns:m="http://schemas.openxmlformats.org/officeDocument/2006/math">
+                    <m:nary>
+                      <m:naryPr>
+                        <m:ctrlPr>
+                          <a:rPr lang="en-US" sz="2800" i="1">
+                            <a:latin typeface="Cambria Math"/>
+                            <a:ea typeface="Cambria Math" panose="02040503050406030204" pitchFamily="18" charset="0"/>
+                          </a:rPr>
+                        </m:ctrlPr>
+                      </m:naryPr>
+                      <m:sub>
+                        <m:r>
+                          <a:rPr lang="en-US" sz="2800" i="1">
+                            <a:latin typeface="Cambria Math"/>
+                            <a:ea typeface="Cambria Math" panose="02040503050406030204" pitchFamily="18" charset="0"/>
+                          </a:rPr>
+                          <m:t>0</m:t>
+                        </m:r>
+                        <m:r>
+                          <a:rPr lang="en-US" sz="2800" i="1">
+                            <a:latin typeface="Cambria Math"/>
+                            <a:ea typeface="Cambria Math" panose="02040503050406030204" pitchFamily="18" charset="0"/>
+                          </a:rPr>
+                          <m:t>−</m:t>
+                        </m:r>
+                      </m:sub>
+                      <m:sup>
+                        <m:r>
+                          <a:rPr lang="en-US" sz="2800" i="1">
+                            <a:latin typeface="Cambria Math" panose="02040503050406030204" pitchFamily="18" charset="0"/>
+                            <a:ea typeface="Cambria Math" panose="02040503050406030204" pitchFamily="18" charset="0"/>
+                          </a:rPr>
+                          <m:t>∞</m:t>
+                        </m:r>
+                      </m:sup>
+                      <m:e>
+                        <m:r>
+                          <a:rPr lang="en-US" sz="2800" b="0" i="1" smtClean="0">
+                            <a:latin typeface="Cambria Math"/>
+                            <a:ea typeface="Cambria Math" panose="02040503050406030204" pitchFamily="18" charset="0"/>
+                          </a:rPr>
+                          <m:t>𝑡𝑒</m:t>
+                        </m:r>
+                        <m:r>
+                          <a:rPr lang="en-US" sz="2800" b="0" i="1" baseline="30000" smtClean="0">
+                            <a:latin typeface="Cambria Math"/>
+                            <a:ea typeface="Cambria Math" panose="02040503050406030204" pitchFamily="18" charset="0"/>
+                          </a:rPr>
+                          <m:t>−</m:t>
+                        </m:r>
+                        <m:r>
+                          <a:rPr lang="en-US" sz="2800" b="0" i="1" baseline="30000" smtClean="0">
+                            <a:latin typeface="Cambria Math"/>
+                            <a:ea typeface="Cambria Math" panose="02040503050406030204" pitchFamily="18" charset="0"/>
+                          </a:rPr>
+                          <m:t>𝑠𝑡𝑑</m:t>
+                        </m:r>
+                        <m:r>
+                          <a:rPr lang="en-US" sz="2800" b="0" i="1" smtClean="0">
+                            <a:latin typeface="Cambria Math"/>
+                            <a:ea typeface="Cambria Math" panose="02040503050406030204" pitchFamily="18" charset="0"/>
+                          </a:rPr>
+                          <m:t>𝑡</m:t>
+                        </m:r>
+                        <m:r>
+                          <a:rPr lang="en-US" sz="2800" b="0" i="1" smtClean="0">
+                            <a:latin typeface="Cambria Math"/>
+                            <a:ea typeface="Cambria Math" panose="02040503050406030204" pitchFamily="18" charset="0"/>
+                          </a:rPr>
+                          <m:t>=</m:t>
+                        </m:r>
+                        <m:nary>
+                          <m:naryPr>
+                            <m:ctrlPr>
+                              <a:rPr lang="en-US" sz="2800" i="1">
+                                <a:latin typeface="Cambria Math"/>
+                                <a:ea typeface="Cambria Math" panose="02040503050406030204" pitchFamily="18" charset="0"/>
+                              </a:rPr>
+                            </m:ctrlPr>
+                          </m:naryPr>
+                          <m:sub>
+                            <m:r>
+                              <a:rPr lang="en-US" sz="2800" i="1">
+                                <a:latin typeface="Cambria Math"/>
+                                <a:ea typeface="Cambria Math" panose="02040503050406030204" pitchFamily="18" charset="0"/>
+                              </a:rPr>
+                              <m:t>0</m:t>
+                            </m:r>
+                            <m:r>
+                              <a:rPr lang="en-US" sz="2800" i="1">
+                                <a:latin typeface="Cambria Math"/>
+                                <a:ea typeface="Cambria Math" panose="02040503050406030204" pitchFamily="18" charset="0"/>
+                              </a:rPr>
+                              <m:t>−</m:t>
+                            </m:r>
+                          </m:sub>
+                          <m:sup>
+                            <m:r>
+                              <a:rPr lang="en-US" sz="2800" i="1">
+                                <a:latin typeface="Cambria Math" panose="02040503050406030204" pitchFamily="18" charset="0"/>
+                                <a:ea typeface="Cambria Math" panose="02040503050406030204" pitchFamily="18" charset="0"/>
+                              </a:rPr>
+                              <m:t>∞</m:t>
+                            </m:r>
+                          </m:sup>
+                          <m:e>
+                            <m:r>
+                              <a:rPr lang="en-US" sz="2800" i="1">
+                                <a:latin typeface="Cambria Math"/>
+                                <a:ea typeface="Cambria Math" panose="02040503050406030204" pitchFamily="18" charset="0"/>
+                              </a:rPr>
+                              <m:t> </m:t>
+                            </m:r>
+                          </m:e>
+                        </m:nary>
+                        <m:r>
+                          <a:rPr lang="en-US" sz="2800" b="0" i="1" smtClean="0">
+                            <a:latin typeface="Cambria Math"/>
+                            <a:ea typeface="Cambria Math" panose="02040503050406030204" pitchFamily="18" charset="0"/>
+                          </a:rPr>
+                          <m:t>−</m:t>
+                        </m:r>
+                        <m:f>
+                          <m:fPr>
+                            <m:ctrlPr>
+                              <a:rPr lang="en-US" sz="2800" i="1">
+                                <a:latin typeface="Cambria Math"/>
+                              </a:rPr>
+                            </m:ctrlPr>
+                          </m:fPr>
+                          <m:num>
+                            <m:r>
+                              <m:rPr>
+                                <m:sty m:val="p"/>
+                              </m:rPr>
+                              <a:rPr lang="en-US" sz="2800" b="0" i="0" smtClean="0">
+                                <a:latin typeface="Cambria Math"/>
+                              </a:rPr>
+                              <m:t>d</m:t>
+                            </m:r>
+                          </m:num>
+                          <m:den>
+                            <m:r>
+                              <m:rPr>
+                                <m:sty m:val="p"/>
+                              </m:rPr>
+                              <a:rPr lang="en-US" sz="2800" b="0" i="0" smtClean="0">
+                                <a:latin typeface="Cambria Math"/>
+                              </a:rPr>
+                              <m:t>d</m:t>
+                            </m:r>
+                            <m:r>
+                              <a:rPr lang="en-US" sz="2800">
+                                <a:latin typeface="Cambria Math"/>
+                              </a:rPr>
+                              <m:t>𝑠</m:t>
+                            </m:r>
+                          </m:den>
+                        </m:f>
+                        <m:d>
+                          <m:dPr>
+                            <m:ctrlPr>
+                              <a:rPr lang="en-US" sz="2800" b="0" i="1" smtClean="0">
+                                <a:latin typeface="Cambria Math"/>
+                                <a:ea typeface="Cambria Math" panose="02040503050406030204" pitchFamily="18" charset="0"/>
+                              </a:rPr>
+                            </m:ctrlPr>
+                          </m:dPr>
+                          <m:e>
+                            <m:r>
+                              <a:rPr lang="en-US" sz="2800" b="0" i="1" smtClean="0">
+                                <a:latin typeface="Cambria Math"/>
+                                <a:ea typeface="Cambria Math" panose="02040503050406030204" pitchFamily="18" charset="0"/>
+                              </a:rPr>
+                              <m:t>𝑒</m:t>
+                            </m:r>
+                            <m:r>
+                              <a:rPr lang="en-US" sz="2800" b="0" i="1" baseline="30000" smtClean="0">
+                                <a:latin typeface="Cambria Math"/>
+                                <a:ea typeface="Cambria Math" panose="02040503050406030204" pitchFamily="18" charset="0"/>
+                              </a:rPr>
+                              <m:t>−</m:t>
+                            </m:r>
+                            <m:r>
+                              <a:rPr lang="en-US" sz="2800" b="0" i="1" baseline="30000" smtClean="0">
+                                <a:latin typeface="Cambria Math"/>
+                                <a:ea typeface="Cambria Math" panose="02040503050406030204" pitchFamily="18" charset="0"/>
+                              </a:rPr>
+                              <m:t>𝑠𝑡</m:t>
+                            </m:r>
+                          </m:e>
+                        </m:d>
+                        <m:r>
+                          <a:rPr lang="en-US" sz="2800" b="0" i="1" smtClean="0">
+                            <a:latin typeface="Cambria Math"/>
+                            <a:ea typeface="Cambria Math" panose="02040503050406030204" pitchFamily="18" charset="0"/>
+                          </a:rPr>
+                          <m:t>𝑑𝑡</m:t>
+                        </m:r>
+                      </m:e>
+                    </m:nary>
+                  </m:oMath>
+                </a14:m>
+                <a:endParaRPr lang="en-US" sz="2800" dirty="0"/>
+              </a:p>
+            </p:txBody>
+          </p:sp>
+        </mc:Choice>
+        <mc:Fallback>
+          <p:sp>
+            <p:nvSpPr>
+              <p:cNvPr id="12" name="TextBox 11"/>
+              <p:cNvSpPr txBox="1">
+                <a:spLocks noRot="1" noChangeAspect="1" noMove="1" noResize="1" noEditPoints="1" noAdjustHandles="1" noChangeArrowheads="1" noChangeShapeType="1" noTextEdit="1"/>
+              </p:cNvSpPr>
+              <p:nvPr/>
+            </p:nvSpPr>
+            <p:spPr>
+              <a:xfrm>
+                <a:off x="1143000" y="3320357"/>
+                <a:ext cx="6281057" cy="724365"/>
+              </a:xfrm>
+              <a:prstGeom prst="rect">
+                <a:avLst/>
+              </a:prstGeom>
+              <a:blipFill rotWithShape="1">
+                <a:blip r:embed="rId5"/>
+                <a:stretch>
+                  <a:fillRect l="-2039" b="-10924"/>
+                </a:stretch>
+              </a:blipFill>
+            </p:spPr>
+            <p:txBody>
+              <a:bodyPr/>
+              <a:lstStyle/>
+              <a:p>
+                <a:r>
+                  <a:rPr lang="en-US">
+                    <a:noFill/>
+                  </a:rPr>
+                  <a:t> </a:t>
+                </a:r>
+              </a:p>
+            </p:txBody>
+          </p:sp>
+        </mc:Fallback>
+      </mc:AlternateContent>
+      <mc:AlternateContent xmlns:mc="http://schemas.openxmlformats.org/markup-compatibility/2006">
+        <mc:Choice xmlns:a14="http://schemas.microsoft.com/office/drawing/2010/main" Requires="a14">
+          <p:sp>
+            <p:nvSpPr>
+              <p:cNvPr id="13" name="TextBox 12"/>
+              <p:cNvSpPr txBox="1"/>
+              <p:nvPr/>
+            </p:nvSpPr>
+            <p:spPr>
+              <a:xfrm>
+                <a:off x="1143000" y="4169229"/>
+                <a:ext cx="5671457" cy="918713"/>
+              </a:xfrm>
+              <a:prstGeom prst="rect">
+                <a:avLst/>
+              </a:prstGeom>
+              <a:noFill/>
+            </p:spPr>
+            <p:txBody>
+              <a:bodyPr wrap="square" rtlCol="0">
+                <a:spAutoFit/>
+              </a:bodyPr>
+              <a:lstStyle/>
+              <a:p>
+                <a:r>
+                  <a:rPr lang="en-US" sz="2800" dirty="0" smtClean="0"/>
+                  <a:t>= -</a:t>
+                </a:r>
+                <a:r>
+                  <a:rPr lang="en-US" sz="2800" dirty="0"/>
+                  <a:t> </a:t>
+                </a:r>
+                <a14:m>
+                  <m:oMath xmlns:m="http://schemas.openxmlformats.org/officeDocument/2006/math">
+                    <m:f>
+                      <m:fPr>
+                        <m:ctrlPr>
+                          <a:rPr lang="en-US" sz="2800" i="1">
+                            <a:latin typeface="Cambria Math"/>
+                          </a:rPr>
+                        </m:ctrlPr>
+                      </m:fPr>
+                      <m:num>
+                        <m:r>
+                          <m:rPr>
+                            <m:sty m:val="p"/>
+                          </m:rPr>
+                          <a:rPr lang="en-US" sz="2800" b="0" i="0" smtClean="0">
+                            <a:latin typeface="Cambria Math"/>
+                          </a:rPr>
+                          <m:t>d</m:t>
+                        </m:r>
+                      </m:num>
+                      <m:den>
+                        <m:r>
+                          <m:rPr>
+                            <m:sty m:val="p"/>
+                          </m:rPr>
+                          <a:rPr lang="en-US" sz="2800" b="0" i="0" smtClean="0">
+                            <a:latin typeface="Cambria Math"/>
+                          </a:rPr>
+                          <m:t>d</m:t>
+                        </m:r>
+                        <m:r>
+                          <a:rPr lang="en-US" sz="2800">
+                            <a:latin typeface="Cambria Math"/>
+                          </a:rPr>
+                          <m:t>𝑠</m:t>
+                        </m:r>
+                      </m:den>
+                    </m:f>
+                    <m:nary>
+                      <m:naryPr>
+                        <m:ctrlPr>
+                          <a:rPr lang="en-US" sz="2800" i="1">
+                            <a:latin typeface="Cambria Math"/>
+                            <a:ea typeface="Cambria Math" panose="02040503050406030204" pitchFamily="18" charset="0"/>
+                          </a:rPr>
+                        </m:ctrlPr>
+                      </m:naryPr>
+                      <m:sub>
+                        <m:r>
+                          <a:rPr lang="en-US" sz="2800" i="1">
+                            <a:latin typeface="Cambria Math"/>
+                            <a:ea typeface="Cambria Math" panose="02040503050406030204" pitchFamily="18" charset="0"/>
+                          </a:rPr>
+                          <m:t>0−</m:t>
+                        </m:r>
+                      </m:sub>
+                      <m:sup>
+                        <m:r>
+                          <a:rPr lang="en-US" sz="2800" i="1">
+                            <a:latin typeface="Cambria Math" panose="02040503050406030204" pitchFamily="18" charset="0"/>
+                            <a:ea typeface="Cambria Math" panose="02040503050406030204" pitchFamily="18" charset="0"/>
+                          </a:rPr>
+                          <m:t>∞</m:t>
+                        </m:r>
+                      </m:sup>
+                      <m:e>
+                        <m:r>
+                          <a:rPr lang="en-US" sz="2800" i="1">
+                            <a:latin typeface="Cambria Math"/>
+                            <a:ea typeface="Cambria Math" panose="02040503050406030204" pitchFamily="18" charset="0"/>
+                          </a:rPr>
+                          <m:t> </m:t>
+                        </m:r>
+                      </m:e>
+                    </m:nary>
+                  </m:oMath>
+                </a14:m>
+                <a:r>
+                  <a:rPr lang="en-US" sz="2800" dirty="0" smtClean="0"/>
+                  <a:t>e</a:t>
+                </a:r>
+                <a:r>
+                  <a:rPr lang="en-US" sz="2800" baseline="30000" dirty="0" smtClean="0"/>
+                  <a:t>-</a:t>
+                </a:r>
+                <a:r>
+                  <a:rPr lang="en-US" sz="2800" baseline="30000" dirty="0" err="1" smtClean="0"/>
+                  <a:t>st</a:t>
+                </a:r>
+                <a:r>
+                  <a:rPr lang="en-US" sz="2800" dirty="0" smtClean="0"/>
+                  <a:t> </a:t>
+                </a:r>
+                <a:r>
+                  <a:rPr lang="en-US" sz="2800" dirty="0" err="1" smtClean="0"/>
+                  <a:t>dt</a:t>
+                </a:r>
+                <a:r>
+                  <a:rPr lang="en-US" sz="2800" dirty="0" smtClean="0"/>
+                  <a:t> = - </a:t>
+                </a:r>
+                <a14:m>
+                  <m:oMath xmlns:m="http://schemas.openxmlformats.org/officeDocument/2006/math">
+                    <m:f>
+                      <m:fPr>
+                        <m:ctrlPr>
+                          <a:rPr lang="en-US" sz="2800" i="1">
+                            <a:latin typeface="Cambria Math"/>
+                          </a:rPr>
+                        </m:ctrlPr>
+                      </m:fPr>
+                      <m:num>
+                        <m:r>
+                          <m:rPr>
+                            <m:sty m:val="p"/>
+                          </m:rPr>
+                          <a:rPr lang="en-US" sz="2800">
+                            <a:latin typeface="Cambria Math"/>
+                          </a:rPr>
+                          <m:t>d</m:t>
+                        </m:r>
+                      </m:num>
+                      <m:den>
+                        <m:r>
+                          <m:rPr>
+                            <m:sty m:val="p"/>
+                          </m:rPr>
+                          <a:rPr lang="en-US" sz="2800">
+                            <a:latin typeface="Cambria Math"/>
+                          </a:rPr>
+                          <m:t>d</m:t>
+                        </m:r>
+                        <m:r>
+                          <a:rPr lang="en-US" sz="2800">
+                            <a:latin typeface="Cambria Math"/>
+                          </a:rPr>
+                          <m:t>𝑠</m:t>
+                        </m:r>
+                      </m:den>
+                    </m:f>
+                    <m:r>
+                      <a:rPr lang="en-US" sz="2800" b="0" i="0" smtClean="0">
+                        <a:latin typeface="Cambria Math"/>
+                      </a:rPr>
+                      <m:t>(</m:t>
+                    </m:r>
+                    <m:d>
+                      <m:dPr>
+                        <m:begChr m:val="["/>
+                        <m:endChr m:val="]"/>
+                        <m:ctrlPr>
+                          <a:rPr lang="en-US" sz="2800" i="1">
+                            <a:latin typeface="Cambria Math"/>
+                          </a:rPr>
+                        </m:ctrlPr>
+                      </m:dPr>
+                      <m:e>
+                        <m:f>
+                          <m:fPr>
+                            <m:ctrlPr>
+                              <a:rPr lang="en-US" sz="2800" i="1">
+                                <a:latin typeface="Cambria Math"/>
+                              </a:rPr>
+                            </m:ctrlPr>
+                          </m:fPr>
+                          <m:num>
+                            <m:r>
+                              <m:rPr>
+                                <m:sty m:val="p"/>
+                              </m:rPr>
+                              <a:rPr lang="en-US" sz="2800">
+                                <a:latin typeface="Cambria Math"/>
+                              </a:rPr>
+                              <m:t>e</m:t>
+                            </m:r>
+                            <m:r>
+                              <a:rPr lang="en-US" sz="2800" baseline="30000">
+                                <a:latin typeface="Cambria Math"/>
+                              </a:rPr>
+                              <m:t>−</m:t>
+                            </m:r>
+                            <m:r>
+                              <m:rPr>
+                                <m:sty m:val="p"/>
+                              </m:rPr>
+                              <a:rPr lang="en-US" sz="2800" baseline="30000">
+                                <a:latin typeface="Cambria Math"/>
+                              </a:rPr>
+                              <m:t>st</m:t>
+                            </m:r>
+                          </m:num>
+                          <m:den>
+                            <m:r>
+                              <a:rPr lang="en-US" sz="2800">
+                                <a:latin typeface="Cambria Math"/>
+                              </a:rPr>
+                              <m:t>−</m:t>
+                            </m:r>
+                            <m:r>
+                              <m:rPr>
+                                <m:sty m:val="p"/>
+                              </m:rPr>
+                              <a:rPr lang="en-US" sz="2800">
+                                <a:latin typeface="Cambria Math"/>
+                              </a:rPr>
+                              <m:t>s</m:t>
+                            </m:r>
+                          </m:den>
+                        </m:f>
+                      </m:e>
+                    </m:d>
+                    <m:r>
+                      <a:rPr lang="en-US" sz="2800" i="1" baseline="72000">
+                        <a:latin typeface="Cambria Math" panose="02040503050406030204" pitchFamily="18" charset="0"/>
+                        <a:ea typeface="Cambria Math" panose="02040503050406030204" pitchFamily="18" charset="0"/>
+                      </a:rPr>
+                      <m:t>∞</m:t>
+                    </m:r>
+                    <m:r>
+                      <a:rPr lang="en-US" sz="2800" i="1" baseline="-48000">
+                        <a:latin typeface="Cambria Math"/>
+                        <a:ea typeface="Cambria Math" panose="02040503050406030204" pitchFamily="18" charset="0"/>
+                      </a:rPr>
+                      <m:t>0−</m:t>
+                    </m:r>
+                    <m:r>
+                      <a:rPr lang="en-US" sz="2800" b="0" i="0" smtClean="0">
+                        <a:latin typeface="Cambria Math"/>
+                      </a:rPr>
+                      <m:t>)</m:t>
+                    </m:r>
+                  </m:oMath>
+                </a14:m>
+                <a:endParaRPr lang="en-US" sz="2800" baseline="-48000" dirty="0" smtClean="0">
+                  <a:ea typeface="Cambria Math" panose="02040503050406030204" pitchFamily="18" charset="0"/>
+                </a:endParaRPr>
+              </a:p>
+              <a:p>
+                <a:endParaRPr lang="en-US" baseline="30000" dirty="0"/>
+              </a:p>
+            </p:txBody>
+          </p:sp>
+        </mc:Choice>
+        <mc:Fallback>
+          <p:sp>
+            <p:nvSpPr>
+              <p:cNvPr id="13" name="TextBox 12"/>
+              <p:cNvSpPr txBox="1">
+                <a:spLocks noRot="1" noChangeAspect="1" noMove="1" noResize="1" noEditPoints="1" noAdjustHandles="1" noChangeArrowheads="1" noChangeShapeType="1" noTextEdit="1"/>
+              </p:cNvSpPr>
+              <p:nvPr/>
+            </p:nvSpPr>
+            <p:spPr>
+              <a:xfrm>
+                <a:off x="1143000" y="4169229"/>
+                <a:ext cx="5671457" cy="918713"/>
+              </a:xfrm>
+              <a:prstGeom prst="rect">
+                <a:avLst/>
+              </a:prstGeom>
+              <a:blipFill rotWithShape="1">
+                <a:blip r:embed="rId6"/>
+                <a:stretch>
+                  <a:fillRect l="-2258"/>
+                </a:stretch>
+              </a:blipFill>
+            </p:spPr>
+            <p:txBody>
+              <a:bodyPr/>
+              <a:lstStyle/>
+              <a:p>
+                <a:r>
+                  <a:rPr lang="en-US">
+                    <a:noFill/>
+                  </a:rPr>
+                  <a:t> </a:t>
+                </a:r>
+              </a:p>
+            </p:txBody>
+          </p:sp>
+        </mc:Fallback>
+      </mc:AlternateContent>
+      <mc:AlternateContent xmlns:mc="http://schemas.openxmlformats.org/markup-compatibility/2006">
+        <mc:Choice xmlns:a14="http://schemas.microsoft.com/office/drawing/2010/main" Requires="a14">
+          <p:sp>
+            <p:nvSpPr>
+              <p:cNvPr id="14" name="TextBox 13"/>
+              <p:cNvSpPr txBox="1"/>
+              <p:nvPr/>
+            </p:nvSpPr>
+            <p:spPr>
+              <a:xfrm>
+                <a:off x="1360180" y="5312504"/>
+                <a:ext cx="3549277" cy="737189"/>
+              </a:xfrm>
+              <a:prstGeom prst="rect">
+                <a:avLst/>
+              </a:prstGeom>
+              <a:noFill/>
+            </p:spPr>
+            <p:txBody>
+              <a:bodyPr wrap="square" rtlCol="0">
+                <a:spAutoFit/>
+              </a:bodyPr>
+              <a:lstStyle/>
+              <a:p>
+                <a:r>
+                  <a:rPr lang="en-US" sz="2800" dirty="0" smtClean="0"/>
+                  <a:t>= </a:t>
+                </a:r>
+                <a14:m>
+                  <m:oMath xmlns:m="http://schemas.openxmlformats.org/officeDocument/2006/math">
+                    <m:f>
+                      <m:fPr>
+                        <m:ctrlPr>
+                          <a:rPr lang="en-US" sz="2800" i="1">
+                            <a:latin typeface="Cambria Math"/>
+                          </a:rPr>
+                        </m:ctrlPr>
+                      </m:fPr>
+                      <m:num>
+                        <m:r>
+                          <a:rPr lang="en-US" sz="2800" b="0" i="1" smtClean="0">
+                            <a:latin typeface="Cambria Math"/>
+                          </a:rPr>
+                          <m:t>−</m:t>
+                        </m:r>
+                        <m:r>
+                          <m:rPr>
+                            <m:sty m:val="p"/>
+                          </m:rPr>
+                          <a:rPr lang="en-US" sz="2800">
+                            <a:latin typeface="Cambria Math"/>
+                          </a:rPr>
+                          <m:t>d</m:t>
+                        </m:r>
+                      </m:num>
+                      <m:den>
+                        <m:r>
+                          <m:rPr>
+                            <m:sty m:val="p"/>
+                          </m:rPr>
+                          <a:rPr lang="en-US" sz="2800">
+                            <a:latin typeface="Cambria Math"/>
+                          </a:rPr>
+                          <m:t>d</m:t>
+                        </m:r>
+                        <m:r>
+                          <a:rPr lang="en-US" sz="2800">
+                            <a:latin typeface="Cambria Math"/>
+                          </a:rPr>
+                          <m:t>𝑠</m:t>
+                        </m:r>
+                      </m:den>
+                    </m:f>
+                    <m:r>
+                      <a:rPr lang="en-US" sz="2800" b="0" i="1" smtClean="0">
+                        <a:latin typeface="Cambria Math"/>
+                      </a:rPr>
+                      <m:t> </m:t>
+                    </m:r>
+                    <m:d>
+                      <m:dPr>
+                        <m:ctrlPr>
+                          <a:rPr lang="en-US" sz="2800" b="0" i="1" smtClean="0">
+                            <a:latin typeface="Cambria Math"/>
+                          </a:rPr>
+                        </m:ctrlPr>
+                      </m:dPr>
+                      <m:e>
+                        <m:f>
+                          <m:fPr>
+                            <m:ctrlPr>
+                              <a:rPr lang="en-US" sz="2800" i="1">
+                                <a:latin typeface="Cambria Math"/>
+                              </a:rPr>
+                            </m:ctrlPr>
+                          </m:fPr>
+                          <m:num>
+                            <m:r>
+                              <a:rPr lang="en-US" sz="2800" b="0" i="0" smtClean="0">
+                                <a:latin typeface="Cambria Math"/>
+                              </a:rPr>
+                              <m:t>1</m:t>
+                            </m:r>
+                          </m:num>
+                          <m:den>
+                            <m:r>
+                              <a:rPr lang="en-US" sz="2800">
+                                <a:latin typeface="Cambria Math"/>
+                              </a:rPr>
+                              <m:t>𝑠</m:t>
+                            </m:r>
+                          </m:den>
+                        </m:f>
+                      </m:e>
+                    </m:d>
+                    <m:r>
+                      <a:rPr lang="en-US" sz="2800" b="0" i="1" smtClean="0">
+                        <a:latin typeface="Cambria Math"/>
+                      </a:rPr>
+                      <m:t>=</m:t>
+                    </m:r>
+                    <m:f>
+                      <m:fPr>
+                        <m:ctrlPr>
+                          <a:rPr lang="en-US" sz="2800" i="1" smtClean="0">
+                            <a:solidFill>
+                              <a:srgbClr val="0000CC"/>
+                            </a:solidFill>
+                            <a:latin typeface="Cambria Math"/>
+                          </a:rPr>
+                        </m:ctrlPr>
+                      </m:fPr>
+                      <m:num>
+                        <m:r>
+                          <a:rPr lang="en-US" sz="2800" b="0" i="0" smtClean="0">
+                            <a:solidFill>
+                              <a:srgbClr val="0000CC"/>
+                            </a:solidFill>
+                            <a:latin typeface="Cambria Math"/>
+                          </a:rPr>
+                          <m:t>1</m:t>
+                        </m:r>
+                      </m:num>
+                      <m:den>
+                        <m:r>
+                          <a:rPr lang="en-US" sz="2800">
+                            <a:solidFill>
+                              <a:srgbClr val="0000CC"/>
+                            </a:solidFill>
+                            <a:latin typeface="Cambria Math"/>
+                          </a:rPr>
+                          <m:t>𝑠</m:t>
+                        </m:r>
+                        <m:r>
+                          <a:rPr lang="en-US" sz="2800" b="0" i="0" baseline="30000" smtClean="0">
+                            <a:solidFill>
+                              <a:srgbClr val="0000CC"/>
+                            </a:solidFill>
+                            <a:latin typeface="Cambria Math"/>
+                          </a:rPr>
+                          <m:t>2</m:t>
+                        </m:r>
+                      </m:den>
+                    </m:f>
+                  </m:oMath>
+                </a14:m>
+                <a:endParaRPr lang="en-US" sz="2800" dirty="0">
+                  <a:solidFill>
+                    <a:srgbClr val="0000CC"/>
+                  </a:solidFill>
+                </a:endParaRPr>
+              </a:p>
+            </p:txBody>
+          </p:sp>
+        </mc:Choice>
+        <mc:Fallback>
+          <p:sp>
+            <p:nvSpPr>
+              <p:cNvPr id="14" name="TextBox 13"/>
+              <p:cNvSpPr txBox="1">
+                <a:spLocks noRot="1" noChangeAspect="1" noMove="1" noResize="1" noEditPoints="1" noAdjustHandles="1" noChangeArrowheads="1" noChangeShapeType="1" noTextEdit="1"/>
+              </p:cNvSpPr>
+              <p:nvPr/>
+            </p:nvSpPr>
+            <p:spPr>
+              <a:xfrm>
+                <a:off x="1360180" y="5312504"/>
+                <a:ext cx="3549277" cy="737189"/>
+              </a:xfrm>
+              <a:prstGeom prst="rect">
+                <a:avLst/>
+              </a:prstGeom>
+              <a:blipFill rotWithShape="1">
+                <a:blip r:embed="rId7"/>
+                <a:stretch>
+                  <a:fillRect l="-3436" b="-9091"/>
+                </a:stretch>
+              </a:blipFill>
+            </p:spPr>
+            <p:txBody>
+              <a:bodyPr/>
+              <a:lstStyle/>
+              <a:p>
+                <a:r>
+                  <a:rPr lang="en-US">
+                    <a:noFill/>
+                  </a:rPr>
+                  <a:t> </a:t>
+                </a:r>
+              </a:p>
+            </p:txBody>
+          </p:sp>
+        </mc:Fallback>
+      </mc:AlternateContent>
+      <p:sp>
+        <p:nvSpPr>
+          <p:cNvPr id="15" name="TextBox 14"/>
+          <p:cNvSpPr txBox="1"/>
           <p:nvPr/>
-        </p:nvPicPr>
-        <p:blipFill rotWithShape="1">
-          <a:blip r:embed="rId5"/>
-          <a:srcRect r="29758"/>
-          <a:stretch/>
-        </p:blipFill>
+        </p:nvSpPr>
         <p:spPr>
           <a:xfrm>
-            <a:off x="1773304" y="4274466"/>
-            <a:ext cx="5827475" cy="1114425"/>
+            <a:off x="250371" y="272143"/>
+            <a:ext cx="2057400" cy="369332"/>
           </a:xfrm>
           <a:prstGeom prst="rect">
             <a:avLst/>
           </a:prstGeom>
+          <a:noFill/>
         </p:spPr>
-      </p:pic>
-      <p:pic>
-        <p:nvPicPr>
-          <p:cNvPr id="9" name="Picture 8"/>
-          <p:cNvPicPr>
-            <a:picLocks noChangeAspect="1"/>
-          </p:cNvPicPr>
-          <p:nvPr/>
-        </p:nvPicPr>
-        <p:blipFill rotWithShape="1">
-          <a:blip r:embed="rId4"/>
-          <a:srcRect l="49080"/>
-          <a:stretch/>
-        </p:blipFill>
-        <p:spPr>
-          <a:xfrm>
-            <a:off x="1820008" y="3341628"/>
-            <a:ext cx="5780771" cy="783982"/>
-          </a:xfrm>
-          <a:prstGeom prst="rect">
-            <a:avLst/>
-          </a:prstGeom>
-        </p:spPr>
-      </p:pic>
-      <p:pic>
-        <p:nvPicPr>
-          <p:cNvPr id="10" name="Picture 9"/>
-          <p:cNvPicPr>
-            <a:picLocks noChangeAspect="1"/>
-          </p:cNvPicPr>
-          <p:nvPr/>
-        </p:nvPicPr>
-        <p:blipFill rotWithShape="1">
-          <a:blip r:embed="rId5"/>
-          <a:srcRect l="71106"/>
-          <a:stretch/>
-        </p:blipFill>
-        <p:spPr>
-          <a:xfrm>
-            <a:off x="1773304" y="5537747"/>
-            <a:ext cx="2397152" cy="1114425"/>
-          </a:xfrm>
-          <a:prstGeom prst="rect">
-            <a:avLst/>
-          </a:prstGeom>
-        </p:spPr>
-      </p:pic>
+        <p:txBody>
+          <a:bodyPr wrap="square" rtlCol="0">
+            <a:spAutoFit/>
+          </a:bodyPr>
+          <a:lstStyle/>
+          <a:p>
+            <a:r>
+              <a:rPr lang="en-US" dirty="0" err="1" smtClean="0"/>
+              <a:t>salman</a:t>
+            </a:r>
+            <a:endParaRPr lang="en-US" dirty="0"/>
+          </a:p>
+        </p:txBody>
+      </p:sp>
     </p:spTree>
     <p:extLst>
       <p:ext uri="{BB962C8B-B14F-4D97-AF65-F5344CB8AC3E}">
@@ -15462,24 +16360,33 @@
             <a:r>
               <a:rPr lang="en-US" sz="4000" b="1" dirty="0">
                 <a:solidFill>
-                  <a:srgbClr val="0000CC"/>
+                  <a:srgbClr val="00B050"/>
                 </a:solidFill>
                 <a:latin typeface="Cambria" panose="02040503050406030204" pitchFamily="18" charset="0"/>
               </a:rPr>
-              <a:t>Example </a:t>
-            </a:r>
-            <a:r>
-              <a:rPr lang="lv-LV" sz="4000" b="1" dirty="0">
+              <a:t>Example</a:t>
+            </a:r>
+            <a:r>
+              <a:rPr lang="en-US" sz="4000" b="1" dirty="0">
                 <a:solidFill>
                   <a:srgbClr val="0000CC"/>
                 </a:solidFill>
                 <a:latin typeface="Cambria" panose="02040503050406030204" pitchFamily="18" charset="0"/>
               </a:rPr>
+              <a:t> </a:t>
+            </a:r>
+            <a:r>
+              <a:rPr lang="lv-LV" sz="4000" b="1" dirty="0">
+                <a:solidFill>
+                  <a:srgbClr val="00B050"/>
+                </a:solidFill>
+                <a:latin typeface="Cambria" panose="02040503050406030204" pitchFamily="18" charset="0"/>
+              </a:rPr>
               <a:t>3</a:t>
             </a:r>
             <a:endParaRPr lang="en-US" sz="4000" b="1" dirty="0">
               <a:solidFill>
-                <a:srgbClr val="0000CC"/>
+                <a:srgbClr val="00B050"/>
               </a:solidFill>
               <a:latin typeface="Cambria" panose="02040503050406030204" pitchFamily="18" charset="0"/>
             </a:endParaRPr>
@@ -16180,6 +17087,1836 @@
           <a:chExt cx="0" cy="0"/>
         </a:xfrm>
       </p:grpSpPr>
+      <p:pic>
+        <p:nvPicPr>
+          <p:cNvPr id="4" name="Picture 3"/>
+          <p:cNvPicPr>
+            <a:picLocks noChangeAspect="1"/>
+          </p:cNvPicPr>
+          <p:nvPr/>
+        </p:nvPicPr>
+        <p:blipFill>
+          <a:blip r:embed="rId2" cstate="print"/>
+          <a:stretch>
+            <a:fillRect/>
+          </a:stretch>
+        </p:blipFill>
+        <p:spPr>
+          <a:xfrm>
+            <a:off x="8378066" y="1391890"/>
+            <a:ext cx="3690909" cy="2060905"/>
+          </a:xfrm>
+          <a:prstGeom prst="rect">
+            <a:avLst/>
+          </a:prstGeom>
+        </p:spPr>
+      </p:pic>
+      <mc:AlternateContent xmlns:mc="http://schemas.openxmlformats.org/markup-compatibility/2006" xmlns:a14="http://schemas.microsoft.com/office/drawing/2010/main">
+        <mc:Choice Requires="a14">
+          <p:sp>
+            <p:nvSpPr>
+              <p:cNvPr id="6" name="TextBox 5"/>
+              <p:cNvSpPr txBox="1"/>
+              <p:nvPr/>
+            </p:nvSpPr>
+            <p:spPr>
+              <a:xfrm>
+                <a:off x="3024188" y="1555604"/>
+                <a:ext cx="4951459" cy="696729"/>
+              </a:xfrm>
+              <a:prstGeom prst="rect">
+                <a:avLst/>
+              </a:prstGeom>
+              <a:noFill/>
+            </p:spPr>
+            <p:txBody>
+              <a:bodyPr wrap="square" lIns="0" tIns="0" rIns="0" bIns="0" rtlCol="0">
+                <a:spAutoFit/>
+              </a:bodyPr>
+              <a:lstStyle/>
+              <a:p>
+                <a:r>
+                  <a:rPr lang="en-US" sz="3200" dirty="0">
+                    <a:latin typeface="Cambria Math" panose="02040503050406030204" pitchFamily="18" charset="0"/>
+                    <a:ea typeface="Cambria Math" panose="02040503050406030204" pitchFamily="18" charset="0"/>
+                  </a:rPr>
+                  <a:t>f</a:t>
+                </a:r>
+                <a14:m>
+                  <m:oMath xmlns:m="http://schemas.openxmlformats.org/officeDocument/2006/math">
+                    <m:d>
+                      <m:dPr>
+                        <m:ctrlPr>
+                          <a:rPr lang="en-US" sz="3200" b="0" i="1" smtClean="0">
+                            <a:solidFill>
+                              <a:schemeClr val="tx1"/>
+                            </a:solidFill>
+                            <a:latin typeface="Cambria Math"/>
+                            <a:ea typeface="Cambria Math" panose="02040503050406030204" pitchFamily="18" charset="0"/>
+                          </a:rPr>
+                        </m:ctrlPr>
+                      </m:dPr>
+                      <m:e>
+                        <m:r>
+                          <a:rPr lang="en-US" sz="3200" b="0" i="1" smtClean="0">
+                            <a:solidFill>
+                              <a:schemeClr val="tx1"/>
+                            </a:solidFill>
+                            <a:latin typeface="Cambria Math" panose="02040503050406030204" pitchFamily="18" charset="0"/>
+                            <a:ea typeface="Cambria Math" panose="02040503050406030204" pitchFamily="18" charset="0"/>
+                          </a:rPr>
+                          <m:t>𝑡</m:t>
+                        </m:r>
+                      </m:e>
+                    </m:d>
+                    <m:r>
+                      <a:rPr lang="en-US" sz="3200" b="0" i="1" smtClean="0">
+                        <a:solidFill>
+                          <a:schemeClr val="tx1"/>
+                        </a:solidFill>
+                        <a:latin typeface="Cambria Math" panose="02040503050406030204" pitchFamily="18" charset="0"/>
+                        <a:ea typeface="Cambria Math" panose="02040503050406030204" pitchFamily="18" charset="0"/>
+                      </a:rPr>
+                      <m:t>=</m:t>
+                    </m:r>
+                    <m:f>
+                      <m:fPr>
+                        <m:ctrlPr>
+                          <a:rPr lang="en-US" sz="3200" b="0" i="1" smtClean="0">
+                            <a:solidFill>
+                              <a:schemeClr val="tx1"/>
+                            </a:solidFill>
+                            <a:latin typeface="Cambria Math"/>
+                            <a:ea typeface="Cambria Math" panose="02040503050406030204" pitchFamily="18" charset="0"/>
+                          </a:rPr>
+                        </m:ctrlPr>
+                      </m:fPr>
+                      <m:num>
+                        <m:r>
+                          <a:rPr lang="en-US" sz="3200" b="0" i="1" smtClean="0">
+                            <a:solidFill>
+                              <a:schemeClr val="tx1"/>
+                            </a:solidFill>
+                            <a:latin typeface="Cambria Math" panose="02040503050406030204" pitchFamily="18" charset="0"/>
+                            <a:ea typeface="Cambria Math" panose="02040503050406030204" pitchFamily="18" charset="0"/>
+                          </a:rPr>
+                          <m:t>𝐾</m:t>
+                        </m:r>
+                      </m:num>
+                      <m:den>
+                        <m:r>
+                          <a:rPr lang="en-US" sz="3200" b="0" i="1" smtClean="0">
+                            <a:solidFill>
+                              <a:schemeClr val="tx1"/>
+                            </a:solidFill>
+                            <a:latin typeface="Cambria Math" panose="02040503050406030204" pitchFamily="18" charset="0"/>
+                            <a:ea typeface="Cambria Math" panose="02040503050406030204" pitchFamily="18" charset="0"/>
+                          </a:rPr>
+                          <m:t>𝑇</m:t>
+                        </m:r>
+                      </m:den>
+                    </m:f>
+                    <m:r>
+                      <a:rPr lang="en-US" sz="3200" b="0" i="1" smtClean="0">
+                        <a:solidFill>
+                          <a:schemeClr val="tx1"/>
+                        </a:solidFill>
+                        <a:latin typeface="Cambria Math" panose="02040503050406030204" pitchFamily="18" charset="0"/>
+                        <a:ea typeface="Cambria Math" panose="02040503050406030204" pitchFamily="18" charset="0"/>
+                      </a:rPr>
+                      <m:t>𝑟</m:t>
+                    </m:r>
+                    <m:r>
+                      <a:rPr lang="en-US" sz="3200" b="0" i="1" smtClean="0">
+                        <a:solidFill>
+                          <a:schemeClr val="tx1"/>
+                        </a:solidFill>
+                        <a:latin typeface="Cambria Math" panose="02040503050406030204" pitchFamily="18" charset="0"/>
+                        <a:ea typeface="Cambria Math" panose="02040503050406030204" pitchFamily="18" charset="0"/>
+                      </a:rPr>
+                      <m:t>(</m:t>
+                    </m:r>
+                    <m:r>
+                      <a:rPr lang="en-US" sz="3200" b="0" i="1" smtClean="0">
+                        <a:solidFill>
+                          <a:schemeClr val="tx1"/>
+                        </a:solidFill>
+                        <a:latin typeface="Cambria Math" panose="02040503050406030204" pitchFamily="18" charset="0"/>
+                        <a:ea typeface="Cambria Math" panose="02040503050406030204" pitchFamily="18" charset="0"/>
+                      </a:rPr>
+                      <m:t>𝑡</m:t>
+                    </m:r>
+                    <m:r>
+                      <a:rPr lang="en-US" sz="3200" b="0" i="1" smtClean="0">
+                        <a:solidFill>
+                          <a:schemeClr val="tx1"/>
+                        </a:solidFill>
+                        <a:latin typeface="Cambria Math" panose="02040503050406030204" pitchFamily="18" charset="0"/>
+                        <a:ea typeface="Cambria Math" panose="02040503050406030204" pitchFamily="18" charset="0"/>
+                      </a:rPr>
+                      <m:t>)−</m:t>
+                    </m:r>
+                    <m:f>
+                      <m:fPr>
+                        <m:ctrlPr>
+                          <a:rPr lang="en-US" sz="3200" b="0" i="1" smtClean="0">
+                            <a:solidFill>
+                              <a:schemeClr val="tx1"/>
+                            </a:solidFill>
+                            <a:latin typeface="Cambria Math"/>
+                            <a:ea typeface="Cambria Math" panose="02040503050406030204" pitchFamily="18" charset="0"/>
+                          </a:rPr>
+                        </m:ctrlPr>
+                      </m:fPr>
+                      <m:num>
+                        <m:r>
+                          <a:rPr lang="en-US" sz="3200" b="0" i="1" smtClean="0">
+                            <a:solidFill>
+                              <a:schemeClr val="tx1"/>
+                            </a:solidFill>
+                            <a:latin typeface="Cambria Math" panose="02040503050406030204" pitchFamily="18" charset="0"/>
+                            <a:ea typeface="Cambria Math" panose="02040503050406030204" pitchFamily="18" charset="0"/>
+                          </a:rPr>
+                          <m:t>𝐾</m:t>
+                        </m:r>
+                      </m:num>
+                      <m:den>
+                        <m:r>
+                          <a:rPr lang="en-US" sz="3200" b="0" i="1" smtClean="0">
+                            <a:solidFill>
+                              <a:schemeClr val="tx1"/>
+                            </a:solidFill>
+                            <a:latin typeface="Cambria Math" panose="02040503050406030204" pitchFamily="18" charset="0"/>
+                            <a:ea typeface="Cambria Math" panose="02040503050406030204" pitchFamily="18" charset="0"/>
+                          </a:rPr>
+                          <m:t>𝑇</m:t>
+                        </m:r>
+                      </m:den>
+                    </m:f>
+                    <m:r>
+                      <a:rPr lang="en-US" sz="3200" b="0" i="1" dirty="0" smtClean="0">
+                        <a:solidFill>
+                          <a:schemeClr val="tx1"/>
+                        </a:solidFill>
+                        <a:latin typeface="Cambria Math" panose="02040503050406030204" pitchFamily="18" charset="0"/>
+                        <a:ea typeface="Cambria Math" panose="02040503050406030204" pitchFamily="18" charset="0"/>
+                      </a:rPr>
+                      <m:t>𝑟</m:t>
+                    </m:r>
+                    <m:r>
+                      <a:rPr lang="en-US" sz="3200" b="0" i="1" smtClean="0">
+                        <a:solidFill>
+                          <a:schemeClr val="tx1"/>
+                        </a:solidFill>
+                        <a:latin typeface="Cambria Math" panose="02040503050406030204" pitchFamily="18" charset="0"/>
+                        <a:ea typeface="Cambria Math" panose="02040503050406030204" pitchFamily="18" charset="0"/>
+                      </a:rPr>
+                      <m:t>(</m:t>
+                    </m:r>
+                    <m:r>
+                      <a:rPr lang="en-US" sz="3200" b="0" i="1" smtClean="0">
+                        <a:solidFill>
+                          <a:schemeClr val="tx1"/>
+                        </a:solidFill>
+                        <a:latin typeface="Cambria Math" panose="02040503050406030204" pitchFamily="18" charset="0"/>
+                        <a:ea typeface="Cambria Math" panose="02040503050406030204" pitchFamily="18" charset="0"/>
+                      </a:rPr>
+                      <m:t>𝑡</m:t>
+                    </m:r>
+                    <m:r>
+                      <a:rPr lang="en-US" sz="3200" b="0" i="1" smtClean="0">
+                        <a:solidFill>
+                          <a:schemeClr val="tx1"/>
+                        </a:solidFill>
+                        <a:latin typeface="Cambria Math" panose="02040503050406030204" pitchFamily="18" charset="0"/>
+                        <a:ea typeface="Cambria Math" panose="02040503050406030204" pitchFamily="18" charset="0"/>
+                      </a:rPr>
+                      <m:t>−</m:t>
+                    </m:r>
+                    <m:r>
+                      <a:rPr lang="en-US" sz="3200" b="0" i="1" smtClean="0">
+                        <a:solidFill>
+                          <a:schemeClr val="tx1"/>
+                        </a:solidFill>
+                        <a:latin typeface="Cambria Math" panose="02040503050406030204" pitchFamily="18" charset="0"/>
+                        <a:ea typeface="Cambria Math" panose="02040503050406030204" pitchFamily="18" charset="0"/>
+                      </a:rPr>
+                      <m:t>𝑇</m:t>
+                    </m:r>
+                    <m:r>
+                      <a:rPr lang="en-US" sz="3200" b="0" i="1" smtClean="0">
+                        <a:solidFill>
+                          <a:schemeClr val="tx1"/>
+                        </a:solidFill>
+                        <a:latin typeface="Cambria Math" panose="02040503050406030204" pitchFamily="18" charset="0"/>
+                        <a:ea typeface="Cambria Math" panose="02040503050406030204" pitchFamily="18" charset="0"/>
+                      </a:rPr>
+                      <m:t>)</m:t>
+                    </m:r>
+                  </m:oMath>
+                </a14:m>
+                <a:endParaRPr lang="en-US" sz="3200" dirty="0">
+                  <a:solidFill>
+                    <a:schemeClr val="tx1"/>
+                  </a:solidFill>
+                  <a:latin typeface="Cambria Math" panose="02040503050406030204" pitchFamily="18" charset="0"/>
+                  <a:ea typeface="Cambria Math" panose="02040503050406030204" pitchFamily="18" charset="0"/>
+                </a:endParaRPr>
+              </a:p>
+            </p:txBody>
+          </p:sp>
+        </mc:Choice>
+        <mc:Fallback xmlns="">
+          <p:sp>
+            <p:nvSpPr>
+              <p:cNvPr id="6" name="TextBox 5"/>
+              <p:cNvSpPr txBox="1">
+                <a:spLocks noRot="1" noChangeAspect="1" noMove="1" noResize="1" noEditPoints="1" noAdjustHandles="1" noChangeArrowheads="1" noChangeShapeType="1" noTextEdit="1"/>
+              </p:cNvSpPr>
+              <p:nvPr/>
+            </p:nvSpPr>
+            <p:spPr>
+              <a:xfrm>
+                <a:off x="3024188" y="1555604"/>
+                <a:ext cx="4951459" cy="696729"/>
+              </a:xfrm>
+              <a:prstGeom prst="rect">
+                <a:avLst/>
+              </a:prstGeom>
+              <a:blipFill rotWithShape="0">
+                <a:blip r:embed="rId3"/>
+                <a:stretch>
+                  <a:fillRect l="-4926" t="-4386" b="-19298"/>
+                </a:stretch>
+              </a:blipFill>
+            </p:spPr>
+            <p:txBody>
+              <a:bodyPr/>
+              <a:lstStyle/>
+              <a:p>
+                <a:r>
+                  <a:rPr lang="en-US">
+                    <a:noFill/>
+                  </a:rPr>
+                  <a:t> </a:t>
+                </a:r>
+              </a:p>
+            </p:txBody>
+          </p:sp>
+        </mc:Fallback>
+      </mc:AlternateContent>
+      <mc:AlternateContent xmlns:mc="http://schemas.openxmlformats.org/markup-compatibility/2006" xmlns:a14="http://schemas.microsoft.com/office/drawing/2010/main">
+        <mc:Choice Requires="a14">
+          <p:sp>
+            <p:nvSpPr>
+              <p:cNvPr id="7" name="TextBox 6"/>
+              <p:cNvSpPr txBox="1"/>
+              <p:nvPr/>
+            </p:nvSpPr>
+            <p:spPr>
+              <a:xfrm>
+                <a:off x="872734" y="2422343"/>
+                <a:ext cx="7505332" cy="783356"/>
+              </a:xfrm>
+              <a:prstGeom prst="rect">
+                <a:avLst/>
+              </a:prstGeom>
+              <a:noFill/>
+            </p:spPr>
+            <p:txBody>
+              <a:bodyPr wrap="square" lIns="0" tIns="0" rIns="0" bIns="0" rtlCol="0">
+                <a:spAutoFit/>
+              </a:bodyPr>
+              <a:lstStyle/>
+              <a:p>
+                <a:r>
+                  <a:rPr lang="en-US" sz="3200" dirty="0">
+                    <a:solidFill>
+                      <a:srgbClr val="0000FF"/>
+                    </a:solidFill>
+                    <a:latin typeface="Cambria Math" panose="02040503050406030204" pitchFamily="18" charset="0"/>
+                    <a:ea typeface="Cambria Math" panose="02040503050406030204" pitchFamily="18" charset="0"/>
+                  </a:rPr>
+                  <a:t>F</a:t>
+                </a:r>
+                <a14:m>
+                  <m:oMath xmlns:m="http://schemas.openxmlformats.org/officeDocument/2006/math">
+                    <m:d>
+                      <m:dPr>
+                        <m:ctrlPr>
+                          <a:rPr lang="en-US" sz="3200" b="0" i="1" smtClean="0">
+                            <a:solidFill>
+                              <a:srgbClr val="0000FF"/>
+                            </a:solidFill>
+                            <a:latin typeface="Cambria Math"/>
+                            <a:ea typeface="Cambria Math" panose="02040503050406030204" pitchFamily="18" charset="0"/>
+                          </a:rPr>
+                        </m:ctrlPr>
+                      </m:dPr>
+                      <m:e>
+                        <m:r>
+                          <a:rPr lang="en-US" sz="3200" b="0" i="1" smtClean="0">
+                            <a:solidFill>
+                              <a:srgbClr val="0000FF"/>
+                            </a:solidFill>
+                            <a:latin typeface="Cambria Math" panose="02040503050406030204" pitchFamily="18" charset="0"/>
+                            <a:ea typeface="Cambria Math" panose="02040503050406030204" pitchFamily="18" charset="0"/>
+                          </a:rPr>
+                          <m:t>𝑠</m:t>
+                        </m:r>
+                      </m:e>
+                    </m:d>
+                    <m:r>
+                      <a:rPr lang="en-US" sz="3200" b="0" i="1" smtClean="0">
+                        <a:solidFill>
+                          <a:srgbClr val="0000FF"/>
+                        </a:solidFill>
+                        <a:latin typeface="Cambria Math" panose="02040503050406030204" pitchFamily="18" charset="0"/>
+                        <a:ea typeface="Cambria Math" panose="02040503050406030204" pitchFamily="18" charset="0"/>
+                      </a:rPr>
+                      <m:t>=</m:t>
+                    </m:r>
+                    <m:f>
+                      <m:fPr>
+                        <m:ctrlPr>
+                          <a:rPr lang="en-US" sz="3200" b="0" i="1" smtClean="0">
+                            <a:solidFill>
+                              <a:srgbClr val="0000FF"/>
+                            </a:solidFill>
+                            <a:latin typeface="Cambria Math"/>
+                            <a:ea typeface="Cambria Math" panose="02040503050406030204" pitchFamily="18" charset="0"/>
+                          </a:rPr>
+                        </m:ctrlPr>
+                      </m:fPr>
+                      <m:num>
+                        <m:r>
+                          <a:rPr lang="en-US" sz="3200" b="0" i="1" smtClean="0">
+                            <a:solidFill>
+                              <a:srgbClr val="0000FF"/>
+                            </a:solidFill>
+                            <a:latin typeface="Cambria Math" panose="02040503050406030204" pitchFamily="18" charset="0"/>
+                            <a:ea typeface="Cambria Math" panose="02040503050406030204" pitchFamily="18" charset="0"/>
+                          </a:rPr>
+                          <m:t>𝐾</m:t>
+                        </m:r>
+                      </m:num>
+                      <m:den>
+                        <m:r>
+                          <a:rPr lang="en-US" sz="3200" b="0" i="1" smtClean="0">
+                            <a:solidFill>
+                              <a:srgbClr val="0000FF"/>
+                            </a:solidFill>
+                            <a:latin typeface="Cambria Math" panose="02040503050406030204" pitchFamily="18" charset="0"/>
+                            <a:ea typeface="Cambria Math" panose="02040503050406030204" pitchFamily="18" charset="0"/>
+                          </a:rPr>
+                          <m:t>𝑇</m:t>
+                        </m:r>
+                      </m:den>
+                    </m:f>
+                    <m:r>
+                      <a:rPr lang="en-US" sz="3200" b="0" i="1" smtClean="0">
+                        <a:solidFill>
+                          <a:srgbClr val="0000FF"/>
+                        </a:solidFill>
+                        <a:latin typeface="Cambria Math" panose="02040503050406030204" pitchFamily="18" charset="0"/>
+                        <a:ea typeface="Cambria Math" panose="02040503050406030204" pitchFamily="18" charset="0"/>
+                      </a:rPr>
+                      <m:t>×</m:t>
+                    </m:r>
+                    <m:f>
+                      <m:fPr>
+                        <m:ctrlPr>
+                          <a:rPr lang="en-US" sz="3200" b="0" i="1" smtClean="0">
+                            <a:solidFill>
+                              <a:srgbClr val="0000FF"/>
+                            </a:solidFill>
+                            <a:latin typeface="Cambria Math"/>
+                            <a:ea typeface="Cambria Math" panose="02040503050406030204" pitchFamily="18" charset="0"/>
+                          </a:rPr>
+                        </m:ctrlPr>
+                      </m:fPr>
+                      <m:num>
+                        <m:r>
+                          <a:rPr lang="en-US" sz="3200" b="0" i="1" smtClean="0">
+                            <a:solidFill>
+                              <a:srgbClr val="0000FF"/>
+                            </a:solidFill>
+                            <a:latin typeface="Cambria Math" panose="02040503050406030204" pitchFamily="18" charset="0"/>
+                            <a:ea typeface="Cambria Math" panose="02040503050406030204" pitchFamily="18" charset="0"/>
+                          </a:rPr>
+                          <m:t>1</m:t>
+                        </m:r>
+                      </m:num>
+                      <m:den>
+                        <m:sSup>
+                          <m:sSupPr>
+                            <m:ctrlPr>
+                              <a:rPr lang="en-US" sz="3200" b="0" i="1" smtClean="0">
+                                <a:solidFill>
+                                  <a:srgbClr val="0000FF"/>
+                                </a:solidFill>
+                                <a:latin typeface="Cambria Math"/>
+                                <a:ea typeface="Cambria Math" panose="02040503050406030204" pitchFamily="18" charset="0"/>
+                              </a:rPr>
+                            </m:ctrlPr>
+                          </m:sSupPr>
+                          <m:e>
+                            <m:r>
+                              <a:rPr lang="en-US" sz="3200" b="0" i="1" smtClean="0">
+                                <a:solidFill>
+                                  <a:srgbClr val="0000FF"/>
+                                </a:solidFill>
+                                <a:latin typeface="Cambria Math" panose="02040503050406030204" pitchFamily="18" charset="0"/>
+                                <a:ea typeface="Cambria Math" panose="02040503050406030204" pitchFamily="18" charset="0"/>
+                              </a:rPr>
+                              <m:t>𝑠</m:t>
+                            </m:r>
+                          </m:e>
+                          <m:sup>
+                            <m:r>
+                              <a:rPr lang="en-US" sz="3200" b="0" i="1" smtClean="0">
+                                <a:solidFill>
+                                  <a:srgbClr val="0000FF"/>
+                                </a:solidFill>
+                                <a:latin typeface="Cambria Math" panose="02040503050406030204" pitchFamily="18" charset="0"/>
+                                <a:ea typeface="Cambria Math" panose="02040503050406030204" pitchFamily="18" charset="0"/>
+                              </a:rPr>
+                              <m:t>2</m:t>
+                            </m:r>
+                          </m:sup>
+                        </m:sSup>
+                      </m:den>
+                    </m:f>
+                    <m:r>
+                      <a:rPr lang="en-US" sz="3200" b="0" i="1" dirty="0" smtClean="0">
+                        <a:solidFill>
+                          <a:srgbClr val="0000FF"/>
+                        </a:solidFill>
+                        <a:latin typeface="Cambria Math" panose="02040503050406030204" pitchFamily="18" charset="0"/>
+                        <a:ea typeface="Cambria Math" panose="02040503050406030204" pitchFamily="18" charset="0"/>
+                      </a:rPr>
+                      <m:t>−</m:t>
+                    </m:r>
+                    <m:f>
+                      <m:fPr>
+                        <m:ctrlPr>
+                          <a:rPr lang="en-US" sz="3200" b="0" i="1" smtClean="0">
+                            <a:solidFill>
+                              <a:srgbClr val="0000FF"/>
+                            </a:solidFill>
+                            <a:latin typeface="Cambria Math"/>
+                            <a:ea typeface="Cambria Math" panose="02040503050406030204" pitchFamily="18" charset="0"/>
+                          </a:rPr>
+                        </m:ctrlPr>
+                      </m:fPr>
+                      <m:num>
+                        <m:r>
+                          <a:rPr lang="en-US" sz="3200" b="0" i="1" smtClean="0">
+                            <a:solidFill>
+                              <a:srgbClr val="0000FF"/>
+                            </a:solidFill>
+                            <a:latin typeface="Cambria Math" panose="02040503050406030204" pitchFamily="18" charset="0"/>
+                            <a:ea typeface="Cambria Math" panose="02040503050406030204" pitchFamily="18" charset="0"/>
+                          </a:rPr>
+                          <m:t>𝐾</m:t>
+                        </m:r>
+                      </m:num>
+                      <m:den>
+                        <m:r>
+                          <a:rPr lang="en-US" sz="3200" b="0" i="1" smtClean="0">
+                            <a:solidFill>
+                              <a:srgbClr val="0000FF"/>
+                            </a:solidFill>
+                            <a:latin typeface="Cambria Math" panose="02040503050406030204" pitchFamily="18" charset="0"/>
+                            <a:ea typeface="Cambria Math" panose="02040503050406030204" pitchFamily="18" charset="0"/>
+                          </a:rPr>
+                          <m:t>𝑇</m:t>
+                        </m:r>
+                      </m:den>
+                    </m:f>
+                    <m:r>
+                      <a:rPr lang="en-US" sz="3200" b="0" i="1" smtClean="0">
+                        <a:solidFill>
+                          <a:srgbClr val="0000FF"/>
+                        </a:solidFill>
+                        <a:latin typeface="Cambria Math" panose="02040503050406030204" pitchFamily="18" charset="0"/>
+                        <a:ea typeface="Cambria Math" panose="02040503050406030204" pitchFamily="18" charset="0"/>
+                      </a:rPr>
+                      <m:t>×</m:t>
+                    </m:r>
+                    <m:f>
+                      <m:fPr>
+                        <m:ctrlPr>
+                          <a:rPr lang="en-US" sz="3200" b="0" i="1" smtClean="0">
+                            <a:solidFill>
+                              <a:srgbClr val="0000FF"/>
+                            </a:solidFill>
+                            <a:latin typeface="Cambria Math"/>
+                            <a:ea typeface="Cambria Math" panose="02040503050406030204" pitchFamily="18" charset="0"/>
+                          </a:rPr>
+                        </m:ctrlPr>
+                      </m:fPr>
+                      <m:num>
+                        <m:sSup>
+                          <m:sSupPr>
+                            <m:ctrlPr>
+                              <a:rPr lang="en-US" sz="3200" b="0" i="1" smtClean="0">
+                                <a:solidFill>
+                                  <a:srgbClr val="0000FF"/>
+                                </a:solidFill>
+                                <a:latin typeface="Cambria Math"/>
+                                <a:ea typeface="Cambria Math" panose="02040503050406030204" pitchFamily="18" charset="0"/>
+                              </a:rPr>
+                            </m:ctrlPr>
+                          </m:sSupPr>
+                          <m:e>
+                            <m:r>
+                              <a:rPr lang="en-US" sz="3200" b="0" i="1" smtClean="0">
+                                <a:solidFill>
+                                  <a:srgbClr val="0000FF"/>
+                                </a:solidFill>
+                                <a:latin typeface="Cambria Math" panose="02040503050406030204" pitchFamily="18" charset="0"/>
+                                <a:ea typeface="Cambria Math" panose="02040503050406030204" pitchFamily="18" charset="0"/>
+                              </a:rPr>
+                              <m:t>𝑒</m:t>
+                            </m:r>
+                          </m:e>
+                          <m:sup>
+                            <m:r>
+                              <a:rPr lang="en-US" sz="3200" b="0" i="1" smtClean="0">
+                                <a:solidFill>
+                                  <a:srgbClr val="0000FF"/>
+                                </a:solidFill>
+                                <a:latin typeface="Cambria Math" panose="02040503050406030204" pitchFamily="18" charset="0"/>
+                                <a:ea typeface="Cambria Math" panose="02040503050406030204" pitchFamily="18" charset="0"/>
+                              </a:rPr>
+                              <m:t>−</m:t>
+                            </m:r>
+                            <m:r>
+                              <a:rPr lang="en-US" sz="3200" b="0" i="1" smtClean="0">
+                                <a:solidFill>
+                                  <a:srgbClr val="0000FF"/>
+                                </a:solidFill>
+                                <a:latin typeface="Cambria Math" panose="02040503050406030204" pitchFamily="18" charset="0"/>
+                                <a:ea typeface="Cambria Math" panose="02040503050406030204" pitchFamily="18" charset="0"/>
+                              </a:rPr>
+                              <m:t>𝑇𝑠</m:t>
+                            </m:r>
+                          </m:sup>
+                        </m:sSup>
+                      </m:num>
+                      <m:den>
+                        <m:sSup>
+                          <m:sSupPr>
+                            <m:ctrlPr>
+                              <a:rPr lang="en-US" sz="3200" b="0" i="1" smtClean="0">
+                                <a:solidFill>
+                                  <a:srgbClr val="0000FF"/>
+                                </a:solidFill>
+                                <a:latin typeface="Cambria Math"/>
+                                <a:ea typeface="Cambria Math" panose="02040503050406030204" pitchFamily="18" charset="0"/>
+                              </a:rPr>
+                            </m:ctrlPr>
+                          </m:sSupPr>
+                          <m:e>
+                            <m:r>
+                              <a:rPr lang="en-US" sz="3200" b="0" i="1" smtClean="0">
+                                <a:solidFill>
+                                  <a:srgbClr val="0000FF"/>
+                                </a:solidFill>
+                                <a:latin typeface="Cambria Math" panose="02040503050406030204" pitchFamily="18" charset="0"/>
+                                <a:ea typeface="Cambria Math" panose="02040503050406030204" pitchFamily="18" charset="0"/>
+                              </a:rPr>
+                              <m:t>𝑠</m:t>
+                            </m:r>
+                          </m:e>
+                          <m:sup>
+                            <m:r>
+                              <a:rPr lang="en-US" sz="3200" b="0" i="1" smtClean="0">
+                                <a:solidFill>
+                                  <a:srgbClr val="0000FF"/>
+                                </a:solidFill>
+                                <a:latin typeface="Cambria Math" panose="02040503050406030204" pitchFamily="18" charset="0"/>
+                                <a:ea typeface="Cambria Math" panose="02040503050406030204" pitchFamily="18" charset="0"/>
+                              </a:rPr>
+                              <m:t>2</m:t>
+                            </m:r>
+                          </m:sup>
+                        </m:sSup>
+                      </m:den>
+                    </m:f>
+                    <m:r>
+                      <a:rPr lang="en-US" sz="3200" b="0" i="1" smtClean="0">
+                        <a:solidFill>
+                          <a:srgbClr val="0000FF"/>
+                        </a:solidFill>
+                        <a:latin typeface="Cambria Math" panose="02040503050406030204" pitchFamily="18" charset="0"/>
+                        <a:ea typeface="Cambria Math" panose="02040503050406030204" pitchFamily="18" charset="0"/>
+                      </a:rPr>
+                      <m:t>= </m:t>
+                    </m:r>
+                    <m:f>
+                      <m:fPr>
+                        <m:ctrlPr>
+                          <a:rPr lang="en-US" sz="3200" b="0" i="1" smtClean="0">
+                            <a:solidFill>
+                              <a:srgbClr val="0000FF"/>
+                            </a:solidFill>
+                            <a:latin typeface="Cambria Math"/>
+                            <a:ea typeface="Cambria Math" panose="02040503050406030204" pitchFamily="18" charset="0"/>
+                          </a:rPr>
+                        </m:ctrlPr>
+                      </m:fPr>
+                      <m:num>
+                        <m:r>
+                          <a:rPr lang="en-US" sz="3200" b="0" i="1" smtClean="0">
+                            <a:solidFill>
+                              <a:srgbClr val="0000FF"/>
+                            </a:solidFill>
+                            <a:latin typeface="Cambria Math" panose="02040503050406030204" pitchFamily="18" charset="0"/>
+                            <a:ea typeface="Cambria Math" panose="02040503050406030204" pitchFamily="18" charset="0"/>
+                          </a:rPr>
+                          <m:t>𝐾</m:t>
+                        </m:r>
+                      </m:num>
+                      <m:den>
+                        <m:r>
+                          <a:rPr lang="en-US" sz="3200" b="0" i="1" smtClean="0">
+                            <a:solidFill>
+                              <a:srgbClr val="0000FF"/>
+                            </a:solidFill>
+                            <a:latin typeface="Cambria Math" panose="02040503050406030204" pitchFamily="18" charset="0"/>
+                            <a:ea typeface="Cambria Math" panose="02040503050406030204" pitchFamily="18" charset="0"/>
+                          </a:rPr>
+                          <m:t>𝑇</m:t>
+                        </m:r>
+                        <m:r>
+                          <a:rPr lang="en-US" sz="3200" b="0" i="1" smtClean="0">
+                            <a:solidFill>
+                              <a:srgbClr val="0000FF"/>
+                            </a:solidFill>
+                            <a:latin typeface="Cambria Math" panose="02040503050406030204" pitchFamily="18" charset="0"/>
+                            <a:ea typeface="Cambria Math" panose="02040503050406030204" pitchFamily="18" charset="0"/>
+                          </a:rPr>
+                          <m:t>×</m:t>
+                        </m:r>
+                        <m:sSup>
+                          <m:sSupPr>
+                            <m:ctrlPr>
+                              <a:rPr lang="en-US" sz="3200" b="0" i="1" smtClean="0">
+                                <a:solidFill>
+                                  <a:srgbClr val="0000FF"/>
+                                </a:solidFill>
+                                <a:latin typeface="Cambria Math"/>
+                                <a:ea typeface="Cambria Math" panose="02040503050406030204" pitchFamily="18" charset="0"/>
+                              </a:rPr>
+                            </m:ctrlPr>
+                          </m:sSupPr>
+                          <m:e>
+                            <m:r>
+                              <a:rPr lang="en-US" sz="3200" b="0" i="1" smtClean="0">
+                                <a:solidFill>
+                                  <a:srgbClr val="0000FF"/>
+                                </a:solidFill>
+                                <a:latin typeface="Cambria Math" panose="02040503050406030204" pitchFamily="18" charset="0"/>
+                                <a:ea typeface="Cambria Math" panose="02040503050406030204" pitchFamily="18" charset="0"/>
+                              </a:rPr>
+                              <m:t>𝑠</m:t>
+                            </m:r>
+                          </m:e>
+                          <m:sup>
+                            <m:r>
+                              <a:rPr lang="en-US" sz="3200" b="0" i="1" smtClean="0">
+                                <a:solidFill>
+                                  <a:srgbClr val="0000FF"/>
+                                </a:solidFill>
+                                <a:latin typeface="Cambria Math" panose="02040503050406030204" pitchFamily="18" charset="0"/>
+                                <a:ea typeface="Cambria Math" panose="02040503050406030204" pitchFamily="18" charset="0"/>
+                              </a:rPr>
+                              <m:t>2</m:t>
+                            </m:r>
+                          </m:sup>
+                        </m:sSup>
+                      </m:den>
+                    </m:f>
+                  </m:oMath>
+                </a14:m>
+                <a:r>
+                  <a:rPr lang="en-US" sz="3200" dirty="0">
+                    <a:solidFill>
+                      <a:srgbClr val="0000FF"/>
+                    </a:solidFill>
+                    <a:latin typeface="Cambria Math" panose="02040503050406030204" pitchFamily="18" charset="0"/>
+                    <a:ea typeface="Cambria Math" panose="02040503050406030204" pitchFamily="18" charset="0"/>
+                  </a:rPr>
+                  <a:t> (</a:t>
+                </a:r>
+                <a14:m>
+                  <m:oMath xmlns:m="http://schemas.openxmlformats.org/officeDocument/2006/math">
+                    <m:r>
+                      <a:rPr lang="en-US" sz="3200" b="0" i="1" dirty="0" smtClean="0">
+                        <a:solidFill>
+                          <a:srgbClr val="0000FF"/>
+                        </a:solidFill>
+                        <a:latin typeface="Cambria Math" panose="02040503050406030204" pitchFamily="18" charset="0"/>
+                        <a:ea typeface="Cambria Math" panose="02040503050406030204" pitchFamily="18" charset="0"/>
+                      </a:rPr>
+                      <m:t>1−</m:t>
+                    </m:r>
+                    <m:sSup>
+                      <m:sSupPr>
+                        <m:ctrlPr>
+                          <a:rPr lang="en-US" sz="3200" b="0" i="1" dirty="0" smtClean="0">
+                            <a:solidFill>
+                              <a:srgbClr val="0000FF"/>
+                            </a:solidFill>
+                            <a:latin typeface="Cambria Math"/>
+                            <a:ea typeface="Cambria Math" panose="02040503050406030204" pitchFamily="18" charset="0"/>
+                          </a:rPr>
+                        </m:ctrlPr>
+                      </m:sSupPr>
+                      <m:e>
+                        <m:r>
+                          <a:rPr lang="en-US" sz="3200" b="0" i="1" dirty="0" smtClean="0">
+                            <a:solidFill>
+                              <a:srgbClr val="0000FF"/>
+                            </a:solidFill>
+                            <a:latin typeface="Cambria Math" panose="02040503050406030204" pitchFamily="18" charset="0"/>
+                            <a:ea typeface="Cambria Math" panose="02040503050406030204" pitchFamily="18" charset="0"/>
+                          </a:rPr>
+                          <m:t>𝑒</m:t>
+                        </m:r>
+                      </m:e>
+                      <m:sup>
+                        <m:r>
+                          <a:rPr lang="en-US" sz="3200" b="0" i="1" dirty="0" smtClean="0">
+                            <a:solidFill>
+                              <a:srgbClr val="0000FF"/>
+                            </a:solidFill>
+                            <a:latin typeface="Cambria Math" panose="02040503050406030204" pitchFamily="18" charset="0"/>
+                            <a:ea typeface="Cambria Math" panose="02040503050406030204" pitchFamily="18" charset="0"/>
+                          </a:rPr>
+                          <m:t>−</m:t>
+                        </m:r>
+                        <m:r>
+                          <a:rPr lang="en-US" sz="3200" b="0" i="1" dirty="0" smtClean="0">
+                            <a:solidFill>
+                              <a:srgbClr val="0000FF"/>
+                            </a:solidFill>
+                            <a:latin typeface="Cambria Math" panose="02040503050406030204" pitchFamily="18" charset="0"/>
+                            <a:ea typeface="Cambria Math" panose="02040503050406030204" pitchFamily="18" charset="0"/>
+                          </a:rPr>
+                          <m:t>𝑇𝑠</m:t>
+                        </m:r>
+                      </m:sup>
+                    </m:sSup>
+                    <m:r>
+                      <a:rPr lang="en-US" sz="3200" b="0" i="1" dirty="0" smtClean="0">
+                        <a:solidFill>
+                          <a:srgbClr val="0000FF"/>
+                        </a:solidFill>
+                        <a:latin typeface="Cambria Math" panose="02040503050406030204" pitchFamily="18" charset="0"/>
+                        <a:ea typeface="Cambria Math" panose="02040503050406030204" pitchFamily="18" charset="0"/>
+                      </a:rPr>
+                      <m:t>)</m:t>
+                    </m:r>
+                  </m:oMath>
+                </a14:m>
+                <a:endParaRPr lang="en-US" sz="3200" dirty="0">
+                  <a:solidFill>
+                    <a:srgbClr val="0000FF"/>
+                  </a:solidFill>
+                  <a:latin typeface="Cambria Math" panose="02040503050406030204" pitchFamily="18" charset="0"/>
+                  <a:ea typeface="Cambria Math" panose="02040503050406030204" pitchFamily="18" charset="0"/>
+                </a:endParaRPr>
+              </a:p>
+            </p:txBody>
+          </p:sp>
+        </mc:Choice>
+        <mc:Fallback xmlns="">
+          <p:sp>
+            <p:nvSpPr>
+              <p:cNvPr id="7" name="TextBox 6"/>
+              <p:cNvSpPr txBox="1">
+                <a:spLocks noRot="1" noChangeAspect="1" noMove="1" noResize="1" noEditPoints="1" noAdjustHandles="1" noChangeArrowheads="1" noChangeShapeType="1" noTextEdit="1"/>
+              </p:cNvSpPr>
+              <p:nvPr/>
+            </p:nvSpPr>
+            <p:spPr>
+              <a:xfrm>
+                <a:off x="872734" y="2422343"/>
+                <a:ext cx="7505332" cy="783356"/>
+              </a:xfrm>
+              <a:prstGeom prst="rect">
+                <a:avLst/>
+              </a:prstGeom>
+              <a:blipFill rotWithShape="0">
+                <a:blip r:embed="rId4"/>
+                <a:stretch>
+                  <a:fillRect l="-3249" b="-15504"/>
+                </a:stretch>
+              </a:blipFill>
+            </p:spPr>
+            <p:txBody>
+              <a:bodyPr/>
+              <a:lstStyle/>
+              <a:p>
+                <a:r>
+                  <a:rPr lang="en-US">
+                    <a:noFill/>
+                  </a:rPr>
+                  <a:t> </a:t>
+                </a:r>
+              </a:p>
+            </p:txBody>
+          </p:sp>
+        </mc:Fallback>
+      </mc:AlternateContent>
+      <p:sp>
+        <p:nvSpPr>
+          <p:cNvPr id="9" name="TextBox 8"/>
+          <p:cNvSpPr txBox="1"/>
+          <p:nvPr/>
+        </p:nvSpPr>
+        <p:spPr>
+          <a:xfrm>
+            <a:off x="656329" y="302892"/>
+            <a:ext cx="2628668" cy="707886"/>
+          </a:xfrm>
+          <a:prstGeom prst="rect">
+            <a:avLst/>
+          </a:prstGeom>
+          <a:noFill/>
+          <a:ln>
+            <a:noFill/>
+          </a:ln>
+        </p:spPr>
+        <p:txBody>
+          <a:bodyPr wrap="none" rtlCol="0">
+            <a:spAutoFit/>
+          </a:bodyPr>
+          <a:lstStyle/>
+          <a:p>
+            <a:r>
+              <a:rPr lang="en-US" sz="4000" b="1" dirty="0">
+                <a:solidFill>
+                  <a:srgbClr val="00B050"/>
+                </a:solidFill>
+                <a:latin typeface="Cambria" panose="02040503050406030204" pitchFamily="18" charset="0"/>
+              </a:rPr>
+              <a:t>Example</a:t>
+            </a:r>
+            <a:r>
+              <a:rPr lang="en-US" sz="4000" b="1" dirty="0">
+                <a:solidFill>
+                  <a:srgbClr val="0000CC"/>
+                </a:solidFill>
+                <a:latin typeface="Cambria" panose="02040503050406030204" pitchFamily="18" charset="0"/>
+              </a:rPr>
+              <a:t> </a:t>
+            </a:r>
+            <a:r>
+              <a:rPr lang="lv-LV" sz="4000" b="1" dirty="0">
+                <a:solidFill>
+                  <a:srgbClr val="00B050"/>
+                </a:solidFill>
+                <a:latin typeface="Cambria" panose="02040503050406030204" pitchFamily="18" charset="0"/>
+              </a:rPr>
+              <a:t>3</a:t>
+            </a:r>
+            <a:endParaRPr lang="en-US" sz="4000" b="1" dirty="0">
+              <a:solidFill>
+                <a:srgbClr val="00B050"/>
+              </a:solidFill>
+              <a:latin typeface="Cambria" panose="02040503050406030204" pitchFamily="18" charset="0"/>
+            </a:endParaRPr>
+          </a:p>
+        </p:txBody>
+      </p:sp>
+      <p:sp>
+        <p:nvSpPr>
+          <p:cNvPr id="11" name="Rectangle 10"/>
+          <p:cNvSpPr/>
+          <p:nvPr/>
+        </p:nvSpPr>
+        <p:spPr>
+          <a:xfrm>
+            <a:off x="656329" y="1061283"/>
+            <a:ext cx="9203431" cy="461665"/>
+          </a:xfrm>
+          <a:prstGeom prst="rect">
+            <a:avLst/>
+          </a:prstGeom>
+        </p:spPr>
+        <p:txBody>
+          <a:bodyPr wrap="square">
+            <a:spAutoFit/>
+          </a:bodyPr>
+          <a:lstStyle/>
+          <a:p>
+            <a:r>
+              <a:rPr lang="en-US" sz="2400" dirty="0">
+                <a:solidFill>
+                  <a:srgbClr val="C00000"/>
+                </a:solidFill>
+                <a:latin typeface="Cambria" panose="02040503050406030204" pitchFamily="18" charset="0"/>
+              </a:rPr>
+              <a:t>Find F(s)</a:t>
+            </a:r>
+            <a:r>
+              <a:rPr lang="lv-LV" sz="2400" dirty="0">
+                <a:solidFill>
+                  <a:srgbClr val="C00000"/>
+                </a:solidFill>
+                <a:latin typeface="Cambria" panose="02040503050406030204" pitchFamily="18" charset="0"/>
+              </a:rPr>
+              <a:t> </a:t>
+            </a:r>
+            <a:r>
+              <a:rPr lang="en-US" sz="2400" dirty="0">
+                <a:solidFill>
+                  <a:srgbClr val="C00000"/>
+                </a:solidFill>
+                <a:latin typeface="Cambria" panose="02040503050406030204" pitchFamily="18" charset="0"/>
+              </a:rPr>
+              <a:t>for</a:t>
+            </a:r>
+            <a:r>
+              <a:rPr lang="lv-LV" sz="2400" dirty="0">
+                <a:solidFill>
+                  <a:srgbClr val="C00000"/>
+                </a:solidFill>
+                <a:latin typeface="Cambria" panose="02040503050406030204" pitchFamily="18" charset="0"/>
+              </a:rPr>
+              <a:t> </a:t>
+            </a:r>
+            <a:r>
+              <a:rPr lang="en-US" sz="2400" dirty="0">
+                <a:solidFill>
+                  <a:srgbClr val="C00000"/>
+                </a:solidFill>
+                <a:latin typeface="Cambria" panose="02040503050406030204" pitchFamily="18" charset="0"/>
+              </a:rPr>
+              <a:t>the signal f(t) given in the following figure</a:t>
+            </a:r>
+            <a:r>
+              <a:rPr lang="lv-LV" sz="2400" dirty="0">
+                <a:solidFill>
+                  <a:srgbClr val="C00000"/>
+                </a:solidFill>
+                <a:latin typeface="Cambria" panose="02040503050406030204" pitchFamily="18" charset="0"/>
+              </a:rPr>
+              <a:t>s</a:t>
+            </a:r>
+            <a:endParaRPr lang="en-US" sz="2400" dirty="0">
+              <a:solidFill>
+                <a:srgbClr val="C00000"/>
+              </a:solidFill>
+              <a:latin typeface="Cambria" panose="02040503050406030204" pitchFamily="18" charset="0"/>
+            </a:endParaRPr>
+          </a:p>
+        </p:txBody>
+      </p:sp>
+      <p:pic>
+        <p:nvPicPr>
+          <p:cNvPr id="12" name="Picture 11"/>
+          <p:cNvPicPr>
+            <a:picLocks noChangeAspect="1"/>
+          </p:cNvPicPr>
+          <p:nvPr/>
+        </p:nvPicPr>
+        <p:blipFill>
+          <a:blip r:embed="rId5" cstate="print"/>
+          <a:stretch>
+            <a:fillRect/>
+          </a:stretch>
+        </p:blipFill>
+        <p:spPr>
+          <a:xfrm>
+            <a:off x="656329" y="4185531"/>
+            <a:ext cx="3713108" cy="1808420"/>
+          </a:xfrm>
+          <a:prstGeom prst="rect">
+            <a:avLst/>
+          </a:prstGeom>
+        </p:spPr>
+      </p:pic>
+      <p:pic>
+        <p:nvPicPr>
+          <p:cNvPr id="3" name="Picture 2"/>
+          <p:cNvPicPr>
+            <a:picLocks noChangeAspect="1"/>
+          </p:cNvPicPr>
+          <p:nvPr/>
+        </p:nvPicPr>
+        <p:blipFill>
+          <a:blip r:embed="rId6"/>
+          <a:stretch>
+            <a:fillRect/>
+          </a:stretch>
+        </p:blipFill>
+        <p:spPr>
+          <a:xfrm>
+            <a:off x="4598170" y="5364300"/>
+            <a:ext cx="6754953" cy="847417"/>
+          </a:xfrm>
+          <a:prstGeom prst="rect">
+            <a:avLst/>
+          </a:prstGeom>
+        </p:spPr>
+      </p:pic>
+      <p:sp>
+        <p:nvSpPr>
+          <p:cNvPr id="16" name="Rectangle 15"/>
+          <p:cNvSpPr/>
+          <p:nvPr/>
+        </p:nvSpPr>
+        <p:spPr>
+          <a:xfrm>
+            <a:off x="171720" y="2002506"/>
+            <a:ext cx="1767506" cy="369332"/>
+          </a:xfrm>
+          <a:prstGeom prst="rect">
+            <a:avLst/>
+          </a:prstGeom>
+        </p:spPr>
+        <p:txBody>
+          <a:bodyPr wrap="square">
+            <a:spAutoFit/>
+          </a:bodyPr>
+          <a:lstStyle/>
+          <a:p>
+            <a:r>
+              <a:rPr lang="lv-LV" b="1" dirty="0">
+                <a:solidFill>
+                  <a:srgbClr val="006600"/>
+                </a:solidFill>
+                <a:latin typeface="Cambria" panose="02040503050406030204" pitchFamily="18" charset="0"/>
+              </a:rPr>
+              <a:t>Recall LT pairs</a:t>
+            </a:r>
+            <a:endParaRPr lang="en-US" b="1" dirty="0">
+              <a:solidFill>
+                <a:srgbClr val="006600"/>
+              </a:solidFill>
+              <a:latin typeface="Cambria" panose="02040503050406030204" pitchFamily="18" charset="0"/>
+            </a:endParaRPr>
+          </a:p>
+        </p:txBody>
+      </p:sp>
+      <p:sp>
+        <p:nvSpPr>
+          <p:cNvPr id="17" name="Rectangle 16"/>
+          <p:cNvSpPr/>
+          <p:nvPr/>
+        </p:nvSpPr>
+        <p:spPr>
+          <a:xfrm>
+            <a:off x="656329" y="1515588"/>
+            <a:ext cx="605307" cy="461665"/>
+          </a:xfrm>
+          <a:prstGeom prst="rect">
+            <a:avLst/>
+          </a:prstGeom>
+        </p:spPr>
+        <p:txBody>
+          <a:bodyPr wrap="square">
+            <a:spAutoFit/>
+          </a:bodyPr>
+          <a:lstStyle/>
+          <a:p>
+            <a:r>
+              <a:rPr lang="en-US" sz="2400" b="1" dirty="0">
+                <a:solidFill>
+                  <a:srgbClr val="C00000"/>
+                </a:solidFill>
+                <a:latin typeface="Cambria" panose="02040503050406030204" pitchFamily="18" charset="0"/>
+              </a:rPr>
+              <a:t>A)</a:t>
+            </a:r>
+          </a:p>
+        </p:txBody>
+      </p:sp>
+      <p:sp>
+        <p:nvSpPr>
+          <p:cNvPr id="18" name="Rectangle 17"/>
+          <p:cNvSpPr/>
+          <p:nvPr/>
+        </p:nvSpPr>
+        <p:spPr>
+          <a:xfrm>
+            <a:off x="570080" y="3468207"/>
+            <a:ext cx="605307" cy="461665"/>
+          </a:xfrm>
+          <a:prstGeom prst="rect">
+            <a:avLst/>
+          </a:prstGeom>
+        </p:spPr>
+        <p:txBody>
+          <a:bodyPr wrap="square">
+            <a:spAutoFit/>
+          </a:bodyPr>
+          <a:lstStyle/>
+          <a:p>
+            <a:r>
+              <a:rPr lang="en-US" sz="2400" b="1" dirty="0">
+                <a:solidFill>
+                  <a:srgbClr val="C00000"/>
+                </a:solidFill>
+                <a:latin typeface="Cambria" panose="02040503050406030204" pitchFamily="18" charset="0"/>
+              </a:rPr>
+              <a:t>B)</a:t>
+            </a:r>
+          </a:p>
+        </p:txBody>
+      </p:sp>
+      <p:sp>
+        <p:nvSpPr>
+          <p:cNvPr id="5" name="Slide Number Placeholder 4"/>
+          <p:cNvSpPr>
+            <a:spLocks noGrp="1"/>
+          </p:cNvSpPr>
+          <p:nvPr>
+            <p:ph type="sldNum" sz="quarter" idx="7"/>
+          </p:nvPr>
+        </p:nvSpPr>
+        <p:spPr/>
+        <p:txBody>
+          <a:bodyPr/>
+          <a:lstStyle/>
+          <a:p>
+            <a:fld id="{539F810C-9DAB-49B2-B45C-341744954A16}" type="slidenum">
+              <a:rPr lang="en-GB" smtClean="0"/>
+              <a:pPr/>
+              <a:t>22</a:t>
+            </a:fld>
+            <a:endParaRPr lang="en-GB"/>
+          </a:p>
+        </p:txBody>
+      </p:sp>
+      <mc:AlternateContent xmlns:mc="http://schemas.openxmlformats.org/markup-compatibility/2006">
+        <mc:Choice xmlns:a14="http://schemas.microsoft.com/office/drawing/2010/main" Requires="a14">
+          <p:sp>
+            <p:nvSpPr>
+              <p:cNvPr id="8" name="TextBox 7"/>
+              <p:cNvSpPr txBox="1"/>
+              <p:nvPr/>
+            </p:nvSpPr>
+            <p:spPr>
+              <a:xfrm>
+                <a:off x="4458285" y="3568779"/>
+                <a:ext cx="7200315" cy="722185"/>
+              </a:xfrm>
+              <a:prstGeom prst="rect">
+                <a:avLst/>
+              </a:prstGeom>
+              <a:noFill/>
+            </p:spPr>
+            <p:txBody>
+              <a:bodyPr wrap="square" rtlCol="0">
+                <a:spAutoFit/>
+              </a:bodyPr>
+              <a:lstStyle/>
+              <a:p>
+                <a:r>
+                  <a:rPr lang="en-US" sz="2800" dirty="0" smtClean="0"/>
+                  <a:t>f(t) = </a:t>
+                </a:r>
+                <a:r>
+                  <a:rPr lang="en-US" sz="2800" dirty="0" err="1" smtClean="0"/>
+                  <a:t>ku</a:t>
+                </a:r>
+                <a:r>
+                  <a:rPr lang="en-US" sz="2800" dirty="0" smtClean="0"/>
+                  <a:t>(t) - </a:t>
+                </a:r>
+                <a14:m>
+                  <m:oMath xmlns:m="http://schemas.openxmlformats.org/officeDocument/2006/math">
+                    <m:f>
+                      <m:fPr>
+                        <m:ctrlPr>
+                          <a:rPr lang="en-US" sz="2800" i="1">
+                            <a:latin typeface="Cambria Math"/>
+                          </a:rPr>
+                        </m:ctrlPr>
+                      </m:fPr>
+                      <m:num>
+                        <m:r>
+                          <m:rPr>
+                            <m:sty m:val="p"/>
+                          </m:rPr>
+                          <a:rPr lang="en-US" sz="2800" b="0" i="0" smtClean="0">
+                            <a:latin typeface="Cambria Math"/>
+                          </a:rPr>
+                          <m:t>K</m:t>
+                        </m:r>
+                      </m:num>
+                      <m:den>
+                        <m:r>
+                          <a:rPr lang="en-US" sz="2800" b="0" i="1" smtClean="0">
+                            <a:latin typeface="Cambria Math"/>
+                          </a:rPr>
+                          <m:t>𝑇</m:t>
+                        </m:r>
+                        <m:r>
+                          <a:rPr lang="en-US" sz="2800" b="0" i="1" baseline="-25000" smtClean="0">
+                            <a:latin typeface="Cambria Math"/>
+                          </a:rPr>
+                          <m:t>2</m:t>
+                        </m:r>
+                        <m:r>
+                          <a:rPr lang="en-US" sz="2800" b="0" i="1" smtClean="0">
+                            <a:latin typeface="Cambria Math"/>
+                          </a:rPr>
+                          <m:t> −</m:t>
+                        </m:r>
+                        <m:r>
+                          <a:rPr lang="en-US" sz="2800" b="0" i="1" smtClean="0">
+                            <a:latin typeface="Cambria Math"/>
+                          </a:rPr>
+                          <m:t>𝑇</m:t>
+                        </m:r>
+                        <m:r>
+                          <a:rPr lang="en-US" sz="2800" b="0" i="1" baseline="-25000" smtClean="0">
+                            <a:latin typeface="Cambria Math"/>
+                          </a:rPr>
+                          <m:t>1</m:t>
+                        </m:r>
+                      </m:den>
+                    </m:f>
+                  </m:oMath>
+                </a14:m>
+                <a:r>
+                  <a:rPr lang="en-US" sz="2800" dirty="0" smtClean="0"/>
+                  <a:t>r(t – T</a:t>
+                </a:r>
+                <a:r>
+                  <a:rPr lang="en-US" sz="2800" baseline="-25000" dirty="0" smtClean="0"/>
+                  <a:t>1</a:t>
+                </a:r>
+                <a:r>
+                  <a:rPr lang="en-US" sz="2800" dirty="0" smtClean="0"/>
+                  <a:t>) + </a:t>
+                </a:r>
+                <a14:m>
+                  <m:oMath xmlns:m="http://schemas.openxmlformats.org/officeDocument/2006/math">
+                    <m:f>
+                      <m:fPr>
+                        <m:ctrlPr>
+                          <a:rPr lang="en-US" sz="2800" i="1">
+                            <a:latin typeface="Cambria Math"/>
+                          </a:rPr>
+                        </m:ctrlPr>
+                      </m:fPr>
+                      <m:num>
+                        <m:r>
+                          <m:rPr>
+                            <m:sty m:val="p"/>
+                          </m:rPr>
+                          <a:rPr lang="en-US" sz="2800" b="0" i="0" smtClean="0">
+                            <a:latin typeface="Cambria Math"/>
+                          </a:rPr>
+                          <m:t>k</m:t>
+                        </m:r>
+                      </m:num>
+                      <m:den>
+                        <m:r>
+                          <a:rPr lang="en-US" sz="2800" b="0" i="1" smtClean="0">
+                            <a:latin typeface="Cambria Math"/>
+                          </a:rPr>
+                          <m:t>𝑇</m:t>
+                        </m:r>
+                        <m:r>
+                          <a:rPr lang="en-US" sz="2800" b="0" i="1" baseline="-25000" smtClean="0">
+                            <a:latin typeface="Cambria Math"/>
+                          </a:rPr>
+                          <m:t>2</m:t>
+                        </m:r>
+                        <m:r>
+                          <a:rPr lang="en-US" sz="2800" b="0" i="1" smtClean="0">
+                            <a:latin typeface="Cambria Math"/>
+                          </a:rPr>
+                          <m:t> −</m:t>
+                        </m:r>
+                        <m:r>
+                          <a:rPr lang="en-US" sz="2800" b="0" i="1" smtClean="0">
+                            <a:latin typeface="Cambria Math"/>
+                          </a:rPr>
+                          <m:t>𝑇</m:t>
+                        </m:r>
+                        <m:r>
+                          <a:rPr lang="en-US" sz="2800" b="0" i="1" baseline="-25000" smtClean="0">
+                            <a:latin typeface="Cambria Math"/>
+                          </a:rPr>
+                          <m:t>1</m:t>
+                        </m:r>
+                      </m:den>
+                    </m:f>
+                    <m:r>
+                      <m:rPr>
+                        <m:sty m:val="p"/>
+                      </m:rPr>
+                      <a:rPr lang="en-US" sz="2800" b="0" i="0" smtClean="0">
+                        <a:latin typeface="Cambria Math"/>
+                      </a:rPr>
+                      <m:t>r</m:t>
+                    </m:r>
+                    <m:r>
+                      <a:rPr lang="en-US" sz="2800" b="0" i="0" smtClean="0">
+                        <a:latin typeface="Cambria Math"/>
+                      </a:rPr>
+                      <m:t>(</m:t>
+                    </m:r>
+                    <m:r>
+                      <m:rPr>
+                        <m:sty m:val="p"/>
+                      </m:rPr>
+                      <a:rPr lang="en-US" sz="2800" b="0" i="0" smtClean="0">
+                        <a:latin typeface="Cambria Math"/>
+                      </a:rPr>
+                      <m:t>t</m:t>
+                    </m:r>
+                    <m:r>
+                      <a:rPr lang="en-US" sz="2800" b="0" i="0" smtClean="0">
+                        <a:latin typeface="Cambria Math"/>
+                      </a:rPr>
+                      <m:t> −</m:t>
+                    </m:r>
+                    <m:r>
+                      <m:rPr>
+                        <m:sty m:val="p"/>
+                      </m:rPr>
+                      <a:rPr lang="en-US" sz="2800" b="0" i="0" smtClean="0">
+                        <a:latin typeface="Cambria Math"/>
+                      </a:rPr>
+                      <m:t>T</m:t>
+                    </m:r>
+                    <m:r>
+                      <a:rPr lang="en-US" sz="2800" b="0" i="0" baseline="-25000" smtClean="0">
+                        <a:latin typeface="Cambria Math"/>
+                      </a:rPr>
+                      <m:t>2</m:t>
+                    </m:r>
+                    <m:r>
+                      <a:rPr lang="en-US" sz="2800" b="0" i="0" smtClean="0">
+                        <a:latin typeface="Cambria Math"/>
+                      </a:rPr>
+                      <m:t>)</m:t>
+                    </m:r>
+                  </m:oMath>
+                </a14:m>
+                <a:r>
+                  <a:rPr lang="en-US" sz="2800" dirty="0" smtClean="0"/>
+                  <a:t> </a:t>
+                </a:r>
+                <a:endParaRPr lang="en-US" sz="2800" dirty="0"/>
+              </a:p>
+            </p:txBody>
+          </p:sp>
+        </mc:Choice>
+        <mc:Fallback>
+          <p:sp>
+            <p:nvSpPr>
+              <p:cNvPr id="8" name="TextBox 7"/>
+              <p:cNvSpPr txBox="1">
+                <a:spLocks noRot="1" noChangeAspect="1" noMove="1" noResize="1" noEditPoints="1" noAdjustHandles="1" noChangeArrowheads="1" noChangeShapeType="1" noTextEdit="1"/>
+              </p:cNvSpPr>
+              <p:nvPr/>
+            </p:nvSpPr>
+            <p:spPr>
+              <a:xfrm>
+                <a:off x="4458285" y="3568779"/>
+                <a:ext cx="7200315" cy="722185"/>
+              </a:xfrm>
+              <a:prstGeom prst="rect">
+                <a:avLst/>
+              </a:prstGeom>
+              <a:blipFill rotWithShape="1">
+                <a:blip r:embed="rId7"/>
+                <a:stretch>
+                  <a:fillRect l="-1692" b="-10924"/>
+                </a:stretch>
+              </a:blipFill>
+            </p:spPr>
+            <p:txBody>
+              <a:bodyPr/>
+              <a:lstStyle/>
+              <a:p>
+                <a:r>
+                  <a:rPr lang="en-US">
+                    <a:noFill/>
+                  </a:rPr>
+                  <a:t> </a:t>
+                </a:r>
+              </a:p>
+            </p:txBody>
+          </p:sp>
+        </mc:Fallback>
+      </mc:AlternateContent>
+    </p:spTree>
+    <p:extLst>
+      <p:ext uri="{BB962C8B-B14F-4D97-AF65-F5344CB8AC3E}">
+        <p14:creationId xmlns:p14="http://schemas.microsoft.com/office/powerpoint/2010/main" val="705802994"/>
+      </p:ext>
+    </p:extLst>
+  </p:cSld>
+  <p:clrMapOvr>
+    <a:masterClrMapping/>
+  </p:clrMapOvr>
+  <p:timing>
+    <p:tnLst>
+      <p:par>
+        <p:cTn id="1" dur="indefinite" restart="never" nodeType="tmRoot">
+          <p:childTnLst>
+            <p:seq concurrent="1" nextAc="seek">
+              <p:cTn id="2" dur="indefinite" nodeType="mainSeq">
+                <p:childTnLst>
+                  <p:par>
+                    <p:cTn id="3" fill="hold">
+                      <p:stCondLst>
+                        <p:cond delay="indefinite"/>
+                      </p:stCondLst>
+                      <p:childTnLst>
+                        <p:par>
+                          <p:cTn id="4" fill="hold">
+                            <p:stCondLst>
+                              <p:cond delay="0"/>
+                            </p:stCondLst>
+                            <p:childTnLst>
+                              <p:par>
+                                <p:cTn id="5" presetID="1" presetClass="entr" presetSubtype="0" fill="hold" grpId="0" nodeType="clickEffect">
+                                  <p:stCondLst>
+                                    <p:cond delay="0"/>
+                                  </p:stCondLst>
+                                  <p:childTnLst>
+                                    <p:set>
+                                      <p:cBhvr>
+                                        <p:cTn id="6" dur="1" fill="hold">
+                                          <p:stCondLst>
+                                            <p:cond delay="0"/>
+                                          </p:stCondLst>
+                                        </p:cTn>
+                                        <p:tgtEl>
+                                          <p:spTgt spid="6"/>
+                                        </p:tgtEl>
+                                        <p:attrNameLst>
+                                          <p:attrName>style.visibility</p:attrName>
+                                        </p:attrNameLst>
+                                      </p:cBhvr>
+                                      <p:to>
+                                        <p:strVal val="visible"/>
+                                      </p:to>
+                                    </p:set>
+                                  </p:childTnLst>
+                                </p:cTn>
+                              </p:par>
+                            </p:childTnLst>
+                          </p:cTn>
+                        </p:par>
+                      </p:childTnLst>
+                    </p:cTn>
+                  </p:par>
+                  <p:par>
+                    <p:cTn id="7" fill="hold">
+                      <p:stCondLst>
+                        <p:cond delay="indefinite"/>
+                      </p:stCondLst>
+                      <p:childTnLst>
+                        <p:par>
+                          <p:cTn id="8" fill="hold">
+                            <p:stCondLst>
+                              <p:cond delay="0"/>
+                            </p:stCondLst>
+                            <p:childTnLst>
+                              <p:par>
+                                <p:cTn id="9" presetID="2" presetClass="entr" presetSubtype="4" fill="hold" grpId="0" nodeType="clickEffect">
+                                  <p:stCondLst>
+                                    <p:cond delay="0"/>
+                                  </p:stCondLst>
+                                  <p:childTnLst>
+                                    <p:set>
+                                      <p:cBhvr>
+                                        <p:cTn id="10" dur="1" fill="hold">
+                                          <p:stCondLst>
+                                            <p:cond delay="0"/>
+                                          </p:stCondLst>
+                                        </p:cTn>
+                                        <p:tgtEl>
+                                          <p:spTgt spid="7"/>
+                                        </p:tgtEl>
+                                        <p:attrNameLst>
+                                          <p:attrName>style.visibility</p:attrName>
+                                        </p:attrNameLst>
+                                      </p:cBhvr>
+                                      <p:to>
+                                        <p:strVal val="visible"/>
+                                      </p:to>
+                                    </p:set>
+                                    <p:anim calcmode="lin" valueType="num">
+                                      <p:cBhvr additive="base">
+                                        <p:cTn id="11" dur="500" fill="hold"/>
+                                        <p:tgtEl>
+                                          <p:spTgt spid="7"/>
+                                        </p:tgtEl>
+                                        <p:attrNameLst>
+                                          <p:attrName>ppt_x</p:attrName>
+                                        </p:attrNameLst>
+                                      </p:cBhvr>
+                                      <p:tavLst>
+                                        <p:tav tm="0">
+                                          <p:val>
+                                            <p:strVal val="#ppt_x"/>
+                                          </p:val>
+                                        </p:tav>
+                                        <p:tav tm="100000">
+                                          <p:val>
+                                            <p:strVal val="#ppt_x"/>
+                                          </p:val>
+                                        </p:tav>
+                                      </p:tavLst>
+                                    </p:anim>
+                                    <p:anim calcmode="lin" valueType="num">
+                                      <p:cBhvr additive="base">
+                                        <p:cTn id="12" dur="500" fill="hold"/>
+                                        <p:tgtEl>
+                                          <p:spTgt spid="7"/>
+                                        </p:tgtEl>
+                                        <p:attrNameLst>
+                                          <p:attrName>ppt_y</p:attrName>
+                                        </p:attrNameLst>
+                                      </p:cBhvr>
+                                      <p:tavLst>
+                                        <p:tav tm="0">
+                                          <p:val>
+                                            <p:strVal val="1+#ppt_h/2"/>
+                                          </p:val>
+                                        </p:tav>
+                                        <p:tav tm="100000">
+                                          <p:val>
+                                            <p:strVal val="#ppt_y"/>
+                                          </p:val>
+                                        </p:tav>
+                                      </p:tavLst>
+                                    </p:anim>
+                                  </p:childTnLst>
+                                </p:cTn>
+                              </p:par>
+                            </p:childTnLst>
+                          </p:cTn>
+                        </p:par>
+                      </p:childTnLst>
+                    </p:cTn>
+                  </p:par>
+                  <p:par>
+                    <p:cTn id="13" fill="hold">
+                      <p:stCondLst>
+                        <p:cond delay="indefinite"/>
+                      </p:stCondLst>
+                      <p:childTnLst>
+                        <p:par>
+                          <p:cTn id="14" fill="hold">
+                            <p:stCondLst>
+                              <p:cond delay="0"/>
+                            </p:stCondLst>
+                            <p:childTnLst>
+                              <p:par>
+                                <p:cTn id="15" presetID="1" presetClass="entr" presetSubtype="0" fill="hold" nodeType="clickEffect">
+                                  <p:stCondLst>
+                                    <p:cond delay="0"/>
+                                  </p:stCondLst>
+                                  <p:childTnLst>
+                                    <p:set>
+                                      <p:cBhvr>
+                                        <p:cTn id="16" dur="1" fill="hold">
+                                          <p:stCondLst>
+                                            <p:cond delay="0"/>
+                                          </p:stCondLst>
+                                        </p:cTn>
+                                        <p:tgtEl>
+                                          <p:spTgt spid="12"/>
+                                        </p:tgtEl>
+                                        <p:attrNameLst>
+                                          <p:attrName>style.visibility</p:attrName>
+                                        </p:attrNameLst>
+                                      </p:cBhvr>
+                                      <p:to>
+                                        <p:strVal val="visible"/>
+                                      </p:to>
+                                    </p:set>
+                                  </p:childTnLst>
+                                </p:cTn>
+                              </p:par>
+                              <p:par>
+                                <p:cTn id="17" presetID="1" presetClass="entr" presetSubtype="0" fill="hold" grpId="0" nodeType="withEffect">
+                                  <p:stCondLst>
+                                    <p:cond delay="0"/>
+                                  </p:stCondLst>
+                                  <p:childTnLst>
+                                    <p:set>
+                                      <p:cBhvr>
+                                        <p:cTn id="18" dur="1" fill="hold">
+                                          <p:stCondLst>
+                                            <p:cond delay="0"/>
+                                          </p:stCondLst>
+                                        </p:cTn>
+                                        <p:tgtEl>
+                                          <p:spTgt spid="18"/>
+                                        </p:tgtEl>
+                                        <p:attrNameLst>
+                                          <p:attrName>style.visibility</p:attrName>
+                                        </p:attrNameLst>
+                                      </p:cBhvr>
+                                      <p:to>
+                                        <p:strVal val="visible"/>
+                                      </p:to>
+                                    </p:set>
+                                  </p:childTnLst>
+                                </p:cTn>
+                              </p:par>
+                            </p:childTnLst>
+                          </p:cTn>
+                        </p:par>
+                      </p:childTnLst>
+                    </p:cTn>
+                  </p:par>
+                  <p:par>
+                    <p:cTn id="19" fill="hold">
+                      <p:stCondLst>
+                        <p:cond delay="indefinite"/>
+                      </p:stCondLst>
+                      <p:childTnLst>
+                        <p:par>
+                          <p:cTn id="20" fill="hold">
+                            <p:stCondLst>
+                              <p:cond delay="0"/>
+                            </p:stCondLst>
+                            <p:childTnLst>
+                              <p:par>
+                                <p:cTn id="21" presetID="2" presetClass="entr" presetSubtype="4" fill="hold" nodeType="clickEffect">
+                                  <p:stCondLst>
+                                    <p:cond delay="0"/>
+                                  </p:stCondLst>
+                                  <p:childTnLst>
+                                    <p:set>
+                                      <p:cBhvr>
+                                        <p:cTn id="22" dur="1" fill="hold">
+                                          <p:stCondLst>
+                                            <p:cond delay="0"/>
+                                          </p:stCondLst>
+                                        </p:cTn>
+                                        <p:tgtEl>
+                                          <p:spTgt spid="3"/>
+                                        </p:tgtEl>
+                                        <p:attrNameLst>
+                                          <p:attrName>style.visibility</p:attrName>
+                                        </p:attrNameLst>
+                                      </p:cBhvr>
+                                      <p:to>
+                                        <p:strVal val="visible"/>
+                                      </p:to>
+                                    </p:set>
+                                    <p:anim calcmode="lin" valueType="num">
+                                      <p:cBhvr additive="base">
+                                        <p:cTn id="23" dur="500" fill="hold"/>
+                                        <p:tgtEl>
+                                          <p:spTgt spid="3"/>
+                                        </p:tgtEl>
+                                        <p:attrNameLst>
+                                          <p:attrName>ppt_x</p:attrName>
+                                        </p:attrNameLst>
+                                      </p:cBhvr>
+                                      <p:tavLst>
+                                        <p:tav tm="0">
+                                          <p:val>
+                                            <p:strVal val="#ppt_x"/>
+                                          </p:val>
+                                        </p:tav>
+                                        <p:tav tm="100000">
+                                          <p:val>
+                                            <p:strVal val="#ppt_x"/>
+                                          </p:val>
+                                        </p:tav>
+                                      </p:tavLst>
+                                    </p:anim>
+                                    <p:anim calcmode="lin" valueType="num">
+                                      <p:cBhvr additive="base">
+                                        <p:cTn id="24" dur="500" fill="hold"/>
+                                        <p:tgtEl>
+                                          <p:spTgt spid="3"/>
+                                        </p:tgtEl>
+                                        <p:attrNameLst>
+                                          <p:attrName>ppt_y</p:attrName>
+                                        </p:attrNameLst>
+                                      </p:cBhvr>
+                                      <p:tavLst>
+                                        <p:tav tm="0">
+                                          <p:val>
+                                            <p:strVal val="1+#ppt_h/2"/>
+                                          </p:val>
+                                        </p:tav>
+                                        <p:tav tm="100000">
+                                          <p:val>
+                                            <p:strVal val="#ppt_y"/>
+                                          </p:val>
+                                        </p:tav>
+                                      </p:tavLst>
+                                    </p:anim>
+                                  </p:childTnLst>
+                                </p:cTn>
+                              </p:par>
+                            </p:childTnLst>
+                          </p:cTn>
+                        </p:par>
+                      </p:childTnLst>
+                    </p:cTn>
+                  </p:par>
+                </p:childTnLst>
+              </p:cTn>
+              <p:prevCondLst>
+                <p:cond evt="onPrev" delay="0">
+                  <p:tgtEl>
+                    <p:sldTgt/>
+                  </p:tgtEl>
+                </p:cond>
+              </p:prevCondLst>
+              <p:nextCondLst>
+                <p:cond evt="onNext" delay="0">
+                  <p:tgtEl>
+                    <p:sldTgt/>
+                  </p:tgtEl>
+                </p:cond>
+              </p:nextCondLst>
+            </p:seq>
+          </p:childTnLst>
+        </p:cTn>
+      </p:par>
+    </p:tnLst>
+    <p:bldLst>
+      <p:bldP spid="6" grpId="0"/>
+      <p:bldP spid="7" grpId="0" animBg="1"/>
+      <p:bldP spid="18" grpId="0"/>
+    </p:bldLst>
+  </p:timing>
+</p:sld>
+</file>
+
+<file path=ppt/slides/slide23.xml><?xml version="1.0" encoding="utf-8"?>
+<p:sld xmlns:a="http://schemas.openxmlformats.org/drawingml/2006/main" xmlns:r="http://schemas.openxmlformats.org/officeDocument/2006/relationships" xmlns:p="http://schemas.openxmlformats.org/presentationml/2006/main">
+  <p:cSld>
+    <p:spTree>
+      <p:nvGrpSpPr>
+        <p:cNvPr id="1" name=""/>
+        <p:cNvGrpSpPr/>
+        <p:nvPr/>
+      </p:nvGrpSpPr>
+      <p:grpSpPr>
+        <a:xfrm>
+          <a:off x="0" y="0"/>
+          <a:ext cx="0" cy="0"/>
+          <a:chOff x="0" y="0"/>
+          <a:chExt cx="0" cy="0"/>
+        </a:xfrm>
+      </p:grpSpPr>
       <mc:AlternateContent xmlns:mc="http://schemas.openxmlformats.org/markup-compatibility/2006" xmlns:a14="http://schemas.microsoft.com/office/drawing/2010/main">
         <mc:Choice Requires="a14">
           <p:sp>
@@ -17728,7 +20465,7 @@
             <a:fld id="{539F810C-9DAB-49B2-B45C-341744954A16}" type="slidenum">
               <a:rPr lang="en-GB" smtClean="0"/>
               <a:pPr/>
-              <a:t>22</a:t>
+              <a:t>23</a:t>
             </a:fld>
             <a:endParaRPr lang="en-GB"/>
           </a:p>
@@ -17917,7 +20654,7 @@
 </p:sld>
 </file>
 
-<file path=ppt/slides/slide23.xml><?xml version="1.0" encoding="utf-8"?>
+<file path=ppt/slides/slide24.xml><?xml version="1.0" encoding="utf-8"?>
 <p:sld xmlns:a="http://schemas.openxmlformats.org/drawingml/2006/main" xmlns:r="http://schemas.openxmlformats.org/officeDocument/2006/relationships" xmlns:p="http://schemas.openxmlformats.org/presentationml/2006/main">
   <p:cSld>
     <p:spTree>
@@ -20198,7 +22935,7 @@
             <a:fld id="{539F810C-9DAB-49B2-B45C-341744954A16}" type="slidenum">
               <a:rPr lang="en-GB" smtClean="0"/>
               <a:pPr/>
-              <a:t>23</a:t>
+              <a:t>24</a:t>
             </a:fld>
             <a:endParaRPr lang="en-GB"/>
           </a:p>
@@ -20217,7 +22954,7 @@
 </p:sld>
 </file>
 
-<file path=ppt/slides/slide24.xml><?xml version="1.0" encoding="utf-8"?>
+<file path=ppt/slides/slide25.xml><?xml version="1.0" encoding="utf-8"?>
 <p:sld xmlns:a="http://schemas.openxmlformats.org/drawingml/2006/main" xmlns:r="http://schemas.openxmlformats.org/officeDocument/2006/relationships" xmlns:p="http://schemas.openxmlformats.org/presentationml/2006/main">
   <p:cSld>
     <p:spTree>
@@ -23810,7 +26547,7 @@
             <a:fld id="{539F810C-9DAB-49B2-B45C-341744954A16}" type="slidenum">
               <a:rPr lang="en-GB" smtClean="0"/>
               <a:pPr/>
-              <a:t>24</a:t>
+              <a:t>25</a:t>
             </a:fld>
             <a:endParaRPr lang="en-GB"/>
           </a:p>
@@ -24183,7 +26920,7 @@
 </p:sld>
 </file>
 
-<file path=ppt/slides/slide25.xml><?xml version="1.0" encoding="utf-8"?>
+<file path=ppt/slides/slide26.xml><?xml version="1.0" encoding="utf-8"?>
 <p:sld xmlns:a="http://schemas.openxmlformats.org/drawingml/2006/main" xmlns:r="http://schemas.openxmlformats.org/officeDocument/2006/relationships" xmlns:p="http://schemas.openxmlformats.org/presentationml/2006/main">
   <p:cSld>
     <p:spTree>
@@ -24258,7 +26995,7 @@
             <a:fld id="{539F810C-9DAB-49B2-B45C-341744954A16}" type="slidenum">
               <a:rPr lang="en-GB" smtClean="0"/>
               <a:pPr/>
-              <a:t>25</a:t>
+              <a:t>26</a:t>
             </a:fld>
             <a:endParaRPr lang="en-GB"/>
           </a:p>
@@ -24469,7 +27206,7 @@
 </p:sld>
 </file>
 
-<file path=ppt/slides/slide26.xml><?xml version="1.0" encoding="utf-8"?>
+<file path=ppt/slides/slide27.xml><?xml version="1.0" encoding="utf-8"?>
 <p:sld xmlns:a="http://schemas.openxmlformats.org/drawingml/2006/main" xmlns:r="http://schemas.openxmlformats.org/officeDocument/2006/relationships" xmlns:p="http://schemas.openxmlformats.org/presentationml/2006/main">
   <p:cSld>
     <p:spTree>
@@ -25714,7 +28451,7 @@
             <a:fld id="{539F810C-9DAB-49B2-B45C-341744954A16}" type="slidenum">
               <a:rPr lang="en-GB" smtClean="0"/>
               <a:pPr/>
-              <a:t>26</a:t>
+              <a:t>27</a:t>
             </a:fld>
             <a:endParaRPr lang="en-GB"/>
           </a:p>
@@ -26229,7 +28966,7 @@
 </p:sld>
 </file>
 
-<file path=ppt/slides/slide27.xml><?xml version="1.0" encoding="utf-8"?>
+<file path=ppt/slides/slide28.xml><?xml version="1.0" encoding="utf-8"?>
 <p:sld xmlns:a="http://schemas.openxmlformats.org/drawingml/2006/main" xmlns:r="http://schemas.openxmlformats.org/officeDocument/2006/relationships" xmlns:p="http://schemas.openxmlformats.org/presentationml/2006/main">
   <p:cSld>
     <p:spTree>
@@ -27041,7 +29778,7 @@
             <a:fld id="{539F810C-9DAB-49B2-B45C-341744954A16}" type="slidenum">
               <a:rPr lang="en-GB" smtClean="0"/>
               <a:pPr/>
-              <a:t>27</a:t>
+              <a:t>28</a:t>
             </a:fld>
             <a:endParaRPr lang="en-GB"/>
           </a:p>
@@ -27392,7 +30129,7 @@
 </p:sld>
 </file>
 
-<file path=ppt/slides/slide28.xml><?xml version="1.0" encoding="utf-8"?>
+<file path=ppt/slides/slide29.xml><?xml version="1.0" encoding="utf-8"?>
 <p:sld xmlns:a="http://schemas.openxmlformats.org/drawingml/2006/main" xmlns:r="http://schemas.openxmlformats.org/officeDocument/2006/relationships" xmlns:p="http://schemas.openxmlformats.org/presentationml/2006/main">
   <p:cSld>
     <p:spTree>
@@ -27427,7 +30164,7 @@
             <a:fld id="{539F810C-9DAB-49B2-B45C-341744954A16}" type="slidenum">
               <a:rPr lang="en-GB" smtClean="0"/>
               <a:pPr/>
-              <a:t>28</a:t>
+              <a:t>29</a:t>
             </a:fld>
             <a:endParaRPr lang="en-GB"/>
           </a:p>
@@ -28048,408 +30785,6 @@
 </p:sld>
 </file>
 
-<file path=ppt/slides/slide29.xml><?xml version="1.0" encoding="utf-8"?>
-<p:sld xmlns:a="http://schemas.openxmlformats.org/drawingml/2006/main" xmlns:r="http://schemas.openxmlformats.org/officeDocument/2006/relationships" xmlns:p="http://schemas.openxmlformats.org/presentationml/2006/main">
-  <p:cSld>
-    <p:spTree>
-      <p:nvGrpSpPr>
-        <p:cNvPr id="1" name=""/>
-        <p:cNvGrpSpPr/>
-        <p:nvPr/>
-      </p:nvGrpSpPr>
-      <p:grpSpPr>
-        <a:xfrm>
-          <a:off x="0" y="0"/>
-          <a:ext cx="0" cy="0"/>
-          <a:chOff x="0" y="0"/>
-          <a:chExt cx="0" cy="0"/>
-        </a:xfrm>
-      </p:grpSpPr>
-      <p:sp>
-        <p:nvSpPr>
-          <p:cNvPr id="7" name="TextBox 6"/>
-          <p:cNvSpPr txBox="1"/>
-          <p:nvPr/>
-        </p:nvSpPr>
-        <p:spPr>
-          <a:xfrm>
-            <a:off x="1020539" y="5266932"/>
-            <a:ext cx="8069004" cy="584775"/>
-          </a:xfrm>
-          <a:prstGeom prst="rect">
-            <a:avLst/>
-          </a:prstGeom>
-          <a:noFill/>
-        </p:spPr>
-        <p:txBody>
-          <a:bodyPr wrap="none" rtlCol="0">
-            <a:spAutoFit/>
-          </a:bodyPr>
-          <a:lstStyle/>
-          <a:p>
-            <a:r>
-              <a:rPr lang="en-US" sz="3200" b="1" dirty="0">
-                <a:solidFill>
-                  <a:srgbClr val="0000CC"/>
-                </a:solidFill>
-                <a:latin typeface="Cambria" panose="02040503050406030204" pitchFamily="18" charset="0"/>
-              </a:rPr>
-              <a:t>Suggested Additional Problems for Ch. 12:</a:t>
-            </a:r>
-          </a:p>
-        </p:txBody>
-      </p:sp>
-      <p:sp>
-        <p:nvSpPr>
-          <p:cNvPr id="11" name="Rectangle 10"/>
-          <p:cNvSpPr/>
-          <p:nvPr/>
-        </p:nvSpPr>
-        <p:spPr>
-          <a:xfrm>
-            <a:off x="0" y="5771575"/>
-            <a:ext cx="9622635" cy="584775"/>
-          </a:xfrm>
-          <a:prstGeom prst="rect">
-            <a:avLst/>
-          </a:prstGeom>
-        </p:spPr>
-        <p:txBody>
-          <a:bodyPr wrap="square">
-            <a:spAutoFit/>
-          </a:bodyPr>
-          <a:lstStyle/>
-          <a:p>
-            <a:pPr algn="ctr"/>
-            <a:r>
-              <a:rPr lang="en-US" sz="3200" b="1" dirty="0">
-                <a:solidFill>
-                  <a:srgbClr val="FF0000"/>
-                </a:solidFill>
-                <a:latin typeface="Cambria" panose="02040503050406030204" pitchFamily="18" charset="0"/>
-              </a:rPr>
-              <a:t>Example 12.25 (p. 585), 12.26 (p. 587) ?</a:t>
-            </a:r>
-          </a:p>
-        </p:txBody>
-      </p:sp>
-      <p:sp>
-        <p:nvSpPr>
-          <p:cNvPr id="2" name="Slide Number Placeholder 1"/>
-          <p:cNvSpPr>
-            <a:spLocks noGrp="1"/>
-          </p:cNvSpPr>
-          <p:nvPr>
-            <p:ph type="sldNum" sz="quarter" idx="7"/>
-          </p:nvPr>
-        </p:nvSpPr>
-        <p:spPr/>
-        <p:txBody>
-          <a:bodyPr/>
-          <a:lstStyle/>
-          <a:p>
-            <a:fld id="{539F810C-9DAB-49B2-B45C-341744954A16}" type="slidenum">
-              <a:rPr lang="en-GB" smtClean="0"/>
-              <a:pPr/>
-              <a:t>29</a:t>
-            </a:fld>
-            <a:endParaRPr lang="en-GB"/>
-          </a:p>
-        </p:txBody>
-      </p:sp>
-      <p:sp>
-        <p:nvSpPr>
-          <p:cNvPr id="4" name="TextBox 3">
-            <a:extLst>
-              <a:ext uri="{FF2B5EF4-FFF2-40B4-BE49-F238E27FC236}">
-                <a16:creationId xmlns="" xmlns:a16="http://schemas.microsoft.com/office/drawing/2014/main" id="{2AD08732-DA46-CBF2-8C19-852153DE9EAB}"/>
-              </a:ext>
-            </a:extLst>
-          </p:cNvPr>
-          <p:cNvSpPr txBox="1"/>
-          <p:nvPr/>
-        </p:nvSpPr>
-        <p:spPr>
-          <a:xfrm>
-            <a:off x="683077" y="1296614"/>
-            <a:ext cx="9881507" cy="3970318"/>
-          </a:xfrm>
-          <a:prstGeom prst="rect">
-            <a:avLst/>
-          </a:prstGeom>
-          <a:noFill/>
-        </p:spPr>
-        <p:txBody>
-          <a:bodyPr wrap="square">
-            <a:spAutoFit/>
-          </a:bodyPr>
-          <a:lstStyle/>
-          <a:p>
-            <a:pPr marL="285750" indent="-285750">
-              <a:buFont typeface="Arial" panose="020B0604020202020204" pitchFamily="34" charset="0"/>
-              <a:buChar char="•"/>
-            </a:pPr>
-            <a:r>
-              <a:rPr lang="en-GB" b="1" dirty="0">
-                <a:latin typeface="Cambria" panose="02040503050406030204" pitchFamily="18" charset="0"/>
-                <a:ea typeface="Cambria" panose="02040503050406030204" pitchFamily="18" charset="0"/>
-                <a:cs typeface="Times New Roman" panose="02020603050405020304" pitchFamily="18" charset="0"/>
-              </a:rPr>
-              <a:t>Laplace Transform Basics</a:t>
-            </a:r>
-            <a:endParaRPr lang="en-GB" dirty="0">
-              <a:latin typeface="Cambria" panose="02040503050406030204" pitchFamily="18" charset="0"/>
-              <a:ea typeface="Cambria" panose="02040503050406030204" pitchFamily="18" charset="0"/>
-              <a:cs typeface="Times New Roman" panose="02020603050405020304" pitchFamily="18" charset="0"/>
-            </a:endParaRPr>
-          </a:p>
-          <a:p>
-            <a:pPr marL="742950" lvl="1" indent="-285750">
-              <a:buFont typeface="Courier New" panose="02070309020205020404" pitchFamily="49" charset="0"/>
-              <a:buChar char="o"/>
-            </a:pPr>
-            <a:r>
-              <a:rPr lang="en-GB" dirty="0">
-                <a:latin typeface="Cambria" panose="02040503050406030204" pitchFamily="18" charset="0"/>
-                <a:ea typeface="Cambria" panose="02040503050406030204" pitchFamily="18" charset="0"/>
-                <a:cs typeface="Times New Roman" panose="02020603050405020304" pitchFamily="18" charset="0"/>
-              </a:rPr>
-              <a:t>Transforms time-domain signals into the frequency domain, simplifying the analysis of circuits.</a:t>
-            </a:r>
-          </a:p>
-          <a:p>
-            <a:pPr marL="742950" lvl="1" indent="-285750">
-              <a:buFont typeface="Courier New" panose="02070309020205020404" pitchFamily="49" charset="0"/>
-              <a:buChar char="o"/>
-            </a:pPr>
-            <a:r>
-              <a:rPr lang="en-GB" dirty="0">
-                <a:latin typeface="Cambria" panose="02040503050406030204" pitchFamily="18" charset="0"/>
-                <a:ea typeface="Cambria" panose="02040503050406030204" pitchFamily="18" charset="0"/>
-                <a:cs typeface="Times New Roman" panose="02020603050405020304" pitchFamily="18" charset="0"/>
-              </a:rPr>
-              <a:t>Used to solve differential equations by transforming them into algebraic equations.</a:t>
-            </a:r>
-          </a:p>
-          <a:p>
-            <a:pPr marL="285750" indent="-285750">
-              <a:buFont typeface="Arial" panose="020B0604020202020204" pitchFamily="34" charset="0"/>
-              <a:buChar char="•"/>
-            </a:pPr>
-            <a:r>
-              <a:rPr lang="en-GB" b="1" dirty="0">
-                <a:latin typeface="Cambria" panose="02040503050406030204" pitchFamily="18" charset="0"/>
-                <a:ea typeface="Cambria" panose="02040503050406030204" pitchFamily="18" charset="0"/>
-                <a:cs typeface="Times New Roman" panose="02020603050405020304" pitchFamily="18" charset="0"/>
-              </a:rPr>
-              <a:t>Key Properties of Laplace Transform</a:t>
-            </a:r>
-            <a:endParaRPr lang="en-GB" dirty="0">
-              <a:latin typeface="Cambria" panose="02040503050406030204" pitchFamily="18" charset="0"/>
-              <a:ea typeface="Cambria" panose="02040503050406030204" pitchFamily="18" charset="0"/>
-              <a:cs typeface="Times New Roman" panose="02020603050405020304" pitchFamily="18" charset="0"/>
-            </a:endParaRPr>
-          </a:p>
-          <a:p>
-            <a:pPr marL="742950" lvl="1" indent="-285750">
-              <a:buFont typeface="Courier New" panose="02070309020205020404" pitchFamily="49" charset="0"/>
-              <a:buChar char="o"/>
-            </a:pPr>
-            <a:r>
-              <a:rPr lang="en-GB" dirty="0">
-                <a:latin typeface="Cambria" panose="02040503050406030204" pitchFamily="18" charset="0"/>
-                <a:ea typeface="Cambria" panose="02040503050406030204" pitchFamily="18" charset="0"/>
-                <a:cs typeface="Times New Roman" panose="02020603050405020304" pitchFamily="18" charset="0"/>
-              </a:rPr>
-              <a:t>Linearity</a:t>
-            </a:r>
-          </a:p>
-          <a:p>
-            <a:pPr marL="742950" lvl="1" indent="-285750">
-              <a:buFont typeface="Courier New" panose="02070309020205020404" pitchFamily="49" charset="0"/>
-              <a:buChar char="o"/>
-            </a:pPr>
-            <a:r>
-              <a:rPr lang="en-GB" dirty="0">
-                <a:latin typeface="Cambria" panose="02040503050406030204" pitchFamily="18" charset="0"/>
-                <a:ea typeface="Cambria" panose="02040503050406030204" pitchFamily="18" charset="0"/>
-                <a:cs typeface="Times New Roman" panose="02020603050405020304" pitchFamily="18" charset="0"/>
-              </a:rPr>
-              <a:t>Time Shift</a:t>
-            </a:r>
-          </a:p>
-          <a:p>
-            <a:pPr marL="742950" lvl="1" indent="-285750">
-              <a:buFont typeface="Courier New" panose="02070309020205020404" pitchFamily="49" charset="0"/>
-              <a:buChar char="o"/>
-            </a:pPr>
-            <a:r>
-              <a:rPr lang="en-GB" dirty="0">
-                <a:latin typeface="Cambria" panose="02040503050406030204" pitchFamily="18" charset="0"/>
-                <a:ea typeface="Cambria" panose="02040503050406030204" pitchFamily="18" charset="0"/>
-                <a:cs typeface="Times New Roman" panose="02020603050405020304" pitchFamily="18" charset="0"/>
-              </a:rPr>
-              <a:t>Multiplication by Time </a:t>
-            </a:r>
-          </a:p>
-          <a:p>
-            <a:pPr marL="285750" indent="-285750">
-              <a:buFont typeface="Arial" panose="020B0604020202020204" pitchFamily="34" charset="0"/>
-              <a:buChar char="•"/>
-            </a:pPr>
-            <a:r>
-              <a:rPr lang="en-GB" b="1" dirty="0">
-                <a:latin typeface="Cambria" panose="02040503050406030204" pitchFamily="18" charset="0"/>
-                <a:ea typeface="Cambria" panose="02040503050406030204" pitchFamily="18" charset="0"/>
-                <a:cs typeface="Times New Roman" panose="02020603050405020304" pitchFamily="18" charset="0"/>
-              </a:rPr>
-              <a:t>Common Examples</a:t>
-            </a:r>
-            <a:endParaRPr lang="en-GB" dirty="0">
-              <a:latin typeface="Cambria" panose="02040503050406030204" pitchFamily="18" charset="0"/>
-              <a:ea typeface="Cambria" panose="02040503050406030204" pitchFamily="18" charset="0"/>
-              <a:cs typeface="Times New Roman" panose="02020603050405020304" pitchFamily="18" charset="0"/>
-            </a:endParaRPr>
-          </a:p>
-          <a:p>
-            <a:pPr marL="742950" lvl="1" indent="-285750">
-              <a:buFont typeface="Courier New" panose="02070309020205020404" pitchFamily="49" charset="0"/>
-              <a:buChar char="o"/>
-            </a:pPr>
-            <a:r>
-              <a:rPr lang="en-GB" dirty="0">
-                <a:latin typeface="Cambria" panose="02040503050406030204" pitchFamily="18" charset="0"/>
-                <a:ea typeface="Cambria" panose="02040503050406030204" pitchFamily="18" charset="0"/>
-                <a:cs typeface="Times New Roman" panose="02020603050405020304" pitchFamily="18" charset="0"/>
-              </a:rPr>
-              <a:t>Laplace Transform of Unit Step Function</a:t>
-            </a:r>
-          </a:p>
-          <a:p>
-            <a:pPr marL="742950" lvl="1" indent="-285750">
-              <a:buFont typeface="Courier New" panose="02070309020205020404" pitchFamily="49" charset="0"/>
-              <a:buChar char="o"/>
-            </a:pPr>
-            <a:r>
-              <a:rPr lang="en-GB" dirty="0">
-                <a:latin typeface="Cambria" panose="02040503050406030204" pitchFamily="18" charset="0"/>
-                <a:ea typeface="Cambria" panose="02040503050406030204" pitchFamily="18" charset="0"/>
-                <a:cs typeface="Times New Roman" panose="02020603050405020304" pitchFamily="18" charset="0"/>
-              </a:rPr>
-              <a:t>Laplace Transform of Exponential Function</a:t>
-            </a:r>
-          </a:p>
-          <a:p>
-            <a:pPr marL="742950" lvl="1" indent="-285750">
-              <a:buFont typeface="Courier New" panose="02070309020205020404" pitchFamily="49" charset="0"/>
-              <a:buChar char="o"/>
-            </a:pPr>
-            <a:r>
-              <a:rPr lang="en-GB" dirty="0">
-                <a:latin typeface="Cambria" panose="02040503050406030204" pitchFamily="18" charset="0"/>
-                <a:ea typeface="Cambria" panose="02040503050406030204" pitchFamily="18" charset="0"/>
-                <a:cs typeface="Times New Roman" panose="02020603050405020304" pitchFamily="18" charset="0"/>
-              </a:rPr>
-              <a:t>Delta Function and its Laplace</a:t>
-            </a:r>
-          </a:p>
-          <a:p>
-            <a:pPr marL="285750" indent="-285750">
-              <a:buFont typeface="Arial" panose="020B0604020202020204" pitchFamily="34" charset="0"/>
-              <a:buChar char="•"/>
-            </a:pPr>
-            <a:r>
-              <a:rPr lang="en-GB" b="1" dirty="0">
-                <a:latin typeface="Cambria" panose="02040503050406030204" pitchFamily="18" charset="0"/>
-                <a:ea typeface="Cambria" panose="02040503050406030204" pitchFamily="18" charset="0"/>
-                <a:cs typeface="Times New Roman" panose="02020603050405020304" pitchFamily="18" charset="0"/>
-              </a:rPr>
-              <a:t>Applications in Circuit Analysis</a:t>
-            </a:r>
-            <a:endParaRPr lang="en-GB" dirty="0">
-              <a:latin typeface="Cambria" panose="02040503050406030204" pitchFamily="18" charset="0"/>
-              <a:ea typeface="Cambria" panose="02040503050406030204" pitchFamily="18" charset="0"/>
-              <a:cs typeface="Times New Roman" panose="02020603050405020304" pitchFamily="18" charset="0"/>
-            </a:endParaRPr>
-          </a:p>
-          <a:p>
-            <a:pPr marL="742950" lvl="1" indent="-285750">
-              <a:buFont typeface="Courier New" panose="02070309020205020404" pitchFamily="49" charset="0"/>
-              <a:buChar char="o"/>
-            </a:pPr>
-            <a:r>
-              <a:rPr lang="en-GB" dirty="0">
-                <a:latin typeface="Cambria" panose="02040503050406030204" pitchFamily="18" charset="0"/>
-                <a:ea typeface="Cambria" panose="02040503050406030204" pitchFamily="18" charset="0"/>
-                <a:cs typeface="Times New Roman" panose="02020603050405020304" pitchFamily="18" charset="0"/>
-              </a:rPr>
-              <a:t>Conversion of time-domain circuit equations into the s-domain for easier solution.</a:t>
-            </a:r>
-          </a:p>
-        </p:txBody>
-      </p:sp>
-      <p:sp>
-        <p:nvSpPr>
-          <p:cNvPr id="5" name="TextBox 4">
-            <a:extLst>
-              <a:ext uri="{FF2B5EF4-FFF2-40B4-BE49-F238E27FC236}">
-                <a16:creationId xmlns="" xmlns:a16="http://schemas.microsoft.com/office/drawing/2014/main" id="{57834CAD-9EBE-5BC1-BA52-6E49D41FD9CF}"/>
-              </a:ext>
-            </a:extLst>
-          </p:cNvPr>
-          <p:cNvSpPr txBox="1"/>
-          <p:nvPr/>
-        </p:nvSpPr>
-        <p:spPr>
-          <a:xfrm>
-            <a:off x="771525" y="572242"/>
-            <a:ext cx="2451312" cy="707886"/>
-          </a:xfrm>
-          <a:prstGeom prst="rect">
-            <a:avLst/>
-          </a:prstGeom>
-          <a:noFill/>
-          <a:ln>
-            <a:noFill/>
-          </a:ln>
-        </p:spPr>
-        <p:txBody>
-          <a:bodyPr wrap="none" rtlCol="0">
-            <a:spAutoFit/>
-          </a:bodyPr>
-          <a:lstStyle/>
-          <a:p>
-            <a:r>
-              <a:rPr lang="en-GB" sz="4000" b="1" dirty="0">
-                <a:solidFill>
-                  <a:srgbClr val="0000CC"/>
-                </a:solidFill>
-                <a:latin typeface="Cambria" panose="02040503050406030204" pitchFamily="18" charset="0"/>
-              </a:rPr>
-              <a:t>Summary</a:t>
-            </a:r>
-            <a:endParaRPr lang="en-US" sz="4000" b="1" dirty="0">
-              <a:solidFill>
-                <a:srgbClr val="0000CC"/>
-              </a:solidFill>
-              <a:latin typeface="Cambria" panose="02040503050406030204" pitchFamily="18" charset="0"/>
-            </a:endParaRPr>
-          </a:p>
-        </p:txBody>
-      </p:sp>
-    </p:spTree>
-    <p:extLst>
-      <p:ext uri="{BB962C8B-B14F-4D97-AF65-F5344CB8AC3E}">
-        <p14:creationId xmlns:p14="http://schemas.microsoft.com/office/powerpoint/2010/main" val="1315450416"/>
-      </p:ext>
-    </p:extLst>
-  </p:cSld>
-  <p:clrMapOvr>
-    <a:masterClrMapping/>
-  </p:clrMapOvr>
-</p:sld>
-</file>
-
 <file path=ppt/slides/slide3.xml><?xml version="1.0" encoding="utf-8"?>
 <p:sld xmlns:a="http://schemas.openxmlformats.org/drawingml/2006/main" xmlns:r="http://schemas.openxmlformats.org/officeDocument/2006/relationships" xmlns:p="http://schemas.openxmlformats.org/presentationml/2006/main">
   <p:cSld>
@@ -28879,6 +31214,408 @@
   <p:transition>
     <p:wipe/>
   </p:transition>
+</p:sld>
+</file>
+
+<file path=ppt/slides/slide30.xml><?xml version="1.0" encoding="utf-8"?>
+<p:sld xmlns:a="http://schemas.openxmlformats.org/drawingml/2006/main" xmlns:r="http://schemas.openxmlformats.org/officeDocument/2006/relationships" xmlns:p="http://schemas.openxmlformats.org/presentationml/2006/main">
+  <p:cSld>
+    <p:spTree>
+      <p:nvGrpSpPr>
+        <p:cNvPr id="1" name=""/>
+        <p:cNvGrpSpPr/>
+        <p:nvPr/>
+      </p:nvGrpSpPr>
+      <p:grpSpPr>
+        <a:xfrm>
+          <a:off x="0" y="0"/>
+          <a:ext cx="0" cy="0"/>
+          <a:chOff x="0" y="0"/>
+          <a:chExt cx="0" cy="0"/>
+        </a:xfrm>
+      </p:grpSpPr>
+      <p:sp>
+        <p:nvSpPr>
+          <p:cNvPr id="7" name="TextBox 6"/>
+          <p:cNvSpPr txBox="1"/>
+          <p:nvPr/>
+        </p:nvSpPr>
+        <p:spPr>
+          <a:xfrm>
+            <a:off x="1020539" y="5266932"/>
+            <a:ext cx="8069004" cy="584775"/>
+          </a:xfrm>
+          <a:prstGeom prst="rect">
+            <a:avLst/>
+          </a:prstGeom>
+          <a:noFill/>
+        </p:spPr>
+        <p:txBody>
+          <a:bodyPr wrap="none" rtlCol="0">
+            <a:spAutoFit/>
+          </a:bodyPr>
+          <a:lstStyle/>
+          <a:p>
+            <a:r>
+              <a:rPr lang="en-US" sz="3200" b="1" dirty="0">
+                <a:solidFill>
+                  <a:srgbClr val="0000CC"/>
+                </a:solidFill>
+                <a:latin typeface="Cambria" panose="02040503050406030204" pitchFamily="18" charset="0"/>
+              </a:rPr>
+              <a:t>Suggested Additional Problems for Ch. 12:</a:t>
+            </a:r>
+          </a:p>
+        </p:txBody>
+      </p:sp>
+      <p:sp>
+        <p:nvSpPr>
+          <p:cNvPr id="11" name="Rectangle 10"/>
+          <p:cNvSpPr/>
+          <p:nvPr/>
+        </p:nvSpPr>
+        <p:spPr>
+          <a:xfrm>
+            <a:off x="0" y="5771575"/>
+            <a:ext cx="9622635" cy="584775"/>
+          </a:xfrm>
+          <a:prstGeom prst="rect">
+            <a:avLst/>
+          </a:prstGeom>
+        </p:spPr>
+        <p:txBody>
+          <a:bodyPr wrap="square">
+            <a:spAutoFit/>
+          </a:bodyPr>
+          <a:lstStyle/>
+          <a:p>
+            <a:pPr algn="ctr"/>
+            <a:r>
+              <a:rPr lang="en-US" sz="3200" b="1" dirty="0">
+                <a:solidFill>
+                  <a:srgbClr val="FF0000"/>
+                </a:solidFill>
+                <a:latin typeface="Cambria" panose="02040503050406030204" pitchFamily="18" charset="0"/>
+              </a:rPr>
+              <a:t>Example 12.25 (p. 585), 12.26 (p. 587) ?</a:t>
+            </a:r>
+          </a:p>
+        </p:txBody>
+      </p:sp>
+      <p:sp>
+        <p:nvSpPr>
+          <p:cNvPr id="2" name="Slide Number Placeholder 1"/>
+          <p:cNvSpPr>
+            <a:spLocks noGrp="1"/>
+          </p:cNvSpPr>
+          <p:nvPr>
+            <p:ph type="sldNum" sz="quarter" idx="7"/>
+          </p:nvPr>
+        </p:nvSpPr>
+        <p:spPr/>
+        <p:txBody>
+          <a:bodyPr/>
+          <a:lstStyle/>
+          <a:p>
+            <a:fld id="{539F810C-9DAB-49B2-B45C-341744954A16}" type="slidenum">
+              <a:rPr lang="en-GB" smtClean="0"/>
+              <a:pPr/>
+              <a:t>30</a:t>
+            </a:fld>
+            <a:endParaRPr lang="en-GB"/>
+          </a:p>
+        </p:txBody>
+      </p:sp>
+      <p:sp>
+        <p:nvSpPr>
+          <p:cNvPr id="4" name="TextBox 3">
+            <a:extLst>
+              <a:ext uri="{FF2B5EF4-FFF2-40B4-BE49-F238E27FC236}">
+                <a16:creationId xmlns="" xmlns:a16="http://schemas.microsoft.com/office/drawing/2014/main" id="{2AD08732-DA46-CBF2-8C19-852153DE9EAB}"/>
+              </a:ext>
+            </a:extLst>
+          </p:cNvPr>
+          <p:cNvSpPr txBox="1"/>
+          <p:nvPr/>
+        </p:nvSpPr>
+        <p:spPr>
+          <a:xfrm>
+            <a:off x="683077" y="1296614"/>
+            <a:ext cx="9881507" cy="3970318"/>
+          </a:xfrm>
+          <a:prstGeom prst="rect">
+            <a:avLst/>
+          </a:prstGeom>
+          <a:noFill/>
+        </p:spPr>
+        <p:txBody>
+          <a:bodyPr wrap="square">
+            <a:spAutoFit/>
+          </a:bodyPr>
+          <a:lstStyle/>
+          <a:p>
+            <a:pPr marL="285750" indent="-285750">
+              <a:buFont typeface="Arial" panose="020B0604020202020204" pitchFamily="34" charset="0"/>
+              <a:buChar char="•"/>
+            </a:pPr>
+            <a:r>
+              <a:rPr lang="en-GB" b="1" dirty="0">
+                <a:latin typeface="Cambria" panose="02040503050406030204" pitchFamily="18" charset="0"/>
+                <a:ea typeface="Cambria" panose="02040503050406030204" pitchFamily="18" charset="0"/>
+                <a:cs typeface="Times New Roman" panose="02020603050405020304" pitchFamily="18" charset="0"/>
+              </a:rPr>
+              <a:t>Laplace Transform Basics</a:t>
+            </a:r>
+            <a:endParaRPr lang="en-GB" dirty="0">
+              <a:latin typeface="Cambria" panose="02040503050406030204" pitchFamily="18" charset="0"/>
+              <a:ea typeface="Cambria" panose="02040503050406030204" pitchFamily="18" charset="0"/>
+              <a:cs typeface="Times New Roman" panose="02020603050405020304" pitchFamily="18" charset="0"/>
+            </a:endParaRPr>
+          </a:p>
+          <a:p>
+            <a:pPr marL="742950" lvl="1" indent="-285750">
+              <a:buFont typeface="Courier New" panose="02070309020205020404" pitchFamily="49" charset="0"/>
+              <a:buChar char="o"/>
+            </a:pPr>
+            <a:r>
+              <a:rPr lang="en-GB" dirty="0">
+                <a:latin typeface="Cambria" panose="02040503050406030204" pitchFamily="18" charset="0"/>
+                <a:ea typeface="Cambria" panose="02040503050406030204" pitchFamily="18" charset="0"/>
+                <a:cs typeface="Times New Roman" panose="02020603050405020304" pitchFamily="18" charset="0"/>
+              </a:rPr>
+              <a:t>Transforms time-domain signals into the frequency domain, simplifying the analysis of circuits.</a:t>
+            </a:r>
+          </a:p>
+          <a:p>
+            <a:pPr marL="742950" lvl="1" indent="-285750">
+              <a:buFont typeface="Courier New" panose="02070309020205020404" pitchFamily="49" charset="0"/>
+              <a:buChar char="o"/>
+            </a:pPr>
+            <a:r>
+              <a:rPr lang="en-GB" dirty="0">
+                <a:latin typeface="Cambria" panose="02040503050406030204" pitchFamily="18" charset="0"/>
+                <a:ea typeface="Cambria" panose="02040503050406030204" pitchFamily="18" charset="0"/>
+                <a:cs typeface="Times New Roman" panose="02020603050405020304" pitchFamily="18" charset="0"/>
+              </a:rPr>
+              <a:t>Used to solve differential equations by transforming them into algebraic equations.</a:t>
+            </a:r>
+          </a:p>
+          <a:p>
+            <a:pPr marL="285750" indent="-285750">
+              <a:buFont typeface="Arial" panose="020B0604020202020204" pitchFamily="34" charset="0"/>
+              <a:buChar char="•"/>
+            </a:pPr>
+            <a:r>
+              <a:rPr lang="en-GB" b="1" dirty="0">
+                <a:latin typeface="Cambria" panose="02040503050406030204" pitchFamily="18" charset="0"/>
+                <a:ea typeface="Cambria" panose="02040503050406030204" pitchFamily="18" charset="0"/>
+                <a:cs typeface="Times New Roman" panose="02020603050405020304" pitchFamily="18" charset="0"/>
+              </a:rPr>
+              <a:t>Key Properties of Laplace Transform</a:t>
+            </a:r>
+            <a:endParaRPr lang="en-GB" dirty="0">
+              <a:latin typeface="Cambria" panose="02040503050406030204" pitchFamily="18" charset="0"/>
+              <a:ea typeface="Cambria" panose="02040503050406030204" pitchFamily="18" charset="0"/>
+              <a:cs typeface="Times New Roman" panose="02020603050405020304" pitchFamily="18" charset="0"/>
+            </a:endParaRPr>
+          </a:p>
+          <a:p>
+            <a:pPr marL="742950" lvl="1" indent="-285750">
+              <a:buFont typeface="Courier New" panose="02070309020205020404" pitchFamily="49" charset="0"/>
+              <a:buChar char="o"/>
+            </a:pPr>
+            <a:r>
+              <a:rPr lang="en-GB" dirty="0">
+                <a:latin typeface="Cambria" panose="02040503050406030204" pitchFamily="18" charset="0"/>
+                <a:ea typeface="Cambria" panose="02040503050406030204" pitchFamily="18" charset="0"/>
+                <a:cs typeface="Times New Roman" panose="02020603050405020304" pitchFamily="18" charset="0"/>
+              </a:rPr>
+              <a:t>Linearity</a:t>
+            </a:r>
+          </a:p>
+          <a:p>
+            <a:pPr marL="742950" lvl="1" indent="-285750">
+              <a:buFont typeface="Courier New" panose="02070309020205020404" pitchFamily="49" charset="0"/>
+              <a:buChar char="o"/>
+            </a:pPr>
+            <a:r>
+              <a:rPr lang="en-GB" dirty="0">
+                <a:latin typeface="Cambria" panose="02040503050406030204" pitchFamily="18" charset="0"/>
+                <a:ea typeface="Cambria" panose="02040503050406030204" pitchFamily="18" charset="0"/>
+                <a:cs typeface="Times New Roman" panose="02020603050405020304" pitchFamily="18" charset="0"/>
+              </a:rPr>
+              <a:t>Time Shift</a:t>
+            </a:r>
+          </a:p>
+          <a:p>
+            <a:pPr marL="742950" lvl="1" indent="-285750">
+              <a:buFont typeface="Courier New" panose="02070309020205020404" pitchFamily="49" charset="0"/>
+              <a:buChar char="o"/>
+            </a:pPr>
+            <a:r>
+              <a:rPr lang="en-GB" dirty="0">
+                <a:latin typeface="Cambria" panose="02040503050406030204" pitchFamily="18" charset="0"/>
+                <a:ea typeface="Cambria" panose="02040503050406030204" pitchFamily="18" charset="0"/>
+                <a:cs typeface="Times New Roman" panose="02020603050405020304" pitchFamily="18" charset="0"/>
+              </a:rPr>
+              <a:t>Multiplication by Time </a:t>
+            </a:r>
+          </a:p>
+          <a:p>
+            <a:pPr marL="285750" indent="-285750">
+              <a:buFont typeface="Arial" panose="020B0604020202020204" pitchFamily="34" charset="0"/>
+              <a:buChar char="•"/>
+            </a:pPr>
+            <a:r>
+              <a:rPr lang="en-GB" b="1" dirty="0">
+                <a:latin typeface="Cambria" panose="02040503050406030204" pitchFamily="18" charset="0"/>
+                <a:ea typeface="Cambria" panose="02040503050406030204" pitchFamily="18" charset="0"/>
+                <a:cs typeface="Times New Roman" panose="02020603050405020304" pitchFamily="18" charset="0"/>
+              </a:rPr>
+              <a:t>Common Examples</a:t>
+            </a:r>
+            <a:endParaRPr lang="en-GB" dirty="0">
+              <a:latin typeface="Cambria" panose="02040503050406030204" pitchFamily="18" charset="0"/>
+              <a:ea typeface="Cambria" panose="02040503050406030204" pitchFamily="18" charset="0"/>
+              <a:cs typeface="Times New Roman" panose="02020603050405020304" pitchFamily="18" charset="0"/>
+            </a:endParaRPr>
+          </a:p>
+          <a:p>
+            <a:pPr marL="742950" lvl="1" indent="-285750">
+              <a:buFont typeface="Courier New" panose="02070309020205020404" pitchFamily="49" charset="0"/>
+              <a:buChar char="o"/>
+            </a:pPr>
+            <a:r>
+              <a:rPr lang="en-GB" dirty="0">
+                <a:latin typeface="Cambria" panose="02040503050406030204" pitchFamily="18" charset="0"/>
+                <a:ea typeface="Cambria" panose="02040503050406030204" pitchFamily="18" charset="0"/>
+                <a:cs typeface="Times New Roman" panose="02020603050405020304" pitchFamily="18" charset="0"/>
+              </a:rPr>
+              <a:t>Laplace Transform of Unit Step Function</a:t>
+            </a:r>
+          </a:p>
+          <a:p>
+            <a:pPr marL="742950" lvl="1" indent="-285750">
+              <a:buFont typeface="Courier New" panose="02070309020205020404" pitchFamily="49" charset="0"/>
+              <a:buChar char="o"/>
+            </a:pPr>
+            <a:r>
+              <a:rPr lang="en-GB" dirty="0">
+                <a:latin typeface="Cambria" panose="02040503050406030204" pitchFamily="18" charset="0"/>
+                <a:ea typeface="Cambria" panose="02040503050406030204" pitchFamily="18" charset="0"/>
+                <a:cs typeface="Times New Roman" panose="02020603050405020304" pitchFamily="18" charset="0"/>
+              </a:rPr>
+              <a:t>Laplace Transform of Exponential Function</a:t>
+            </a:r>
+          </a:p>
+          <a:p>
+            <a:pPr marL="742950" lvl="1" indent="-285750">
+              <a:buFont typeface="Courier New" panose="02070309020205020404" pitchFamily="49" charset="0"/>
+              <a:buChar char="o"/>
+            </a:pPr>
+            <a:r>
+              <a:rPr lang="en-GB" dirty="0">
+                <a:latin typeface="Cambria" panose="02040503050406030204" pitchFamily="18" charset="0"/>
+                <a:ea typeface="Cambria" panose="02040503050406030204" pitchFamily="18" charset="0"/>
+                <a:cs typeface="Times New Roman" panose="02020603050405020304" pitchFamily="18" charset="0"/>
+              </a:rPr>
+              <a:t>Delta Function and its Laplace</a:t>
+            </a:r>
+          </a:p>
+          <a:p>
+            <a:pPr marL="285750" indent="-285750">
+              <a:buFont typeface="Arial" panose="020B0604020202020204" pitchFamily="34" charset="0"/>
+              <a:buChar char="•"/>
+            </a:pPr>
+            <a:r>
+              <a:rPr lang="en-GB" b="1" dirty="0">
+                <a:latin typeface="Cambria" panose="02040503050406030204" pitchFamily="18" charset="0"/>
+                <a:ea typeface="Cambria" panose="02040503050406030204" pitchFamily="18" charset="0"/>
+                <a:cs typeface="Times New Roman" panose="02020603050405020304" pitchFamily="18" charset="0"/>
+              </a:rPr>
+              <a:t>Applications in Circuit Analysis</a:t>
+            </a:r>
+            <a:endParaRPr lang="en-GB" dirty="0">
+              <a:latin typeface="Cambria" panose="02040503050406030204" pitchFamily="18" charset="0"/>
+              <a:ea typeface="Cambria" panose="02040503050406030204" pitchFamily="18" charset="0"/>
+              <a:cs typeface="Times New Roman" panose="02020603050405020304" pitchFamily="18" charset="0"/>
+            </a:endParaRPr>
+          </a:p>
+          <a:p>
+            <a:pPr marL="742950" lvl="1" indent="-285750">
+              <a:buFont typeface="Courier New" panose="02070309020205020404" pitchFamily="49" charset="0"/>
+              <a:buChar char="o"/>
+            </a:pPr>
+            <a:r>
+              <a:rPr lang="en-GB" dirty="0">
+                <a:latin typeface="Cambria" panose="02040503050406030204" pitchFamily="18" charset="0"/>
+                <a:ea typeface="Cambria" panose="02040503050406030204" pitchFamily="18" charset="0"/>
+                <a:cs typeface="Times New Roman" panose="02020603050405020304" pitchFamily="18" charset="0"/>
+              </a:rPr>
+              <a:t>Conversion of time-domain circuit equations into the s-domain for easier solution.</a:t>
+            </a:r>
+          </a:p>
+        </p:txBody>
+      </p:sp>
+      <p:sp>
+        <p:nvSpPr>
+          <p:cNvPr id="5" name="TextBox 4">
+            <a:extLst>
+              <a:ext uri="{FF2B5EF4-FFF2-40B4-BE49-F238E27FC236}">
+                <a16:creationId xmlns="" xmlns:a16="http://schemas.microsoft.com/office/drawing/2014/main" id="{57834CAD-9EBE-5BC1-BA52-6E49D41FD9CF}"/>
+              </a:ext>
+            </a:extLst>
+          </p:cNvPr>
+          <p:cNvSpPr txBox="1"/>
+          <p:nvPr/>
+        </p:nvSpPr>
+        <p:spPr>
+          <a:xfrm>
+            <a:off x="771525" y="572242"/>
+            <a:ext cx="2451312" cy="707886"/>
+          </a:xfrm>
+          <a:prstGeom prst="rect">
+            <a:avLst/>
+          </a:prstGeom>
+          <a:noFill/>
+          <a:ln>
+            <a:noFill/>
+          </a:ln>
+        </p:spPr>
+        <p:txBody>
+          <a:bodyPr wrap="none" rtlCol="0">
+            <a:spAutoFit/>
+          </a:bodyPr>
+          <a:lstStyle/>
+          <a:p>
+            <a:r>
+              <a:rPr lang="en-GB" sz="4000" b="1" dirty="0">
+                <a:solidFill>
+                  <a:srgbClr val="0000CC"/>
+                </a:solidFill>
+                <a:latin typeface="Cambria" panose="02040503050406030204" pitchFamily="18" charset="0"/>
+              </a:rPr>
+              <a:t>Summary</a:t>
+            </a:r>
+            <a:endParaRPr lang="en-US" sz="4000" b="1" dirty="0">
+              <a:solidFill>
+                <a:srgbClr val="0000CC"/>
+              </a:solidFill>
+              <a:latin typeface="Cambria" panose="02040503050406030204" pitchFamily="18" charset="0"/>
+            </a:endParaRPr>
+          </a:p>
+        </p:txBody>
+      </p:sp>
+    </p:spTree>
+    <p:extLst>
+      <p:ext uri="{BB962C8B-B14F-4D97-AF65-F5344CB8AC3E}">
+        <p14:creationId xmlns:p14="http://schemas.microsoft.com/office/powerpoint/2010/main" val="1315450416"/>
+      </p:ext>
+    </p:extLst>
+  </p:cSld>
+  <p:clrMapOvr>
+    <a:masterClrMapping/>
+  </p:clrMapOvr>
 </p:sld>
 </file>
 

--- a/PP WORK/Instructor Version/Week 2/Week 2 lecture 2 LT.pptx
+++ b/PP WORK/Instructor Version/Week 2/Week 2 lecture 2 LT.pptx
@@ -5,7 +5,7 @@
     <p:sldMasterId id="2147483660" r:id="rId1"/>
   </p:sldMasterIdLst>
   <p:notesMasterIdLst>
-    <p:notesMasterId r:id="rId32"/>
+    <p:notesMasterId r:id="rId33"/>
   </p:notesMasterIdLst>
   <p:sldIdLst>
     <p:sldId id="286" r:id="rId2"/>
@@ -34,10 +34,11 @@
     <p:sldId id="278" r:id="rId25"/>
     <p:sldId id="279" r:id="rId26"/>
     <p:sldId id="280" r:id="rId27"/>
-    <p:sldId id="282" r:id="rId28"/>
-    <p:sldId id="283" r:id="rId29"/>
-    <p:sldId id="284" r:id="rId30"/>
-    <p:sldId id="287" r:id="rId31"/>
+    <p:sldId id="295" r:id="rId28"/>
+    <p:sldId id="282" r:id="rId29"/>
+    <p:sldId id="283" r:id="rId30"/>
+    <p:sldId id="284" r:id="rId31"/>
+    <p:sldId id="287" r:id="rId32"/>
   </p:sldIdLst>
   <p:sldSz cx="12192000" cy="6858000"/>
   <p:notesSz cx="6858000" cy="9144000"/>
@@ -1114,7 +1115,7 @@
           <a:p>
             <a:fld id="{DD6D8643-BD33-49CB-B3F5-37AD37437AD5}" type="slidenum">
               <a:rPr lang="en-US" smtClean="0"/>
-              <a:t>29</a:t>
+              <a:t>30</a:t>
             </a:fld>
             <a:endParaRPr lang="en-US"/>
           </a:p>
@@ -1198,7 +1199,7 @@
           <a:p>
             <a:fld id="{DD6D8643-BD33-49CB-B3F5-37AD37437AD5}" type="slidenum">
               <a:rPr lang="en-US" smtClean="0"/>
-              <a:t>30</a:t>
+              <a:t>31</a:t>
             </a:fld>
             <a:endParaRPr lang="en-US"/>
           </a:p>
@@ -7500,7 +7501,7 @@
           <a:graphicData uri="http://schemas.openxmlformats.org/presentationml/2006/ole">
             <mc:AlternateContent xmlns:mc="http://schemas.openxmlformats.org/markup-compatibility/2006">
               <mc:Choice xmlns:v="urn:schemas-microsoft-com:vml" Requires="v">
-                <p:oleObj spid="_x0000_s1188" name="Equation" r:id="rId4" imgW="1117440" imgH="393480" progId="Equation.DSMT4">
+                <p:oleObj spid="_x0000_s1203" name="Equation" r:id="rId4" imgW="1117440" imgH="393480" progId="Equation.DSMT4">
                   <p:embed/>
                 </p:oleObj>
               </mc:Choice>
@@ -7576,7 +7577,7 @@
           <a:graphicData uri="http://schemas.openxmlformats.org/presentationml/2006/ole">
             <mc:AlternateContent xmlns:mc="http://schemas.openxmlformats.org/markup-compatibility/2006">
               <mc:Choice xmlns:v="urn:schemas-microsoft-com:vml" Requires="v">
-                <p:oleObj spid="_x0000_s1189" name="Equation" r:id="rId6" imgW="698400" imgH="393480" progId="Equation.DSMT4">
+                <p:oleObj spid="_x0000_s1204" name="Equation" r:id="rId6" imgW="698400" imgH="393480" progId="Equation.DSMT4">
                   <p:embed/>
                 </p:oleObj>
               </mc:Choice>
@@ -7646,7 +7647,7 @@
           <a:graphicData uri="http://schemas.openxmlformats.org/presentationml/2006/ole">
             <mc:AlternateContent xmlns:mc="http://schemas.openxmlformats.org/markup-compatibility/2006">
               <mc:Choice xmlns:v="urn:schemas-microsoft-com:vml" Requires="v">
-                <p:oleObj spid="_x0000_s1190" name="Equation" r:id="rId8" imgW="952200" imgH="393480" progId="Equation.DSMT4">
+                <p:oleObj spid="_x0000_s1205" name="Equation" r:id="rId8" imgW="952200" imgH="393480" progId="Equation.DSMT4">
                   <p:embed/>
                 </p:oleObj>
               </mc:Choice>
@@ -18141,30 +18142,6 @@
           </a:prstGeom>
         </p:spPr>
       </p:pic>
-      <p:pic>
-        <p:nvPicPr>
-          <p:cNvPr id="3" name="Picture 2"/>
-          <p:cNvPicPr>
-            <a:picLocks noChangeAspect="1"/>
-          </p:cNvPicPr>
-          <p:nvPr/>
-        </p:nvPicPr>
-        <p:blipFill>
-          <a:blip r:embed="rId6"/>
-          <a:stretch>
-            <a:fillRect/>
-          </a:stretch>
-        </p:blipFill>
-        <p:spPr>
-          <a:xfrm>
-            <a:off x="4598170" y="5364300"/>
-            <a:ext cx="6754953" cy="847417"/>
-          </a:xfrm>
-          <a:prstGeom prst="rect">
-            <a:avLst/>
-          </a:prstGeom>
-        </p:spPr>
-      </p:pic>
       <p:sp>
         <p:nvSpPr>
           <p:cNvPr id="16" name="Rectangle 15"/>
@@ -18532,7 +18509,7 @@
                 <a:avLst/>
               </a:prstGeom>
               <a:blipFill rotWithShape="1">
-                <a:blip r:embed="rId7"/>
+                <a:blip r:embed="rId6"/>
                 <a:stretch>
                   <a:fillRect l="-1692" b="-10924"/>
                 </a:stretch>
@@ -18553,6 +18530,577 @@
           </p:sp>
         </mc:Fallback>
       </mc:AlternateContent>
+      <mc:AlternateContent xmlns:mc="http://schemas.openxmlformats.org/markup-compatibility/2006">
+        <mc:Choice xmlns:a14="http://schemas.microsoft.com/office/drawing/2010/main" Requires="a14">
+          <p:sp>
+            <p:nvSpPr>
+              <p:cNvPr id="10" name="TextBox 9"/>
+              <p:cNvSpPr txBox="1"/>
+              <p:nvPr/>
+            </p:nvSpPr>
+            <p:spPr>
+              <a:xfrm>
+                <a:off x="4640640" y="4733041"/>
+                <a:ext cx="7207371" cy="802207"/>
+              </a:xfrm>
+              <a:prstGeom prst="rect">
+                <a:avLst/>
+              </a:prstGeom>
+              <a:noFill/>
+            </p:spPr>
+            <p:txBody>
+              <a:bodyPr wrap="square" rtlCol="0">
+                <a:spAutoFit/>
+              </a:bodyPr>
+              <a:lstStyle/>
+              <a:p>
+                <a:r>
+                  <a:rPr lang="en-US" sz="3200" dirty="0" smtClean="0">
+                    <a:solidFill>
+                      <a:srgbClr val="0000CC"/>
+                    </a:solidFill>
+                  </a:rPr>
+                  <a:t>F(s) = </a:t>
+                </a:r>
+                <a14:m>
+                  <m:oMath xmlns:m="http://schemas.openxmlformats.org/officeDocument/2006/math">
+                    <m:f>
+                      <m:fPr>
+                        <m:ctrlPr>
+                          <a:rPr lang="en-US" sz="3200" i="1">
+                            <a:solidFill>
+                              <a:srgbClr val="0000CC"/>
+                            </a:solidFill>
+                            <a:latin typeface="Cambria Math"/>
+                          </a:rPr>
+                        </m:ctrlPr>
+                      </m:fPr>
+                      <m:num>
+                        <m:r>
+                          <m:rPr>
+                            <m:sty m:val="p"/>
+                          </m:rPr>
+                          <a:rPr lang="en-US" sz="3200">
+                            <a:solidFill>
+                              <a:srgbClr val="0000CC"/>
+                            </a:solidFill>
+                            <a:latin typeface="Cambria Math"/>
+                          </a:rPr>
+                          <m:t>K</m:t>
+                        </m:r>
+                      </m:num>
+                      <m:den>
+                        <m:r>
+                          <a:rPr lang="en-US" sz="3200" b="0" i="1" smtClean="0">
+                            <a:solidFill>
+                              <a:srgbClr val="0000CC"/>
+                            </a:solidFill>
+                            <a:latin typeface="Cambria Math"/>
+                          </a:rPr>
+                          <m:t>𝑆</m:t>
+                        </m:r>
+                      </m:den>
+                    </m:f>
+                    <m:r>
+                      <a:rPr lang="en-US" sz="3200" b="0" i="1" baseline="-25000" smtClean="0">
+                        <a:solidFill>
+                          <a:srgbClr val="0000CC"/>
+                        </a:solidFill>
+                        <a:latin typeface="Cambria Math"/>
+                      </a:rPr>
+                      <m:t> </m:t>
+                    </m:r>
+                  </m:oMath>
+                </a14:m>
+                <a:r>
+                  <a:rPr lang="en-US" sz="3200" dirty="0" smtClean="0">
+                    <a:solidFill>
+                      <a:srgbClr val="0000CC"/>
+                    </a:solidFill>
+                  </a:rPr>
+                  <a:t> </a:t>
+                </a:r>
+                <a:r>
+                  <a:rPr lang="en-US" sz="3200" dirty="0" smtClean="0">
+                    <a:solidFill>
+                      <a:srgbClr val="C00000"/>
+                    </a:solidFill>
+                  </a:rPr>
+                  <a:t>-</a:t>
+                </a:r>
+                <a:r>
+                  <a:rPr lang="en-US" sz="3200" dirty="0" smtClean="0">
+                    <a:solidFill>
+                      <a:srgbClr val="0000CC"/>
+                    </a:solidFill>
+                  </a:rPr>
+                  <a:t> </a:t>
+                </a:r>
+                <a14:m>
+                  <m:oMath xmlns:m="http://schemas.openxmlformats.org/officeDocument/2006/math">
+                    <m:f>
+                      <m:fPr>
+                        <m:ctrlPr>
+                          <a:rPr lang="en-US" sz="3200" i="1">
+                            <a:solidFill>
+                              <a:srgbClr val="0000CC"/>
+                            </a:solidFill>
+                            <a:latin typeface="Cambria Math"/>
+                          </a:rPr>
+                        </m:ctrlPr>
+                      </m:fPr>
+                      <m:num>
+                        <m:r>
+                          <m:rPr>
+                            <m:sty m:val="p"/>
+                          </m:rPr>
+                          <a:rPr lang="en-US" sz="3200">
+                            <a:solidFill>
+                              <a:srgbClr val="0000CC"/>
+                            </a:solidFill>
+                            <a:latin typeface="Cambria Math"/>
+                          </a:rPr>
+                          <m:t>K</m:t>
+                        </m:r>
+                      </m:num>
+                      <m:den>
+                        <m:r>
+                          <a:rPr lang="en-US" sz="3200" i="1">
+                            <a:solidFill>
+                              <a:srgbClr val="0000CC"/>
+                            </a:solidFill>
+                            <a:latin typeface="Cambria Math"/>
+                          </a:rPr>
+                          <m:t>𝑇</m:t>
+                        </m:r>
+                        <m:r>
+                          <a:rPr lang="en-US" sz="3200" i="1" baseline="-25000">
+                            <a:solidFill>
+                              <a:srgbClr val="0000CC"/>
+                            </a:solidFill>
+                            <a:latin typeface="Cambria Math"/>
+                          </a:rPr>
+                          <m:t>2</m:t>
+                        </m:r>
+                        <m:r>
+                          <a:rPr lang="en-US" sz="3200" i="1">
+                            <a:solidFill>
+                              <a:srgbClr val="0000CC"/>
+                            </a:solidFill>
+                            <a:latin typeface="Cambria Math"/>
+                          </a:rPr>
+                          <m:t> −</m:t>
+                        </m:r>
+                        <m:r>
+                          <a:rPr lang="en-US" sz="3200" i="1">
+                            <a:solidFill>
+                              <a:srgbClr val="0000CC"/>
+                            </a:solidFill>
+                            <a:latin typeface="Cambria Math"/>
+                          </a:rPr>
+                          <m:t>𝑇</m:t>
+                        </m:r>
+                        <m:r>
+                          <a:rPr lang="en-US" sz="3200" i="1" baseline="-25000">
+                            <a:solidFill>
+                              <a:srgbClr val="0000CC"/>
+                            </a:solidFill>
+                            <a:latin typeface="Cambria Math"/>
+                          </a:rPr>
+                          <m:t>1</m:t>
+                        </m:r>
+                      </m:den>
+                    </m:f>
+                    <m:r>
+                      <a:rPr lang="en-US" sz="3200" b="0" i="0" baseline="-25000" smtClean="0">
+                        <a:solidFill>
+                          <a:srgbClr val="0000CC"/>
+                        </a:solidFill>
+                        <a:latin typeface="Cambria Math"/>
+                      </a:rPr>
+                      <m:t> </m:t>
+                    </m:r>
+                  </m:oMath>
+                </a14:m>
+                <a:r>
+                  <a:rPr lang="en-US" sz="3200" dirty="0" smtClean="0">
+                    <a:solidFill>
+                      <a:srgbClr val="0000CC"/>
+                    </a:solidFill>
+                  </a:rPr>
+                  <a:t> X </a:t>
+                </a:r>
+                <a14:m>
+                  <m:oMath xmlns:m="http://schemas.openxmlformats.org/officeDocument/2006/math">
+                    <m:f>
+                      <m:fPr>
+                        <m:ctrlPr>
+                          <a:rPr lang="en-US" sz="3200" i="1">
+                            <a:solidFill>
+                              <a:srgbClr val="0000CC"/>
+                            </a:solidFill>
+                            <a:latin typeface="Cambria Math"/>
+                          </a:rPr>
+                        </m:ctrlPr>
+                      </m:fPr>
+                      <m:num>
+                        <m:r>
+                          <m:rPr>
+                            <m:sty m:val="p"/>
+                          </m:rPr>
+                          <a:rPr lang="en-US" sz="3200" b="0" i="0" smtClean="0">
+                            <a:solidFill>
+                              <a:srgbClr val="0000CC"/>
+                            </a:solidFill>
+                            <a:latin typeface="Cambria Math"/>
+                          </a:rPr>
+                          <m:t>e</m:t>
+                        </m:r>
+                        <m:r>
+                          <a:rPr lang="en-US" sz="3200" b="0" i="0" baseline="22000" smtClean="0">
+                            <a:solidFill>
+                              <a:srgbClr val="0000CC"/>
+                            </a:solidFill>
+                            <a:latin typeface="Cambria Math"/>
+                          </a:rPr>
+                          <m:t>−</m:t>
+                        </m:r>
+                        <m:r>
+                          <m:rPr>
+                            <m:sty m:val="p"/>
+                          </m:rPr>
+                          <a:rPr lang="en-US" sz="3200" b="0" i="0" baseline="22000" smtClean="0">
+                            <a:solidFill>
+                              <a:srgbClr val="0000CC"/>
+                            </a:solidFill>
+                            <a:latin typeface="Cambria Math"/>
+                          </a:rPr>
+                          <m:t>t</m:t>
+                        </m:r>
+                        <m:r>
+                          <a:rPr lang="en-US" sz="3200" b="0" i="0" baseline="22000" smtClean="0">
+                            <a:solidFill>
+                              <a:srgbClr val="0000CC"/>
+                            </a:solidFill>
+                            <a:latin typeface="Cambria Math"/>
+                          </a:rPr>
+                          <m:t>1</m:t>
+                        </m:r>
+                        <m:r>
+                          <m:rPr>
+                            <m:sty m:val="p"/>
+                          </m:rPr>
+                          <a:rPr lang="en-US" sz="3200" b="0" i="0" baseline="22000" smtClean="0">
+                            <a:solidFill>
+                              <a:srgbClr val="0000CC"/>
+                            </a:solidFill>
+                            <a:latin typeface="Cambria Math"/>
+                          </a:rPr>
+                          <m:t>s</m:t>
+                        </m:r>
+                      </m:num>
+                      <m:den>
+                        <m:r>
+                          <a:rPr lang="en-US" sz="3200" b="0" i="1" smtClean="0">
+                            <a:solidFill>
+                              <a:srgbClr val="0000CC"/>
+                            </a:solidFill>
+                            <a:latin typeface="Cambria Math"/>
+                          </a:rPr>
+                          <m:t>𝑠</m:t>
+                        </m:r>
+                        <m:r>
+                          <a:rPr lang="en-US" sz="3200" b="0" i="1" baseline="30000" smtClean="0">
+                            <a:solidFill>
+                              <a:srgbClr val="0000CC"/>
+                            </a:solidFill>
+                            <a:latin typeface="Cambria Math"/>
+                          </a:rPr>
+                          <m:t>2</m:t>
+                        </m:r>
+                      </m:den>
+                    </m:f>
+                  </m:oMath>
+                </a14:m>
+                <a:r>
+                  <a:rPr lang="en-US" sz="3200" dirty="0" smtClean="0">
+                    <a:solidFill>
+                      <a:srgbClr val="0000CC"/>
+                    </a:solidFill>
+                  </a:rPr>
+                  <a:t> </a:t>
+                </a:r>
+                <a:r>
+                  <a:rPr lang="en-US" sz="3200" dirty="0" smtClean="0">
+                    <a:solidFill>
+                      <a:srgbClr val="C00000"/>
+                    </a:solidFill>
+                  </a:rPr>
+                  <a:t>+</a:t>
+                </a:r>
+                <a:r>
+                  <a:rPr lang="en-US" sz="3200" dirty="0" smtClean="0">
+                    <a:solidFill>
+                      <a:srgbClr val="0000CC"/>
+                    </a:solidFill>
+                  </a:rPr>
+                  <a:t> </a:t>
+                </a:r>
+                <a14:m>
+                  <m:oMath xmlns:m="http://schemas.openxmlformats.org/officeDocument/2006/math">
+                    <m:f>
+                      <m:fPr>
+                        <m:ctrlPr>
+                          <a:rPr lang="en-US" sz="3200" i="1">
+                            <a:solidFill>
+                              <a:srgbClr val="0000CC"/>
+                            </a:solidFill>
+                            <a:latin typeface="Cambria Math"/>
+                          </a:rPr>
+                        </m:ctrlPr>
+                      </m:fPr>
+                      <m:num>
+                        <m:r>
+                          <m:rPr>
+                            <m:sty m:val="p"/>
+                          </m:rPr>
+                          <a:rPr lang="en-US" sz="3200">
+                            <a:solidFill>
+                              <a:srgbClr val="0000CC"/>
+                            </a:solidFill>
+                            <a:latin typeface="Cambria Math"/>
+                          </a:rPr>
+                          <m:t>K</m:t>
+                        </m:r>
+                      </m:num>
+                      <m:den>
+                        <m:r>
+                          <a:rPr lang="en-US" sz="3200" i="1">
+                            <a:solidFill>
+                              <a:srgbClr val="0000CC"/>
+                            </a:solidFill>
+                            <a:latin typeface="Cambria Math"/>
+                          </a:rPr>
+                          <m:t>𝑇</m:t>
+                        </m:r>
+                        <m:r>
+                          <a:rPr lang="en-US" sz="3200" i="1" baseline="-25000">
+                            <a:solidFill>
+                              <a:srgbClr val="0000CC"/>
+                            </a:solidFill>
+                            <a:latin typeface="Cambria Math"/>
+                          </a:rPr>
+                          <m:t>2</m:t>
+                        </m:r>
+                        <m:r>
+                          <a:rPr lang="en-US" sz="3200" i="1">
+                            <a:solidFill>
+                              <a:srgbClr val="0000CC"/>
+                            </a:solidFill>
+                            <a:latin typeface="Cambria Math"/>
+                          </a:rPr>
+                          <m:t> −</m:t>
+                        </m:r>
+                        <m:r>
+                          <a:rPr lang="en-US" sz="3200" i="1">
+                            <a:solidFill>
+                              <a:srgbClr val="0000CC"/>
+                            </a:solidFill>
+                            <a:latin typeface="Cambria Math"/>
+                          </a:rPr>
+                          <m:t>𝑇</m:t>
+                        </m:r>
+                        <m:r>
+                          <a:rPr lang="en-US" sz="3200" i="1" baseline="-25000">
+                            <a:solidFill>
+                              <a:srgbClr val="0000CC"/>
+                            </a:solidFill>
+                            <a:latin typeface="Cambria Math"/>
+                          </a:rPr>
+                          <m:t>1</m:t>
+                        </m:r>
+                      </m:den>
+                    </m:f>
+                  </m:oMath>
+                </a14:m>
+                <a:r>
+                  <a:rPr lang="en-US" sz="3200" dirty="0" smtClean="0">
+                    <a:solidFill>
+                      <a:srgbClr val="0000CC"/>
+                    </a:solidFill>
+                  </a:rPr>
+                  <a:t> X </a:t>
+                </a:r>
+                <a14:m>
+                  <m:oMath xmlns:m="http://schemas.openxmlformats.org/officeDocument/2006/math">
+                    <m:f>
+                      <m:fPr>
+                        <m:ctrlPr>
+                          <a:rPr lang="en-US" sz="3200" i="1">
+                            <a:solidFill>
+                              <a:srgbClr val="0000CC"/>
+                            </a:solidFill>
+                            <a:latin typeface="Cambria Math"/>
+                          </a:rPr>
+                        </m:ctrlPr>
+                      </m:fPr>
+                      <m:num>
+                        <m:r>
+                          <m:rPr>
+                            <m:sty m:val="p"/>
+                          </m:rPr>
+                          <a:rPr lang="en-US" sz="3200" b="0" i="0" smtClean="0">
+                            <a:solidFill>
+                              <a:srgbClr val="0000CC"/>
+                            </a:solidFill>
+                            <a:latin typeface="Cambria Math"/>
+                          </a:rPr>
+                          <m:t>e</m:t>
+                        </m:r>
+                        <m:r>
+                          <a:rPr lang="en-US" sz="3200" b="0" i="0" baseline="30000" smtClean="0">
+                            <a:solidFill>
+                              <a:srgbClr val="0000CC"/>
+                            </a:solidFill>
+                            <a:latin typeface="Cambria Math"/>
+                          </a:rPr>
+                          <m:t>−</m:t>
+                        </m:r>
+                        <m:r>
+                          <m:rPr>
+                            <m:sty m:val="p"/>
+                          </m:rPr>
+                          <a:rPr lang="en-US" sz="3200" b="0" i="0" baseline="30000" smtClean="0">
+                            <a:solidFill>
+                              <a:srgbClr val="0000CC"/>
+                            </a:solidFill>
+                            <a:latin typeface="Cambria Math"/>
+                          </a:rPr>
+                          <m:t>T</m:t>
+                        </m:r>
+                        <m:r>
+                          <a:rPr lang="en-US" sz="3200" b="0" i="0" baseline="30000" smtClean="0">
+                            <a:solidFill>
+                              <a:srgbClr val="0000CC"/>
+                            </a:solidFill>
+                            <a:latin typeface="Cambria Math"/>
+                          </a:rPr>
+                          <m:t>2</m:t>
+                        </m:r>
+                        <m:r>
+                          <m:rPr>
+                            <m:sty m:val="p"/>
+                          </m:rPr>
+                          <a:rPr lang="en-US" sz="3200" b="0" i="0" baseline="30000" smtClean="0">
+                            <a:solidFill>
+                              <a:srgbClr val="0000CC"/>
+                            </a:solidFill>
+                            <a:latin typeface="Cambria Math"/>
+                          </a:rPr>
+                          <m:t>S</m:t>
+                        </m:r>
+                      </m:num>
+                      <m:den>
+                        <m:r>
+                          <a:rPr lang="en-US" sz="3200" b="0" i="1" smtClean="0">
+                            <a:solidFill>
+                              <a:srgbClr val="0000CC"/>
+                            </a:solidFill>
+                            <a:latin typeface="Cambria Math"/>
+                          </a:rPr>
+                          <m:t>𝑆</m:t>
+                        </m:r>
+                        <m:r>
+                          <a:rPr lang="en-US" sz="3200" b="0" i="1" baseline="30000" smtClean="0">
+                            <a:solidFill>
+                              <a:srgbClr val="0000CC"/>
+                            </a:solidFill>
+                            <a:latin typeface="Cambria Math"/>
+                          </a:rPr>
+                          <m:t>2</m:t>
+                        </m:r>
+                      </m:den>
+                    </m:f>
+                  </m:oMath>
+                </a14:m>
+                <a:endParaRPr lang="en-US" sz="3200" dirty="0">
+                  <a:solidFill>
+                    <a:srgbClr val="0000CC"/>
+                  </a:solidFill>
+                </a:endParaRPr>
+              </a:p>
+            </p:txBody>
+          </p:sp>
+        </mc:Choice>
+        <mc:Fallback>
+          <p:sp>
+            <p:nvSpPr>
+              <p:cNvPr id="10" name="TextBox 9"/>
+              <p:cNvSpPr txBox="1">
+                <a:spLocks noRot="1" noChangeAspect="1" noMove="1" noResize="1" noEditPoints="1" noAdjustHandles="1" noChangeArrowheads="1" noChangeShapeType="1" noTextEdit="1"/>
+              </p:cNvSpPr>
+              <p:nvPr/>
+            </p:nvSpPr>
+            <p:spPr>
+              <a:xfrm>
+                <a:off x="4640640" y="4733041"/>
+                <a:ext cx="7207371" cy="802207"/>
+              </a:xfrm>
+              <a:prstGeom prst="rect">
+                <a:avLst/>
+              </a:prstGeom>
+              <a:blipFill rotWithShape="1">
+                <a:blip r:embed="rId7"/>
+                <a:stretch>
+                  <a:fillRect l="-2113" t="-758" b="-11364"/>
+                </a:stretch>
+              </a:blipFill>
+            </p:spPr>
+            <p:txBody>
+              <a:bodyPr/>
+              <a:lstStyle/>
+              <a:p>
+                <a:r>
+                  <a:rPr lang="en-US">
+                    <a:noFill/>
+                  </a:rPr>
+                  <a:t> </a:t>
+                </a:r>
+              </a:p>
+            </p:txBody>
+          </p:sp>
+        </mc:Fallback>
+      </mc:AlternateContent>
+      <p:sp>
+        <p:nvSpPr>
+          <p:cNvPr id="13" name="TextBox 12"/>
+          <p:cNvSpPr txBox="1"/>
+          <p:nvPr/>
+        </p:nvSpPr>
+        <p:spPr>
+          <a:xfrm>
+            <a:off x="4027714" y="302892"/>
+            <a:ext cx="2754086" cy="369332"/>
+          </a:xfrm>
+          <a:prstGeom prst="rect">
+            <a:avLst/>
+          </a:prstGeom>
+          <a:noFill/>
+        </p:spPr>
+        <p:txBody>
+          <a:bodyPr wrap="square" rtlCol="0">
+            <a:spAutoFit/>
+          </a:bodyPr>
+          <a:lstStyle/>
+          <a:p>
+            <a:r>
+              <a:rPr lang="en-US" dirty="0" err="1" smtClean="0"/>
+              <a:t>salman</a:t>
+            </a:r>
+            <a:endParaRPr lang="en-US" dirty="0"/>
+          </a:p>
+        </p:txBody>
+      </p:sp>
     </p:spTree>
     <p:extLst>
       <p:ext uri="{BB962C8B-B14F-4D97-AF65-F5344CB8AC3E}">
@@ -18770,97 +19318,6 @@
                                         <p:strVal val="visible"/>
                                       </p:to>
                                     </p:set>
-                                  </p:childTnLst>
-                                </p:cTn>
-                              </p:par>
-                            </p:childTnLst>
-                          </p:cTn>
-                        </p:par>
-                      </p:childTnLst>
-                    </p:cTn>
-                  </p:par>
-                  <p:par>
-                    <p:cTn id="19" fill="hold">
-                      <p:stCondLst>
-                        <p:cond delay="indefinite"/>
-                      </p:stCondLst>
-                      <p:childTnLst>
-                        <p:par>
-                          <p:cTn id="20" fill="hold">
-                            <p:stCondLst>
-                              <p:cond delay="0"/>
-                            </p:stCondLst>
-                            <p:childTnLst>
-                              <p:par>
-                                <p:cTn id="21" presetID="2" presetClass="entr" presetSubtype="4" fill="hold" nodeType="clickEffect">
-                                  <p:stCondLst>
-                                    <p:cond delay="0"/>
-                                  </p:stCondLst>
-                                  <p:childTnLst>
-                                    <p:set>
-                                      <p:cBhvr>
-                                        <p:cTn id="22" dur="1" fill="hold">
-                                          <p:stCondLst>
-                                            <p:cond delay="0"/>
-                                          </p:stCondLst>
-                                        </p:cTn>
-                                        <p:tgtEl>
-                                          <p:spTgt spid="3"/>
-                                        </p:tgtEl>
-                                        <p:attrNameLst>
-                                          <p:attrName>style.visibility</p:attrName>
-                                        </p:attrNameLst>
-                                      </p:cBhvr>
-                                      <p:to>
-                                        <p:strVal val="visible"/>
-                                      </p:to>
-                                    </p:set>
-                                    <p:anim calcmode="lin" valueType="num">
-                                      <p:cBhvr additive="base">
-                                        <p:cTn id="23" dur="500" fill="hold"/>
-                                        <p:tgtEl>
-                                          <p:spTgt spid="3"/>
-                                        </p:tgtEl>
-                                        <p:attrNameLst>
-                                          <p:attrName>ppt_x</p:attrName>
-                                        </p:attrNameLst>
-                                      </p:cBhvr>
-                                      <p:tavLst>
-                                        <p:tav tm="0">
-                                          <p:val>
-                                            <p:strVal val="#ppt_x"/>
-                                          </p:val>
-                                        </p:tav>
-                                        <p:tav tm="100000">
-                                          <p:val>
-                                            <p:strVal val="#ppt_x"/>
-                                          </p:val>
-                                        </p:tav>
-                                      </p:tavLst>
-                                    </p:anim>
-                                    <p:anim calcmode="lin" valueType="num">
-                                      <p:cBhvr additive="base">
-                                        <p:cTn id="24" dur="500" fill="hold"/>
-                                        <p:tgtEl>
-                                          <p:spTgt spid="3"/>
-                                        </p:tgtEl>
-                                        <p:attrNameLst>
-                                          <p:attrName>ppt_y</p:attrName>
-                                        </p:attrNameLst>
-                                      </p:cBhvr>
-                                      <p:tavLst>
-                                        <p:tav tm="0">
-                                          <p:val>
-                                            <p:strVal val="1+#ppt_h/2"/>
-                                          </p:val>
-                                        </p:tav>
-                                        <p:tav tm="100000">
-                                          <p:val>
-                                            <p:strVal val="#ppt_y"/>
-                                          </p:val>
-                                        </p:tav>
-                                      </p:tavLst>
-                                    </p:anim>
                                   </p:childTnLst>
                                 </p:cTn>
                               </p:par>
@@ -27225,6 +27682,389 @@
       </p:grpSpPr>
       <p:sp>
         <p:nvSpPr>
+          <p:cNvPr id="5" name="TextBox 4"/>
+          <p:cNvSpPr txBox="1"/>
+          <p:nvPr/>
+        </p:nvSpPr>
+        <p:spPr>
+          <a:xfrm>
+            <a:off x="854773" y="464122"/>
+            <a:ext cx="8200835" cy="523220"/>
+          </a:xfrm>
+          <a:prstGeom prst="rect">
+            <a:avLst/>
+          </a:prstGeom>
+          <a:noFill/>
+        </p:spPr>
+        <p:txBody>
+          <a:bodyPr wrap="none" rtlCol="0">
+            <a:spAutoFit/>
+          </a:bodyPr>
+          <a:lstStyle/>
+          <a:p>
+            <a:r>
+              <a:rPr lang="lv-LV" sz="2800" b="1" dirty="0">
+                <a:solidFill>
+                  <a:srgbClr val="00B050"/>
+                </a:solidFill>
+                <a:latin typeface="Cambria" panose="02040503050406030204" pitchFamily="18" charset="0"/>
+              </a:rPr>
+              <a:t>Laplace transform properties (Table 12.2. p.584)</a:t>
+            </a:r>
+            <a:endParaRPr lang="en-US" sz="2800" b="1" dirty="0">
+              <a:solidFill>
+                <a:srgbClr val="00B050"/>
+              </a:solidFill>
+              <a:latin typeface="Cambria" panose="02040503050406030204" pitchFamily="18" charset="0"/>
+            </a:endParaRPr>
+          </a:p>
+        </p:txBody>
+      </p:sp>
+      <p:sp>
+        <p:nvSpPr>
+          <p:cNvPr id="2" name="Slide Number Placeholder 1"/>
+          <p:cNvSpPr>
+            <a:spLocks noGrp="1"/>
+          </p:cNvSpPr>
+          <p:nvPr>
+            <p:ph type="sldNum" sz="quarter" idx="7"/>
+          </p:nvPr>
+        </p:nvSpPr>
+        <p:spPr/>
+        <p:txBody>
+          <a:bodyPr/>
+          <a:lstStyle/>
+          <a:p>
+            <a:fld id="{539F810C-9DAB-49B2-B45C-341744954A16}" type="slidenum">
+              <a:rPr lang="en-GB" smtClean="0"/>
+              <a:pPr/>
+              <a:t>27</a:t>
+            </a:fld>
+            <a:endParaRPr lang="en-GB"/>
+          </a:p>
+        </p:txBody>
+      </p:sp>
+      <p:grpSp>
+        <p:nvGrpSpPr>
+          <p:cNvPr id="17" name="Group 16">
+            <a:extLst>
+              <a:ext uri="{FF2B5EF4-FFF2-40B4-BE49-F238E27FC236}">
+                <a16:creationId xmlns="" xmlns:a16="http://schemas.microsoft.com/office/drawing/2014/main" id="{0EA7800D-DE40-4A80-B96A-D3DD80B4E933}"/>
+              </a:ext>
+            </a:extLst>
+          </p:cNvPr>
+          <p:cNvGrpSpPr/>
+          <p:nvPr/>
+        </p:nvGrpSpPr>
+        <p:grpSpPr>
+          <a:xfrm>
+            <a:off x="6417645" y="1455053"/>
+            <a:ext cx="5049054" cy="2981741"/>
+            <a:chOff x="6417645" y="1573824"/>
+            <a:chExt cx="5049054" cy="2981741"/>
+          </a:xfrm>
+        </p:grpSpPr>
+        <p:pic>
+          <p:nvPicPr>
+            <p:cNvPr id="8" name="Picture 7">
+              <a:extLst>
+                <a:ext uri="{FF2B5EF4-FFF2-40B4-BE49-F238E27FC236}">
+                  <a16:creationId xmlns="" xmlns:a16="http://schemas.microsoft.com/office/drawing/2014/main" id="{3FA59D9A-EF62-2124-3CEB-A9C358F8A5AF}"/>
+                </a:ext>
+              </a:extLst>
+            </p:cNvPr>
+            <p:cNvPicPr>
+              <a:picLocks noChangeAspect="1"/>
+            </p:cNvPicPr>
+            <p:nvPr/>
+          </p:nvPicPr>
+          <p:blipFill>
+            <a:blip r:embed="rId2"/>
+            <a:stretch>
+              <a:fillRect/>
+            </a:stretch>
+          </p:blipFill>
+          <p:spPr>
+            <a:xfrm>
+              <a:off x="6417645" y="1916772"/>
+              <a:ext cx="5049054" cy="2638793"/>
+            </a:xfrm>
+            <a:prstGeom prst="rect">
+              <a:avLst/>
+            </a:prstGeom>
+          </p:spPr>
+        </p:pic>
+        <p:pic>
+          <p:nvPicPr>
+            <p:cNvPr id="15" name="Picture 14">
+              <a:extLst>
+                <a:ext uri="{FF2B5EF4-FFF2-40B4-BE49-F238E27FC236}">
+                  <a16:creationId xmlns="" xmlns:a16="http://schemas.microsoft.com/office/drawing/2014/main" id="{4B49F486-2328-3D64-758A-954DD5C352C6}"/>
+                </a:ext>
+              </a:extLst>
+            </p:cNvPr>
+            <p:cNvPicPr>
+              <a:picLocks noChangeAspect="1"/>
+            </p:cNvPicPr>
+            <p:nvPr/>
+          </p:nvPicPr>
+          <p:blipFill>
+            <a:blip r:embed="rId3"/>
+            <a:stretch>
+              <a:fillRect/>
+            </a:stretch>
+          </p:blipFill>
+          <p:spPr>
+            <a:xfrm>
+              <a:off x="6417744" y="1573824"/>
+              <a:ext cx="5048955" cy="342948"/>
+            </a:xfrm>
+            <a:prstGeom prst="rect">
+              <a:avLst/>
+            </a:prstGeom>
+          </p:spPr>
+        </p:pic>
+      </p:grpSp>
+      <p:graphicFrame>
+        <p:nvGraphicFramePr>
+          <p:cNvPr id="3" name="Table 2"/>
+          <p:cNvGraphicFramePr>
+            <a:graphicFrameLocks noGrp="1"/>
+          </p:cNvGraphicFramePr>
+          <p:nvPr>
+            <p:extLst>
+              <p:ext uri="{D42A27DB-BD31-4B8C-83A1-F6EECF244321}">
+                <p14:modId xmlns:p14="http://schemas.microsoft.com/office/powerpoint/2010/main" val="4226880664"/>
+              </p:ext>
+            </p:extLst>
+          </p:nvPr>
+        </p:nvGraphicFramePr>
+        <p:xfrm>
+          <a:off x="1031842" y="1358897"/>
+          <a:ext cx="4108870" cy="2926080"/>
+        </p:xfrm>
+        <a:graphic>
+          <a:graphicData uri="http://schemas.openxmlformats.org/drawingml/2006/table">
+            <a:tbl>
+              <a:tblPr firstRow="1" bandRow="1">
+                <a:tableStyleId>{5C22544A-7EE6-4342-B048-85BDC9FD1C3A}</a:tableStyleId>
+              </a:tblPr>
+              <a:tblGrid>
+                <a:gridCol w="2054435"/>
+                <a:gridCol w="2054435"/>
+              </a:tblGrid>
+              <a:tr h="344326">
+                <a:tc>
+                  <a:txBody>
+                    <a:bodyPr/>
+                    <a:lstStyle/>
+                    <a:p>
+                      <a:endParaRPr lang="en-US" dirty="0"/>
+                    </a:p>
+                  </a:txBody>
+                  <a:tcPr/>
+                </a:tc>
+                <a:tc>
+                  <a:txBody>
+                    <a:bodyPr/>
+                    <a:lstStyle/>
+                    <a:p>
+                      <a:endParaRPr lang="en-US"/>
+                    </a:p>
+                  </a:txBody>
+                  <a:tcPr/>
+                </a:tc>
+              </a:tr>
+              <a:tr h="344326">
+                <a:tc>
+                  <a:txBody>
+                    <a:bodyPr/>
+                    <a:lstStyle/>
+                    <a:p>
+                      <a:endParaRPr lang="en-US"/>
+                    </a:p>
+                  </a:txBody>
+                  <a:tcPr/>
+                </a:tc>
+                <a:tc>
+                  <a:txBody>
+                    <a:bodyPr/>
+                    <a:lstStyle/>
+                    <a:p>
+                      <a:endParaRPr lang="en-US"/>
+                    </a:p>
+                  </a:txBody>
+                  <a:tcPr/>
+                </a:tc>
+              </a:tr>
+              <a:tr h="344326">
+                <a:tc>
+                  <a:txBody>
+                    <a:bodyPr/>
+                    <a:lstStyle/>
+                    <a:p>
+                      <a:endParaRPr lang="en-US"/>
+                    </a:p>
+                  </a:txBody>
+                  <a:tcPr/>
+                </a:tc>
+                <a:tc>
+                  <a:txBody>
+                    <a:bodyPr/>
+                    <a:lstStyle/>
+                    <a:p>
+                      <a:endParaRPr lang="en-US" dirty="0"/>
+                    </a:p>
+                  </a:txBody>
+                  <a:tcPr/>
+                </a:tc>
+              </a:tr>
+              <a:tr h="344326">
+                <a:tc>
+                  <a:txBody>
+                    <a:bodyPr/>
+                    <a:lstStyle/>
+                    <a:p>
+                      <a:endParaRPr lang="en-US"/>
+                    </a:p>
+                  </a:txBody>
+                  <a:tcPr/>
+                </a:tc>
+                <a:tc>
+                  <a:txBody>
+                    <a:bodyPr/>
+                    <a:lstStyle/>
+                    <a:p>
+                      <a:endParaRPr lang="en-US"/>
+                    </a:p>
+                  </a:txBody>
+                  <a:tcPr/>
+                </a:tc>
+              </a:tr>
+              <a:tr h="344326">
+                <a:tc>
+                  <a:txBody>
+                    <a:bodyPr/>
+                    <a:lstStyle/>
+                    <a:p>
+                      <a:endParaRPr lang="en-US"/>
+                    </a:p>
+                  </a:txBody>
+                  <a:tcPr/>
+                </a:tc>
+                <a:tc>
+                  <a:txBody>
+                    <a:bodyPr/>
+                    <a:lstStyle/>
+                    <a:p>
+                      <a:endParaRPr lang="en-US"/>
+                    </a:p>
+                  </a:txBody>
+                  <a:tcPr/>
+                </a:tc>
+              </a:tr>
+              <a:tr h="344326">
+                <a:tc>
+                  <a:txBody>
+                    <a:bodyPr/>
+                    <a:lstStyle/>
+                    <a:p>
+                      <a:endParaRPr lang="en-US"/>
+                    </a:p>
+                  </a:txBody>
+                  <a:tcPr/>
+                </a:tc>
+                <a:tc>
+                  <a:txBody>
+                    <a:bodyPr/>
+                    <a:lstStyle/>
+                    <a:p>
+                      <a:endParaRPr lang="en-US"/>
+                    </a:p>
+                  </a:txBody>
+                  <a:tcPr/>
+                </a:tc>
+              </a:tr>
+              <a:tr h="344326">
+                <a:tc>
+                  <a:txBody>
+                    <a:bodyPr/>
+                    <a:lstStyle/>
+                    <a:p>
+                      <a:endParaRPr lang="en-US"/>
+                    </a:p>
+                  </a:txBody>
+                  <a:tcPr/>
+                </a:tc>
+                <a:tc>
+                  <a:txBody>
+                    <a:bodyPr/>
+                    <a:lstStyle/>
+                    <a:p>
+                      <a:endParaRPr lang="en-US"/>
+                    </a:p>
+                  </a:txBody>
+                  <a:tcPr/>
+                </a:tc>
+              </a:tr>
+              <a:tr h="344326">
+                <a:tc>
+                  <a:txBody>
+                    <a:bodyPr/>
+                    <a:lstStyle/>
+                    <a:p>
+                      <a:endParaRPr lang="en-US"/>
+                    </a:p>
+                  </a:txBody>
+                  <a:tcPr/>
+                </a:tc>
+                <a:tc>
+                  <a:txBody>
+                    <a:bodyPr/>
+                    <a:lstStyle/>
+                    <a:p>
+                      <a:endParaRPr lang="en-US" dirty="0"/>
+                    </a:p>
+                  </a:txBody>
+                  <a:tcPr/>
+                </a:tc>
+              </a:tr>
+            </a:tbl>
+          </a:graphicData>
+        </a:graphic>
+      </p:graphicFrame>
+    </p:spTree>
+    <p:extLst>
+      <p:ext uri="{BB962C8B-B14F-4D97-AF65-F5344CB8AC3E}">
+        <p14:creationId xmlns:p14="http://schemas.microsoft.com/office/powerpoint/2010/main" val="3806851179"/>
+      </p:ext>
+    </p:extLst>
+  </p:cSld>
+  <p:clrMapOvr>
+    <a:masterClrMapping/>
+  </p:clrMapOvr>
+</p:sld>
+</file>
+
+<file path=ppt/slides/slide28.xml><?xml version="1.0" encoding="utf-8"?>
+<p:sld xmlns:a="http://schemas.openxmlformats.org/drawingml/2006/main" xmlns:r="http://schemas.openxmlformats.org/officeDocument/2006/relationships" xmlns:p="http://schemas.openxmlformats.org/presentationml/2006/main">
+  <p:cSld>
+    <p:spTree>
+      <p:nvGrpSpPr>
+        <p:cNvPr id="1" name=""/>
+        <p:cNvGrpSpPr/>
+        <p:nvPr/>
+      </p:nvGrpSpPr>
+      <p:grpSpPr>
+        <a:xfrm>
+          <a:off x="0" y="0"/>
+          <a:ext cx="0" cy="0"/>
+          <a:chOff x="0" y="0"/>
+          <a:chExt cx="0" cy="0"/>
+        </a:xfrm>
+      </p:grpSpPr>
+      <p:sp>
+        <p:nvSpPr>
           <p:cNvPr id="3" name="TextBox 2"/>
           <p:cNvSpPr txBox="1"/>
           <p:nvPr/>
@@ -28451,7 +29291,7 @@
             <a:fld id="{539F810C-9DAB-49B2-B45C-341744954A16}" type="slidenum">
               <a:rPr lang="en-GB" smtClean="0"/>
               <a:pPr/>
-              <a:t>27</a:t>
+              <a:t>28</a:t>
             </a:fld>
             <a:endParaRPr lang="en-GB"/>
           </a:p>
@@ -28966,7 +29806,7 @@
 </p:sld>
 </file>
 
-<file path=ppt/slides/slide28.xml><?xml version="1.0" encoding="utf-8"?>
+<file path=ppt/slides/slide29.xml><?xml version="1.0" encoding="utf-8"?>
 <p:sld xmlns:a="http://schemas.openxmlformats.org/drawingml/2006/main" xmlns:r="http://schemas.openxmlformats.org/officeDocument/2006/relationships" xmlns:p="http://schemas.openxmlformats.org/presentationml/2006/main">
   <p:cSld>
     <p:spTree>
@@ -29778,7 +30618,7 @@
             <a:fld id="{539F810C-9DAB-49B2-B45C-341744954A16}" type="slidenum">
               <a:rPr lang="en-GB" smtClean="0"/>
               <a:pPr/>
-              <a:t>28</a:t>
+              <a:t>29</a:t>
             </a:fld>
             <a:endParaRPr lang="en-GB"/>
           </a:p>
@@ -30129,7 +30969,439 @@
 </p:sld>
 </file>
 
-<file path=ppt/slides/slide29.xml><?xml version="1.0" encoding="utf-8"?>
+<file path=ppt/slides/slide3.xml><?xml version="1.0" encoding="utf-8"?>
+<p:sld xmlns:a="http://schemas.openxmlformats.org/drawingml/2006/main" xmlns:r="http://schemas.openxmlformats.org/officeDocument/2006/relationships" xmlns:p="http://schemas.openxmlformats.org/presentationml/2006/main">
+  <p:cSld>
+    <p:spTree>
+      <p:nvGrpSpPr>
+        <p:cNvPr id="1" name=""/>
+        <p:cNvGrpSpPr/>
+        <p:nvPr/>
+      </p:nvGrpSpPr>
+      <p:grpSpPr>
+        <a:xfrm>
+          <a:off x="0" y="0"/>
+          <a:ext cx="0" cy="0"/>
+          <a:chOff x="0" y="0"/>
+          <a:chExt cx="0" cy="0"/>
+        </a:xfrm>
+      </p:grpSpPr>
+      <p:sp>
+        <p:nvSpPr>
+          <p:cNvPr id="2" name="مربع نص 1"/>
+          <p:cNvSpPr txBox="1"/>
+          <p:nvPr/>
+        </p:nvSpPr>
+        <p:spPr>
+          <a:xfrm>
+            <a:off x="950647" y="505391"/>
+            <a:ext cx="4834261" cy="901465"/>
+          </a:xfrm>
+          <a:prstGeom prst="rect">
+            <a:avLst/>
+          </a:prstGeom>
+          <a:noFill/>
+        </p:spPr>
+        <p:txBody>
+          <a:bodyPr wrap="square" rtlCol="0">
+            <a:spAutoFit/>
+          </a:bodyPr>
+          <a:lstStyle/>
+          <a:p>
+            <a:pPr marL="0" marR="0" lvl="0" indent="0" algn="l" defTabSz="914400" rtl="0" eaLnBrk="1" fontAlgn="auto" latinLnBrk="0" hangingPunct="1">
+              <a:lnSpc>
+                <a:spcPct val="150000"/>
+              </a:lnSpc>
+              <a:spcBef>
+                <a:spcPts val="0"/>
+              </a:spcBef>
+              <a:spcAft>
+                <a:spcPts val="0"/>
+              </a:spcAft>
+              <a:buClrTx/>
+              <a:buSzTx/>
+              <a:buFontTx/>
+              <a:buNone/>
+              <a:tabLst/>
+              <a:defRPr/>
+            </a:pPr>
+            <a:r>
+              <a:rPr kumimoji="0" lang="en-US" sz="4000" b="1" i="0" u="none" strike="noStrike" kern="1200" cap="none" spc="0" normalizeH="0" baseline="0" noProof="0" dirty="0">
+                <a:ln>
+                  <a:noFill/>
+                </a:ln>
+                <a:solidFill>
+                  <a:srgbClr val="00B050"/>
+                </a:solidFill>
+                <a:effectLst/>
+                <a:uLnTx/>
+                <a:uFillTx/>
+                <a:latin typeface="Cambria" pitchFamily="18" charset="0"/>
+                <a:ea typeface="+mn-ea"/>
+                <a:cs typeface="+mn-cs"/>
+              </a:rPr>
+              <a:t>Recap</a:t>
+            </a:r>
+          </a:p>
+        </p:txBody>
+      </p:sp>
+      <p:sp>
+        <p:nvSpPr>
+          <p:cNvPr id="3" name="TextBox 2"/>
+          <p:cNvSpPr txBox="1"/>
+          <p:nvPr/>
+        </p:nvSpPr>
+        <p:spPr>
+          <a:xfrm>
+            <a:off x="950646" y="1581297"/>
+            <a:ext cx="8691373" cy="796052"/>
+          </a:xfrm>
+          <a:prstGeom prst="rect">
+            <a:avLst/>
+          </a:prstGeom>
+          <a:noFill/>
+        </p:spPr>
+        <p:txBody>
+          <a:bodyPr wrap="square" rtlCol="0">
+            <a:spAutoFit/>
+          </a:bodyPr>
+          <a:lstStyle/>
+          <a:p>
+            <a:pPr marL="514350" marR="0" lvl="0" indent="-514350" algn="l" defTabSz="914400" rtl="0" eaLnBrk="1" fontAlgn="auto" latinLnBrk="0" hangingPunct="1">
+              <a:lnSpc>
+                <a:spcPct val="150000"/>
+              </a:lnSpc>
+              <a:spcBef>
+                <a:spcPts val="0"/>
+              </a:spcBef>
+              <a:spcAft>
+                <a:spcPts val="0"/>
+              </a:spcAft>
+              <a:buClrTx/>
+              <a:buSzTx/>
+              <a:buFont typeface="+mj-lt"/>
+              <a:buAutoNum type="arabicPeriod"/>
+              <a:tabLst/>
+              <a:defRPr/>
+            </a:pPr>
+            <a:r>
+              <a:rPr kumimoji="0" lang="en-US" sz="3400" b="0" i="0" u="none" strike="noStrike" kern="1200" cap="none" spc="0" normalizeH="0" baseline="0" noProof="0" dirty="0">
+                <a:ln>
+                  <a:noFill/>
+                </a:ln>
+                <a:solidFill>
+                  <a:prstClr val="black"/>
+                </a:solidFill>
+                <a:effectLst/>
+                <a:uLnTx/>
+                <a:uFillTx/>
+                <a:latin typeface="Calibri"/>
+                <a:ea typeface="+mn-ea"/>
+                <a:cs typeface="+mn-cs"/>
+              </a:rPr>
+              <a:t>Introduction to basic signals</a:t>
+            </a:r>
+          </a:p>
+        </p:txBody>
+      </p:sp>
+      <p:sp>
+        <p:nvSpPr>
+          <p:cNvPr id="4" name="Slide Number Placeholder 3"/>
+          <p:cNvSpPr>
+            <a:spLocks noGrp="1"/>
+          </p:cNvSpPr>
+          <p:nvPr>
+            <p:ph type="sldNum" sz="quarter" idx="7"/>
+          </p:nvPr>
+        </p:nvSpPr>
+        <p:spPr/>
+        <p:txBody>
+          <a:bodyPr/>
+          <a:lstStyle/>
+          <a:p>
+            <a:pPr marL="0" marR="0" lvl="0" indent="0" algn="r" defTabSz="914400" rtl="0" eaLnBrk="1" fontAlgn="auto" latinLnBrk="0" hangingPunct="1">
+              <a:lnSpc>
+                <a:spcPct val="100000"/>
+              </a:lnSpc>
+              <a:spcBef>
+                <a:spcPts val="0"/>
+              </a:spcBef>
+              <a:spcAft>
+                <a:spcPts val="0"/>
+              </a:spcAft>
+              <a:buClrTx/>
+              <a:buSzTx/>
+              <a:buFontTx/>
+              <a:buNone/>
+              <a:tabLst/>
+              <a:defRPr/>
+            </a:pPr>
+            <a:fld id="{539F810C-9DAB-49B2-B45C-341744954A16}" type="slidenum">
+              <a:rPr kumimoji="0" lang="en-GB" sz="1800" b="0" i="0" u="none" strike="noStrike" kern="1200" cap="none" spc="0" normalizeH="0" baseline="0" noProof="0" smtClean="0">
+                <a:ln>
+                  <a:noFill/>
+                </a:ln>
+                <a:solidFill>
+                  <a:prstClr val="black">
+                    <a:tint val="75000"/>
+                  </a:prstClr>
+                </a:solidFill>
+                <a:effectLst/>
+                <a:uLnTx/>
+                <a:uFillTx/>
+                <a:latin typeface="Calibri"/>
+                <a:ea typeface="+mn-ea"/>
+                <a:cs typeface="+mn-cs"/>
+              </a:rPr>
+              <a:pPr marL="0" marR="0" lvl="0" indent="0" algn="r" defTabSz="914400" rtl="0" eaLnBrk="1" fontAlgn="auto" latinLnBrk="0" hangingPunct="1">
+                <a:lnSpc>
+                  <a:spcPct val="100000"/>
+                </a:lnSpc>
+                <a:spcBef>
+                  <a:spcPts val="0"/>
+                </a:spcBef>
+                <a:spcAft>
+                  <a:spcPts val="0"/>
+                </a:spcAft>
+                <a:buClrTx/>
+                <a:buSzTx/>
+                <a:buFontTx/>
+                <a:buNone/>
+                <a:tabLst/>
+                <a:defRPr/>
+              </a:pPr>
+              <a:t>3</a:t>
+            </a:fld>
+            <a:endParaRPr kumimoji="0" lang="en-GB" sz="1800" b="0" i="0" u="none" strike="noStrike" kern="1200" cap="none" spc="0" normalizeH="0" baseline="0" noProof="0">
+              <a:ln>
+                <a:noFill/>
+              </a:ln>
+              <a:solidFill>
+                <a:prstClr val="black">
+                  <a:tint val="75000"/>
+                </a:prstClr>
+              </a:solidFill>
+              <a:effectLst/>
+              <a:uLnTx/>
+              <a:uFillTx/>
+              <a:latin typeface="Calibri"/>
+              <a:ea typeface="+mn-ea"/>
+              <a:cs typeface="+mn-cs"/>
+            </a:endParaRPr>
+          </a:p>
+        </p:txBody>
+      </p:sp>
+      <p:sp>
+        <p:nvSpPr>
+          <p:cNvPr id="5" name="مربع نص 1">
+            <a:extLst>
+              <a:ext uri="{FF2B5EF4-FFF2-40B4-BE49-F238E27FC236}">
+                <a16:creationId xmlns="" xmlns:a16="http://schemas.microsoft.com/office/drawing/2014/main" id="{7711DB52-DA0E-C95D-DFAF-CCC7BD2BE49D}"/>
+              </a:ext>
+            </a:extLst>
+          </p:cNvPr>
+          <p:cNvSpPr txBox="1"/>
+          <p:nvPr/>
+        </p:nvSpPr>
+        <p:spPr>
+          <a:xfrm>
+            <a:off x="950647" y="2711422"/>
+            <a:ext cx="4834261" cy="1015663"/>
+          </a:xfrm>
+          <a:prstGeom prst="rect">
+            <a:avLst/>
+          </a:prstGeom>
+          <a:noFill/>
+        </p:spPr>
+        <p:txBody>
+          <a:bodyPr wrap="square" rtlCol="0">
+            <a:spAutoFit/>
+          </a:bodyPr>
+          <a:lstStyle/>
+          <a:p>
+            <a:pPr marL="0" marR="0" lvl="0" indent="0" algn="l" defTabSz="914400" rtl="0" eaLnBrk="1" fontAlgn="auto" latinLnBrk="0" hangingPunct="1">
+              <a:lnSpc>
+                <a:spcPct val="150000"/>
+              </a:lnSpc>
+              <a:spcBef>
+                <a:spcPts val="0"/>
+              </a:spcBef>
+              <a:spcAft>
+                <a:spcPts val="0"/>
+              </a:spcAft>
+              <a:buClrTx/>
+              <a:buSzTx/>
+              <a:buFontTx/>
+              <a:buNone/>
+              <a:tabLst/>
+              <a:defRPr/>
+            </a:pPr>
+            <a:r>
+              <a:rPr kumimoji="0" lang="en-US" sz="4000" b="1" i="0" u="none" strike="noStrike" kern="1200" cap="none" spc="0" normalizeH="0" baseline="0" noProof="0" dirty="0">
+                <a:ln>
+                  <a:noFill/>
+                </a:ln>
+                <a:solidFill>
+                  <a:srgbClr val="00B050"/>
+                </a:solidFill>
+                <a:effectLst/>
+                <a:uLnTx/>
+                <a:uFillTx/>
+                <a:latin typeface="Cambria" pitchFamily="18" charset="0"/>
+                <a:ea typeface="+mn-ea"/>
+                <a:cs typeface="+mn-cs"/>
+              </a:rPr>
+              <a:t>New Material</a:t>
+            </a:r>
+          </a:p>
+        </p:txBody>
+      </p:sp>
+      <p:sp>
+        <p:nvSpPr>
+          <p:cNvPr id="6" name="TextBox 5">
+            <a:extLst>
+              <a:ext uri="{FF2B5EF4-FFF2-40B4-BE49-F238E27FC236}">
+                <a16:creationId xmlns="" xmlns:a16="http://schemas.microsoft.com/office/drawing/2014/main" id="{34183D16-35EC-852C-6B9E-C6ED3DBFD9D3}"/>
+              </a:ext>
+            </a:extLst>
+          </p:cNvPr>
+          <p:cNvSpPr txBox="1"/>
+          <p:nvPr/>
+        </p:nvSpPr>
+        <p:spPr>
+          <a:xfrm>
+            <a:off x="1024126" y="3612887"/>
+            <a:ext cx="8691373" cy="2365712"/>
+          </a:xfrm>
+          <a:prstGeom prst="rect">
+            <a:avLst/>
+          </a:prstGeom>
+          <a:noFill/>
+        </p:spPr>
+        <p:txBody>
+          <a:bodyPr wrap="square" rtlCol="0">
+            <a:spAutoFit/>
+          </a:bodyPr>
+          <a:lstStyle/>
+          <a:p>
+            <a:pPr marL="514350" marR="0" lvl="0" indent="-514350" algn="l" defTabSz="914400" rtl="0" eaLnBrk="1" fontAlgn="auto" latinLnBrk="0" hangingPunct="1">
+              <a:lnSpc>
+                <a:spcPct val="150000"/>
+              </a:lnSpc>
+              <a:spcBef>
+                <a:spcPts val="0"/>
+              </a:spcBef>
+              <a:spcAft>
+                <a:spcPts val="0"/>
+              </a:spcAft>
+              <a:buClrTx/>
+              <a:buSzTx/>
+              <a:buFont typeface="+mj-lt"/>
+              <a:buAutoNum type="arabicPeriod"/>
+              <a:tabLst/>
+              <a:defRPr/>
+            </a:pPr>
+            <a:r>
+              <a:rPr kumimoji="0" lang="en-US" sz="3400" b="0" i="0" u="none" strike="noStrike" kern="1200" cap="none" spc="0" normalizeH="0" baseline="0" noProof="0" dirty="0">
+                <a:ln>
+                  <a:noFill/>
+                </a:ln>
+                <a:solidFill>
+                  <a:prstClr val="black"/>
+                </a:solidFill>
+                <a:effectLst/>
+                <a:uLnTx/>
+                <a:uFillTx/>
+                <a:latin typeface="Calibri"/>
+                <a:ea typeface="+mn-ea"/>
+                <a:cs typeface="+mn-cs"/>
+              </a:rPr>
+              <a:t>Laplace transform analysis</a:t>
+            </a:r>
+          </a:p>
+          <a:p>
+            <a:pPr marL="514350" marR="0" lvl="0" indent="-514350" algn="l" defTabSz="914400" rtl="0" eaLnBrk="1" fontAlgn="auto" latinLnBrk="0" hangingPunct="1">
+              <a:lnSpc>
+                <a:spcPct val="150000"/>
+              </a:lnSpc>
+              <a:spcBef>
+                <a:spcPts val="0"/>
+              </a:spcBef>
+              <a:spcAft>
+                <a:spcPts val="0"/>
+              </a:spcAft>
+              <a:buClrTx/>
+              <a:buSzTx/>
+              <a:buFont typeface="+mj-lt"/>
+              <a:buAutoNum type="arabicPeriod"/>
+              <a:tabLst/>
+              <a:defRPr/>
+            </a:pPr>
+            <a:r>
+              <a:rPr lang="en-US" sz="3400" dirty="0">
+                <a:solidFill>
+                  <a:prstClr val="black"/>
+                </a:solidFill>
+                <a:latin typeface="Calibri"/>
+              </a:rPr>
+              <a:t>Properties of LaPlace transform</a:t>
+            </a:r>
+          </a:p>
+          <a:p>
+            <a:pPr marL="514350" marR="0" lvl="0" indent="-514350" algn="l" defTabSz="914400" rtl="0" eaLnBrk="1" fontAlgn="auto" latinLnBrk="0" hangingPunct="1">
+              <a:lnSpc>
+                <a:spcPct val="150000"/>
+              </a:lnSpc>
+              <a:spcBef>
+                <a:spcPts val="0"/>
+              </a:spcBef>
+              <a:spcAft>
+                <a:spcPts val="0"/>
+              </a:spcAft>
+              <a:buClrTx/>
+              <a:buSzTx/>
+              <a:buFont typeface="+mj-lt"/>
+              <a:buAutoNum type="arabicPeriod"/>
+              <a:tabLst/>
+              <a:defRPr/>
+            </a:pPr>
+            <a:r>
+              <a:rPr kumimoji="0" lang="en-US" sz="3400" b="0" i="0" u="none" strike="noStrike" kern="1200" cap="none" spc="0" normalizeH="0" baseline="0" noProof="0" dirty="0">
+                <a:ln>
+                  <a:noFill/>
+                </a:ln>
+                <a:solidFill>
+                  <a:prstClr val="black"/>
+                </a:solidFill>
+                <a:effectLst/>
+                <a:uLnTx/>
+                <a:uFillTx/>
+                <a:latin typeface="Calibri"/>
+                <a:ea typeface="+mn-ea"/>
+                <a:cs typeface="+mn-cs"/>
+              </a:rPr>
+              <a:t>Examples</a:t>
+            </a:r>
+          </a:p>
+        </p:txBody>
+      </p:sp>
+    </p:spTree>
+    <p:extLst>
+      <p:ext uri="{BB962C8B-B14F-4D97-AF65-F5344CB8AC3E}">
+        <p14:creationId xmlns:p14="http://schemas.microsoft.com/office/powerpoint/2010/main" val="735183424"/>
+      </p:ext>
+    </p:extLst>
+  </p:cSld>
+  <p:clrMapOvr>
+    <a:masterClrMapping/>
+  </p:clrMapOvr>
+  <p:transition>
+    <p:wipe/>
+  </p:transition>
+</p:sld>
+</file>
+
+<file path=ppt/slides/slide30.xml><?xml version="1.0" encoding="utf-8"?>
 <p:sld xmlns:a="http://schemas.openxmlformats.org/drawingml/2006/main" xmlns:r="http://schemas.openxmlformats.org/officeDocument/2006/relationships" xmlns:p="http://schemas.openxmlformats.org/presentationml/2006/main">
   <p:cSld>
     <p:spTree>
@@ -30164,7 +31436,7 @@
             <a:fld id="{539F810C-9DAB-49B2-B45C-341744954A16}" type="slidenum">
               <a:rPr lang="en-GB" smtClean="0"/>
               <a:pPr/>
-              <a:t>29</a:t>
+              <a:t>30</a:t>
             </a:fld>
             <a:endParaRPr lang="en-GB"/>
           </a:p>
@@ -30785,439 +32057,7 @@
 </p:sld>
 </file>
 
-<file path=ppt/slides/slide3.xml><?xml version="1.0" encoding="utf-8"?>
-<p:sld xmlns:a="http://schemas.openxmlformats.org/drawingml/2006/main" xmlns:r="http://schemas.openxmlformats.org/officeDocument/2006/relationships" xmlns:p="http://schemas.openxmlformats.org/presentationml/2006/main">
-  <p:cSld>
-    <p:spTree>
-      <p:nvGrpSpPr>
-        <p:cNvPr id="1" name=""/>
-        <p:cNvGrpSpPr/>
-        <p:nvPr/>
-      </p:nvGrpSpPr>
-      <p:grpSpPr>
-        <a:xfrm>
-          <a:off x="0" y="0"/>
-          <a:ext cx="0" cy="0"/>
-          <a:chOff x="0" y="0"/>
-          <a:chExt cx="0" cy="0"/>
-        </a:xfrm>
-      </p:grpSpPr>
-      <p:sp>
-        <p:nvSpPr>
-          <p:cNvPr id="2" name="مربع نص 1"/>
-          <p:cNvSpPr txBox="1"/>
-          <p:nvPr/>
-        </p:nvSpPr>
-        <p:spPr>
-          <a:xfrm>
-            <a:off x="950647" y="505391"/>
-            <a:ext cx="4834261" cy="901465"/>
-          </a:xfrm>
-          <a:prstGeom prst="rect">
-            <a:avLst/>
-          </a:prstGeom>
-          <a:noFill/>
-        </p:spPr>
-        <p:txBody>
-          <a:bodyPr wrap="square" rtlCol="0">
-            <a:spAutoFit/>
-          </a:bodyPr>
-          <a:lstStyle/>
-          <a:p>
-            <a:pPr marL="0" marR="0" lvl="0" indent="0" algn="l" defTabSz="914400" rtl="0" eaLnBrk="1" fontAlgn="auto" latinLnBrk="0" hangingPunct="1">
-              <a:lnSpc>
-                <a:spcPct val="150000"/>
-              </a:lnSpc>
-              <a:spcBef>
-                <a:spcPts val="0"/>
-              </a:spcBef>
-              <a:spcAft>
-                <a:spcPts val="0"/>
-              </a:spcAft>
-              <a:buClrTx/>
-              <a:buSzTx/>
-              <a:buFontTx/>
-              <a:buNone/>
-              <a:tabLst/>
-              <a:defRPr/>
-            </a:pPr>
-            <a:r>
-              <a:rPr kumimoji="0" lang="en-US" sz="4000" b="1" i="0" u="none" strike="noStrike" kern="1200" cap="none" spc="0" normalizeH="0" baseline="0" noProof="0" dirty="0">
-                <a:ln>
-                  <a:noFill/>
-                </a:ln>
-                <a:solidFill>
-                  <a:srgbClr val="00B050"/>
-                </a:solidFill>
-                <a:effectLst/>
-                <a:uLnTx/>
-                <a:uFillTx/>
-                <a:latin typeface="Cambria" pitchFamily="18" charset="0"/>
-                <a:ea typeface="+mn-ea"/>
-                <a:cs typeface="+mn-cs"/>
-              </a:rPr>
-              <a:t>Recap</a:t>
-            </a:r>
-          </a:p>
-        </p:txBody>
-      </p:sp>
-      <p:sp>
-        <p:nvSpPr>
-          <p:cNvPr id="3" name="TextBox 2"/>
-          <p:cNvSpPr txBox="1"/>
-          <p:nvPr/>
-        </p:nvSpPr>
-        <p:spPr>
-          <a:xfrm>
-            <a:off x="950646" y="1581297"/>
-            <a:ext cx="8691373" cy="796052"/>
-          </a:xfrm>
-          <a:prstGeom prst="rect">
-            <a:avLst/>
-          </a:prstGeom>
-          <a:noFill/>
-        </p:spPr>
-        <p:txBody>
-          <a:bodyPr wrap="square" rtlCol="0">
-            <a:spAutoFit/>
-          </a:bodyPr>
-          <a:lstStyle/>
-          <a:p>
-            <a:pPr marL="514350" marR="0" lvl="0" indent="-514350" algn="l" defTabSz="914400" rtl="0" eaLnBrk="1" fontAlgn="auto" latinLnBrk="0" hangingPunct="1">
-              <a:lnSpc>
-                <a:spcPct val="150000"/>
-              </a:lnSpc>
-              <a:spcBef>
-                <a:spcPts val="0"/>
-              </a:spcBef>
-              <a:spcAft>
-                <a:spcPts val="0"/>
-              </a:spcAft>
-              <a:buClrTx/>
-              <a:buSzTx/>
-              <a:buFont typeface="+mj-lt"/>
-              <a:buAutoNum type="arabicPeriod"/>
-              <a:tabLst/>
-              <a:defRPr/>
-            </a:pPr>
-            <a:r>
-              <a:rPr kumimoji="0" lang="en-US" sz="3400" b="0" i="0" u="none" strike="noStrike" kern="1200" cap="none" spc="0" normalizeH="0" baseline="0" noProof="0" dirty="0">
-                <a:ln>
-                  <a:noFill/>
-                </a:ln>
-                <a:solidFill>
-                  <a:prstClr val="black"/>
-                </a:solidFill>
-                <a:effectLst/>
-                <a:uLnTx/>
-                <a:uFillTx/>
-                <a:latin typeface="Calibri"/>
-                <a:ea typeface="+mn-ea"/>
-                <a:cs typeface="+mn-cs"/>
-              </a:rPr>
-              <a:t>Introduction to basic signals</a:t>
-            </a:r>
-          </a:p>
-        </p:txBody>
-      </p:sp>
-      <p:sp>
-        <p:nvSpPr>
-          <p:cNvPr id="4" name="Slide Number Placeholder 3"/>
-          <p:cNvSpPr>
-            <a:spLocks noGrp="1"/>
-          </p:cNvSpPr>
-          <p:nvPr>
-            <p:ph type="sldNum" sz="quarter" idx="7"/>
-          </p:nvPr>
-        </p:nvSpPr>
-        <p:spPr/>
-        <p:txBody>
-          <a:bodyPr/>
-          <a:lstStyle/>
-          <a:p>
-            <a:pPr marL="0" marR="0" lvl="0" indent="0" algn="r" defTabSz="914400" rtl="0" eaLnBrk="1" fontAlgn="auto" latinLnBrk="0" hangingPunct="1">
-              <a:lnSpc>
-                <a:spcPct val="100000"/>
-              </a:lnSpc>
-              <a:spcBef>
-                <a:spcPts val="0"/>
-              </a:spcBef>
-              <a:spcAft>
-                <a:spcPts val="0"/>
-              </a:spcAft>
-              <a:buClrTx/>
-              <a:buSzTx/>
-              <a:buFontTx/>
-              <a:buNone/>
-              <a:tabLst/>
-              <a:defRPr/>
-            </a:pPr>
-            <a:fld id="{539F810C-9DAB-49B2-B45C-341744954A16}" type="slidenum">
-              <a:rPr kumimoji="0" lang="en-GB" sz="1800" b="0" i="0" u="none" strike="noStrike" kern="1200" cap="none" spc="0" normalizeH="0" baseline="0" noProof="0" smtClean="0">
-                <a:ln>
-                  <a:noFill/>
-                </a:ln>
-                <a:solidFill>
-                  <a:prstClr val="black">
-                    <a:tint val="75000"/>
-                  </a:prstClr>
-                </a:solidFill>
-                <a:effectLst/>
-                <a:uLnTx/>
-                <a:uFillTx/>
-                <a:latin typeface="Calibri"/>
-                <a:ea typeface="+mn-ea"/>
-                <a:cs typeface="+mn-cs"/>
-              </a:rPr>
-              <a:pPr marL="0" marR="0" lvl="0" indent="0" algn="r" defTabSz="914400" rtl="0" eaLnBrk="1" fontAlgn="auto" latinLnBrk="0" hangingPunct="1">
-                <a:lnSpc>
-                  <a:spcPct val="100000"/>
-                </a:lnSpc>
-                <a:spcBef>
-                  <a:spcPts val="0"/>
-                </a:spcBef>
-                <a:spcAft>
-                  <a:spcPts val="0"/>
-                </a:spcAft>
-                <a:buClrTx/>
-                <a:buSzTx/>
-                <a:buFontTx/>
-                <a:buNone/>
-                <a:tabLst/>
-                <a:defRPr/>
-              </a:pPr>
-              <a:t>3</a:t>
-            </a:fld>
-            <a:endParaRPr kumimoji="0" lang="en-GB" sz="1800" b="0" i="0" u="none" strike="noStrike" kern="1200" cap="none" spc="0" normalizeH="0" baseline="0" noProof="0">
-              <a:ln>
-                <a:noFill/>
-              </a:ln>
-              <a:solidFill>
-                <a:prstClr val="black">
-                  <a:tint val="75000"/>
-                </a:prstClr>
-              </a:solidFill>
-              <a:effectLst/>
-              <a:uLnTx/>
-              <a:uFillTx/>
-              <a:latin typeface="Calibri"/>
-              <a:ea typeface="+mn-ea"/>
-              <a:cs typeface="+mn-cs"/>
-            </a:endParaRPr>
-          </a:p>
-        </p:txBody>
-      </p:sp>
-      <p:sp>
-        <p:nvSpPr>
-          <p:cNvPr id="5" name="مربع نص 1">
-            <a:extLst>
-              <a:ext uri="{FF2B5EF4-FFF2-40B4-BE49-F238E27FC236}">
-                <a16:creationId xmlns="" xmlns:a16="http://schemas.microsoft.com/office/drawing/2014/main" id="{7711DB52-DA0E-C95D-DFAF-CCC7BD2BE49D}"/>
-              </a:ext>
-            </a:extLst>
-          </p:cNvPr>
-          <p:cNvSpPr txBox="1"/>
-          <p:nvPr/>
-        </p:nvSpPr>
-        <p:spPr>
-          <a:xfrm>
-            <a:off x="950647" y="2711422"/>
-            <a:ext cx="4834261" cy="1015663"/>
-          </a:xfrm>
-          <a:prstGeom prst="rect">
-            <a:avLst/>
-          </a:prstGeom>
-          <a:noFill/>
-        </p:spPr>
-        <p:txBody>
-          <a:bodyPr wrap="square" rtlCol="0">
-            <a:spAutoFit/>
-          </a:bodyPr>
-          <a:lstStyle/>
-          <a:p>
-            <a:pPr marL="0" marR="0" lvl="0" indent="0" algn="l" defTabSz="914400" rtl="0" eaLnBrk="1" fontAlgn="auto" latinLnBrk="0" hangingPunct="1">
-              <a:lnSpc>
-                <a:spcPct val="150000"/>
-              </a:lnSpc>
-              <a:spcBef>
-                <a:spcPts val="0"/>
-              </a:spcBef>
-              <a:spcAft>
-                <a:spcPts val="0"/>
-              </a:spcAft>
-              <a:buClrTx/>
-              <a:buSzTx/>
-              <a:buFontTx/>
-              <a:buNone/>
-              <a:tabLst/>
-              <a:defRPr/>
-            </a:pPr>
-            <a:r>
-              <a:rPr kumimoji="0" lang="en-US" sz="4000" b="1" i="0" u="none" strike="noStrike" kern="1200" cap="none" spc="0" normalizeH="0" baseline="0" noProof="0" dirty="0">
-                <a:ln>
-                  <a:noFill/>
-                </a:ln>
-                <a:solidFill>
-                  <a:srgbClr val="00B050"/>
-                </a:solidFill>
-                <a:effectLst/>
-                <a:uLnTx/>
-                <a:uFillTx/>
-                <a:latin typeface="Cambria" pitchFamily="18" charset="0"/>
-                <a:ea typeface="+mn-ea"/>
-                <a:cs typeface="+mn-cs"/>
-              </a:rPr>
-              <a:t>New Material</a:t>
-            </a:r>
-          </a:p>
-        </p:txBody>
-      </p:sp>
-      <p:sp>
-        <p:nvSpPr>
-          <p:cNvPr id="6" name="TextBox 5">
-            <a:extLst>
-              <a:ext uri="{FF2B5EF4-FFF2-40B4-BE49-F238E27FC236}">
-                <a16:creationId xmlns="" xmlns:a16="http://schemas.microsoft.com/office/drawing/2014/main" id="{34183D16-35EC-852C-6B9E-C6ED3DBFD9D3}"/>
-              </a:ext>
-            </a:extLst>
-          </p:cNvPr>
-          <p:cNvSpPr txBox="1"/>
-          <p:nvPr/>
-        </p:nvSpPr>
-        <p:spPr>
-          <a:xfrm>
-            <a:off x="1024126" y="3612887"/>
-            <a:ext cx="8691373" cy="2365712"/>
-          </a:xfrm>
-          <a:prstGeom prst="rect">
-            <a:avLst/>
-          </a:prstGeom>
-          <a:noFill/>
-        </p:spPr>
-        <p:txBody>
-          <a:bodyPr wrap="square" rtlCol="0">
-            <a:spAutoFit/>
-          </a:bodyPr>
-          <a:lstStyle/>
-          <a:p>
-            <a:pPr marL="514350" marR="0" lvl="0" indent="-514350" algn="l" defTabSz="914400" rtl="0" eaLnBrk="1" fontAlgn="auto" latinLnBrk="0" hangingPunct="1">
-              <a:lnSpc>
-                <a:spcPct val="150000"/>
-              </a:lnSpc>
-              <a:spcBef>
-                <a:spcPts val="0"/>
-              </a:spcBef>
-              <a:spcAft>
-                <a:spcPts val="0"/>
-              </a:spcAft>
-              <a:buClrTx/>
-              <a:buSzTx/>
-              <a:buFont typeface="+mj-lt"/>
-              <a:buAutoNum type="arabicPeriod"/>
-              <a:tabLst/>
-              <a:defRPr/>
-            </a:pPr>
-            <a:r>
-              <a:rPr kumimoji="0" lang="en-US" sz="3400" b="0" i="0" u="none" strike="noStrike" kern="1200" cap="none" spc="0" normalizeH="0" baseline="0" noProof="0" dirty="0">
-                <a:ln>
-                  <a:noFill/>
-                </a:ln>
-                <a:solidFill>
-                  <a:prstClr val="black"/>
-                </a:solidFill>
-                <a:effectLst/>
-                <a:uLnTx/>
-                <a:uFillTx/>
-                <a:latin typeface="Calibri"/>
-                <a:ea typeface="+mn-ea"/>
-                <a:cs typeface="+mn-cs"/>
-              </a:rPr>
-              <a:t>Laplace transform analysis</a:t>
-            </a:r>
-          </a:p>
-          <a:p>
-            <a:pPr marL="514350" marR="0" lvl="0" indent="-514350" algn="l" defTabSz="914400" rtl="0" eaLnBrk="1" fontAlgn="auto" latinLnBrk="0" hangingPunct="1">
-              <a:lnSpc>
-                <a:spcPct val="150000"/>
-              </a:lnSpc>
-              <a:spcBef>
-                <a:spcPts val="0"/>
-              </a:spcBef>
-              <a:spcAft>
-                <a:spcPts val="0"/>
-              </a:spcAft>
-              <a:buClrTx/>
-              <a:buSzTx/>
-              <a:buFont typeface="+mj-lt"/>
-              <a:buAutoNum type="arabicPeriod"/>
-              <a:tabLst/>
-              <a:defRPr/>
-            </a:pPr>
-            <a:r>
-              <a:rPr lang="en-US" sz="3400" dirty="0">
-                <a:solidFill>
-                  <a:prstClr val="black"/>
-                </a:solidFill>
-                <a:latin typeface="Calibri"/>
-              </a:rPr>
-              <a:t>Properties of LaPlace transform</a:t>
-            </a:r>
-          </a:p>
-          <a:p>
-            <a:pPr marL="514350" marR="0" lvl="0" indent="-514350" algn="l" defTabSz="914400" rtl="0" eaLnBrk="1" fontAlgn="auto" latinLnBrk="0" hangingPunct="1">
-              <a:lnSpc>
-                <a:spcPct val="150000"/>
-              </a:lnSpc>
-              <a:spcBef>
-                <a:spcPts val="0"/>
-              </a:spcBef>
-              <a:spcAft>
-                <a:spcPts val="0"/>
-              </a:spcAft>
-              <a:buClrTx/>
-              <a:buSzTx/>
-              <a:buFont typeface="+mj-lt"/>
-              <a:buAutoNum type="arabicPeriod"/>
-              <a:tabLst/>
-              <a:defRPr/>
-            </a:pPr>
-            <a:r>
-              <a:rPr kumimoji="0" lang="en-US" sz="3400" b="0" i="0" u="none" strike="noStrike" kern="1200" cap="none" spc="0" normalizeH="0" baseline="0" noProof="0" dirty="0">
-                <a:ln>
-                  <a:noFill/>
-                </a:ln>
-                <a:solidFill>
-                  <a:prstClr val="black"/>
-                </a:solidFill>
-                <a:effectLst/>
-                <a:uLnTx/>
-                <a:uFillTx/>
-                <a:latin typeface="Calibri"/>
-                <a:ea typeface="+mn-ea"/>
-                <a:cs typeface="+mn-cs"/>
-              </a:rPr>
-              <a:t>Examples</a:t>
-            </a:r>
-          </a:p>
-        </p:txBody>
-      </p:sp>
-    </p:spTree>
-    <p:extLst>
-      <p:ext uri="{BB962C8B-B14F-4D97-AF65-F5344CB8AC3E}">
-        <p14:creationId xmlns:p14="http://schemas.microsoft.com/office/powerpoint/2010/main" val="735183424"/>
-      </p:ext>
-    </p:extLst>
-  </p:cSld>
-  <p:clrMapOvr>
-    <a:masterClrMapping/>
-  </p:clrMapOvr>
-  <p:transition>
-    <p:wipe/>
-  </p:transition>
-</p:sld>
-</file>
-
-<file path=ppt/slides/slide30.xml><?xml version="1.0" encoding="utf-8"?>
+<file path=ppt/slides/slide31.xml><?xml version="1.0" encoding="utf-8"?>
 <p:sld xmlns:a="http://schemas.openxmlformats.org/drawingml/2006/main" xmlns:r="http://schemas.openxmlformats.org/officeDocument/2006/relationships" xmlns:p="http://schemas.openxmlformats.org/presentationml/2006/main">
   <p:cSld>
     <p:spTree>
@@ -31320,7 +32160,7 @@
             <a:fld id="{539F810C-9DAB-49B2-B45C-341744954A16}" type="slidenum">
               <a:rPr lang="en-GB" smtClean="0"/>
               <a:pPr/>
-              <a:t>30</a:t>
+              <a:t>31</a:t>
             </a:fld>
             <a:endParaRPr lang="en-GB"/>
           </a:p>

--- a/PP WORK/Instructor Version/Week 2/Week 2 lecture 2 LT.pptx
+++ b/PP WORK/Instructor Version/Week 2/Week 2 lecture 2 LT.pptx
@@ -7501,7 +7501,7 @@
           <a:graphicData uri="http://schemas.openxmlformats.org/presentationml/2006/ole">
             <mc:AlternateContent xmlns:mc="http://schemas.openxmlformats.org/markup-compatibility/2006">
               <mc:Choice xmlns:v="urn:schemas-microsoft-com:vml" Requires="v">
-                <p:oleObj spid="_x0000_s1203" name="Equation" r:id="rId4" imgW="1117440" imgH="393480" progId="Equation.DSMT4">
+                <p:oleObj spid="_x0000_s1206" name="Equation" r:id="rId4" imgW="1117440" imgH="393480" progId="Equation.DSMT4">
                   <p:embed/>
                 </p:oleObj>
               </mc:Choice>
@@ -7577,7 +7577,7 @@
           <a:graphicData uri="http://schemas.openxmlformats.org/presentationml/2006/ole">
             <mc:AlternateContent xmlns:mc="http://schemas.openxmlformats.org/markup-compatibility/2006">
               <mc:Choice xmlns:v="urn:schemas-microsoft-com:vml" Requires="v">
-                <p:oleObj spid="_x0000_s1204" name="Equation" r:id="rId6" imgW="698400" imgH="393480" progId="Equation.DSMT4">
+                <p:oleObj spid="_x0000_s1207" name="Equation" r:id="rId6" imgW="698400" imgH="393480" progId="Equation.DSMT4">
                   <p:embed/>
                 </p:oleObj>
               </mc:Choice>
@@ -7647,7 +7647,7 @@
           <a:graphicData uri="http://schemas.openxmlformats.org/presentationml/2006/ole">
             <mc:AlternateContent xmlns:mc="http://schemas.openxmlformats.org/markup-compatibility/2006">
               <mc:Choice xmlns:v="urn:schemas-microsoft-com:vml" Requires="v">
-                <p:oleObj spid="_x0000_s1205" name="Equation" r:id="rId8" imgW="952200" imgH="393480" progId="Equation.DSMT4">
+                <p:oleObj spid="_x0000_s1208" name="Equation" r:id="rId8" imgW="952200" imgH="393480" progId="Equation.DSMT4">
                   <p:embed/>
                 </p:oleObj>
               </mc:Choice>

--- a/PP WORK/Instructor Version/Week 2/Week 2 lecture 2 LT.pptx
+++ b/PP WORK/Instructor Version/Week 2/Week 2 lecture 2 LT.pptx
@@ -139,7 +139,7 @@
   </p:defaultTextStyle>
   <p:extLst>
     <p:ext uri="{EFAFB233-063F-42B5-8137-9DF3F51BA10A}">
-      <p15:sldGuideLst xmlns="" xmlns:p15="http://schemas.microsoft.com/office/powerpoint/2012/main"/>
+      <p15:sldGuideLst xmlns:p15="http://schemas.microsoft.com/office/powerpoint/2012/main" xmlns=""/>
     </p:ext>
   </p:extLst>
 </p:presentation>
@@ -2888,7 +2888,7 @@
           <p:cNvPr id="2" name="Title 1">
             <a:extLst>
               <a:ext uri="{FF2B5EF4-FFF2-40B4-BE49-F238E27FC236}">
-                <a16:creationId xmlns="" xmlns:a16="http://schemas.microsoft.com/office/drawing/2014/main" id="{8267C4E5-55F7-DB05-186B-06791E1D1784}"/>
+                <a16:creationId xmlns:a16="http://schemas.microsoft.com/office/drawing/2014/main" xmlns="" id="{8267C4E5-55F7-DB05-186B-06791E1D1784}"/>
               </a:ext>
             </a:extLst>
           </p:cNvPr>
@@ -2917,7 +2917,7 @@
           <p:cNvPr id="3" name="Footer Placeholder 2">
             <a:extLst>
               <a:ext uri="{FF2B5EF4-FFF2-40B4-BE49-F238E27FC236}">
-                <a16:creationId xmlns="" xmlns:a16="http://schemas.microsoft.com/office/drawing/2014/main" id="{B3AA35ED-DF99-6958-28FA-33A93BB97722}"/>
+                <a16:creationId xmlns:a16="http://schemas.microsoft.com/office/drawing/2014/main" xmlns="" id="{B3AA35ED-DF99-6958-28FA-33A93BB97722}"/>
               </a:ext>
             </a:extLst>
           </p:cNvPr>
@@ -2942,7 +2942,7 @@
           <p:cNvPr id="4" name="Date Placeholder 3">
             <a:extLst>
               <a:ext uri="{FF2B5EF4-FFF2-40B4-BE49-F238E27FC236}">
-                <a16:creationId xmlns="" xmlns:a16="http://schemas.microsoft.com/office/drawing/2014/main" id="{55503DB0-5264-6061-D4B6-AE3D944FC839}"/>
+                <a16:creationId xmlns:a16="http://schemas.microsoft.com/office/drawing/2014/main" xmlns="" id="{55503DB0-5264-6061-D4B6-AE3D944FC839}"/>
               </a:ext>
             </a:extLst>
           </p:cNvPr>
@@ -2971,7 +2971,7 @@
           <p:cNvPr id="5" name="Slide Number Placeholder 4">
             <a:extLst>
               <a:ext uri="{FF2B5EF4-FFF2-40B4-BE49-F238E27FC236}">
-                <a16:creationId xmlns="" xmlns:a16="http://schemas.microsoft.com/office/drawing/2014/main" id="{306C615E-9D94-7E15-4EC3-69D6111D00EE}"/>
+                <a16:creationId xmlns:a16="http://schemas.microsoft.com/office/drawing/2014/main" xmlns="" id="{306C615E-9D94-7E15-4EC3-69D6111D00EE}"/>
               </a:ext>
             </a:extLst>
           </p:cNvPr>
@@ -3753,7 +3753,7 @@
           <p:cNvPr id="2" name="Rectangle 154">
             <a:extLst>
               <a:ext uri="{FF2B5EF4-FFF2-40B4-BE49-F238E27FC236}">
-                <a16:creationId xmlns="" xmlns:a16="http://schemas.microsoft.com/office/drawing/2014/main" id="{2F947556-3899-C3CD-5B16-0CA9CD3E24EC}"/>
+                <a16:creationId xmlns:a16="http://schemas.microsoft.com/office/drawing/2014/main" xmlns="" id="{2F947556-3899-C3CD-5B16-0CA9CD3E24EC}"/>
               </a:ext>
             </a:extLst>
           </p:cNvPr>
@@ -7501,7 +7501,7 @@
           <a:graphicData uri="http://schemas.openxmlformats.org/presentationml/2006/ole">
             <mc:AlternateContent xmlns:mc="http://schemas.openxmlformats.org/markup-compatibility/2006">
               <mc:Choice xmlns:v="urn:schemas-microsoft-com:vml" Requires="v">
-                <p:oleObj spid="_x0000_s1206" name="Equation" r:id="rId4" imgW="1117440" imgH="393480" progId="Equation.DSMT4">
+                <p:oleObj spid="_x0000_s1305" name="Equation" r:id="rId4" imgW="1117440" imgH="393480" progId="Equation.DSMT4">
                   <p:embed/>
                 </p:oleObj>
               </mc:Choice>
@@ -7577,7 +7577,7 @@
           <a:graphicData uri="http://schemas.openxmlformats.org/presentationml/2006/ole">
             <mc:AlternateContent xmlns:mc="http://schemas.openxmlformats.org/markup-compatibility/2006">
               <mc:Choice xmlns:v="urn:schemas-microsoft-com:vml" Requires="v">
-                <p:oleObj spid="_x0000_s1207" name="Equation" r:id="rId6" imgW="698400" imgH="393480" progId="Equation.DSMT4">
+                <p:oleObj spid="_x0000_s1306" name="Equation" r:id="rId6" imgW="698400" imgH="393480" progId="Equation.DSMT4">
                   <p:embed/>
                 </p:oleObj>
               </mc:Choice>
@@ -7647,7 +7647,7 @@
           <a:graphicData uri="http://schemas.openxmlformats.org/presentationml/2006/ole">
             <mc:AlternateContent xmlns:mc="http://schemas.openxmlformats.org/markup-compatibility/2006">
               <mc:Choice xmlns:v="urn:schemas-microsoft-com:vml" Requires="v">
-                <p:oleObj spid="_x0000_s1208" name="Equation" r:id="rId8" imgW="952200" imgH="393480" progId="Equation.DSMT4">
+                <p:oleObj spid="_x0000_s1307" name="Equation" r:id="rId8" imgW="952200" imgH="393480" progId="Equation.DSMT4">
                   <p:embed/>
                 </p:oleObj>
               </mc:Choice>
@@ -7845,7 +7845,7 @@
           <p:cNvPr id="4" name="TextBox 3">
             <a:extLst>
               <a:ext uri="{FF2B5EF4-FFF2-40B4-BE49-F238E27FC236}">
-                <a16:creationId xmlns="" xmlns:a16="http://schemas.microsoft.com/office/drawing/2014/main" id="{6F7DFED1-7294-5334-E2F5-8F239FDB7E2E}"/>
+                <a16:creationId xmlns:a16="http://schemas.microsoft.com/office/drawing/2014/main" xmlns="" id="{6F7DFED1-7294-5334-E2F5-8F239FDB7E2E}"/>
               </a:ext>
             </a:extLst>
           </p:cNvPr>
@@ -8338,7 +8338,7 @@
           <p:cNvPr id="4" name="TextBox 3">
             <a:extLst>
               <a:ext uri="{FF2B5EF4-FFF2-40B4-BE49-F238E27FC236}">
-                <a16:creationId xmlns="" xmlns:a16="http://schemas.microsoft.com/office/drawing/2014/main" id="{01DC56BC-AAFA-0F10-1064-898A956EB677}"/>
+                <a16:creationId xmlns:a16="http://schemas.microsoft.com/office/drawing/2014/main" xmlns="" id="{01DC56BC-AAFA-0F10-1064-898A956EB677}"/>
               </a:ext>
             </a:extLst>
           </p:cNvPr>
@@ -8747,7 +8747,7 @@
           <p:cNvPr id="4" name="TextBox 3">
             <a:extLst>
               <a:ext uri="{FF2B5EF4-FFF2-40B4-BE49-F238E27FC236}">
-                <a16:creationId xmlns="" xmlns:a16="http://schemas.microsoft.com/office/drawing/2014/main" id="{01DC56BC-AAFA-0F10-1064-898A956EB677}"/>
+                <a16:creationId xmlns:a16="http://schemas.microsoft.com/office/drawing/2014/main" xmlns="" id="{01DC56BC-AAFA-0F10-1064-898A956EB677}"/>
               </a:ext>
             </a:extLst>
           </p:cNvPr>
@@ -11848,8 +11848,8 @@
           </a:p>
         </p:txBody>
       </p:sp>
-      <mc:AlternateContent xmlns:mc="http://schemas.openxmlformats.org/markup-compatibility/2006">
-        <mc:Choice xmlns:a14="http://schemas.microsoft.com/office/drawing/2010/main" Requires="a14">
+      <mc:AlternateContent xmlns:mc="http://schemas.openxmlformats.org/markup-compatibility/2006" xmlns:a14="http://schemas.microsoft.com/office/drawing/2010/main">
+        <mc:Choice Requires="a14">
           <p:sp>
             <p:nvSpPr>
               <p:cNvPr id="4" name="TextBox 3"/>
@@ -12023,7 +12023,7 @@
             </p:txBody>
           </p:sp>
         </mc:Choice>
-        <mc:Fallback>
+        <mc:Fallback xmlns="">
           <p:sp>
             <p:nvSpPr>
               <p:cNvPr id="4" name="TextBox 3"/>
@@ -13398,7 +13398,7 @@
           <p:cNvPr id="3" name="TextBox 2">
             <a:extLst>
               <a:ext uri="{FF2B5EF4-FFF2-40B4-BE49-F238E27FC236}">
-                <a16:creationId xmlns="" xmlns:a16="http://schemas.microsoft.com/office/drawing/2014/main" id="{2A4AD2CD-3583-42E3-FA0C-5D10E365FEA9}"/>
+                <a16:creationId xmlns:a16="http://schemas.microsoft.com/office/drawing/2014/main" xmlns="" id="{2A4AD2CD-3583-42E3-FA0C-5D10E365FEA9}"/>
               </a:ext>
             </a:extLst>
           </p:cNvPr>
@@ -14429,8 +14429,8 @@
           </a:p>
         </p:txBody>
       </p:sp>
-      <mc:AlternateContent xmlns:mc="http://schemas.openxmlformats.org/markup-compatibility/2006">
-        <mc:Choice xmlns:a14="http://schemas.microsoft.com/office/drawing/2010/main" Requires="a14">
+      <mc:AlternateContent xmlns:mc="http://schemas.openxmlformats.org/markup-compatibility/2006" xmlns:a14="http://schemas.microsoft.com/office/drawing/2010/main">
+        <mc:Choice Requires="a14">
           <p:sp>
             <p:nvSpPr>
               <p:cNvPr id="11" name="TextBox 10"/>
@@ -14542,7 +14542,7 @@
             </p:txBody>
           </p:sp>
         </mc:Choice>
-        <mc:Fallback>
+        <mc:Fallback xmlns="">
           <p:sp>
             <p:nvSpPr>
               <p:cNvPr id="11" name="TextBox 10"/>
@@ -14581,8 +14581,8 @@
           </p:sp>
         </mc:Fallback>
       </mc:AlternateContent>
-      <mc:AlternateContent xmlns:mc="http://schemas.openxmlformats.org/markup-compatibility/2006">
-        <mc:Choice xmlns:a14="http://schemas.microsoft.com/office/drawing/2010/main" Requires="a14">
+      <mc:AlternateContent xmlns:mc="http://schemas.openxmlformats.org/markup-compatibility/2006" xmlns:a14="http://schemas.microsoft.com/office/drawing/2010/main">
+        <mc:Choice Requires="a14">
           <p:sp>
             <p:nvSpPr>
               <p:cNvPr id="12" name="TextBox 11"/>
@@ -14628,14 +14628,7 @@
                             <a:latin typeface="Cambria Math"/>
                             <a:ea typeface="Cambria Math" panose="02040503050406030204" pitchFamily="18" charset="0"/>
                           </a:rPr>
-                          <m:t>0</m:t>
-                        </m:r>
-                        <m:r>
-                          <a:rPr lang="en-US" sz="2800" i="1">
-                            <a:latin typeface="Cambria Math"/>
-                            <a:ea typeface="Cambria Math" panose="02040503050406030204" pitchFamily="18" charset="0"/>
-                          </a:rPr>
-                          <m:t>−</m:t>
+                          <m:t>0−</m:t>
                         </m:r>
                       </m:sub>
                       <m:sup>
@@ -14667,14 +14660,7 @@
                             <a:latin typeface="Cambria Math"/>
                             <a:ea typeface="Cambria Math" panose="02040503050406030204" pitchFamily="18" charset="0"/>
                           </a:rPr>
-                          <m:t>𝑠𝑡𝑑</m:t>
-                        </m:r>
-                        <m:r>
-                          <a:rPr lang="en-US" sz="2800" b="0" i="1" smtClean="0">
-                            <a:latin typeface="Cambria Math"/>
-                            <a:ea typeface="Cambria Math" panose="02040503050406030204" pitchFamily="18" charset="0"/>
-                          </a:rPr>
-                          <m:t>𝑡</m:t>
+                          <m:t>𝑠𝑡𝑑𝑡</m:t>
                         </m:r>
                         <m:r>
                           <a:rPr lang="en-US" sz="2800" b="0" i="1" smtClean="0">
@@ -14698,14 +14684,7 @@
                                 <a:latin typeface="Cambria Math"/>
                                 <a:ea typeface="Cambria Math" panose="02040503050406030204" pitchFamily="18" charset="0"/>
                               </a:rPr>
-                              <m:t>0</m:t>
-                            </m:r>
-                            <m:r>
-                              <a:rPr lang="en-US" sz="2800" i="1">
-                                <a:latin typeface="Cambria Math"/>
-                                <a:ea typeface="Cambria Math" panose="02040503050406030204" pitchFamily="18" charset="0"/>
-                              </a:rPr>
-                              <m:t>−</m:t>
+                              <m:t>0−</m:t>
                             </m:r>
                           </m:sub>
                           <m:sup>
@@ -14820,7 +14799,7 @@
             </p:txBody>
           </p:sp>
         </mc:Choice>
-        <mc:Fallback>
+        <mc:Fallback xmlns="">
           <p:sp>
             <p:nvSpPr>
               <p:cNvPr id="12" name="TextBox 11"/>
@@ -14859,8 +14838,8 @@
           </p:sp>
         </mc:Fallback>
       </mc:AlternateContent>
-      <mc:AlternateContent xmlns:mc="http://schemas.openxmlformats.org/markup-compatibility/2006">
-        <mc:Choice xmlns:a14="http://schemas.microsoft.com/office/drawing/2010/main" Requires="a14">
+      <mc:AlternateContent xmlns:mc="http://schemas.openxmlformats.org/markup-compatibility/2006" xmlns:a14="http://schemas.microsoft.com/office/drawing/2010/main">
+        <mc:Choice Requires="a14">
           <p:sp>
             <p:nvSpPr>
               <p:cNvPr id="13" name="TextBox 12"/>
@@ -15135,7 +15114,7 @@
             </p:txBody>
           </p:sp>
         </mc:Choice>
-        <mc:Fallback>
+        <mc:Fallback xmlns="">
           <p:sp>
             <p:nvSpPr>
               <p:cNvPr id="13" name="TextBox 12"/>
@@ -15174,8 +15153,8 @@
           </p:sp>
         </mc:Fallback>
       </mc:AlternateContent>
-      <mc:AlternateContent xmlns:mc="http://schemas.openxmlformats.org/markup-compatibility/2006">
-        <mc:Choice xmlns:a14="http://schemas.microsoft.com/office/drawing/2010/main" Requires="a14">
+      <mc:AlternateContent xmlns:mc="http://schemas.openxmlformats.org/markup-compatibility/2006" xmlns:a14="http://schemas.microsoft.com/office/drawing/2010/main">
+        <mc:Choice Requires="a14">
           <p:sp>
             <p:nvSpPr>
               <p:cNvPr id="14" name="TextBox 13"/>
@@ -15349,7 +15328,7 @@
             </p:txBody>
           </p:sp>
         </mc:Choice>
-        <mc:Fallback>
+        <mc:Fallback xmlns="">
           <p:sp>
             <p:nvSpPr>
               <p:cNvPr id="14" name="TextBox 13"/>
@@ -18271,8 +18250,8 @@
           </a:p>
         </p:txBody>
       </p:sp>
-      <mc:AlternateContent xmlns:mc="http://schemas.openxmlformats.org/markup-compatibility/2006">
-        <mc:Choice xmlns:a14="http://schemas.microsoft.com/office/drawing/2010/main" Requires="a14">
+      <mc:AlternateContent xmlns:mc="http://schemas.openxmlformats.org/markup-compatibility/2006" xmlns:a14="http://schemas.microsoft.com/office/drawing/2010/main">
+        <mc:Choice Requires="a14">
           <p:sp>
             <p:nvSpPr>
               <p:cNvPr id="8" name="TextBox 7"/>
@@ -18491,7 +18470,7 @@
             </p:txBody>
           </p:sp>
         </mc:Choice>
-        <mc:Fallback>
+        <mc:Fallback xmlns="">
           <p:sp>
             <p:nvSpPr>
               <p:cNvPr id="8" name="TextBox 7"/>
@@ -18530,8 +18509,8 @@
           </p:sp>
         </mc:Fallback>
       </mc:AlternateContent>
-      <mc:AlternateContent xmlns:mc="http://schemas.openxmlformats.org/markup-compatibility/2006">
-        <mc:Choice xmlns:a14="http://schemas.microsoft.com/office/drawing/2010/main" Requires="a14">
+      <mc:AlternateContent xmlns:mc="http://schemas.openxmlformats.org/markup-compatibility/2006" xmlns:a14="http://schemas.microsoft.com/office/drawing/2010/main">
+        <mc:Choice Requires="a14">
           <p:sp>
             <p:nvSpPr>
               <p:cNvPr id="10" name="TextBox 9"/>
@@ -19032,7 +19011,7 @@
             </p:txBody>
           </p:sp>
         </mc:Choice>
-        <mc:Fallback>
+        <mc:Fallback xmlns="">
           <p:sp>
             <p:nvSpPr>
               <p:cNvPr id="10" name="TextBox 9"/>
@@ -19989,7 +19968,7 @@
           <p:cNvPr id="3" name="Group 2">
             <a:extLst>
               <a:ext uri="{FF2B5EF4-FFF2-40B4-BE49-F238E27FC236}">
-                <a16:creationId xmlns="" xmlns:a16="http://schemas.microsoft.com/office/drawing/2014/main" id="{17EF2FE0-9BAF-8D07-B5CE-9907BA57EFC7}"/>
+                <a16:creationId xmlns:a16="http://schemas.microsoft.com/office/drawing/2014/main" xmlns="" id="{17EF2FE0-9BAF-8D07-B5CE-9907BA57EFC7}"/>
               </a:ext>
             </a:extLst>
           </p:cNvPr>
@@ -27463,7 +27442,7 @@
           <p:cNvPr id="16" name="Group 15">
             <a:extLst>
               <a:ext uri="{FF2B5EF4-FFF2-40B4-BE49-F238E27FC236}">
-                <a16:creationId xmlns="" xmlns:a16="http://schemas.microsoft.com/office/drawing/2014/main" id="{B75A6914-561D-A63B-43B3-6982E2A8D197}"/>
+                <a16:creationId xmlns:a16="http://schemas.microsoft.com/office/drawing/2014/main" xmlns="" id="{B75A6914-561D-A63B-43B3-6982E2A8D197}"/>
               </a:ext>
             </a:extLst>
           </p:cNvPr>
@@ -27483,7 +27462,7 @@
             <p:cNvPr id="10" name="Picture 9">
               <a:extLst>
                 <a:ext uri="{FF2B5EF4-FFF2-40B4-BE49-F238E27FC236}">
-                  <a16:creationId xmlns="" xmlns:a16="http://schemas.microsoft.com/office/drawing/2014/main" id="{DFCD5DD4-0DEA-C404-D376-8F56B395A670}"/>
+                  <a16:creationId xmlns:a16="http://schemas.microsoft.com/office/drawing/2014/main" xmlns="" id="{DFCD5DD4-0DEA-C404-D376-8F56B395A670}"/>
                 </a:ext>
               </a:extLst>
             </p:cNvPr>
@@ -27513,7 +27492,7 @@
             <p:cNvPr id="12" name="Picture 11">
               <a:extLst>
                 <a:ext uri="{FF2B5EF4-FFF2-40B4-BE49-F238E27FC236}">
-                  <a16:creationId xmlns="" xmlns:a16="http://schemas.microsoft.com/office/drawing/2014/main" id="{BDE070CE-E161-D836-4B5A-5CB0F0975BD6}"/>
+                  <a16:creationId xmlns:a16="http://schemas.microsoft.com/office/drawing/2014/main" xmlns="" id="{BDE070CE-E161-D836-4B5A-5CB0F0975BD6}"/>
                 </a:ext>
               </a:extLst>
             </p:cNvPr>
@@ -27543,7 +27522,7 @@
             <p:cNvPr id="14" name="Picture 13">
               <a:extLst>
                 <a:ext uri="{FF2B5EF4-FFF2-40B4-BE49-F238E27FC236}">
-                  <a16:creationId xmlns="" xmlns:a16="http://schemas.microsoft.com/office/drawing/2014/main" id="{DB88B6E6-40B7-7463-61D9-EA9D4B30287F}"/>
+                  <a16:creationId xmlns:a16="http://schemas.microsoft.com/office/drawing/2014/main" xmlns="" id="{DB88B6E6-40B7-7463-61D9-EA9D4B30287F}"/>
                 </a:ext>
               </a:extLst>
             </p:cNvPr>
@@ -27574,7 +27553,7 @@
           <p:cNvPr id="17" name="Group 16">
             <a:extLst>
               <a:ext uri="{FF2B5EF4-FFF2-40B4-BE49-F238E27FC236}">
-                <a16:creationId xmlns="" xmlns:a16="http://schemas.microsoft.com/office/drawing/2014/main" id="{0EA7800D-DE40-4A80-B96A-D3DD80B4E933}"/>
+                <a16:creationId xmlns:a16="http://schemas.microsoft.com/office/drawing/2014/main" xmlns="" id="{0EA7800D-DE40-4A80-B96A-D3DD80B4E933}"/>
               </a:ext>
             </a:extLst>
           </p:cNvPr>
@@ -27594,7 +27573,7 @@
             <p:cNvPr id="8" name="Picture 7">
               <a:extLst>
                 <a:ext uri="{FF2B5EF4-FFF2-40B4-BE49-F238E27FC236}">
-                  <a16:creationId xmlns="" xmlns:a16="http://schemas.microsoft.com/office/drawing/2014/main" id="{3FA59D9A-EF62-2124-3CEB-A9C358F8A5AF}"/>
+                  <a16:creationId xmlns:a16="http://schemas.microsoft.com/office/drawing/2014/main" xmlns="" id="{3FA59D9A-EF62-2124-3CEB-A9C358F8A5AF}"/>
                 </a:ext>
               </a:extLst>
             </p:cNvPr>
@@ -27624,7 +27603,7 @@
             <p:cNvPr id="15" name="Picture 14">
               <a:extLst>
                 <a:ext uri="{FF2B5EF4-FFF2-40B4-BE49-F238E27FC236}">
-                  <a16:creationId xmlns="" xmlns:a16="http://schemas.microsoft.com/office/drawing/2014/main" id="{4B49F486-2328-3D64-758A-954DD5C352C6}"/>
+                  <a16:creationId xmlns:a16="http://schemas.microsoft.com/office/drawing/2014/main" xmlns="" id="{4B49F486-2328-3D64-758A-954DD5C352C6}"/>
                 </a:ext>
               </a:extLst>
             </p:cNvPr>
@@ -27744,295 +27723,2203 @@
           </a:p>
         </p:txBody>
       </p:sp>
-      <p:grpSp>
-        <p:nvGrpSpPr>
-          <p:cNvPr id="17" name="Group 16">
-            <a:extLst>
-              <a:ext uri="{FF2B5EF4-FFF2-40B4-BE49-F238E27FC236}">
-                <a16:creationId xmlns="" xmlns:a16="http://schemas.microsoft.com/office/drawing/2014/main" id="{0EA7800D-DE40-4A80-B96A-D3DD80B4E933}"/>
-              </a:ext>
-            </a:extLst>
-          </p:cNvPr>
-          <p:cNvGrpSpPr/>
+      <mc:AlternateContent xmlns:mc="http://schemas.openxmlformats.org/markup-compatibility/2006">
+        <mc:Choice xmlns:a14="http://schemas.microsoft.com/office/drawing/2010/main" Requires="a14">
+          <p:graphicFrame>
+            <p:nvGraphicFramePr>
+              <p:cNvPr id="3" name="Table 2"/>
+              <p:cNvGraphicFramePr>
+                <a:graphicFrameLocks noGrp="1"/>
+              </p:cNvGraphicFramePr>
+              <p:nvPr>
+                <p:extLst>
+                  <p:ext uri="{D42A27DB-BD31-4B8C-83A1-F6EECF244321}">
+                    <p14:modId xmlns:p14="http://schemas.microsoft.com/office/powerpoint/2010/main" val="2752461020"/>
+                  </p:ext>
+                </p:extLst>
+              </p:nvPr>
+            </p:nvGraphicFramePr>
+            <p:xfrm>
+              <a:off x="204528" y="1411508"/>
+              <a:ext cx="6511958" cy="3834120"/>
+            </p:xfrm>
+            <a:graphic>
+              <a:graphicData uri="http://schemas.openxmlformats.org/drawingml/2006/table">
+                <a:tbl>
+                  <a:tblPr firstRow="1" bandRow="1">
+                    <a:tableStyleId>{5C22544A-7EE6-4342-B048-85BDC9FD1C3A}</a:tableStyleId>
+                  </a:tblPr>
+                  <a:tblGrid>
+                    <a:gridCol w="2984986"/>
+                    <a:gridCol w="3526972"/>
+                  </a:tblGrid>
+                  <a:tr h="344326">
+                    <a:tc>
+                      <a:txBody>
+                        <a:bodyPr/>
+                        <a:lstStyle/>
+                        <a:p>
+                          <a:pPr algn="ctr"/>
+                          <a:r>
+                            <a:rPr lang="en-US" sz="1400" dirty="0" smtClean="0"/>
+                            <a:t>Property</a:t>
+                          </a:r>
+                          <a:endParaRPr lang="en-US" sz="1400" dirty="0"/>
+                        </a:p>
+                      </a:txBody>
+                      <a:tcPr/>
+                    </a:tc>
+                    <a:tc>
+                      <a:txBody>
+                        <a:bodyPr/>
+                        <a:lstStyle/>
+                        <a:p>
+                          <a:pPr algn="ctr"/>
+                          <a:r>
+                            <a:rPr lang="en-US" sz="1400" dirty="0" smtClean="0"/>
+                            <a:t>Transfor</a:t>
+                          </a:r>
+                          <a:r>
+                            <a:rPr lang="en-US" sz="1400" baseline="0" dirty="0" smtClean="0"/>
+                            <a:t>m Pair</a:t>
+                          </a:r>
+                          <a:endParaRPr lang="en-US" sz="1400" dirty="0"/>
+                        </a:p>
+                      </a:txBody>
+                      <a:tcPr/>
+                    </a:tc>
+                  </a:tr>
+                  <a:tr h="344326">
+                    <a:tc>
+                      <a:txBody>
+                        <a:bodyPr/>
+                        <a:lstStyle/>
+                        <a:p>
+                          <a:pPr algn="ctr"/>
+                          <a:r>
+                            <a:rPr lang="en-US" sz="1400" dirty="0" smtClean="0"/>
+                            <a:t>Linearity</a:t>
+                          </a:r>
+                          <a:endParaRPr lang="en-US" sz="1400" dirty="0"/>
+                        </a:p>
+                      </a:txBody>
+                      <a:tcPr/>
+                    </a:tc>
+                    <a:tc>
+                      <a:txBody>
+                        <a:bodyPr/>
+                        <a:lstStyle/>
+                        <a:p>
+                          <a:pPr algn="ctr"/>
+                          <a:r>
+                            <a:rPr lang="en-US" sz="1400" b="0" dirty="0" smtClean="0"/>
+                            <a:t>L[a</a:t>
+                          </a:r>
+                          <a:r>
+                            <a:rPr lang="en-US" sz="1400" b="0" baseline="-25000" dirty="0" smtClean="0"/>
+                            <a:t>1</a:t>
+                          </a:r>
+                          <a:r>
+                            <a:rPr lang="en-US" sz="1400" b="0" dirty="0" smtClean="0"/>
+                            <a:t>f</a:t>
+                          </a:r>
+                          <a:r>
+                            <a:rPr lang="en-US" sz="1400" b="0" baseline="-25000" dirty="0" smtClean="0"/>
+                            <a:t>1</a:t>
+                          </a:r>
+                          <a:r>
+                            <a:rPr lang="en-US" sz="1400" b="0" dirty="0" smtClean="0"/>
+                            <a:t>(t) + a</a:t>
+                          </a:r>
+                          <a:r>
+                            <a:rPr lang="en-US" sz="1400" b="0" baseline="-25000" dirty="0" smtClean="0"/>
+                            <a:t>2</a:t>
+                          </a:r>
+                          <a:r>
+                            <a:rPr lang="en-US" sz="1400" b="0" dirty="0" smtClean="0"/>
+                            <a:t>f</a:t>
+                          </a:r>
+                          <a:r>
+                            <a:rPr lang="en-US" sz="1400" b="0" baseline="-25000" dirty="0" smtClean="0"/>
+                            <a:t>2</a:t>
+                          </a:r>
+                          <a:r>
+                            <a:rPr lang="en-US" sz="1400" b="0" dirty="0" smtClean="0"/>
+                            <a:t>(t)] = a</a:t>
+                          </a:r>
+                          <a:r>
+                            <a:rPr lang="en-US" sz="1400" b="0" baseline="-25000" dirty="0" smtClean="0"/>
+                            <a:t>1</a:t>
+                          </a:r>
+                          <a:r>
+                            <a:rPr lang="en-US" sz="1400" b="0" dirty="0" smtClean="0"/>
+                            <a:t>f</a:t>
+                          </a:r>
+                          <a:r>
+                            <a:rPr lang="en-US" sz="1400" b="0" baseline="-25000" dirty="0" smtClean="0"/>
+                            <a:t>1</a:t>
+                          </a:r>
+                          <a:r>
+                            <a:rPr lang="en-US" sz="1400" b="0" dirty="0" smtClean="0"/>
+                            <a:t>(s) + a</a:t>
+                          </a:r>
+                          <a:r>
+                            <a:rPr lang="en-US" sz="1400" b="0" baseline="-25000" dirty="0" smtClean="0"/>
+                            <a:t>2</a:t>
+                          </a:r>
+                          <a:r>
+                            <a:rPr lang="en-US" sz="1400" b="0" dirty="0" smtClean="0"/>
+                            <a:t>f</a:t>
+                          </a:r>
+                          <a:r>
+                            <a:rPr lang="en-US" sz="1400" b="0" baseline="-25000" dirty="0" smtClean="0"/>
+                            <a:t>2</a:t>
+                          </a:r>
+                          <a:r>
+                            <a:rPr lang="en-US" sz="1400" b="0" dirty="0" smtClean="0"/>
+                            <a:t>(s)</a:t>
+                          </a:r>
+                        </a:p>
+                      </a:txBody>
+                      <a:tcPr/>
+                    </a:tc>
+                  </a:tr>
+                  <a:tr h="344326">
+                    <a:tc>
+                      <a:txBody>
+                        <a:bodyPr/>
+                        <a:lstStyle/>
+                        <a:p>
+                          <a:pPr algn="ctr"/>
+                          <a:r>
+                            <a:rPr lang="en-US" sz="1400" dirty="0" smtClean="0"/>
+                            <a:t>Time Shift</a:t>
+                          </a:r>
+                          <a:endParaRPr lang="en-US" sz="1400" dirty="0"/>
+                        </a:p>
+                      </a:txBody>
+                      <a:tcPr/>
+                    </a:tc>
+                    <a:tc>
+                      <a:txBody>
+                        <a:bodyPr/>
+                        <a:lstStyle/>
+                        <a:p>
+                          <a:pPr algn="ctr"/>
+                          <a:r>
+                            <a:rPr lang="en-US" sz="1400" dirty="0" smtClean="0"/>
+                            <a:t>L[f(t-T)u(t-T)] = e</a:t>
+                          </a:r>
+                          <a:r>
+                            <a:rPr lang="en-US" sz="1400" baseline="30000" dirty="0" smtClean="0"/>
+                            <a:t>-</a:t>
+                          </a:r>
+                          <a:r>
+                            <a:rPr lang="en-US" sz="1400" baseline="30000" dirty="0" err="1" smtClean="0"/>
+                            <a:t>st</a:t>
+                          </a:r>
+                          <a:r>
+                            <a:rPr lang="en-US" sz="1400" dirty="0" smtClean="0"/>
+                            <a:t> F(s), T&gt;0</a:t>
+                          </a:r>
+                          <a:endParaRPr lang="en-US" sz="1400" dirty="0"/>
+                        </a:p>
+                      </a:txBody>
+                      <a:tcPr/>
+                    </a:tc>
+                  </a:tr>
+                  <a:tr h="344326">
+                    <a:tc>
+                      <a:txBody>
+                        <a:bodyPr/>
+                        <a:lstStyle/>
+                        <a:p>
+                          <a:pPr algn="ctr"/>
+                          <a:r>
+                            <a:rPr lang="en-US" sz="1400" dirty="0" smtClean="0"/>
+                            <a:t>Multiplication by t</a:t>
+                          </a:r>
+                          <a:endParaRPr lang="en-US" sz="1400" dirty="0"/>
+                        </a:p>
+                      </a:txBody>
+                      <a:tcPr/>
+                    </a:tc>
+                    <a:tc>
+                      <a:txBody>
+                        <a:bodyPr/>
+                        <a:lstStyle/>
+                        <a:p>
+                          <a:pPr algn="ctr"/>
+                          <a:r>
+                            <a:rPr lang="en-US" sz="1400" dirty="0" smtClean="0"/>
+                            <a:t>L[</a:t>
+                          </a:r>
+                          <a:r>
+                            <a:rPr lang="en-US" sz="1400" dirty="0" err="1" smtClean="0"/>
+                            <a:t>tf</a:t>
+                          </a:r>
+                          <a:r>
+                            <a:rPr lang="en-US" sz="1400" dirty="0" smtClean="0"/>
+                            <a:t>(t)u(t)] = - </a:t>
+                          </a:r>
+                          <a14:m>
+                            <m:oMath xmlns:m="http://schemas.openxmlformats.org/officeDocument/2006/math">
+                              <m:f>
+                                <m:fPr>
+                                  <m:ctrlPr>
+                                    <a:rPr lang="en-US" sz="1400" i="1" smtClean="0">
+                                      <a:latin typeface="Cambria Math"/>
+                                    </a:rPr>
+                                  </m:ctrlPr>
+                                </m:fPr>
+                                <m:num>
+                                  <m:r>
+                                    <a:rPr lang="en-US" sz="1400" i="1" smtClean="0">
+                                      <a:latin typeface="Cambria Math"/>
+                                    </a:rPr>
+                                    <m:t>𝑑</m:t>
+                                  </m:r>
+                                </m:num>
+                                <m:den>
+                                  <m:r>
+                                    <a:rPr lang="en-US" sz="1400" i="1" smtClean="0">
+                                      <a:latin typeface="Cambria Math"/>
+                                    </a:rPr>
+                                    <m:t>𝑑</m:t>
+                                  </m:r>
+                                  <m:r>
+                                    <a:rPr lang="en-US" sz="1400" b="0" i="1" smtClean="0">
+                                      <a:latin typeface="Cambria Math"/>
+                                    </a:rPr>
+                                    <m:t>𝑠</m:t>
+                                  </m:r>
+                                </m:den>
+                              </m:f>
+                            </m:oMath>
+                          </a14:m>
+                          <a:r>
+                            <a:rPr lang="en-US" sz="1400" dirty="0" smtClean="0"/>
+                            <a:t> F(s)</a:t>
+                          </a:r>
+                          <a:endParaRPr lang="en-US" sz="1400" dirty="0"/>
+                        </a:p>
+                      </a:txBody>
+                      <a:tcPr/>
+                    </a:tc>
+                  </a:tr>
+                  <a:tr h="344326">
+                    <a:tc>
+                      <a:txBody>
+                        <a:bodyPr/>
+                        <a:lstStyle/>
+                        <a:p>
+                          <a:pPr marL="0" marR="0" indent="0" algn="ctr" defTabSz="914400" eaLnBrk="1" fontAlgn="auto" latinLnBrk="0" hangingPunct="1">
+                            <a:lnSpc>
+                              <a:spcPct val="100000"/>
+                            </a:lnSpc>
+                            <a:spcBef>
+                              <a:spcPts val="0"/>
+                            </a:spcBef>
+                            <a:spcAft>
+                              <a:spcPts val="0"/>
+                            </a:spcAft>
+                            <a:buClrTx/>
+                            <a:buSzTx/>
+                            <a:buFontTx/>
+                            <a:buNone/>
+                            <a:tabLst/>
+                            <a:defRPr/>
+                          </a:pPr>
+                          <a:r>
+                            <a:rPr lang="en-US" sz="1400" dirty="0" smtClean="0"/>
+                            <a:t>Multiplication by </a:t>
+                          </a:r>
+                          <a:r>
+                            <a:rPr lang="en-US" sz="1400" dirty="0" err="1" smtClean="0"/>
+                            <a:t>t</a:t>
+                          </a:r>
+                          <a:r>
+                            <a:rPr lang="en-US" sz="1400" baseline="30000" dirty="0" err="1"/>
+                            <a:t>n</a:t>
+                          </a:r>
+                          <a:endParaRPr lang="en-US" sz="1400" baseline="30000" dirty="0" smtClean="0"/>
+                        </a:p>
+                      </a:txBody>
+                      <a:tcPr/>
+                    </a:tc>
+                    <a:tc>
+                      <a:txBody>
+                        <a:bodyPr/>
+                        <a:lstStyle/>
+                        <a:p>
+                          <a:pPr algn="ctr"/>
+                          <a:r>
+                            <a:rPr lang="en-US" sz="1400" dirty="0" smtClean="0"/>
+                            <a:t>L[</a:t>
+                          </a:r>
+                          <a:r>
+                            <a:rPr lang="en-US" sz="1400" dirty="0" err="1" smtClean="0"/>
+                            <a:t>t</a:t>
+                          </a:r>
+                          <a:r>
+                            <a:rPr lang="en-US" sz="1400" baseline="30000" dirty="0" err="1" smtClean="0"/>
+                            <a:t>n</a:t>
+                          </a:r>
+                          <a:r>
+                            <a:rPr lang="en-US" sz="1400" dirty="0" err="1" smtClean="0"/>
+                            <a:t>f</a:t>
+                          </a:r>
+                          <a:r>
+                            <a:rPr lang="en-US" sz="1400" dirty="0" smtClean="0"/>
+                            <a:t>(t)] = (-1)</a:t>
+                          </a:r>
+                          <a:r>
+                            <a:rPr lang="en-US" sz="1400" baseline="30000" dirty="0" smtClean="0"/>
+                            <a:t>n </a:t>
+                          </a:r>
+                          <a14:m>
+                            <m:oMath xmlns:m="http://schemas.openxmlformats.org/officeDocument/2006/math">
+                              <m:f>
+                                <m:fPr>
+                                  <m:ctrlPr>
+                                    <a:rPr lang="en-US" sz="1400" i="1" smtClean="0">
+                                      <a:latin typeface="Cambria Math"/>
+                                    </a:rPr>
+                                  </m:ctrlPr>
+                                </m:fPr>
+                                <m:num>
+                                  <m:r>
+                                    <a:rPr lang="en-US" sz="1400" i="1" smtClean="0">
+                                      <a:latin typeface="Cambria Math"/>
+                                    </a:rPr>
+                                    <m:t>𝑑</m:t>
+                                  </m:r>
+                                  <m:r>
+                                    <a:rPr lang="en-US" sz="1400" b="0" i="1" baseline="30000" smtClean="0">
+                                      <a:latin typeface="Cambria Math"/>
+                                    </a:rPr>
+                                    <m:t>𝑛</m:t>
+                                  </m:r>
+                                  <m:r>
+                                    <a:rPr lang="en-US" sz="1400" b="0" i="1" smtClean="0">
+                                      <a:latin typeface="Cambria Math"/>
+                                    </a:rPr>
+                                    <m:t>𝐹</m:t>
+                                  </m:r>
+                                  <m:r>
+                                    <a:rPr lang="en-US" sz="1400" b="0" i="1" smtClean="0">
+                                      <a:latin typeface="Cambria Math"/>
+                                    </a:rPr>
+                                    <m:t>(</m:t>
+                                  </m:r>
+                                  <m:r>
+                                    <a:rPr lang="en-US" sz="1400" b="0" i="1" smtClean="0">
+                                      <a:latin typeface="Cambria Math"/>
+                                    </a:rPr>
+                                    <m:t>𝑠</m:t>
+                                  </m:r>
+                                  <m:r>
+                                    <a:rPr lang="en-US" sz="1400" b="0" i="1" smtClean="0">
+                                      <a:latin typeface="Cambria Math"/>
+                                    </a:rPr>
+                                    <m:t>)</m:t>
+                                  </m:r>
+                                </m:num>
+                                <m:den>
+                                  <m:r>
+                                    <a:rPr lang="en-US" sz="1400" i="1" smtClean="0">
+                                      <a:latin typeface="Cambria Math"/>
+                                    </a:rPr>
+                                    <m:t>𝑑</m:t>
+                                  </m:r>
+                                  <m:r>
+                                    <a:rPr lang="en-US" sz="1400" b="0" i="1" smtClean="0">
+                                      <a:latin typeface="Cambria Math"/>
+                                    </a:rPr>
+                                    <m:t>𝑠</m:t>
+                                  </m:r>
+                                  <m:r>
+                                    <a:rPr lang="en-US" sz="1400" b="0" i="1" baseline="30000" smtClean="0">
+                                      <a:latin typeface="Cambria Math"/>
+                                    </a:rPr>
+                                    <m:t>𝑛</m:t>
+                                  </m:r>
+                                </m:den>
+                              </m:f>
+                            </m:oMath>
+                          </a14:m>
+                          <a:endParaRPr lang="en-US" sz="1400" dirty="0"/>
+                        </a:p>
+                      </a:txBody>
+                      <a:tcPr/>
+                    </a:tc>
+                  </a:tr>
+                  <a:tr h="344326">
+                    <a:tc>
+                      <a:txBody>
+                        <a:bodyPr/>
+                        <a:lstStyle/>
+                        <a:p>
+                          <a:pPr algn="ctr"/>
+                          <a:r>
+                            <a:rPr lang="en-US" sz="1400" dirty="0" smtClean="0"/>
+                            <a:t>Frequency</a:t>
+                          </a:r>
+                          <a:r>
+                            <a:rPr lang="en-US" sz="1400" baseline="0" dirty="0" smtClean="0"/>
+                            <a:t> Shift</a:t>
+                          </a:r>
+                          <a:endParaRPr lang="en-US" sz="1400" dirty="0"/>
+                        </a:p>
+                      </a:txBody>
+                      <a:tcPr/>
+                    </a:tc>
+                    <a:tc>
+                      <a:txBody>
+                        <a:bodyPr/>
+                        <a:lstStyle/>
+                        <a:p>
+                          <a:pPr algn="ctr"/>
+                          <a:r>
+                            <a:rPr lang="en-US" sz="1400" dirty="0" smtClean="0"/>
+                            <a:t>L[e</a:t>
+                          </a:r>
+                          <a:r>
+                            <a:rPr lang="en-US" sz="1400" baseline="30000" dirty="0" smtClean="0"/>
+                            <a:t>-at</a:t>
+                          </a:r>
+                          <a:r>
+                            <a:rPr lang="en-US" sz="1400" dirty="0" smtClean="0"/>
+                            <a:t> f(t)] = F(s + a)</a:t>
+                          </a:r>
+                          <a:endParaRPr lang="en-US" sz="1400" dirty="0"/>
+                        </a:p>
+                      </a:txBody>
+                      <a:tcPr/>
+                    </a:tc>
+                  </a:tr>
+                  <a:tr h="344326">
+                    <a:tc>
+                      <a:txBody>
+                        <a:bodyPr/>
+                        <a:lstStyle/>
+                        <a:p>
+                          <a:pPr algn="ctr"/>
+                          <a:r>
+                            <a:rPr lang="en-US" sz="1400" dirty="0" smtClean="0"/>
+                            <a:t>Time Differentiation</a:t>
+                          </a:r>
+                          <a:endParaRPr lang="en-US" sz="1400" dirty="0"/>
+                        </a:p>
+                      </a:txBody>
+                      <a:tcPr/>
+                    </a:tc>
+                    <a:tc>
+                      <a:txBody>
+                        <a:bodyPr/>
+                        <a:lstStyle/>
+                        <a:p>
+                          <a:pPr algn="ctr"/>
+                          <a:r>
+                            <a:rPr lang="en-US" sz="1400" dirty="0" smtClean="0"/>
+                            <a:t>L </a:t>
+                          </a:r>
+                          <a14:m>
+                            <m:oMath xmlns:m="http://schemas.openxmlformats.org/officeDocument/2006/math">
+                              <m:d>
+                                <m:dPr>
+                                  <m:begChr m:val="["/>
+                                  <m:endChr m:val="]"/>
+                                  <m:ctrlPr>
+                                    <a:rPr lang="en-US" sz="1400" i="1" smtClean="0">
+                                      <a:latin typeface="Cambria Math"/>
+                                    </a:rPr>
+                                  </m:ctrlPr>
+                                </m:dPr>
+                                <m:e>
+                                  <m:f>
+                                    <m:fPr>
+                                      <m:ctrlPr>
+                                        <a:rPr lang="en-US" sz="1400" i="1" smtClean="0">
+                                          <a:latin typeface="Cambria Math"/>
+                                        </a:rPr>
+                                      </m:ctrlPr>
+                                    </m:fPr>
+                                    <m:num>
+                                      <m:r>
+                                        <a:rPr lang="en-US" sz="1400" i="1" smtClean="0">
+                                          <a:latin typeface="Cambria Math"/>
+                                        </a:rPr>
+                                        <m:t>𝑑</m:t>
+                                      </m:r>
+                                    </m:num>
+                                    <m:den>
+                                      <m:r>
+                                        <a:rPr lang="en-US" sz="1400" i="1" smtClean="0">
+                                          <a:latin typeface="Cambria Math"/>
+                                        </a:rPr>
+                                        <m:t>𝑑</m:t>
+                                      </m:r>
+                                      <m:r>
+                                        <a:rPr lang="en-US" sz="1400" b="0" i="1" smtClean="0">
+                                          <a:latin typeface="Cambria Math"/>
+                                        </a:rPr>
+                                        <m:t>𝑡</m:t>
+                                      </m:r>
+                                    </m:den>
+                                  </m:f>
+                                  <m:r>
+                                    <a:rPr lang="en-US" sz="1400" b="0" i="1" smtClean="0">
+                                      <a:latin typeface="Cambria Math"/>
+                                    </a:rPr>
+                                    <m:t> </m:t>
+                                  </m:r>
+                                  <m:r>
+                                    <a:rPr lang="en-US" sz="1400" b="0" i="1" smtClean="0">
+                                      <a:latin typeface="Cambria Math"/>
+                                    </a:rPr>
+                                    <m:t>𝑓</m:t>
+                                  </m:r>
+                                  <m:r>
+                                    <a:rPr lang="en-US" sz="1400" b="0" i="1" smtClean="0">
+                                      <a:latin typeface="Cambria Math"/>
+                                    </a:rPr>
+                                    <m:t>(</m:t>
+                                  </m:r>
+                                  <m:r>
+                                    <a:rPr lang="en-US" sz="1400" b="0" i="1" smtClean="0">
+                                      <a:latin typeface="Cambria Math"/>
+                                    </a:rPr>
+                                    <m:t>𝑡</m:t>
+                                  </m:r>
+                                  <m:r>
+                                    <a:rPr lang="en-US" sz="1400" b="0" i="1" smtClean="0">
+                                      <a:latin typeface="Cambria Math"/>
+                                    </a:rPr>
+                                    <m:t>)</m:t>
+                                  </m:r>
+                                </m:e>
+                              </m:d>
+                            </m:oMath>
+                          </a14:m>
+                          <a:r>
+                            <a:rPr lang="en-US" sz="1400" dirty="0" smtClean="0"/>
+                            <a:t> = </a:t>
+                          </a:r>
+                          <a:r>
+                            <a:rPr lang="en-US" sz="1400" dirty="0" err="1" smtClean="0"/>
+                            <a:t>sF</a:t>
+                          </a:r>
+                          <a:r>
+                            <a:rPr lang="en-US" sz="1400" dirty="0" smtClean="0"/>
+                            <a:t>(s) –</a:t>
+                          </a:r>
+                          <a:r>
+                            <a:rPr lang="en-US" sz="1400" baseline="0" dirty="0" smtClean="0"/>
+                            <a:t> f(0</a:t>
+                          </a:r>
+                          <a:r>
+                            <a:rPr lang="en-US" sz="1400" baseline="30000" dirty="0" smtClean="0"/>
+                            <a:t>-</a:t>
+                          </a:r>
+                          <a:r>
+                            <a:rPr lang="en-US" sz="1400" baseline="0" dirty="0" smtClean="0"/>
+                            <a:t>)</a:t>
+                          </a:r>
+                          <a:endParaRPr lang="en-US" sz="1400" dirty="0"/>
+                        </a:p>
+                      </a:txBody>
+                      <a:tcPr/>
+                    </a:tc>
+                  </a:tr>
+                  <a:tr h="344326">
+                    <a:tc>
+                      <a:txBody>
+                        <a:bodyPr/>
+                        <a:lstStyle/>
+                        <a:p>
+                          <a:pPr marL="0" marR="0" indent="0" algn="ctr" defTabSz="914400" eaLnBrk="1" fontAlgn="auto" latinLnBrk="0" hangingPunct="1">
+                            <a:lnSpc>
+                              <a:spcPct val="100000"/>
+                            </a:lnSpc>
+                            <a:spcBef>
+                              <a:spcPts val="0"/>
+                            </a:spcBef>
+                            <a:spcAft>
+                              <a:spcPts val="0"/>
+                            </a:spcAft>
+                            <a:buClrTx/>
+                            <a:buSzTx/>
+                            <a:buFontTx/>
+                            <a:buNone/>
+                            <a:tabLst/>
+                            <a:defRPr/>
+                          </a:pPr>
+                          <a:r>
+                            <a:rPr lang="en-US" sz="1400" dirty="0" smtClean="0"/>
+                            <a:t>Second-order</a:t>
+                          </a:r>
+                          <a:r>
+                            <a:rPr lang="en-US" sz="1400" baseline="0" dirty="0" smtClean="0"/>
+                            <a:t> </a:t>
+                          </a:r>
+                          <a:r>
+                            <a:rPr lang="en-US" sz="1400" dirty="0" smtClean="0"/>
+                            <a:t>Differentiation</a:t>
+                          </a:r>
+                        </a:p>
+                      </a:txBody>
+                      <a:tcPr/>
+                    </a:tc>
+                    <a:tc>
+                      <a:txBody>
+                        <a:bodyPr/>
+                        <a:lstStyle/>
+                        <a:p>
+                          <a:pPr marL="0" marR="0" indent="0" algn="ctr" defTabSz="914400" eaLnBrk="1" fontAlgn="auto" latinLnBrk="0" hangingPunct="1">
+                            <a:lnSpc>
+                              <a:spcPct val="100000"/>
+                            </a:lnSpc>
+                            <a:spcBef>
+                              <a:spcPts val="0"/>
+                            </a:spcBef>
+                            <a:spcAft>
+                              <a:spcPts val="0"/>
+                            </a:spcAft>
+                            <a:buClrTx/>
+                            <a:buSzTx/>
+                            <a:buFontTx/>
+                            <a:buNone/>
+                            <a:tabLst/>
+                            <a:defRPr/>
+                          </a:pPr>
+                          <a:r>
+                            <a:rPr lang="en-US" sz="1400" dirty="0" smtClean="0"/>
+                            <a:t>L </a:t>
+                          </a:r>
+                          <a14:m>
+                            <m:oMath xmlns:m="http://schemas.openxmlformats.org/officeDocument/2006/math">
+                              <m:d>
+                                <m:dPr>
+                                  <m:begChr m:val="["/>
+                                  <m:endChr m:val="]"/>
+                                  <m:ctrlPr>
+                                    <a:rPr lang="en-US" sz="1400" i="1" smtClean="0">
+                                      <a:latin typeface="Cambria Math"/>
+                                    </a:rPr>
+                                  </m:ctrlPr>
+                                </m:dPr>
+                                <m:e>
+                                  <m:f>
+                                    <m:fPr>
+                                      <m:ctrlPr>
+                                        <a:rPr lang="en-US" sz="1400" i="1" smtClean="0">
+                                          <a:latin typeface="Cambria Math"/>
+                                        </a:rPr>
+                                      </m:ctrlPr>
+                                    </m:fPr>
+                                    <m:num>
+                                      <m:r>
+                                        <a:rPr lang="en-US" sz="1400" i="1" smtClean="0">
+                                          <a:latin typeface="Cambria Math"/>
+                                        </a:rPr>
+                                        <m:t>𝑑</m:t>
+                                      </m:r>
+                                      <m:r>
+                                        <a:rPr lang="en-US" sz="1400" b="0" i="1" baseline="30000" smtClean="0">
+                                          <a:latin typeface="Cambria Math"/>
+                                        </a:rPr>
+                                        <m:t>2</m:t>
+                                      </m:r>
+                                      <m:r>
+                                        <a:rPr lang="en-US" sz="1400" b="0" i="1" smtClean="0">
+                                          <a:latin typeface="Cambria Math"/>
+                                        </a:rPr>
+                                        <m:t> </m:t>
+                                      </m:r>
+                                      <m:r>
+                                        <a:rPr lang="en-US" sz="1400" b="0" i="1" smtClean="0">
+                                          <a:latin typeface="Cambria Math"/>
+                                        </a:rPr>
+                                        <m:t>𝑓</m:t>
+                                      </m:r>
+                                      <m:r>
+                                        <a:rPr lang="en-US" sz="1400" b="0" i="1" smtClean="0">
+                                          <a:latin typeface="Cambria Math"/>
+                                        </a:rPr>
+                                        <m:t>(</m:t>
+                                      </m:r>
+                                      <m:r>
+                                        <a:rPr lang="en-US" sz="1400" b="0" i="1" smtClean="0">
+                                          <a:latin typeface="Cambria Math"/>
+                                        </a:rPr>
+                                        <m:t>𝑡</m:t>
+                                      </m:r>
+                                      <m:r>
+                                        <a:rPr lang="en-US" sz="1400" b="0" i="1" smtClean="0">
+                                          <a:latin typeface="Cambria Math"/>
+                                        </a:rPr>
+                                        <m:t>)</m:t>
+                                      </m:r>
+                                    </m:num>
+                                    <m:den>
+                                      <m:r>
+                                        <a:rPr lang="en-US" sz="1400" i="1" smtClean="0">
+                                          <a:latin typeface="Cambria Math"/>
+                                        </a:rPr>
+                                        <m:t>𝑑</m:t>
+                                      </m:r>
+                                      <m:r>
+                                        <a:rPr lang="en-US" sz="1400" b="0" i="1" smtClean="0">
+                                          <a:latin typeface="Cambria Math"/>
+                                        </a:rPr>
+                                        <m:t>𝑡</m:t>
+                                      </m:r>
+                                      <m:r>
+                                        <a:rPr lang="en-US" sz="1400" b="0" i="1" baseline="30000" smtClean="0">
+                                          <a:latin typeface="Cambria Math"/>
+                                        </a:rPr>
+                                        <m:t>2</m:t>
+                                      </m:r>
+                                    </m:den>
+                                  </m:f>
+                                </m:e>
+                              </m:d>
+                            </m:oMath>
+                          </a14:m>
+                          <a:r>
+                            <a:rPr lang="en-US" sz="1400" dirty="0" smtClean="0"/>
+                            <a:t> = s</a:t>
+                          </a:r>
+                          <a:r>
+                            <a:rPr lang="en-US" sz="1400" baseline="30000" dirty="0" smtClean="0"/>
+                            <a:t>2</a:t>
+                          </a:r>
+                          <a:r>
+                            <a:rPr lang="en-US" sz="1400" dirty="0" smtClean="0"/>
+                            <a:t> F(s) –</a:t>
+                          </a:r>
+                          <a:r>
+                            <a:rPr lang="en-US" sz="1400" baseline="0" dirty="0" smtClean="0"/>
+                            <a:t> sf(0</a:t>
+                          </a:r>
+                          <a:r>
+                            <a:rPr lang="en-US" sz="1400" baseline="30000" dirty="0" smtClean="0"/>
+                            <a:t>-</a:t>
+                          </a:r>
+                          <a:r>
+                            <a:rPr lang="en-US" sz="1400" baseline="0" dirty="0" smtClean="0"/>
+                            <a:t>) – f</a:t>
+                          </a:r>
+                          <a:r>
+                            <a:rPr lang="en-US" sz="1400" baseline="30000" dirty="0" smtClean="0"/>
+                            <a:t>(1) </a:t>
+                          </a:r>
+                          <a:r>
+                            <a:rPr lang="en-US" sz="1400" baseline="0" dirty="0" smtClean="0"/>
+                            <a:t>(0</a:t>
+                          </a:r>
+                          <a:r>
+                            <a:rPr lang="en-US" sz="1400" baseline="30000" dirty="0" smtClean="0"/>
+                            <a:t>-</a:t>
+                          </a:r>
+                          <a:r>
+                            <a:rPr lang="en-US" sz="1400" baseline="0" dirty="0" smtClean="0"/>
+                            <a:t>)</a:t>
+                          </a:r>
+                          <a:endParaRPr lang="en-US" sz="1400" dirty="0"/>
+                        </a:p>
+                        <a:p>
+                          <a:pPr algn="ctr"/>
+                          <a:endParaRPr lang="en-US" sz="1400" dirty="0"/>
+                        </a:p>
+                      </a:txBody>
+                      <a:tcPr/>
+                    </a:tc>
+                  </a:tr>
+                  <a:tr h="344326">
+                    <a:tc>
+                      <a:txBody>
+                        <a:bodyPr/>
+                        <a:lstStyle/>
+                        <a:p>
+                          <a:pPr marL="0" marR="0" indent="0" algn="ctr" defTabSz="914400" eaLnBrk="1" fontAlgn="auto" latinLnBrk="0" hangingPunct="1">
+                            <a:lnSpc>
+                              <a:spcPct val="100000"/>
+                            </a:lnSpc>
+                            <a:spcBef>
+                              <a:spcPts val="0"/>
+                            </a:spcBef>
+                            <a:spcAft>
+                              <a:spcPts val="0"/>
+                            </a:spcAft>
+                            <a:buClrTx/>
+                            <a:buSzTx/>
+                            <a:buFontTx/>
+                            <a:buNone/>
+                            <a:tabLst/>
+                            <a:defRPr/>
+                          </a:pPr>
+                          <a:r>
+                            <a:rPr lang="en-US" sz="1400" dirty="0" smtClean="0"/>
+                            <a:t>Nth-order Differentiation</a:t>
+                          </a:r>
+                        </a:p>
+                      </a:txBody>
+                      <a:tcPr/>
+                    </a:tc>
+                    <a:tc>
+                      <a:txBody>
+                        <a:bodyPr/>
+                        <a:lstStyle/>
+                        <a:p>
+                          <a:pPr algn="ctr"/>
+                          <a:r>
+                            <a:rPr lang="en-US" sz="1400" dirty="0" smtClean="0"/>
+                            <a:t>L </a:t>
+                          </a:r>
+                          <a14:m>
+                            <m:oMath xmlns:m="http://schemas.openxmlformats.org/officeDocument/2006/math">
+                              <m:d>
+                                <m:dPr>
+                                  <m:begChr m:val="["/>
+                                  <m:endChr m:val="]"/>
+                                  <m:ctrlPr>
+                                    <a:rPr lang="en-US" sz="1400" i="1" smtClean="0">
+                                      <a:latin typeface="Cambria Math"/>
+                                    </a:rPr>
+                                  </m:ctrlPr>
+                                </m:dPr>
+                                <m:e>
+                                  <m:f>
+                                    <m:fPr>
+                                      <m:ctrlPr>
+                                        <a:rPr lang="en-US" sz="1400" i="1" smtClean="0">
+                                          <a:latin typeface="Cambria Math"/>
+                                        </a:rPr>
+                                      </m:ctrlPr>
+                                    </m:fPr>
+                                    <m:num>
+                                      <m:r>
+                                        <a:rPr lang="en-US" sz="1400" i="1" smtClean="0">
+                                          <a:latin typeface="Cambria Math"/>
+                                        </a:rPr>
+                                        <m:t>𝑑</m:t>
+                                      </m:r>
+                                      <m:r>
+                                        <a:rPr lang="en-US" sz="1400" b="0" i="1" baseline="30000" smtClean="0">
+                                          <a:latin typeface="Cambria Math"/>
+                                        </a:rPr>
+                                        <m:t>𝑛</m:t>
+                                      </m:r>
+                                      <m:r>
+                                        <a:rPr lang="en-US" sz="1400" b="0" i="1" smtClean="0">
+                                          <a:latin typeface="Cambria Math"/>
+                                        </a:rPr>
+                                        <m:t> </m:t>
+                                      </m:r>
+                                      <m:r>
+                                        <a:rPr lang="en-US" sz="1400" b="0" i="1" smtClean="0">
+                                          <a:latin typeface="Cambria Math"/>
+                                        </a:rPr>
+                                        <m:t>𝑓</m:t>
+                                      </m:r>
+                                      <m:r>
+                                        <a:rPr lang="en-US" sz="1400" b="0" i="1" smtClean="0">
+                                          <a:latin typeface="Cambria Math"/>
+                                        </a:rPr>
+                                        <m:t>(</m:t>
+                                      </m:r>
+                                      <m:r>
+                                        <a:rPr lang="en-US" sz="1400" b="0" i="1" smtClean="0">
+                                          <a:latin typeface="Cambria Math"/>
+                                        </a:rPr>
+                                        <m:t>𝑡</m:t>
+                                      </m:r>
+                                      <m:r>
+                                        <a:rPr lang="en-US" sz="1400" b="0" i="1" smtClean="0">
+                                          <a:latin typeface="Cambria Math"/>
+                                        </a:rPr>
+                                        <m:t>)</m:t>
+                                      </m:r>
+                                    </m:num>
+                                    <m:den>
+                                      <m:r>
+                                        <a:rPr lang="en-US" sz="1400" i="1" smtClean="0">
+                                          <a:latin typeface="Cambria Math"/>
+                                        </a:rPr>
+                                        <m:t>𝑑</m:t>
+                                      </m:r>
+                                      <m:r>
+                                        <a:rPr lang="en-US" sz="1400" b="0" i="1" smtClean="0">
+                                          <a:latin typeface="Cambria Math"/>
+                                        </a:rPr>
+                                        <m:t>𝑡</m:t>
+                                      </m:r>
+                                      <m:r>
+                                        <a:rPr lang="en-US" sz="1400" b="0" i="1" baseline="30000" smtClean="0">
+                                          <a:latin typeface="Cambria Math"/>
+                                        </a:rPr>
+                                        <m:t>𝑛</m:t>
+                                      </m:r>
+                                    </m:den>
+                                  </m:f>
+                                </m:e>
+                              </m:d>
+                            </m:oMath>
+                          </a14:m>
+                          <a:r>
+                            <a:rPr lang="en-US" sz="1400" dirty="0" smtClean="0"/>
+                            <a:t> </a:t>
+                          </a:r>
+                          <a:r>
+                            <a:rPr lang="en-US" sz="1400" dirty="0" smtClean="0"/>
+                            <a:t>= </a:t>
+                          </a:r>
+                          <a:r>
+                            <a:rPr lang="en-US" sz="1400" dirty="0" err="1" smtClean="0"/>
+                            <a:t>s</a:t>
+                          </a:r>
+                          <a:r>
+                            <a:rPr lang="en-US" sz="1400" baseline="30000" dirty="0" err="1" smtClean="0"/>
+                            <a:t>n</a:t>
+                          </a:r>
+                          <a:r>
+                            <a:rPr lang="en-US" sz="1400" dirty="0" err="1" smtClean="0"/>
+                            <a:t>f</a:t>
+                          </a:r>
+                          <a:r>
+                            <a:rPr lang="en-US" sz="1400" dirty="0" smtClean="0"/>
+                            <a:t>(s) – s</a:t>
+                          </a:r>
+                          <a:r>
+                            <a:rPr lang="en-US" sz="1400" baseline="30000" dirty="0" smtClean="0"/>
+                            <a:t>n-1</a:t>
+                          </a:r>
+                          <a:r>
+                            <a:rPr lang="en-US" sz="1400" dirty="0" smtClean="0"/>
+                            <a:t> f(0</a:t>
+                          </a:r>
+                          <a:r>
+                            <a:rPr lang="en-US" sz="1400" baseline="30000" dirty="0" smtClean="0"/>
+                            <a:t>-</a:t>
+                          </a:r>
+                          <a:r>
+                            <a:rPr lang="en-US" sz="1400" dirty="0" smtClean="0"/>
+                            <a:t>) – s</a:t>
+                          </a:r>
+                          <a:r>
+                            <a:rPr lang="en-US" sz="1400" baseline="30000" dirty="0" smtClean="0"/>
+                            <a:t>n-2</a:t>
+                          </a:r>
+                          <a:r>
+                            <a:rPr lang="en-US" sz="1400" dirty="0" smtClean="0"/>
+                            <a:t> f(1)(0</a:t>
+                          </a:r>
+                          <a:r>
+                            <a:rPr lang="en-US" sz="1400" baseline="30000" dirty="0" smtClean="0"/>
+                            <a:t>-</a:t>
+                          </a:r>
+                          <a:r>
+                            <a:rPr lang="en-US" sz="1400" dirty="0" smtClean="0"/>
+                            <a:t>) -…-  f</a:t>
+                          </a:r>
+                          <a:r>
+                            <a:rPr lang="en-US" sz="1400" baseline="30000" dirty="0" smtClean="0"/>
+                            <a:t>(n-1)</a:t>
+                          </a:r>
+                          <a:r>
+                            <a:rPr lang="en-US" sz="1400" dirty="0" smtClean="0"/>
+                            <a:t> (0</a:t>
+                          </a:r>
+                          <a:r>
+                            <a:rPr lang="en-US" sz="1400" baseline="30000" dirty="0" smtClean="0"/>
+                            <a:t>-</a:t>
+                          </a:r>
+                          <a:r>
+                            <a:rPr lang="en-US" sz="1400" dirty="0" smtClean="0"/>
+                            <a:t>)</a:t>
+                          </a:r>
+                          <a:endParaRPr lang="en-US" sz="1400" dirty="0"/>
+                        </a:p>
+                      </a:txBody>
+                      <a:tcPr/>
+                    </a:tc>
+                  </a:tr>
+                </a:tbl>
+              </a:graphicData>
+            </a:graphic>
+          </p:graphicFrame>
+        </mc:Choice>
+        <mc:Fallback>
+          <p:graphicFrame>
+            <p:nvGraphicFramePr>
+              <p:cNvPr id="3" name="Table 2"/>
+              <p:cNvGraphicFramePr>
+                <a:graphicFrameLocks noGrp="1"/>
+              </p:cNvGraphicFramePr>
+              <p:nvPr>
+                <p:extLst>
+                  <p:ext uri="{D42A27DB-BD31-4B8C-83A1-F6EECF244321}">
+                    <p14:modId xmlns:p14="http://schemas.microsoft.com/office/powerpoint/2010/main" val="2752461020"/>
+                  </p:ext>
+                </p:extLst>
+              </p:nvPr>
+            </p:nvGraphicFramePr>
+            <p:xfrm>
+              <a:off x="204528" y="1411508"/>
+              <a:ext cx="6511958" cy="3834120"/>
+            </p:xfrm>
+            <a:graphic>
+              <a:graphicData uri="http://schemas.openxmlformats.org/drawingml/2006/table">
+                <a:tbl>
+                  <a:tblPr firstRow="1" bandRow="1">
+                    <a:tableStyleId>{5C22544A-7EE6-4342-B048-85BDC9FD1C3A}</a:tableStyleId>
+                  </a:tblPr>
+                  <a:tblGrid>
+                    <a:gridCol w="2984986"/>
+                    <a:gridCol w="3526972"/>
+                  </a:tblGrid>
+                  <a:tr h="344326">
+                    <a:tc>
+                      <a:txBody>
+                        <a:bodyPr/>
+                        <a:lstStyle/>
+                        <a:p>
+                          <a:pPr algn="ctr"/>
+                          <a:r>
+                            <a:rPr lang="en-US" sz="1400" dirty="0" smtClean="0"/>
+                            <a:t>Property</a:t>
+                          </a:r>
+                          <a:endParaRPr lang="en-US" sz="1400" dirty="0"/>
+                        </a:p>
+                      </a:txBody>
+                      <a:tcPr/>
+                    </a:tc>
+                    <a:tc>
+                      <a:txBody>
+                        <a:bodyPr/>
+                        <a:lstStyle/>
+                        <a:p>
+                          <a:pPr algn="ctr"/>
+                          <a:r>
+                            <a:rPr lang="en-US" sz="1400" dirty="0" smtClean="0"/>
+                            <a:t>Transfor</a:t>
+                          </a:r>
+                          <a:r>
+                            <a:rPr lang="en-US" sz="1400" baseline="0" dirty="0" smtClean="0"/>
+                            <a:t>m Pair</a:t>
+                          </a:r>
+                          <a:endParaRPr lang="en-US" sz="1400" dirty="0"/>
+                        </a:p>
+                      </a:txBody>
+                      <a:tcPr/>
+                    </a:tc>
+                  </a:tr>
+                  <a:tr h="344326">
+                    <a:tc>
+                      <a:txBody>
+                        <a:bodyPr/>
+                        <a:lstStyle/>
+                        <a:p>
+                          <a:pPr algn="ctr"/>
+                          <a:r>
+                            <a:rPr lang="en-US" sz="1400" dirty="0" smtClean="0"/>
+                            <a:t>Linearity</a:t>
+                          </a:r>
+                          <a:endParaRPr lang="en-US" sz="1400" dirty="0"/>
+                        </a:p>
+                      </a:txBody>
+                      <a:tcPr/>
+                    </a:tc>
+                    <a:tc>
+                      <a:txBody>
+                        <a:bodyPr/>
+                        <a:lstStyle/>
+                        <a:p>
+                          <a:pPr algn="ctr"/>
+                          <a:r>
+                            <a:rPr lang="en-US" sz="1400" b="0" dirty="0" smtClean="0"/>
+                            <a:t>L[a</a:t>
+                          </a:r>
+                          <a:r>
+                            <a:rPr lang="en-US" sz="1400" b="0" baseline="-25000" dirty="0" smtClean="0"/>
+                            <a:t>1</a:t>
+                          </a:r>
+                          <a:r>
+                            <a:rPr lang="en-US" sz="1400" b="0" dirty="0" smtClean="0"/>
+                            <a:t>f</a:t>
+                          </a:r>
+                          <a:r>
+                            <a:rPr lang="en-US" sz="1400" b="0" baseline="-25000" dirty="0" smtClean="0"/>
+                            <a:t>1</a:t>
+                          </a:r>
+                          <a:r>
+                            <a:rPr lang="en-US" sz="1400" b="0" dirty="0" smtClean="0"/>
+                            <a:t>(t) + a</a:t>
+                          </a:r>
+                          <a:r>
+                            <a:rPr lang="en-US" sz="1400" b="0" baseline="-25000" dirty="0" smtClean="0"/>
+                            <a:t>2</a:t>
+                          </a:r>
+                          <a:r>
+                            <a:rPr lang="en-US" sz="1400" b="0" dirty="0" smtClean="0"/>
+                            <a:t>f</a:t>
+                          </a:r>
+                          <a:r>
+                            <a:rPr lang="en-US" sz="1400" b="0" baseline="-25000" dirty="0" smtClean="0"/>
+                            <a:t>2</a:t>
+                          </a:r>
+                          <a:r>
+                            <a:rPr lang="en-US" sz="1400" b="0" dirty="0" smtClean="0"/>
+                            <a:t>(t)] = a</a:t>
+                          </a:r>
+                          <a:r>
+                            <a:rPr lang="en-US" sz="1400" b="0" baseline="-25000" dirty="0" smtClean="0"/>
+                            <a:t>1</a:t>
+                          </a:r>
+                          <a:r>
+                            <a:rPr lang="en-US" sz="1400" b="0" dirty="0" smtClean="0"/>
+                            <a:t>f</a:t>
+                          </a:r>
+                          <a:r>
+                            <a:rPr lang="en-US" sz="1400" b="0" baseline="-25000" dirty="0" smtClean="0"/>
+                            <a:t>1</a:t>
+                          </a:r>
+                          <a:r>
+                            <a:rPr lang="en-US" sz="1400" b="0" dirty="0" smtClean="0"/>
+                            <a:t>(s) + a</a:t>
+                          </a:r>
+                          <a:r>
+                            <a:rPr lang="en-US" sz="1400" b="0" baseline="-25000" dirty="0" smtClean="0"/>
+                            <a:t>2</a:t>
+                          </a:r>
+                          <a:r>
+                            <a:rPr lang="en-US" sz="1400" b="0" dirty="0" smtClean="0"/>
+                            <a:t>f</a:t>
+                          </a:r>
+                          <a:r>
+                            <a:rPr lang="en-US" sz="1400" b="0" baseline="-25000" dirty="0" smtClean="0"/>
+                            <a:t>2</a:t>
+                          </a:r>
+                          <a:r>
+                            <a:rPr lang="en-US" sz="1400" b="0" dirty="0" smtClean="0"/>
+                            <a:t>(s)</a:t>
+                          </a:r>
+                        </a:p>
+                      </a:txBody>
+                      <a:tcPr/>
+                    </a:tc>
+                  </a:tr>
+                  <a:tr h="344326">
+                    <a:tc>
+                      <a:txBody>
+                        <a:bodyPr/>
+                        <a:lstStyle/>
+                        <a:p>
+                          <a:pPr algn="ctr"/>
+                          <a:r>
+                            <a:rPr lang="en-US" sz="1400" dirty="0" smtClean="0"/>
+                            <a:t>Time Shift</a:t>
+                          </a:r>
+                          <a:endParaRPr lang="en-US" sz="1400" dirty="0"/>
+                        </a:p>
+                      </a:txBody>
+                      <a:tcPr/>
+                    </a:tc>
+                    <a:tc>
+                      <a:txBody>
+                        <a:bodyPr/>
+                        <a:lstStyle/>
+                        <a:p>
+                          <a:pPr algn="ctr"/>
+                          <a:r>
+                            <a:rPr lang="en-US" sz="1400" dirty="0" smtClean="0"/>
+                            <a:t>L[f(t-T)u(t-T)] = e</a:t>
+                          </a:r>
+                          <a:r>
+                            <a:rPr lang="en-US" sz="1400" baseline="30000" dirty="0" smtClean="0"/>
+                            <a:t>-</a:t>
+                          </a:r>
+                          <a:r>
+                            <a:rPr lang="en-US" sz="1400" baseline="30000" dirty="0" err="1" smtClean="0"/>
+                            <a:t>st</a:t>
+                          </a:r>
+                          <a:r>
+                            <a:rPr lang="en-US" sz="1400" dirty="0" smtClean="0"/>
+                            <a:t> F(s), T&gt;0</a:t>
+                          </a:r>
+                          <a:endParaRPr lang="en-US" sz="1400" dirty="0"/>
+                        </a:p>
+                      </a:txBody>
+                      <a:tcPr/>
+                    </a:tc>
+                  </a:tr>
+                  <a:tr h="398717">
+                    <a:tc>
+                      <a:txBody>
+                        <a:bodyPr/>
+                        <a:lstStyle/>
+                        <a:p>
+                          <a:pPr algn="ctr"/>
+                          <a:r>
+                            <a:rPr lang="en-US" sz="1400" dirty="0" smtClean="0"/>
+                            <a:t>Multiplication by t</a:t>
+                          </a:r>
+                          <a:endParaRPr lang="en-US" sz="1400" dirty="0"/>
+                        </a:p>
+                      </a:txBody>
+                      <a:tcPr/>
+                    </a:tc>
+                    <a:tc>
+                      <a:txBody>
+                        <a:bodyPr/>
+                        <a:lstStyle/>
+                        <a:p>
+                          <a:endParaRPr lang="en-US"/>
+                        </a:p>
+                      </a:txBody>
+                      <a:tcPr>
+                        <a:blipFill rotWithShape="1">
+                          <a:blip r:embed="rId2"/>
+                          <a:stretch>
+                            <a:fillRect l="-84948" t="-257576" b="-610606"/>
+                          </a:stretch>
+                        </a:blipFill>
+                      </a:tcPr>
+                    </a:tc>
+                  </a:tr>
+                  <a:tr h="403797">
+                    <a:tc>
+                      <a:txBody>
+                        <a:bodyPr/>
+                        <a:lstStyle/>
+                        <a:p>
+                          <a:pPr marL="0" marR="0" indent="0" algn="ctr" defTabSz="914400" eaLnBrk="1" fontAlgn="auto" latinLnBrk="0" hangingPunct="1">
+                            <a:lnSpc>
+                              <a:spcPct val="100000"/>
+                            </a:lnSpc>
+                            <a:spcBef>
+                              <a:spcPts val="0"/>
+                            </a:spcBef>
+                            <a:spcAft>
+                              <a:spcPts val="0"/>
+                            </a:spcAft>
+                            <a:buClrTx/>
+                            <a:buSzTx/>
+                            <a:buFontTx/>
+                            <a:buNone/>
+                            <a:tabLst/>
+                            <a:defRPr/>
+                          </a:pPr>
+                          <a:r>
+                            <a:rPr lang="en-US" sz="1400" dirty="0" smtClean="0"/>
+                            <a:t>Multiplication by </a:t>
+                          </a:r>
+                          <a:r>
+                            <a:rPr lang="en-US" sz="1400" dirty="0" err="1" smtClean="0"/>
+                            <a:t>t</a:t>
+                          </a:r>
+                          <a:r>
+                            <a:rPr lang="en-US" sz="1400" baseline="30000" dirty="0" err="1"/>
+                            <a:t>n</a:t>
+                          </a:r>
+                          <a:endParaRPr lang="en-US" sz="1400" baseline="30000" dirty="0" smtClean="0"/>
+                        </a:p>
+                      </a:txBody>
+                      <a:tcPr/>
+                    </a:tc>
+                    <a:tc>
+                      <a:txBody>
+                        <a:bodyPr/>
+                        <a:lstStyle/>
+                        <a:p>
+                          <a:endParaRPr lang="en-US"/>
+                        </a:p>
+                      </a:txBody>
+                      <a:tcPr>
+                        <a:blipFill rotWithShape="1">
+                          <a:blip r:embed="rId2"/>
+                          <a:stretch>
+                            <a:fillRect l="-84948" t="-357576" b="-510606"/>
+                          </a:stretch>
+                        </a:blipFill>
+                      </a:tcPr>
+                    </a:tc>
+                  </a:tr>
+                  <a:tr h="344326">
+                    <a:tc>
+                      <a:txBody>
+                        <a:bodyPr/>
+                        <a:lstStyle/>
+                        <a:p>
+                          <a:pPr algn="ctr"/>
+                          <a:r>
+                            <a:rPr lang="en-US" sz="1400" dirty="0" smtClean="0"/>
+                            <a:t>Frequency</a:t>
+                          </a:r>
+                          <a:r>
+                            <a:rPr lang="en-US" sz="1400" baseline="0" dirty="0" smtClean="0"/>
+                            <a:t> Shift</a:t>
+                          </a:r>
+                          <a:endParaRPr lang="en-US" sz="1400" dirty="0"/>
+                        </a:p>
+                      </a:txBody>
+                      <a:tcPr/>
+                    </a:tc>
+                    <a:tc>
+                      <a:txBody>
+                        <a:bodyPr/>
+                        <a:lstStyle/>
+                        <a:p>
+                          <a:pPr algn="ctr"/>
+                          <a:r>
+                            <a:rPr lang="en-US" sz="1400" dirty="0" smtClean="0"/>
+                            <a:t>L[e</a:t>
+                          </a:r>
+                          <a:r>
+                            <a:rPr lang="en-US" sz="1400" baseline="30000" dirty="0" smtClean="0"/>
+                            <a:t>-at</a:t>
+                          </a:r>
+                          <a:r>
+                            <a:rPr lang="en-US" sz="1400" dirty="0" smtClean="0"/>
+                            <a:t> f(t)] = F(s + a)</a:t>
+                          </a:r>
+                          <a:endParaRPr lang="en-US" sz="1400" dirty="0"/>
+                        </a:p>
+                      </a:txBody>
+                      <a:tcPr/>
+                    </a:tc>
+                  </a:tr>
+                  <a:tr h="409194">
+                    <a:tc>
+                      <a:txBody>
+                        <a:bodyPr/>
+                        <a:lstStyle/>
+                        <a:p>
+                          <a:pPr algn="ctr"/>
+                          <a:r>
+                            <a:rPr lang="en-US" sz="1400" dirty="0" smtClean="0"/>
+                            <a:t>Time Differentiation</a:t>
+                          </a:r>
+                          <a:endParaRPr lang="en-US" sz="1400" dirty="0"/>
+                        </a:p>
+                      </a:txBody>
+                      <a:tcPr/>
+                    </a:tc>
+                    <a:tc>
+                      <a:txBody>
+                        <a:bodyPr/>
+                        <a:lstStyle/>
+                        <a:p>
+                          <a:endParaRPr lang="en-US"/>
+                        </a:p>
+                      </a:txBody>
+                      <a:tcPr>
+                        <a:blipFill rotWithShape="1">
+                          <a:blip r:embed="rId2"/>
+                          <a:stretch>
+                            <a:fillRect l="-84948" t="-535821" b="-317910"/>
+                          </a:stretch>
+                        </a:blipFill>
+                      </a:tcPr>
+                    </a:tc>
+                  </a:tr>
+                  <a:tr h="622554">
+                    <a:tc>
+                      <a:txBody>
+                        <a:bodyPr/>
+                        <a:lstStyle/>
+                        <a:p>
+                          <a:pPr marL="0" marR="0" indent="0" algn="ctr" defTabSz="914400" eaLnBrk="1" fontAlgn="auto" latinLnBrk="0" hangingPunct="1">
+                            <a:lnSpc>
+                              <a:spcPct val="100000"/>
+                            </a:lnSpc>
+                            <a:spcBef>
+                              <a:spcPts val="0"/>
+                            </a:spcBef>
+                            <a:spcAft>
+                              <a:spcPts val="0"/>
+                            </a:spcAft>
+                            <a:buClrTx/>
+                            <a:buSzTx/>
+                            <a:buFontTx/>
+                            <a:buNone/>
+                            <a:tabLst/>
+                            <a:defRPr/>
+                          </a:pPr>
+                          <a:r>
+                            <a:rPr lang="en-US" sz="1400" dirty="0" smtClean="0"/>
+                            <a:t>Second-order</a:t>
+                          </a:r>
+                          <a:r>
+                            <a:rPr lang="en-US" sz="1400" baseline="0" dirty="0" smtClean="0"/>
+                            <a:t> </a:t>
+                          </a:r>
+                          <a:r>
+                            <a:rPr lang="en-US" sz="1400" dirty="0" smtClean="0"/>
+                            <a:t>Differentiation</a:t>
+                          </a:r>
+                        </a:p>
+                      </a:txBody>
+                      <a:tcPr/>
+                    </a:tc>
+                    <a:tc>
+                      <a:txBody>
+                        <a:bodyPr/>
+                        <a:lstStyle/>
+                        <a:p>
+                          <a:endParaRPr lang="en-US"/>
+                        </a:p>
+                      </a:txBody>
+                      <a:tcPr>
+                        <a:blipFill rotWithShape="1">
+                          <a:blip r:embed="rId2"/>
+                          <a:stretch>
+                            <a:fillRect l="-84948" t="-417647" b="-108824"/>
+                          </a:stretch>
+                        </a:blipFill>
+                      </a:tcPr>
+                    </a:tc>
+                  </a:tr>
+                  <a:tr h="622554">
+                    <a:tc>
+                      <a:txBody>
+                        <a:bodyPr/>
+                        <a:lstStyle/>
+                        <a:p>
+                          <a:pPr marL="0" marR="0" indent="0" algn="ctr" defTabSz="914400" eaLnBrk="1" fontAlgn="auto" latinLnBrk="0" hangingPunct="1">
+                            <a:lnSpc>
+                              <a:spcPct val="100000"/>
+                            </a:lnSpc>
+                            <a:spcBef>
+                              <a:spcPts val="0"/>
+                            </a:spcBef>
+                            <a:spcAft>
+                              <a:spcPts val="0"/>
+                            </a:spcAft>
+                            <a:buClrTx/>
+                            <a:buSzTx/>
+                            <a:buFontTx/>
+                            <a:buNone/>
+                            <a:tabLst/>
+                            <a:defRPr/>
+                          </a:pPr>
+                          <a:r>
+                            <a:rPr lang="en-US" sz="1400" dirty="0" smtClean="0"/>
+                            <a:t>Nth-order Differentiation</a:t>
+                          </a:r>
+                        </a:p>
+                      </a:txBody>
+                      <a:tcPr/>
+                    </a:tc>
+                    <a:tc>
+                      <a:txBody>
+                        <a:bodyPr/>
+                        <a:lstStyle/>
+                        <a:p>
+                          <a:endParaRPr lang="en-US"/>
+                        </a:p>
+                      </a:txBody>
+                      <a:tcPr>
+                        <a:blipFill rotWithShape="1">
+                          <a:blip r:embed="rId2"/>
+                          <a:stretch>
+                            <a:fillRect l="-84948" t="-517647" b="-8824"/>
+                          </a:stretch>
+                        </a:blipFill>
+                      </a:tcPr>
+                    </a:tc>
+                  </a:tr>
+                </a:tbl>
+              </a:graphicData>
+            </a:graphic>
+          </p:graphicFrame>
+        </mc:Fallback>
+      </mc:AlternateContent>
+      <mc:AlternateContent xmlns:mc="http://schemas.openxmlformats.org/markup-compatibility/2006">
+        <mc:Choice xmlns:a14="http://schemas.microsoft.com/office/drawing/2010/main" Requires="a14">
+          <p:graphicFrame>
+            <p:nvGraphicFramePr>
+              <p:cNvPr id="4" name="Table 3"/>
+              <p:cNvGraphicFramePr>
+                <a:graphicFrameLocks noGrp="1"/>
+              </p:cNvGraphicFramePr>
+              <p:nvPr>
+                <p:extLst>
+                  <p:ext uri="{D42A27DB-BD31-4B8C-83A1-F6EECF244321}">
+                    <p14:modId xmlns:p14="http://schemas.microsoft.com/office/powerpoint/2010/main" val="1728793022"/>
+                  </p:ext>
+                </p:extLst>
+              </p:nvPr>
+            </p:nvGraphicFramePr>
+            <p:xfrm>
+              <a:off x="6836229" y="1445373"/>
+              <a:ext cx="5098144" cy="3982963"/>
+            </p:xfrm>
+            <a:graphic>
+              <a:graphicData uri="http://schemas.openxmlformats.org/drawingml/2006/table">
+                <a:tbl>
+                  <a:tblPr firstRow="1" bandRow="1">
+                    <a:tableStyleId>{5C22544A-7EE6-4342-B048-85BDC9FD1C3A}</a:tableStyleId>
+                  </a:tblPr>
+                  <a:tblGrid>
+                    <a:gridCol w="1763485"/>
+                    <a:gridCol w="3334659"/>
+                  </a:tblGrid>
+                  <a:tr h="1157124">
+                    <a:tc>
+                      <a:txBody>
+                        <a:bodyPr/>
+                        <a:lstStyle/>
+                        <a:p>
+                          <a:r>
+                            <a:rPr lang="en-US" dirty="0" smtClean="0"/>
+                            <a:t>Property</a:t>
+                          </a:r>
+                          <a:endParaRPr lang="en-US" dirty="0"/>
+                        </a:p>
+                      </a:txBody>
+                      <a:tcPr/>
+                    </a:tc>
+                    <a:tc>
+                      <a:txBody>
+                        <a:bodyPr/>
+                        <a:lstStyle/>
+                        <a:p>
+                          <a:r>
+                            <a:rPr lang="en-US" dirty="0" smtClean="0"/>
+                            <a:t>Transform Pair</a:t>
+                          </a:r>
+                          <a:endParaRPr lang="en-US" dirty="0"/>
+                        </a:p>
+                      </a:txBody>
+                      <a:tcPr/>
+                    </a:tc>
+                  </a:tr>
+                  <a:tr h="1668715">
+                    <a:tc>
+                      <a:txBody>
+                        <a:bodyPr/>
+                        <a:lstStyle/>
+                        <a:p>
+                          <a:r>
+                            <a:rPr lang="en-US" dirty="0" smtClean="0"/>
+                            <a:t>Time Integration</a:t>
+                          </a:r>
+                          <a:endParaRPr lang="en-US" dirty="0"/>
+                        </a:p>
+                      </a:txBody>
+                      <a:tcPr/>
+                    </a:tc>
+                    <a:tc>
+                      <a:txBody>
+                        <a:bodyPr/>
+                        <a:lstStyle/>
+                        <a:p>
+                          <a:pPr marL="400050" indent="-400050">
+                            <a:buAutoNum type="romanLcParenBoth"/>
+                          </a:pPr>
+                          <a:r>
+                            <a:rPr lang="en-US" sz="1800" dirty="0" smtClean="0"/>
+                            <a:t>L </a:t>
+                          </a:r>
+                          <a14:m>
+                            <m:oMath xmlns:m="http://schemas.openxmlformats.org/officeDocument/2006/math">
+                              <m:d>
+                                <m:dPr>
+                                  <m:begChr m:val="["/>
+                                  <m:endChr m:val="]"/>
+                                  <m:ctrlPr>
+                                    <a:rPr lang="en-US" sz="1800" i="1" smtClean="0">
+                                      <a:latin typeface="Cambria Math"/>
+                                    </a:rPr>
+                                  </m:ctrlPr>
+                                </m:dPr>
+                                <m:e>
+                                  <m:nary>
+                                    <m:naryPr>
+                                      <m:ctrlPr>
+                                        <a:rPr lang="en-US" sz="1800" i="1" smtClean="0">
+                                          <a:latin typeface="Cambria Math"/>
+                                        </a:rPr>
+                                      </m:ctrlPr>
+                                    </m:naryPr>
+                                    <m:sub>
+                                      <m:r>
+                                        <m:rPr>
+                                          <m:brk m:alnAt="23"/>
+                                        </m:rPr>
+                                        <a:rPr lang="en-US" sz="1800" b="0" i="1" smtClean="0">
+                                          <a:latin typeface="Cambria Math"/>
+                                        </a:rPr>
+                                        <m:t>−</m:t>
+                                      </m:r>
+                                      <m:r>
+                                        <a:rPr lang="en-US" sz="1800" b="0" i="1" smtClean="0">
+                                          <a:latin typeface="Cambria Math"/>
+                                          <a:ea typeface="Cambria Math"/>
+                                        </a:rPr>
+                                        <m:t>∞</m:t>
+                                      </m:r>
+                                    </m:sub>
+                                    <m:sup>
+                                      <m:r>
+                                        <a:rPr lang="en-US" sz="1800" b="0" i="1" smtClean="0">
+                                          <a:latin typeface="Cambria Math"/>
+                                        </a:rPr>
+                                        <m:t>𝑡</m:t>
+                                      </m:r>
+                                    </m:sup>
+                                    <m:e>
+                                      <m:r>
+                                        <a:rPr lang="en-US" sz="1800" b="0" i="1" smtClean="0">
+                                          <a:latin typeface="Cambria Math"/>
+                                        </a:rPr>
+                                        <m:t>𝑓</m:t>
+                                      </m:r>
+                                      <m:d>
+                                        <m:dPr>
+                                          <m:ctrlPr>
+                                            <a:rPr lang="en-US" sz="1800" b="0" i="1" smtClean="0">
+                                              <a:latin typeface="Cambria Math"/>
+                                            </a:rPr>
+                                          </m:ctrlPr>
+                                        </m:dPr>
+                                        <m:e>
+                                          <m:r>
+                                            <a:rPr lang="en-US" sz="1800" b="0" i="1" smtClean="0">
+                                              <a:latin typeface="Cambria Math"/>
+                                            </a:rPr>
+                                            <m:t>𝑞</m:t>
+                                          </m:r>
+                                        </m:e>
+                                      </m:d>
+                                      <m:r>
+                                        <a:rPr lang="en-US" sz="1800" b="0" i="1" smtClean="0">
+                                          <a:latin typeface="Cambria Math"/>
+                                        </a:rPr>
+                                        <m:t>𝑑𝑞</m:t>
+                                      </m:r>
+                                    </m:e>
+                                  </m:nary>
+                                </m:e>
+                              </m:d>
+                            </m:oMath>
+                          </a14:m>
+                          <a:r>
+                            <a:rPr lang="en-US" sz="1800" dirty="0" smtClean="0"/>
+                            <a:t> </a:t>
+                          </a:r>
+                          <a:r>
+                            <a:rPr lang="en-US" sz="1800" dirty="0" smtClean="0"/>
+                            <a:t>= </a:t>
+                          </a:r>
+                          <a14:m>
+                            <m:oMath xmlns:m="http://schemas.openxmlformats.org/officeDocument/2006/math">
+                              <m:f>
+                                <m:fPr>
+                                  <m:ctrlPr>
+                                    <a:rPr lang="en-US" sz="1800" i="1" smtClean="0">
+                                      <a:latin typeface="Cambria Math"/>
+                                    </a:rPr>
+                                  </m:ctrlPr>
+                                </m:fPr>
+                                <m:num>
+                                  <m:r>
+                                    <a:rPr lang="en-US" sz="1800" b="0" i="1" smtClean="0">
+                                      <a:latin typeface="Cambria Math"/>
+                                    </a:rPr>
+                                    <m:t>𝐹</m:t>
+                                  </m:r>
+                                  <m:r>
+                                    <a:rPr lang="en-US" sz="1800" b="0" i="1" smtClean="0">
+                                      <a:latin typeface="Cambria Math"/>
+                                    </a:rPr>
+                                    <m:t>(</m:t>
+                                  </m:r>
+                                  <m:r>
+                                    <a:rPr lang="en-US" sz="1800" b="0" i="1" smtClean="0">
+                                      <a:latin typeface="Cambria Math"/>
+                                    </a:rPr>
+                                    <m:t>𝑠</m:t>
+                                  </m:r>
+                                  <m:r>
+                                    <a:rPr lang="en-US" sz="1800" b="0" i="1" smtClean="0">
+                                      <a:latin typeface="Cambria Math"/>
+                                    </a:rPr>
+                                    <m:t>)</m:t>
+                                  </m:r>
+                                </m:num>
+                                <m:den>
+                                  <m:r>
+                                    <a:rPr lang="en-US" sz="1800" b="0" i="1" smtClean="0">
+                                      <a:latin typeface="Cambria Math"/>
+                                    </a:rPr>
+                                    <m:t>𝑠</m:t>
+                                  </m:r>
+                                </m:den>
+                              </m:f>
+                            </m:oMath>
+                          </a14:m>
+                          <a:r>
+                            <a:rPr lang="en-US" sz="1800" dirty="0" smtClean="0"/>
+                            <a:t> </a:t>
+                          </a:r>
+                          <a:r>
+                            <a:rPr lang="en-US" sz="1800" dirty="0" smtClean="0"/>
+                            <a:t> +</a:t>
+                          </a:r>
+                          <a:r>
+                            <a:rPr lang="en-US" sz="1800" baseline="0" dirty="0" smtClean="0"/>
+                            <a:t> </a:t>
+                          </a:r>
+                          <a14:m>
+                            <m:oMath xmlns:m="http://schemas.openxmlformats.org/officeDocument/2006/math">
+                              <m:f>
+                                <m:fPr>
+                                  <m:ctrlPr>
+                                    <a:rPr lang="en-US" sz="1800" i="1" smtClean="0">
+                                      <a:latin typeface="Cambria Math"/>
+                                    </a:rPr>
+                                  </m:ctrlPr>
+                                </m:fPr>
+                                <m:num>
+                                  <m:nary>
+                                    <m:naryPr>
+                                      <m:ctrlPr>
+                                        <a:rPr lang="en-US" sz="1800" i="1" smtClean="0">
+                                          <a:latin typeface="Cambria Math"/>
+                                        </a:rPr>
+                                      </m:ctrlPr>
+                                    </m:naryPr>
+                                    <m:sub>
+                                      <m:r>
+                                        <m:rPr>
+                                          <m:brk m:alnAt="23"/>
+                                        </m:rPr>
+                                        <a:rPr lang="en-US" sz="1800" b="0" i="1" smtClean="0">
+                                          <a:latin typeface="Cambria Math"/>
+                                        </a:rPr>
+                                        <m:t>−</m:t>
+                                      </m:r>
+                                      <m:r>
+                                        <a:rPr lang="en-US" sz="1800" b="0" i="1" smtClean="0">
+                                          <a:latin typeface="Cambria Math"/>
+                                          <a:ea typeface="Cambria Math"/>
+                                        </a:rPr>
+                                        <m:t>∞</m:t>
+                                      </m:r>
+                                    </m:sub>
+                                    <m:sup>
+                                      <m:r>
+                                        <a:rPr lang="en-US" sz="1800" b="0" i="1" smtClean="0">
+                                          <a:latin typeface="Cambria Math"/>
+                                        </a:rPr>
+                                        <m:t>0</m:t>
+                                      </m:r>
+                                      <m:r>
+                                        <a:rPr lang="en-US" sz="1800" b="0" i="1" baseline="18000" smtClean="0">
+                                          <a:latin typeface="Cambria Math"/>
+                                        </a:rPr>
+                                        <m:t>−</m:t>
+                                      </m:r>
+                                    </m:sup>
+                                    <m:e>
+                                      <m:r>
+                                        <a:rPr lang="en-US" sz="1800" b="0" i="1" smtClean="0">
+                                          <a:latin typeface="Cambria Math"/>
+                                        </a:rPr>
+                                        <m:t>𝑓</m:t>
+                                      </m:r>
+                                      <m:d>
+                                        <m:dPr>
+                                          <m:ctrlPr>
+                                            <a:rPr lang="en-US" sz="1800" b="0" i="1" smtClean="0">
+                                              <a:latin typeface="Cambria Math"/>
+                                            </a:rPr>
+                                          </m:ctrlPr>
+                                        </m:dPr>
+                                        <m:e>
+                                          <m:r>
+                                            <a:rPr lang="en-US" sz="1800" b="0" i="1" smtClean="0">
+                                              <a:latin typeface="Cambria Math"/>
+                                            </a:rPr>
+                                            <m:t>𝑞</m:t>
+                                          </m:r>
+                                        </m:e>
+                                      </m:d>
+                                      <m:r>
+                                        <a:rPr lang="en-US" sz="1800" b="0" i="1" smtClean="0">
+                                          <a:latin typeface="Cambria Math"/>
+                                        </a:rPr>
+                                        <m:t>𝑑𝑞</m:t>
+                                      </m:r>
+                                    </m:e>
+                                  </m:nary>
+                                </m:num>
+                                <m:den>
+                                  <m:r>
+                                    <a:rPr lang="en-US" sz="1800" i="1" smtClean="0">
+                                      <a:latin typeface="Cambria Math"/>
+                                    </a:rPr>
+                                    <m:t>𝑑</m:t>
+                                  </m:r>
+                                  <m:r>
+                                    <a:rPr lang="en-US" sz="1800" b="0" i="1" smtClean="0">
+                                      <a:latin typeface="Cambria Math"/>
+                                    </a:rPr>
+                                    <m:t>𝑠</m:t>
+                                  </m:r>
+                                </m:den>
+                              </m:f>
+                            </m:oMath>
+                          </a14:m>
+                          <a:r>
+                            <a:rPr lang="en-US" sz="1800" dirty="0" smtClean="0"/>
+                            <a:t> </a:t>
+                          </a:r>
+                          <a:endParaRPr lang="en-US" sz="1800" dirty="0" smtClean="0"/>
+                        </a:p>
+                        <a:p>
+                          <a:pPr marL="400050" indent="-400050">
+                            <a:buAutoNum type="romanLcParenBoth"/>
+                          </a:pPr>
+                          <a:r>
+                            <a:rPr lang="en-US" sz="1800" dirty="0" smtClean="0"/>
+                            <a:t>L </a:t>
+                          </a:r>
+                          <a14:m>
+                            <m:oMath xmlns:m="http://schemas.openxmlformats.org/officeDocument/2006/math">
+                              <m:d>
+                                <m:dPr>
+                                  <m:begChr m:val="["/>
+                                  <m:endChr m:val="]"/>
+                                  <m:ctrlPr>
+                                    <a:rPr lang="en-US" sz="1800" i="1" smtClean="0">
+                                      <a:latin typeface="Cambria Math"/>
+                                    </a:rPr>
+                                  </m:ctrlPr>
+                                </m:dPr>
+                                <m:e>
+                                  <m:nary>
+                                    <m:naryPr>
+                                      <m:ctrlPr>
+                                        <a:rPr lang="en-US" sz="1800" i="1" smtClean="0">
+                                          <a:latin typeface="Cambria Math"/>
+                                        </a:rPr>
+                                      </m:ctrlPr>
+                                    </m:naryPr>
+                                    <m:sub>
+                                      <m:r>
+                                        <a:rPr lang="en-US" sz="1800" b="0" i="1" smtClean="0">
+                                          <a:latin typeface="Cambria Math"/>
+                                        </a:rPr>
+                                        <m:t>0</m:t>
+                                      </m:r>
+                                    </m:sub>
+                                    <m:sup>
+                                      <m:r>
+                                        <a:rPr lang="en-US" sz="1800" b="0" i="1" smtClean="0">
+                                          <a:latin typeface="Cambria Math"/>
+                                        </a:rPr>
+                                        <m:t>𝑡</m:t>
+                                      </m:r>
+                                    </m:sup>
+                                    <m:e>
+                                      <m:r>
+                                        <a:rPr lang="en-US" sz="1800" b="0" i="1" smtClean="0">
+                                          <a:latin typeface="Cambria Math"/>
+                                        </a:rPr>
+                                        <m:t>𝑓</m:t>
+                                      </m:r>
+                                      <m:d>
+                                        <m:dPr>
+                                          <m:ctrlPr>
+                                            <a:rPr lang="en-US" sz="1800" b="0" i="1" smtClean="0">
+                                              <a:latin typeface="Cambria Math"/>
+                                            </a:rPr>
+                                          </m:ctrlPr>
+                                        </m:dPr>
+                                        <m:e>
+                                          <m:r>
+                                            <a:rPr lang="en-US" sz="1800" b="0" i="1" smtClean="0">
+                                              <a:latin typeface="Cambria Math"/>
+                                            </a:rPr>
+                                            <m:t>𝑞</m:t>
+                                          </m:r>
+                                        </m:e>
+                                      </m:d>
+                                      <m:r>
+                                        <a:rPr lang="en-US" sz="1800" b="0" i="1" smtClean="0">
+                                          <a:latin typeface="Cambria Math"/>
+                                        </a:rPr>
+                                        <m:t>𝑑𝑞</m:t>
+                                      </m:r>
+                                    </m:e>
+                                  </m:nary>
+                                </m:e>
+                              </m:d>
+                            </m:oMath>
+                          </a14:m>
+                          <a:r>
+                            <a:rPr lang="en-US" sz="1800" dirty="0" smtClean="0"/>
+                            <a:t> </a:t>
+                          </a:r>
+                          <a:r>
+                            <a:rPr lang="en-US" sz="1800" dirty="0" smtClean="0"/>
+                            <a:t> = </a:t>
+                          </a:r>
+                          <a14:m>
+                            <m:oMath xmlns:m="http://schemas.openxmlformats.org/officeDocument/2006/math">
+                              <m:f>
+                                <m:fPr>
+                                  <m:ctrlPr>
+                                    <a:rPr lang="en-US" sz="1800" i="1" smtClean="0">
+                                      <a:latin typeface="Cambria Math"/>
+                                    </a:rPr>
+                                  </m:ctrlPr>
+                                </m:fPr>
+                                <m:num>
+                                  <m:r>
+                                    <a:rPr lang="en-US" sz="1800" b="0" i="1" smtClean="0">
+                                      <a:latin typeface="Cambria Math"/>
+                                    </a:rPr>
+                                    <m:t>𝐹</m:t>
+                                  </m:r>
+                                  <m:r>
+                                    <a:rPr lang="en-US" sz="1800" b="0" i="1" smtClean="0">
+                                      <a:latin typeface="Cambria Math"/>
+                                    </a:rPr>
+                                    <m:t>(</m:t>
+                                  </m:r>
+                                  <m:r>
+                                    <a:rPr lang="en-US" sz="1800" b="0" i="1" smtClean="0">
+                                      <a:latin typeface="Cambria Math"/>
+                                    </a:rPr>
+                                    <m:t>𝑠</m:t>
+                                  </m:r>
+                                  <m:r>
+                                    <a:rPr lang="en-US" sz="1800" b="0" i="1" smtClean="0">
+                                      <a:latin typeface="Cambria Math"/>
+                                    </a:rPr>
+                                    <m:t>)</m:t>
+                                  </m:r>
+                                </m:num>
+                                <m:den>
+                                  <m:r>
+                                    <a:rPr lang="en-US" sz="1800" b="0" i="1" smtClean="0">
+                                      <a:latin typeface="Cambria Math"/>
+                                    </a:rPr>
+                                    <m:t>𝑠</m:t>
+                                  </m:r>
+                                </m:den>
+                              </m:f>
+                            </m:oMath>
+                          </a14:m>
+                          <a:r>
+                            <a:rPr lang="en-US" sz="1800" dirty="0" smtClean="0"/>
+                            <a:t> </a:t>
+                          </a:r>
+                          <a:endParaRPr lang="en-US" dirty="0"/>
+                        </a:p>
+                      </a:txBody>
+                      <a:tcPr/>
+                    </a:tc>
+                  </a:tr>
+                  <a:tr h="1157124">
+                    <a:tc>
+                      <a:txBody>
+                        <a:bodyPr/>
+                        <a:lstStyle/>
+                        <a:p>
+                          <a:r>
+                            <a:rPr lang="en-US" dirty="0" smtClean="0"/>
+                            <a:t>Time/Frequency Scaling</a:t>
+                          </a:r>
+                          <a:endParaRPr lang="en-US" dirty="0"/>
+                        </a:p>
+                      </a:txBody>
+                      <a:tcPr/>
+                    </a:tc>
+                    <a:tc>
+                      <a:txBody>
+                        <a:bodyPr/>
+                        <a:lstStyle/>
+                        <a:p>
+                          <a:r>
+                            <a:rPr lang="en-US" dirty="0" smtClean="0"/>
+                            <a:t>L[f(at)] = 1/a F(s/a)</a:t>
+                          </a:r>
+                          <a:endParaRPr lang="en-US" dirty="0"/>
+                        </a:p>
+                      </a:txBody>
+                      <a:tcPr/>
+                    </a:tc>
+                  </a:tr>
+                </a:tbl>
+              </a:graphicData>
+            </a:graphic>
+          </p:graphicFrame>
+        </mc:Choice>
+        <mc:Fallback>
+          <p:graphicFrame>
+            <p:nvGraphicFramePr>
+              <p:cNvPr id="4" name="Table 3"/>
+              <p:cNvGraphicFramePr>
+                <a:graphicFrameLocks noGrp="1"/>
+              </p:cNvGraphicFramePr>
+              <p:nvPr>
+                <p:extLst>
+                  <p:ext uri="{D42A27DB-BD31-4B8C-83A1-F6EECF244321}">
+                    <p14:modId xmlns:p14="http://schemas.microsoft.com/office/powerpoint/2010/main" val="1728793022"/>
+                  </p:ext>
+                </p:extLst>
+              </p:nvPr>
+            </p:nvGraphicFramePr>
+            <p:xfrm>
+              <a:off x="6836229" y="1445373"/>
+              <a:ext cx="5098144" cy="3982963"/>
+            </p:xfrm>
+            <a:graphic>
+              <a:graphicData uri="http://schemas.openxmlformats.org/drawingml/2006/table">
+                <a:tbl>
+                  <a:tblPr firstRow="1" bandRow="1">
+                    <a:tableStyleId>{5C22544A-7EE6-4342-B048-85BDC9FD1C3A}</a:tableStyleId>
+                  </a:tblPr>
+                  <a:tblGrid>
+                    <a:gridCol w="1763485"/>
+                    <a:gridCol w="3334659"/>
+                  </a:tblGrid>
+                  <a:tr h="1157124">
+                    <a:tc>
+                      <a:txBody>
+                        <a:bodyPr/>
+                        <a:lstStyle/>
+                        <a:p>
+                          <a:r>
+                            <a:rPr lang="en-US" dirty="0" smtClean="0"/>
+                            <a:t>Property</a:t>
+                          </a:r>
+                          <a:endParaRPr lang="en-US" dirty="0"/>
+                        </a:p>
+                      </a:txBody>
+                      <a:tcPr/>
+                    </a:tc>
+                    <a:tc>
+                      <a:txBody>
+                        <a:bodyPr/>
+                        <a:lstStyle/>
+                        <a:p>
+                          <a:r>
+                            <a:rPr lang="en-US" dirty="0" smtClean="0"/>
+                            <a:t>Transform Pair</a:t>
+                          </a:r>
+                          <a:endParaRPr lang="en-US" dirty="0"/>
+                        </a:p>
+                      </a:txBody>
+                      <a:tcPr/>
+                    </a:tc>
+                  </a:tr>
+                  <a:tr h="1668715">
+                    <a:tc>
+                      <a:txBody>
+                        <a:bodyPr/>
+                        <a:lstStyle/>
+                        <a:p>
+                          <a:r>
+                            <a:rPr lang="en-US" dirty="0" smtClean="0"/>
+                            <a:t>Time Integration</a:t>
+                          </a:r>
+                          <a:endParaRPr lang="en-US" dirty="0"/>
+                        </a:p>
+                      </a:txBody>
+                      <a:tcPr/>
+                    </a:tc>
+                    <a:tc>
+                      <a:txBody>
+                        <a:bodyPr/>
+                        <a:lstStyle/>
+                        <a:p>
+                          <a:endParaRPr lang="en-US"/>
+                        </a:p>
+                      </a:txBody>
+                      <a:tcPr>
+                        <a:blipFill rotWithShape="1">
+                          <a:blip r:embed="rId3"/>
+                          <a:stretch>
+                            <a:fillRect l="-53016" t="-71429" b="-69963"/>
+                          </a:stretch>
+                        </a:blipFill>
+                      </a:tcPr>
+                    </a:tc>
+                  </a:tr>
+                  <a:tr h="1157124">
+                    <a:tc>
+                      <a:txBody>
+                        <a:bodyPr/>
+                        <a:lstStyle/>
+                        <a:p>
+                          <a:r>
+                            <a:rPr lang="en-US" dirty="0" smtClean="0"/>
+                            <a:t>Time/Frequency Scaling</a:t>
+                          </a:r>
+                          <a:endParaRPr lang="en-US" dirty="0"/>
+                        </a:p>
+                      </a:txBody>
+                      <a:tcPr/>
+                    </a:tc>
+                    <a:tc>
+                      <a:txBody>
+                        <a:bodyPr/>
+                        <a:lstStyle/>
+                        <a:p>
+                          <a:r>
+                            <a:rPr lang="en-US" dirty="0" smtClean="0"/>
+                            <a:t>L[f(at)] = 1/a F(s/a)</a:t>
+                          </a:r>
+                          <a:endParaRPr lang="en-US" dirty="0"/>
+                        </a:p>
+                      </a:txBody>
+                      <a:tcPr/>
+                    </a:tc>
+                  </a:tr>
+                </a:tbl>
+              </a:graphicData>
+            </a:graphic>
+          </p:graphicFrame>
+        </mc:Fallback>
+      </mc:AlternateContent>
+      <p:sp>
+        <p:nvSpPr>
+          <p:cNvPr id="6" name="TextBox 5"/>
+          <p:cNvSpPr txBox="1"/>
           <p:nvPr/>
-        </p:nvGrpSpPr>
-        <p:grpSpPr>
+        </p:nvSpPr>
+        <p:spPr>
           <a:xfrm>
-            <a:off x="6417645" y="1455053"/>
-            <a:ext cx="5049054" cy="2981741"/>
-            <a:chOff x="6417645" y="1573824"/>
-            <a:chExt cx="5049054" cy="2981741"/>
+            <a:off x="457200" y="206829"/>
+            <a:ext cx="2220686" cy="369332"/>
           </a:xfrm>
-        </p:grpSpPr>
-        <p:pic>
-          <p:nvPicPr>
-            <p:cNvPr id="8" name="Picture 7">
-              <a:extLst>
-                <a:ext uri="{FF2B5EF4-FFF2-40B4-BE49-F238E27FC236}">
-                  <a16:creationId xmlns="" xmlns:a16="http://schemas.microsoft.com/office/drawing/2014/main" id="{3FA59D9A-EF62-2124-3CEB-A9C358F8A5AF}"/>
-                </a:ext>
-              </a:extLst>
-            </p:cNvPr>
-            <p:cNvPicPr>
-              <a:picLocks noChangeAspect="1"/>
-            </p:cNvPicPr>
-            <p:nvPr/>
-          </p:nvPicPr>
-          <p:blipFill>
-            <a:blip r:embed="rId2"/>
-            <a:stretch>
-              <a:fillRect/>
-            </a:stretch>
-          </p:blipFill>
-          <p:spPr>
-            <a:xfrm>
-              <a:off x="6417645" y="1916772"/>
-              <a:ext cx="5049054" cy="2638793"/>
-            </a:xfrm>
-            <a:prstGeom prst="rect">
-              <a:avLst/>
-            </a:prstGeom>
-          </p:spPr>
-        </p:pic>
-        <p:pic>
-          <p:nvPicPr>
-            <p:cNvPr id="15" name="Picture 14">
-              <a:extLst>
-                <a:ext uri="{FF2B5EF4-FFF2-40B4-BE49-F238E27FC236}">
-                  <a16:creationId xmlns="" xmlns:a16="http://schemas.microsoft.com/office/drawing/2014/main" id="{4B49F486-2328-3D64-758A-954DD5C352C6}"/>
-                </a:ext>
-              </a:extLst>
-            </p:cNvPr>
-            <p:cNvPicPr>
-              <a:picLocks noChangeAspect="1"/>
-            </p:cNvPicPr>
-            <p:nvPr/>
-          </p:nvPicPr>
-          <p:blipFill>
-            <a:blip r:embed="rId3"/>
-            <a:stretch>
-              <a:fillRect/>
-            </a:stretch>
-          </p:blipFill>
-          <p:spPr>
-            <a:xfrm>
-              <a:off x="6417744" y="1573824"/>
-              <a:ext cx="5048955" cy="342948"/>
-            </a:xfrm>
-            <a:prstGeom prst="rect">
-              <a:avLst/>
-            </a:prstGeom>
-          </p:spPr>
-        </p:pic>
-      </p:grpSp>
-      <p:graphicFrame>
-        <p:nvGraphicFramePr>
-          <p:cNvPr id="3" name="Table 2"/>
-          <p:cNvGraphicFramePr>
-            <a:graphicFrameLocks noGrp="1"/>
-          </p:cNvGraphicFramePr>
-          <p:nvPr>
-            <p:extLst>
-              <p:ext uri="{D42A27DB-BD31-4B8C-83A1-F6EECF244321}">
-                <p14:modId xmlns:p14="http://schemas.microsoft.com/office/powerpoint/2010/main" val="4226880664"/>
-              </p:ext>
-            </p:extLst>
-          </p:nvPr>
-        </p:nvGraphicFramePr>
-        <p:xfrm>
-          <a:off x="1031842" y="1358897"/>
-          <a:ext cx="4108870" cy="2926080"/>
-        </p:xfrm>
-        <a:graphic>
-          <a:graphicData uri="http://schemas.openxmlformats.org/drawingml/2006/table">
-            <a:tbl>
-              <a:tblPr firstRow="1" bandRow="1">
-                <a:tableStyleId>{5C22544A-7EE6-4342-B048-85BDC9FD1C3A}</a:tableStyleId>
-              </a:tblPr>
-              <a:tblGrid>
-                <a:gridCol w="2054435"/>
-                <a:gridCol w="2054435"/>
-              </a:tblGrid>
-              <a:tr h="344326">
-                <a:tc>
-                  <a:txBody>
-                    <a:bodyPr/>
-                    <a:lstStyle/>
-                    <a:p>
-                      <a:endParaRPr lang="en-US" dirty="0"/>
-                    </a:p>
-                  </a:txBody>
-                  <a:tcPr/>
-                </a:tc>
-                <a:tc>
-                  <a:txBody>
-                    <a:bodyPr/>
-                    <a:lstStyle/>
-                    <a:p>
-                      <a:endParaRPr lang="en-US"/>
-                    </a:p>
-                  </a:txBody>
-                  <a:tcPr/>
-                </a:tc>
-              </a:tr>
-              <a:tr h="344326">
-                <a:tc>
-                  <a:txBody>
-                    <a:bodyPr/>
-                    <a:lstStyle/>
-                    <a:p>
-                      <a:endParaRPr lang="en-US"/>
-                    </a:p>
-                  </a:txBody>
-                  <a:tcPr/>
-                </a:tc>
-                <a:tc>
-                  <a:txBody>
-                    <a:bodyPr/>
-                    <a:lstStyle/>
-                    <a:p>
-                      <a:endParaRPr lang="en-US"/>
-                    </a:p>
-                  </a:txBody>
-                  <a:tcPr/>
-                </a:tc>
-              </a:tr>
-              <a:tr h="344326">
-                <a:tc>
-                  <a:txBody>
-                    <a:bodyPr/>
-                    <a:lstStyle/>
-                    <a:p>
-                      <a:endParaRPr lang="en-US"/>
-                    </a:p>
-                  </a:txBody>
-                  <a:tcPr/>
-                </a:tc>
-                <a:tc>
-                  <a:txBody>
-                    <a:bodyPr/>
-                    <a:lstStyle/>
-                    <a:p>
-                      <a:endParaRPr lang="en-US" dirty="0"/>
-                    </a:p>
-                  </a:txBody>
-                  <a:tcPr/>
-                </a:tc>
-              </a:tr>
-              <a:tr h="344326">
-                <a:tc>
-                  <a:txBody>
-                    <a:bodyPr/>
-                    <a:lstStyle/>
-                    <a:p>
-                      <a:endParaRPr lang="en-US"/>
-                    </a:p>
-                  </a:txBody>
-                  <a:tcPr/>
-                </a:tc>
-                <a:tc>
-                  <a:txBody>
-                    <a:bodyPr/>
-                    <a:lstStyle/>
-                    <a:p>
-                      <a:endParaRPr lang="en-US"/>
-                    </a:p>
-                  </a:txBody>
-                  <a:tcPr/>
-                </a:tc>
-              </a:tr>
-              <a:tr h="344326">
-                <a:tc>
-                  <a:txBody>
-                    <a:bodyPr/>
-                    <a:lstStyle/>
-                    <a:p>
-                      <a:endParaRPr lang="en-US"/>
-                    </a:p>
-                  </a:txBody>
-                  <a:tcPr/>
-                </a:tc>
-                <a:tc>
-                  <a:txBody>
-                    <a:bodyPr/>
-                    <a:lstStyle/>
-                    <a:p>
-                      <a:endParaRPr lang="en-US"/>
-                    </a:p>
-                  </a:txBody>
-                  <a:tcPr/>
-                </a:tc>
-              </a:tr>
-              <a:tr h="344326">
-                <a:tc>
-                  <a:txBody>
-                    <a:bodyPr/>
-                    <a:lstStyle/>
-                    <a:p>
-                      <a:endParaRPr lang="en-US"/>
-                    </a:p>
-                  </a:txBody>
-                  <a:tcPr/>
-                </a:tc>
-                <a:tc>
-                  <a:txBody>
-                    <a:bodyPr/>
-                    <a:lstStyle/>
-                    <a:p>
-                      <a:endParaRPr lang="en-US"/>
-                    </a:p>
-                  </a:txBody>
-                  <a:tcPr/>
-                </a:tc>
-              </a:tr>
-              <a:tr h="344326">
-                <a:tc>
-                  <a:txBody>
-                    <a:bodyPr/>
-                    <a:lstStyle/>
-                    <a:p>
-                      <a:endParaRPr lang="en-US"/>
-                    </a:p>
-                  </a:txBody>
-                  <a:tcPr/>
-                </a:tc>
-                <a:tc>
-                  <a:txBody>
-                    <a:bodyPr/>
-                    <a:lstStyle/>
-                    <a:p>
-                      <a:endParaRPr lang="en-US"/>
-                    </a:p>
-                  </a:txBody>
-                  <a:tcPr/>
-                </a:tc>
-              </a:tr>
-              <a:tr h="344326">
-                <a:tc>
-                  <a:txBody>
-                    <a:bodyPr/>
-                    <a:lstStyle/>
-                    <a:p>
-                      <a:endParaRPr lang="en-US"/>
-                    </a:p>
-                  </a:txBody>
-                  <a:tcPr/>
-                </a:tc>
-                <a:tc>
-                  <a:txBody>
-                    <a:bodyPr/>
-                    <a:lstStyle/>
-                    <a:p>
-                      <a:endParaRPr lang="en-US" dirty="0"/>
-                    </a:p>
-                  </a:txBody>
-                  <a:tcPr/>
-                </a:tc>
-              </a:tr>
-            </a:tbl>
-          </a:graphicData>
-        </a:graphic>
-      </p:graphicFrame>
+          <a:prstGeom prst="rect">
+            <a:avLst/>
+          </a:prstGeom>
+          <a:noFill/>
+        </p:spPr>
+        <p:txBody>
+          <a:bodyPr wrap="square" rtlCol="0">
+            <a:spAutoFit/>
+          </a:bodyPr>
+          <a:lstStyle/>
+          <a:p>
+            <a:r>
+              <a:rPr lang="en-US" dirty="0" err="1" smtClean="0"/>
+              <a:t>salman</a:t>
+            </a:r>
+            <a:endParaRPr lang="en-US" dirty="0"/>
+          </a:p>
+        </p:txBody>
+      </p:sp>
     </p:spTree>
     <p:extLst>
       <p:ext uri="{BB962C8B-B14F-4D97-AF65-F5344CB8AC3E}">
@@ -29249,7 +31136,7 @@
             <a:r>
               <a:rPr lang="en-US" sz="4000" b="1" dirty="0">
                 <a:solidFill>
-                  <a:srgbClr val="0000CC"/>
+                  <a:srgbClr val="00B050"/>
                 </a:solidFill>
                 <a:latin typeface="Cambria" panose="02040503050406030204" pitchFamily="18" charset="0"/>
               </a:rPr>
@@ -29258,7 +31145,7 @@
             <a:r>
               <a:rPr lang="lv-LV" sz="4000" b="1" dirty="0">
                 <a:solidFill>
-                  <a:srgbClr val="0000CC"/>
+                  <a:srgbClr val="00B050"/>
                 </a:solidFill>
                 <a:latin typeface="Cambria" panose="02040503050406030204" pitchFamily="18" charset="0"/>
               </a:rPr>
@@ -29266,7 +31153,7 @@
             </a:r>
             <a:endParaRPr lang="en-US" sz="4000" b="1" dirty="0">
               <a:solidFill>
-                <a:srgbClr val="0000CC"/>
+                <a:srgbClr val="00B050"/>
               </a:solidFill>
               <a:latin typeface="Cambria" panose="02040503050406030204" pitchFamily="18" charset="0"/>
             </a:endParaRPr>
@@ -30576,7 +32463,7 @@
             <a:r>
               <a:rPr lang="en-US" sz="4000" b="1" dirty="0">
                 <a:solidFill>
-                  <a:srgbClr val="0000CC"/>
+                  <a:srgbClr val="00B050"/>
                 </a:solidFill>
                 <a:latin typeface="Cambria" panose="02040503050406030204" pitchFamily="18" charset="0"/>
               </a:rPr>
@@ -30585,7 +32472,7 @@
             <a:r>
               <a:rPr lang="lv-LV" sz="4000" b="1" dirty="0">
                 <a:solidFill>
-                  <a:srgbClr val="0000CC"/>
+                  <a:srgbClr val="00B050"/>
                 </a:solidFill>
                 <a:latin typeface="Cambria" panose="02040503050406030204" pitchFamily="18" charset="0"/>
               </a:rPr>
@@ -30593,7 +32480,7 @@
             </a:r>
             <a:endParaRPr lang="en-US" sz="4000" b="1" dirty="0">
               <a:solidFill>
-                <a:srgbClr val="0000CC"/>
+                <a:srgbClr val="00B050"/>
               </a:solidFill>
               <a:latin typeface="Cambria" panose="02040503050406030204" pitchFamily="18" charset="0"/>
             </a:endParaRPr>
@@ -31196,7 +33083,7 @@
           <p:cNvPr id="5" name="مربع نص 1">
             <a:extLst>
               <a:ext uri="{FF2B5EF4-FFF2-40B4-BE49-F238E27FC236}">
-                <a16:creationId xmlns="" xmlns:a16="http://schemas.microsoft.com/office/drawing/2014/main" id="{7711DB52-DA0E-C95D-DFAF-CCC7BD2BE49D}"/>
+                <a16:creationId xmlns:a16="http://schemas.microsoft.com/office/drawing/2014/main" xmlns="" id="{7711DB52-DA0E-C95D-DFAF-CCC7BD2BE49D}"/>
               </a:ext>
             </a:extLst>
           </p:cNvPr>
@@ -31261,7 +33148,7 @@
           <p:cNvPr id="6" name="TextBox 5">
             <a:extLst>
               <a:ext uri="{FF2B5EF4-FFF2-40B4-BE49-F238E27FC236}">
-                <a16:creationId xmlns="" xmlns:a16="http://schemas.microsoft.com/office/drawing/2014/main" id="{34183D16-35EC-852C-6B9E-C6ED3DBFD9D3}"/>
+                <a16:creationId xmlns:a16="http://schemas.microsoft.com/office/drawing/2014/main" xmlns="" id="{34183D16-35EC-852C-6B9E-C6ED3DBFD9D3}"/>
               </a:ext>
             </a:extLst>
           </p:cNvPr>
@@ -31447,7 +33334,7 @@
           <p:cNvPr id="4" name="TextBox 3">
             <a:extLst>
               <a:ext uri="{FF2B5EF4-FFF2-40B4-BE49-F238E27FC236}">
-                <a16:creationId xmlns="" xmlns:a16="http://schemas.microsoft.com/office/drawing/2014/main" id="{2AD08732-DA46-CBF2-8C19-852153DE9EAB}"/>
+                <a16:creationId xmlns:a16="http://schemas.microsoft.com/office/drawing/2014/main" xmlns="" id="{2AD08732-DA46-CBF2-8C19-852153DE9EAB}"/>
               </a:ext>
             </a:extLst>
           </p:cNvPr>
@@ -32000,7 +33887,7 @@
           <p:cNvPr id="5" name="TextBox 4">
             <a:extLst>
               <a:ext uri="{FF2B5EF4-FFF2-40B4-BE49-F238E27FC236}">
-                <a16:creationId xmlns="" xmlns:a16="http://schemas.microsoft.com/office/drawing/2014/main" id="{57834CAD-9EBE-5BC1-BA52-6E49D41FD9CF}"/>
+                <a16:creationId xmlns:a16="http://schemas.microsoft.com/office/drawing/2014/main" xmlns="" id="{57834CAD-9EBE-5BC1-BA52-6E49D41FD9CF}"/>
               </a:ext>
             </a:extLst>
           </p:cNvPr>
@@ -32029,7 +33916,7 @@
             <a:r>
               <a:rPr lang="en-GB" sz="4000" b="1" dirty="0">
                 <a:solidFill>
-                  <a:srgbClr val="0000CC"/>
+                  <a:srgbClr val="00B050"/>
                 </a:solidFill>
                 <a:latin typeface="Cambria" panose="02040503050406030204" pitchFamily="18" charset="0"/>
               </a:rPr>
@@ -32037,7 +33924,7 @@
             </a:r>
             <a:endParaRPr lang="en-US" sz="4000" b="1" dirty="0">
               <a:solidFill>
-                <a:srgbClr val="0000CC"/>
+                <a:srgbClr val="00B050"/>
               </a:solidFill>
               <a:latin typeface="Cambria" panose="02040503050406030204" pitchFamily="18" charset="0"/>
             </a:endParaRPr>
@@ -32171,7 +34058,7 @@
           <p:cNvPr id="4" name="TextBox 3">
             <a:extLst>
               <a:ext uri="{FF2B5EF4-FFF2-40B4-BE49-F238E27FC236}">
-                <a16:creationId xmlns="" xmlns:a16="http://schemas.microsoft.com/office/drawing/2014/main" id="{2AD08732-DA46-CBF2-8C19-852153DE9EAB}"/>
+                <a16:creationId xmlns:a16="http://schemas.microsoft.com/office/drawing/2014/main" xmlns="" id="{2AD08732-DA46-CBF2-8C19-852153DE9EAB}"/>
               </a:ext>
             </a:extLst>
           </p:cNvPr>
@@ -32402,7 +34289,7 @@
           <p:cNvPr id="5" name="TextBox 4">
             <a:extLst>
               <a:ext uri="{FF2B5EF4-FFF2-40B4-BE49-F238E27FC236}">
-                <a16:creationId xmlns="" xmlns:a16="http://schemas.microsoft.com/office/drawing/2014/main" id="{57834CAD-9EBE-5BC1-BA52-6E49D41FD9CF}"/>
+                <a16:creationId xmlns:a16="http://schemas.microsoft.com/office/drawing/2014/main" xmlns="" id="{57834CAD-9EBE-5BC1-BA52-6E49D41FD9CF}"/>
               </a:ext>
             </a:extLst>
           </p:cNvPr>
@@ -32431,7 +34318,7 @@
             <a:r>
               <a:rPr lang="en-GB" sz="4000" b="1" dirty="0">
                 <a:solidFill>
-                  <a:srgbClr val="0000CC"/>
+                  <a:srgbClr val="00B050"/>
                 </a:solidFill>
                 <a:latin typeface="Cambria" panose="02040503050406030204" pitchFamily="18" charset="0"/>
               </a:rPr>
@@ -32439,7 +34326,7 @@
             </a:r>
             <a:endParaRPr lang="en-US" sz="4000" b="1" dirty="0">
               <a:solidFill>
-                <a:srgbClr val="0000CC"/>
+                <a:srgbClr val="00B050"/>
               </a:solidFill>
               <a:latin typeface="Cambria" panose="02040503050406030204" pitchFamily="18" charset="0"/>
             </a:endParaRPr>
@@ -32568,7 +34455,7 @@
           <p:cNvPr id="7" name="TextBox 6">
             <a:extLst>
               <a:ext uri="{FF2B5EF4-FFF2-40B4-BE49-F238E27FC236}">
-                <a16:creationId xmlns="" xmlns:a16="http://schemas.microsoft.com/office/drawing/2014/main" id="{B66F6C66-435D-19C9-753E-FB43FE2E13B8}"/>
+                <a16:creationId xmlns:a16="http://schemas.microsoft.com/office/drawing/2014/main" xmlns="" id="{B66F6C66-435D-19C9-753E-FB43FE2E13B8}"/>
               </a:ext>
             </a:extLst>
           </p:cNvPr>
@@ -32650,7 +34537,7 @@
           <p:cNvPr id="9" name="مربع نص 1">
             <a:extLst>
               <a:ext uri="{FF2B5EF4-FFF2-40B4-BE49-F238E27FC236}">
-                <a16:creationId xmlns="" xmlns:a16="http://schemas.microsoft.com/office/drawing/2014/main" id="{C21C7ED3-9CF9-F6A0-18E3-82DF544CCBB4}"/>
+                <a16:creationId xmlns:a16="http://schemas.microsoft.com/office/drawing/2014/main" xmlns="" id="{C21C7ED3-9CF9-F6A0-18E3-82DF544CCBB4}"/>
               </a:ext>
             </a:extLst>
           </p:cNvPr>
@@ -32785,7 +34672,7 @@
           <p:cNvPr id="3" name="Group 2">
             <a:extLst>
               <a:ext uri="{FF2B5EF4-FFF2-40B4-BE49-F238E27FC236}">
-                <a16:creationId xmlns="" xmlns:a16="http://schemas.microsoft.com/office/drawing/2014/main" id="{73AAE5E4-01BA-8066-ED73-AE85B58C76E6}"/>
+                <a16:creationId xmlns:a16="http://schemas.microsoft.com/office/drawing/2014/main" xmlns="" id="{73AAE5E4-01BA-8066-ED73-AE85B58C76E6}"/>
               </a:ext>
             </a:extLst>
           </p:cNvPr>
@@ -33394,7 +35281,7 @@
           <p:cNvPr id="11" name="Rectangle: Rounded Corners 10">
             <a:extLst>
               <a:ext uri="{FF2B5EF4-FFF2-40B4-BE49-F238E27FC236}">
-                <a16:creationId xmlns="" xmlns:a16="http://schemas.microsoft.com/office/drawing/2014/main" id="{E34B2100-1899-6F2A-3907-8638A3D972BE}"/>
+                <a16:creationId xmlns:a16="http://schemas.microsoft.com/office/drawing/2014/main" xmlns="" id="{E34B2100-1899-6F2A-3907-8638A3D972BE}"/>
               </a:ext>
             </a:extLst>
           </p:cNvPr>
@@ -38969,7 +40856,7 @@
   <a:extraClrSchemeLst/>
   <a:extLst>
     <a:ext uri="{05A4C25C-085E-4340-85A3-A5531E510DB2}">
-      <thm15:themeFamily xmlns="" xmlns:thm15="http://schemas.microsoft.com/office/thememl/2012/main" name="Office Theme" id="{62F939B6-93AF-4DB8-9C6B-D6C7DFDC589F}" vid="{4A3C46E8-61CC-4603-A589-7422A47A8E4A}"/>
+      <thm15:themeFamily xmlns:thm15="http://schemas.microsoft.com/office/thememl/2012/main" xmlns="" name="Office Theme" id="{62F939B6-93AF-4DB8-9C6B-D6C7DFDC589F}" vid="{4A3C46E8-61CC-4603-A589-7422A47A8E4A}"/>
     </a:ext>
   </a:extLst>
 </a:theme>
